--- a/Presentations/APS_April2021/tropiano_aps_april2021.pptx
+++ b/Presentations/APS_April2021/tropiano_aps_april2021.pptx
@@ -1,17 +1,30 @@
 
 <file path=ppt/presentation.xml><?xml version="1.0" encoding="utf-8"?>
-<p:presentation xmlns:a="http://schemas.openxmlformats.org/drawingml/2006/main" xmlns:r="http://schemas.openxmlformats.org/officeDocument/2006/relationships" xmlns:p="http://schemas.openxmlformats.org/presentationml/2006/main" saveSubsetFonts="1">
+<p:presentation xmlns:a="http://schemas.openxmlformats.org/drawingml/2006/main" xmlns:r="http://schemas.openxmlformats.org/officeDocument/2006/relationships" xmlns:p="http://schemas.openxmlformats.org/presentationml/2006/main" showSpecialPlsOnTitleSld="0" saveSubsetFonts="1">
   <p:sldMasterIdLst>
     <p:sldMasterId id="2147483660" r:id="rId1"/>
   </p:sldMasterIdLst>
   <p:notesMasterIdLst>
-    <p:notesMasterId r:id="rId6"/>
+    <p:notesMasterId r:id="rId19"/>
   </p:notesMasterIdLst>
   <p:sldIdLst>
     <p:sldId id="260" r:id="rId2"/>
     <p:sldId id="275" r:id="rId3"/>
-    <p:sldId id="278" r:id="rId4"/>
-    <p:sldId id="279" r:id="rId5"/>
+    <p:sldId id="284" r:id="rId4"/>
+    <p:sldId id="285" r:id="rId5"/>
+    <p:sldId id="278" r:id="rId6"/>
+    <p:sldId id="286" r:id="rId7"/>
+    <p:sldId id="280" r:id="rId8"/>
+    <p:sldId id="287" r:id="rId9"/>
+    <p:sldId id="281" r:id="rId10"/>
+    <p:sldId id="292" r:id="rId11"/>
+    <p:sldId id="293" r:id="rId12"/>
+    <p:sldId id="282" r:id="rId13"/>
+    <p:sldId id="279" r:id="rId14"/>
+    <p:sldId id="283" r:id="rId15"/>
+    <p:sldId id="288" r:id="rId16"/>
+    <p:sldId id="289" r:id="rId17"/>
+    <p:sldId id="290" r:id="rId18"/>
   </p:sldIdLst>
   <p:sldSz cx="12192000" cy="6858000"/>
   <p:notesSz cx="6858000" cy="9144000"/>
@@ -110,6 +123,11 @@
       </a:defRPr>
     </a:lvl9pPr>
   </p:defaultTextStyle>
+  <p:extLst>
+    <p:ext uri="{EFAFB233-063F-42B5-8137-9DF3F51BA10A}">
+      <p15:sldGuideLst xmlns:p15="http://schemas.microsoft.com/office/powerpoint/2012/main"/>
+    </p:ext>
+  </p:extLst>
 </p:presentation>
 </file>
 
@@ -195,7 +213,7 @@
           <a:p>
             <a:fld id="{D6262846-A322-4A91-AADC-BD2991192A7F}" type="datetimeFigureOut">
               <a:rPr lang="en-US" smtClean="0"/>
-              <a:t>4/13/2021</a:t>
+              <a:t>4/14/2021</a:t>
             </a:fld>
             <a:endParaRPr lang="en-US"/>
           </a:p>
@@ -611,6 +629,1154 @@
 </p:notes>
 </file>
 
+<file path=ppt/notesSlides/notesSlide10.xml><?xml version="1.0" encoding="utf-8"?>
+<p:notes xmlns:a="http://schemas.openxmlformats.org/drawingml/2006/main" xmlns:r="http://schemas.openxmlformats.org/officeDocument/2006/relationships" xmlns:p="http://schemas.openxmlformats.org/presentationml/2006/main">
+  <p:cSld>
+    <p:spTree>
+      <p:nvGrpSpPr>
+        <p:cNvPr id="1" name=""/>
+        <p:cNvGrpSpPr/>
+        <p:nvPr/>
+      </p:nvGrpSpPr>
+      <p:grpSpPr>
+        <a:xfrm>
+          <a:off x="0" y="0"/>
+          <a:ext cx="0" cy="0"/>
+          <a:chOff x="0" y="0"/>
+          <a:chExt cx="0" cy="0"/>
+        </a:xfrm>
+      </p:grpSpPr>
+      <p:sp>
+        <p:nvSpPr>
+          <p:cNvPr id="2" name="Slide Image Placeholder 1"/>
+          <p:cNvSpPr>
+            <a:spLocks noGrp="1" noRot="1" noChangeAspect="1"/>
+          </p:cNvSpPr>
+          <p:nvPr>
+            <p:ph type="sldImg"/>
+          </p:nvPr>
+        </p:nvSpPr>
+        <p:spPr/>
+      </p:sp>
+      <p:sp>
+        <p:nvSpPr>
+          <p:cNvPr id="3" name="Notes Placeholder 2"/>
+          <p:cNvSpPr>
+            <a:spLocks noGrp="1"/>
+          </p:cNvSpPr>
+          <p:nvPr>
+            <p:ph type="body" idx="1"/>
+          </p:nvPr>
+        </p:nvSpPr>
+        <p:spPr/>
+        <p:txBody>
+          <a:bodyPr/>
+          <a:lstStyle/>
+          <a:p>
+            <a:r>
+              <a:rPr lang="en-US" dirty="0"/>
+              <a:t>Analogous to deuteron, look at high-q part of proton distribution in several nuclei.</a:t>
+            </a:r>
+          </a:p>
+          <a:p>
+            <a:r>
+              <a:rPr lang="en-US" dirty="0"/>
+              <a:t>Dividing by Z, we get roughly the same distribution. Illustrate this with factorization equation </a:t>
+            </a:r>
+            <a:r>
+              <a:rPr lang="en-US" dirty="0" err="1"/>
+              <a:t>F^hi</a:t>
+            </a:r>
+            <a:r>
+              <a:rPr lang="en-US" dirty="0"/>
+              <a:t>(q)^2 &lt; A_\lambda | </a:t>
+            </a:r>
+            <a:r>
+              <a:rPr lang="en-US" dirty="0" err="1"/>
+              <a:t>F^lo</a:t>
+            </a:r>
+            <a:r>
+              <a:rPr lang="en-US" dirty="0"/>
+              <a:t>(k)^2 | A_\lambda &gt; / Z ~ </a:t>
+            </a:r>
+            <a:r>
+              <a:rPr lang="en-US" dirty="0" err="1"/>
+              <a:t>F^hi</a:t>
+            </a:r>
+            <a:r>
+              <a:rPr lang="en-US" dirty="0"/>
+              <a:t>(q)^2 -&gt; does not depend on A!</a:t>
+            </a:r>
+          </a:p>
+          <a:p>
+            <a:r>
+              <a:rPr lang="en-US" dirty="0"/>
+              <a:t>Overlay this slide with AV18 results for 12C, 16O, 40Ca separately.</a:t>
+            </a:r>
+          </a:p>
+        </p:txBody>
+      </p:sp>
+      <p:sp>
+        <p:nvSpPr>
+          <p:cNvPr id="4" name="Slide Number Placeholder 3"/>
+          <p:cNvSpPr>
+            <a:spLocks noGrp="1"/>
+          </p:cNvSpPr>
+          <p:nvPr>
+            <p:ph type="sldNum" sz="quarter" idx="5"/>
+          </p:nvPr>
+        </p:nvSpPr>
+        <p:spPr/>
+        <p:txBody>
+          <a:bodyPr/>
+          <a:lstStyle/>
+          <a:p>
+            <a:fld id="{145D4A79-22BD-45A7-A8A3-66A4B5D7582E}" type="slidenum">
+              <a:rPr lang="en-US" smtClean="0"/>
+              <a:t>12</a:t>
+            </a:fld>
+            <a:endParaRPr lang="en-US"/>
+          </a:p>
+        </p:txBody>
+      </p:sp>
+    </p:spTree>
+    <p:extLst>
+      <p:ext uri="{BB962C8B-B14F-4D97-AF65-F5344CB8AC3E}">
+        <p14:creationId xmlns:p14="http://schemas.microsoft.com/office/powerpoint/2010/main" val="3293776567"/>
+      </p:ext>
+    </p:extLst>
+  </p:cSld>
+  <p:clrMapOvr>
+    <a:masterClrMapping/>
+  </p:clrMapOvr>
+</p:notes>
+</file>
+
+<file path=ppt/notesSlides/notesSlide11.xml><?xml version="1.0" encoding="utf-8"?>
+<p:notes xmlns:a="http://schemas.openxmlformats.org/drawingml/2006/main" xmlns:r="http://schemas.openxmlformats.org/officeDocument/2006/relationships" xmlns:p="http://schemas.openxmlformats.org/presentationml/2006/main">
+  <p:cSld>
+    <p:spTree>
+      <p:nvGrpSpPr>
+        <p:cNvPr id="1" name=""/>
+        <p:cNvGrpSpPr/>
+        <p:nvPr/>
+      </p:nvGrpSpPr>
+      <p:grpSpPr>
+        <a:xfrm>
+          <a:off x="0" y="0"/>
+          <a:ext cx="0" cy="0"/>
+          <a:chOff x="0" y="0"/>
+          <a:chExt cx="0" cy="0"/>
+        </a:xfrm>
+      </p:grpSpPr>
+      <p:sp>
+        <p:nvSpPr>
+          <p:cNvPr id="2" name="Slide Image Placeholder 1"/>
+          <p:cNvSpPr>
+            <a:spLocks noGrp="1" noRot="1" noChangeAspect="1"/>
+          </p:cNvSpPr>
+          <p:nvPr>
+            <p:ph type="sldImg"/>
+          </p:nvPr>
+        </p:nvSpPr>
+        <p:spPr/>
+      </p:sp>
+      <p:sp>
+        <p:nvSpPr>
+          <p:cNvPr id="3" name="Notes Placeholder 2"/>
+          <p:cNvSpPr>
+            <a:spLocks noGrp="1"/>
+          </p:cNvSpPr>
+          <p:nvPr>
+            <p:ph type="body" idx="1"/>
+          </p:nvPr>
+        </p:nvSpPr>
+        <p:spPr/>
+        <p:txBody>
+          <a:bodyPr/>
+          <a:lstStyle/>
+          <a:p>
+            <a:r>
+              <a:rPr lang="en-US" dirty="0"/>
+              <a:t>Connect to SRC phenomenology: np dominance from tensor force.</a:t>
+            </a:r>
+          </a:p>
+          <a:p>
+            <a:r>
+              <a:rPr lang="en-US" dirty="0"/>
+              <a:t>Highlight weak nuclear dependence from factorization (and LDA).</a:t>
+            </a:r>
+          </a:p>
+          <a:p>
+            <a:pPr marL="0" marR="0" lvl="0" indent="0" algn="l" defTabSz="914400" rtl="0" eaLnBrk="1" fontAlgn="auto" latinLnBrk="0" hangingPunct="1">
+              <a:lnSpc>
+                <a:spcPct val="100000"/>
+              </a:lnSpc>
+              <a:spcBef>
+                <a:spcPts val="0"/>
+              </a:spcBef>
+              <a:spcAft>
+                <a:spcPts val="0"/>
+              </a:spcAft>
+              <a:buClrTx/>
+              <a:buSzTx/>
+              <a:buFontTx/>
+              <a:buNone/>
+              <a:tabLst/>
+              <a:defRPr/>
+            </a:pPr>
+            <a:r>
+              <a:rPr lang="en-US" dirty="0"/>
+              <a:t>Add pp/p np/p pictures?</a:t>
+            </a:r>
+          </a:p>
+          <a:p>
+            <a:endParaRPr lang="en-US" dirty="0"/>
+          </a:p>
+        </p:txBody>
+      </p:sp>
+      <p:sp>
+        <p:nvSpPr>
+          <p:cNvPr id="4" name="Slide Number Placeholder 3"/>
+          <p:cNvSpPr>
+            <a:spLocks noGrp="1"/>
+          </p:cNvSpPr>
+          <p:nvPr>
+            <p:ph type="sldNum" sz="quarter" idx="5"/>
+          </p:nvPr>
+        </p:nvSpPr>
+        <p:spPr/>
+        <p:txBody>
+          <a:bodyPr/>
+          <a:lstStyle/>
+          <a:p>
+            <a:fld id="{145D4A79-22BD-45A7-A8A3-66A4B5D7582E}" type="slidenum">
+              <a:rPr lang="en-US" smtClean="0"/>
+              <a:t>13</a:t>
+            </a:fld>
+            <a:endParaRPr lang="en-US"/>
+          </a:p>
+        </p:txBody>
+      </p:sp>
+    </p:spTree>
+    <p:extLst>
+      <p:ext uri="{BB962C8B-B14F-4D97-AF65-F5344CB8AC3E}">
+        <p14:creationId xmlns:p14="http://schemas.microsoft.com/office/powerpoint/2010/main" val="1820341829"/>
+      </p:ext>
+    </p:extLst>
+  </p:cSld>
+  <p:clrMapOvr>
+    <a:masterClrMapping/>
+  </p:clrMapOvr>
+</p:notes>
+</file>
+
+<file path=ppt/notesSlides/notesSlide12.xml><?xml version="1.0" encoding="utf-8"?>
+<p:notes xmlns:a="http://schemas.openxmlformats.org/drawingml/2006/main" xmlns:r="http://schemas.openxmlformats.org/officeDocument/2006/relationships" xmlns:p="http://schemas.openxmlformats.org/presentationml/2006/main">
+  <p:cSld>
+    <p:spTree>
+      <p:nvGrpSpPr>
+        <p:cNvPr id="1" name=""/>
+        <p:cNvGrpSpPr/>
+        <p:nvPr/>
+      </p:nvGrpSpPr>
+      <p:grpSpPr>
+        <a:xfrm>
+          <a:off x="0" y="0"/>
+          <a:ext cx="0" cy="0"/>
+          <a:chOff x="0" y="0"/>
+          <a:chExt cx="0" cy="0"/>
+        </a:xfrm>
+      </p:grpSpPr>
+      <p:sp>
+        <p:nvSpPr>
+          <p:cNvPr id="2" name="Slide Image Placeholder 1"/>
+          <p:cNvSpPr>
+            <a:spLocks noGrp="1" noRot="1" noChangeAspect="1"/>
+          </p:cNvSpPr>
+          <p:nvPr>
+            <p:ph type="sldImg"/>
+          </p:nvPr>
+        </p:nvSpPr>
+        <p:spPr/>
+      </p:sp>
+      <p:sp>
+        <p:nvSpPr>
+          <p:cNvPr id="3" name="Notes Placeholder 2"/>
+          <p:cNvSpPr>
+            <a:spLocks noGrp="1"/>
+          </p:cNvSpPr>
+          <p:nvPr>
+            <p:ph type="body" idx="1"/>
+          </p:nvPr>
+        </p:nvSpPr>
+        <p:spPr/>
+        <p:txBody>
+          <a:bodyPr/>
+          <a:lstStyle/>
+          <a:p>
+            <a:r>
+              <a:rPr lang="en-US" dirty="0"/>
+              <a:t>Add pp/p np/p pictures?</a:t>
+            </a:r>
+          </a:p>
+          <a:p>
+            <a:r>
+              <a:rPr lang="en-US" dirty="0"/>
+              <a:t>Node in 1S0. Tensor dominance at 400 MeV -&gt; np dominance.</a:t>
+            </a:r>
+          </a:p>
+        </p:txBody>
+      </p:sp>
+      <p:sp>
+        <p:nvSpPr>
+          <p:cNvPr id="4" name="Slide Number Placeholder 3"/>
+          <p:cNvSpPr>
+            <a:spLocks noGrp="1"/>
+          </p:cNvSpPr>
+          <p:nvPr>
+            <p:ph type="sldNum" sz="quarter" idx="5"/>
+          </p:nvPr>
+        </p:nvSpPr>
+        <p:spPr/>
+        <p:txBody>
+          <a:bodyPr/>
+          <a:lstStyle/>
+          <a:p>
+            <a:fld id="{145D4A79-22BD-45A7-A8A3-66A4B5D7582E}" type="slidenum">
+              <a:rPr lang="en-US" smtClean="0"/>
+              <a:t>14</a:t>
+            </a:fld>
+            <a:endParaRPr lang="en-US"/>
+          </a:p>
+        </p:txBody>
+      </p:sp>
+    </p:spTree>
+    <p:extLst>
+      <p:ext uri="{BB962C8B-B14F-4D97-AF65-F5344CB8AC3E}">
+        <p14:creationId xmlns:p14="http://schemas.microsoft.com/office/powerpoint/2010/main" val="1735227413"/>
+      </p:ext>
+    </p:extLst>
+  </p:cSld>
+  <p:clrMapOvr>
+    <a:masterClrMapping/>
+  </p:clrMapOvr>
+</p:notes>
+</file>
+
+<file path=ppt/notesSlides/notesSlide13.xml><?xml version="1.0" encoding="utf-8"?>
+<p:notes xmlns:a="http://schemas.openxmlformats.org/drawingml/2006/main" xmlns:r="http://schemas.openxmlformats.org/officeDocument/2006/relationships" xmlns:p="http://schemas.openxmlformats.org/presentationml/2006/main">
+  <p:cSld>
+    <p:spTree>
+      <p:nvGrpSpPr>
+        <p:cNvPr id="1" name=""/>
+        <p:cNvGrpSpPr/>
+        <p:nvPr/>
+      </p:nvGrpSpPr>
+      <p:grpSpPr>
+        <a:xfrm>
+          <a:off x="0" y="0"/>
+          <a:ext cx="0" cy="0"/>
+          <a:chOff x="0" y="0"/>
+          <a:chExt cx="0" cy="0"/>
+        </a:xfrm>
+      </p:grpSpPr>
+      <p:sp>
+        <p:nvSpPr>
+          <p:cNvPr id="2" name="Slide Image Placeholder 1"/>
+          <p:cNvSpPr>
+            <a:spLocks noGrp="1" noRot="1" noChangeAspect="1"/>
+          </p:cNvSpPr>
+          <p:nvPr>
+            <p:ph type="sldImg"/>
+          </p:nvPr>
+        </p:nvSpPr>
+        <p:spPr/>
+      </p:sp>
+      <p:sp>
+        <p:nvSpPr>
+          <p:cNvPr id="3" name="Notes Placeholder 2"/>
+          <p:cNvSpPr>
+            <a:spLocks noGrp="1"/>
+          </p:cNvSpPr>
+          <p:nvPr>
+            <p:ph type="body" idx="1"/>
+          </p:nvPr>
+        </p:nvSpPr>
+        <p:spPr/>
+        <p:txBody>
+          <a:bodyPr/>
+          <a:lstStyle/>
+          <a:p>
+            <a:r>
+              <a:rPr lang="en-US" dirty="0"/>
+              <a:t>Add in experimental results.</a:t>
+            </a:r>
+          </a:p>
+        </p:txBody>
+      </p:sp>
+      <p:sp>
+        <p:nvSpPr>
+          <p:cNvPr id="4" name="Slide Number Placeholder 3"/>
+          <p:cNvSpPr>
+            <a:spLocks noGrp="1"/>
+          </p:cNvSpPr>
+          <p:nvPr>
+            <p:ph type="sldNum" sz="quarter" idx="5"/>
+          </p:nvPr>
+        </p:nvSpPr>
+        <p:spPr/>
+        <p:txBody>
+          <a:bodyPr/>
+          <a:lstStyle/>
+          <a:p>
+            <a:fld id="{145D4A79-22BD-45A7-A8A3-66A4B5D7582E}" type="slidenum">
+              <a:rPr lang="en-US" smtClean="0"/>
+              <a:t>15</a:t>
+            </a:fld>
+            <a:endParaRPr lang="en-US"/>
+          </a:p>
+        </p:txBody>
+      </p:sp>
+    </p:spTree>
+    <p:extLst>
+      <p:ext uri="{BB962C8B-B14F-4D97-AF65-F5344CB8AC3E}">
+        <p14:creationId xmlns:p14="http://schemas.microsoft.com/office/powerpoint/2010/main" val="1253421808"/>
+      </p:ext>
+    </p:extLst>
+  </p:cSld>
+  <p:clrMapOvr>
+    <a:masterClrMapping/>
+  </p:clrMapOvr>
+</p:notes>
+</file>
+
+<file path=ppt/notesSlides/notesSlide2.xml><?xml version="1.0" encoding="utf-8"?>
+<p:notes xmlns:a="http://schemas.openxmlformats.org/drawingml/2006/main" xmlns:r="http://schemas.openxmlformats.org/officeDocument/2006/relationships" xmlns:p="http://schemas.openxmlformats.org/presentationml/2006/main">
+  <p:cSld>
+    <p:spTree>
+      <p:nvGrpSpPr>
+        <p:cNvPr id="1" name=""/>
+        <p:cNvGrpSpPr/>
+        <p:nvPr/>
+      </p:nvGrpSpPr>
+      <p:grpSpPr>
+        <a:xfrm>
+          <a:off x="0" y="0"/>
+          <a:ext cx="0" cy="0"/>
+          <a:chOff x="0" y="0"/>
+          <a:chExt cx="0" cy="0"/>
+        </a:xfrm>
+      </p:grpSpPr>
+      <p:sp>
+        <p:nvSpPr>
+          <p:cNvPr id="2" name="Slide Image Placeholder 1"/>
+          <p:cNvSpPr>
+            <a:spLocks noGrp="1" noRot="1" noChangeAspect="1"/>
+          </p:cNvSpPr>
+          <p:nvPr>
+            <p:ph type="sldImg"/>
+          </p:nvPr>
+        </p:nvSpPr>
+        <p:spPr/>
+      </p:sp>
+      <p:sp>
+        <p:nvSpPr>
+          <p:cNvPr id="3" name="Notes Placeholder 2"/>
+          <p:cNvSpPr>
+            <a:spLocks noGrp="1"/>
+          </p:cNvSpPr>
+          <p:nvPr>
+            <p:ph type="body" idx="1"/>
+          </p:nvPr>
+        </p:nvSpPr>
+        <p:spPr/>
+        <p:txBody>
+          <a:bodyPr/>
+          <a:lstStyle/>
+          <a:p>
+            <a:r>
+              <a:rPr lang="en-US" dirty="0"/>
+              <a:t>Figure out where to put the high-k tail figure.</a:t>
+            </a:r>
+          </a:p>
+          <a:p>
+            <a:r>
+              <a:rPr lang="en-US" dirty="0"/>
+              <a:t>White out the low RG part as before.</a:t>
+            </a:r>
+          </a:p>
+        </p:txBody>
+      </p:sp>
+      <p:sp>
+        <p:nvSpPr>
+          <p:cNvPr id="4" name="Slide Number Placeholder 3"/>
+          <p:cNvSpPr>
+            <a:spLocks noGrp="1"/>
+          </p:cNvSpPr>
+          <p:nvPr>
+            <p:ph type="sldNum" sz="quarter" idx="5"/>
+          </p:nvPr>
+        </p:nvSpPr>
+        <p:spPr/>
+        <p:txBody>
+          <a:bodyPr/>
+          <a:lstStyle/>
+          <a:p>
+            <a:fld id="{145D4A79-22BD-45A7-A8A3-66A4B5D7582E}" type="slidenum">
+              <a:rPr lang="en-US" smtClean="0"/>
+              <a:t>2</a:t>
+            </a:fld>
+            <a:endParaRPr lang="en-US"/>
+          </a:p>
+        </p:txBody>
+      </p:sp>
+    </p:spTree>
+    <p:extLst>
+      <p:ext uri="{BB962C8B-B14F-4D97-AF65-F5344CB8AC3E}">
+        <p14:creationId xmlns:p14="http://schemas.microsoft.com/office/powerpoint/2010/main" val="1300853268"/>
+      </p:ext>
+    </p:extLst>
+  </p:cSld>
+  <p:clrMapOvr>
+    <a:masterClrMapping/>
+  </p:clrMapOvr>
+</p:notes>
+</file>
+
+<file path=ppt/notesSlides/notesSlide3.xml><?xml version="1.0" encoding="utf-8"?>
+<p:notes xmlns:a="http://schemas.openxmlformats.org/drawingml/2006/main" xmlns:r="http://schemas.openxmlformats.org/officeDocument/2006/relationships" xmlns:p="http://schemas.openxmlformats.org/presentationml/2006/main">
+  <p:cSld>
+    <p:spTree>
+      <p:nvGrpSpPr>
+        <p:cNvPr id="1" name=""/>
+        <p:cNvGrpSpPr/>
+        <p:nvPr/>
+      </p:nvGrpSpPr>
+      <p:grpSpPr>
+        <a:xfrm>
+          <a:off x="0" y="0"/>
+          <a:ext cx="0" cy="0"/>
+          <a:chOff x="0" y="0"/>
+          <a:chExt cx="0" cy="0"/>
+        </a:xfrm>
+      </p:grpSpPr>
+      <p:sp>
+        <p:nvSpPr>
+          <p:cNvPr id="2" name="Slide Image Placeholder 1"/>
+          <p:cNvSpPr>
+            <a:spLocks noGrp="1" noRot="1" noChangeAspect="1"/>
+          </p:cNvSpPr>
+          <p:nvPr>
+            <p:ph type="sldImg"/>
+          </p:nvPr>
+        </p:nvSpPr>
+        <p:spPr/>
+      </p:sp>
+      <p:sp>
+        <p:nvSpPr>
+          <p:cNvPr id="3" name="Notes Placeholder 2"/>
+          <p:cNvSpPr>
+            <a:spLocks noGrp="1"/>
+          </p:cNvSpPr>
+          <p:nvPr>
+            <p:ph type="body" idx="1"/>
+          </p:nvPr>
+        </p:nvSpPr>
+        <p:spPr/>
+        <p:txBody>
+          <a:bodyPr/>
+          <a:lstStyle/>
+          <a:p>
+            <a:r>
+              <a:rPr lang="en-US" dirty="0"/>
+              <a:t>Replace high RG bullet with low RG bullet?</a:t>
+            </a:r>
+          </a:p>
+          <a:p>
+            <a:r>
+              <a:rPr lang="en-US" dirty="0"/>
+              <a:t>Get rid of high-k figure?</a:t>
+            </a:r>
+          </a:p>
+        </p:txBody>
+      </p:sp>
+      <p:sp>
+        <p:nvSpPr>
+          <p:cNvPr id="4" name="Slide Number Placeholder 3"/>
+          <p:cNvSpPr>
+            <a:spLocks noGrp="1"/>
+          </p:cNvSpPr>
+          <p:nvPr>
+            <p:ph type="sldNum" sz="quarter" idx="5"/>
+          </p:nvPr>
+        </p:nvSpPr>
+        <p:spPr/>
+        <p:txBody>
+          <a:bodyPr/>
+          <a:lstStyle/>
+          <a:p>
+            <a:fld id="{145D4A79-22BD-45A7-A8A3-66A4B5D7582E}" type="slidenum">
+              <a:rPr lang="en-US" smtClean="0"/>
+              <a:t>3</a:t>
+            </a:fld>
+            <a:endParaRPr lang="en-US"/>
+          </a:p>
+        </p:txBody>
+      </p:sp>
+    </p:spTree>
+    <p:extLst>
+      <p:ext uri="{BB962C8B-B14F-4D97-AF65-F5344CB8AC3E}">
+        <p14:creationId xmlns:p14="http://schemas.microsoft.com/office/powerpoint/2010/main" val="4117403394"/>
+      </p:ext>
+    </p:extLst>
+  </p:cSld>
+  <p:clrMapOvr>
+    <a:masterClrMapping/>
+  </p:clrMapOvr>
+</p:notes>
+</file>
+
+<file path=ppt/notesSlides/notesSlide4.xml><?xml version="1.0" encoding="utf-8"?>
+<p:notes xmlns:a="http://schemas.openxmlformats.org/drawingml/2006/main" xmlns:r="http://schemas.openxmlformats.org/officeDocument/2006/relationships" xmlns:p="http://schemas.openxmlformats.org/presentationml/2006/main">
+  <p:cSld>
+    <p:spTree>
+      <p:nvGrpSpPr>
+        <p:cNvPr id="1" name=""/>
+        <p:cNvGrpSpPr/>
+        <p:nvPr/>
+      </p:nvGrpSpPr>
+      <p:grpSpPr>
+        <a:xfrm>
+          <a:off x="0" y="0"/>
+          <a:ext cx="0" cy="0"/>
+          <a:chOff x="0" y="0"/>
+          <a:chExt cx="0" cy="0"/>
+        </a:xfrm>
+      </p:grpSpPr>
+      <p:sp>
+        <p:nvSpPr>
+          <p:cNvPr id="2" name="Slide Image Placeholder 1"/>
+          <p:cNvSpPr>
+            <a:spLocks noGrp="1" noRot="1" noChangeAspect="1"/>
+          </p:cNvSpPr>
+          <p:nvPr>
+            <p:ph type="sldImg"/>
+          </p:nvPr>
+        </p:nvSpPr>
+        <p:spPr/>
+      </p:sp>
+      <p:sp>
+        <p:nvSpPr>
+          <p:cNvPr id="3" name="Notes Placeholder 2"/>
+          <p:cNvSpPr>
+            <a:spLocks noGrp="1"/>
+          </p:cNvSpPr>
+          <p:nvPr>
+            <p:ph type="body" idx="1"/>
+          </p:nvPr>
+        </p:nvSpPr>
+        <p:spPr/>
+        <p:txBody>
+          <a:bodyPr/>
+          <a:lstStyle/>
+          <a:p>
+            <a:r>
+              <a:rPr lang="en-US" dirty="0"/>
+              <a:t>Add this last point as box overlay.</a:t>
+            </a:r>
+          </a:p>
+        </p:txBody>
+      </p:sp>
+      <p:sp>
+        <p:nvSpPr>
+          <p:cNvPr id="4" name="Slide Number Placeholder 3"/>
+          <p:cNvSpPr>
+            <a:spLocks noGrp="1"/>
+          </p:cNvSpPr>
+          <p:nvPr>
+            <p:ph type="sldNum" sz="quarter" idx="5"/>
+          </p:nvPr>
+        </p:nvSpPr>
+        <p:spPr/>
+        <p:txBody>
+          <a:bodyPr/>
+          <a:lstStyle/>
+          <a:p>
+            <a:fld id="{145D4A79-22BD-45A7-A8A3-66A4B5D7582E}" type="slidenum">
+              <a:rPr lang="en-US" smtClean="0"/>
+              <a:t>4</a:t>
+            </a:fld>
+            <a:endParaRPr lang="en-US"/>
+          </a:p>
+        </p:txBody>
+      </p:sp>
+    </p:spTree>
+    <p:extLst>
+      <p:ext uri="{BB962C8B-B14F-4D97-AF65-F5344CB8AC3E}">
+        <p14:creationId xmlns:p14="http://schemas.microsoft.com/office/powerpoint/2010/main" val="1238514409"/>
+      </p:ext>
+    </p:extLst>
+  </p:cSld>
+  <p:clrMapOvr>
+    <a:masterClrMapping/>
+  </p:clrMapOvr>
+</p:notes>
+</file>
+
+<file path=ppt/notesSlides/notesSlide5.xml><?xml version="1.0" encoding="utf-8"?>
+<p:notes xmlns:a="http://schemas.openxmlformats.org/drawingml/2006/main" xmlns:r="http://schemas.openxmlformats.org/officeDocument/2006/relationships" xmlns:p="http://schemas.openxmlformats.org/presentationml/2006/main">
+  <p:cSld>
+    <p:spTree>
+      <p:nvGrpSpPr>
+        <p:cNvPr id="1" name=""/>
+        <p:cNvGrpSpPr/>
+        <p:nvPr/>
+      </p:nvGrpSpPr>
+      <p:grpSpPr>
+        <a:xfrm>
+          <a:off x="0" y="0"/>
+          <a:ext cx="0" cy="0"/>
+          <a:chOff x="0" y="0"/>
+          <a:chExt cx="0" cy="0"/>
+        </a:xfrm>
+      </p:grpSpPr>
+      <p:sp>
+        <p:nvSpPr>
+          <p:cNvPr id="2" name="Slide Image Placeholder 1"/>
+          <p:cNvSpPr>
+            <a:spLocks noGrp="1" noRot="1" noChangeAspect="1"/>
+          </p:cNvSpPr>
+          <p:nvPr>
+            <p:ph type="sldImg"/>
+          </p:nvPr>
+        </p:nvSpPr>
+        <p:spPr/>
+      </p:sp>
+      <p:sp>
+        <p:nvSpPr>
+          <p:cNvPr id="3" name="Notes Placeholder 2"/>
+          <p:cNvSpPr>
+            <a:spLocks noGrp="1"/>
+          </p:cNvSpPr>
+          <p:nvPr>
+            <p:ph type="body" idx="1"/>
+          </p:nvPr>
+        </p:nvSpPr>
+        <p:spPr/>
+        <p:txBody>
+          <a:bodyPr/>
+          <a:lstStyle/>
+          <a:p>
+            <a:endParaRPr lang="en-US" dirty="0"/>
+          </a:p>
+        </p:txBody>
+      </p:sp>
+      <p:sp>
+        <p:nvSpPr>
+          <p:cNvPr id="4" name="Slide Number Placeholder 3"/>
+          <p:cNvSpPr>
+            <a:spLocks noGrp="1"/>
+          </p:cNvSpPr>
+          <p:nvPr>
+            <p:ph type="sldNum" sz="quarter" idx="5"/>
+          </p:nvPr>
+        </p:nvSpPr>
+        <p:spPr/>
+        <p:txBody>
+          <a:bodyPr/>
+          <a:lstStyle/>
+          <a:p>
+            <a:fld id="{145D4A79-22BD-45A7-A8A3-66A4B5D7582E}" type="slidenum">
+              <a:rPr lang="en-US" smtClean="0"/>
+              <a:t>5</a:t>
+            </a:fld>
+            <a:endParaRPr lang="en-US"/>
+          </a:p>
+        </p:txBody>
+      </p:sp>
+    </p:spTree>
+    <p:extLst>
+      <p:ext uri="{BB962C8B-B14F-4D97-AF65-F5344CB8AC3E}">
+        <p14:creationId xmlns:p14="http://schemas.microsoft.com/office/powerpoint/2010/main" val="2180406562"/>
+      </p:ext>
+    </p:extLst>
+  </p:cSld>
+  <p:clrMapOvr>
+    <a:masterClrMapping/>
+  </p:clrMapOvr>
+</p:notes>
+</file>
+
+<file path=ppt/notesSlides/notesSlide6.xml><?xml version="1.0" encoding="utf-8"?>
+<p:notes xmlns:a="http://schemas.openxmlformats.org/drawingml/2006/main" xmlns:r="http://schemas.openxmlformats.org/officeDocument/2006/relationships" xmlns:p="http://schemas.openxmlformats.org/presentationml/2006/main">
+  <p:cSld>
+    <p:spTree>
+      <p:nvGrpSpPr>
+        <p:cNvPr id="1" name=""/>
+        <p:cNvGrpSpPr/>
+        <p:nvPr/>
+      </p:nvGrpSpPr>
+      <p:grpSpPr>
+        <a:xfrm>
+          <a:off x="0" y="0"/>
+          <a:ext cx="0" cy="0"/>
+          <a:chOff x="0" y="0"/>
+          <a:chExt cx="0" cy="0"/>
+        </a:xfrm>
+      </p:grpSpPr>
+      <p:sp>
+        <p:nvSpPr>
+          <p:cNvPr id="2" name="Slide Image Placeholder 1"/>
+          <p:cNvSpPr>
+            <a:spLocks noGrp="1" noRot="1" noChangeAspect="1"/>
+          </p:cNvSpPr>
+          <p:nvPr>
+            <p:ph type="sldImg"/>
+          </p:nvPr>
+        </p:nvSpPr>
+        <p:spPr/>
+      </p:sp>
+      <p:sp>
+        <p:nvSpPr>
+          <p:cNvPr id="3" name="Notes Placeholder 2"/>
+          <p:cNvSpPr>
+            <a:spLocks noGrp="1"/>
+          </p:cNvSpPr>
+          <p:nvPr>
+            <p:ph type="body" idx="1"/>
+          </p:nvPr>
+        </p:nvSpPr>
+        <p:spPr/>
+        <p:txBody>
+          <a:bodyPr/>
+          <a:lstStyle/>
+          <a:p>
+            <a:r>
+              <a:rPr lang="en-US" dirty="0"/>
+              <a:t>\lambda bullet point and add arrows to plot.</a:t>
+            </a:r>
+          </a:p>
+        </p:txBody>
+      </p:sp>
+      <p:sp>
+        <p:nvSpPr>
+          <p:cNvPr id="4" name="Slide Number Placeholder 3"/>
+          <p:cNvSpPr>
+            <a:spLocks noGrp="1"/>
+          </p:cNvSpPr>
+          <p:nvPr>
+            <p:ph type="sldNum" sz="quarter" idx="5"/>
+          </p:nvPr>
+        </p:nvSpPr>
+        <p:spPr/>
+        <p:txBody>
+          <a:bodyPr/>
+          <a:lstStyle/>
+          <a:p>
+            <a:fld id="{145D4A79-22BD-45A7-A8A3-66A4B5D7582E}" type="slidenum">
+              <a:rPr lang="en-US" smtClean="0"/>
+              <a:t>6</a:t>
+            </a:fld>
+            <a:endParaRPr lang="en-US"/>
+          </a:p>
+        </p:txBody>
+      </p:sp>
+    </p:spTree>
+    <p:extLst>
+      <p:ext uri="{BB962C8B-B14F-4D97-AF65-F5344CB8AC3E}">
+        <p14:creationId xmlns:p14="http://schemas.microsoft.com/office/powerpoint/2010/main" val="2483550093"/>
+      </p:ext>
+    </p:extLst>
+  </p:cSld>
+  <p:clrMapOvr>
+    <a:masterClrMapping/>
+  </p:clrMapOvr>
+</p:notes>
+</file>
+
+<file path=ppt/notesSlides/notesSlide7.xml><?xml version="1.0" encoding="utf-8"?>
+<p:notes xmlns:a="http://schemas.openxmlformats.org/drawingml/2006/main" xmlns:r="http://schemas.openxmlformats.org/officeDocument/2006/relationships" xmlns:p="http://schemas.openxmlformats.org/presentationml/2006/main">
+  <p:cSld>
+    <p:spTree>
+      <p:nvGrpSpPr>
+        <p:cNvPr id="1" name=""/>
+        <p:cNvGrpSpPr/>
+        <p:nvPr/>
+      </p:nvGrpSpPr>
+      <p:grpSpPr>
+        <a:xfrm>
+          <a:off x="0" y="0"/>
+          <a:ext cx="0" cy="0"/>
+          <a:chOff x="0" y="0"/>
+          <a:chExt cx="0" cy="0"/>
+        </a:xfrm>
+      </p:grpSpPr>
+      <p:sp>
+        <p:nvSpPr>
+          <p:cNvPr id="2" name="Slide Image Placeholder 1"/>
+          <p:cNvSpPr>
+            <a:spLocks noGrp="1" noRot="1" noChangeAspect="1"/>
+          </p:cNvSpPr>
+          <p:nvPr>
+            <p:ph type="sldImg"/>
+          </p:nvPr>
+        </p:nvSpPr>
+        <p:spPr/>
+      </p:sp>
+      <p:sp>
+        <p:nvSpPr>
+          <p:cNvPr id="3" name="Notes Placeholder 2"/>
+          <p:cNvSpPr>
+            <a:spLocks noGrp="1"/>
+          </p:cNvSpPr>
+          <p:nvPr>
+            <p:ph type="body" idx="1"/>
+          </p:nvPr>
+        </p:nvSpPr>
+        <p:spPr/>
+        <p:txBody>
+          <a:bodyPr/>
+          <a:lstStyle/>
+          <a:p>
+            <a:r>
+              <a:rPr lang="en-US" dirty="0"/>
+              <a:t>This should be the same as previous two slides on the wave function.</a:t>
+            </a:r>
+          </a:p>
+        </p:txBody>
+      </p:sp>
+      <p:sp>
+        <p:nvSpPr>
+          <p:cNvPr id="4" name="Slide Number Placeholder 3"/>
+          <p:cNvSpPr>
+            <a:spLocks noGrp="1"/>
+          </p:cNvSpPr>
+          <p:nvPr>
+            <p:ph type="sldNum" sz="quarter" idx="5"/>
+          </p:nvPr>
+        </p:nvSpPr>
+        <p:spPr/>
+        <p:txBody>
+          <a:bodyPr/>
+          <a:lstStyle/>
+          <a:p>
+            <a:fld id="{145D4A79-22BD-45A7-A8A3-66A4B5D7582E}" type="slidenum">
+              <a:rPr lang="en-US" smtClean="0"/>
+              <a:t>7</a:t>
+            </a:fld>
+            <a:endParaRPr lang="en-US"/>
+          </a:p>
+        </p:txBody>
+      </p:sp>
+    </p:spTree>
+    <p:extLst>
+      <p:ext uri="{BB962C8B-B14F-4D97-AF65-F5344CB8AC3E}">
+        <p14:creationId xmlns:p14="http://schemas.microsoft.com/office/powerpoint/2010/main" val="3546233369"/>
+      </p:ext>
+    </p:extLst>
+  </p:cSld>
+  <p:clrMapOvr>
+    <a:masterClrMapping/>
+  </p:clrMapOvr>
+</p:notes>
+</file>
+
+<file path=ppt/notesSlides/notesSlide8.xml><?xml version="1.0" encoding="utf-8"?>
+<p:notes xmlns:a="http://schemas.openxmlformats.org/drawingml/2006/main" xmlns:r="http://schemas.openxmlformats.org/officeDocument/2006/relationships" xmlns:p="http://schemas.openxmlformats.org/presentationml/2006/main">
+  <p:cSld>
+    <p:spTree>
+      <p:nvGrpSpPr>
+        <p:cNvPr id="1" name=""/>
+        <p:cNvGrpSpPr/>
+        <p:nvPr/>
+      </p:nvGrpSpPr>
+      <p:grpSpPr>
+        <a:xfrm>
+          <a:off x="0" y="0"/>
+          <a:ext cx="0" cy="0"/>
+          <a:chOff x="0" y="0"/>
+          <a:chExt cx="0" cy="0"/>
+        </a:xfrm>
+      </p:grpSpPr>
+      <p:sp>
+        <p:nvSpPr>
+          <p:cNvPr id="2" name="Slide Image Placeholder 1"/>
+          <p:cNvSpPr>
+            <a:spLocks noGrp="1" noRot="1" noChangeAspect="1"/>
+          </p:cNvSpPr>
+          <p:nvPr>
+            <p:ph type="sldImg"/>
+          </p:nvPr>
+        </p:nvSpPr>
+        <p:spPr/>
+      </p:sp>
+      <p:sp>
+        <p:nvSpPr>
+          <p:cNvPr id="3" name="Notes Placeholder 2"/>
+          <p:cNvSpPr>
+            <a:spLocks noGrp="1"/>
+          </p:cNvSpPr>
+          <p:nvPr>
+            <p:ph type="body" idx="1"/>
+          </p:nvPr>
+        </p:nvSpPr>
+        <p:spPr/>
+        <p:txBody>
+          <a:bodyPr/>
+          <a:lstStyle/>
+          <a:p>
+            <a:endParaRPr lang="en-US" dirty="0"/>
+          </a:p>
+        </p:txBody>
+      </p:sp>
+      <p:sp>
+        <p:nvSpPr>
+          <p:cNvPr id="4" name="Slide Number Placeholder 3"/>
+          <p:cNvSpPr>
+            <a:spLocks noGrp="1"/>
+          </p:cNvSpPr>
+          <p:nvPr>
+            <p:ph type="sldNum" sz="quarter" idx="5"/>
+          </p:nvPr>
+        </p:nvSpPr>
+        <p:spPr/>
+        <p:txBody>
+          <a:bodyPr/>
+          <a:lstStyle/>
+          <a:p>
+            <a:fld id="{145D4A79-22BD-45A7-A8A3-66A4B5D7582E}" type="slidenum">
+              <a:rPr lang="en-US" smtClean="0"/>
+              <a:t>8</a:t>
+            </a:fld>
+            <a:endParaRPr lang="en-US"/>
+          </a:p>
+        </p:txBody>
+      </p:sp>
+    </p:spTree>
+    <p:extLst>
+      <p:ext uri="{BB962C8B-B14F-4D97-AF65-F5344CB8AC3E}">
+        <p14:creationId xmlns:p14="http://schemas.microsoft.com/office/powerpoint/2010/main" val="3500827474"/>
+      </p:ext>
+    </p:extLst>
+  </p:cSld>
+  <p:clrMapOvr>
+    <a:masterClrMapping/>
+  </p:clrMapOvr>
+</p:notes>
+</file>
+
+<file path=ppt/notesSlides/notesSlide9.xml><?xml version="1.0" encoding="utf-8"?>
+<p:notes xmlns:a="http://schemas.openxmlformats.org/drawingml/2006/main" xmlns:r="http://schemas.openxmlformats.org/officeDocument/2006/relationships" xmlns:p="http://schemas.openxmlformats.org/presentationml/2006/main">
+  <p:cSld>
+    <p:spTree>
+      <p:nvGrpSpPr>
+        <p:cNvPr id="1" name=""/>
+        <p:cNvGrpSpPr/>
+        <p:nvPr/>
+      </p:nvGrpSpPr>
+      <p:grpSpPr>
+        <a:xfrm>
+          <a:off x="0" y="0"/>
+          <a:ext cx="0" cy="0"/>
+          <a:chOff x="0" y="0"/>
+          <a:chExt cx="0" cy="0"/>
+        </a:xfrm>
+      </p:grpSpPr>
+      <p:sp>
+        <p:nvSpPr>
+          <p:cNvPr id="2" name="Slide Image Placeholder 1"/>
+          <p:cNvSpPr>
+            <a:spLocks noGrp="1" noRot="1" noChangeAspect="1"/>
+          </p:cNvSpPr>
+          <p:nvPr>
+            <p:ph type="sldImg"/>
+          </p:nvPr>
+        </p:nvSpPr>
+        <p:spPr/>
+      </p:sp>
+      <p:sp>
+        <p:nvSpPr>
+          <p:cNvPr id="3" name="Notes Placeholder 2"/>
+          <p:cNvSpPr>
+            <a:spLocks noGrp="1"/>
+          </p:cNvSpPr>
+          <p:nvPr>
+            <p:ph type="body" idx="1"/>
+          </p:nvPr>
+        </p:nvSpPr>
+        <p:spPr/>
+        <p:txBody>
+          <a:bodyPr/>
+          <a:lstStyle/>
+          <a:p>
+            <a:r>
+              <a:rPr lang="en-US" dirty="0"/>
+              <a:t>Where does the short distance physics go?</a:t>
+            </a:r>
+          </a:p>
+          <a:p>
+            <a:r>
+              <a:rPr lang="en-US" dirty="0"/>
+              <a:t>Expand SRG transformation. For high-q operator (high-q momentum distribution tails), we isolate the \delta U \delta U^\dagger term.</a:t>
+            </a:r>
+          </a:p>
+          <a:p>
+            <a:r>
+              <a:rPr lang="en-US" dirty="0"/>
+              <a:t>Factorization of \delta U’s gives high-q function and low-q A-body matrix element.</a:t>
+            </a:r>
+          </a:p>
+          <a:p>
+            <a:r>
+              <a:rPr lang="en-US" dirty="0"/>
+              <a:t>Deuteron example. Step through each piece (see SB talk)</a:t>
+            </a:r>
+          </a:p>
+          <a:p>
+            <a:r>
+              <a:rPr lang="en-US" dirty="0"/>
+              <a:t>Evaluate A-body matrix elements using LDA.</a:t>
+            </a:r>
+          </a:p>
+        </p:txBody>
+      </p:sp>
+      <p:sp>
+        <p:nvSpPr>
+          <p:cNvPr id="4" name="Slide Number Placeholder 3"/>
+          <p:cNvSpPr>
+            <a:spLocks noGrp="1"/>
+          </p:cNvSpPr>
+          <p:nvPr>
+            <p:ph type="sldNum" sz="quarter" idx="5"/>
+          </p:nvPr>
+        </p:nvSpPr>
+        <p:spPr/>
+        <p:txBody>
+          <a:bodyPr/>
+          <a:lstStyle/>
+          <a:p>
+            <a:fld id="{145D4A79-22BD-45A7-A8A3-66A4B5D7582E}" type="slidenum">
+              <a:rPr lang="en-US" smtClean="0"/>
+              <a:t>9</a:t>
+            </a:fld>
+            <a:endParaRPr lang="en-US"/>
+          </a:p>
+        </p:txBody>
+      </p:sp>
+    </p:spTree>
+    <p:extLst>
+      <p:ext uri="{BB962C8B-B14F-4D97-AF65-F5344CB8AC3E}">
+        <p14:creationId xmlns:p14="http://schemas.microsoft.com/office/powerpoint/2010/main" val="2855763308"/>
+      </p:ext>
+    </p:extLst>
+  </p:cSld>
+  <p:clrMapOvr>
+    <a:masterClrMapping/>
+  </p:clrMapOvr>
+</p:notes>
+</file>
+
 <file path=ppt/slideLayouts/slideLayout1.xml><?xml version="1.0" encoding="utf-8"?>
 <p:sldLayout xmlns:a="http://schemas.openxmlformats.org/drawingml/2006/main" xmlns:r="http://schemas.openxmlformats.org/officeDocument/2006/relationships" xmlns:p="http://schemas.openxmlformats.org/presentationml/2006/main" type="title" preserve="1">
   <p:cSld name="Title Slide">
@@ -756,9 +1922,9 @@
           <a:bodyPr/>
           <a:lstStyle/>
           <a:p>
-            <a:fld id="{2F15B853-9033-E54B-8ED3-ACA75527692D}" type="datetime1">
+            <a:fld id="{F7EA2B86-F89E-48E0-931B-C9C1E7F4FAE3}" type="datetime1">
               <a:rPr lang="en-US" smtClean="0"/>
-              <a:t>4/13/2021</a:t>
+              <a:t>4/14/2021</a:t>
             </a:fld>
             <a:endParaRPr lang="en-US"/>
           </a:p>
@@ -785,7 +1951,10 @@
           <a:bodyPr/>
           <a:lstStyle/>
           <a:p>
-            <a:endParaRPr lang="en-US"/>
+            <a:r>
+              <a:rPr lang="en-US"/>
+              <a:t>Anthony Tropiano, APS April 2021 Meeting</a:t>
+            </a:r>
           </a:p>
         </p:txBody>
       </p:sp>
@@ -954,9 +2123,9 @@
           <a:bodyPr/>
           <a:lstStyle/>
           <a:p>
-            <a:fld id="{A9285094-3301-894A-B968-9AB7F58AF041}" type="datetime1">
+            <a:fld id="{A0F9C9FE-7B6F-4F61-BF3F-5F42374B7970}" type="datetime1">
               <a:rPr lang="en-US" smtClean="0"/>
-              <a:t>4/13/2021</a:t>
+              <a:t>4/14/2021</a:t>
             </a:fld>
             <a:endParaRPr lang="en-US"/>
           </a:p>
@@ -983,7 +2152,10 @@
           <a:bodyPr/>
           <a:lstStyle/>
           <a:p>
-            <a:endParaRPr lang="en-US"/>
+            <a:r>
+              <a:rPr lang="en-US"/>
+              <a:t>Anthony Tropiano, APS April 2021 Meeting</a:t>
+            </a:r>
           </a:p>
         </p:txBody>
       </p:sp>
@@ -1162,9 +2334,9 @@
           <a:bodyPr/>
           <a:lstStyle/>
           <a:p>
-            <a:fld id="{6B308625-4955-8449-821F-C24C954B4CE7}" type="datetime1">
+            <a:fld id="{70E653F9-94FF-4575-9E9E-A8F0546751C5}" type="datetime1">
               <a:rPr lang="en-US" smtClean="0"/>
-              <a:t>4/13/2021</a:t>
+              <a:t>4/14/2021</a:t>
             </a:fld>
             <a:endParaRPr lang="en-US"/>
           </a:p>
@@ -1191,7 +2363,10 @@
           <a:bodyPr/>
           <a:lstStyle/>
           <a:p>
-            <a:endParaRPr lang="en-US"/>
+            <a:r>
+              <a:rPr lang="en-US"/>
+              <a:t>Anthony Tropiano, APS April 2021 Meeting</a:t>
+            </a:r>
           </a:p>
         </p:txBody>
       </p:sp>
@@ -1360,9 +2535,9 @@
           <a:bodyPr/>
           <a:lstStyle/>
           <a:p>
-            <a:fld id="{F4339BEE-9082-824F-9FE8-A73B8649373C}" type="datetime1">
+            <a:fld id="{FEA2C334-8D28-402E-9D78-64A2D0A0FD50}" type="datetime1">
               <a:rPr lang="en-US" smtClean="0"/>
-              <a:t>4/13/2021</a:t>
+              <a:t>4/14/2021</a:t>
             </a:fld>
             <a:endParaRPr lang="en-US"/>
           </a:p>
@@ -1389,7 +2564,10 @@
           <a:bodyPr/>
           <a:lstStyle/>
           <a:p>
-            <a:endParaRPr lang="en-US"/>
+            <a:r>
+              <a:rPr lang="en-US"/>
+              <a:t>Anthony Tropiano, APS April 2021 Meeting</a:t>
+            </a:r>
           </a:p>
         </p:txBody>
       </p:sp>
@@ -1635,9 +2813,9 @@
           <a:bodyPr/>
           <a:lstStyle/>
           <a:p>
-            <a:fld id="{0A5BCA3A-B122-CD4B-9E4B-5FC53C67B8A3}" type="datetime1">
+            <a:fld id="{B13A1E0C-2A4D-448D-A46A-670579D6E8A5}" type="datetime1">
               <a:rPr lang="en-US" smtClean="0"/>
-              <a:t>4/13/2021</a:t>
+              <a:t>4/14/2021</a:t>
             </a:fld>
             <a:endParaRPr lang="en-US"/>
           </a:p>
@@ -1664,7 +2842,10 @@
           <a:bodyPr/>
           <a:lstStyle/>
           <a:p>
-            <a:endParaRPr lang="en-US"/>
+            <a:r>
+              <a:rPr lang="en-US"/>
+              <a:t>Anthony Tropiano, APS April 2021 Meeting</a:t>
+            </a:r>
           </a:p>
         </p:txBody>
       </p:sp>
@@ -1900,9 +3081,9 @@
           <a:bodyPr/>
           <a:lstStyle/>
           <a:p>
-            <a:fld id="{E4EAB6FE-AA41-4244-B6ED-DBD0B8C3C94D}" type="datetime1">
+            <a:fld id="{F933807A-78D0-4C40-B71F-9BD1052499A2}" type="datetime1">
               <a:rPr lang="en-US" smtClean="0"/>
-              <a:t>4/13/2021</a:t>
+              <a:t>4/14/2021</a:t>
             </a:fld>
             <a:endParaRPr lang="en-US"/>
           </a:p>
@@ -1929,7 +3110,10 @@
           <a:bodyPr/>
           <a:lstStyle/>
           <a:p>
-            <a:endParaRPr lang="en-US"/>
+            <a:r>
+              <a:rPr lang="en-US"/>
+              <a:t>Anthony Tropiano, APS April 2021 Meeting</a:t>
+            </a:r>
           </a:p>
         </p:txBody>
       </p:sp>
@@ -2312,9 +3496,9 @@
           <a:bodyPr/>
           <a:lstStyle/>
           <a:p>
-            <a:fld id="{0125816F-807B-2B43-B88E-ABC5F6D182F4}" type="datetime1">
+            <a:fld id="{EE83E22F-867B-4129-9DDB-C236E95C8E62}" type="datetime1">
               <a:rPr lang="en-US" smtClean="0"/>
-              <a:t>4/13/2021</a:t>
+              <a:t>4/14/2021</a:t>
             </a:fld>
             <a:endParaRPr lang="en-US"/>
           </a:p>
@@ -2341,7 +3525,10 @@
           <a:bodyPr/>
           <a:lstStyle/>
           <a:p>
-            <a:endParaRPr lang="en-US"/>
+            <a:r>
+              <a:rPr lang="en-US"/>
+              <a:t>Anthony Tropiano, APS April 2021 Meeting</a:t>
+            </a:r>
           </a:p>
         </p:txBody>
       </p:sp>
@@ -2453,9 +3640,9 @@
           <a:bodyPr/>
           <a:lstStyle/>
           <a:p>
-            <a:fld id="{FC402AE1-5483-4147-A0B4-4CC8FC31B757}" type="datetime1">
+            <a:fld id="{6D268668-46BE-4B7C-B1C5-5AD3279024A3}" type="datetime1">
               <a:rPr lang="en-US" smtClean="0"/>
-              <a:t>4/13/2021</a:t>
+              <a:t>4/14/2021</a:t>
             </a:fld>
             <a:endParaRPr lang="en-US"/>
           </a:p>
@@ -2482,7 +3669,10 @@
           <a:bodyPr/>
           <a:lstStyle/>
           <a:p>
-            <a:endParaRPr lang="en-US"/>
+            <a:r>
+              <a:rPr lang="en-US"/>
+              <a:t>Anthony Tropiano, APS April 2021 Meeting</a:t>
+            </a:r>
           </a:p>
         </p:txBody>
       </p:sp>
@@ -2566,9 +3756,9 @@
           <a:bodyPr/>
           <a:lstStyle/>
           <a:p>
-            <a:fld id="{AF6A64FF-219C-7344-A0AC-964997E22DFB}" type="datetime1">
+            <a:fld id="{699D9CDD-2515-4811-A48E-16738885511E}" type="datetime1">
               <a:rPr lang="en-US" smtClean="0"/>
-              <a:t>4/13/2021</a:t>
+              <a:t>4/14/2021</a:t>
             </a:fld>
             <a:endParaRPr lang="en-US"/>
           </a:p>
@@ -2595,7 +3785,10 @@
           <a:bodyPr/>
           <a:lstStyle/>
           <a:p>
-            <a:endParaRPr lang="en-US"/>
+            <a:r>
+              <a:rPr lang="en-US"/>
+              <a:t>Anthony Tropiano, APS April 2021 Meeting</a:t>
+            </a:r>
           </a:p>
         </p:txBody>
       </p:sp>
@@ -2877,9 +4070,9 @@
           <a:bodyPr/>
           <a:lstStyle/>
           <a:p>
-            <a:fld id="{939C6B78-8263-F947-8DCB-C192D73C2A8C}" type="datetime1">
+            <a:fld id="{D25B57D9-822A-4634-B3E4-8069902CD2B9}" type="datetime1">
               <a:rPr lang="en-US" smtClean="0"/>
-              <a:t>4/13/2021</a:t>
+              <a:t>4/14/2021</a:t>
             </a:fld>
             <a:endParaRPr lang="en-US"/>
           </a:p>
@@ -2906,7 +4099,10 @@
           <a:bodyPr/>
           <a:lstStyle/>
           <a:p>
-            <a:endParaRPr lang="en-US"/>
+            <a:r>
+              <a:rPr lang="en-US"/>
+              <a:t>Anthony Tropiano, APS April 2021 Meeting</a:t>
+            </a:r>
           </a:p>
         </p:txBody>
       </p:sp>
@@ -3168,9 +4364,9 @@
           <a:bodyPr/>
           <a:lstStyle/>
           <a:p>
-            <a:fld id="{099F02DF-4A6E-4345-8766-CA6FCC3AFB8D}" type="datetime1">
+            <a:fld id="{DE0F5D28-B544-4401-A613-EAF7467E93A9}" type="datetime1">
               <a:rPr lang="en-US" smtClean="0"/>
-              <a:t>4/13/2021</a:t>
+              <a:t>4/14/2021</a:t>
             </a:fld>
             <a:endParaRPr lang="en-US"/>
           </a:p>
@@ -3197,7 +4393,10 @@
           <a:bodyPr/>
           <a:lstStyle/>
           <a:p>
-            <a:endParaRPr lang="en-US"/>
+            <a:r>
+              <a:rPr lang="en-US"/>
+              <a:t>Anthony Tropiano, APS April 2021 Meeting</a:t>
+            </a:r>
           </a:p>
         </p:txBody>
       </p:sp>
@@ -3412,9 +4611,9 @@
             </a:lvl1pPr>
           </a:lstStyle>
           <a:p>
-            <a:fld id="{C5E7DC65-9412-614E-9DC9-FC959AFBF189}" type="datetime1">
+            <a:fld id="{D800354A-EB5A-41A1-BAB5-1F8B23827F8D}" type="datetime1">
               <a:rPr lang="en-US" smtClean="0"/>
-              <a:t>4/13/2021</a:t>
+              <a:t>4/14/2021</a:t>
             </a:fld>
             <a:endParaRPr lang="en-US" dirty="0"/>
           </a:p>
@@ -3460,6 +4659,10 @@
             </a:lvl1pPr>
           </a:lstStyle>
           <a:p>
+            <a:r>
+              <a:rPr lang="en-US"/>
+              <a:t>Anthony Tropiano, APS April 2021 Meeting</a:t>
+            </a:r>
             <a:endParaRPr lang="en-US" dirty="0"/>
           </a:p>
         </p:txBody>
@@ -3534,7 +4737,7 @@
     <p:sldLayoutId id="2147483670" r:id="rId10"/>
     <p:sldLayoutId id="2147483671" r:id="rId11"/>
   </p:sldLayoutIdLst>
-  <p:hf hdr="0" ftr="0" dt="0"/>
+  <p:hf hdr="0" dt="0"/>
   <p:txStyles>
     <p:titleStyle>
       <a:lvl1pPr algn="l" defTabSz="914400" rtl="0" eaLnBrk="1" latinLnBrk="0" hangingPunct="1">
@@ -3847,7 +5050,7 @@
         </p:nvSpPr>
         <p:spPr>
           <a:xfrm>
-            <a:off x="1981200" y="0"/>
+            <a:off x="1981200" y="-176702"/>
             <a:ext cx="8229600" cy="1790700"/>
           </a:xfrm>
         </p:spPr>
@@ -3871,8 +5074,26 @@
                 <a:ea typeface="Arial Unicode MS" panose="020B0604020202020204" pitchFamily="34" charset="-128"/>
                 <a:cs typeface="Arial" panose="020B0604020202020204" pitchFamily="34" charset="0"/>
               </a:rPr>
-              <a:t>Short-range correlation physics from operator evolution</a:t>
-            </a:r>
+              <a:t>Short-range correlation physics </a:t>
+            </a:r>
+            <a:r>
+              <a:rPr lang="en-US" sz="4000" dirty="0">
+                <a:solidFill>
+                  <a:srgbClr val="002060"/>
+                </a:solidFill>
+                <a:ea typeface="Arial Unicode MS" panose="020B0604020202020204" pitchFamily="34" charset="-128"/>
+                <a:cs typeface="Arial" panose="020B0604020202020204" pitchFamily="34" charset="0"/>
+              </a:rPr>
+              <a:t>at low RG resolution</a:t>
+            </a:r>
+            <a:endParaRPr lang="en-US" sz="4000" dirty="0">
+              <a:solidFill>
+                <a:srgbClr val="002060"/>
+              </a:solidFill>
+              <a:latin typeface="Arial" panose="020B0604020202020204" pitchFamily="34" charset="0"/>
+              <a:ea typeface="Arial Unicode MS" panose="020B0604020202020204" pitchFamily="34" charset="-128"/>
+              <a:cs typeface="Arial" panose="020B0604020202020204" pitchFamily="34" charset="0"/>
+            </a:endParaRPr>
           </a:p>
         </p:txBody>
       </p:sp>
@@ -3888,19 +5109,19 @@
         </p:nvSpPr>
         <p:spPr>
           <a:xfrm>
-            <a:off x="2324100" y="2318330"/>
-            <a:ext cx="7543800" cy="2882709"/>
+            <a:off x="2324100" y="1681199"/>
+            <a:ext cx="7543800" cy="3315478"/>
           </a:xfrm>
         </p:spPr>
         <p:txBody>
           <a:bodyPr>
-            <a:normAutofit lnSpcReduction="10000"/>
+            <a:noAutofit/>
           </a:bodyPr>
           <a:lstStyle/>
           <a:p>
             <a:pPr>
               <a:lnSpc>
-                <a:spcPct val="100000"/>
+                <a:spcPct val="110000"/>
               </a:lnSpc>
             </a:pPr>
             <a:r>
@@ -3949,7 +5170,7 @@
           <a:p>
             <a:pPr>
               <a:lnSpc>
-                <a:spcPct val="100000"/>
+                <a:spcPct val="110000"/>
               </a:lnSpc>
             </a:pPr>
             <a:r>
@@ -3984,7 +5205,7 @@
           <a:p>
             <a:pPr>
               <a:lnSpc>
-                <a:spcPct val="100000"/>
+                <a:spcPct val="110000"/>
               </a:lnSpc>
             </a:pPr>
             <a:endParaRPr lang="en-US" altLang="en-US" sz="1800" dirty="0">
@@ -3995,7 +5216,7 @@
           <a:p>
             <a:pPr>
               <a:lnSpc>
-                <a:spcPct val="100000"/>
+                <a:spcPct val="110000"/>
               </a:lnSpc>
             </a:pPr>
             <a:r>
@@ -4006,13 +5227,13 @@
                 <a:ea typeface="Arial Unicode MS" panose="020B0604020202020204" pitchFamily="34" charset="-128"/>
                 <a:cs typeface="Arial" panose="020B0604020202020204" pitchFamily="34" charset="0"/>
               </a:rPr>
-              <a:t>APS DNP Meeting – Virtual Meeting</a:t>
+              <a:t>APS April Meeting – Virtual Meeting</a:t>
             </a:r>
           </a:p>
           <a:p>
             <a:pPr>
               <a:lnSpc>
-                <a:spcPct val="100000"/>
+                <a:spcPct val="110000"/>
               </a:lnSpc>
             </a:pPr>
             <a:r>
@@ -4023,12 +5244,69 @@
                 <a:ea typeface="Arial Unicode MS" panose="020B0604020202020204" pitchFamily="34" charset="-128"/>
                 <a:cs typeface="Arial" panose="020B0604020202020204" pitchFamily="34" charset="0"/>
               </a:rPr>
-              <a:t>October 30, 2020</a:t>
+              <a:t>April 19, 2021</a:t>
             </a:r>
             <a:endParaRPr lang="en-US" altLang="en-US" sz="2000" i="1" dirty="0">
               <a:ea typeface="Arial Unicode MS" panose="020B0604020202020204" pitchFamily="34" charset="-128"/>
               <a:cs typeface="Arial" panose="020B0604020202020204" pitchFamily="34" charset="0"/>
             </a:endParaRPr>
+          </a:p>
+          <a:p>
+            <a:pPr>
+              <a:lnSpc>
+                <a:spcPct val="110000"/>
+              </a:lnSpc>
+            </a:pPr>
+            <a:r>
+              <a:rPr lang="en-US" sz="1600" i="1" dirty="0" err="1"/>
+              <a:t>ajt</a:t>
+            </a:r>
+            <a:r>
+              <a:rPr lang="en-US" sz="1600" i="1" dirty="0"/>
+              <a:t>, S.K. Bogner, and R.J. Furnstahl, arXiv:2006.11186</a:t>
+            </a:r>
+          </a:p>
+          <a:p>
+            <a:pPr>
+              <a:lnSpc>
+                <a:spcPct val="110000"/>
+              </a:lnSpc>
+            </a:pPr>
+            <a:r>
+              <a:rPr lang="en-US" sz="1600" i="1" dirty="0"/>
+              <a:t>Phys. Rev. C </a:t>
+            </a:r>
+            <a:r>
+              <a:rPr lang="en-US" sz="1600" b="1" i="1" dirty="0"/>
+              <a:t>102</a:t>
+            </a:r>
+            <a:r>
+              <a:rPr lang="en-US" sz="1600" i="1" dirty="0"/>
+              <a:t>, 034005 (2020)</a:t>
+            </a:r>
+          </a:p>
+          <a:p>
+            <a:pPr>
+              <a:lnSpc>
+                <a:spcPct val="110000"/>
+              </a:lnSpc>
+            </a:pPr>
+            <a:r>
+              <a:rPr lang="en-US" sz="1600" i="1" dirty="0" err="1"/>
+              <a:t>ajt</a:t>
+            </a:r>
+            <a:r>
+              <a:rPr lang="en-US" sz="1600" i="1" dirty="0"/>
+              <a:t>, S.K. Bogner, and R.J. </a:t>
+            </a:r>
+            <a:r>
+              <a:rPr lang="en-US" sz="1600" i="1" dirty="0" err="1"/>
+              <a:t>Furnstahl</a:t>
+            </a:r>
+            <a:r>
+              <a:rPr lang="en-US" sz="1600" i="1" dirty="0"/>
+              <a:t>, in progress</a:t>
+            </a:r>
           </a:p>
           <a:p>
             <a:pPr>
@@ -4036,33 +5314,7 @@
                 <a:spcPct val="100000"/>
               </a:lnSpc>
             </a:pPr>
-            <a:r>
-              <a:rPr lang="en-US" sz="1800" i="1" dirty="0" err="1"/>
-              <a:t>ajt</a:t>
-            </a:r>
-            <a:r>
-              <a:rPr lang="en-US" sz="1800" i="1" dirty="0"/>
-              <a:t>, S.K. Bogner, and R.J. Furnstahl, arXiv:2006.11186</a:t>
-            </a:r>
-          </a:p>
-          <a:p>
-            <a:pPr>
-              <a:lnSpc>
-                <a:spcPct val="100000"/>
-              </a:lnSpc>
-            </a:pPr>
-            <a:r>
-              <a:rPr lang="en-US" sz="1800" i="1" dirty="0"/>
-              <a:t>Phys. Rev. C </a:t>
-            </a:r>
-            <a:r>
-              <a:rPr lang="en-US" sz="1800" b="1" i="1" dirty="0"/>
-              <a:t>102</a:t>
-            </a:r>
-            <a:r>
-              <a:rPr lang="en-US" sz="1800" i="1" dirty="0"/>
-              <a:t>, 034005 (2020)</a:t>
-            </a:r>
+            <a:endParaRPr lang="en-US" sz="1800" i="1" dirty="0"/>
           </a:p>
           <a:p>
             <a:pPr>
@@ -4210,6 +5462,2471 @@
 </p:sld>
 </file>
 
+<file path=ppt/slides/slide10.xml><?xml version="1.0" encoding="utf-8"?>
+<p:sld xmlns:a="http://schemas.openxmlformats.org/drawingml/2006/main" xmlns:r="http://schemas.openxmlformats.org/officeDocument/2006/relationships" xmlns:p="http://schemas.openxmlformats.org/presentationml/2006/main">
+  <p:cSld>
+    <p:spTree>
+      <p:nvGrpSpPr>
+        <p:cNvPr id="1" name=""/>
+        <p:cNvGrpSpPr/>
+        <p:nvPr/>
+      </p:nvGrpSpPr>
+      <p:grpSpPr>
+        <a:xfrm>
+          <a:off x="0" y="0"/>
+          <a:ext cx="0" cy="0"/>
+          <a:chOff x="0" y="0"/>
+          <a:chExt cx="0" cy="0"/>
+        </a:xfrm>
+      </p:grpSpPr>
+      <p:sp>
+        <p:nvSpPr>
+          <p:cNvPr id="2" name="Title 1">
+            <a:extLst>
+              <a:ext uri="{FF2B5EF4-FFF2-40B4-BE49-F238E27FC236}">
+                <a16:creationId xmlns:a16="http://schemas.microsoft.com/office/drawing/2014/main" id="{9FECE9C7-FBB0-B54D-8E92-C3BC6CA96ED2}"/>
+              </a:ext>
+            </a:extLst>
+          </p:cNvPr>
+          <p:cNvSpPr>
+            <a:spLocks noGrp="1"/>
+          </p:cNvSpPr>
+          <p:nvPr>
+            <p:ph type="title"/>
+          </p:nvPr>
+        </p:nvSpPr>
+        <p:spPr/>
+        <p:txBody>
+          <a:bodyPr/>
+          <a:lstStyle/>
+          <a:p>
+            <a:pPr>
+              <a:lnSpc>
+                <a:spcPct val="100000"/>
+              </a:lnSpc>
+            </a:pPr>
+            <a:r>
+              <a:rPr lang="en-US" dirty="0">
+                <a:solidFill>
+                  <a:srgbClr val="002060"/>
+                </a:solidFill>
+              </a:rPr>
+              <a:t>Factorization</a:t>
+            </a:r>
+            <a:endParaRPr lang="en-US" dirty="0">
+              <a:solidFill>
+                <a:srgbClr val="002060"/>
+              </a:solidFill>
+              <a:latin typeface="Arial" panose="020B0604020202020204" pitchFamily="34" charset="0"/>
+            </a:endParaRPr>
+          </a:p>
+        </p:txBody>
+      </p:sp>
+      <p:sp>
+        <p:nvSpPr>
+          <p:cNvPr id="3" name="Content Placeholder 2">
+            <a:extLst>
+              <a:ext uri="{FF2B5EF4-FFF2-40B4-BE49-F238E27FC236}">
+                <a16:creationId xmlns:a16="http://schemas.microsoft.com/office/drawing/2014/main" id="{1A8FA9B3-1B32-894B-93C2-F90FB63CBDAA}"/>
+              </a:ext>
+            </a:extLst>
+          </p:cNvPr>
+          <p:cNvSpPr>
+            <a:spLocks noGrp="1"/>
+          </p:cNvSpPr>
+          <p:nvPr>
+            <p:ph idx="1"/>
+          </p:nvPr>
+        </p:nvSpPr>
+        <p:spPr/>
+        <p:txBody>
+          <a:bodyPr>
+            <a:noAutofit/>
+          </a:bodyPr>
+          <a:lstStyle/>
+          <a:p>
+            <a:pPr>
+              <a:lnSpc>
+                <a:spcPct val="100000"/>
+              </a:lnSpc>
+            </a:pPr>
+            <a:r>
+              <a:rPr lang="en-US" sz="2600" dirty="0"/>
+              <a:t>Very brief second quantized equations of U(</a:t>
+            </a:r>
+            <a:r>
+              <a:rPr lang="en-US" sz="2600" dirty="0" err="1"/>
+              <a:t>k,k</a:t>
+            </a:r>
+            <a:r>
+              <a:rPr lang="en-US" sz="2600" dirty="0"/>
+              <a:t>'), n(q), etc. (Maybe write final expression stating what is important (high-q piece).)</a:t>
+            </a:r>
+          </a:p>
+          <a:p>
+            <a:pPr>
+              <a:lnSpc>
+                <a:spcPct val="100000"/>
+              </a:lnSpc>
+            </a:pPr>
+            <a:r>
+              <a:rPr lang="en-US" sz="2600" dirty="0"/>
+              <a:t>Highlight factorization</a:t>
+            </a:r>
+          </a:p>
+          <a:p>
+            <a:pPr>
+              <a:lnSpc>
+                <a:spcPct val="100000"/>
+              </a:lnSpc>
+            </a:pPr>
+            <a:r>
+              <a:rPr lang="en-US" sz="2600" dirty="0">
+                <a:sym typeface="Wingdings" panose="05000000000000000000" pitchFamily="2" charset="2"/>
+              </a:rPr>
+              <a:t>Evaluate A-body matrix elements with LDA</a:t>
+            </a:r>
+            <a:endParaRPr lang="en-US" sz="2600" dirty="0"/>
+          </a:p>
+        </p:txBody>
+      </p:sp>
+      <p:sp>
+        <p:nvSpPr>
+          <p:cNvPr id="4" name="Slide Number Placeholder 3">
+            <a:extLst>
+              <a:ext uri="{FF2B5EF4-FFF2-40B4-BE49-F238E27FC236}">
+                <a16:creationId xmlns:a16="http://schemas.microsoft.com/office/drawing/2014/main" id="{DC1A2BB9-1F00-304F-9B4C-2EBE5F4461ED}"/>
+              </a:ext>
+            </a:extLst>
+          </p:cNvPr>
+          <p:cNvSpPr>
+            <a:spLocks noGrp="1"/>
+          </p:cNvSpPr>
+          <p:nvPr>
+            <p:ph type="sldNum" sz="quarter" idx="12"/>
+          </p:nvPr>
+        </p:nvSpPr>
+        <p:spPr/>
+        <p:txBody>
+          <a:bodyPr/>
+          <a:lstStyle/>
+          <a:p>
+            <a:pPr marL="0" marR="0" lvl="0" indent="0" algn="r" defTabSz="914400" rtl="0" eaLnBrk="1" fontAlgn="auto" latinLnBrk="0" hangingPunct="1">
+              <a:lnSpc>
+                <a:spcPct val="100000"/>
+              </a:lnSpc>
+              <a:spcBef>
+                <a:spcPts val="0"/>
+              </a:spcBef>
+              <a:spcAft>
+                <a:spcPts val="0"/>
+              </a:spcAft>
+              <a:buClrTx/>
+              <a:buSzTx/>
+              <a:buFontTx/>
+              <a:buNone/>
+              <a:tabLst/>
+              <a:defRPr/>
+            </a:pPr>
+            <a:fld id="{DD20F09D-B375-B446-8D61-90653E4EE1AB}" type="slidenum">
+              <a:rPr kumimoji="0" lang="en-US" sz="1200" b="0" i="0" u="none" strike="noStrike" kern="1200" cap="none" spc="0" normalizeH="0" baseline="0" noProof="0" smtClean="0">
+                <a:ln>
+                  <a:noFill/>
+                </a:ln>
+                <a:solidFill>
+                  <a:prstClr val="black">
+                    <a:tint val="75000"/>
+                  </a:prstClr>
+                </a:solidFill>
+                <a:effectLst/>
+                <a:uLnTx/>
+                <a:uFillTx/>
+                <a:latin typeface="Arial" panose="020B0604020202020204" pitchFamily="34" charset="0"/>
+                <a:ea typeface="+mn-ea"/>
+                <a:cs typeface="+mn-cs"/>
+              </a:rPr>
+              <a:pPr marL="0" marR="0" lvl="0" indent="0" algn="r" defTabSz="914400" rtl="0" eaLnBrk="1" fontAlgn="auto" latinLnBrk="0" hangingPunct="1">
+                <a:lnSpc>
+                  <a:spcPct val="100000"/>
+                </a:lnSpc>
+                <a:spcBef>
+                  <a:spcPts val="0"/>
+                </a:spcBef>
+                <a:spcAft>
+                  <a:spcPts val="0"/>
+                </a:spcAft>
+                <a:buClrTx/>
+                <a:buSzTx/>
+                <a:buFontTx/>
+                <a:buNone/>
+                <a:tabLst/>
+                <a:defRPr/>
+              </a:pPr>
+              <a:t>10</a:t>
+            </a:fld>
+            <a:endParaRPr kumimoji="0" lang="en-US" sz="1200" b="0" i="0" u="none" strike="noStrike" kern="1200" cap="none" spc="0" normalizeH="0" baseline="0" noProof="0">
+              <a:ln>
+                <a:noFill/>
+              </a:ln>
+              <a:solidFill>
+                <a:prstClr val="black">
+                  <a:tint val="75000"/>
+                </a:prstClr>
+              </a:solidFill>
+              <a:effectLst/>
+              <a:uLnTx/>
+              <a:uFillTx/>
+              <a:latin typeface="Arial" panose="020B0604020202020204" pitchFamily="34" charset="0"/>
+              <a:ea typeface="+mn-ea"/>
+              <a:cs typeface="+mn-cs"/>
+            </a:endParaRPr>
+          </a:p>
+        </p:txBody>
+      </p:sp>
+      <p:sp>
+        <p:nvSpPr>
+          <p:cNvPr id="5" name="Footer Placeholder 4">
+            <a:extLst>
+              <a:ext uri="{FF2B5EF4-FFF2-40B4-BE49-F238E27FC236}">
+                <a16:creationId xmlns:a16="http://schemas.microsoft.com/office/drawing/2014/main" id="{FF73425D-2D21-4B89-BE68-7E7B8A95A8C7}"/>
+              </a:ext>
+            </a:extLst>
+          </p:cNvPr>
+          <p:cNvSpPr>
+            <a:spLocks noGrp="1"/>
+          </p:cNvSpPr>
+          <p:nvPr>
+            <p:ph type="ftr" sz="quarter" idx="11"/>
+          </p:nvPr>
+        </p:nvSpPr>
+        <p:spPr/>
+        <p:txBody>
+          <a:bodyPr/>
+          <a:lstStyle/>
+          <a:p>
+            <a:r>
+              <a:rPr lang="en-US" dirty="0"/>
+              <a:t>Anthony Tropiano, APS April 2021 Meeting</a:t>
+            </a:r>
+          </a:p>
+        </p:txBody>
+      </p:sp>
+      <p:pic>
+        <p:nvPicPr>
+          <p:cNvPr id="7" name="Picture 6" descr="Chart&#10;&#10;Description automatically generated with low confidence">
+            <a:extLst>
+              <a:ext uri="{FF2B5EF4-FFF2-40B4-BE49-F238E27FC236}">
+                <a16:creationId xmlns:a16="http://schemas.microsoft.com/office/drawing/2014/main" id="{9BBB5479-FE3B-4C53-969D-FF59EFF8F134}"/>
+              </a:ext>
+            </a:extLst>
+          </p:cNvPr>
+          <p:cNvPicPr>
+            <a:picLocks noChangeAspect="1"/>
+          </p:cNvPicPr>
+          <p:nvPr/>
+        </p:nvPicPr>
+        <p:blipFill>
+          <a:blip r:embed="rId2">
+            <a:extLst>
+              <a:ext uri="{28A0092B-C50C-407E-A947-70E740481C1C}">
+                <a14:useLocalDpi xmlns:a14="http://schemas.microsoft.com/office/drawing/2010/main" val="0"/>
+              </a:ext>
+            </a:extLst>
+          </a:blip>
+          <a:stretch>
+            <a:fillRect/>
+          </a:stretch>
+        </p:blipFill>
+        <p:spPr>
+          <a:xfrm>
+            <a:off x="373967" y="3956235"/>
+            <a:ext cx="2697653" cy="2651760"/>
+          </a:xfrm>
+          <a:prstGeom prst="rect">
+            <a:avLst/>
+          </a:prstGeom>
+        </p:spPr>
+      </p:pic>
+      <p:pic>
+        <p:nvPicPr>
+          <p:cNvPr id="9" name="Picture 8" descr="Chart&#10;&#10;Description automatically generated">
+            <a:extLst>
+              <a:ext uri="{FF2B5EF4-FFF2-40B4-BE49-F238E27FC236}">
+                <a16:creationId xmlns:a16="http://schemas.microsoft.com/office/drawing/2014/main" id="{8D2D9EBA-87A7-4F89-9406-BB2C6BE84443}"/>
+              </a:ext>
+            </a:extLst>
+          </p:cNvPr>
+          <p:cNvPicPr>
+            <a:picLocks noChangeAspect="1"/>
+          </p:cNvPicPr>
+          <p:nvPr/>
+        </p:nvPicPr>
+        <p:blipFill>
+          <a:blip r:embed="rId3">
+            <a:extLst>
+              <a:ext uri="{28A0092B-C50C-407E-A947-70E740481C1C}">
+                <a14:useLocalDpi xmlns:a14="http://schemas.microsoft.com/office/drawing/2010/main" val="0"/>
+              </a:ext>
+            </a:extLst>
+          </a:blip>
+          <a:stretch>
+            <a:fillRect/>
+          </a:stretch>
+        </p:blipFill>
+        <p:spPr>
+          <a:xfrm>
+            <a:off x="3340105" y="3740719"/>
+            <a:ext cx="2697653" cy="2651760"/>
+          </a:xfrm>
+          <a:prstGeom prst="rect">
+            <a:avLst/>
+          </a:prstGeom>
+        </p:spPr>
+      </p:pic>
+      <p:pic>
+        <p:nvPicPr>
+          <p:cNvPr id="11" name="Picture 10" descr="Chart, histogram&#10;&#10;Description automatically generated">
+            <a:extLst>
+              <a:ext uri="{FF2B5EF4-FFF2-40B4-BE49-F238E27FC236}">
+                <a16:creationId xmlns:a16="http://schemas.microsoft.com/office/drawing/2014/main" id="{95FB8CD3-B4FC-4245-8EA6-110695F281B0}"/>
+              </a:ext>
+            </a:extLst>
+          </p:cNvPr>
+          <p:cNvPicPr>
+            <a:picLocks noChangeAspect="1"/>
+          </p:cNvPicPr>
+          <p:nvPr/>
+        </p:nvPicPr>
+        <p:blipFill>
+          <a:blip r:embed="rId4">
+            <a:extLst>
+              <a:ext uri="{28A0092B-C50C-407E-A947-70E740481C1C}">
+                <a14:useLocalDpi xmlns:a14="http://schemas.microsoft.com/office/drawing/2010/main" val="0"/>
+              </a:ext>
+            </a:extLst>
+          </a:blip>
+          <a:stretch>
+            <a:fillRect/>
+          </a:stretch>
+        </p:blipFill>
+        <p:spPr>
+          <a:xfrm>
+            <a:off x="6289132" y="3740719"/>
+            <a:ext cx="2697653" cy="2651760"/>
+          </a:xfrm>
+          <a:prstGeom prst="rect">
+            <a:avLst/>
+          </a:prstGeom>
+        </p:spPr>
+      </p:pic>
+      <p:pic>
+        <p:nvPicPr>
+          <p:cNvPr id="13" name="Picture 12" descr="Chart, line chart&#10;&#10;Description automatically generated">
+            <a:extLst>
+              <a:ext uri="{FF2B5EF4-FFF2-40B4-BE49-F238E27FC236}">
+                <a16:creationId xmlns:a16="http://schemas.microsoft.com/office/drawing/2014/main" id="{F745A9EA-E410-4EB8-921B-E73D55BDA06D}"/>
+              </a:ext>
+            </a:extLst>
+          </p:cNvPr>
+          <p:cNvPicPr>
+            <a:picLocks noChangeAspect="1"/>
+          </p:cNvPicPr>
+          <p:nvPr/>
+        </p:nvPicPr>
+        <p:blipFill>
+          <a:blip r:embed="rId5">
+            <a:extLst>
+              <a:ext uri="{28A0092B-C50C-407E-A947-70E740481C1C}">
+                <a14:useLocalDpi xmlns:a14="http://schemas.microsoft.com/office/drawing/2010/main" val="0"/>
+              </a:ext>
+            </a:extLst>
+          </a:blip>
+          <a:stretch>
+            <a:fillRect/>
+          </a:stretch>
+        </p:blipFill>
+        <p:spPr>
+          <a:xfrm>
+            <a:off x="9113347" y="3875724"/>
+            <a:ext cx="2697653" cy="2651760"/>
+          </a:xfrm>
+          <a:prstGeom prst="rect">
+            <a:avLst/>
+          </a:prstGeom>
+        </p:spPr>
+      </p:pic>
+    </p:spTree>
+    <p:extLst>
+      <p:ext uri="{BB962C8B-B14F-4D97-AF65-F5344CB8AC3E}">
+        <p14:creationId xmlns:p14="http://schemas.microsoft.com/office/powerpoint/2010/main" val="587682592"/>
+      </p:ext>
+    </p:extLst>
+  </p:cSld>
+  <p:clrMapOvr>
+    <a:masterClrMapping/>
+  </p:clrMapOvr>
+</p:sld>
+</file>
+
+<file path=ppt/slides/slide11.xml><?xml version="1.0" encoding="utf-8"?>
+<p:sld xmlns:a="http://schemas.openxmlformats.org/drawingml/2006/main" xmlns:r="http://schemas.openxmlformats.org/officeDocument/2006/relationships" xmlns:p="http://schemas.openxmlformats.org/presentationml/2006/main">
+  <p:cSld>
+    <p:spTree>
+      <p:nvGrpSpPr>
+        <p:cNvPr id="1" name=""/>
+        <p:cNvGrpSpPr/>
+        <p:nvPr/>
+      </p:nvGrpSpPr>
+      <p:grpSpPr>
+        <a:xfrm>
+          <a:off x="0" y="0"/>
+          <a:ext cx="0" cy="0"/>
+          <a:chOff x="0" y="0"/>
+          <a:chExt cx="0" cy="0"/>
+        </a:xfrm>
+      </p:grpSpPr>
+      <p:sp>
+        <p:nvSpPr>
+          <p:cNvPr id="2" name="Title 1">
+            <a:extLst>
+              <a:ext uri="{FF2B5EF4-FFF2-40B4-BE49-F238E27FC236}">
+                <a16:creationId xmlns:a16="http://schemas.microsoft.com/office/drawing/2014/main" id="{9FECE9C7-FBB0-B54D-8E92-C3BC6CA96ED2}"/>
+              </a:ext>
+            </a:extLst>
+          </p:cNvPr>
+          <p:cNvSpPr>
+            <a:spLocks noGrp="1"/>
+          </p:cNvSpPr>
+          <p:nvPr>
+            <p:ph type="title"/>
+          </p:nvPr>
+        </p:nvSpPr>
+        <p:spPr/>
+        <p:txBody>
+          <a:bodyPr/>
+          <a:lstStyle/>
+          <a:p>
+            <a:pPr>
+              <a:lnSpc>
+                <a:spcPct val="100000"/>
+              </a:lnSpc>
+            </a:pPr>
+            <a:r>
+              <a:rPr lang="en-US" dirty="0">
+                <a:solidFill>
+                  <a:srgbClr val="002060"/>
+                </a:solidFill>
+              </a:rPr>
+              <a:t>Factorization</a:t>
+            </a:r>
+            <a:endParaRPr lang="en-US" dirty="0">
+              <a:solidFill>
+                <a:srgbClr val="002060"/>
+              </a:solidFill>
+              <a:latin typeface="Arial" panose="020B0604020202020204" pitchFamily="34" charset="0"/>
+            </a:endParaRPr>
+          </a:p>
+        </p:txBody>
+      </p:sp>
+      <p:sp>
+        <p:nvSpPr>
+          <p:cNvPr id="3" name="Content Placeholder 2">
+            <a:extLst>
+              <a:ext uri="{FF2B5EF4-FFF2-40B4-BE49-F238E27FC236}">
+                <a16:creationId xmlns:a16="http://schemas.microsoft.com/office/drawing/2014/main" id="{1A8FA9B3-1B32-894B-93C2-F90FB63CBDAA}"/>
+              </a:ext>
+            </a:extLst>
+          </p:cNvPr>
+          <p:cNvSpPr>
+            <a:spLocks noGrp="1"/>
+          </p:cNvSpPr>
+          <p:nvPr>
+            <p:ph idx="1"/>
+          </p:nvPr>
+        </p:nvSpPr>
+        <p:spPr/>
+        <p:txBody>
+          <a:bodyPr>
+            <a:noAutofit/>
+          </a:bodyPr>
+          <a:lstStyle/>
+          <a:p>
+            <a:pPr>
+              <a:lnSpc>
+                <a:spcPct val="100000"/>
+              </a:lnSpc>
+            </a:pPr>
+            <a:r>
+              <a:rPr lang="en-US" sz="2600" dirty="0"/>
+              <a:t>Very brief second quantized equations of U(</a:t>
+            </a:r>
+            <a:r>
+              <a:rPr lang="en-US" sz="2600" dirty="0" err="1"/>
+              <a:t>k,k</a:t>
+            </a:r>
+            <a:r>
+              <a:rPr lang="en-US" sz="2600" dirty="0"/>
+              <a:t>'), n(q), etc. (Maybe write final expression stating what is important (high-q piece).)</a:t>
+            </a:r>
+          </a:p>
+          <a:p>
+            <a:pPr>
+              <a:lnSpc>
+                <a:spcPct val="100000"/>
+              </a:lnSpc>
+            </a:pPr>
+            <a:r>
+              <a:rPr lang="en-US" sz="2600" dirty="0"/>
+              <a:t>Highlight factorization</a:t>
+            </a:r>
+          </a:p>
+          <a:p>
+            <a:pPr>
+              <a:lnSpc>
+                <a:spcPct val="100000"/>
+              </a:lnSpc>
+            </a:pPr>
+            <a:r>
+              <a:rPr lang="en-US" sz="2600" dirty="0">
+                <a:sym typeface="Wingdings" panose="05000000000000000000" pitchFamily="2" charset="2"/>
+              </a:rPr>
+              <a:t>Evaluate A-body matrix elements with LDA</a:t>
+            </a:r>
+            <a:endParaRPr lang="en-US" sz="2600" dirty="0"/>
+          </a:p>
+        </p:txBody>
+      </p:sp>
+      <p:sp>
+        <p:nvSpPr>
+          <p:cNvPr id="4" name="Slide Number Placeholder 3">
+            <a:extLst>
+              <a:ext uri="{FF2B5EF4-FFF2-40B4-BE49-F238E27FC236}">
+                <a16:creationId xmlns:a16="http://schemas.microsoft.com/office/drawing/2014/main" id="{DC1A2BB9-1F00-304F-9B4C-2EBE5F4461ED}"/>
+              </a:ext>
+            </a:extLst>
+          </p:cNvPr>
+          <p:cNvSpPr>
+            <a:spLocks noGrp="1"/>
+          </p:cNvSpPr>
+          <p:nvPr>
+            <p:ph type="sldNum" sz="quarter" idx="12"/>
+          </p:nvPr>
+        </p:nvSpPr>
+        <p:spPr/>
+        <p:txBody>
+          <a:bodyPr/>
+          <a:lstStyle/>
+          <a:p>
+            <a:pPr marL="0" marR="0" lvl="0" indent="0" algn="r" defTabSz="914400" rtl="0" eaLnBrk="1" fontAlgn="auto" latinLnBrk="0" hangingPunct="1">
+              <a:lnSpc>
+                <a:spcPct val="100000"/>
+              </a:lnSpc>
+              <a:spcBef>
+                <a:spcPts val="0"/>
+              </a:spcBef>
+              <a:spcAft>
+                <a:spcPts val="0"/>
+              </a:spcAft>
+              <a:buClrTx/>
+              <a:buSzTx/>
+              <a:buFontTx/>
+              <a:buNone/>
+              <a:tabLst/>
+              <a:defRPr/>
+            </a:pPr>
+            <a:fld id="{DD20F09D-B375-B446-8D61-90653E4EE1AB}" type="slidenum">
+              <a:rPr kumimoji="0" lang="en-US" sz="1200" b="0" i="0" u="none" strike="noStrike" kern="1200" cap="none" spc="0" normalizeH="0" baseline="0" noProof="0" smtClean="0">
+                <a:ln>
+                  <a:noFill/>
+                </a:ln>
+                <a:solidFill>
+                  <a:prstClr val="black">
+                    <a:tint val="75000"/>
+                  </a:prstClr>
+                </a:solidFill>
+                <a:effectLst/>
+                <a:uLnTx/>
+                <a:uFillTx/>
+                <a:latin typeface="Arial" panose="020B0604020202020204" pitchFamily="34" charset="0"/>
+                <a:ea typeface="+mn-ea"/>
+                <a:cs typeface="+mn-cs"/>
+              </a:rPr>
+              <a:pPr marL="0" marR="0" lvl="0" indent="0" algn="r" defTabSz="914400" rtl="0" eaLnBrk="1" fontAlgn="auto" latinLnBrk="0" hangingPunct="1">
+                <a:lnSpc>
+                  <a:spcPct val="100000"/>
+                </a:lnSpc>
+                <a:spcBef>
+                  <a:spcPts val="0"/>
+                </a:spcBef>
+                <a:spcAft>
+                  <a:spcPts val="0"/>
+                </a:spcAft>
+                <a:buClrTx/>
+                <a:buSzTx/>
+                <a:buFontTx/>
+                <a:buNone/>
+                <a:tabLst/>
+                <a:defRPr/>
+              </a:pPr>
+              <a:t>11</a:t>
+            </a:fld>
+            <a:endParaRPr kumimoji="0" lang="en-US" sz="1200" b="0" i="0" u="none" strike="noStrike" kern="1200" cap="none" spc="0" normalizeH="0" baseline="0" noProof="0">
+              <a:ln>
+                <a:noFill/>
+              </a:ln>
+              <a:solidFill>
+                <a:prstClr val="black">
+                  <a:tint val="75000"/>
+                </a:prstClr>
+              </a:solidFill>
+              <a:effectLst/>
+              <a:uLnTx/>
+              <a:uFillTx/>
+              <a:latin typeface="Arial" panose="020B0604020202020204" pitchFamily="34" charset="0"/>
+              <a:ea typeface="+mn-ea"/>
+              <a:cs typeface="+mn-cs"/>
+            </a:endParaRPr>
+          </a:p>
+        </p:txBody>
+      </p:sp>
+      <p:sp>
+        <p:nvSpPr>
+          <p:cNvPr id="5" name="Footer Placeholder 4">
+            <a:extLst>
+              <a:ext uri="{FF2B5EF4-FFF2-40B4-BE49-F238E27FC236}">
+                <a16:creationId xmlns:a16="http://schemas.microsoft.com/office/drawing/2014/main" id="{FF73425D-2D21-4B89-BE68-7E7B8A95A8C7}"/>
+              </a:ext>
+            </a:extLst>
+          </p:cNvPr>
+          <p:cNvSpPr>
+            <a:spLocks noGrp="1"/>
+          </p:cNvSpPr>
+          <p:nvPr>
+            <p:ph type="ftr" sz="quarter" idx="11"/>
+          </p:nvPr>
+        </p:nvSpPr>
+        <p:spPr/>
+        <p:txBody>
+          <a:bodyPr/>
+          <a:lstStyle/>
+          <a:p>
+            <a:r>
+              <a:rPr lang="en-US" dirty="0"/>
+              <a:t>Anthony Tropiano, APS April 2021 Meeting</a:t>
+            </a:r>
+          </a:p>
+        </p:txBody>
+      </p:sp>
+      <p:pic>
+        <p:nvPicPr>
+          <p:cNvPr id="7" name="Picture 6" descr="Chart&#10;&#10;Description automatically generated with low confidence">
+            <a:extLst>
+              <a:ext uri="{FF2B5EF4-FFF2-40B4-BE49-F238E27FC236}">
+                <a16:creationId xmlns:a16="http://schemas.microsoft.com/office/drawing/2014/main" id="{9BBB5479-FE3B-4C53-969D-FF59EFF8F134}"/>
+              </a:ext>
+            </a:extLst>
+          </p:cNvPr>
+          <p:cNvPicPr>
+            <a:picLocks noChangeAspect="1"/>
+          </p:cNvPicPr>
+          <p:nvPr/>
+        </p:nvPicPr>
+        <p:blipFill>
+          <a:blip r:embed="rId2">
+            <a:extLst>
+              <a:ext uri="{28A0092B-C50C-407E-A947-70E740481C1C}">
+                <a14:useLocalDpi xmlns:a14="http://schemas.microsoft.com/office/drawing/2010/main" val="0"/>
+              </a:ext>
+            </a:extLst>
+          </a:blip>
+          <a:stretch>
+            <a:fillRect/>
+          </a:stretch>
+        </p:blipFill>
+        <p:spPr>
+          <a:xfrm>
+            <a:off x="373967" y="3956235"/>
+            <a:ext cx="2697653" cy="2651760"/>
+          </a:xfrm>
+          <a:prstGeom prst="rect">
+            <a:avLst/>
+          </a:prstGeom>
+        </p:spPr>
+      </p:pic>
+      <p:pic>
+        <p:nvPicPr>
+          <p:cNvPr id="9" name="Picture 8" descr="Chart&#10;&#10;Description automatically generated">
+            <a:extLst>
+              <a:ext uri="{FF2B5EF4-FFF2-40B4-BE49-F238E27FC236}">
+                <a16:creationId xmlns:a16="http://schemas.microsoft.com/office/drawing/2014/main" id="{8D2D9EBA-87A7-4F89-9406-BB2C6BE84443}"/>
+              </a:ext>
+            </a:extLst>
+          </p:cNvPr>
+          <p:cNvPicPr>
+            <a:picLocks noChangeAspect="1"/>
+          </p:cNvPicPr>
+          <p:nvPr/>
+        </p:nvPicPr>
+        <p:blipFill>
+          <a:blip r:embed="rId3">
+            <a:extLst>
+              <a:ext uri="{28A0092B-C50C-407E-A947-70E740481C1C}">
+                <a14:useLocalDpi xmlns:a14="http://schemas.microsoft.com/office/drawing/2010/main" val="0"/>
+              </a:ext>
+            </a:extLst>
+          </a:blip>
+          <a:stretch>
+            <a:fillRect/>
+          </a:stretch>
+        </p:blipFill>
+        <p:spPr>
+          <a:xfrm>
+            <a:off x="3340105" y="3740719"/>
+            <a:ext cx="2697653" cy="2651760"/>
+          </a:xfrm>
+          <a:prstGeom prst="rect">
+            <a:avLst/>
+          </a:prstGeom>
+        </p:spPr>
+      </p:pic>
+      <p:pic>
+        <p:nvPicPr>
+          <p:cNvPr id="11" name="Picture 10" descr="Chart, histogram&#10;&#10;Description automatically generated">
+            <a:extLst>
+              <a:ext uri="{FF2B5EF4-FFF2-40B4-BE49-F238E27FC236}">
+                <a16:creationId xmlns:a16="http://schemas.microsoft.com/office/drawing/2014/main" id="{95FB8CD3-B4FC-4245-8EA6-110695F281B0}"/>
+              </a:ext>
+            </a:extLst>
+          </p:cNvPr>
+          <p:cNvPicPr>
+            <a:picLocks noChangeAspect="1"/>
+          </p:cNvPicPr>
+          <p:nvPr/>
+        </p:nvPicPr>
+        <p:blipFill>
+          <a:blip r:embed="rId4">
+            <a:extLst>
+              <a:ext uri="{28A0092B-C50C-407E-A947-70E740481C1C}">
+                <a14:useLocalDpi xmlns:a14="http://schemas.microsoft.com/office/drawing/2010/main" val="0"/>
+              </a:ext>
+            </a:extLst>
+          </a:blip>
+          <a:stretch>
+            <a:fillRect/>
+          </a:stretch>
+        </p:blipFill>
+        <p:spPr>
+          <a:xfrm>
+            <a:off x="6289132" y="3740719"/>
+            <a:ext cx="2697653" cy="2651760"/>
+          </a:xfrm>
+          <a:prstGeom prst="rect">
+            <a:avLst/>
+          </a:prstGeom>
+        </p:spPr>
+      </p:pic>
+      <p:pic>
+        <p:nvPicPr>
+          <p:cNvPr id="13" name="Picture 12" descr="Chart, line chart&#10;&#10;Description automatically generated">
+            <a:extLst>
+              <a:ext uri="{FF2B5EF4-FFF2-40B4-BE49-F238E27FC236}">
+                <a16:creationId xmlns:a16="http://schemas.microsoft.com/office/drawing/2014/main" id="{F745A9EA-E410-4EB8-921B-E73D55BDA06D}"/>
+              </a:ext>
+            </a:extLst>
+          </p:cNvPr>
+          <p:cNvPicPr>
+            <a:picLocks noChangeAspect="1"/>
+          </p:cNvPicPr>
+          <p:nvPr/>
+        </p:nvPicPr>
+        <p:blipFill>
+          <a:blip r:embed="rId5">
+            <a:extLst>
+              <a:ext uri="{28A0092B-C50C-407E-A947-70E740481C1C}">
+                <a14:useLocalDpi xmlns:a14="http://schemas.microsoft.com/office/drawing/2010/main" val="0"/>
+              </a:ext>
+            </a:extLst>
+          </a:blip>
+          <a:stretch>
+            <a:fillRect/>
+          </a:stretch>
+        </p:blipFill>
+        <p:spPr>
+          <a:xfrm>
+            <a:off x="9113347" y="3875724"/>
+            <a:ext cx="2697653" cy="2651760"/>
+          </a:xfrm>
+          <a:prstGeom prst="rect">
+            <a:avLst/>
+          </a:prstGeom>
+        </p:spPr>
+      </p:pic>
+    </p:spTree>
+    <p:extLst>
+      <p:ext uri="{BB962C8B-B14F-4D97-AF65-F5344CB8AC3E}">
+        <p14:creationId xmlns:p14="http://schemas.microsoft.com/office/powerpoint/2010/main" val="2505280225"/>
+      </p:ext>
+    </p:extLst>
+  </p:cSld>
+  <p:clrMapOvr>
+    <a:masterClrMapping/>
+  </p:clrMapOvr>
+</p:sld>
+</file>
+
+<file path=ppt/slides/slide12.xml><?xml version="1.0" encoding="utf-8"?>
+<p:sld xmlns:a="http://schemas.openxmlformats.org/drawingml/2006/main" xmlns:r="http://schemas.openxmlformats.org/officeDocument/2006/relationships" xmlns:p="http://schemas.openxmlformats.org/presentationml/2006/main">
+  <p:cSld>
+    <p:spTree>
+      <p:nvGrpSpPr>
+        <p:cNvPr id="1" name=""/>
+        <p:cNvGrpSpPr/>
+        <p:nvPr/>
+      </p:nvGrpSpPr>
+      <p:grpSpPr>
+        <a:xfrm>
+          <a:off x="0" y="0"/>
+          <a:ext cx="0" cy="0"/>
+          <a:chOff x="0" y="0"/>
+          <a:chExt cx="0" cy="0"/>
+        </a:xfrm>
+      </p:grpSpPr>
+      <p:sp>
+        <p:nvSpPr>
+          <p:cNvPr id="2" name="Title 1">
+            <a:extLst>
+              <a:ext uri="{FF2B5EF4-FFF2-40B4-BE49-F238E27FC236}">
+                <a16:creationId xmlns:a16="http://schemas.microsoft.com/office/drawing/2014/main" id="{9FECE9C7-FBB0-B54D-8E92-C3BC6CA96ED2}"/>
+              </a:ext>
+            </a:extLst>
+          </p:cNvPr>
+          <p:cNvSpPr>
+            <a:spLocks noGrp="1"/>
+          </p:cNvSpPr>
+          <p:nvPr>
+            <p:ph type="title"/>
+          </p:nvPr>
+        </p:nvSpPr>
+        <p:spPr/>
+        <p:txBody>
+          <a:bodyPr/>
+          <a:lstStyle/>
+          <a:p>
+            <a:pPr>
+              <a:lnSpc>
+                <a:spcPct val="100000"/>
+              </a:lnSpc>
+            </a:pPr>
+            <a:r>
+              <a:rPr lang="en-US" dirty="0">
+                <a:solidFill>
+                  <a:srgbClr val="002060"/>
+                </a:solidFill>
+              </a:rPr>
+              <a:t>LDA results</a:t>
+            </a:r>
+            <a:endParaRPr lang="en-US" dirty="0">
+              <a:solidFill>
+                <a:srgbClr val="002060"/>
+              </a:solidFill>
+              <a:latin typeface="Arial" panose="020B0604020202020204" pitchFamily="34" charset="0"/>
+            </a:endParaRPr>
+          </a:p>
+        </p:txBody>
+      </p:sp>
+      <p:sp>
+        <p:nvSpPr>
+          <p:cNvPr id="3" name="Content Placeholder 2">
+            <a:extLst>
+              <a:ext uri="{FF2B5EF4-FFF2-40B4-BE49-F238E27FC236}">
+                <a16:creationId xmlns:a16="http://schemas.microsoft.com/office/drawing/2014/main" id="{1A8FA9B3-1B32-894B-93C2-F90FB63CBDAA}"/>
+              </a:ext>
+            </a:extLst>
+          </p:cNvPr>
+          <p:cNvSpPr>
+            <a:spLocks noGrp="1"/>
+          </p:cNvSpPr>
+          <p:nvPr>
+            <p:ph idx="1"/>
+          </p:nvPr>
+        </p:nvSpPr>
+        <p:spPr/>
+        <p:txBody>
+          <a:bodyPr/>
+          <a:lstStyle/>
+          <a:p>
+            <a:pPr>
+              <a:lnSpc>
+                <a:spcPct val="100000"/>
+              </a:lnSpc>
+            </a:pPr>
+            <a:r>
+              <a:rPr lang="en-US" dirty="0"/>
+              <a:t>Universality from factorization</a:t>
+            </a:r>
+          </a:p>
+          <a:p>
+            <a:pPr>
+              <a:lnSpc>
+                <a:spcPct val="100000"/>
+              </a:lnSpc>
+            </a:pPr>
+            <a:r>
+              <a:rPr lang="en-US" dirty="0">
+                <a:solidFill>
+                  <a:srgbClr val="C00000"/>
+                </a:solidFill>
+              </a:rPr>
+              <a:t>Show factorized ratios</a:t>
+            </a:r>
+          </a:p>
+          <a:p>
+            <a:pPr>
+              <a:lnSpc>
+                <a:spcPct val="100000"/>
+              </a:lnSpc>
+            </a:pPr>
+            <a:r>
+              <a:rPr lang="en-US" dirty="0">
+                <a:solidFill>
+                  <a:srgbClr val="C00000"/>
+                </a:solidFill>
+              </a:rPr>
+              <a:t>Normalization work in progress</a:t>
+            </a:r>
+          </a:p>
+          <a:p>
+            <a:pPr>
+              <a:lnSpc>
+                <a:spcPct val="100000"/>
+              </a:lnSpc>
+            </a:pPr>
+            <a:r>
+              <a:rPr lang="en-US" dirty="0">
+                <a:solidFill>
+                  <a:srgbClr val="C00000"/>
+                </a:solidFill>
+              </a:rPr>
+              <a:t>Compare to Argonne after universality</a:t>
+            </a:r>
+          </a:p>
+        </p:txBody>
+      </p:sp>
+      <p:sp>
+        <p:nvSpPr>
+          <p:cNvPr id="4" name="Slide Number Placeholder 3">
+            <a:extLst>
+              <a:ext uri="{FF2B5EF4-FFF2-40B4-BE49-F238E27FC236}">
+                <a16:creationId xmlns:a16="http://schemas.microsoft.com/office/drawing/2014/main" id="{DC1A2BB9-1F00-304F-9B4C-2EBE5F4461ED}"/>
+              </a:ext>
+            </a:extLst>
+          </p:cNvPr>
+          <p:cNvSpPr>
+            <a:spLocks noGrp="1"/>
+          </p:cNvSpPr>
+          <p:nvPr>
+            <p:ph type="sldNum" sz="quarter" idx="12"/>
+          </p:nvPr>
+        </p:nvSpPr>
+        <p:spPr/>
+        <p:txBody>
+          <a:bodyPr/>
+          <a:lstStyle/>
+          <a:p>
+            <a:pPr marL="0" marR="0" lvl="0" indent="0" algn="r" defTabSz="914400" rtl="0" eaLnBrk="1" fontAlgn="auto" latinLnBrk="0" hangingPunct="1">
+              <a:lnSpc>
+                <a:spcPct val="100000"/>
+              </a:lnSpc>
+              <a:spcBef>
+                <a:spcPts val="0"/>
+              </a:spcBef>
+              <a:spcAft>
+                <a:spcPts val="0"/>
+              </a:spcAft>
+              <a:buClrTx/>
+              <a:buSzTx/>
+              <a:buFontTx/>
+              <a:buNone/>
+              <a:tabLst/>
+              <a:defRPr/>
+            </a:pPr>
+            <a:fld id="{DD20F09D-B375-B446-8D61-90653E4EE1AB}" type="slidenum">
+              <a:rPr kumimoji="0" lang="en-US" sz="1200" b="0" i="0" u="none" strike="noStrike" kern="1200" cap="none" spc="0" normalizeH="0" baseline="0" noProof="0" smtClean="0">
+                <a:ln>
+                  <a:noFill/>
+                </a:ln>
+                <a:solidFill>
+                  <a:prstClr val="black">
+                    <a:tint val="75000"/>
+                  </a:prstClr>
+                </a:solidFill>
+                <a:effectLst/>
+                <a:uLnTx/>
+                <a:uFillTx/>
+                <a:latin typeface="Arial" panose="020B0604020202020204" pitchFamily="34" charset="0"/>
+                <a:ea typeface="+mn-ea"/>
+                <a:cs typeface="+mn-cs"/>
+              </a:rPr>
+              <a:pPr marL="0" marR="0" lvl="0" indent="0" algn="r" defTabSz="914400" rtl="0" eaLnBrk="1" fontAlgn="auto" latinLnBrk="0" hangingPunct="1">
+                <a:lnSpc>
+                  <a:spcPct val="100000"/>
+                </a:lnSpc>
+                <a:spcBef>
+                  <a:spcPts val="0"/>
+                </a:spcBef>
+                <a:spcAft>
+                  <a:spcPts val="0"/>
+                </a:spcAft>
+                <a:buClrTx/>
+                <a:buSzTx/>
+                <a:buFontTx/>
+                <a:buNone/>
+                <a:tabLst/>
+                <a:defRPr/>
+              </a:pPr>
+              <a:t>12</a:t>
+            </a:fld>
+            <a:endParaRPr kumimoji="0" lang="en-US" sz="1200" b="0" i="0" u="none" strike="noStrike" kern="1200" cap="none" spc="0" normalizeH="0" baseline="0" noProof="0">
+              <a:ln>
+                <a:noFill/>
+              </a:ln>
+              <a:solidFill>
+                <a:prstClr val="black">
+                  <a:tint val="75000"/>
+                </a:prstClr>
+              </a:solidFill>
+              <a:effectLst/>
+              <a:uLnTx/>
+              <a:uFillTx/>
+              <a:latin typeface="Arial" panose="020B0604020202020204" pitchFamily="34" charset="0"/>
+              <a:ea typeface="+mn-ea"/>
+              <a:cs typeface="+mn-cs"/>
+            </a:endParaRPr>
+          </a:p>
+        </p:txBody>
+      </p:sp>
+      <p:sp>
+        <p:nvSpPr>
+          <p:cNvPr id="5" name="Footer Placeholder 4">
+            <a:extLst>
+              <a:ext uri="{FF2B5EF4-FFF2-40B4-BE49-F238E27FC236}">
+                <a16:creationId xmlns:a16="http://schemas.microsoft.com/office/drawing/2014/main" id="{FF73425D-2D21-4B89-BE68-7E7B8A95A8C7}"/>
+              </a:ext>
+            </a:extLst>
+          </p:cNvPr>
+          <p:cNvSpPr>
+            <a:spLocks noGrp="1"/>
+          </p:cNvSpPr>
+          <p:nvPr>
+            <p:ph type="ftr" sz="quarter" idx="11"/>
+          </p:nvPr>
+        </p:nvSpPr>
+        <p:spPr/>
+        <p:txBody>
+          <a:bodyPr/>
+          <a:lstStyle/>
+          <a:p>
+            <a:r>
+              <a:rPr lang="en-US"/>
+              <a:t>Anthony Tropiano, APS April 2021 Meeting</a:t>
+            </a:r>
+          </a:p>
+        </p:txBody>
+      </p:sp>
+      <p:pic>
+        <p:nvPicPr>
+          <p:cNvPr id="7" name="Picture 6" descr="Chart&#10;&#10;Description automatically generated">
+            <a:extLst>
+              <a:ext uri="{FF2B5EF4-FFF2-40B4-BE49-F238E27FC236}">
+                <a16:creationId xmlns:a16="http://schemas.microsoft.com/office/drawing/2014/main" id="{D80F0E9E-50EE-4276-B960-3A34C1181309}"/>
+              </a:ext>
+            </a:extLst>
+          </p:cNvPr>
+          <p:cNvPicPr>
+            <a:picLocks noChangeAspect="1"/>
+          </p:cNvPicPr>
+          <p:nvPr/>
+        </p:nvPicPr>
+        <p:blipFill>
+          <a:blip r:embed="rId3">
+            <a:extLst>
+              <a:ext uri="{28A0092B-C50C-407E-A947-70E740481C1C}">
+                <a14:useLocalDpi xmlns:a14="http://schemas.microsoft.com/office/drawing/2010/main" val="0"/>
+              </a:ext>
+            </a:extLst>
+          </a:blip>
+          <a:stretch>
+            <a:fillRect/>
+          </a:stretch>
+        </p:blipFill>
+        <p:spPr>
+          <a:xfrm>
+            <a:off x="7463161" y="2151916"/>
+            <a:ext cx="3758191" cy="3698755"/>
+          </a:xfrm>
+          <a:prstGeom prst="rect">
+            <a:avLst/>
+          </a:prstGeom>
+        </p:spPr>
+      </p:pic>
+    </p:spTree>
+    <p:extLst>
+      <p:ext uri="{BB962C8B-B14F-4D97-AF65-F5344CB8AC3E}">
+        <p14:creationId xmlns:p14="http://schemas.microsoft.com/office/powerpoint/2010/main" val="1776653183"/>
+      </p:ext>
+    </p:extLst>
+  </p:cSld>
+  <p:clrMapOvr>
+    <a:masterClrMapping/>
+  </p:clrMapOvr>
+</p:sld>
+</file>
+
+<file path=ppt/slides/slide13.xml><?xml version="1.0" encoding="utf-8"?>
+<p:sld xmlns:a="http://schemas.openxmlformats.org/drawingml/2006/main" xmlns:r="http://schemas.openxmlformats.org/officeDocument/2006/relationships" xmlns:p="http://schemas.openxmlformats.org/presentationml/2006/main">
+  <p:cSld>
+    <p:spTree>
+      <p:nvGrpSpPr>
+        <p:cNvPr id="1" name=""/>
+        <p:cNvGrpSpPr/>
+        <p:nvPr/>
+      </p:nvGrpSpPr>
+      <p:grpSpPr>
+        <a:xfrm>
+          <a:off x="0" y="0"/>
+          <a:ext cx="0" cy="0"/>
+          <a:chOff x="0" y="0"/>
+          <a:chExt cx="0" cy="0"/>
+        </a:xfrm>
+      </p:grpSpPr>
+      <p:sp>
+        <p:nvSpPr>
+          <p:cNvPr id="2" name="Title 1">
+            <a:extLst>
+              <a:ext uri="{FF2B5EF4-FFF2-40B4-BE49-F238E27FC236}">
+                <a16:creationId xmlns:a16="http://schemas.microsoft.com/office/drawing/2014/main" id="{9FECE9C7-FBB0-B54D-8E92-C3BC6CA96ED2}"/>
+              </a:ext>
+            </a:extLst>
+          </p:cNvPr>
+          <p:cNvSpPr>
+            <a:spLocks noGrp="1"/>
+          </p:cNvSpPr>
+          <p:nvPr>
+            <p:ph type="title"/>
+          </p:nvPr>
+        </p:nvSpPr>
+        <p:spPr/>
+        <p:txBody>
+          <a:bodyPr/>
+          <a:lstStyle/>
+          <a:p>
+            <a:pPr>
+              <a:lnSpc>
+                <a:spcPct val="100000"/>
+              </a:lnSpc>
+            </a:pPr>
+            <a:r>
+              <a:rPr lang="en-US" dirty="0">
+                <a:solidFill>
+                  <a:srgbClr val="002060"/>
+                </a:solidFill>
+              </a:rPr>
+              <a:t>LDA results</a:t>
+            </a:r>
+            <a:endParaRPr lang="en-US" dirty="0">
+              <a:solidFill>
+                <a:srgbClr val="002060"/>
+              </a:solidFill>
+              <a:latin typeface="Arial" panose="020B0604020202020204" pitchFamily="34" charset="0"/>
+            </a:endParaRPr>
+          </a:p>
+        </p:txBody>
+      </p:sp>
+      <p:sp>
+        <p:nvSpPr>
+          <p:cNvPr id="3" name="Content Placeholder 2">
+            <a:extLst>
+              <a:ext uri="{FF2B5EF4-FFF2-40B4-BE49-F238E27FC236}">
+                <a16:creationId xmlns:a16="http://schemas.microsoft.com/office/drawing/2014/main" id="{1A8FA9B3-1B32-894B-93C2-F90FB63CBDAA}"/>
+              </a:ext>
+            </a:extLst>
+          </p:cNvPr>
+          <p:cNvSpPr>
+            <a:spLocks noGrp="1"/>
+          </p:cNvSpPr>
+          <p:nvPr>
+            <p:ph idx="1"/>
+          </p:nvPr>
+        </p:nvSpPr>
+        <p:spPr/>
+        <p:txBody>
+          <a:bodyPr/>
+          <a:lstStyle/>
+          <a:p>
+            <a:pPr>
+              <a:lnSpc>
+                <a:spcPct val="100000"/>
+              </a:lnSpc>
+            </a:pPr>
+            <a:r>
+              <a:rPr lang="en-US" dirty="0"/>
+              <a:t>Highlight np dominance and weak A dependence from factorization</a:t>
+            </a:r>
+          </a:p>
+        </p:txBody>
+      </p:sp>
+      <p:sp>
+        <p:nvSpPr>
+          <p:cNvPr id="4" name="Slide Number Placeholder 3">
+            <a:extLst>
+              <a:ext uri="{FF2B5EF4-FFF2-40B4-BE49-F238E27FC236}">
+                <a16:creationId xmlns:a16="http://schemas.microsoft.com/office/drawing/2014/main" id="{DC1A2BB9-1F00-304F-9B4C-2EBE5F4461ED}"/>
+              </a:ext>
+            </a:extLst>
+          </p:cNvPr>
+          <p:cNvSpPr>
+            <a:spLocks noGrp="1"/>
+          </p:cNvSpPr>
+          <p:nvPr>
+            <p:ph type="sldNum" sz="quarter" idx="12"/>
+          </p:nvPr>
+        </p:nvSpPr>
+        <p:spPr/>
+        <p:txBody>
+          <a:bodyPr/>
+          <a:lstStyle/>
+          <a:p>
+            <a:pPr marL="0" marR="0" lvl="0" indent="0" algn="r" defTabSz="914400" rtl="0" eaLnBrk="1" fontAlgn="auto" latinLnBrk="0" hangingPunct="1">
+              <a:lnSpc>
+                <a:spcPct val="100000"/>
+              </a:lnSpc>
+              <a:spcBef>
+                <a:spcPts val="0"/>
+              </a:spcBef>
+              <a:spcAft>
+                <a:spcPts val="0"/>
+              </a:spcAft>
+              <a:buClrTx/>
+              <a:buSzTx/>
+              <a:buFontTx/>
+              <a:buNone/>
+              <a:tabLst/>
+              <a:defRPr/>
+            </a:pPr>
+            <a:fld id="{DD20F09D-B375-B446-8D61-90653E4EE1AB}" type="slidenum">
+              <a:rPr kumimoji="0" lang="en-US" sz="1200" b="0" i="0" u="none" strike="noStrike" kern="1200" cap="none" spc="0" normalizeH="0" baseline="0" noProof="0" smtClean="0">
+                <a:ln>
+                  <a:noFill/>
+                </a:ln>
+                <a:solidFill>
+                  <a:prstClr val="black">
+                    <a:tint val="75000"/>
+                  </a:prstClr>
+                </a:solidFill>
+                <a:effectLst/>
+                <a:uLnTx/>
+                <a:uFillTx/>
+                <a:latin typeface="Arial" panose="020B0604020202020204" pitchFamily="34" charset="0"/>
+                <a:ea typeface="+mn-ea"/>
+                <a:cs typeface="+mn-cs"/>
+              </a:rPr>
+              <a:pPr marL="0" marR="0" lvl="0" indent="0" algn="r" defTabSz="914400" rtl="0" eaLnBrk="1" fontAlgn="auto" latinLnBrk="0" hangingPunct="1">
+                <a:lnSpc>
+                  <a:spcPct val="100000"/>
+                </a:lnSpc>
+                <a:spcBef>
+                  <a:spcPts val="0"/>
+                </a:spcBef>
+                <a:spcAft>
+                  <a:spcPts val="0"/>
+                </a:spcAft>
+                <a:buClrTx/>
+                <a:buSzTx/>
+                <a:buFontTx/>
+                <a:buNone/>
+                <a:tabLst/>
+                <a:defRPr/>
+              </a:pPr>
+              <a:t>13</a:t>
+            </a:fld>
+            <a:endParaRPr kumimoji="0" lang="en-US" sz="1200" b="0" i="0" u="none" strike="noStrike" kern="1200" cap="none" spc="0" normalizeH="0" baseline="0" noProof="0">
+              <a:ln>
+                <a:noFill/>
+              </a:ln>
+              <a:solidFill>
+                <a:prstClr val="black">
+                  <a:tint val="75000"/>
+                </a:prstClr>
+              </a:solidFill>
+              <a:effectLst/>
+              <a:uLnTx/>
+              <a:uFillTx/>
+              <a:latin typeface="Arial" panose="020B0604020202020204" pitchFamily="34" charset="0"/>
+              <a:ea typeface="+mn-ea"/>
+              <a:cs typeface="+mn-cs"/>
+            </a:endParaRPr>
+          </a:p>
+        </p:txBody>
+      </p:sp>
+      <p:sp>
+        <p:nvSpPr>
+          <p:cNvPr id="5" name="Footer Placeholder 4">
+            <a:extLst>
+              <a:ext uri="{FF2B5EF4-FFF2-40B4-BE49-F238E27FC236}">
+                <a16:creationId xmlns:a16="http://schemas.microsoft.com/office/drawing/2014/main" id="{9EE4C25C-C11D-4AA6-A2B1-70BEA3EC59F3}"/>
+              </a:ext>
+            </a:extLst>
+          </p:cNvPr>
+          <p:cNvSpPr>
+            <a:spLocks noGrp="1"/>
+          </p:cNvSpPr>
+          <p:nvPr>
+            <p:ph type="ftr" sz="quarter" idx="11"/>
+          </p:nvPr>
+        </p:nvSpPr>
+        <p:spPr/>
+        <p:txBody>
+          <a:bodyPr/>
+          <a:lstStyle/>
+          <a:p>
+            <a:r>
+              <a:rPr lang="en-US"/>
+              <a:t>Anthony Tropiano, APS April 2021 Meeting</a:t>
+            </a:r>
+          </a:p>
+        </p:txBody>
+      </p:sp>
+      <p:pic>
+        <p:nvPicPr>
+          <p:cNvPr id="7" name="Picture 6">
+            <a:extLst>
+              <a:ext uri="{FF2B5EF4-FFF2-40B4-BE49-F238E27FC236}">
+                <a16:creationId xmlns:a16="http://schemas.microsoft.com/office/drawing/2014/main" id="{B6B0511B-0D5A-4246-ADFB-F37A9C646DB6}"/>
+              </a:ext>
+            </a:extLst>
+          </p:cNvPr>
+          <p:cNvPicPr>
+            <a:picLocks noChangeAspect="1"/>
+          </p:cNvPicPr>
+          <p:nvPr/>
+        </p:nvPicPr>
+        <p:blipFill>
+          <a:blip r:embed="rId3">
+            <a:extLst>
+              <a:ext uri="{28A0092B-C50C-407E-A947-70E740481C1C}">
+                <a14:useLocalDpi xmlns:a14="http://schemas.microsoft.com/office/drawing/2010/main" val="0"/>
+              </a:ext>
+            </a:extLst>
+          </a:blip>
+          <a:stretch>
+            <a:fillRect/>
+          </a:stretch>
+        </p:blipFill>
+        <p:spPr>
+          <a:xfrm>
+            <a:off x="4878235" y="2604477"/>
+            <a:ext cx="3838202" cy="3662179"/>
+          </a:xfrm>
+          <a:prstGeom prst="rect">
+            <a:avLst/>
+          </a:prstGeom>
+        </p:spPr>
+      </p:pic>
+    </p:spTree>
+    <p:extLst>
+      <p:ext uri="{BB962C8B-B14F-4D97-AF65-F5344CB8AC3E}">
+        <p14:creationId xmlns:p14="http://schemas.microsoft.com/office/powerpoint/2010/main" val="2007679414"/>
+      </p:ext>
+    </p:extLst>
+  </p:cSld>
+  <p:clrMapOvr>
+    <a:masterClrMapping/>
+  </p:clrMapOvr>
+</p:sld>
+</file>
+
+<file path=ppt/slides/slide14.xml><?xml version="1.0" encoding="utf-8"?>
+<p:sld xmlns:a="http://schemas.openxmlformats.org/drawingml/2006/main" xmlns:r="http://schemas.openxmlformats.org/officeDocument/2006/relationships" xmlns:p="http://schemas.openxmlformats.org/presentationml/2006/main">
+  <p:cSld>
+    <p:spTree>
+      <p:nvGrpSpPr>
+        <p:cNvPr id="1" name=""/>
+        <p:cNvGrpSpPr/>
+        <p:nvPr/>
+      </p:nvGrpSpPr>
+      <p:grpSpPr>
+        <a:xfrm>
+          <a:off x="0" y="0"/>
+          <a:ext cx="0" cy="0"/>
+          <a:chOff x="0" y="0"/>
+          <a:chExt cx="0" cy="0"/>
+        </a:xfrm>
+      </p:grpSpPr>
+      <p:sp>
+        <p:nvSpPr>
+          <p:cNvPr id="2" name="Title 1">
+            <a:extLst>
+              <a:ext uri="{FF2B5EF4-FFF2-40B4-BE49-F238E27FC236}">
+                <a16:creationId xmlns:a16="http://schemas.microsoft.com/office/drawing/2014/main" id="{9FECE9C7-FBB0-B54D-8E92-C3BC6CA96ED2}"/>
+              </a:ext>
+            </a:extLst>
+          </p:cNvPr>
+          <p:cNvSpPr>
+            <a:spLocks noGrp="1"/>
+          </p:cNvSpPr>
+          <p:nvPr>
+            <p:ph type="title"/>
+          </p:nvPr>
+        </p:nvSpPr>
+        <p:spPr/>
+        <p:txBody>
+          <a:bodyPr/>
+          <a:lstStyle/>
+          <a:p>
+            <a:pPr>
+              <a:lnSpc>
+                <a:spcPct val="100000"/>
+              </a:lnSpc>
+            </a:pPr>
+            <a:r>
+              <a:rPr lang="en-US" dirty="0">
+                <a:solidFill>
+                  <a:srgbClr val="002060"/>
+                </a:solidFill>
+              </a:rPr>
+              <a:t>LDA results</a:t>
+            </a:r>
+            <a:endParaRPr lang="en-US" dirty="0">
+              <a:solidFill>
+                <a:srgbClr val="002060"/>
+              </a:solidFill>
+              <a:latin typeface="Arial" panose="020B0604020202020204" pitchFamily="34" charset="0"/>
+            </a:endParaRPr>
+          </a:p>
+        </p:txBody>
+      </p:sp>
+      <p:sp>
+        <p:nvSpPr>
+          <p:cNvPr id="3" name="Content Placeholder 2">
+            <a:extLst>
+              <a:ext uri="{FF2B5EF4-FFF2-40B4-BE49-F238E27FC236}">
+                <a16:creationId xmlns:a16="http://schemas.microsoft.com/office/drawing/2014/main" id="{1A8FA9B3-1B32-894B-93C2-F90FB63CBDAA}"/>
+              </a:ext>
+            </a:extLst>
+          </p:cNvPr>
+          <p:cNvSpPr>
+            <a:spLocks noGrp="1"/>
+          </p:cNvSpPr>
+          <p:nvPr>
+            <p:ph idx="1"/>
+          </p:nvPr>
+        </p:nvSpPr>
+        <p:spPr/>
+        <p:txBody>
+          <a:bodyPr/>
+          <a:lstStyle/>
+          <a:p>
+            <a:pPr>
+              <a:lnSpc>
+                <a:spcPct val="100000"/>
+              </a:lnSpc>
+            </a:pPr>
+            <a:r>
+              <a:rPr lang="en-US" dirty="0"/>
+              <a:t>Highlight np dominance to scalar counting</a:t>
+            </a:r>
+          </a:p>
+        </p:txBody>
+      </p:sp>
+      <p:sp>
+        <p:nvSpPr>
+          <p:cNvPr id="4" name="Slide Number Placeholder 3">
+            <a:extLst>
+              <a:ext uri="{FF2B5EF4-FFF2-40B4-BE49-F238E27FC236}">
+                <a16:creationId xmlns:a16="http://schemas.microsoft.com/office/drawing/2014/main" id="{DC1A2BB9-1F00-304F-9B4C-2EBE5F4461ED}"/>
+              </a:ext>
+            </a:extLst>
+          </p:cNvPr>
+          <p:cNvSpPr>
+            <a:spLocks noGrp="1"/>
+          </p:cNvSpPr>
+          <p:nvPr>
+            <p:ph type="sldNum" sz="quarter" idx="12"/>
+          </p:nvPr>
+        </p:nvSpPr>
+        <p:spPr/>
+        <p:txBody>
+          <a:bodyPr/>
+          <a:lstStyle/>
+          <a:p>
+            <a:pPr marL="0" marR="0" lvl="0" indent="0" algn="r" defTabSz="914400" rtl="0" eaLnBrk="1" fontAlgn="auto" latinLnBrk="0" hangingPunct="1">
+              <a:lnSpc>
+                <a:spcPct val="100000"/>
+              </a:lnSpc>
+              <a:spcBef>
+                <a:spcPts val="0"/>
+              </a:spcBef>
+              <a:spcAft>
+                <a:spcPts val="0"/>
+              </a:spcAft>
+              <a:buClrTx/>
+              <a:buSzTx/>
+              <a:buFontTx/>
+              <a:buNone/>
+              <a:tabLst/>
+              <a:defRPr/>
+            </a:pPr>
+            <a:fld id="{DD20F09D-B375-B446-8D61-90653E4EE1AB}" type="slidenum">
+              <a:rPr kumimoji="0" lang="en-US" sz="1200" b="0" i="0" u="none" strike="noStrike" kern="1200" cap="none" spc="0" normalizeH="0" baseline="0" noProof="0" smtClean="0">
+                <a:ln>
+                  <a:noFill/>
+                </a:ln>
+                <a:solidFill>
+                  <a:prstClr val="black">
+                    <a:tint val="75000"/>
+                  </a:prstClr>
+                </a:solidFill>
+                <a:effectLst/>
+                <a:uLnTx/>
+                <a:uFillTx/>
+                <a:latin typeface="Arial" panose="020B0604020202020204" pitchFamily="34" charset="0"/>
+                <a:ea typeface="+mn-ea"/>
+                <a:cs typeface="+mn-cs"/>
+              </a:rPr>
+              <a:pPr marL="0" marR="0" lvl="0" indent="0" algn="r" defTabSz="914400" rtl="0" eaLnBrk="1" fontAlgn="auto" latinLnBrk="0" hangingPunct="1">
+                <a:lnSpc>
+                  <a:spcPct val="100000"/>
+                </a:lnSpc>
+                <a:spcBef>
+                  <a:spcPts val="0"/>
+                </a:spcBef>
+                <a:spcAft>
+                  <a:spcPts val="0"/>
+                </a:spcAft>
+                <a:buClrTx/>
+                <a:buSzTx/>
+                <a:buFontTx/>
+                <a:buNone/>
+                <a:tabLst/>
+                <a:defRPr/>
+              </a:pPr>
+              <a:t>14</a:t>
+            </a:fld>
+            <a:endParaRPr kumimoji="0" lang="en-US" sz="1200" b="0" i="0" u="none" strike="noStrike" kern="1200" cap="none" spc="0" normalizeH="0" baseline="0" noProof="0">
+              <a:ln>
+                <a:noFill/>
+              </a:ln>
+              <a:solidFill>
+                <a:prstClr val="black">
+                  <a:tint val="75000"/>
+                </a:prstClr>
+              </a:solidFill>
+              <a:effectLst/>
+              <a:uLnTx/>
+              <a:uFillTx/>
+              <a:latin typeface="Arial" panose="020B0604020202020204" pitchFamily="34" charset="0"/>
+              <a:ea typeface="+mn-ea"/>
+              <a:cs typeface="+mn-cs"/>
+            </a:endParaRPr>
+          </a:p>
+        </p:txBody>
+      </p:sp>
+      <p:sp>
+        <p:nvSpPr>
+          <p:cNvPr id="5" name="Footer Placeholder 4">
+            <a:extLst>
+              <a:ext uri="{FF2B5EF4-FFF2-40B4-BE49-F238E27FC236}">
+                <a16:creationId xmlns:a16="http://schemas.microsoft.com/office/drawing/2014/main" id="{FF73425D-2D21-4B89-BE68-7E7B8A95A8C7}"/>
+              </a:ext>
+            </a:extLst>
+          </p:cNvPr>
+          <p:cNvSpPr>
+            <a:spLocks noGrp="1"/>
+          </p:cNvSpPr>
+          <p:nvPr>
+            <p:ph type="ftr" sz="quarter" idx="11"/>
+          </p:nvPr>
+        </p:nvSpPr>
+        <p:spPr/>
+        <p:txBody>
+          <a:bodyPr/>
+          <a:lstStyle/>
+          <a:p>
+            <a:r>
+              <a:rPr lang="en-US"/>
+              <a:t>Anthony Tropiano, APS April 2021 Meeting</a:t>
+            </a:r>
+          </a:p>
+        </p:txBody>
+      </p:sp>
+      <p:pic>
+        <p:nvPicPr>
+          <p:cNvPr id="7" name="Picture 6">
+            <a:extLst>
+              <a:ext uri="{FF2B5EF4-FFF2-40B4-BE49-F238E27FC236}">
+                <a16:creationId xmlns:a16="http://schemas.microsoft.com/office/drawing/2014/main" id="{48012FE1-3E12-471B-ACFB-2D426BCBD8EE}"/>
+              </a:ext>
+            </a:extLst>
+          </p:cNvPr>
+          <p:cNvPicPr>
+            <a:picLocks noChangeAspect="1"/>
+          </p:cNvPicPr>
+          <p:nvPr/>
+        </p:nvPicPr>
+        <p:blipFill>
+          <a:blip r:embed="rId3">
+            <a:extLst>
+              <a:ext uri="{28A0092B-C50C-407E-A947-70E740481C1C}">
+                <a14:useLocalDpi xmlns:a14="http://schemas.microsoft.com/office/drawing/2010/main" val="0"/>
+              </a:ext>
+            </a:extLst>
+          </a:blip>
+          <a:stretch>
+            <a:fillRect/>
+          </a:stretch>
+        </p:blipFill>
+        <p:spPr>
+          <a:xfrm>
+            <a:off x="1558285" y="2604477"/>
+            <a:ext cx="4960630" cy="3662179"/>
+          </a:xfrm>
+          <a:prstGeom prst="rect">
+            <a:avLst/>
+          </a:prstGeom>
+        </p:spPr>
+      </p:pic>
+      <p:pic>
+        <p:nvPicPr>
+          <p:cNvPr id="9" name="Picture 8">
+            <a:extLst>
+              <a:ext uri="{FF2B5EF4-FFF2-40B4-BE49-F238E27FC236}">
+                <a16:creationId xmlns:a16="http://schemas.microsoft.com/office/drawing/2014/main" id="{124E96BC-3617-44AD-9DF5-D35FBCB1192B}"/>
+              </a:ext>
+            </a:extLst>
+          </p:cNvPr>
+          <p:cNvPicPr>
+            <a:picLocks noChangeAspect="1"/>
+          </p:cNvPicPr>
+          <p:nvPr/>
+        </p:nvPicPr>
+        <p:blipFill>
+          <a:blip r:embed="rId4">
+            <a:extLst>
+              <a:ext uri="{28A0092B-C50C-407E-A947-70E740481C1C}">
+                <a14:useLocalDpi xmlns:a14="http://schemas.microsoft.com/office/drawing/2010/main" val="0"/>
+              </a:ext>
+            </a:extLst>
+          </a:blip>
+          <a:stretch>
+            <a:fillRect/>
+          </a:stretch>
+        </p:blipFill>
+        <p:spPr>
+          <a:xfrm>
+            <a:off x="6976115" y="2831534"/>
+            <a:ext cx="3753619" cy="3673609"/>
+          </a:xfrm>
+          <a:prstGeom prst="rect">
+            <a:avLst/>
+          </a:prstGeom>
+        </p:spPr>
+      </p:pic>
+    </p:spTree>
+    <p:extLst>
+      <p:ext uri="{BB962C8B-B14F-4D97-AF65-F5344CB8AC3E}">
+        <p14:creationId xmlns:p14="http://schemas.microsoft.com/office/powerpoint/2010/main" val="1610183578"/>
+      </p:ext>
+    </p:extLst>
+  </p:cSld>
+  <p:clrMapOvr>
+    <a:masterClrMapping/>
+  </p:clrMapOvr>
+</p:sld>
+</file>
+
+<file path=ppt/slides/slide15.xml><?xml version="1.0" encoding="utf-8"?>
+<p:sld xmlns:a="http://schemas.openxmlformats.org/drawingml/2006/main" xmlns:r="http://schemas.openxmlformats.org/officeDocument/2006/relationships" xmlns:p="http://schemas.openxmlformats.org/presentationml/2006/main">
+  <p:cSld>
+    <p:spTree>
+      <p:nvGrpSpPr>
+        <p:cNvPr id="1" name=""/>
+        <p:cNvGrpSpPr/>
+        <p:nvPr/>
+      </p:nvGrpSpPr>
+      <p:grpSpPr>
+        <a:xfrm>
+          <a:off x="0" y="0"/>
+          <a:ext cx="0" cy="0"/>
+          <a:chOff x="0" y="0"/>
+          <a:chExt cx="0" cy="0"/>
+        </a:xfrm>
+      </p:grpSpPr>
+      <p:sp>
+        <p:nvSpPr>
+          <p:cNvPr id="2" name="Title 1">
+            <a:extLst>
+              <a:ext uri="{FF2B5EF4-FFF2-40B4-BE49-F238E27FC236}">
+                <a16:creationId xmlns:a16="http://schemas.microsoft.com/office/drawing/2014/main" id="{9FECE9C7-FBB0-B54D-8E92-C3BC6CA96ED2}"/>
+              </a:ext>
+            </a:extLst>
+          </p:cNvPr>
+          <p:cNvSpPr>
+            <a:spLocks noGrp="1"/>
+          </p:cNvSpPr>
+          <p:nvPr>
+            <p:ph type="title"/>
+          </p:nvPr>
+        </p:nvSpPr>
+        <p:spPr/>
+        <p:txBody>
+          <a:bodyPr/>
+          <a:lstStyle/>
+          <a:p>
+            <a:pPr>
+              <a:lnSpc>
+                <a:spcPct val="100000"/>
+              </a:lnSpc>
+            </a:pPr>
+            <a:r>
+              <a:rPr lang="en-US" dirty="0">
+                <a:solidFill>
+                  <a:srgbClr val="002060"/>
+                </a:solidFill>
+              </a:rPr>
+              <a:t>LDA results</a:t>
+            </a:r>
+            <a:endParaRPr lang="en-US" dirty="0">
+              <a:solidFill>
+                <a:srgbClr val="002060"/>
+              </a:solidFill>
+              <a:latin typeface="Arial" panose="020B0604020202020204" pitchFamily="34" charset="0"/>
+            </a:endParaRPr>
+          </a:p>
+        </p:txBody>
+      </p:sp>
+      <p:sp>
+        <p:nvSpPr>
+          <p:cNvPr id="3" name="Content Placeholder 2">
+            <a:extLst>
+              <a:ext uri="{FF2B5EF4-FFF2-40B4-BE49-F238E27FC236}">
+                <a16:creationId xmlns:a16="http://schemas.microsoft.com/office/drawing/2014/main" id="{1A8FA9B3-1B32-894B-93C2-F90FB63CBDAA}"/>
+              </a:ext>
+            </a:extLst>
+          </p:cNvPr>
+          <p:cNvSpPr>
+            <a:spLocks noGrp="1"/>
+          </p:cNvSpPr>
+          <p:nvPr>
+            <p:ph idx="1"/>
+          </p:nvPr>
+        </p:nvSpPr>
+        <p:spPr/>
+        <p:txBody>
+          <a:bodyPr/>
+          <a:lstStyle/>
+          <a:p>
+            <a:pPr>
+              <a:lnSpc>
+                <a:spcPct val="100000"/>
+              </a:lnSpc>
+            </a:pPr>
+            <a:r>
+              <a:rPr lang="en-US" dirty="0"/>
+              <a:t>Add equation and state decent agreement with LCA calculations</a:t>
+            </a:r>
+          </a:p>
+        </p:txBody>
+      </p:sp>
+      <p:sp>
+        <p:nvSpPr>
+          <p:cNvPr id="4" name="Slide Number Placeholder 3">
+            <a:extLst>
+              <a:ext uri="{FF2B5EF4-FFF2-40B4-BE49-F238E27FC236}">
+                <a16:creationId xmlns:a16="http://schemas.microsoft.com/office/drawing/2014/main" id="{DC1A2BB9-1F00-304F-9B4C-2EBE5F4461ED}"/>
+              </a:ext>
+            </a:extLst>
+          </p:cNvPr>
+          <p:cNvSpPr>
+            <a:spLocks noGrp="1"/>
+          </p:cNvSpPr>
+          <p:nvPr>
+            <p:ph type="sldNum" sz="quarter" idx="12"/>
+          </p:nvPr>
+        </p:nvSpPr>
+        <p:spPr/>
+        <p:txBody>
+          <a:bodyPr/>
+          <a:lstStyle/>
+          <a:p>
+            <a:pPr marL="0" marR="0" lvl="0" indent="0" algn="r" defTabSz="914400" rtl="0" eaLnBrk="1" fontAlgn="auto" latinLnBrk="0" hangingPunct="1">
+              <a:lnSpc>
+                <a:spcPct val="100000"/>
+              </a:lnSpc>
+              <a:spcBef>
+                <a:spcPts val="0"/>
+              </a:spcBef>
+              <a:spcAft>
+                <a:spcPts val="0"/>
+              </a:spcAft>
+              <a:buClrTx/>
+              <a:buSzTx/>
+              <a:buFontTx/>
+              <a:buNone/>
+              <a:tabLst/>
+              <a:defRPr/>
+            </a:pPr>
+            <a:fld id="{DD20F09D-B375-B446-8D61-90653E4EE1AB}" type="slidenum">
+              <a:rPr kumimoji="0" lang="en-US" sz="1200" b="0" i="0" u="none" strike="noStrike" kern="1200" cap="none" spc="0" normalizeH="0" baseline="0" noProof="0" smtClean="0">
+                <a:ln>
+                  <a:noFill/>
+                </a:ln>
+                <a:solidFill>
+                  <a:prstClr val="black">
+                    <a:tint val="75000"/>
+                  </a:prstClr>
+                </a:solidFill>
+                <a:effectLst/>
+                <a:uLnTx/>
+                <a:uFillTx/>
+                <a:latin typeface="Arial" panose="020B0604020202020204" pitchFamily="34" charset="0"/>
+                <a:ea typeface="+mn-ea"/>
+                <a:cs typeface="+mn-cs"/>
+              </a:rPr>
+              <a:pPr marL="0" marR="0" lvl="0" indent="0" algn="r" defTabSz="914400" rtl="0" eaLnBrk="1" fontAlgn="auto" latinLnBrk="0" hangingPunct="1">
+                <a:lnSpc>
+                  <a:spcPct val="100000"/>
+                </a:lnSpc>
+                <a:spcBef>
+                  <a:spcPts val="0"/>
+                </a:spcBef>
+                <a:spcAft>
+                  <a:spcPts val="0"/>
+                </a:spcAft>
+                <a:buClrTx/>
+                <a:buSzTx/>
+                <a:buFontTx/>
+                <a:buNone/>
+                <a:tabLst/>
+                <a:defRPr/>
+              </a:pPr>
+              <a:t>15</a:t>
+            </a:fld>
+            <a:endParaRPr kumimoji="0" lang="en-US" sz="1200" b="0" i="0" u="none" strike="noStrike" kern="1200" cap="none" spc="0" normalizeH="0" baseline="0" noProof="0">
+              <a:ln>
+                <a:noFill/>
+              </a:ln>
+              <a:solidFill>
+                <a:prstClr val="black">
+                  <a:tint val="75000"/>
+                </a:prstClr>
+              </a:solidFill>
+              <a:effectLst/>
+              <a:uLnTx/>
+              <a:uFillTx/>
+              <a:latin typeface="Arial" panose="020B0604020202020204" pitchFamily="34" charset="0"/>
+              <a:ea typeface="+mn-ea"/>
+              <a:cs typeface="+mn-cs"/>
+            </a:endParaRPr>
+          </a:p>
+        </p:txBody>
+      </p:sp>
+      <p:sp>
+        <p:nvSpPr>
+          <p:cNvPr id="5" name="Footer Placeholder 4">
+            <a:extLst>
+              <a:ext uri="{FF2B5EF4-FFF2-40B4-BE49-F238E27FC236}">
+                <a16:creationId xmlns:a16="http://schemas.microsoft.com/office/drawing/2014/main" id="{9EE4C25C-C11D-4AA6-A2B1-70BEA3EC59F3}"/>
+              </a:ext>
+            </a:extLst>
+          </p:cNvPr>
+          <p:cNvSpPr>
+            <a:spLocks noGrp="1"/>
+          </p:cNvSpPr>
+          <p:nvPr>
+            <p:ph type="ftr" sz="quarter" idx="11"/>
+          </p:nvPr>
+        </p:nvSpPr>
+        <p:spPr/>
+        <p:txBody>
+          <a:bodyPr/>
+          <a:lstStyle/>
+          <a:p>
+            <a:r>
+              <a:rPr lang="en-US"/>
+              <a:t>Anthony Tropiano, APS April 2021 Meeting</a:t>
+            </a:r>
+          </a:p>
+        </p:txBody>
+      </p:sp>
+      <p:pic>
+        <p:nvPicPr>
+          <p:cNvPr id="8" name="Picture 7">
+            <a:extLst>
+              <a:ext uri="{FF2B5EF4-FFF2-40B4-BE49-F238E27FC236}">
+                <a16:creationId xmlns:a16="http://schemas.microsoft.com/office/drawing/2014/main" id="{427706E7-9C93-49F6-9350-576E457C53CE}"/>
+              </a:ext>
+            </a:extLst>
+          </p:cNvPr>
+          <p:cNvPicPr>
+            <a:picLocks noChangeAspect="1"/>
+          </p:cNvPicPr>
+          <p:nvPr/>
+        </p:nvPicPr>
+        <p:blipFill>
+          <a:blip r:embed="rId3">
+            <a:extLst>
+              <a:ext uri="{28A0092B-C50C-407E-A947-70E740481C1C}">
+                <a14:useLocalDpi xmlns:a14="http://schemas.microsoft.com/office/drawing/2010/main" val="0"/>
+              </a:ext>
+            </a:extLst>
+          </a:blip>
+          <a:stretch>
+            <a:fillRect/>
+          </a:stretch>
+        </p:blipFill>
+        <p:spPr>
+          <a:xfrm>
+            <a:off x="5190737" y="2514784"/>
+            <a:ext cx="3419863" cy="3662179"/>
+          </a:xfrm>
+          <a:prstGeom prst="rect">
+            <a:avLst/>
+          </a:prstGeom>
+        </p:spPr>
+      </p:pic>
+    </p:spTree>
+    <p:extLst>
+      <p:ext uri="{BB962C8B-B14F-4D97-AF65-F5344CB8AC3E}">
+        <p14:creationId xmlns:p14="http://schemas.microsoft.com/office/powerpoint/2010/main" val="2696127934"/>
+      </p:ext>
+    </p:extLst>
+  </p:cSld>
+  <p:clrMapOvr>
+    <a:masterClrMapping/>
+  </p:clrMapOvr>
+</p:sld>
+</file>
+
+<file path=ppt/slides/slide16.xml><?xml version="1.0" encoding="utf-8"?>
+<p:sld xmlns:a="http://schemas.openxmlformats.org/drawingml/2006/main" xmlns:r="http://schemas.openxmlformats.org/officeDocument/2006/relationships" xmlns:p="http://schemas.openxmlformats.org/presentationml/2006/main">
+  <p:cSld>
+    <p:spTree>
+      <p:nvGrpSpPr>
+        <p:cNvPr id="1" name=""/>
+        <p:cNvGrpSpPr/>
+        <p:nvPr/>
+      </p:nvGrpSpPr>
+      <p:grpSpPr>
+        <a:xfrm>
+          <a:off x="0" y="0"/>
+          <a:ext cx="0" cy="0"/>
+          <a:chOff x="0" y="0"/>
+          <a:chExt cx="0" cy="0"/>
+        </a:xfrm>
+      </p:grpSpPr>
+      <p:sp>
+        <p:nvSpPr>
+          <p:cNvPr id="2" name="Title 1">
+            <a:extLst>
+              <a:ext uri="{FF2B5EF4-FFF2-40B4-BE49-F238E27FC236}">
+                <a16:creationId xmlns:a16="http://schemas.microsoft.com/office/drawing/2014/main" id="{9FECE9C7-FBB0-B54D-8E92-C3BC6CA96ED2}"/>
+              </a:ext>
+            </a:extLst>
+          </p:cNvPr>
+          <p:cNvSpPr>
+            <a:spLocks noGrp="1"/>
+          </p:cNvSpPr>
+          <p:nvPr>
+            <p:ph type="title"/>
+          </p:nvPr>
+        </p:nvSpPr>
+        <p:spPr/>
+        <p:txBody>
+          <a:bodyPr/>
+          <a:lstStyle/>
+          <a:p>
+            <a:pPr>
+              <a:lnSpc>
+                <a:spcPct val="100000"/>
+              </a:lnSpc>
+            </a:pPr>
+            <a:r>
+              <a:rPr lang="en-US" dirty="0">
+                <a:solidFill>
+                  <a:srgbClr val="002060"/>
+                </a:solidFill>
+              </a:rPr>
+              <a:t>Summary and outlook</a:t>
+            </a:r>
+            <a:endParaRPr lang="en-US" dirty="0">
+              <a:solidFill>
+                <a:srgbClr val="002060"/>
+              </a:solidFill>
+              <a:latin typeface="Arial" panose="020B0604020202020204" pitchFamily="34" charset="0"/>
+            </a:endParaRPr>
+          </a:p>
+        </p:txBody>
+      </p:sp>
+      <p:sp>
+        <p:nvSpPr>
+          <p:cNvPr id="3" name="Content Placeholder 2">
+            <a:extLst>
+              <a:ext uri="{FF2B5EF4-FFF2-40B4-BE49-F238E27FC236}">
+                <a16:creationId xmlns:a16="http://schemas.microsoft.com/office/drawing/2014/main" id="{1A8FA9B3-1B32-894B-93C2-F90FB63CBDAA}"/>
+              </a:ext>
+            </a:extLst>
+          </p:cNvPr>
+          <p:cNvSpPr>
+            <a:spLocks noGrp="1"/>
+          </p:cNvSpPr>
+          <p:nvPr>
+            <p:ph idx="1"/>
+          </p:nvPr>
+        </p:nvSpPr>
+        <p:spPr/>
+        <p:txBody>
+          <a:bodyPr>
+            <a:normAutofit/>
+          </a:bodyPr>
+          <a:lstStyle/>
+          <a:p>
+            <a:pPr>
+              <a:lnSpc>
+                <a:spcPct val="100000"/>
+              </a:lnSpc>
+            </a:pPr>
+            <a:r>
+              <a:rPr lang="en-US" sz="2600" dirty="0"/>
+              <a:t>Summary</a:t>
+            </a:r>
+          </a:p>
+          <a:p>
+            <a:pPr>
+              <a:lnSpc>
+                <a:spcPct val="100000"/>
+              </a:lnSpc>
+            </a:pPr>
+            <a:r>
+              <a:rPr lang="en-US" sz="2600" dirty="0">
+                <a:solidFill>
+                  <a:srgbClr val="C00000"/>
+                </a:solidFill>
+              </a:rPr>
+              <a:t>Cross sections, scale/scheme dependence of extracted properties</a:t>
+            </a:r>
+          </a:p>
+          <a:p>
+            <a:pPr>
+              <a:lnSpc>
+                <a:spcPct val="100000"/>
+              </a:lnSpc>
+            </a:pPr>
+            <a:r>
+              <a:rPr lang="en-US" sz="2600" dirty="0">
+                <a:solidFill>
+                  <a:srgbClr val="C00000"/>
+                </a:solidFill>
+              </a:rPr>
+              <a:t>Impact of FSI's, how physical interpretations depend on the RG scale</a:t>
+            </a:r>
+          </a:p>
+          <a:p>
+            <a:pPr>
+              <a:lnSpc>
+                <a:spcPct val="100000"/>
+              </a:lnSpc>
+            </a:pPr>
+            <a:r>
+              <a:rPr lang="en-US" sz="2600" dirty="0">
+                <a:solidFill>
+                  <a:srgbClr val="C00000"/>
+                </a:solidFill>
+              </a:rPr>
+              <a:t>Knock-out reactions (high resolution operators with low resolution structure mixes scales) – see </a:t>
+            </a:r>
+            <a:r>
+              <a:rPr lang="en-US" sz="2600" dirty="0" err="1">
+                <a:solidFill>
+                  <a:srgbClr val="C00000"/>
+                </a:solidFill>
+              </a:rPr>
+              <a:t>Mostofa</a:t>
+            </a:r>
+            <a:r>
+              <a:rPr lang="en-US" sz="2600" dirty="0">
+                <a:solidFill>
+                  <a:srgbClr val="C00000"/>
+                </a:solidFill>
+              </a:rPr>
+              <a:t> Hisham’s talk (add time)</a:t>
+            </a:r>
+          </a:p>
+        </p:txBody>
+      </p:sp>
+      <p:sp>
+        <p:nvSpPr>
+          <p:cNvPr id="4" name="Slide Number Placeholder 3">
+            <a:extLst>
+              <a:ext uri="{FF2B5EF4-FFF2-40B4-BE49-F238E27FC236}">
+                <a16:creationId xmlns:a16="http://schemas.microsoft.com/office/drawing/2014/main" id="{DC1A2BB9-1F00-304F-9B4C-2EBE5F4461ED}"/>
+              </a:ext>
+            </a:extLst>
+          </p:cNvPr>
+          <p:cNvSpPr>
+            <a:spLocks noGrp="1"/>
+          </p:cNvSpPr>
+          <p:nvPr>
+            <p:ph type="sldNum" sz="quarter" idx="12"/>
+          </p:nvPr>
+        </p:nvSpPr>
+        <p:spPr/>
+        <p:txBody>
+          <a:bodyPr/>
+          <a:lstStyle/>
+          <a:p>
+            <a:pPr marL="0" marR="0" lvl="0" indent="0" algn="r" defTabSz="914400" rtl="0" eaLnBrk="1" fontAlgn="auto" latinLnBrk="0" hangingPunct="1">
+              <a:lnSpc>
+                <a:spcPct val="100000"/>
+              </a:lnSpc>
+              <a:spcBef>
+                <a:spcPts val="0"/>
+              </a:spcBef>
+              <a:spcAft>
+                <a:spcPts val="0"/>
+              </a:spcAft>
+              <a:buClrTx/>
+              <a:buSzTx/>
+              <a:buFontTx/>
+              <a:buNone/>
+              <a:tabLst/>
+              <a:defRPr/>
+            </a:pPr>
+            <a:fld id="{DD20F09D-B375-B446-8D61-90653E4EE1AB}" type="slidenum">
+              <a:rPr kumimoji="0" lang="en-US" sz="1200" b="0" i="0" u="none" strike="noStrike" kern="1200" cap="none" spc="0" normalizeH="0" baseline="0" noProof="0" smtClean="0">
+                <a:ln>
+                  <a:noFill/>
+                </a:ln>
+                <a:solidFill>
+                  <a:prstClr val="black">
+                    <a:tint val="75000"/>
+                  </a:prstClr>
+                </a:solidFill>
+                <a:effectLst/>
+                <a:uLnTx/>
+                <a:uFillTx/>
+                <a:latin typeface="Arial" panose="020B0604020202020204" pitchFamily="34" charset="0"/>
+                <a:ea typeface="+mn-ea"/>
+                <a:cs typeface="+mn-cs"/>
+              </a:rPr>
+              <a:pPr marL="0" marR="0" lvl="0" indent="0" algn="r" defTabSz="914400" rtl="0" eaLnBrk="1" fontAlgn="auto" latinLnBrk="0" hangingPunct="1">
+                <a:lnSpc>
+                  <a:spcPct val="100000"/>
+                </a:lnSpc>
+                <a:spcBef>
+                  <a:spcPts val="0"/>
+                </a:spcBef>
+                <a:spcAft>
+                  <a:spcPts val="0"/>
+                </a:spcAft>
+                <a:buClrTx/>
+                <a:buSzTx/>
+                <a:buFontTx/>
+                <a:buNone/>
+                <a:tabLst/>
+                <a:defRPr/>
+              </a:pPr>
+              <a:t>16</a:t>
+            </a:fld>
+            <a:endParaRPr kumimoji="0" lang="en-US" sz="1200" b="0" i="0" u="none" strike="noStrike" kern="1200" cap="none" spc="0" normalizeH="0" baseline="0" noProof="0">
+              <a:ln>
+                <a:noFill/>
+              </a:ln>
+              <a:solidFill>
+                <a:prstClr val="black">
+                  <a:tint val="75000"/>
+                </a:prstClr>
+              </a:solidFill>
+              <a:effectLst/>
+              <a:uLnTx/>
+              <a:uFillTx/>
+              <a:latin typeface="Arial" panose="020B0604020202020204" pitchFamily="34" charset="0"/>
+              <a:ea typeface="+mn-ea"/>
+              <a:cs typeface="+mn-cs"/>
+            </a:endParaRPr>
+          </a:p>
+        </p:txBody>
+      </p:sp>
+      <p:sp>
+        <p:nvSpPr>
+          <p:cNvPr id="5" name="Footer Placeholder 4">
+            <a:extLst>
+              <a:ext uri="{FF2B5EF4-FFF2-40B4-BE49-F238E27FC236}">
+                <a16:creationId xmlns:a16="http://schemas.microsoft.com/office/drawing/2014/main" id="{9EE4C25C-C11D-4AA6-A2B1-70BEA3EC59F3}"/>
+              </a:ext>
+            </a:extLst>
+          </p:cNvPr>
+          <p:cNvSpPr>
+            <a:spLocks noGrp="1"/>
+          </p:cNvSpPr>
+          <p:nvPr>
+            <p:ph type="ftr" sz="quarter" idx="11"/>
+          </p:nvPr>
+        </p:nvSpPr>
+        <p:spPr/>
+        <p:txBody>
+          <a:bodyPr/>
+          <a:lstStyle/>
+          <a:p>
+            <a:r>
+              <a:rPr lang="en-US"/>
+              <a:t>Anthony Tropiano, APS April 2021 Meeting</a:t>
+            </a:r>
+          </a:p>
+        </p:txBody>
+      </p:sp>
+    </p:spTree>
+    <p:extLst>
+      <p:ext uri="{BB962C8B-B14F-4D97-AF65-F5344CB8AC3E}">
+        <p14:creationId xmlns:p14="http://schemas.microsoft.com/office/powerpoint/2010/main" val="2458220907"/>
+      </p:ext>
+    </p:extLst>
+  </p:cSld>
+  <p:clrMapOvr>
+    <a:masterClrMapping/>
+  </p:clrMapOvr>
+</p:sld>
+</file>
+
+<file path=ppt/slides/slide17.xml><?xml version="1.0" encoding="utf-8"?>
+<p:sld xmlns:a="http://schemas.openxmlformats.org/drawingml/2006/main" xmlns:r="http://schemas.openxmlformats.org/officeDocument/2006/relationships" xmlns:p="http://schemas.openxmlformats.org/presentationml/2006/main">
+  <p:cSld>
+    <p:spTree>
+      <p:nvGrpSpPr>
+        <p:cNvPr id="1" name=""/>
+        <p:cNvGrpSpPr/>
+        <p:nvPr/>
+      </p:nvGrpSpPr>
+      <p:grpSpPr>
+        <a:xfrm>
+          <a:off x="0" y="0"/>
+          <a:ext cx="0" cy="0"/>
+          <a:chOff x="0" y="0"/>
+          <a:chExt cx="0" cy="0"/>
+        </a:xfrm>
+      </p:grpSpPr>
+      <p:sp>
+        <p:nvSpPr>
+          <p:cNvPr id="2" name="Title 1">
+            <a:extLst>
+              <a:ext uri="{FF2B5EF4-FFF2-40B4-BE49-F238E27FC236}">
+                <a16:creationId xmlns:a16="http://schemas.microsoft.com/office/drawing/2014/main" id="{9FECE9C7-FBB0-B54D-8E92-C3BC6CA96ED2}"/>
+              </a:ext>
+            </a:extLst>
+          </p:cNvPr>
+          <p:cNvSpPr>
+            <a:spLocks noGrp="1"/>
+          </p:cNvSpPr>
+          <p:nvPr>
+            <p:ph type="title"/>
+          </p:nvPr>
+        </p:nvSpPr>
+        <p:spPr/>
+        <p:txBody>
+          <a:bodyPr>
+            <a:normAutofit/>
+          </a:bodyPr>
+          <a:lstStyle/>
+          <a:p>
+            <a:pPr>
+              <a:lnSpc>
+                <a:spcPct val="100000"/>
+              </a:lnSpc>
+            </a:pPr>
+            <a:r>
+              <a:rPr lang="en-US" dirty="0">
+                <a:solidFill>
+                  <a:srgbClr val="002060"/>
+                </a:solidFill>
+              </a:rPr>
+              <a:t>Extras</a:t>
+            </a:r>
+            <a:endParaRPr lang="en-US" dirty="0">
+              <a:solidFill>
+                <a:srgbClr val="002060"/>
+              </a:solidFill>
+              <a:latin typeface="Arial" panose="020B0604020202020204" pitchFamily="34" charset="0"/>
+            </a:endParaRPr>
+          </a:p>
+        </p:txBody>
+      </p:sp>
+      <p:sp>
+        <p:nvSpPr>
+          <p:cNvPr id="3" name="Content Placeholder 2">
+            <a:extLst>
+              <a:ext uri="{FF2B5EF4-FFF2-40B4-BE49-F238E27FC236}">
+                <a16:creationId xmlns:a16="http://schemas.microsoft.com/office/drawing/2014/main" id="{1A8FA9B3-1B32-894B-93C2-F90FB63CBDAA}"/>
+              </a:ext>
+            </a:extLst>
+          </p:cNvPr>
+          <p:cNvSpPr>
+            <a:spLocks noGrp="1"/>
+          </p:cNvSpPr>
+          <p:nvPr>
+            <p:ph idx="1"/>
+          </p:nvPr>
+        </p:nvSpPr>
+        <p:spPr/>
+        <p:txBody>
+          <a:bodyPr/>
+          <a:lstStyle/>
+          <a:p>
+            <a:pPr>
+              <a:lnSpc>
+                <a:spcPct val="100000"/>
+              </a:lnSpc>
+            </a:pPr>
+            <a:endParaRPr lang="en-US" dirty="0">
+              <a:solidFill>
+                <a:srgbClr val="C00000"/>
+              </a:solidFill>
+            </a:endParaRPr>
+          </a:p>
+        </p:txBody>
+      </p:sp>
+      <p:sp>
+        <p:nvSpPr>
+          <p:cNvPr id="4" name="Slide Number Placeholder 3">
+            <a:extLst>
+              <a:ext uri="{FF2B5EF4-FFF2-40B4-BE49-F238E27FC236}">
+                <a16:creationId xmlns:a16="http://schemas.microsoft.com/office/drawing/2014/main" id="{DC1A2BB9-1F00-304F-9B4C-2EBE5F4461ED}"/>
+              </a:ext>
+            </a:extLst>
+          </p:cNvPr>
+          <p:cNvSpPr>
+            <a:spLocks noGrp="1"/>
+          </p:cNvSpPr>
+          <p:nvPr>
+            <p:ph type="sldNum" sz="quarter" idx="12"/>
+          </p:nvPr>
+        </p:nvSpPr>
+        <p:spPr/>
+        <p:txBody>
+          <a:bodyPr/>
+          <a:lstStyle/>
+          <a:p>
+            <a:pPr marL="0" marR="0" lvl="0" indent="0" algn="r" defTabSz="914400" rtl="0" eaLnBrk="1" fontAlgn="auto" latinLnBrk="0" hangingPunct="1">
+              <a:lnSpc>
+                <a:spcPct val="100000"/>
+              </a:lnSpc>
+              <a:spcBef>
+                <a:spcPts val="0"/>
+              </a:spcBef>
+              <a:spcAft>
+                <a:spcPts val="0"/>
+              </a:spcAft>
+              <a:buClrTx/>
+              <a:buSzTx/>
+              <a:buFontTx/>
+              <a:buNone/>
+              <a:tabLst/>
+              <a:defRPr/>
+            </a:pPr>
+            <a:fld id="{DD20F09D-B375-B446-8D61-90653E4EE1AB}" type="slidenum">
+              <a:rPr kumimoji="0" lang="en-US" sz="1200" b="0" i="0" u="none" strike="noStrike" kern="1200" cap="none" spc="0" normalizeH="0" baseline="0" noProof="0" smtClean="0">
+                <a:ln>
+                  <a:noFill/>
+                </a:ln>
+                <a:solidFill>
+                  <a:prstClr val="black">
+                    <a:tint val="75000"/>
+                  </a:prstClr>
+                </a:solidFill>
+                <a:effectLst/>
+                <a:uLnTx/>
+                <a:uFillTx/>
+                <a:latin typeface="Arial" panose="020B0604020202020204" pitchFamily="34" charset="0"/>
+                <a:ea typeface="+mn-ea"/>
+                <a:cs typeface="+mn-cs"/>
+              </a:rPr>
+              <a:pPr marL="0" marR="0" lvl="0" indent="0" algn="r" defTabSz="914400" rtl="0" eaLnBrk="1" fontAlgn="auto" latinLnBrk="0" hangingPunct="1">
+                <a:lnSpc>
+                  <a:spcPct val="100000"/>
+                </a:lnSpc>
+                <a:spcBef>
+                  <a:spcPts val="0"/>
+                </a:spcBef>
+                <a:spcAft>
+                  <a:spcPts val="0"/>
+                </a:spcAft>
+                <a:buClrTx/>
+                <a:buSzTx/>
+                <a:buFontTx/>
+                <a:buNone/>
+                <a:tabLst/>
+                <a:defRPr/>
+              </a:pPr>
+              <a:t>17</a:t>
+            </a:fld>
+            <a:endParaRPr kumimoji="0" lang="en-US" sz="1200" b="0" i="0" u="none" strike="noStrike" kern="1200" cap="none" spc="0" normalizeH="0" baseline="0" noProof="0">
+              <a:ln>
+                <a:noFill/>
+              </a:ln>
+              <a:solidFill>
+                <a:prstClr val="black">
+                  <a:tint val="75000"/>
+                </a:prstClr>
+              </a:solidFill>
+              <a:effectLst/>
+              <a:uLnTx/>
+              <a:uFillTx/>
+              <a:latin typeface="Arial" panose="020B0604020202020204" pitchFamily="34" charset="0"/>
+              <a:ea typeface="+mn-ea"/>
+              <a:cs typeface="+mn-cs"/>
+            </a:endParaRPr>
+          </a:p>
+        </p:txBody>
+      </p:sp>
+      <p:sp>
+        <p:nvSpPr>
+          <p:cNvPr id="5" name="Footer Placeholder 4">
+            <a:extLst>
+              <a:ext uri="{FF2B5EF4-FFF2-40B4-BE49-F238E27FC236}">
+                <a16:creationId xmlns:a16="http://schemas.microsoft.com/office/drawing/2014/main" id="{9EE4C25C-C11D-4AA6-A2B1-70BEA3EC59F3}"/>
+              </a:ext>
+            </a:extLst>
+          </p:cNvPr>
+          <p:cNvSpPr>
+            <a:spLocks noGrp="1"/>
+          </p:cNvSpPr>
+          <p:nvPr>
+            <p:ph type="ftr" sz="quarter" idx="11"/>
+          </p:nvPr>
+        </p:nvSpPr>
+        <p:spPr/>
+        <p:txBody>
+          <a:bodyPr/>
+          <a:lstStyle/>
+          <a:p>
+            <a:r>
+              <a:rPr lang="en-US"/>
+              <a:t>Anthony Tropiano, APS April 2021 Meeting</a:t>
+            </a:r>
+          </a:p>
+        </p:txBody>
+      </p:sp>
+    </p:spTree>
+    <p:extLst>
+      <p:ext uri="{BB962C8B-B14F-4D97-AF65-F5344CB8AC3E}">
+        <p14:creationId xmlns:p14="http://schemas.microsoft.com/office/powerpoint/2010/main" val="4099501160"/>
+      </p:ext>
+    </p:extLst>
+  </p:cSld>
+  <p:clrMapOvr>
+    <a:masterClrMapping/>
+  </p:clrMapOvr>
+</p:sld>
+</file>
+
 <file path=ppt/slides/slide2.xml><?xml version="1.0" encoding="utf-8"?>
 <p:sld xmlns:a="http://schemas.openxmlformats.org/drawingml/2006/main" xmlns:r="http://schemas.openxmlformats.org/officeDocument/2006/relationships" xmlns:p="http://schemas.openxmlformats.org/presentationml/2006/main">
   <p:cSld>
@@ -4259,7 +7976,7 @@
                   <a:srgbClr val="002060"/>
                 </a:solidFill>
               </a:rPr>
-              <a:t>Slide title</a:t>
+              <a:t>Motivation</a:t>
             </a:r>
             <a:endParaRPr lang="en-US" dirty="0">
               <a:solidFill>
@@ -4286,7 +8003,12 @@
             <p:ph idx="1"/>
           </p:nvPr>
         </p:nvSpPr>
-        <p:spPr/>
+        <p:spPr>
+          <a:xfrm>
+            <a:off x="838200" y="1825625"/>
+            <a:ext cx="7657730" cy="4351338"/>
+          </a:xfrm>
+        </p:spPr>
         <p:txBody>
           <a:bodyPr/>
           <a:lstStyle/>
@@ -4297,23 +8019,80 @@
               </a:lnSpc>
             </a:pPr>
             <a:r>
-              <a:rPr lang="en-US" dirty="0"/>
-              <a:t>Black bullet point</a:t>
-            </a:r>
-          </a:p>
-          <a:p>
-            <a:pPr>
+              <a:rPr lang="en-US" sz="2400" dirty="0"/>
+              <a:t>Recent experiments have been able to isolate processes where short-range correlation (SRC) physics is dominant and well accounted for by SRC phenomenology</a:t>
+            </a:r>
+          </a:p>
+          <a:p>
+            <a:pPr marL="228600" marR="0" lvl="0" indent="-228600" algn="l" defTabSz="914400" rtl="0" eaLnBrk="1" fontAlgn="auto" latinLnBrk="0" hangingPunct="1">
               <a:lnSpc>
                 <a:spcPct val="100000"/>
               </a:lnSpc>
+              <a:spcBef>
+                <a:spcPts val="1000"/>
+              </a:spcBef>
+              <a:spcAft>
+                <a:spcPts val="0"/>
+              </a:spcAft>
+              <a:buClrTx/>
+              <a:buSzTx/>
+              <a:buFont typeface="Arial" panose="020B0604020202020204" pitchFamily="34" charset="0"/>
+              <a:buChar char="•"/>
+              <a:tabLst/>
+              <a:defRPr/>
             </a:pPr>
             <a:r>
-              <a:rPr lang="en-US" dirty="0">
+              <a:rPr kumimoji="0" lang="en-US" sz="2400" b="0" i="0" u="none" strike="noStrike" kern="1200" cap="none" spc="0" normalizeH="0" baseline="0" noProof="0" dirty="0">
+                <a:ln>
+                  <a:noFill/>
+                </a:ln>
                 <a:solidFill>
                   <a:srgbClr val="C00000"/>
                 </a:solidFill>
+                <a:effectLst/>
+                <a:uLnTx/>
+                <a:uFillTx/>
+                <a:latin typeface="Arial" panose="020B0604020202020204" pitchFamily="34" charset="0"/>
+                <a:ea typeface="+mn-ea"/>
+                <a:cs typeface="+mn-cs"/>
               </a:rPr>
-              <a:t>Red bullet point</a:t>
+              <a:t>High RG resolution description of SRC physics</a:t>
+            </a:r>
+          </a:p>
+          <a:p>
+            <a:pPr marL="685800" marR="0" lvl="1" indent="-228600" algn="l" defTabSz="914400" rtl="0" eaLnBrk="1" fontAlgn="auto" latinLnBrk="0" hangingPunct="1">
+              <a:lnSpc>
+                <a:spcPct val="100000"/>
+              </a:lnSpc>
+              <a:spcBef>
+                <a:spcPts val="500"/>
+              </a:spcBef>
+              <a:spcAft>
+                <a:spcPts val="0"/>
+              </a:spcAft>
+              <a:buClrTx/>
+              <a:buSzTx/>
+              <a:buFont typeface="Arial" panose="020B0604020202020204" pitchFamily="34" charset="0"/>
+              <a:buChar char="•"/>
+              <a:tabLst/>
+              <a:defRPr/>
+            </a:pPr>
+            <a:r>
+              <a:rPr kumimoji="0" lang="en-US" sz="2000" b="0" i="0" u="none" strike="noStrike" kern="1200" cap="none" spc="0" normalizeH="0" baseline="0" noProof="0" dirty="0">
+                <a:ln>
+                  <a:noFill/>
+                </a:ln>
+                <a:solidFill>
+                  <a:prstClr val="black"/>
+                </a:solidFill>
+                <a:effectLst/>
+                <a:uLnTx/>
+                <a:uFillTx/>
+                <a:latin typeface="Arial" panose="020B0604020202020204" pitchFamily="34" charset="0"/>
+                <a:ea typeface="+mn-ea"/>
+                <a:cs typeface="+mn-cs"/>
+              </a:rPr>
+              <a:t>SRC pairs are components in the nuclear wave function with relative momenta above the Fermi momentum</a:t>
             </a:r>
           </a:p>
         </p:txBody>
@@ -4392,7 +8171,7 @@
               </a:pPr>
               <a:t>2</a:t>
             </a:fld>
-            <a:endParaRPr kumimoji="0" lang="en-US" sz="1200" b="0" i="0" u="none" strike="noStrike" kern="1200" cap="none" spc="0" normalizeH="0" baseline="0" noProof="0">
+            <a:endParaRPr kumimoji="0" lang="en-US" sz="1200" b="0" i="0" u="none" strike="noStrike" kern="1200" cap="none" spc="0" normalizeH="0" baseline="0" noProof="0" dirty="0">
               <a:ln>
                 <a:noFill/>
               </a:ln>
@@ -4411,6 +8190,405 @@
           </a:p>
         </p:txBody>
       </p:sp>
+      <p:sp>
+        <p:nvSpPr>
+          <p:cNvPr id="5" name="Footer Placeholder 4">
+            <a:extLst>
+              <a:ext uri="{FF2B5EF4-FFF2-40B4-BE49-F238E27FC236}">
+                <a16:creationId xmlns:a16="http://schemas.microsoft.com/office/drawing/2014/main" id="{AA32F827-1E98-4502-B5F4-999E31F2566B}"/>
+              </a:ext>
+            </a:extLst>
+          </p:cNvPr>
+          <p:cNvSpPr>
+            <a:spLocks noGrp="1"/>
+          </p:cNvSpPr>
+          <p:nvPr>
+            <p:ph type="ftr" sz="quarter" idx="11"/>
+          </p:nvPr>
+        </p:nvSpPr>
+        <p:spPr/>
+        <p:txBody>
+          <a:bodyPr/>
+          <a:lstStyle/>
+          <a:p>
+            <a:r>
+              <a:rPr lang="en-US"/>
+              <a:t>Anthony Tropiano, APS April 2021 Meeting</a:t>
+            </a:r>
+            <a:endParaRPr lang="en-US" dirty="0"/>
+          </a:p>
+        </p:txBody>
+      </p:sp>
+      <p:pic>
+        <p:nvPicPr>
+          <p:cNvPr id="13" name="Picture 12" descr="Diagram&#10;&#10;Description automatically generated">
+            <a:extLst>
+              <a:ext uri="{FF2B5EF4-FFF2-40B4-BE49-F238E27FC236}">
+                <a16:creationId xmlns:a16="http://schemas.microsoft.com/office/drawing/2014/main" id="{AEE92E74-7B81-4A86-B270-B59B1A17BFBB}"/>
+              </a:ext>
+            </a:extLst>
+          </p:cNvPr>
+          <p:cNvPicPr>
+            <a:picLocks noChangeAspect="1"/>
+          </p:cNvPicPr>
+          <p:nvPr/>
+        </p:nvPicPr>
+        <p:blipFill>
+          <a:blip r:embed="rId3">
+            <a:extLst>
+              <a:ext uri="{28A0092B-C50C-407E-A947-70E740481C1C}">
+                <a14:useLocalDpi xmlns:a14="http://schemas.microsoft.com/office/drawing/2010/main" val="0"/>
+              </a:ext>
+            </a:extLst>
+          </a:blip>
+          <a:stretch>
+            <a:fillRect/>
+          </a:stretch>
+        </p:blipFill>
+        <p:spPr>
+          <a:xfrm>
+            <a:off x="5108645" y="0"/>
+            <a:ext cx="2629478" cy="1901932"/>
+          </a:xfrm>
+          <a:prstGeom prst="rect">
+            <a:avLst/>
+          </a:prstGeom>
+        </p:spPr>
+      </p:pic>
+      <p:pic>
+        <p:nvPicPr>
+          <p:cNvPr id="14" name="Picture 13">
+            <a:extLst>
+              <a:ext uri="{FF2B5EF4-FFF2-40B4-BE49-F238E27FC236}">
+                <a16:creationId xmlns:a16="http://schemas.microsoft.com/office/drawing/2014/main" id="{186AC5B0-3649-40B7-B9B3-981948857D21}"/>
+              </a:ext>
+            </a:extLst>
+          </p:cNvPr>
+          <p:cNvPicPr>
+            <a:picLocks noChangeAspect="1"/>
+          </p:cNvPicPr>
+          <p:nvPr/>
+        </p:nvPicPr>
+        <p:blipFill>
+          <a:blip r:embed="rId4"/>
+          <a:stretch>
+            <a:fillRect/>
+          </a:stretch>
+        </p:blipFill>
+        <p:spPr>
+          <a:xfrm>
+            <a:off x="8401050" y="703897"/>
+            <a:ext cx="3703320" cy="5697415"/>
+          </a:xfrm>
+          <a:prstGeom prst="rect">
+            <a:avLst/>
+          </a:prstGeom>
+        </p:spPr>
+      </p:pic>
+      <p:sp>
+        <p:nvSpPr>
+          <p:cNvPr id="15" name="TextBox 14">
+            <a:extLst>
+              <a:ext uri="{FF2B5EF4-FFF2-40B4-BE49-F238E27FC236}">
+                <a16:creationId xmlns:a16="http://schemas.microsoft.com/office/drawing/2014/main" id="{D3DB1E28-D624-4E84-A8BC-8B32EC5319DF}"/>
+              </a:ext>
+            </a:extLst>
+          </p:cNvPr>
+          <p:cNvSpPr txBox="1"/>
+          <p:nvPr/>
+        </p:nvSpPr>
+        <p:spPr>
+          <a:xfrm>
+            <a:off x="10782312" y="106168"/>
+            <a:ext cx="1234415" cy="923330"/>
+          </a:xfrm>
+          <a:prstGeom prst="rect">
+            <a:avLst/>
+          </a:prstGeom>
+          <a:solidFill>
+            <a:schemeClr val="bg1">
+              <a:lumMod val="85000"/>
+            </a:schemeClr>
+          </a:solidFill>
+        </p:spPr>
+        <p:txBody>
+          <a:bodyPr wrap="square" rtlCol="0">
+            <a:spAutoFit/>
+          </a:bodyPr>
+          <a:lstStyle/>
+          <a:p>
+            <a:pPr algn="ctr"/>
+            <a:r>
+              <a:rPr lang="en-US" b="1" dirty="0">
+                <a:solidFill>
+                  <a:srgbClr val="FF0000"/>
+                </a:solidFill>
+              </a:rPr>
+              <a:t>knock-out 2 high-k nucleons</a:t>
+            </a:r>
+          </a:p>
+        </p:txBody>
+      </p:sp>
+      <p:grpSp>
+        <p:nvGrpSpPr>
+          <p:cNvPr id="16" name="Group 15">
+            <a:extLst>
+              <a:ext uri="{FF2B5EF4-FFF2-40B4-BE49-F238E27FC236}">
+                <a16:creationId xmlns:a16="http://schemas.microsoft.com/office/drawing/2014/main" id="{246442D0-4BED-4053-B146-03BA7A04AC10}"/>
+              </a:ext>
+            </a:extLst>
+          </p:cNvPr>
+          <p:cNvGrpSpPr/>
+          <p:nvPr/>
+        </p:nvGrpSpPr>
+        <p:grpSpPr>
+          <a:xfrm>
+            <a:off x="8848752" y="3017520"/>
+            <a:ext cx="1819248" cy="719750"/>
+            <a:chOff x="8848752" y="3017520"/>
+            <a:chExt cx="1819248" cy="719750"/>
+          </a:xfrm>
+        </p:grpSpPr>
+        <p:sp>
+          <p:nvSpPr>
+            <p:cNvPr id="17" name="TextBox 16">
+              <a:extLst>
+                <a:ext uri="{FF2B5EF4-FFF2-40B4-BE49-F238E27FC236}">
+                  <a16:creationId xmlns:a16="http://schemas.microsoft.com/office/drawing/2014/main" id="{58E77253-BAD4-48BC-AEB0-ED81A5E5A172}"/>
+                </a:ext>
+              </a:extLst>
+            </p:cNvPr>
+            <p:cNvSpPr txBox="1"/>
+            <p:nvPr/>
+          </p:nvSpPr>
+          <p:spPr>
+            <a:xfrm>
+              <a:off x="8848752" y="3367938"/>
+              <a:ext cx="1581908" cy="369332"/>
+            </a:xfrm>
+            <a:prstGeom prst="rect">
+              <a:avLst/>
+            </a:prstGeom>
+            <a:solidFill>
+              <a:schemeClr val="bg1">
+                <a:lumMod val="85000"/>
+              </a:schemeClr>
+            </a:solidFill>
+          </p:spPr>
+          <p:txBody>
+            <a:bodyPr wrap="none" rtlCol="0">
+              <a:spAutoFit/>
+            </a:bodyPr>
+            <a:lstStyle/>
+            <a:p>
+              <a:pPr algn="ctr"/>
+              <a:r>
+                <a:rPr lang="en-US" b="1" dirty="0">
+                  <a:solidFill>
+                    <a:srgbClr val="FF0000"/>
+                  </a:solidFill>
+                </a:rPr>
+                <a:t>excite SRC pair</a:t>
+              </a:r>
+            </a:p>
+          </p:txBody>
+        </p:sp>
+        <p:cxnSp>
+          <p:nvCxnSpPr>
+            <p:cNvPr id="18" name="Straight Connector 17">
+              <a:extLst>
+                <a:ext uri="{FF2B5EF4-FFF2-40B4-BE49-F238E27FC236}">
+                  <a16:creationId xmlns:a16="http://schemas.microsoft.com/office/drawing/2014/main" id="{95513897-9FCE-4359-B4AF-86E1CC8850AD}"/>
+                </a:ext>
+              </a:extLst>
+            </p:cNvPr>
+            <p:cNvCxnSpPr>
+              <a:cxnSpLocks/>
+            </p:cNvCxnSpPr>
+            <p:nvPr/>
+          </p:nvCxnSpPr>
+          <p:spPr>
+            <a:xfrm flipV="1">
+              <a:off x="10147007" y="3017520"/>
+              <a:ext cx="520993" cy="350418"/>
+            </a:xfrm>
+            <a:prstGeom prst="line">
+              <a:avLst/>
+            </a:prstGeom>
+            <a:ln w="31750">
+              <a:solidFill>
+                <a:srgbClr val="FF0000"/>
+              </a:solidFill>
+              <a:tailEnd type="triangle" w="lg" len="lg"/>
+            </a:ln>
+          </p:spPr>
+          <p:style>
+            <a:lnRef idx="1">
+              <a:schemeClr val="accent1"/>
+            </a:lnRef>
+            <a:fillRef idx="0">
+              <a:schemeClr val="accent1"/>
+            </a:fillRef>
+            <a:effectRef idx="0">
+              <a:schemeClr val="accent1"/>
+            </a:effectRef>
+            <a:fontRef idx="minor">
+              <a:schemeClr val="tx1"/>
+            </a:fontRef>
+          </p:style>
+        </p:cxnSp>
+      </p:grpSp>
+      <p:grpSp>
+        <p:nvGrpSpPr>
+          <p:cNvPr id="19" name="Group 18">
+            <a:extLst>
+              <a:ext uri="{FF2B5EF4-FFF2-40B4-BE49-F238E27FC236}">
+                <a16:creationId xmlns:a16="http://schemas.microsoft.com/office/drawing/2014/main" id="{4B793220-C571-4F8C-8AC5-2D96D6AF618F}"/>
+              </a:ext>
+            </a:extLst>
+          </p:cNvPr>
+          <p:cNvGrpSpPr/>
+          <p:nvPr/>
+        </p:nvGrpSpPr>
+        <p:grpSpPr>
+          <a:xfrm>
+            <a:off x="9391421" y="6073250"/>
+            <a:ext cx="2078861" cy="706839"/>
+            <a:chOff x="9391421" y="6073250"/>
+            <a:chExt cx="2078861" cy="706839"/>
+          </a:xfrm>
+        </p:grpSpPr>
+        <p:sp>
+          <p:nvSpPr>
+            <p:cNvPr id="20" name="TextBox 19">
+              <a:extLst>
+                <a:ext uri="{FF2B5EF4-FFF2-40B4-BE49-F238E27FC236}">
+                  <a16:creationId xmlns:a16="http://schemas.microsoft.com/office/drawing/2014/main" id="{F9ED7563-F6C3-4D11-B99A-F7C668E6D3A9}"/>
+                </a:ext>
+              </a:extLst>
+            </p:cNvPr>
+            <p:cNvSpPr txBox="1"/>
+            <p:nvPr/>
+          </p:nvSpPr>
+          <p:spPr>
+            <a:xfrm>
+              <a:off x="9391421" y="6410757"/>
+              <a:ext cx="2078861" cy="369332"/>
+            </a:xfrm>
+            <a:prstGeom prst="rect">
+              <a:avLst/>
+            </a:prstGeom>
+            <a:solidFill>
+              <a:schemeClr val="bg1">
+                <a:lumMod val="85000"/>
+              </a:schemeClr>
+            </a:solidFill>
+          </p:spPr>
+          <p:txBody>
+            <a:bodyPr wrap="square" rtlCol="0">
+              <a:spAutoFit/>
+            </a:bodyPr>
+            <a:lstStyle/>
+            <a:p>
+              <a:pPr algn="ctr"/>
+              <a:r>
+                <a:rPr lang="en-US" b="1" dirty="0">
+                  <a:solidFill>
+                    <a:srgbClr val="FF0000"/>
+                  </a:solidFill>
+                </a:rPr>
+                <a:t>low-k initial pair</a:t>
+              </a:r>
+            </a:p>
+          </p:txBody>
+        </p:sp>
+        <p:cxnSp>
+          <p:nvCxnSpPr>
+            <p:cNvPr id="21" name="Straight Connector 20">
+              <a:extLst>
+                <a:ext uri="{FF2B5EF4-FFF2-40B4-BE49-F238E27FC236}">
+                  <a16:creationId xmlns:a16="http://schemas.microsoft.com/office/drawing/2014/main" id="{B62F546C-8EDC-4390-9A03-B38F06081750}"/>
+                </a:ext>
+              </a:extLst>
+            </p:cNvPr>
+            <p:cNvCxnSpPr>
+              <a:cxnSpLocks/>
+            </p:cNvCxnSpPr>
+            <p:nvPr/>
+          </p:nvCxnSpPr>
+          <p:spPr>
+            <a:xfrm flipV="1">
+              <a:off x="10252710" y="6073250"/>
+              <a:ext cx="361306" cy="328062"/>
+            </a:xfrm>
+            <a:prstGeom prst="line">
+              <a:avLst/>
+            </a:prstGeom>
+            <a:ln w="31750">
+              <a:solidFill>
+                <a:srgbClr val="FF0000"/>
+              </a:solidFill>
+              <a:tailEnd type="triangle" w="lg" len="lg"/>
+            </a:ln>
+          </p:spPr>
+          <p:style>
+            <a:lnRef idx="1">
+              <a:schemeClr val="accent1"/>
+            </a:lnRef>
+            <a:fillRef idx="0">
+              <a:schemeClr val="accent1"/>
+            </a:fillRef>
+            <a:effectRef idx="0">
+              <a:schemeClr val="accent1"/>
+            </a:effectRef>
+            <a:fontRef idx="minor">
+              <a:schemeClr val="tx1"/>
+            </a:fontRef>
+          </p:style>
+        </p:cxnSp>
+      </p:grpSp>
+      <p:sp>
+        <p:nvSpPr>
+          <p:cNvPr id="22" name="TextBox 21">
+            <a:extLst>
+              <a:ext uri="{FF2B5EF4-FFF2-40B4-BE49-F238E27FC236}">
+                <a16:creationId xmlns:a16="http://schemas.microsoft.com/office/drawing/2014/main" id="{8C7F4F02-811E-4152-AD21-539CD563A60E}"/>
+              </a:ext>
+            </a:extLst>
+          </p:cNvPr>
+          <p:cNvSpPr txBox="1"/>
+          <p:nvPr/>
+        </p:nvSpPr>
+        <p:spPr>
+          <a:xfrm>
+            <a:off x="10886159" y="3354963"/>
+            <a:ext cx="1234415" cy="646331"/>
+          </a:xfrm>
+          <a:prstGeom prst="rect">
+            <a:avLst/>
+          </a:prstGeom>
+          <a:solidFill>
+            <a:srgbClr val="F8D4CB"/>
+          </a:solidFill>
+        </p:spPr>
+        <p:txBody>
+          <a:bodyPr wrap="square" rtlCol="0">
+            <a:spAutoFit/>
+          </a:bodyPr>
+          <a:lstStyle/>
+          <a:p>
+            <a:pPr algn="ctr"/>
+            <a:r>
+              <a:rPr lang="en-US" b="1" i="1" dirty="0"/>
+              <a:t>same</a:t>
+            </a:r>
+            <a:r>
+              <a:rPr lang="en-US" b="1" dirty="0"/>
+              <a:t> expt. resolution</a:t>
+            </a:r>
+          </a:p>
+        </p:txBody>
+      </p:sp>
     </p:spTree>
     <p:extLst>
       <p:ext uri="{BB962C8B-B14F-4D97-AF65-F5344CB8AC3E}">
@@ -4421,6 +8599,174 @@
   <p:clrMapOvr>
     <a:masterClrMapping/>
   </p:clrMapOvr>
+  <p:timing>
+    <p:tnLst>
+      <p:par>
+        <p:cTn id="1" dur="indefinite" restart="never" nodeType="tmRoot">
+          <p:childTnLst>
+            <p:seq concurrent="1" nextAc="seek">
+              <p:cTn id="2" dur="indefinite" nodeType="mainSeq">
+                <p:childTnLst>
+                  <p:par>
+                    <p:cTn id="3" fill="hold">
+                      <p:stCondLst>
+                        <p:cond delay="indefinite"/>
+                      </p:stCondLst>
+                      <p:childTnLst>
+                        <p:par>
+                          <p:cTn id="4" fill="hold">
+                            <p:stCondLst>
+                              <p:cond delay="0"/>
+                            </p:stCondLst>
+                            <p:childTnLst>
+                              <p:par>
+                                <p:cTn id="5" presetID="1" presetClass="entr" presetSubtype="0" fill="hold" nodeType="clickEffect">
+                                  <p:stCondLst>
+                                    <p:cond delay="0"/>
+                                  </p:stCondLst>
+                                  <p:childTnLst>
+                                    <p:set>
+                                      <p:cBhvr>
+                                        <p:cTn id="6" dur="1" fill="hold">
+                                          <p:stCondLst>
+                                            <p:cond delay="0"/>
+                                          </p:stCondLst>
+                                        </p:cTn>
+                                        <p:tgtEl>
+                                          <p:spTgt spid="16"/>
+                                        </p:tgtEl>
+                                        <p:attrNameLst>
+                                          <p:attrName>style.visibility</p:attrName>
+                                        </p:attrNameLst>
+                                      </p:cBhvr>
+                                      <p:to>
+                                        <p:strVal val="visible"/>
+                                      </p:to>
+                                    </p:set>
+                                  </p:childTnLst>
+                                </p:cTn>
+                              </p:par>
+                            </p:childTnLst>
+                          </p:cTn>
+                        </p:par>
+                      </p:childTnLst>
+                    </p:cTn>
+                  </p:par>
+                  <p:par>
+                    <p:cTn id="7" fill="hold">
+                      <p:stCondLst>
+                        <p:cond delay="indefinite"/>
+                      </p:stCondLst>
+                      <p:childTnLst>
+                        <p:par>
+                          <p:cTn id="8" fill="hold">
+                            <p:stCondLst>
+                              <p:cond delay="0"/>
+                            </p:stCondLst>
+                            <p:childTnLst>
+                              <p:par>
+                                <p:cTn id="9" presetID="1" presetClass="entr" presetSubtype="0" fill="hold" grpId="0" nodeType="clickEffect">
+                                  <p:stCondLst>
+                                    <p:cond delay="0"/>
+                                  </p:stCondLst>
+                                  <p:childTnLst>
+                                    <p:set>
+                                      <p:cBhvr>
+                                        <p:cTn id="10" dur="1" fill="hold">
+                                          <p:stCondLst>
+                                            <p:cond delay="0"/>
+                                          </p:stCondLst>
+                                        </p:cTn>
+                                        <p:tgtEl>
+                                          <p:spTgt spid="22"/>
+                                        </p:tgtEl>
+                                        <p:attrNameLst>
+                                          <p:attrName>style.visibility</p:attrName>
+                                        </p:attrNameLst>
+                                      </p:cBhvr>
+                                      <p:to>
+                                        <p:strVal val="visible"/>
+                                      </p:to>
+                                    </p:set>
+                                  </p:childTnLst>
+                                </p:cTn>
+                              </p:par>
+                            </p:childTnLst>
+                          </p:cTn>
+                        </p:par>
+                      </p:childTnLst>
+                    </p:cTn>
+                  </p:par>
+                  <p:par>
+                    <p:cTn id="11" fill="hold">
+                      <p:stCondLst>
+                        <p:cond delay="indefinite"/>
+                      </p:stCondLst>
+                      <p:childTnLst>
+                        <p:par>
+                          <p:cTn id="12" fill="hold">
+                            <p:stCondLst>
+                              <p:cond delay="0"/>
+                            </p:stCondLst>
+                            <p:childTnLst>
+                              <p:par>
+                                <p:cTn id="13" presetID="1" presetClass="entr" presetSubtype="0" fill="hold" nodeType="clickEffect">
+                                  <p:stCondLst>
+                                    <p:cond delay="0"/>
+                                  </p:stCondLst>
+                                  <p:childTnLst>
+                                    <p:set>
+                                      <p:cBhvr>
+                                        <p:cTn id="14" dur="1" fill="hold">
+                                          <p:stCondLst>
+                                            <p:cond delay="0"/>
+                                          </p:stCondLst>
+                                        </p:cTn>
+                                        <p:tgtEl>
+                                          <p:spTgt spid="19"/>
+                                        </p:tgtEl>
+                                        <p:attrNameLst>
+                                          <p:attrName>style.visibility</p:attrName>
+                                        </p:attrNameLst>
+                                      </p:cBhvr>
+                                      <p:to>
+                                        <p:strVal val="visible"/>
+                                      </p:to>
+                                    </p:set>
+                                  </p:childTnLst>
+                                </p:cTn>
+                              </p:par>
+                            </p:childTnLst>
+                          </p:cTn>
+                        </p:par>
+                      </p:childTnLst>
+                    </p:cTn>
+                  </p:par>
+                </p:childTnLst>
+              </p:cTn>
+              <p:prevCondLst>
+                <p:cond evt="onPrev" delay="0">
+                  <p:tgtEl>
+                    <p:sldTgt/>
+                  </p:tgtEl>
+                </p:cond>
+              </p:prevCondLst>
+              <p:nextCondLst>
+                <p:cond evt="onNext" delay="0">
+                  <p:tgtEl>
+                    <p:sldTgt/>
+                  </p:tgtEl>
+                </p:cond>
+              </p:nextCondLst>
+            </p:seq>
+          </p:childTnLst>
+        </p:cTn>
+      </p:par>
+    </p:tnLst>
+    <p:bldLst>
+      <p:bldP spid="22" grpId="0" animBg="1"/>
+    </p:bldLst>
+  </p:timing>
 </p:sld>
 </file>
 
@@ -4473,7 +8819,7 @@
                   <a:srgbClr val="002060"/>
                 </a:solidFill>
               </a:rPr>
-              <a:t>Slide title</a:t>
+              <a:t>Motivation</a:t>
             </a:r>
             <a:endParaRPr lang="en-US" dirty="0">
               <a:solidFill>
@@ -4500,9 +8846,16 @@
             <p:ph idx="1"/>
           </p:nvPr>
         </p:nvSpPr>
-        <p:spPr/>
-        <p:txBody>
-          <a:bodyPr/>
+        <p:spPr>
+          <a:xfrm>
+            <a:off x="838200" y="1825625"/>
+            <a:ext cx="7657730" cy="4351338"/>
+          </a:xfrm>
+        </p:spPr>
+        <p:txBody>
+          <a:bodyPr>
+            <a:noAutofit/>
+          </a:bodyPr>
           <a:lstStyle/>
           <a:p>
             <a:pPr>
@@ -4511,8 +8864,284 @@
               </a:lnSpc>
             </a:pPr>
             <a:r>
-              <a:rPr lang="en-US" dirty="0"/>
-              <a:t>Black bullet point</a:t>
+              <a:rPr lang="en-US" sz="2400" dirty="0"/>
+              <a:t>Recent experiments have been able to isolate processes where short-range correlation (SRC) physics is dominant and well accounted for by SRC phenomenology</a:t>
+            </a:r>
+          </a:p>
+          <a:p>
+            <a:pPr marL="228600" marR="0" lvl="0" indent="-228600" algn="l" defTabSz="914400" rtl="0" eaLnBrk="1" fontAlgn="auto" latinLnBrk="0" hangingPunct="1">
+              <a:lnSpc>
+                <a:spcPct val="100000"/>
+              </a:lnSpc>
+              <a:spcBef>
+                <a:spcPts val="1000"/>
+              </a:spcBef>
+              <a:spcAft>
+                <a:spcPts val="0"/>
+              </a:spcAft>
+              <a:buClrTx/>
+              <a:buSzTx/>
+              <a:buFont typeface="Arial" panose="020B0604020202020204" pitchFamily="34" charset="0"/>
+              <a:buChar char="•"/>
+              <a:tabLst/>
+              <a:defRPr/>
+            </a:pPr>
+            <a:r>
+              <a:rPr kumimoji="0" lang="en-US" sz="2400" b="0" i="0" u="none" strike="noStrike" kern="1200" cap="none" spc="0" normalizeH="0" baseline="0" noProof="0" dirty="0">
+                <a:ln>
+                  <a:noFill/>
+                </a:ln>
+                <a:effectLst/>
+                <a:uLnTx/>
+                <a:uFillTx/>
+                <a:latin typeface="Arial" panose="020B0604020202020204" pitchFamily="34" charset="0"/>
+                <a:ea typeface="+mn-ea"/>
+                <a:cs typeface="+mn-cs"/>
+              </a:rPr>
+              <a:t>High RG resolution description of SRC physics</a:t>
+            </a:r>
+          </a:p>
+          <a:p>
+            <a:pPr marL="685800" marR="0" lvl="1" indent="-228600" algn="l" defTabSz="914400" rtl="0" eaLnBrk="1" fontAlgn="auto" latinLnBrk="0" hangingPunct="1">
+              <a:lnSpc>
+                <a:spcPct val="100000"/>
+              </a:lnSpc>
+              <a:spcBef>
+                <a:spcPts val="500"/>
+              </a:spcBef>
+              <a:spcAft>
+                <a:spcPts val="0"/>
+              </a:spcAft>
+              <a:buClrTx/>
+              <a:buSzTx/>
+              <a:buFont typeface="Arial" panose="020B0604020202020204" pitchFamily="34" charset="0"/>
+              <a:buChar char="•"/>
+              <a:tabLst/>
+              <a:defRPr/>
+            </a:pPr>
+            <a:r>
+              <a:rPr kumimoji="0" lang="en-US" sz="2000" b="0" i="0" u="none" strike="noStrike" kern="1200" cap="none" spc="0" normalizeH="0" baseline="0" noProof="0" dirty="0">
+                <a:ln>
+                  <a:noFill/>
+                </a:ln>
+                <a:solidFill>
+                  <a:prstClr val="black"/>
+                </a:solidFill>
+                <a:effectLst/>
+                <a:uLnTx/>
+                <a:uFillTx/>
+                <a:latin typeface="Arial" panose="020B0604020202020204" pitchFamily="34" charset="0"/>
+                <a:ea typeface="+mn-ea"/>
+                <a:cs typeface="+mn-cs"/>
+              </a:rPr>
+              <a:t>SRC pairs are components in the nuclear wave function with relative momenta above the Fermi momentum</a:t>
+            </a:r>
+          </a:p>
+          <a:p>
+            <a:pPr marL="228600" marR="0" lvl="0" indent="-228600" algn="l" defTabSz="914400" rtl="0" eaLnBrk="1" fontAlgn="auto" latinLnBrk="0" hangingPunct="1">
+              <a:lnSpc>
+                <a:spcPct val="110000"/>
+              </a:lnSpc>
+              <a:spcBef>
+                <a:spcPts val="1000"/>
+              </a:spcBef>
+              <a:spcAft>
+                <a:spcPts val="0"/>
+              </a:spcAft>
+              <a:buClrTx/>
+              <a:buSzTx/>
+              <a:buFont typeface="Arial" panose="020B0604020202020204" pitchFamily="34" charset="0"/>
+              <a:buChar char="•"/>
+              <a:tabLst/>
+              <a:defRPr/>
+            </a:pPr>
+            <a:r>
+              <a:rPr kumimoji="0" lang="en-US" sz="2400" b="0" i="0" u="none" strike="noStrike" kern="1200" cap="none" spc="0" normalizeH="0" baseline="0" noProof="0" dirty="0">
+                <a:ln>
+                  <a:noFill/>
+                </a:ln>
+                <a:solidFill>
+                  <a:srgbClr val="C00000"/>
+                </a:solidFill>
+                <a:effectLst/>
+                <a:uLnTx/>
+                <a:uFillTx/>
+                <a:latin typeface="Arial" panose="020B0604020202020204" pitchFamily="34" charset="0"/>
+                <a:ea typeface="+mn-ea"/>
+                <a:cs typeface="+mn-cs"/>
+              </a:rPr>
+              <a:t>Low RG resolution description of SRC physics</a:t>
+            </a:r>
+          </a:p>
+          <a:p>
+            <a:pPr marL="685800" marR="0" lvl="1" indent="-228600" algn="l" defTabSz="914400" rtl="0" eaLnBrk="1" fontAlgn="auto" latinLnBrk="0" hangingPunct="1">
+              <a:lnSpc>
+                <a:spcPct val="110000"/>
+              </a:lnSpc>
+              <a:spcBef>
+                <a:spcPts val="500"/>
+              </a:spcBef>
+              <a:spcAft>
+                <a:spcPts val="0"/>
+              </a:spcAft>
+              <a:buClrTx/>
+              <a:buSzTx/>
+              <a:buFont typeface="Arial" panose="020B0604020202020204" pitchFamily="34" charset="0"/>
+              <a:buChar char="•"/>
+              <a:tabLst/>
+              <a:defRPr/>
+            </a:pPr>
+            <a:r>
+              <a:rPr kumimoji="0" lang="en-US" sz="2000" b="0" i="0" u="none" strike="noStrike" kern="1200" cap="none" spc="0" normalizeH="0" baseline="0" noProof="0" dirty="0">
+                <a:ln>
+                  <a:noFill/>
+                </a:ln>
+                <a:solidFill>
+                  <a:prstClr val="black"/>
+                </a:solidFill>
+                <a:effectLst/>
+                <a:uLnTx/>
+                <a:uFillTx/>
+                <a:latin typeface="Arial" panose="020B0604020202020204" pitchFamily="34" charset="0"/>
+                <a:ea typeface="+mn-ea"/>
+                <a:cs typeface="+mn-cs"/>
+              </a:rPr>
+              <a:t>Using renormalization group (RG) methods we can tune the </a:t>
+            </a:r>
+            <a:r>
+              <a:rPr kumimoji="0" lang="en-US" sz="2000" b="0" i="0" u="none" strike="noStrike" kern="1200" cap="none" spc="0" normalizeH="0" baseline="0" noProof="0" dirty="0">
+                <a:ln>
+                  <a:noFill/>
+                </a:ln>
+                <a:solidFill>
+                  <a:srgbClr val="C00000"/>
+                </a:solidFill>
+                <a:effectLst/>
+                <a:uLnTx/>
+                <a:uFillTx/>
+                <a:latin typeface="Arial" panose="020B0604020202020204" pitchFamily="34" charset="0"/>
+                <a:ea typeface="+mn-ea"/>
+                <a:cs typeface="+mn-cs"/>
+              </a:rPr>
+              <a:t>scale</a:t>
+            </a:r>
+            <a:r>
+              <a:rPr kumimoji="0" lang="en-US" sz="2000" b="0" i="0" u="none" strike="noStrike" kern="1200" cap="none" spc="0" normalizeH="0" baseline="0" noProof="0" dirty="0">
+                <a:ln>
+                  <a:noFill/>
+                </a:ln>
+                <a:solidFill>
+                  <a:prstClr val="black"/>
+                </a:solidFill>
+                <a:effectLst/>
+                <a:uLnTx/>
+                <a:uFillTx/>
+                <a:latin typeface="Arial" panose="020B0604020202020204" pitchFamily="34" charset="0"/>
+                <a:ea typeface="+mn-ea"/>
+                <a:cs typeface="+mn-cs"/>
+              </a:rPr>
+              <a:t> to </a:t>
+            </a:r>
+            <a:r>
+              <a:rPr kumimoji="0" lang="en-US" sz="2000" b="0" i="0" u="none" strike="noStrike" kern="1200" cap="none" spc="0" normalizeH="0" baseline="0" noProof="0" dirty="0">
+                <a:ln>
+                  <a:noFill/>
+                </a:ln>
+                <a:solidFill>
+                  <a:srgbClr val="C00000"/>
+                </a:solidFill>
+                <a:effectLst/>
+                <a:uLnTx/>
+                <a:uFillTx/>
+                <a:latin typeface="Arial" panose="020B0604020202020204" pitchFamily="34" charset="0"/>
+                <a:ea typeface="+mn-ea"/>
+                <a:cs typeface="+mn-cs"/>
+              </a:rPr>
+              <a:t>low RG resolution</a:t>
+            </a:r>
+            <a:endParaRPr kumimoji="0" lang="en-US" sz="2000" b="0" i="0" u="none" strike="noStrike" kern="1200" cap="none" spc="0" normalizeH="0" baseline="0" noProof="0" dirty="0">
+              <a:ln>
+                <a:noFill/>
+              </a:ln>
+              <a:solidFill>
+                <a:prstClr val="black"/>
+              </a:solidFill>
+              <a:effectLst/>
+              <a:uLnTx/>
+              <a:uFillTx/>
+              <a:latin typeface="Arial" panose="020B0604020202020204" pitchFamily="34" charset="0"/>
+              <a:ea typeface="+mn-ea"/>
+              <a:cs typeface="+mn-cs"/>
+            </a:endParaRPr>
+          </a:p>
+          <a:p>
+            <a:pPr marL="685800" marR="0" lvl="1" indent="-228600" algn="l" defTabSz="914400" rtl="0" eaLnBrk="1" fontAlgn="auto" latinLnBrk="0" hangingPunct="1">
+              <a:lnSpc>
+                <a:spcPct val="110000"/>
+              </a:lnSpc>
+              <a:spcBef>
+                <a:spcPts val="500"/>
+              </a:spcBef>
+              <a:spcAft>
+                <a:spcPts val="0"/>
+              </a:spcAft>
+              <a:buClrTx/>
+              <a:buSzTx/>
+              <a:buFont typeface="Arial" panose="020B0604020202020204" pitchFamily="34" charset="0"/>
+              <a:buChar char="•"/>
+              <a:tabLst/>
+              <a:defRPr/>
+            </a:pPr>
+            <a:r>
+              <a:rPr kumimoji="0" lang="en-US" sz="2000" b="0" i="0" u="none" strike="noStrike" kern="1200" cap="none" spc="0" normalizeH="0" baseline="0" noProof="0" dirty="0">
+                <a:ln>
+                  <a:noFill/>
+                </a:ln>
+                <a:solidFill>
+                  <a:prstClr val="black"/>
+                </a:solidFill>
+                <a:effectLst/>
+                <a:uLnTx/>
+                <a:uFillTx/>
+                <a:latin typeface="Arial" panose="020B0604020202020204" pitchFamily="34" charset="0"/>
+                <a:ea typeface="+mn-ea"/>
+                <a:cs typeface="+mn-cs"/>
+              </a:rPr>
+              <a:t>The SRC </a:t>
+            </a:r>
+            <a:r>
+              <a:rPr kumimoji="0" lang="en-US" sz="2000" b="0" i="1" u="none" strike="noStrike" kern="1200" cap="none" spc="0" normalizeH="0" baseline="0" noProof="0" dirty="0">
+                <a:ln>
+                  <a:noFill/>
+                </a:ln>
+                <a:solidFill>
+                  <a:prstClr val="black"/>
+                </a:solidFill>
+                <a:effectLst/>
+                <a:uLnTx/>
+                <a:uFillTx/>
+                <a:latin typeface="Arial" panose="020B0604020202020204" pitchFamily="34" charset="0"/>
+                <a:ea typeface="+mn-ea"/>
+                <a:cs typeface="+mn-cs"/>
+              </a:rPr>
+              <a:t>physics</a:t>
+            </a:r>
+            <a:r>
+              <a:rPr kumimoji="0" lang="en-US" sz="2000" b="0" i="0" u="none" strike="noStrike" kern="1200" cap="none" spc="0" normalizeH="0" baseline="0" noProof="0" dirty="0">
+                <a:ln>
+                  <a:noFill/>
+                </a:ln>
+                <a:solidFill>
+                  <a:prstClr val="black"/>
+                </a:solidFill>
+                <a:effectLst/>
+                <a:uLnTx/>
+                <a:uFillTx/>
+                <a:latin typeface="Arial" panose="020B0604020202020204" pitchFamily="34" charset="0"/>
+                <a:ea typeface="+mn-ea"/>
+                <a:cs typeface="+mn-cs"/>
+              </a:rPr>
+              <a:t> is shifted into the reaction operators from the nuclear wave function (which becomes soft)</a:t>
             </a:r>
           </a:p>
           <a:p>
@@ -4520,15 +9149,25 @@
               <a:lnSpc>
                 <a:spcPct val="100000"/>
               </a:lnSpc>
+              <a:spcBef>
+                <a:spcPts val="500"/>
+              </a:spcBef>
+              <a:defRPr/>
             </a:pPr>
-            <a:r>
-              <a:rPr lang="en-US" dirty="0">
-                <a:solidFill>
-                  <a:srgbClr val="C00000"/>
-                </a:solidFill>
-              </a:rPr>
-              <a:t>Red bullet point</a:t>
-            </a:r>
+            <a:endParaRPr kumimoji="0" lang="en-US" sz="2400" b="0" i="0" u="none" strike="noStrike" kern="1200" cap="none" spc="0" normalizeH="0" baseline="0" noProof="0" dirty="0">
+              <a:ln>
+                <a:noFill/>
+              </a:ln>
+              <a:solidFill>
+                <a:prstClr val="black"/>
+              </a:solidFill>
+              <a:effectLst/>
+              <a:uLnTx/>
+              <a:uFillTx/>
+              <a:latin typeface="Arial" panose="020B0604020202020204" pitchFamily="34" charset="0"/>
+              <a:ea typeface="+mn-ea"/>
+              <a:cs typeface="+mn-cs"/>
+            </a:endParaRPr>
           </a:p>
         </p:txBody>
       </p:sp>
@@ -4606,7 +9245,7 @@
               </a:pPr>
               <a:t>3</a:t>
             </a:fld>
-            <a:endParaRPr kumimoji="0" lang="en-US" sz="1200" b="0" i="0" u="none" strike="noStrike" kern="1200" cap="none" spc="0" normalizeH="0" baseline="0" noProof="0">
+            <a:endParaRPr kumimoji="0" lang="en-US" sz="1200" b="0" i="0" u="none" strike="noStrike" kern="1200" cap="none" spc="0" normalizeH="0" baseline="0" noProof="0" dirty="0">
               <a:ln>
                 <a:noFill/>
               </a:ln>
@@ -4625,16 +9264,583 @@
           </a:p>
         </p:txBody>
       </p:sp>
+      <p:sp>
+        <p:nvSpPr>
+          <p:cNvPr id="5" name="Footer Placeholder 4">
+            <a:extLst>
+              <a:ext uri="{FF2B5EF4-FFF2-40B4-BE49-F238E27FC236}">
+                <a16:creationId xmlns:a16="http://schemas.microsoft.com/office/drawing/2014/main" id="{AA32F827-1E98-4502-B5F4-999E31F2566B}"/>
+              </a:ext>
+            </a:extLst>
+          </p:cNvPr>
+          <p:cNvSpPr>
+            <a:spLocks noGrp="1"/>
+          </p:cNvSpPr>
+          <p:nvPr>
+            <p:ph type="ftr" sz="quarter" idx="11"/>
+          </p:nvPr>
+        </p:nvSpPr>
+        <p:spPr/>
+        <p:txBody>
+          <a:bodyPr/>
+          <a:lstStyle/>
+          <a:p>
+            <a:r>
+              <a:rPr lang="en-US"/>
+              <a:t>Anthony Tropiano, APS April 2021 Meeting</a:t>
+            </a:r>
+            <a:endParaRPr lang="en-US" dirty="0"/>
+          </a:p>
+        </p:txBody>
+      </p:sp>
+      <p:pic>
+        <p:nvPicPr>
+          <p:cNvPr id="13" name="Picture 12" descr="Diagram&#10;&#10;Description automatically generated">
+            <a:extLst>
+              <a:ext uri="{FF2B5EF4-FFF2-40B4-BE49-F238E27FC236}">
+                <a16:creationId xmlns:a16="http://schemas.microsoft.com/office/drawing/2014/main" id="{AEE92E74-7B81-4A86-B270-B59B1A17BFBB}"/>
+              </a:ext>
+            </a:extLst>
+          </p:cNvPr>
+          <p:cNvPicPr>
+            <a:picLocks noChangeAspect="1"/>
+          </p:cNvPicPr>
+          <p:nvPr/>
+        </p:nvPicPr>
+        <p:blipFill>
+          <a:blip r:embed="rId3">
+            <a:extLst>
+              <a:ext uri="{28A0092B-C50C-407E-A947-70E740481C1C}">
+                <a14:useLocalDpi xmlns:a14="http://schemas.microsoft.com/office/drawing/2010/main" val="0"/>
+              </a:ext>
+            </a:extLst>
+          </a:blip>
+          <a:stretch>
+            <a:fillRect/>
+          </a:stretch>
+        </p:blipFill>
+        <p:spPr>
+          <a:xfrm>
+            <a:off x="5108645" y="0"/>
+            <a:ext cx="2629478" cy="1901932"/>
+          </a:xfrm>
+          <a:prstGeom prst="rect">
+            <a:avLst/>
+          </a:prstGeom>
+        </p:spPr>
+      </p:pic>
+      <p:pic>
+        <p:nvPicPr>
+          <p:cNvPr id="14" name="Picture 13">
+            <a:extLst>
+              <a:ext uri="{FF2B5EF4-FFF2-40B4-BE49-F238E27FC236}">
+                <a16:creationId xmlns:a16="http://schemas.microsoft.com/office/drawing/2014/main" id="{186AC5B0-3649-40B7-B9B3-981948857D21}"/>
+              </a:ext>
+            </a:extLst>
+          </p:cNvPr>
+          <p:cNvPicPr>
+            <a:picLocks noChangeAspect="1"/>
+          </p:cNvPicPr>
+          <p:nvPr/>
+        </p:nvPicPr>
+        <p:blipFill>
+          <a:blip r:embed="rId4"/>
+          <a:stretch>
+            <a:fillRect/>
+          </a:stretch>
+        </p:blipFill>
+        <p:spPr>
+          <a:xfrm>
+            <a:off x="8401050" y="703897"/>
+            <a:ext cx="3703320" cy="5697415"/>
+          </a:xfrm>
+          <a:prstGeom prst="rect">
+            <a:avLst/>
+          </a:prstGeom>
+        </p:spPr>
+      </p:pic>
+      <p:sp>
+        <p:nvSpPr>
+          <p:cNvPr id="15" name="TextBox 14">
+            <a:extLst>
+              <a:ext uri="{FF2B5EF4-FFF2-40B4-BE49-F238E27FC236}">
+                <a16:creationId xmlns:a16="http://schemas.microsoft.com/office/drawing/2014/main" id="{D3DB1E28-D624-4E84-A8BC-8B32EC5319DF}"/>
+              </a:ext>
+            </a:extLst>
+          </p:cNvPr>
+          <p:cNvSpPr txBox="1"/>
+          <p:nvPr/>
+        </p:nvSpPr>
+        <p:spPr>
+          <a:xfrm>
+            <a:off x="10782312" y="106168"/>
+            <a:ext cx="1234415" cy="923330"/>
+          </a:xfrm>
+          <a:prstGeom prst="rect">
+            <a:avLst/>
+          </a:prstGeom>
+          <a:solidFill>
+            <a:schemeClr val="bg1">
+              <a:lumMod val="85000"/>
+            </a:schemeClr>
+          </a:solidFill>
+        </p:spPr>
+        <p:txBody>
+          <a:bodyPr wrap="square" rtlCol="0">
+            <a:spAutoFit/>
+          </a:bodyPr>
+          <a:lstStyle/>
+          <a:p>
+            <a:pPr algn="ctr"/>
+            <a:r>
+              <a:rPr lang="en-US" b="1" dirty="0">
+                <a:solidFill>
+                  <a:srgbClr val="FF0000"/>
+                </a:solidFill>
+              </a:rPr>
+              <a:t>knock-out 2 high-k nucleons</a:t>
+            </a:r>
+          </a:p>
+        </p:txBody>
+      </p:sp>
+      <p:grpSp>
+        <p:nvGrpSpPr>
+          <p:cNvPr id="16" name="Group 15">
+            <a:extLst>
+              <a:ext uri="{FF2B5EF4-FFF2-40B4-BE49-F238E27FC236}">
+                <a16:creationId xmlns:a16="http://schemas.microsoft.com/office/drawing/2014/main" id="{246442D0-4BED-4053-B146-03BA7A04AC10}"/>
+              </a:ext>
+            </a:extLst>
+          </p:cNvPr>
+          <p:cNvGrpSpPr/>
+          <p:nvPr/>
+        </p:nvGrpSpPr>
+        <p:grpSpPr>
+          <a:xfrm>
+            <a:off x="8848752" y="3017520"/>
+            <a:ext cx="1819248" cy="719750"/>
+            <a:chOff x="8848752" y="3017520"/>
+            <a:chExt cx="1819248" cy="719750"/>
+          </a:xfrm>
+        </p:grpSpPr>
+        <p:sp>
+          <p:nvSpPr>
+            <p:cNvPr id="17" name="TextBox 16">
+              <a:extLst>
+                <a:ext uri="{FF2B5EF4-FFF2-40B4-BE49-F238E27FC236}">
+                  <a16:creationId xmlns:a16="http://schemas.microsoft.com/office/drawing/2014/main" id="{58E77253-BAD4-48BC-AEB0-ED81A5E5A172}"/>
+                </a:ext>
+              </a:extLst>
+            </p:cNvPr>
+            <p:cNvSpPr txBox="1"/>
+            <p:nvPr/>
+          </p:nvSpPr>
+          <p:spPr>
+            <a:xfrm>
+              <a:off x="8848752" y="3367938"/>
+              <a:ext cx="1581908" cy="369332"/>
+            </a:xfrm>
+            <a:prstGeom prst="rect">
+              <a:avLst/>
+            </a:prstGeom>
+            <a:solidFill>
+              <a:schemeClr val="bg1">
+                <a:lumMod val="85000"/>
+              </a:schemeClr>
+            </a:solidFill>
+          </p:spPr>
+          <p:txBody>
+            <a:bodyPr wrap="none" rtlCol="0">
+              <a:spAutoFit/>
+            </a:bodyPr>
+            <a:lstStyle/>
+            <a:p>
+              <a:pPr algn="ctr"/>
+              <a:r>
+                <a:rPr lang="en-US" b="1" dirty="0">
+                  <a:solidFill>
+                    <a:srgbClr val="FF0000"/>
+                  </a:solidFill>
+                </a:rPr>
+                <a:t>excite SRC pair</a:t>
+              </a:r>
+            </a:p>
+          </p:txBody>
+        </p:sp>
+        <p:cxnSp>
+          <p:nvCxnSpPr>
+            <p:cNvPr id="18" name="Straight Connector 17">
+              <a:extLst>
+                <a:ext uri="{FF2B5EF4-FFF2-40B4-BE49-F238E27FC236}">
+                  <a16:creationId xmlns:a16="http://schemas.microsoft.com/office/drawing/2014/main" id="{95513897-9FCE-4359-B4AF-86E1CC8850AD}"/>
+                </a:ext>
+              </a:extLst>
+            </p:cNvPr>
+            <p:cNvCxnSpPr>
+              <a:cxnSpLocks/>
+            </p:cNvCxnSpPr>
+            <p:nvPr/>
+          </p:nvCxnSpPr>
+          <p:spPr>
+            <a:xfrm flipV="1">
+              <a:off x="10147007" y="3017520"/>
+              <a:ext cx="520993" cy="350418"/>
+            </a:xfrm>
+            <a:prstGeom prst="line">
+              <a:avLst/>
+            </a:prstGeom>
+            <a:ln w="31750">
+              <a:solidFill>
+                <a:srgbClr val="FF0000"/>
+              </a:solidFill>
+              <a:tailEnd type="triangle" w="lg" len="lg"/>
+            </a:ln>
+          </p:spPr>
+          <p:style>
+            <a:lnRef idx="1">
+              <a:schemeClr val="accent1"/>
+            </a:lnRef>
+            <a:fillRef idx="0">
+              <a:schemeClr val="accent1"/>
+            </a:fillRef>
+            <a:effectRef idx="0">
+              <a:schemeClr val="accent1"/>
+            </a:effectRef>
+            <a:fontRef idx="minor">
+              <a:schemeClr val="tx1"/>
+            </a:fontRef>
+          </p:style>
+        </p:cxnSp>
+      </p:grpSp>
+      <p:grpSp>
+        <p:nvGrpSpPr>
+          <p:cNvPr id="19" name="Group 18">
+            <a:extLst>
+              <a:ext uri="{FF2B5EF4-FFF2-40B4-BE49-F238E27FC236}">
+                <a16:creationId xmlns:a16="http://schemas.microsoft.com/office/drawing/2014/main" id="{4B793220-C571-4F8C-8AC5-2D96D6AF618F}"/>
+              </a:ext>
+            </a:extLst>
+          </p:cNvPr>
+          <p:cNvGrpSpPr/>
+          <p:nvPr/>
+        </p:nvGrpSpPr>
+        <p:grpSpPr>
+          <a:xfrm>
+            <a:off x="9391421" y="6073250"/>
+            <a:ext cx="2078861" cy="706839"/>
+            <a:chOff x="9391421" y="6073250"/>
+            <a:chExt cx="2078861" cy="706839"/>
+          </a:xfrm>
+        </p:grpSpPr>
+        <p:sp>
+          <p:nvSpPr>
+            <p:cNvPr id="20" name="TextBox 19">
+              <a:extLst>
+                <a:ext uri="{FF2B5EF4-FFF2-40B4-BE49-F238E27FC236}">
+                  <a16:creationId xmlns:a16="http://schemas.microsoft.com/office/drawing/2014/main" id="{F9ED7563-F6C3-4D11-B99A-F7C668E6D3A9}"/>
+                </a:ext>
+              </a:extLst>
+            </p:cNvPr>
+            <p:cNvSpPr txBox="1"/>
+            <p:nvPr/>
+          </p:nvSpPr>
+          <p:spPr>
+            <a:xfrm>
+              <a:off x="9391421" y="6410757"/>
+              <a:ext cx="2078861" cy="369332"/>
+            </a:xfrm>
+            <a:prstGeom prst="rect">
+              <a:avLst/>
+            </a:prstGeom>
+            <a:solidFill>
+              <a:schemeClr val="bg1">
+                <a:lumMod val="85000"/>
+              </a:schemeClr>
+            </a:solidFill>
+          </p:spPr>
+          <p:txBody>
+            <a:bodyPr wrap="square" rtlCol="0">
+              <a:spAutoFit/>
+            </a:bodyPr>
+            <a:lstStyle/>
+            <a:p>
+              <a:pPr algn="ctr"/>
+              <a:r>
+                <a:rPr lang="en-US" b="1" dirty="0">
+                  <a:solidFill>
+                    <a:srgbClr val="FF0000"/>
+                  </a:solidFill>
+                </a:rPr>
+                <a:t>low-k initial pair</a:t>
+              </a:r>
+            </a:p>
+          </p:txBody>
+        </p:sp>
+        <p:cxnSp>
+          <p:nvCxnSpPr>
+            <p:cNvPr id="21" name="Straight Connector 20">
+              <a:extLst>
+                <a:ext uri="{FF2B5EF4-FFF2-40B4-BE49-F238E27FC236}">
+                  <a16:creationId xmlns:a16="http://schemas.microsoft.com/office/drawing/2014/main" id="{B62F546C-8EDC-4390-9A03-B38F06081750}"/>
+                </a:ext>
+              </a:extLst>
+            </p:cNvPr>
+            <p:cNvCxnSpPr>
+              <a:cxnSpLocks/>
+            </p:cNvCxnSpPr>
+            <p:nvPr/>
+          </p:nvCxnSpPr>
+          <p:spPr>
+            <a:xfrm flipV="1">
+              <a:off x="10252710" y="6073250"/>
+              <a:ext cx="361306" cy="328062"/>
+            </a:xfrm>
+            <a:prstGeom prst="line">
+              <a:avLst/>
+            </a:prstGeom>
+            <a:ln w="31750">
+              <a:solidFill>
+                <a:srgbClr val="FF0000"/>
+              </a:solidFill>
+              <a:tailEnd type="triangle" w="lg" len="lg"/>
+            </a:ln>
+          </p:spPr>
+          <p:style>
+            <a:lnRef idx="1">
+              <a:schemeClr val="accent1"/>
+            </a:lnRef>
+            <a:fillRef idx="0">
+              <a:schemeClr val="accent1"/>
+            </a:fillRef>
+            <a:effectRef idx="0">
+              <a:schemeClr val="accent1"/>
+            </a:effectRef>
+            <a:fontRef idx="minor">
+              <a:schemeClr val="tx1"/>
+            </a:fontRef>
+          </p:style>
+        </p:cxnSp>
+      </p:grpSp>
+      <p:sp>
+        <p:nvSpPr>
+          <p:cNvPr id="22" name="TextBox 21">
+            <a:extLst>
+              <a:ext uri="{FF2B5EF4-FFF2-40B4-BE49-F238E27FC236}">
+                <a16:creationId xmlns:a16="http://schemas.microsoft.com/office/drawing/2014/main" id="{8C7F4F02-811E-4152-AD21-539CD563A60E}"/>
+              </a:ext>
+            </a:extLst>
+          </p:cNvPr>
+          <p:cNvSpPr txBox="1"/>
+          <p:nvPr/>
+        </p:nvSpPr>
+        <p:spPr>
+          <a:xfrm>
+            <a:off x="10886159" y="3354963"/>
+            <a:ext cx="1234415" cy="646331"/>
+          </a:xfrm>
+          <a:prstGeom prst="rect">
+            <a:avLst/>
+          </a:prstGeom>
+          <a:solidFill>
+            <a:srgbClr val="F8D4CB"/>
+          </a:solidFill>
+        </p:spPr>
+        <p:txBody>
+          <a:bodyPr wrap="square" rtlCol="0">
+            <a:spAutoFit/>
+          </a:bodyPr>
+          <a:lstStyle/>
+          <a:p>
+            <a:pPr algn="ctr"/>
+            <a:r>
+              <a:rPr lang="en-US" b="1" i="1" dirty="0"/>
+              <a:t>same</a:t>
+            </a:r>
+            <a:r>
+              <a:rPr lang="en-US" b="1" dirty="0"/>
+              <a:t> expt. resolution</a:t>
+            </a:r>
+          </a:p>
+        </p:txBody>
+      </p:sp>
     </p:spTree>
     <p:extLst>
       <p:ext uri="{BB962C8B-B14F-4D97-AF65-F5344CB8AC3E}">
-        <p14:creationId xmlns:p14="http://schemas.microsoft.com/office/powerpoint/2010/main" val="3408536674"/>
+        <p14:creationId xmlns:p14="http://schemas.microsoft.com/office/powerpoint/2010/main" val="3528617188"/>
       </p:ext>
     </p:extLst>
   </p:cSld>
   <p:clrMapOvr>
     <a:masterClrMapping/>
   </p:clrMapOvr>
+  <p:timing>
+    <p:tnLst>
+      <p:par>
+        <p:cTn id="1" dur="indefinite" restart="never" nodeType="tmRoot">
+          <p:childTnLst>
+            <p:seq concurrent="1" nextAc="seek">
+              <p:cTn id="2" dur="indefinite" nodeType="mainSeq">
+                <p:childTnLst>
+                  <p:par>
+                    <p:cTn id="3" fill="hold">
+                      <p:stCondLst>
+                        <p:cond delay="indefinite"/>
+                      </p:stCondLst>
+                      <p:childTnLst>
+                        <p:par>
+                          <p:cTn id="4" fill="hold">
+                            <p:stCondLst>
+                              <p:cond delay="0"/>
+                            </p:stCondLst>
+                            <p:childTnLst>
+                              <p:par>
+                                <p:cTn id="5" presetID="1" presetClass="entr" presetSubtype="0" fill="hold" nodeType="clickEffect">
+                                  <p:stCondLst>
+                                    <p:cond delay="0"/>
+                                  </p:stCondLst>
+                                  <p:childTnLst>
+                                    <p:set>
+                                      <p:cBhvr>
+                                        <p:cTn id="6" dur="1" fill="hold">
+                                          <p:stCondLst>
+                                            <p:cond delay="0"/>
+                                          </p:stCondLst>
+                                        </p:cTn>
+                                        <p:tgtEl>
+                                          <p:spTgt spid="16"/>
+                                        </p:tgtEl>
+                                        <p:attrNameLst>
+                                          <p:attrName>style.visibility</p:attrName>
+                                        </p:attrNameLst>
+                                      </p:cBhvr>
+                                      <p:to>
+                                        <p:strVal val="visible"/>
+                                      </p:to>
+                                    </p:set>
+                                  </p:childTnLst>
+                                </p:cTn>
+                              </p:par>
+                            </p:childTnLst>
+                          </p:cTn>
+                        </p:par>
+                      </p:childTnLst>
+                    </p:cTn>
+                  </p:par>
+                  <p:par>
+                    <p:cTn id="7" fill="hold">
+                      <p:stCondLst>
+                        <p:cond delay="indefinite"/>
+                      </p:stCondLst>
+                      <p:childTnLst>
+                        <p:par>
+                          <p:cTn id="8" fill="hold">
+                            <p:stCondLst>
+                              <p:cond delay="0"/>
+                            </p:stCondLst>
+                            <p:childTnLst>
+                              <p:par>
+                                <p:cTn id="9" presetID="1" presetClass="entr" presetSubtype="0" fill="hold" grpId="0" nodeType="clickEffect">
+                                  <p:stCondLst>
+                                    <p:cond delay="0"/>
+                                  </p:stCondLst>
+                                  <p:childTnLst>
+                                    <p:set>
+                                      <p:cBhvr>
+                                        <p:cTn id="10" dur="1" fill="hold">
+                                          <p:stCondLst>
+                                            <p:cond delay="0"/>
+                                          </p:stCondLst>
+                                        </p:cTn>
+                                        <p:tgtEl>
+                                          <p:spTgt spid="22"/>
+                                        </p:tgtEl>
+                                        <p:attrNameLst>
+                                          <p:attrName>style.visibility</p:attrName>
+                                        </p:attrNameLst>
+                                      </p:cBhvr>
+                                      <p:to>
+                                        <p:strVal val="visible"/>
+                                      </p:to>
+                                    </p:set>
+                                  </p:childTnLst>
+                                </p:cTn>
+                              </p:par>
+                            </p:childTnLst>
+                          </p:cTn>
+                        </p:par>
+                      </p:childTnLst>
+                    </p:cTn>
+                  </p:par>
+                  <p:par>
+                    <p:cTn id="11" fill="hold">
+                      <p:stCondLst>
+                        <p:cond delay="indefinite"/>
+                      </p:stCondLst>
+                      <p:childTnLst>
+                        <p:par>
+                          <p:cTn id="12" fill="hold">
+                            <p:stCondLst>
+                              <p:cond delay="0"/>
+                            </p:stCondLst>
+                            <p:childTnLst>
+                              <p:par>
+                                <p:cTn id="13" presetID="1" presetClass="entr" presetSubtype="0" fill="hold" nodeType="clickEffect">
+                                  <p:stCondLst>
+                                    <p:cond delay="0"/>
+                                  </p:stCondLst>
+                                  <p:childTnLst>
+                                    <p:set>
+                                      <p:cBhvr>
+                                        <p:cTn id="14" dur="1" fill="hold">
+                                          <p:stCondLst>
+                                            <p:cond delay="0"/>
+                                          </p:stCondLst>
+                                        </p:cTn>
+                                        <p:tgtEl>
+                                          <p:spTgt spid="19"/>
+                                        </p:tgtEl>
+                                        <p:attrNameLst>
+                                          <p:attrName>style.visibility</p:attrName>
+                                        </p:attrNameLst>
+                                      </p:cBhvr>
+                                      <p:to>
+                                        <p:strVal val="visible"/>
+                                      </p:to>
+                                    </p:set>
+                                  </p:childTnLst>
+                                </p:cTn>
+                              </p:par>
+                            </p:childTnLst>
+                          </p:cTn>
+                        </p:par>
+                      </p:childTnLst>
+                    </p:cTn>
+                  </p:par>
+                </p:childTnLst>
+              </p:cTn>
+              <p:prevCondLst>
+                <p:cond evt="onPrev" delay="0">
+                  <p:tgtEl>
+                    <p:sldTgt/>
+                  </p:tgtEl>
+                </p:cond>
+              </p:prevCondLst>
+              <p:nextCondLst>
+                <p:cond evt="onNext" delay="0">
+                  <p:tgtEl>
+                    <p:sldTgt/>
+                  </p:tgtEl>
+                </p:cond>
+              </p:nextCondLst>
+            </p:seq>
+          </p:childTnLst>
+        </p:cTn>
+      </p:par>
+    </p:tnLst>
+    <p:bldLst>
+      <p:bldP spid="22" grpId="0" animBg="1"/>
+    </p:bldLst>
+  </p:timing>
 </p:sld>
 </file>
 
@@ -4687,7 +9893,7 @@
                   <a:srgbClr val="002060"/>
                 </a:solidFill>
               </a:rPr>
-              <a:t>Slide title</a:t>
+              <a:t>Motivation</a:t>
             </a:r>
             <a:endParaRPr lang="en-US" dirty="0">
               <a:solidFill>
@@ -4714,9 +9920,16 @@
             <p:ph idx="1"/>
           </p:nvPr>
         </p:nvSpPr>
-        <p:spPr/>
-        <p:txBody>
-          <a:bodyPr/>
+        <p:spPr>
+          <a:xfrm>
+            <a:off x="838200" y="1825625"/>
+            <a:ext cx="7657730" cy="4351338"/>
+          </a:xfrm>
+        </p:spPr>
+        <p:txBody>
+          <a:bodyPr>
+            <a:noAutofit/>
+          </a:bodyPr>
           <a:lstStyle/>
           <a:p>
             <a:pPr>
@@ -4725,24 +9938,343 @@
               </a:lnSpc>
             </a:pPr>
             <a:r>
-              <a:rPr lang="en-US" dirty="0"/>
-              <a:t>Black bullet point</a:t>
-            </a:r>
+              <a:rPr lang="en-US" sz="2400" dirty="0"/>
+              <a:t>Recent experiments have been able to isolate processes where short-range correlation (SRC) physics is dominant and well accounted for by SRC phenomenology</a:t>
+            </a:r>
+          </a:p>
+          <a:p>
+            <a:pPr marL="228600" marR="0" lvl="0" indent="-228600" algn="l" defTabSz="914400" rtl="0" eaLnBrk="1" fontAlgn="auto" latinLnBrk="0" hangingPunct="1">
+              <a:lnSpc>
+                <a:spcPct val="100000"/>
+              </a:lnSpc>
+              <a:spcBef>
+                <a:spcPts val="1000"/>
+              </a:spcBef>
+              <a:spcAft>
+                <a:spcPts val="0"/>
+              </a:spcAft>
+              <a:buClrTx/>
+              <a:buSzTx/>
+              <a:buFont typeface="Arial" panose="020B0604020202020204" pitchFamily="34" charset="0"/>
+              <a:buChar char="•"/>
+              <a:tabLst/>
+              <a:defRPr/>
+            </a:pPr>
+            <a:r>
+              <a:rPr kumimoji="0" lang="en-US" sz="2400" b="0" i="0" u="none" strike="noStrike" kern="1200" cap="none" spc="0" normalizeH="0" baseline="0" noProof="0" dirty="0">
+                <a:ln>
+                  <a:noFill/>
+                </a:ln>
+                <a:effectLst/>
+                <a:uLnTx/>
+                <a:uFillTx/>
+                <a:latin typeface="Arial" panose="020B0604020202020204" pitchFamily="34" charset="0"/>
+                <a:ea typeface="+mn-ea"/>
+                <a:cs typeface="+mn-cs"/>
+              </a:rPr>
+              <a:t>High RG resolution description of SRC physics</a:t>
+            </a:r>
+          </a:p>
+          <a:p>
+            <a:pPr marL="685800" marR="0" lvl="1" indent="-228600" algn="l" defTabSz="914400" rtl="0" eaLnBrk="1" fontAlgn="auto" latinLnBrk="0" hangingPunct="1">
+              <a:lnSpc>
+                <a:spcPct val="100000"/>
+              </a:lnSpc>
+              <a:spcBef>
+                <a:spcPts val="500"/>
+              </a:spcBef>
+              <a:spcAft>
+                <a:spcPts val="0"/>
+              </a:spcAft>
+              <a:buClrTx/>
+              <a:buSzTx/>
+              <a:buFont typeface="Arial" panose="020B0604020202020204" pitchFamily="34" charset="0"/>
+              <a:buChar char="•"/>
+              <a:tabLst/>
+              <a:defRPr/>
+            </a:pPr>
+            <a:r>
+              <a:rPr kumimoji="0" lang="en-US" sz="2000" b="0" i="0" u="none" strike="noStrike" kern="1200" cap="none" spc="0" normalizeH="0" baseline="0" noProof="0" dirty="0">
+                <a:ln>
+                  <a:noFill/>
+                </a:ln>
+                <a:solidFill>
+                  <a:prstClr val="black"/>
+                </a:solidFill>
+                <a:effectLst/>
+                <a:uLnTx/>
+                <a:uFillTx/>
+                <a:latin typeface="Arial" panose="020B0604020202020204" pitchFamily="34" charset="0"/>
+                <a:ea typeface="+mn-ea"/>
+                <a:cs typeface="+mn-cs"/>
+              </a:rPr>
+              <a:t>SRC pairs are components in the nuclear wave function with relative momenta above the Fermi momentum</a:t>
+            </a:r>
+          </a:p>
+          <a:p>
+            <a:pPr marL="228600" marR="0" lvl="0" indent="-228600" algn="l" defTabSz="914400" rtl="0" eaLnBrk="1" fontAlgn="auto" latinLnBrk="0" hangingPunct="1">
+              <a:lnSpc>
+                <a:spcPct val="110000"/>
+              </a:lnSpc>
+              <a:spcBef>
+                <a:spcPts val="1000"/>
+              </a:spcBef>
+              <a:spcAft>
+                <a:spcPts val="0"/>
+              </a:spcAft>
+              <a:buClrTx/>
+              <a:buSzTx/>
+              <a:buFont typeface="Arial" panose="020B0604020202020204" pitchFamily="34" charset="0"/>
+              <a:buChar char="•"/>
+              <a:tabLst/>
+              <a:defRPr/>
+            </a:pPr>
+            <a:r>
+              <a:rPr kumimoji="0" lang="en-US" sz="2400" b="0" i="0" u="none" strike="noStrike" kern="1200" cap="none" spc="0" normalizeH="0" baseline="0" noProof="0" dirty="0">
+                <a:ln>
+                  <a:noFill/>
+                </a:ln>
+                <a:solidFill>
+                  <a:srgbClr val="C00000"/>
+                </a:solidFill>
+                <a:effectLst/>
+                <a:uLnTx/>
+                <a:uFillTx/>
+                <a:latin typeface="Arial" panose="020B0604020202020204" pitchFamily="34" charset="0"/>
+                <a:ea typeface="+mn-ea"/>
+                <a:cs typeface="+mn-cs"/>
+              </a:rPr>
+              <a:t>Low RG resolution description of SRC physics</a:t>
+            </a:r>
+          </a:p>
+          <a:p>
+            <a:pPr marL="685800" marR="0" lvl="1" indent="-228600" algn="l" defTabSz="914400" rtl="0" eaLnBrk="1" fontAlgn="auto" latinLnBrk="0" hangingPunct="1">
+              <a:lnSpc>
+                <a:spcPct val="110000"/>
+              </a:lnSpc>
+              <a:spcBef>
+                <a:spcPts val="500"/>
+              </a:spcBef>
+              <a:spcAft>
+                <a:spcPts val="0"/>
+              </a:spcAft>
+              <a:buClrTx/>
+              <a:buSzTx/>
+              <a:buFont typeface="Arial" panose="020B0604020202020204" pitchFamily="34" charset="0"/>
+              <a:buChar char="•"/>
+              <a:tabLst/>
+              <a:defRPr/>
+            </a:pPr>
+            <a:r>
+              <a:rPr kumimoji="0" lang="en-US" sz="2000" b="0" i="0" u="none" strike="noStrike" kern="1200" cap="none" spc="0" normalizeH="0" baseline="0" noProof="0" dirty="0">
+                <a:ln>
+                  <a:noFill/>
+                </a:ln>
+                <a:solidFill>
+                  <a:prstClr val="black"/>
+                </a:solidFill>
+                <a:effectLst/>
+                <a:uLnTx/>
+                <a:uFillTx/>
+                <a:latin typeface="Arial" panose="020B0604020202020204" pitchFamily="34" charset="0"/>
+                <a:ea typeface="+mn-ea"/>
+                <a:cs typeface="+mn-cs"/>
+              </a:rPr>
+              <a:t>Using renormalization group (RG) methods we can tune the </a:t>
+            </a:r>
+            <a:r>
+              <a:rPr kumimoji="0" lang="en-US" sz="2000" b="0" i="0" u="none" strike="noStrike" kern="1200" cap="none" spc="0" normalizeH="0" baseline="0" noProof="0" dirty="0">
+                <a:ln>
+                  <a:noFill/>
+                </a:ln>
+                <a:solidFill>
+                  <a:srgbClr val="C00000"/>
+                </a:solidFill>
+                <a:effectLst/>
+                <a:uLnTx/>
+                <a:uFillTx/>
+                <a:latin typeface="Arial" panose="020B0604020202020204" pitchFamily="34" charset="0"/>
+                <a:ea typeface="+mn-ea"/>
+                <a:cs typeface="+mn-cs"/>
+              </a:rPr>
+              <a:t>scale</a:t>
+            </a:r>
+            <a:r>
+              <a:rPr kumimoji="0" lang="en-US" sz="2000" b="0" i="0" u="none" strike="noStrike" kern="1200" cap="none" spc="0" normalizeH="0" baseline="0" noProof="0" dirty="0">
+                <a:ln>
+                  <a:noFill/>
+                </a:ln>
+                <a:solidFill>
+                  <a:prstClr val="black"/>
+                </a:solidFill>
+                <a:effectLst/>
+                <a:uLnTx/>
+                <a:uFillTx/>
+                <a:latin typeface="Arial" panose="020B0604020202020204" pitchFamily="34" charset="0"/>
+                <a:ea typeface="+mn-ea"/>
+                <a:cs typeface="+mn-cs"/>
+              </a:rPr>
+              <a:t> to </a:t>
+            </a:r>
+            <a:r>
+              <a:rPr kumimoji="0" lang="en-US" sz="2000" b="0" i="0" u="none" strike="noStrike" kern="1200" cap="none" spc="0" normalizeH="0" baseline="0" noProof="0" dirty="0">
+                <a:ln>
+                  <a:noFill/>
+                </a:ln>
+                <a:solidFill>
+                  <a:srgbClr val="C00000"/>
+                </a:solidFill>
+                <a:effectLst/>
+                <a:uLnTx/>
+                <a:uFillTx/>
+                <a:latin typeface="Arial" panose="020B0604020202020204" pitchFamily="34" charset="0"/>
+                <a:ea typeface="+mn-ea"/>
+                <a:cs typeface="+mn-cs"/>
+              </a:rPr>
+              <a:t>low RG resolution</a:t>
+            </a:r>
+            <a:endParaRPr kumimoji="0" lang="en-US" sz="2000" b="0" i="0" u="none" strike="noStrike" kern="1200" cap="none" spc="0" normalizeH="0" baseline="0" noProof="0" dirty="0">
+              <a:ln>
+                <a:noFill/>
+              </a:ln>
+              <a:solidFill>
+                <a:prstClr val="black"/>
+              </a:solidFill>
+              <a:effectLst/>
+              <a:uLnTx/>
+              <a:uFillTx/>
+              <a:latin typeface="Arial" panose="020B0604020202020204" pitchFamily="34" charset="0"/>
+              <a:ea typeface="+mn-ea"/>
+              <a:cs typeface="+mn-cs"/>
+            </a:endParaRPr>
+          </a:p>
+          <a:p>
+            <a:pPr marL="685800" marR="0" lvl="1" indent="-228600" algn="l" defTabSz="914400" rtl="0" eaLnBrk="1" fontAlgn="auto" latinLnBrk="0" hangingPunct="1">
+              <a:lnSpc>
+                <a:spcPct val="110000"/>
+              </a:lnSpc>
+              <a:spcBef>
+                <a:spcPts val="500"/>
+              </a:spcBef>
+              <a:spcAft>
+                <a:spcPts val="0"/>
+              </a:spcAft>
+              <a:buClrTx/>
+              <a:buSzTx/>
+              <a:buFont typeface="Arial" panose="020B0604020202020204" pitchFamily="34" charset="0"/>
+              <a:buChar char="•"/>
+              <a:tabLst/>
+              <a:defRPr/>
+            </a:pPr>
+            <a:r>
+              <a:rPr kumimoji="0" lang="en-US" sz="2000" b="0" i="0" u="none" strike="noStrike" kern="1200" cap="none" spc="0" normalizeH="0" baseline="0" noProof="0" dirty="0">
+                <a:ln>
+                  <a:noFill/>
+                </a:ln>
+                <a:solidFill>
+                  <a:prstClr val="black"/>
+                </a:solidFill>
+                <a:effectLst/>
+                <a:uLnTx/>
+                <a:uFillTx/>
+                <a:latin typeface="Arial" panose="020B0604020202020204" pitchFamily="34" charset="0"/>
+                <a:ea typeface="+mn-ea"/>
+                <a:cs typeface="+mn-cs"/>
+              </a:rPr>
+              <a:t>The SRC </a:t>
+            </a:r>
+            <a:r>
+              <a:rPr kumimoji="0" lang="en-US" sz="2000" b="0" i="1" u="none" strike="noStrike" kern="1200" cap="none" spc="0" normalizeH="0" baseline="0" noProof="0" dirty="0">
+                <a:ln>
+                  <a:noFill/>
+                </a:ln>
+                <a:solidFill>
+                  <a:prstClr val="black"/>
+                </a:solidFill>
+                <a:effectLst/>
+                <a:uLnTx/>
+                <a:uFillTx/>
+                <a:latin typeface="Arial" panose="020B0604020202020204" pitchFamily="34" charset="0"/>
+                <a:ea typeface="+mn-ea"/>
+                <a:cs typeface="+mn-cs"/>
+              </a:rPr>
+              <a:t>physics</a:t>
+            </a:r>
+            <a:r>
+              <a:rPr kumimoji="0" lang="en-US" sz="2000" b="0" i="0" u="none" strike="noStrike" kern="1200" cap="none" spc="0" normalizeH="0" baseline="0" noProof="0" dirty="0">
+                <a:ln>
+                  <a:noFill/>
+                </a:ln>
+                <a:solidFill>
+                  <a:prstClr val="black"/>
+                </a:solidFill>
+                <a:effectLst/>
+                <a:uLnTx/>
+                <a:uFillTx/>
+                <a:latin typeface="Arial" panose="020B0604020202020204" pitchFamily="34" charset="0"/>
+                <a:ea typeface="+mn-ea"/>
+                <a:cs typeface="+mn-cs"/>
+              </a:rPr>
+              <a:t> is shifted into the reaction operators from the nuclear wave function (which becomes soft)</a:t>
+            </a:r>
+          </a:p>
+          <a:p>
+            <a:pPr>
+              <a:lnSpc>
+                <a:spcPct val="110000"/>
+              </a:lnSpc>
+              <a:spcBef>
+                <a:spcPts val="500"/>
+              </a:spcBef>
+              <a:defRPr/>
+            </a:pPr>
+            <a:r>
+              <a:rPr lang="en-US" sz="2400" dirty="0">
+                <a:solidFill>
+                  <a:prstClr val="black"/>
+                </a:solidFill>
+              </a:rPr>
+              <a:t>ADD: Same observables but different physical interpretation!</a:t>
+            </a:r>
+            <a:endParaRPr kumimoji="0" lang="en-US" sz="2400" b="0" i="0" u="none" strike="noStrike" kern="1200" cap="none" spc="0" normalizeH="0" baseline="0" noProof="0" dirty="0">
+              <a:ln>
+                <a:noFill/>
+              </a:ln>
+              <a:solidFill>
+                <a:prstClr val="black"/>
+              </a:solidFill>
+              <a:effectLst/>
+              <a:uLnTx/>
+              <a:uFillTx/>
+              <a:latin typeface="Arial" panose="020B0604020202020204" pitchFamily="34" charset="0"/>
+              <a:ea typeface="+mn-ea"/>
+              <a:cs typeface="+mn-cs"/>
+            </a:endParaRPr>
           </a:p>
           <a:p>
             <a:pPr>
               <a:lnSpc>
                 <a:spcPct val="100000"/>
               </a:lnSpc>
+              <a:spcBef>
+                <a:spcPts val="500"/>
+              </a:spcBef>
+              <a:defRPr/>
             </a:pPr>
-            <a:r>
-              <a:rPr lang="en-US" dirty="0">
-                <a:solidFill>
-                  <a:srgbClr val="C00000"/>
-                </a:solidFill>
-              </a:rPr>
-              <a:t>Red bullet point</a:t>
-            </a:r>
+            <a:endParaRPr kumimoji="0" lang="en-US" sz="2400" b="0" i="0" u="none" strike="noStrike" kern="1200" cap="none" spc="0" normalizeH="0" baseline="0" noProof="0" dirty="0">
+              <a:ln>
+                <a:noFill/>
+              </a:ln>
+              <a:solidFill>
+                <a:prstClr val="black"/>
+              </a:solidFill>
+              <a:effectLst/>
+              <a:uLnTx/>
+              <a:uFillTx/>
+              <a:latin typeface="Arial" panose="020B0604020202020204" pitchFamily="34" charset="0"/>
+              <a:ea typeface="+mn-ea"/>
+              <a:cs typeface="+mn-cs"/>
+            </a:endParaRPr>
           </a:p>
         </p:txBody>
       </p:sp>
@@ -4820,6 +10352,1533 @@
               </a:pPr>
               <a:t>4</a:t>
             </a:fld>
+            <a:endParaRPr kumimoji="0" lang="en-US" sz="1200" b="0" i="0" u="none" strike="noStrike" kern="1200" cap="none" spc="0" normalizeH="0" baseline="0" noProof="0" dirty="0">
+              <a:ln>
+                <a:noFill/>
+              </a:ln>
+              <a:solidFill>
+                <a:prstClr val="black">
+                  <a:tint val="75000"/>
+                </a:prstClr>
+              </a:solidFill>
+              <a:effectLst/>
+              <a:uLnTx/>
+              <a:uFillTx/>
+              <a:latin typeface="Arial" panose="020B0604020202020204" pitchFamily="34" charset="0"/>
+              <a:ea typeface="+mn-ea"/>
+              <a:cs typeface="+mn-cs"/>
+            </a:endParaRPr>
+          </a:p>
+        </p:txBody>
+      </p:sp>
+      <p:sp>
+        <p:nvSpPr>
+          <p:cNvPr id="5" name="Footer Placeholder 4">
+            <a:extLst>
+              <a:ext uri="{FF2B5EF4-FFF2-40B4-BE49-F238E27FC236}">
+                <a16:creationId xmlns:a16="http://schemas.microsoft.com/office/drawing/2014/main" id="{AA32F827-1E98-4502-B5F4-999E31F2566B}"/>
+              </a:ext>
+            </a:extLst>
+          </p:cNvPr>
+          <p:cNvSpPr>
+            <a:spLocks noGrp="1"/>
+          </p:cNvSpPr>
+          <p:nvPr>
+            <p:ph type="ftr" sz="quarter" idx="11"/>
+          </p:nvPr>
+        </p:nvSpPr>
+        <p:spPr/>
+        <p:txBody>
+          <a:bodyPr/>
+          <a:lstStyle/>
+          <a:p>
+            <a:r>
+              <a:rPr lang="en-US"/>
+              <a:t>Anthony Tropiano, APS April 2021 Meeting</a:t>
+            </a:r>
+            <a:endParaRPr lang="en-US" dirty="0"/>
+          </a:p>
+        </p:txBody>
+      </p:sp>
+      <p:pic>
+        <p:nvPicPr>
+          <p:cNvPr id="13" name="Picture 12" descr="Diagram&#10;&#10;Description automatically generated">
+            <a:extLst>
+              <a:ext uri="{FF2B5EF4-FFF2-40B4-BE49-F238E27FC236}">
+                <a16:creationId xmlns:a16="http://schemas.microsoft.com/office/drawing/2014/main" id="{AEE92E74-7B81-4A86-B270-B59B1A17BFBB}"/>
+              </a:ext>
+            </a:extLst>
+          </p:cNvPr>
+          <p:cNvPicPr>
+            <a:picLocks noChangeAspect="1"/>
+          </p:cNvPicPr>
+          <p:nvPr/>
+        </p:nvPicPr>
+        <p:blipFill>
+          <a:blip r:embed="rId3">
+            <a:extLst>
+              <a:ext uri="{28A0092B-C50C-407E-A947-70E740481C1C}">
+                <a14:useLocalDpi xmlns:a14="http://schemas.microsoft.com/office/drawing/2010/main" val="0"/>
+              </a:ext>
+            </a:extLst>
+          </a:blip>
+          <a:stretch>
+            <a:fillRect/>
+          </a:stretch>
+        </p:blipFill>
+        <p:spPr>
+          <a:xfrm>
+            <a:off x="5108645" y="0"/>
+            <a:ext cx="2629478" cy="1901932"/>
+          </a:xfrm>
+          <a:prstGeom prst="rect">
+            <a:avLst/>
+          </a:prstGeom>
+        </p:spPr>
+      </p:pic>
+      <p:pic>
+        <p:nvPicPr>
+          <p:cNvPr id="14" name="Picture 13">
+            <a:extLst>
+              <a:ext uri="{FF2B5EF4-FFF2-40B4-BE49-F238E27FC236}">
+                <a16:creationId xmlns:a16="http://schemas.microsoft.com/office/drawing/2014/main" id="{186AC5B0-3649-40B7-B9B3-981948857D21}"/>
+              </a:ext>
+            </a:extLst>
+          </p:cNvPr>
+          <p:cNvPicPr>
+            <a:picLocks noChangeAspect="1"/>
+          </p:cNvPicPr>
+          <p:nvPr/>
+        </p:nvPicPr>
+        <p:blipFill>
+          <a:blip r:embed="rId4"/>
+          <a:stretch>
+            <a:fillRect/>
+          </a:stretch>
+        </p:blipFill>
+        <p:spPr>
+          <a:xfrm>
+            <a:off x="8401050" y="703897"/>
+            <a:ext cx="3703320" cy="5697415"/>
+          </a:xfrm>
+          <a:prstGeom prst="rect">
+            <a:avLst/>
+          </a:prstGeom>
+        </p:spPr>
+      </p:pic>
+      <p:sp>
+        <p:nvSpPr>
+          <p:cNvPr id="15" name="TextBox 14">
+            <a:extLst>
+              <a:ext uri="{FF2B5EF4-FFF2-40B4-BE49-F238E27FC236}">
+                <a16:creationId xmlns:a16="http://schemas.microsoft.com/office/drawing/2014/main" id="{D3DB1E28-D624-4E84-A8BC-8B32EC5319DF}"/>
+              </a:ext>
+            </a:extLst>
+          </p:cNvPr>
+          <p:cNvSpPr txBox="1"/>
+          <p:nvPr/>
+        </p:nvSpPr>
+        <p:spPr>
+          <a:xfrm>
+            <a:off x="10782312" y="106168"/>
+            <a:ext cx="1234415" cy="923330"/>
+          </a:xfrm>
+          <a:prstGeom prst="rect">
+            <a:avLst/>
+          </a:prstGeom>
+          <a:solidFill>
+            <a:schemeClr val="bg1">
+              <a:lumMod val="85000"/>
+            </a:schemeClr>
+          </a:solidFill>
+        </p:spPr>
+        <p:txBody>
+          <a:bodyPr wrap="square" rtlCol="0">
+            <a:spAutoFit/>
+          </a:bodyPr>
+          <a:lstStyle/>
+          <a:p>
+            <a:pPr algn="ctr"/>
+            <a:r>
+              <a:rPr lang="en-US" b="1" dirty="0">
+                <a:solidFill>
+                  <a:srgbClr val="FF0000"/>
+                </a:solidFill>
+              </a:rPr>
+              <a:t>knock-out 2 high-k nucleons</a:t>
+            </a:r>
+          </a:p>
+        </p:txBody>
+      </p:sp>
+      <p:grpSp>
+        <p:nvGrpSpPr>
+          <p:cNvPr id="16" name="Group 15">
+            <a:extLst>
+              <a:ext uri="{FF2B5EF4-FFF2-40B4-BE49-F238E27FC236}">
+                <a16:creationId xmlns:a16="http://schemas.microsoft.com/office/drawing/2014/main" id="{246442D0-4BED-4053-B146-03BA7A04AC10}"/>
+              </a:ext>
+            </a:extLst>
+          </p:cNvPr>
+          <p:cNvGrpSpPr/>
+          <p:nvPr/>
+        </p:nvGrpSpPr>
+        <p:grpSpPr>
+          <a:xfrm>
+            <a:off x="8848752" y="3017520"/>
+            <a:ext cx="1819248" cy="719750"/>
+            <a:chOff x="8848752" y="3017520"/>
+            <a:chExt cx="1819248" cy="719750"/>
+          </a:xfrm>
+        </p:grpSpPr>
+        <p:sp>
+          <p:nvSpPr>
+            <p:cNvPr id="17" name="TextBox 16">
+              <a:extLst>
+                <a:ext uri="{FF2B5EF4-FFF2-40B4-BE49-F238E27FC236}">
+                  <a16:creationId xmlns:a16="http://schemas.microsoft.com/office/drawing/2014/main" id="{58E77253-BAD4-48BC-AEB0-ED81A5E5A172}"/>
+                </a:ext>
+              </a:extLst>
+            </p:cNvPr>
+            <p:cNvSpPr txBox="1"/>
+            <p:nvPr/>
+          </p:nvSpPr>
+          <p:spPr>
+            <a:xfrm>
+              <a:off x="8848752" y="3367938"/>
+              <a:ext cx="1581908" cy="369332"/>
+            </a:xfrm>
+            <a:prstGeom prst="rect">
+              <a:avLst/>
+            </a:prstGeom>
+            <a:solidFill>
+              <a:schemeClr val="bg1">
+                <a:lumMod val="85000"/>
+              </a:schemeClr>
+            </a:solidFill>
+          </p:spPr>
+          <p:txBody>
+            <a:bodyPr wrap="none" rtlCol="0">
+              <a:spAutoFit/>
+            </a:bodyPr>
+            <a:lstStyle/>
+            <a:p>
+              <a:pPr algn="ctr"/>
+              <a:r>
+                <a:rPr lang="en-US" b="1" dirty="0">
+                  <a:solidFill>
+                    <a:srgbClr val="FF0000"/>
+                  </a:solidFill>
+                </a:rPr>
+                <a:t>excite SRC pair</a:t>
+              </a:r>
+            </a:p>
+          </p:txBody>
+        </p:sp>
+        <p:cxnSp>
+          <p:nvCxnSpPr>
+            <p:cNvPr id="18" name="Straight Connector 17">
+              <a:extLst>
+                <a:ext uri="{FF2B5EF4-FFF2-40B4-BE49-F238E27FC236}">
+                  <a16:creationId xmlns:a16="http://schemas.microsoft.com/office/drawing/2014/main" id="{95513897-9FCE-4359-B4AF-86E1CC8850AD}"/>
+                </a:ext>
+              </a:extLst>
+            </p:cNvPr>
+            <p:cNvCxnSpPr>
+              <a:cxnSpLocks/>
+            </p:cNvCxnSpPr>
+            <p:nvPr/>
+          </p:nvCxnSpPr>
+          <p:spPr>
+            <a:xfrm flipV="1">
+              <a:off x="10147007" y="3017520"/>
+              <a:ext cx="520993" cy="350418"/>
+            </a:xfrm>
+            <a:prstGeom prst="line">
+              <a:avLst/>
+            </a:prstGeom>
+            <a:ln w="31750">
+              <a:solidFill>
+                <a:srgbClr val="FF0000"/>
+              </a:solidFill>
+              <a:tailEnd type="triangle" w="lg" len="lg"/>
+            </a:ln>
+          </p:spPr>
+          <p:style>
+            <a:lnRef idx="1">
+              <a:schemeClr val="accent1"/>
+            </a:lnRef>
+            <a:fillRef idx="0">
+              <a:schemeClr val="accent1"/>
+            </a:fillRef>
+            <a:effectRef idx="0">
+              <a:schemeClr val="accent1"/>
+            </a:effectRef>
+            <a:fontRef idx="minor">
+              <a:schemeClr val="tx1"/>
+            </a:fontRef>
+          </p:style>
+        </p:cxnSp>
+      </p:grpSp>
+      <p:grpSp>
+        <p:nvGrpSpPr>
+          <p:cNvPr id="19" name="Group 18">
+            <a:extLst>
+              <a:ext uri="{FF2B5EF4-FFF2-40B4-BE49-F238E27FC236}">
+                <a16:creationId xmlns:a16="http://schemas.microsoft.com/office/drawing/2014/main" id="{4B793220-C571-4F8C-8AC5-2D96D6AF618F}"/>
+              </a:ext>
+            </a:extLst>
+          </p:cNvPr>
+          <p:cNvGrpSpPr/>
+          <p:nvPr/>
+        </p:nvGrpSpPr>
+        <p:grpSpPr>
+          <a:xfrm>
+            <a:off x="9391421" y="6073250"/>
+            <a:ext cx="2078861" cy="706839"/>
+            <a:chOff x="9391421" y="6073250"/>
+            <a:chExt cx="2078861" cy="706839"/>
+          </a:xfrm>
+        </p:grpSpPr>
+        <p:sp>
+          <p:nvSpPr>
+            <p:cNvPr id="20" name="TextBox 19">
+              <a:extLst>
+                <a:ext uri="{FF2B5EF4-FFF2-40B4-BE49-F238E27FC236}">
+                  <a16:creationId xmlns:a16="http://schemas.microsoft.com/office/drawing/2014/main" id="{F9ED7563-F6C3-4D11-B99A-F7C668E6D3A9}"/>
+                </a:ext>
+              </a:extLst>
+            </p:cNvPr>
+            <p:cNvSpPr txBox="1"/>
+            <p:nvPr/>
+          </p:nvSpPr>
+          <p:spPr>
+            <a:xfrm>
+              <a:off x="9391421" y="6410757"/>
+              <a:ext cx="2078861" cy="369332"/>
+            </a:xfrm>
+            <a:prstGeom prst="rect">
+              <a:avLst/>
+            </a:prstGeom>
+            <a:solidFill>
+              <a:schemeClr val="bg1">
+                <a:lumMod val="85000"/>
+              </a:schemeClr>
+            </a:solidFill>
+          </p:spPr>
+          <p:txBody>
+            <a:bodyPr wrap="square" rtlCol="0">
+              <a:spAutoFit/>
+            </a:bodyPr>
+            <a:lstStyle/>
+            <a:p>
+              <a:pPr algn="ctr"/>
+              <a:r>
+                <a:rPr lang="en-US" b="1" dirty="0">
+                  <a:solidFill>
+                    <a:srgbClr val="FF0000"/>
+                  </a:solidFill>
+                </a:rPr>
+                <a:t>low-k initial pair</a:t>
+              </a:r>
+            </a:p>
+          </p:txBody>
+        </p:sp>
+        <p:cxnSp>
+          <p:nvCxnSpPr>
+            <p:cNvPr id="21" name="Straight Connector 20">
+              <a:extLst>
+                <a:ext uri="{FF2B5EF4-FFF2-40B4-BE49-F238E27FC236}">
+                  <a16:creationId xmlns:a16="http://schemas.microsoft.com/office/drawing/2014/main" id="{B62F546C-8EDC-4390-9A03-B38F06081750}"/>
+                </a:ext>
+              </a:extLst>
+            </p:cNvPr>
+            <p:cNvCxnSpPr>
+              <a:cxnSpLocks/>
+            </p:cNvCxnSpPr>
+            <p:nvPr/>
+          </p:nvCxnSpPr>
+          <p:spPr>
+            <a:xfrm flipV="1">
+              <a:off x="10252710" y="6073250"/>
+              <a:ext cx="361306" cy="328062"/>
+            </a:xfrm>
+            <a:prstGeom prst="line">
+              <a:avLst/>
+            </a:prstGeom>
+            <a:ln w="31750">
+              <a:solidFill>
+                <a:srgbClr val="FF0000"/>
+              </a:solidFill>
+              <a:tailEnd type="triangle" w="lg" len="lg"/>
+            </a:ln>
+          </p:spPr>
+          <p:style>
+            <a:lnRef idx="1">
+              <a:schemeClr val="accent1"/>
+            </a:lnRef>
+            <a:fillRef idx="0">
+              <a:schemeClr val="accent1"/>
+            </a:fillRef>
+            <a:effectRef idx="0">
+              <a:schemeClr val="accent1"/>
+            </a:effectRef>
+            <a:fontRef idx="minor">
+              <a:schemeClr val="tx1"/>
+            </a:fontRef>
+          </p:style>
+        </p:cxnSp>
+      </p:grpSp>
+      <p:sp>
+        <p:nvSpPr>
+          <p:cNvPr id="22" name="TextBox 21">
+            <a:extLst>
+              <a:ext uri="{FF2B5EF4-FFF2-40B4-BE49-F238E27FC236}">
+                <a16:creationId xmlns:a16="http://schemas.microsoft.com/office/drawing/2014/main" id="{8C7F4F02-811E-4152-AD21-539CD563A60E}"/>
+              </a:ext>
+            </a:extLst>
+          </p:cNvPr>
+          <p:cNvSpPr txBox="1"/>
+          <p:nvPr/>
+        </p:nvSpPr>
+        <p:spPr>
+          <a:xfrm>
+            <a:off x="10886159" y="3354963"/>
+            <a:ext cx="1234415" cy="646331"/>
+          </a:xfrm>
+          <a:prstGeom prst="rect">
+            <a:avLst/>
+          </a:prstGeom>
+          <a:solidFill>
+            <a:srgbClr val="F8D4CB"/>
+          </a:solidFill>
+        </p:spPr>
+        <p:txBody>
+          <a:bodyPr wrap="square" rtlCol="0">
+            <a:spAutoFit/>
+          </a:bodyPr>
+          <a:lstStyle/>
+          <a:p>
+            <a:pPr algn="ctr"/>
+            <a:r>
+              <a:rPr lang="en-US" b="1" i="1" dirty="0"/>
+              <a:t>same</a:t>
+            </a:r>
+            <a:r>
+              <a:rPr lang="en-US" b="1" dirty="0"/>
+              <a:t> expt. resolution</a:t>
+            </a:r>
+          </a:p>
+        </p:txBody>
+      </p:sp>
+    </p:spTree>
+    <p:extLst>
+      <p:ext uri="{BB962C8B-B14F-4D97-AF65-F5344CB8AC3E}">
+        <p14:creationId xmlns:p14="http://schemas.microsoft.com/office/powerpoint/2010/main" val="1350317671"/>
+      </p:ext>
+    </p:extLst>
+  </p:cSld>
+  <p:clrMapOvr>
+    <a:masterClrMapping/>
+  </p:clrMapOvr>
+  <p:timing>
+    <p:tnLst>
+      <p:par>
+        <p:cTn id="1" dur="indefinite" restart="never" nodeType="tmRoot">
+          <p:childTnLst>
+            <p:seq concurrent="1" nextAc="seek">
+              <p:cTn id="2" dur="indefinite" nodeType="mainSeq">
+                <p:childTnLst>
+                  <p:par>
+                    <p:cTn id="3" fill="hold">
+                      <p:stCondLst>
+                        <p:cond delay="indefinite"/>
+                      </p:stCondLst>
+                      <p:childTnLst>
+                        <p:par>
+                          <p:cTn id="4" fill="hold">
+                            <p:stCondLst>
+                              <p:cond delay="0"/>
+                            </p:stCondLst>
+                            <p:childTnLst>
+                              <p:par>
+                                <p:cTn id="5" presetID="1" presetClass="entr" presetSubtype="0" fill="hold" nodeType="clickEffect">
+                                  <p:stCondLst>
+                                    <p:cond delay="0"/>
+                                  </p:stCondLst>
+                                  <p:childTnLst>
+                                    <p:set>
+                                      <p:cBhvr>
+                                        <p:cTn id="6" dur="1" fill="hold">
+                                          <p:stCondLst>
+                                            <p:cond delay="0"/>
+                                          </p:stCondLst>
+                                        </p:cTn>
+                                        <p:tgtEl>
+                                          <p:spTgt spid="16"/>
+                                        </p:tgtEl>
+                                        <p:attrNameLst>
+                                          <p:attrName>style.visibility</p:attrName>
+                                        </p:attrNameLst>
+                                      </p:cBhvr>
+                                      <p:to>
+                                        <p:strVal val="visible"/>
+                                      </p:to>
+                                    </p:set>
+                                  </p:childTnLst>
+                                </p:cTn>
+                              </p:par>
+                            </p:childTnLst>
+                          </p:cTn>
+                        </p:par>
+                      </p:childTnLst>
+                    </p:cTn>
+                  </p:par>
+                  <p:par>
+                    <p:cTn id="7" fill="hold">
+                      <p:stCondLst>
+                        <p:cond delay="indefinite"/>
+                      </p:stCondLst>
+                      <p:childTnLst>
+                        <p:par>
+                          <p:cTn id="8" fill="hold">
+                            <p:stCondLst>
+                              <p:cond delay="0"/>
+                            </p:stCondLst>
+                            <p:childTnLst>
+                              <p:par>
+                                <p:cTn id="9" presetID="1" presetClass="entr" presetSubtype="0" fill="hold" grpId="0" nodeType="clickEffect">
+                                  <p:stCondLst>
+                                    <p:cond delay="0"/>
+                                  </p:stCondLst>
+                                  <p:childTnLst>
+                                    <p:set>
+                                      <p:cBhvr>
+                                        <p:cTn id="10" dur="1" fill="hold">
+                                          <p:stCondLst>
+                                            <p:cond delay="0"/>
+                                          </p:stCondLst>
+                                        </p:cTn>
+                                        <p:tgtEl>
+                                          <p:spTgt spid="22"/>
+                                        </p:tgtEl>
+                                        <p:attrNameLst>
+                                          <p:attrName>style.visibility</p:attrName>
+                                        </p:attrNameLst>
+                                      </p:cBhvr>
+                                      <p:to>
+                                        <p:strVal val="visible"/>
+                                      </p:to>
+                                    </p:set>
+                                  </p:childTnLst>
+                                </p:cTn>
+                              </p:par>
+                            </p:childTnLst>
+                          </p:cTn>
+                        </p:par>
+                      </p:childTnLst>
+                    </p:cTn>
+                  </p:par>
+                  <p:par>
+                    <p:cTn id="11" fill="hold">
+                      <p:stCondLst>
+                        <p:cond delay="indefinite"/>
+                      </p:stCondLst>
+                      <p:childTnLst>
+                        <p:par>
+                          <p:cTn id="12" fill="hold">
+                            <p:stCondLst>
+                              <p:cond delay="0"/>
+                            </p:stCondLst>
+                            <p:childTnLst>
+                              <p:par>
+                                <p:cTn id="13" presetID="1" presetClass="entr" presetSubtype="0" fill="hold" nodeType="clickEffect">
+                                  <p:stCondLst>
+                                    <p:cond delay="0"/>
+                                  </p:stCondLst>
+                                  <p:childTnLst>
+                                    <p:set>
+                                      <p:cBhvr>
+                                        <p:cTn id="14" dur="1" fill="hold">
+                                          <p:stCondLst>
+                                            <p:cond delay="0"/>
+                                          </p:stCondLst>
+                                        </p:cTn>
+                                        <p:tgtEl>
+                                          <p:spTgt spid="19"/>
+                                        </p:tgtEl>
+                                        <p:attrNameLst>
+                                          <p:attrName>style.visibility</p:attrName>
+                                        </p:attrNameLst>
+                                      </p:cBhvr>
+                                      <p:to>
+                                        <p:strVal val="visible"/>
+                                      </p:to>
+                                    </p:set>
+                                  </p:childTnLst>
+                                </p:cTn>
+                              </p:par>
+                            </p:childTnLst>
+                          </p:cTn>
+                        </p:par>
+                      </p:childTnLst>
+                    </p:cTn>
+                  </p:par>
+                </p:childTnLst>
+              </p:cTn>
+              <p:prevCondLst>
+                <p:cond evt="onPrev" delay="0">
+                  <p:tgtEl>
+                    <p:sldTgt/>
+                  </p:tgtEl>
+                </p:cond>
+              </p:prevCondLst>
+              <p:nextCondLst>
+                <p:cond evt="onNext" delay="0">
+                  <p:tgtEl>
+                    <p:sldTgt/>
+                  </p:tgtEl>
+                </p:cond>
+              </p:nextCondLst>
+            </p:seq>
+          </p:childTnLst>
+        </p:cTn>
+      </p:par>
+    </p:tnLst>
+    <p:bldLst>
+      <p:bldP spid="22" grpId="0" animBg="1"/>
+    </p:bldLst>
+  </p:timing>
+</p:sld>
+</file>
+
+<file path=ppt/slides/slide5.xml><?xml version="1.0" encoding="utf-8"?>
+<p:sld xmlns:a="http://schemas.openxmlformats.org/drawingml/2006/main" xmlns:r="http://schemas.openxmlformats.org/officeDocument/2006/relationships" xmlns:p="http://schemas.openxmlformats.org/presentationml/2006/main">
+  <p:cSld>
+    <p:spTree>
+      <p:nvGrpSpPr>
+        <p:cNvPr id="1" name=""/>
+        <p:cNvGrpSpPr/>
+        <p:nvPr/>
+      </p:nvGrpSpPr>
+      <p:grpSpPr>
+        <a:xfrm>
+          <a:off x="0" y="0"/>
+          <a:ext cx="0" cy="0"/>
+          <a:chOff x="0" y="0"/>
+          <a:chExt cx="0" cy="0"/>
+        </a:xfrm>
+      </p:grpSpPr>
+      <p:sp>
+        <p:nvSpPr>
+          <p:cNvPr id="2" name="Title 1">
+            <a:extLst>
+              <a:ext uri="{FF2B5EF4-FFF2-40B4-BE49-F238E27FC236}">
+                <a16:creationId xmlns:a16="http://schemas.microsoft.com/office/drawing/2014/main" id="{9FECE9C7-FBB0-B54D-8E92-C3BC6CA96ED2}"/>
+              </a:ext>
+            </a:extLst>
+          </p:cNvPr>
+          <p:cNvSpPr>
+            <a:spLocks noGrp="1"/>
+          </p:cNvSpPr>
+          <p:nvPr>
+            <p:ph type="title"/>
+          </p:nvPr>
+        </p:nvSpPr>
+        <p:spPr/>
+        <p:txBody>
+          <a:bodyPr/>
+          <a:lstStyle/>
+          <a:p>
+            <a:pPr>
+              <a:lnSpc>
+                <a:spcPct val="100000"/>
+              </a:lnSpc>
+            </a:pPr>
+            <a:r>
+              <a:rPr lang="en-US" dirty="0">
+                <a:solidFill>
+                  <a:srgbClr val="002060"/>
+                </a:solidFill>
+              </a:rPr>
+              <a:t>Similarity Renormalization Group (SRG)</a:t>
+            </a:r>
+            <a:endParaRPr lang="en-US" dirty="0">
+              <a:solidFill>
+                <a:srgbClr val="002060"/>
+              </a:solidFill>
+              <a:latin typeface="Arial" panose="020B0604020202020204" pitchFamily="34" charset="0"/>
+            </a:endParaRPr>
+          </a:p>
+        </p:txBody>
+      </p:sp>
+      <mc:AlternateContent xmlns:mc="http://schemas.openxmlformats.org/markup-compatibility/2006">
+        <mc:Choice xmlns:a14="http://schemas.microsoft.com/office/drawing/2010/main" Requires="a14">
+          <p:sp>
+            <p:nvSpPr>
+              <p:cNvPr id="3" name="Content Placeholder 2">
+                <a:extLst>
+                  <a:ext uri="{FF2B5EF4-FFF2-40B4-BE49-F238E27FC236}">
+                    <a16:creationId xmlns:a16="http://schemas.microsoft.com/office/drawing/2014/main" id="{1A8FA9B3-1B32-894B-93C2-F90FB63CBDAA}"/>
+                  </a:ext>
+                </a:extLst>
+              </p:cNvPr>
+              <p:cNvSpPr>
+                <a:spLocks noGrp="1"/>
+              </p:cNvSpPr>
+              <p:nvPr>
+                <p:ph idx="1"/>
+              </p:nvPr>
+            </p:nvSpPr>
+            <p:spPr/>
+            <p:txBody>
+              <a:bodyPr>
+                <a:noAutofit/>
+              </a:bodyPr>
+              <a:lstStyle/>
+              <a:p>
+                <a:pPr>
+                  <a:lnSpc>
+                    <a:spcPct val="100000"/>
+                  </a:lnSpc>
+                </a:pPr>
+                <a:r>
+                  <a:rPr lang="en-US" sz="2600" dirty="0">
+                    <a:cs typeface="Arial" panose="020B0604020202020204" pitchFamily="34" charset="0"/>
+                  </a:rPr>
+                  <a:t>Evolve operators to low RG resolution</a:t>
+                </a:r>
+              </a:p>
+              <a:p>
+                <a:pPr>
+                  <a:lnSpc>
+                    <a:spcPct val="100000"/>
+                  </a:lnSpc>
+                </a:pPr>
+                <a:endParaRPr lang="en-US" sz="2600" dirty="0">
+                  <a:cs typeface="Arial" panose="020B0604020202020204" pitchFamily="34" charset="0"/>
+                </a:endParaRPr>
+              </a:p>
+              <a:p>
+                <a:pPr marL="0" indent="0" algn="ctr">
+                  <a:lnSpc>
+                    <a:spcPct val="100000"/>
+                  </a:lnSpc>
+                  <a:buNone/>
+                </a:pPr>
+                <a14:m>
+                  <m:oMathPara xmlns:m="http://schemas.openxmlformats.org/officeDocument/2006/math">
+                    <m:oMathParaPr>
+                      <m:jc m:val="centerGroup"/>
+                    </m:oMathParaPr>
+                    <m:oMath xmlns:m="http://schemas.openxmlformats.org/officeDocument/2006/math">
+                      <m:r>
+                        <a:rPr lang="en-US" altLang="en-US" b="0" i="1" smtClean="0">
+                          <a:solidFill>
+                            <a:srgbClr val="C00000"/>
+                          </a:solidFill>
+                          <a:latin typeface="Cambria Math" panose="02040503050406030204" pitchFamily="18" charset="0"/>
+                        </a:rPr>
+                        <m:t>𝑂</m:t>
+                      </m:r>
+                      <m:r>
+                        <a:rPr lang="en-US" altLang="en-US" i="1">
+                          <a:solidFill>
+                            <a:srgbClr val="C00000"/>
+                          </a:solidFill>
+                          <a:latin typeface="Cambria Math" panose="02040503050406030204" pitchFamily="18" charset="0"/>
+                        </a:rPr>
+                        <m:t>(</m:t>
+                      </m:r>
+                      <m:r>
+                        <a:rPr lang="en-US" altLang="en-US" i="1">
+                          <a:solidFill>
+                            <a:srgbClr val="C00000"/>
+                          </a:solidFill>
+                          <a:latin typeface="Cambria Math" panose="02040503050406030204" pitchFamily="18" charset="0"/>
+                        </a:rPr>
+                        <m:t>𝑠</m:t>
+                      </m:r>
+                      <m:r>
+                        <a:rPr lang="en-US" altLang="en-US" i="1">
+                          <a:solidFill>
+                            <a:srgbClr val="C00000"/>
+                          </a:solidFill>
+                          <a:latin typeface="Cambria Math" panose="02040503050406030204" pitchFamily="18" charset="0"/>
+                        </a:rPr>
+                        <m:t>)=</m:t>
+                      </m:r>
+                      <m:r>
+                        <a:rPr lang="en-US" altLang="en-US" i="1">
+                          <a:solidFill>
+                            <a:srgbClr val="C00000"/>
+                          </a:solidFill>
+                          <a:latin typeface="Cambria Math" panose="02040503050406030204" pitchFamily="18" charset="0"/>
+                          <a:ea typeface="Cambria Math" panose="02040503050406030204" pitchFamily="18" charset="0"/>
+                        </a:rPr>
+                        <m:t>𝑈</m:t>
+                      </m:r>
+                      <m:d>
+                        <m:dPr>
+                          <m:ctrlPr>
+                            <a:rPr lang="en-US" altLang="en-US" i="1">
+                              <a:solidFill>
+                                <a:srgbClr val="C00000"/>
+                              </a:solidFill>
+                              <a:latin typeface="Cambria Math" panose="02040503050406030204" pitchFamily="18" charset="0"/>
+                              <a:ea typeface="Cambria Math" panose="02040503050406030204" pitchFamily="18" charset="0"/>
+                            </a:rPr>
+                          </m:ctrlPr>
+                        </m:dPr>
+                        <m:e>
+                          <m:r>
+                            <a:rPr lang="en-US" altLang="en-US" i="1">
+                              <a:solidFill>
+                                <a:srgbClr val="C00000"/>
+                              </a:solidFill>
+                              <a:latin typeface="Cambria Math" panose="02040503050406030204" pitchFamily="18" charset="0"/>
+                              <a:ea typeface="Cambria Math" panose="02040503050406030204" pitchFamily="18" charset="0"/>
+                            </a:rPr>
+                            <m:t>𝑠</m:t>
+                          </m:r>
+                        </m:e>
+                      </m:d>
+                      <m:r>
+                        <a:rPr lang="en-US" altLang="en-US" b="0" i="1" smtClean="0">
+                          <a:solidFill>
+                            <a:srgbClr val="C00000"/>
+                          </a:solidFill>
+                          <a:latin typeface="Cambria Math" panose="02040503050406030204" pitchFamily="18" charset="0"/>
+                          <a:ea typeface="Cambria Math" panose="02040503050406030204" pitchFamily="18" charset="0"/>
+                        </a:rPr>
+                        <m:t>𝑂</m:t>
+                      </m:r>
+                      <m:d>
+                        <m:dPr>
+                          <m:ctrlPr>
+                            <a:rPr lang="en-US" altLang="en-US" i="1">
+                              <a:solidFill>
+                                <a:srgbClr val="C00000"/>
+                              </a:solidFill>
+                              <a:latin typeface="Cambria Math" panose="02040503050406030204" pitchFamily="18" charset="0"/>
+                              <a:ea typeface="Cambria Math" panose="02040503050406030204" pitchFamily="18" charset="0"/>
+                            </a:rPr>
+                          </m:ctrlPr>
+                        </m:dPr>
+                        <m:e>
+                          <m:r>
+                            <a:rPr lang="en-US" altLang="en-US" i="1">
+                              <a:solidFill>
+                                <a:srgbClr val="C00000"/>
+                              </a:solidFill>
+                              <a:latin typeface="Cambria Math" panose="02040503050406030204" pitchFamily="18" charset="0"/>
+                              <a:ea typeface="Cambria Math" panose="02040503050406030204" pitchFamily="18" charset="0"/>
+                            </a:rPr>
+                            <m:t>0</m:t>
+                          </m:r>
+                        </m:e>
+                      </m:d>
+                      <m:sSup>
+                        <m:sSupPr>
+                          <m:ctrlPr>
+                            <a:rPr lang="en-US" altLang="en-US" i="1">
+                              <a:solidFill>
+                                <a:srgbClr val="C00000"/>
+                              </a:solidFill>
+                              <a:latin typeface="Cambria Math" panose="02040503050406030204" pitchFamily="18" charset="0"/>
+                              <a:ea typeface="Cambria Math" panose="02040503050406030204" pitchFamily="18" charset="0"/>
+                            </a:rPr>
+                          </m:ctrlPr>
+                        </m:sSupPr>
+                        <m:e>
+                          <m:r>
+                            <a:rPr lang="en-US" altLang="en-US" i="1">
+                              <a:solidFill>
+                                <a:srgbClr val="C00000"/>
+                              </a:solidFill>
+                              <a:latin typeface="Cambria Math" panose="02040503050406030204" pitchFamily="18" charset="0"/>
+                              <a:ea typeface="Cambria Math" panose="02040503050406030204" pitchFamily="18" charset="0"/>
+                            </a:rPr>
+                            <m:t>𝑈</m:t>
+                          </m:r>
+                        </m:e>
+                        <m:sup>
+                          <m:r>
+                            <a:rPr lang="en-US" altLang="en-US" i="1">
+                              <a:solidFill>
+                                <a:srgbClr val="C00000"/>
+                              </a:solidFill>
+                              <a:latin typeface="Cambria Math" panose="02040503050406030204" pitchFamily="18" charset="0"/>
+                              <a:ea typeface="Cambria Math" panose="02040503050406030204" pitchFamily="18" charset="0"/>
+                            </a:rPr>
+                            <m:t>†</m:t>
+                          </m:r>
+                        </m:sup>
+                      </m:sSup>
+                      <m:r>
+                        <a:rPr lang="en-US" altLang="en-US" i="1">
+                          <a:solidFill>
+                            <a:srgbClr val="C00000"/>
+                          </a:solidFill>
+                          <a:latin typeface="Cambria Math" panose="02040503050406030204" pitchFamily="18" charset="0"/>
+                          <a:ea typeface="Cambria Math" panose="02040503050406030204" pitchFamily="18" charset="0"/>
+                        </a:rPr>
+                        <m:t>(</m:t>
+                      </m:r>
+                      <m:r>
+                        <a:rPr lang="en-US" altLang="en-US" i="1">
+                          <a:solidFill>
+                            <a:srgbClr val="C00000"/>
+                          </a:solidFill>
+                          <a:latin typeface="Cambria Math" panose="02040503050406030204" pitchFamily="18" charset="0"/>
+                          <a:ea typeface="Cambria Math" panose="02040503050406030204" pitchFamily="18" charset="0"/>
+                        </a:rPr>
+                        <m:t>𝑠</m:t>
+                      </m:r>
+                      <m:r>
+                        <a:rPr lang="en-US" altLang="en-US" i="1">
+                          <a:solidFill>
+                            <a:srgbClr val="C00000"/>
+                          </a:solidFill>
+                          <a:latin typeface="Cambria Math" panose="02040503050406030204" pitchFamily="18" charset="0"/>
+                          <a:ea typeface="Cambria Math" panose="02040503050406030204" pitchFamily="18" charset="0"/>
+                        </a:rPr>
+                        <m:t>)</m:t>
+                      </m:r>
+                    </m:oMath>
+                  </m:oMathPara>
+                </a14:m>
+                <a:endParaRPr lang="en-US" altLang="en-US" dirty="0">
+                  <a:solidFill>
+                    <a:srgbClr val="C00000"/>
+                  </a:solidFill>
+                  <a:cs typeface="Arial" panose="020B0604020202020204" pitchFamily="34" charset="0"/>
+                </a:endParaRPr>
+              </a:p>
+              <a:p>
+                <a:pPr marL="0" indent="0" algn="ctr">
+                  <a:lnSpc>
+                    <a:spcPct val="100000"/>
+                  </a:lnSpc>
+                  <a:buNone/>
+                </a:pPr>
+                <a:endParaRPr lang="en-US" altLang="en-US" sz="2600" dirty="0">
+                  <a:solidFill>
+                    <a:srgbClr val="C00000"/>
+                  </a:solidFill>
+                  <a:cs typeface="Arial" panose="020B0604020202020204" pitchFamily="34" charset="0"/>
+                </a:endParaRPr>
+              </a:p>
+              <a:p>
+                <a:pPr marL="0" indent="0">
+                  <a:lnSpc>
+                    <a:spcPct val="100000"/>
+                  </a:lnSpc>
+                  <a:buNone/>
+                </a:pPr>
+                <a:r>
+                  <a:rPr lang="en-US" altLang="en-US" sz="2600" dirty="0">
+                    <a:cs typeface="Arial" panose="020B0604020202020204" pitchFamily="34" charset="0"/>
+                  </a:rPr>
+                  <a:t>  where </a:t>
+                </a:r>
+                <a14:m>
+                  <m:oMath xmlns:m="http://schemas.openxmlformats.org/officeDocument/2006/math">
+                    <m:r>
+                      <a:rPr lang="en-US" altLang="en-US" sz="2600" i="1">
+                        <a:latin typeface="Cambria Math" panose="02040503050406030204" pitchFamily="18" charset="0"/>
+                      </a:rPr>
+                      <m:t>𝑠</m:t>
+                    </m:r>
+                    <m:r>
+                      <a:rPr lang="en-US" altLang="en-US" sz="2600" i="1">
+                        <a:latin typeface="Cambria Math" panose="02040503050406030204" pitchFamily="18" charset="0"/>
+                      </a:rPr>
+                      <m:t>=0→∞</m:t>
+                    </m:r>
+                  </m:oMath>
+                </a14:m>
+                <a:r>
+                  <a:rPr lang="en-US" altLang="en-US" sz="2600" dirty="0">
+                    <a:ea typeface="Cambria Math" panose="02040503050406030204" pitchFamily="18" charset="0"/>
+                    <a:cs typeface="Arial" panose="020B0604020202020204" pitchFamily="34" charset="0"/>
+                  </a:rPr>
+                  <a:t> and </a:t>
+                </a:r>
+                <a14:m>
+                  <m:oMath xmlns:m="http://schemas.openxmlformats.org/officeDocument/2006/math">
+                    <m:r>
+                      <a:rPr lang="en-US" altLang="en-US" sz="2600" i="1" smtClean="0">
+                        <a:solidFill>
+                          <a:schemeClr val="tx1"/>
+                        </a:solidFill>
+                        <a:latin typeface="Cambria Math" panose="02040503050406030204" pitchFamily="18" charset="0"/>
+                        <a:ea typeface="Cambria Math" panose="02040503050406030204" pitchFamily="18" charset="0"/>
+                      </a:rPr>
+                      <m:t>𝑈</m:t>
+                    </m:r>
+                    <m:d>
+                      <m:dPr>
+                        <m:ctrlPr>
+                          <a:rPr lang="en-US" altLang="en-US" sz="2600" i="1">
+                            <a:solidFill>
+                              <a:schemeClr val="tx1"/>
+                            </a:solidFill>
+                            <a:latin typeface="Cambria Math" panose="02040503050406030204" pitchFamily="18" charset="0"/>
+                            <a:ea typeface="Cambria Math" panose="02040503050406030204" pitchFamily="18" charset="0"/>
+                          </a:rPr>
+                        </m:ctrlPr>
+                      </m:dPr>
+                      <m:e>
+                        <m:r>
+                          <a:rPr lang="en-US" altLang="en-US" sz="2600" i="1">
+                            <a:solidFill>
+                              <a:schemeClr val="tx1"/>
+                            </a:solidFill>
+                            <a:latin typeface="Cambria Math" panose="02040503050406030204" pitchFamily="18" charset="0"/>
+                            <a:ea typeface="Cambria Math" panose="02040503050406030204" pitchFamily="18" charset="0"/>
+                          </a:rPr>
+                          <m:t>𝑠</m:t>
+                        </m:r>
+                      </m:e>
+                    </m:d>
+                  </m:oMath>
+                </a14:m>
+                <a:r>
+                  <a:rPr lang="en-US" altLang="en-US" sz="2600" dirty="0">
+                    <a:ea typeface="Cambria Math" panose="02040503050406030204" pitchFamily="18" charset="0"/>
+                    <a:cs typeface="Arial" panose="020B0604020202020204" pitchFamily="34" charset="0"/>
+                  </a:rPr>
+                  <a:t> is unitary</a:t>
+                </a:r>
+              </a:p>
+              <a:p>
+                <a:pPr>
+                  <a:lnSpc>
+                    <a:spcPct val="100000"/>
+                  </a:lnSpc>
+                </a:pPr>
+                <a:r>
+                  <a:rPr lang="en-US" altLang="en-US" sz="2600" dirty="0">
+                    <a:cs typeface="Arial" panose="020B0604020202020204" pitchFamily="34" charset="0"/>
+                  </a:rPr>
+                  <a:t>In practice, solve differential flow equation </a:t>
+                </a:r>
+                <a14:m>
+                  <m:oMath xmlns:m="http://schemas.openxmlformats.org/officeDocument/2006/math">
+                    <m:f>
+                      <m:fPr>
+                        <m:ctrlPr>
+                          <a:rPr lang="en-US" altLang="en-US" sz="2600" i="1">
+                            <a:solidFill>
+                              <a:srgbClr val="C00000"/>
+                            </a:solidFill>
+                            <a:latin typeface="Cambria Math" panose="02040503050406030204" pitchFamily="18" charset="0"/>
+                          </a:rPr>
+                        </m:ctrlPr>
+                      </m:fPr>
+                      <m:num>
+                        <m:r>
+                          <a:rPr lang="en-US" altLang="en-US" sz="2600" i="1">
+                            <a:solidFill>
+                              <a:srgbClr val="C00000"/>
+                            </a:solidFill>
+                            <a:latin typeface="Cambria Math" panose="02040503050406030204" pitchFamily="18" charset="0"/>
+                          </a:rPr>
+                          <m:t>𝑑</m:t>
+                        </m:r>
+                        <m:r>
+                          <a:rPr lang="en-US" altLang="en-US" sz="2600" b="0" i="1" smtClean="0">
+                            <a:solidFill>
+                              <a:srgbClr val="C00000"/>
+                            </a:solidFill>
+                            <a:latin typeface="Cambria Math" panose="02040503050406030204" pitchFamily="18" charset="0"/>
+                          </a:rPr>
+                          <m:t>𝑂</m:t>
+                        </m:r>
+                        <m:r>
+                          <a:rPr lang="en-US" altLang="en-US" sz="2600" i="1">
+                            <a:solidFill>
+                              <a:srgbClr val="C00000"/>
+                            </a:solidFill>
+                            <a:latin typeface="Cambria Math" panose="02040503050406030204" pitchFamily="18" charset="0"/>
+                          </a:rPr>
+                          <m:t>(</m:t>
+                        </m:r>
+                        <m:r>
+                          <a:rPr lang="en-US" altLang="en-US" sz="2600" i="1">
+                            <a:solidFill>
+                              <a:srgbClr val="C00000"/>
+                            </a:solidFill>
+                            <a:latin typeface="Cambria Math" panose="02040503050406030204" pitchFamily="18" charset="0"/>
+                          </a:rPr>
+                          <m:t>𝑠</m:t>
+                        </m:r>
+                        <m:r>
+                          <a:rPr lang="en-US" altLang="en-US" sz="2600" i="1">
+                            <a:solidFill>
+                              <a:srgbClr val="C00000"/>
+                            </a:solidFill>
+                            <a:latin typeface="Cambria Math" panose="02040503050406030204" pitchFamily="18" charset="0"/>
+                          </a:rPr>
+                          <m:t>)</m:t>
+                        </m:r>
+                      </m:num>
+                      <m:den>
+                        <m:r>
+                          <a:rPr lang="en-US" altLang="en-US" sz="2600" i="1">
+                            <a:solidFill>
+                              <a:srgbClr val="C00000"/>
+                            </a:solidFill>
+                            <a:latin typeface="Cambria Math" panose="02040503050406030204" pitchFamily="18" charset="0"/>
+                          </a:rPr>
+                          <m:t>𝑑𝑠</m:t>
+                        </m:r>
+                      </m:den>
+                    </m:f>
+                    <m:r>
+                      <a:rPr lang="en-US" altLang="en-US" sz="2600" i="1">
+                        <a:solidFill>
+                          <a:srgbClr val="C00000"/>
+                        </a:solidFill>
+                        <a:latin typeface="Cambria Math" panose="02040503050406030204" pitchFamily="18" charset="0"/>
+                      </a:rPr>
+                      <m:t>=[</m:t>
+                    </m:r>
+                    <m:r>
+                      <a:rPr lang="en-US" altLang="en-US" sz="2600" i="1">
+                        <a:solidFill>
+                          <a:srgbClr val="C00000"/>
+                        </a:solidFill>
+                        <a:latin typeface="Cambria Math" panose="02040503050406030204" pitchFamily="18" charset="0"/>
+                        <a:ea typeface="Cambria Math" panose="02040503050406030204" pitchFamily="18" charset="0"/>
+                      </a:rPr>
+                      <m:t>𝜂</m:t>
+                    </m:r>
+                    <m:d>
+                      <m:dPr>
+                        <m:ctrlPr>
+                          <a:rPr lang="en-US" altLang="en-US" sz="2600" i="1">
+                            <a:solidFill>
+                              <a:srgbClr val="C00000"/>
+                            </a:solidFill>
+                            <a:latin typeface="Cambria Math" panose="02040503050406030204" pitchFamily="18" charset="0"/>
+                            <a:ea typeface="Cambria Math" panose="02040503050406030204" pitchFamily="18" charset="0"/>
+                          </a:rPr>
+                        </m:ctrlPr>
+                      </m:dPr>
+                      <m:e>
+                        <m:r>
+                          <a:rPr lang="en-US" altLang="en-US" sz="2600" i="1">
+                            <a:solidFill>
+                              <a:srgbClr val="C00000"/>
+                            </a:solidFill>
+                            <a:latin typeface="Cambria Math" panose="02040503050406030204" pitchFamily="18" charset="0"/>
+                            <a:ea typeface="Cambria Math" panose="02040503050406030204" pitchFamily="18" charset="0"/>
+                          </a:rPr>
+                          <m:t>𝑠</m:t>
+                        </m:r>
+                      </m:e>
+                    </m:d>
+                    <m:r>
+                      <a:rPr lang="en-US" altLang="en-US" sz="2600" i="1">
+                        <a:solidFill>
+                          <a:srgbClr val="C00000"/>
+                        </a:solidFill>
+                        <a:latin typeface="Cambria Math" panose="02040503050406030204" pitchFamily="18" charset="0"/>
+                        <a:ea typeface="Cambria Math" panose="02040503050406030204" pitchFamily="18" charset="0"/>
+                      </a:rPr>
+                      <m:t>,</m:t>
+                    </m:r>
+                    <m:r>
+                      <a:rPr lang="en-US" altLang="en-US" sz="2600" b="0" i="1" smtClean="0">
+                        <a:solidFill>
+                          <a:srgbClr val="C00000"/>
+                        </a:solidFill>
+                        <a:latin typeface="Cambria Math" panose="02040503050406030204" pitchFamily="18" charset="0"/>
+                        <a:ea typeface="Cambria Math" panose="02040503050406030204" pitchFamily="18" charset="0"/>
+                      </a:rPr>
+                      <m:t>𝑂</m:t>
+                    </m:r>
+                    <m:d>
+                      <m:dPr>
+                        <m:ctrlPr>
+                          <a:rPr lang="en-US" altLang="en-US" sz="2600" i="1">
+                            <a:solidFill>
+                              <a:srgbClr val="C00000"/>
+                            </a:solidFill>
+                            <a:latin typeface="Cambria Math" panose="02040503050406030204" pitchFamily="18" charset="0"/>
+                            <a:ea typeface="Cambria Math" panose="02040503050406030204" pitchFamily="18" charset="0"/>
+                          </a:rPr>
+                        </m:ctrlPr>
+                      </m:dPr>
+                      <m:e>
+                        <m:r>
+                          <a:rPr lang="en-US" altLang="en-US" sz="2600" i="1">
+                            <a:solidFill>
+                              <a:srgbClr val="C00000"/>
+                            </a:solidFill>
+                            <a:latin typeface="Cambria Math" panose="02040503050406030204" pitchFamily="18" charset="0"/>
+                            <a:ea typeface="Cambria Math" panose="02040503050406030204" pitchFamily="18" charset="0"/>
+                          </a:rPr>
+                          <m:t>𝑠</m:t>
+                        </m:r>
+                      </m:e>
+                    </m:d>
+                    <m:r>
+                      <a:rPr lang="en-US" altLang="en-US" sz="2600" i="1">
+                        <a:solidFill>
+                          <a:srgbClr val="C00000"/>
+                        </a:solidFill>
+                        <a:latin typeface="Cambria Math" panose="02040503050406030204" pitchFamily="18" charset="0"/>
+                        <a:ea typeface="Cambria Math" panose="02040503050406030204" pitchFamily="18" charset="0"/>
+                      </a:rPr>
+                      <m:t>]</m:t>
+                    </m:r>
+                  </m:oMath>
+                </a14:m>
+                <a:r>
+                  <a:rPr lang="en-US" sz="2600" dirty="0">
+                    <a:ea typeface="Cambria Math" panose="02040503050406030204" pitchFamily="18" charset="0"/>
+                    <a:cs typeface="Arial" panose="020B0604020202020204" pitchFamily="34" charset="0"/>
+                  </a:rPr>
+                  <a:t> with SRG generator </a:t>
+                </a:r>
+                <a14:m>
+                  <m:oMath xmlns:m="http://schemas.openxmlformats.org/officeDocument/2006/math">
+                    <m:r>
+                      <a:rPr lang="en-US" sz="2600" i="1">
+                        <a:latin typeface="Cambria Math" panose="02040503050406030204" pitchFamily="18" charset="0"/>
+                        <a:ea typeface="Cambria Math" panose="02040503050406030204" pitchFamily="18" charset="0"/>
+                      </a:rPr>
+                      <m:t>𝜂</m:t>
+                    </m:r>
+                    <m:d>
+                      <m:dPr>
+                        <m:ctrlPr>
+                          <a:rPr lang="en-US" sz="2600" i="1">
+                            <a:latin typeface="Cambria Math" panose="02040503050406030204" pitchFamily="18" charset="0"/>
+                            <a:ea typeface="Cambria Math" panose="02040503050406030204" pitchFamily="18" charset="0"/>
+                          </a:rPr>
+                        </m:ctrlPr>
+                      </m:dPr>
+                      <m:e>
+                        <m:r>
+                          <a:rPr lang="en-US" sz="2600" i="1">
+                            <a:latin typeface="Cambria Math" panose="02040503050406030204" pitchFamily="18" charset="0"/>
+                            <a:ea typeface="Cambria Math" panose="02040503050406030204" pitchFamily="18" charset="0"/>
+                          </a:rPr>
+                          <m:t>𝑠</m:t>
+                        </m:r>
+                      </m:e>
+                    </m:d>
+                    <m:r>
+                      <a:rPr lang="en-US" sz="2600" i="1">
+                        <a:latin typeface="Cambria Math" panose="02040503050406030204" pitchFamily="18" charset="0"/>
+                        <a:ea typeface="Cambria Math" panose="02040503050406030204" pitchFamily="18" charset="0"/>
+                      </a:rPr>
+                      <m:t>≡</m:t>
+                    </m:r>
+                    <m:f>
+                      <m:fPr>
+                        <m:ctrlPr>
+                          <a:rPr lang="is-IS" sz="2600" i="1" dirty="0">
+                            <a:latin typeface="Cambria Math" panose="02040503050406030204" pitchFamily="18" charset="0"/>
+                          </a:rPr>
+                        </m:ctrlPr>
+                      </m:fPr>
+                      <m:num>
+                        <m:r>
+                          <a:rPr lang="en-US" sz="2600" i="1" dirty="0">
+                            <a:latin typeface="Cambria Math" panose="02040503050406030204" pitchFamily="18" charset="0"/>
+                          </a:rPr>
+                          <m:t>𝑑𝑈</m:t>
+                        </m:r>
+                        <m:d>
+                          <m:dPr>
+                            <m:ctrlPr>
+                              <a:rPr lang="en-US" sz="2600" i="1" dirty="0">
+                                <a:latin typeface="Cambria Math" panose="02040503050406030204" pitchFamily="18" charset="0"/>
+                              </a:rPr>
+                            </m:ctrlPr>
+                          </m:dPr>
+                          <m:e>
+                            <m:r>
+                              <a:rPr lang="en-US" sz="2600" i="1" dirty="0">
+                                <a:latin typeface="Cambria Math" panose="02040503050406030204" pitchFamily="18" charset="0"/>
+                              </a:rPr>
+                              <m:t>𝑠</m:t>
+                            </m:r>
+                          </m:e>
+                        </m:d>
+                      </m:num>
+                      <m:den>
+                        <m:r>
+                          <a:rPr lang="en-US" sz="2600" i="1" dirty="0">
+                            <a:latin typeface="Cambria Math" panose="02040503050406030204" pitchFamily="18" charset="0"/>
+                          </a:rPr>
+                          <m:t>𝑑𝑠</m:t>
+                        </m:r>
+                      </m:den>
+                    </m:f>
+                    <m:sSup>
+                      <m:sSupPr>
+                        <m:ctrlPr>
+                          <a:rPr lang="is-IS" sz="2600" i="1" dirty="0">
+                            <a:latin typeface="Cambria Math" panose="02040503050406030204" pitchFamily="18" charset="0"/>
+                          </a:rPr>
+                        </m:ctrlPr>
+                      </m:sSupPr>
+                      <m:e>
+                        <m:r>
+                          <a:rPr lang="en-US" sz="2600" i="1" dirty="0">
+                            <a:latin typeface="Cambria Math" panose="02040503050406030204" pitchFamily="18" charset="0"/>
+                          </a:rPr>
+                          <m:t>𝑈</m:t>
+                        </m:r>
+                      </m:e>
+                      <m:sup>
+                        <m:r>
+                          <a:rPr lang="is-IS" sz="2600" i="1" dirty="0">
+                            <a:latin typeface="Cambria Math" panose="02040503050406030204" pitchFamily="18" charset="0"/>
+                            <a:ea typeface="Cambria Math" panose="02040503050406030204" pitchFamily="18" charset="0"/>
+                          </a:rPr>
+                          <m:t>†</m:t>
+                        </m:r>
+                      </m:sup>
+                    </m:sSup>
+                    <m:d>
+                      <m:dPr>
+                        <m:ctrlPr>
+                          <a:rPr lang="en-US" sz="2600" i="1" dirty="0">
+                            <a:latin typeface="Cambria Math" panose="02040503050406030204" pitchFamily="18" charset="0"/>
+                          </a:rPr>
+                        </m:ctrlPr>
+                      </m:dPr>
+                      <m:e>
+                        <m:r>
+                          <a:rPr lang="en-US" sz="2600" i="1" dirty="0">
+                            <a:latin typeface="Cambria Math" panose="02040503050406030204" pitchFamily="18" charset="0"/>
+                          </a:rPr>
+                          <m:t>𝑠</m:t>
+                        </m:r>
+                      </m:e>
+                    </m:d>
+                    <m:r>
+                      <a:rPr lang="en-US" sz="2600" i="1" dirty="0">
+                        <a:latin typeface="Cambria Math" panose="02040503050406030204" pitchFamily="18" charset="0"/>
+                      </a:rPr>
+                      <m:t>=</m:t>
+                    </m:r>
+                    <m:r>
+                      <a:rPr lang="en-US" sz="2600" i="1">
+                        <a:latin typeface="Cambria Math" panose="02040503050406030204" pitchFamily="18" charset="0"/>
+                        <a:ea typeface="Cambria Math" panose="02040503050406030204" pitchFamily="18" charset="0"/>
+                      </a:rPr>
+                      <m:t>[</m:t>
+                    </m:r>
+                    <m:r>
+                      <a:rPr lang="en-US" sz="2600" i="1">
+                        <a:latin typeface="Cambria Math" panose="02040503050406030204" pitchFamily="18" charset="0"/>
+                        <a:ea typeface="Cambria Math" panose="02040503050406030204" pitchFamily="18" charset="0"/>
+                      </a:rPr>
+                      <m:t>𝐺</m:t>
+                    </m:r>
+                    <m:r>
+                      <a:rPr lang="en-US" sz="2600" i="1">
+                        <a:latin typeface="Cambria Math" panose="02040503050406030204" pitchFamily="18" charset="0"/>
+                        <a:ea typeface="Cambria Math" panose="02040503050406030204" pitchFamily="18" charset="0"/>
+                      </a:rPr>
+                      <m:t>,</m:t>
+                    </m:r>
+                    <m:r>
+                      <a:rPr lang="en-US" sz="2600" i="1">
+                        <a:latin typeface="Cambria Math" panose="02040503050406030204" pitchFamily="18" charset="0"/>
+                        <a:ea typeface="Cambria Math" panose="02040503050406030204" pitchFamily="18" charset="0"/>
+                      </a:rPr>
+                      <m:t>𝐻</m:t>
+                    </m:r>
+                    <m:d>
+                      <m:dPr>
+                        <m:ctrlPr>
+                          <a:rPr lang="en-US" sz="2600" i="1">
+                            <a:latin typeface="Cambria Math" panose="02040503050406030204" pitchFamily="18" charset="0"/>
+                            <a:ea typeface="Cambria Math" panose="02040503050406030204" pitchFamily="18" charset="0"/>
+                          </a:rPr>
+                        </m:ctrlPr>
+                      </m:dPr>
+                      <m:e>
+                        <m:r>
+                          <a:rPr lang="en-US" sz="2600" i="1">
+                            <a:latin typeface="Cambria Math" panose="02040503050406030204" pitchFamily="18" charset="0"/>
+                          </a:rPr>
+                          <m:t>𝑠</m:t>
+                        </m:r>
+                      </m:e>
+                    </m:d>
+                    <m:r>
+                      <a:rPr lang="en-US" sz="2600" i="1">
+                        <a:latin typeface="Cambria Math" panose="02040503050406030204" pitchFamily="18" charset="0"/>
+                      </a:rPr>
+                      <m:t>]</m:t>
+                    </m:r>
+                  </m:oMath>
+                </a14:m>
+                <a:r>
+                  <a:rPr lang="en-US" sz="2600" dirty="0">
+                    <a:cs typeface="Arial" panose="020B0604020202020204" pitchFamily="34" charset="0"/>
+                  </a:rPr>
+                  <a:t> and Hamiltonian </a:t>
+                </a:r>
+                <a14:m>
+                  <m:oMath xmlns:m="http://schemas.openxmlformats.org/officeDocument/2006/math">
+                    <m:r>
+                      <a:rPr lang="en-US" sz="2600" i="1">
+                        <a:latin typeface="Cambria Math" panose="02040503050406030204" pitchFamily="18" charset="0"/>
+                        <a:ea typeface="Cambria Math" panose="02040503050406030204" pitchFamily="18" charset="0"/>
+                      </a:rPr>
+                      <m:t>𝐻</m:t>
+                    </m:r>
+                    <m:d>
+                      <m:dPr>
+                        <m:ctrlPr>
+                          <a:rPr lang="en-US" sz="2600" i="1">
+                            <a:latin typeface="Cambria Math" panose="02040503050406030204" pitchFamily="18" charset="0"/>
+                            <a:ea typeface="Cambria Math" panose="02040503050406030204" pitchFamily="18" charset="0"/>
+                          </a:rPr>
+                        </m:ctrlPr>
+                      </m:dPr>
+                      <m:e>
+                        <m:r>
+                          <a:rPr lang="en-US" sz="2600" i="1">
+                            <a:latin typeface="Cambria Math" panose="02040503050406030204" pitchFamily="18" charset="0"/>
+                          </a:rPr>
+                          <m:t>𝑠</m:t>
+                        </m:r>
+                      </m:e>
+                    </m:d>
+                  </m:oMath>
+                </a14:m>
+                <a:endParaRPr lang="en-US" sz="2600" dirty="0">
+                  <a:cs typeface="Arial" panose="020B0604020202020204" pitchFamily="34" charset="0"/>
+                </a:endParaRPr>
+              </a:p>
+            </p:txBody>
+          </p:sp>
+        </mc:Choice>
+        <mc:Fallback>
+          <p:sp>
+            <p:nvSpPr>
+              <p:cNvPr id="3" name="Content Placeholder 2">
+                <a:extLst>
+                  <a:ext uri="{FF2B5EF4-FFF2-40B4-BE49-F238E27FC236}">
+                    <a16:creationId xmlns:a16="http://schemas.microsoft.com/office/drawing/2014/main" id="{1A8FA9B3-1B32-894B-93C2-F90FB63CBDAA}"/>
+                  </a:ext>
+                </a:extLst>
+              </p:cNvPr>
+              <p:cNvSpPr>
+                <a:spLocks noGrp="1" noRot="1" noChangeAspect="1" noMove="1" noResize="1" noEditPoints="1" noAdjustHandles="1" noChangeArrowheads="1" noChangeShapeType="1" noTextEdit="1"/>
+              </p:cNvSpPr>
+              <p:nvPr>
+                <p:ph idx="1"/>
+              </p:nvPr>
+            </p:nvSpPr>
+            <p:spPr>
+              <a:blipFill>
+                <a:blip r:embed="rId3"/>
+                <a:stretch>
+                  <a:fillRect l="-928" t="-1261"/>
+                </a:stretch>
+              </a:blipFill>
+            </p:spPr>
+            <p:txBody>
+              <a:bodyPr/>
+              <a:lstStyle/>
+              <a:p>
+                <a:r>
+                  <a:rPr lang="en-US">
+                    <a:noFill/>
+                  </a:rPr>
+                  <a:t> </a:t>
+                </a:r>
+              </a:p>
+            </p:txBody>
+          </p:sp>
+        </mc:Fallback>
+      </mc:AlternateContent>
+      <p:sp>
+        <p:nvSpPr>
+          <p:cNvPr id="4" name="Slide Number Placeholder 3">
+            <a:extLst>
+              <a:ext uri="{FF2B5EF4-FFF2-40B4-BE49-F238E27FC236}">
+                <a16:creationId xmlns:a16="http://schemas.microsoft.com/office/drawing/2014/main" id="{DC1A2BB9-1F00-304F-9B4C-2EBE5F4461ED}"/>
+              </a:ext>
+            </a:extLst>
+          </p:cNvPr>
+          <p:cNvSpPr>
+            <a:spLocks noGrp="1"/>
+          </p:cNvSpPr>
+          <p:nvPr>
+            <p:ph type="sldNum" sz="quarter" idx="12"/>
+          </p:nvPr>
+        </p:nvSpPr>
+        <p:spPr/>
+        <p:txBody>
+          <a:bodyPr/>
+          <a:lstStyle/>
+          <a:p>
+            <a:pPr marL="0" marR="0" lvl="0" indent="0" algn="r" defTabSz="914400" rtl="0" eaLnBrk="1" fontAlgn="auto" latinLnBrk="0" hangingPunct="1">
+              <a:lnSpc>
+                <a:spcPct val="100000"/>
+              </a:lnSpc>
+              <a:spcBef>
+                <a:spcPts val="0"/>
+              </a:spcBef>
+              <a:spcAft>
+                <a:spcPts val="0"/>
+              </a:spcAft>
+              <a:buClrTx/>
+              <a:buSzTx/>
+              <a:buFontTx/>
+              <a:buNone/>
+              <a:tabLst/>
+              <a:defRPr/>
+            </a:pPr>
+            <a:fld id="{DD20F09D-B375-B446-8D61-90653E4EE1AB}" type="slidenum">
+              <a:rPr kumimoji="0" lang="en-US" sz="1200" b="0" i="0" u="none" strike="noStrike" kern="1200" cap="none" spc="0" normalizeH="0" baseline="0" noProof="0" smtClean="0">
+                <a:ln>
+                  <a:noFill/>
+                </a:ln>
+                <a:solidFill>
+                  <a:prstClr val="black">
+                    <a:tint val="75000"/>
+                  </a:prstClr>
+                </a:solidFill>
+                <a:effectLst/>
+                <a:uLnTx/>
+                <a:uFillTx/>
+                <a:latin typeface="Arial" panose="020B0604020202020204" pitchFamily="34" charset="0"/>
+                <a:ea typeface="+mn-ea"/>
+                <a:cs typeface="+mn-cs"/>
+              </a:rPr>
+              <a:pPr marL="0" marR="0" lvl="0" indent="0" algn="r" defTabSz="914400" rtl="0" eaLnBrk="1" fontAlgn="auto" latinLnBrk="0" hangingPunct="1">
+                <a:lnSpc>
+                  <a:spcPct val="100000"/>
+                </a:lnSpc>
+                <a:spcBef>
+                  <a:spcPts val="0"/>
+                </a:spcBef>
+                <a:spcAft>
+                  <a:spcPts val="0"/>
+                </a:spcAft>
+                <a:buClrTx/>
+                <a:buSzTx/>
+                <a:buFontTx/>
+                <a:buNone/>
+                <a:tabLst/>
+                <a:defRPr/>
+              </a:pPr>
+              <a:t>5</a:t>
+            </a:fld>
             <a:endParaRPr kumimoji="0" lang="en-US" sz="1200" b="0" i="0" u="none" strike="noStrike" kern="1200" cap="none" spc="0" normalizeH="0" baseline="0" noProof="0">
               <a:ln>
                 <a:noFill/>
@@ -4839,10 +11898,2117 @@
           </a:p>
         </p:txBody>
       </p:sp>
+      <p:sp>
+        <p:nvSpPr>
+          <p:cNvPr id="5" name="Footer Placeholder 4">
+            <a:extLst>
+              <a:ext uri="{FF2B5EF4-FFF2-40B4-BE49-F238E27FC236}">
+                <a16:creationId xmlns:a16="http://schemas.microsoft.com/office/drawing/2014/main" id="{FF73425D-2D21-4B89-BE68-7E7B8A95A8C7}"/>
+              </a:ext>
+            </a:extLst>
+          </p:cNvPr>
+          <p:cNvSpPr>
+            <a:spLocks noGrp="1"/>
+          </p:cNvSpPr>
+          <p:nvPr>
+            <p:ph type="ftr" sz="quarter" idx="11"/>
+          </p:nvPr>
+        </p:nvSpPr>
+        <p:spPr/>
+        <p:txBody>
+          <a:bodyPr/>
+          <a:lstStyle/>
+          <a:p>
+            <a:r>
+              <a:rPr lang="en-US"/>
+              <a:t>Anthony Tropiano, APS April 2021 Meeting</a:t>
+            </a:r>
+          </a:p>
+        </p:txBody>
+      </p:sp>
     </p:spTree>
     <p:extLst>
       <p:ext uri="{BB962C8B-B14F-4D97-AF65-F5344CB8AC3E}">
-        <p14:creationId xmlns:p14="http://schemas.microsoft.com/office/powerpoint/2010/main" val="2007679414"/>
+        <p14:creationId xmlns:p14="http://schemas.microsoft.com/office/powerpoint/2010/main" val="3408536674"/>
+      </p:ext>
+    </p:extLst>
+  </p:cSld>
+  <p:clrMapOvr>
+    <a:masterClrMapping/>
+  </p:clrMapOvr>
+</p:sld>
+</file>
+
+<file path=ppt/slides/slide6.xml><?xml version="1.0" encoding="utf-8"?>
+<p:sld xmlns:a="http://schemas.openxmlformats.org/drawingml/2006/main" xmlns:r="http://schemas.openxmlformats.org/officeDocument/2006/relationships" xmlns:p="http://schemas.openxmlformats.org/presentationml/2006/main">
+  <p:cSld>
+    <p:spTree>
+      <p:nvGrpSpPr>
+        <p:cNvPr id="1" name=""/>
+        <p:cNvGrpSpPr/>
+        <p:nvPr/>
+      </p:nvGrpSpPr>
+      <p:grpSpPr>
+        <a:xfrm>
+          <a:off x="0" y="0"/>
+          <a:ext cx="0" cy="0"/>
+          <a:chOff x="0" y="0"/>
+          <a:chExt cx="0" cy="0"/>
+        </a:xfrm>
+      </p:grpSpPr>
+      <p:sp>
+        <p:nvSpPr>
+          <p:cNvPr id="2" name="Title 1">
+            <a:extLst>
+              <a:ext uri="{FF2B5EF4-FFF2-40B4-BE49-F238E27FC236}">
+                <a16:creationId xmlns:a16="http://schemas.microsoft.com/office/drawing/2014/main" id="{9FECE9C7-FBB0-B54D-8E92-C3BC6CA96ED2}"/>
+              </a:ext>
+            </a:extLst>
+          </p:cNvPr>
+          <p:cNvSpPr>
+            <a:spLocks noGrp="1"/>
+          </p:cNvSpPr>
+          <p:nvPr>
+            <p:ph type="title"/>
+          </p:nvPr>
+        </p:nvSpPr>
+        <p:spPr/>
+        <p:txBody>
+          <a:bodyPr/>
+          <a:lstStyle/>
+          <a:p>
+            <a:pPr>
+              <a:lnSpc>
+                <a:spcPct val="100000"/>
+              </a:lnSpc>
+            </a:pPr>
+            <a:r>
+              <a:rPr lang="en-US" dirty="0">
+                <a:solidFill>
+                  <a:srgbClr val="002060"/>
+                </a:solidFill>
+              </a:rPr>
+              <a:t>Similarity Renormalization Group (SRG)</a:t>
+            </a:r>
+            <a:endParaRPr lang="en-US" dirty="0">
+              <a:solidFill>
+                <a:srgbClr val="002060"/>
+              </a:solidFill>
+              <a:latin typeface="Arial" panose="020B0604020202020204" pitchFamily="34" charset="0"/>
+            </a:endParaRPr>
+          </a:p>
+        </p:txBody>
+      </p:sp>
+      <mc:AlternateContent xmlns:mc="http://schemas.openxmlformats.org/markup-compatibility/2006">
+        <mc:Choice xmlns:a14="http://schemas.microsoft.com/office/drawing/2010/main" Requires="a14">
+          <p:sp>
+            <p:nvSpPr>
+              <p:cNvPr id="3" name="Content Placeholder 2">
+                <a:extLst>
+                  <a:ext uri="{FF2B5EF4-FFF2-40B4-BE49-F238E27FC236}">
+                    <a16:creationId xmlns:a16="http://schemas.microsoft.com/office/drawing/2014/main" id="{1A8FA9B3-1B32-894B-93C2-F90FB63CBDAA}"/>
+                  </a:ext>
+                </a:extLst>
+              </p:cNvPr>
+              <p:cNvSpPr>
+                <a:spLocks noGrp="1"/>
+              </p:cNvSpPr>
+              <p:nvPr>
+                <p:ph idx="1"/>
+              </p:nvPr>
+            </p:nvSpPr>
+            <p:spPr>
+              <a:xfrm>
+                <a:off x="863598" y="1825625"/>
+                <a:ext cx="4114801" cy="4351338"/>
+              </a:xfrm>
+            </p:spPr>
+            <p:txBody>
+              <a:bodyPr>
+                <a:noAutofit/>
+              </a:bodyPr>
+              <a:lstStyle/>
+              <a:p>
+                <a:pPr>
+                  <a:lnSpc>
+                    <a:spcPct val="100000"/>
+                  </a:lnSpc>
+                </a:pPr>
+                <a:r>
+                  <a:rPr lang="en-US" sz="2600" dirty="0">
+                    <a:cs typeface="Arial" panose="020B0604020202020204" pitchFamily="34" charset="0"/>
+                  </a:rPr>
+                  <a:t>Evolve operators to low RG resolution</a:t>
+                </a:r>
+              </a:p>
+              <a:p>
+                <a:pPr>
+                  <a:lnSpc>
+                    <a:spcPct val="100000"/>
+                  </a:lnSpc>
+                </a:pPr>
+                <a:endParaRPr lang="en-US" sz="2600" dirty="0">
+                  <a:cs typeface="Arial" panose="020B0604020202020204" pitchFamily="34" charset="0"/>
+                </a:endParaRPr>
+              </a:p>
+              <a:p>
+                <a:pPr marL="0" indent="0" algn="ctr">
+                  <a:lnSpc>
+                    <a:spcPct val="100000"/>
+                  </a:lnSpc>
+                  <a:buNone/>
+                </a:pPr>
+                <a14:m>
+                  <m:oMathPara xmlns:m="http://schemas.openxmlformats.org/officeDocument/2006/math">
+                    <m:oMathParaPr>
+                      <m:jc m:val="centerGroup"/>
+                    </m:oMathParaPr>
+                    <m:oMath xmlns:m="http://schemas.openxmlformats.org/officeDocument/2006/math">
+                      <m:r>
+                        <a:rPr lang="en-US" altLang="en-US" b="0" i="1" smtClean="0">
+                          <a:solidFill>
+                            <a:srgbClr val="C00000"/>
+                          </a:solidFill>
+                          <a:latin typeface="Cambria Math" panose="02040503050406030204" pitchFamily="18" charset="0"/>
+                        </a:rPr>
+                        <m:t>𝑂</m:t>
+                      </m:r>
+                      <m:r>
+                        <a:rPr lang="en-US" altLang="en-US" i="1">
+                          <a:solidFill>
+                            <a:srgbClr val="C00000"/>
+                          </a:solidFill>
+                          <a:latin typeface="Cambria Math" panose="02040503050406030204" pitchFamily="18" charset="0"/>
+                        </a:rPr>
+                        <m:t>(</m:t>
+                      </m:r>
+                      <m:r>
+                        <a:rPr lang="en-US" altLang="en-US" i="1">
+                          <a:solidFill>
+                            <a:srgbClr val="C00000"/>
+                          </a:solidFill>
+                          <a:latin typeface="Cambria Math" panose="02040503050406030204" pitchFamily="18" charset="0"/>
+                        </a:rPr>
+                        <m:t>𝑠</m:t>
+                      </m:r>
+                      <m:r>
+                        <a:rPr lang="en-US" altLang="en-US" i="1">
+                          <a:solidFill>
+                            <a:srgbClr val="C00000"/>
+                          </a:solidFill>
+                          <a:latin typeface="Cambria Math" panose="02040503050406030204" pitchFamily="18" charset="0"/>
+                        </a:rPr>
+                        <m:t>)=</m:t>
+                      </m:r>
+                      <m:r>
+                        <a:rPr lang="en-US" altLang="en-US" i="1">
+                          <a:solidFill>
+                            <a:srgbClr val="C00000"/>
+                          </a:solidFill>
+                          <a:latin typeface="Cambria Math" panose="02040503050406030204" pitchFamily="18" charset="0"/>
+                          <a:ea typeface="Cambria Math" panose="02040503050406030204" pitchFamily="18" charset="0"/>
+                        </a:rPr>
+                        <m:t>𝑈</m:t>
+                      </m:r>
+                      <m:d>
+                        <m:dPr>
+                          <m:ctrlPr>
+                            <a:rPr lang="en-US" altLang="en-US" i="1">
+                              <a:solidFill>
+                                <a:srgbClr val="C00000"/>
+                              </a:solidFill>
+                              <a:latin typeface="Cambria Math" panose="02040503050406030204" pitchFamily="18" charset="0"/>
+                              <a:ea typeface="Cambria Math" panose="02040503050406030204" pitchFamily="18" charset="0"/>
+                            </a:rPr>
+                          </m:ctrlPr>
+                        </m:dPr>
+                        <m:e>
+                          <m:r>
+                            <a:rPr lang="en-US" altLang="en-US" i="1">
+                              <a:solidFill>
+                                <a:srgbClr val="C00000"/>
+                              </a:solidFill>
+                              <a:latin typeface="Cambria Math" panose="02040503050406030204" pitchFamily="18" charset="0"/>
+                              <a:ea typeface="Cambria Math" panose="02040503050406030204" pitchFamily="18" charset="0"/>
+                            </a:rPr>
+                            <m:t>𝑠</m:t>
+                          </m:r>
+                        </m:e>
+                      </m:d>
+                      <m:r>
+                        <a:rPr lang="en-US" altLang="en-US" b="0" i="1" smtClean="0">
+                          <a:solidFill>
+                            <a:srgbClr val="C00000"/>
+                          </a:solidFill>
+                          <a:latin typeface="Cambria Math" panose="02040503050406030204" pitchFamily="18" charset="0"/>
+                          <a:ea typeface="Cambria Math" panose="02040503050406030204" pitchFamily="18" charset="0"/>
+                        </a:rPr>
+                        <m:t>𝑂</m:t>
+                      </m:r>
+                      <m:d>
+                        <m:dPr>
+                          <m:ctrlPr>
+                            <a:rPr lang="en-US" altLang="en-US" i="1">
+                              <a:solidFill>
+                                <a:srgbClr val="C00000"/>
+                              </a:solidFill>
+                              <a:latin typeface="Cambria Math" panose="02040503050406030204" pitchFamily="18" charset="0"/>
+                              <a:ea typeface="Cambria Math" panose="02040503050406030204" pitchFamily="18" charset="0"/>
+                            </a:rPr>
+                          </m:ctrlPr>
+                        </m:dPr>
+                        <m:e>
+                          <m:r>
+                            <a:rPr lang="en-US" altLang="en-US" i="1">
+                              <a:solidFill>
+                                <a:srgbClr val="C00000"/>
+                              </a:solidFill>
+                              <a:latin typeface="Cambria Math" panose="02040503050406030204" pitchFamily="18" charset="0"/>
+                              <a:ea typeface="Cambria Math" panose="02040503050406030204" pitchFamily="18" charset="0"/>
+                            </a:rPr>
+                            <m:t>0</m:t>
+                          </m:r>
+                        </m:e>
+                      </m:d>
+                      <m:sSup>
+                        <m:sSupPr>
+                          <m:ctrlPr>
+                            <a:rPr lang="en-US" altLang="en-US" i="1">
+                              <a:solidFill>
+                                <a:srgbClr val="C00000"/>
+                              </a:solidFill>
+                              <a:latin typeface="Cambria Math" panose="02040503050406030204" pitchFamily="18" charset="0"/>
+                              <a:ea typeface="Cambria Math" panose="02040503050406030204" pitchFamily="18" charset="0"/>
+                            </a:rPr>
+                          </m:ctrlPr>
+                        </m:sSupPr>
+                        <m:e>
+                          <m:r>
+                            <a:rPr lang="en-US" altLang="en-US" i="1">
+                              <a:solidFill>
+                                <a:srgbClr val="C00000"/>
+                              </a:solidFill>
+                              <a:latin typeface="Cambria Math" panose="02040503050406030204" pitchFamily="18" charset="0"/>
+                              <a:ea typeface="Cambria Math" panose="02040503050406030204" pitchFamily="18" charset="0"/>
+                            </a:rPr>
+                            <m:t>𝑈</m:t>
+                          </m:r>
+                        </m:e>
+                        <m:sup>
+                          <m:r>
+                            <a:rPr lang="en-US" altLang="en-US" i="1">
+                              <a:solidFill>
+                                <a:srgbClr val="C00000"/>
+                              </a:solidFill>
+                              <a:latin typeface="Cambria Math" panose="02040503050406030204" pitchFamily="18" charset="0"/>
+                              <a:ea typeface="Cambria Math" panose="02040503050406030204" pitchFamily="18" charset="0"/>
+                            </a:rPr>
+                            <m:t>†</m:t>
+                          </m:r>
+                        </m:sup>
+                      </m:sSup>
+                      <m:r>
+                        <a:rPr lang="en-US" altLang="en-US" i="1">
+                          <a:solidFill>
+                            <a:srgbClr val="C00000"/>
+                          </a:solidFill>
+                          <a:latin typeface="Cambria Math" panose="02040503050406030204" pitchFamily="18" charset="0"/>
+                          <a:ea typeface="Cambria Math" panose="02040503050406030204" pitchFamily="18" charset="0"/>
+                        </a:rPr>
+                        <m:t>(</m:t>
+                      </m:r>
+                      <m:r>
+                        <a:rPr lang="en-US" altLang="en-US" i="1">
+                          <a:solidFill>
+                            <a:srgbClr val="C00000"/>
+                          </a:solidFill>
+                          <a:latin typeface="Cambria Math" panose="02040503050406030204" pitchFamily="18" charset="0"/>
+                          <a:ea typeface="Cambria Math" panose="02040503050406030204" pitchFamily="18" charset="0"/>
+                        </a:rPr>
+                        <m:t>𝑠</m:t>
+                      </m:r>
+                      <m:r>
+                        <a:rPr lang="en-US" altLang="en-US" i="1">
+                          <a:solidFill>
+                            <a:srgbClr val="C00000"/>
+                          </a:solidFill>
+                          <a:latin typeface="Cambria Math" panose="02040503050406030204" pitchFamily="18" charset="0"/>
+                          <a:ea typeface="Cambria Math" panose="02040503050406030204" pitchFamily="18" charset="0"/>
+                        </a:rPr>
+                        <m:t>)</m:t>
+                      </m:r>
+                    </m:oMath>
+                  </m:oMathPara>
+                </a14:m>
+                <a:endParaRPr lang="en-US" altLang="en-US" dirty="0">
+                  <a:solidFill>
+                    <a:srgbClr val="C00000"/>
+                  </a:solidFill>
+                  <a:cs typeface="Arial" panose="020B0604020202020204" pitchFamily="34" charset="0"/>
+                </a:endParaRPr>
+              </a:p>
+              <a:p>
+                <a:pPr marL="0" indent="0" algn="ctr">
+                  <a:lnSpc>
+                    <a:spcPct val="100000"/>
+                  </a:lnSpc>
+                  <a:buNone/>
+                </a:pPr>
+                <a:endParaRPr lang="en-US" altLang="en-US" sz="2600" dirty="0">
+                  <a:solidFill>
+                    <a:srgbClr val="C00000"/>
+                  </a:solidFill>
+                  <a:cs typeface="Arial" panose="020B0604020202020204" pitchFamily="34" charset="0"/>
+                </a:endParaRPr>
+              </a:p>
+              <a:p>
+                <a:pPr marL="0" indent="0">
+                  <a:lnSpc>
+                    <a:spcPct val="100000"/>
+                  </a:lnSpc>
+                  <a:buNone/>
+                </a:pPr>
+                <a:r>
+                  <a:rPr lang="en-US" altLang="en-US" sz="2600" dirty="0">
+                    <a:cs typeface="Arial" panose="020B0604020202020204" pitchFamily="34" charset="0"/>
+                  </a:rPr>
+                  <a:t>where </a:t>
+                </a:r>
+                <a14:m>
+                  <m:oMath xmlns:m="http://schemas.openxmlformats.org/officeDocument/2006/math">
+                    <m:r>
+                      <a:rPr lang="en-US" altLang="en-US" sz="2600" i="1">
+                        <a:latin typeface="Cambria Math" panose="02040503050406030204" pitchFamily="18" charset="0"/>
+                      </a:rPr>
+                      <m:t>𝑠</m:t>
+                    </m:r>
+                    <m:r>
+                      <a:rPr lang="en-US" altLang="en-US" sz="2600" i="1">
+                        <a:latin typeface="Cambria Math" panose="02040503050406030204" pitchFamily="18" charset="0"/>
+                      </a:rPr>
+                      <m:t>=0→∞</m:t>
+                    </m:r>
+                  </m:oMath>
+                </a14:m>
+                <a:r>
+                  <a:rPr lang="en-US" altLang="en-US" sz="2600" dirty="0">
+                    <a:ea typeface="Cambria Math" panose="02040503050406030204" pitchFamily="18" charset="0"/>
+                    <a:cs typeface="Arial" panose="020B0604020202020204" pitchFamily="34" charset="0"/>
+                  </a:rPr>
+                  <a:t> and </a:t>
+                </a:r>
+                <a14:m>
+                  <m:oMath xmlns:m="http://schemas.openxmlformats.org/officeDocument/2006/math">
+                    <m:r>
+                      <a:rPr lang="en-US" altLang="en-US" sz="2600" i="1" smtClean="0">
+                        <a:solidFill>
+                          <a:schemeClr val="tx1"/>
+                        </a:solidFill>
+                        <a:latin typeface="Cambria Math" panose="02040503050406030204" pitchFamily="18" charset="0"/>
+                        <a:ea typeface="Cambria Math" panose="02040503050406030204" pitchFamily="18" charset="0"/>
+                      </a:rPr>
+                      <m:t>𝑈</m:t>
+                    </m:r>
+                    <m:d>
+                      <m:dPr>
+                        <m:ctrlPr>
+                          <a:rPr lang="en-US" altLang="en-US" sz="2600" i="1">
+                            <a:solidFill>
+                              <a:schemeClr val="tx1"/>
+                            </a:solidFill>
+                            <a:latin typeface="Cambria Math" panose="02040503050406030204" pitchFamily="18" charset="0"/>
+                            <a:ea typeface="Cambria Math" panose="02040503050406030204" pitchFamily="18" charset="0"/>
+                          </a:rPr>
+                        </m:ctrlPr>
+                      </m:dPr>
+                      <m:e>
+                        <m:r>
+                          <a:rPr lang="en-US" altLang="en-US" sz="2600" i="1">
+                            <a:solidFill>
+                              <a:schemeClr val="tx1"/>
+                            </a:solidFill>
+                            <a:latin typeface="Cambria Math" panose="02040503050406030204" pitchFamily="18" charset="0"/>
+                            <a:ea typeface="Cambria Math" panose="02040503050406030204" pitchFamily="18" charset="0"/>
+                          </a:rPr>
+                          <m:t>𝑠</m:t>
+                        </m:r>
+                      </m:e>
+                    </m:d>
+                  </m:oMath>
+                </a14:m>
+                <a:r>
+                  <a:rPr lang="en-US" altLang="en-US" sz="2600" dirty="0">
+                    <a:ea typeface="Cambria Math" panose="02040503050406030204" pitchFamily="18" charset="0"/>
+                    <a:cs typeface="Arial" panose="020B0604020202020204" pitchFamily="34" charset="0"/>
+                  </a:rPr>
+                  <a:t> is </a:t>
+                </a:r>
+                <a:r>
+                  <a:rPr lang="en-US" altLang="en-US" sz="2600" dirty="0">
+                    <a:solidFill>
+                      <a:srgbClr val="C00000"/>
+                    </a:solidFill>
+                    <a:ea typeface="Cambria Math" panose="02040503050406030204" pitchFamily="18" charset="0"/>
+                    <a:cs typeface="Arial" panose="020B0604020202020204" pitchFamily="34" charset="0"/>
+                  </a:rPr>
+                  <a:t>unitary</a:t>
+                </a:r>
+              </a:p>
+              <a:p>
+                <a:pPr>
+                  <a:lnSpc>
+                    <a:spcPct val="100000"/>
+                  </a:lnSpc>
+                </a:pPr>
+                <a:r>
+                  <a:rPr lang="en-US" altLang="en-US" sz="2600" dirty="0">
+                    <a:ea typeface="Cambria Math" panose="02040503050406030204" pitchFamily="18" charset="0"/>
+                    <a:cs typeface="Arial" panose="020B0604020202020204" pitchFamily="34" charset="0"/>
+                  </a:rPr>
+                  <a:t>Add \lambda here</a:t>
+                </a:r>
+              </a:p>
+            </p:txBody>
+          </p:sp>
+        </mc:Choice>
+        <mc:Fallback>
+          <p:sp>
+            <p:nvSpPr>
+              <p:cNvPr id="3" name="Content Placeholder 2">
+                <a:extLst>
+                  <a:ext uri="{FF2B5EF4-FFF2-40B4-BE49-F238E27FC236}">
+                    <a16:creationId xmlns:a16="http://schemas.microsoft.com/office/drawing/2014/main" id="{1A8FA9B3-1B32-894B-93C2-F90FB63CBDAA}"/>
+                  </a:ext>
+                </a:extLst>
+              </p:cNvPr>
+              <p:cNvSpPr>
+                <a:spLocks noGrp="1" noRot="1" noChangeAspect="1" noMove="1" noResize="1" noEditPoints="1" noAdjustHandles="1" noChangeArrowheads="1" noChangeShapeType="1" noTextEdit="1"/>
+              </p:cNvSpPr>
+              <p:nvPr>
+                <p:ph idx="1"/>
+              </p:nvPr>
+            </p:nvSpPr>
+            <p:spPr>
+              <a:xfrm>
+                <a:off x="863598" y="1825625"/>
+                <a:ext cx="4114801" cy="4351338"/>
+              </a:xfrm>
+              <a:blipFill>
+                <a:blip r:embed="rId3"/>
+                <a:stretch>
+                  <a:fillRect l="-2667" t="-1261"/>
+                </a:stretch>
+              </a:blipFill>
+            </p:spPr>
+            <p:txBody>
+              <a:bodyPr/>
+              <a:lstStyle/>
+              <a:p>
+                <a:r>
+                  <a:rPr lang="en-US">
+                    <a:noFill/>
+                  </a:rPr>
+                  <a:t> </a:t>
+                </a:r>
+              </a:p>
+            </p:txBody>
+          </p:sp>
+        </mc:Fallback>
+      </mc:AlternateContent>
+      <p:sp>
+        <p:nvSpPr>
+          <p:cNvPr id="4" name="Slide Number Placeholder 3">
+            <a:extLst>
+              <a:ext uri="{FF2B5EF4-FFF2-40B4-BE49-F238E27FC236}">
+                <a16:creationId xmlns:a16="http://schemas.microsoft.com/office/drawing/2014/main" id="{DC1A2BB9-1F00-304F-9B4C-2EBE5F4461ED}"/>
+              </a:ext>
+            </a:extLst>
+          </p:cNvPr>
+          <p:cNvSpPr>
+            <a:spLocks noGrp="1"/>
+          </p:cNvSpPr>
+          <p:nvPr>
+            <p:ph type="sldNum" sz="quarter" idx="12"/>
+          </p:nvPr>
+        </p:nvSpPr>
+        <p:spPr/>
+        <p:txBody>
+          <a:bodyPr/>
+          <a:lstStyle/>
+          <a:p>
+            <a:pPr marL="0" marR="0" lvl="0" indent="0" algn="r" defTabSz="914400" rtl="0" eaLnBrk="1" fontAlgn="auto" latinLnBrk="0" hangingPunct="1">
+              <a:lnSpc>
+                <a:spcPct val="100000"/>
+              </a:lnSpc>
+              <a:spcBef>
+                <a:spcPts val="0"/>
+              </a:spcBef>
+              <a:spcAft>
+                <a:spcPts val="0"/>
+              </a:spcAft>
+              <a:buClrTx/>
+              <a:buSzTx/>
+              <a:buFontTx/>
+              <a:buNone/>
+              <a:tabLst/>
+              <a:defRPr/>
+            </a:pPr>
+            <a:fld id="{DD20F09D-B375-B446-8D61-90653E4EE1AB}" type="slidenum">
+              <a:rPr kumimoji="0" lang="en-US" sz="1200" b="0" i="0" u="none" strike="noStrike" kern="1200" cap="none" spc="0" normalizeH="0" baseline="0" noProof="0" smtClean="0">
+                <a:ln>
+                  <a:noFill/>
+                </a:ln>
+                <a:solidFill>
+                  <a:prstClr val="black">
+                    <a:tint val="75000"/>
+                  </a:prstClr>
+                </a:solidFill>
+                <a:effectLst/>
+                <a:uLnTx/>
+                <a:uFillTx/>
+                <a:latin typeface="Arial" panose="020B0604020202020204" pitchFamily="34" charset="0"/>
+                <a:ea typeface="+mn-ea"/>
+                <a:cs typeface="+mn-cs"/>
+              </a:rPr>
+              <a:pPr marL="0" marR="0" lvl="0" indent="0" algn="r" defTabSz="914400" rtl="0" eaLnBrk="1" fontAlgn="auto" latinLnBrk="0" hangingPunct="1">
+                <a:lnSpc>
+                  <a:spcPct val="100000"/>
+                </a:lnSpc>
+                <a:spcBef>
+                  <a:spcPts val="0"/>
+                </a:spcBef>
+                <a:spcAft>
+                  <a:spcPts val="0"/>
+                </a:spcAft>
+                <a:buClrTx/>
+                <a:buSzTx/>
+                <a:buFontTx/>
+                <a:buNone/>
+                <a:tabLst/>
+                <a:defRPr/>
+              </a:pPr>
+              <a:t>6</a:t>
+            </a:fld>
+            <a:endParaRPr kumimoji="0" lang="en-US" sz="1200" b="0" i="0" u="none" strike="noStrike" kern="1200" cap="none" spc="0" normalizeH="0" baseline="0" noProof="0">
+              <a:ln>
+                <a:noFill/>
+              </a:ln>
+              <a:solidFill>
+                <a:prstClr val="black">
+                  <a:tint val="75000"/>
+                </a:prstClr>
+              </a:solidFill>
+              <a:effectLst/>
+              <a:uLnTx/>
+              <a:uFillTx/>
+              <a:latin typeface="Arial" panose="020B0604020202020204" pitchFamily="34" charset="0"/>
+              <a:ea typeface="+mn-ea"/>
+              <a:cs typeface="+mn-cs"/>
+            </a:endParaRPr>
+          </a:p>
+        </p:txBody>
+      </p:sp>
+      <p:sp>
+        <p:nvSpPr>
+          <p:cNvPr id="5" name="Footer Placeholder 4">
+            <a:extLst>
+              <a:ext uri="{FF2B5EF4-FFF2-40B4-BE49-F238E27FC236}">
+                <a16:creationId xmlns:a16="http://schemas.microsoft.com/office/drawing/2014/main" id="{FF73425D-2D21-4B89-BE68-7E7B8A95A8C7}"/>
+              </a:ext>
+            </a:extLst>
+          </p:cNvPr>
+          <p:cNvSpPr>
+            <a:spLocks noGrp="1"/>
+          </p:cNvSpPr>
+          <p:nvPr>
+            <p:ph type="ftr" sz="quarter" idx="11"/>
+          </p:nvPr>
+        </p:nvSpPr>
+        <p:spPr/>
+        <p:txBody>
+          <a:bodyPr/>
+          <a:lstStyle/>
+          <a:p>
+            <a:r>
+              <a:rPr lang="en-US"/>
+              <a:t>Anthony Tropiano, APS April 2021 Meeting</a:t>
+            </a:r>
+          </a:p>
+        </p:txBody>
+      </p:sp>
+      <p:sp>
+        <p:nvSpPr>
+          <p:cNvPr id="7" name="TextBox 6">
+            <a:extLst>
+              <a:ext uri="{FF2B5EF4-FFF2-40B4-BE49-F238E27FC236}">
+                <a16:creationId xmlns:a16="http://schemas.microsoft.com/office/drawing/2014/main" id="{CA12CF15-B58B-456E-B1D7-D5C20A8DF8F9}"/>
+              </a:ext>
+            </a:extLst>
+          </p:cNvPr>
+          <p:cNvSpPr txBox="1"/>
+          <p:nvPr/>
+        </p:nvSpPr>
+        <p:spPr>
+          <a:xfrm>
+            <a:off x="5685221" y="5017672"/>
+            <a:ext cx="6392042" cy="400110"/>
+          </a:xfrm>
+          <a:prstGeom prst="rect">
+            <a:avLst/>
+          </a:prstGeom>
+          <a:noFill/>
+        </p:spPr>
+        <p:txBody>
+          <a:bodyPr wrap="square" rtlCol="0">
+            <a:spAutoFit/>
+          </a:bodyPr>
+          <a:lstStyle/>
+          <a:p>
+            <a:r>
+              <a:rPr lang="en-US" sz="2000" dirty="0">
+                <a:solidFill>
+                  <a:srgbClr val="C00000"/>
+                </a:solidFill>
+                <a:latin typeface="Arial" panose="020B0604020202020204" pitchFamily="34" charset="0"/>
+                <a:cs typeface="Arial" panose="020B0604020202020204" pitchFamily="34" charset="0"/>
+              </a:rPr>
+              <a:t>Fig. 1: </a:t>
+            </a:r>
+            <a:r>
+              <a:rPr lang="en-US" sz="2000" dirty="0">
+                <a:latin typeface="Arial" panose="020B0604020202020204" pitchFamily="34" charset="0"/>
+                <a:cs typeface="Arial" panose="020B0604020202020204" pitchFamily="34" charset="0"/>
+              </a:rPr>
+              <a:t>SRG evolution of AV18 in </a:t>
+            </a:r>
+            <a:r>
+              <a:rPr lang="en-US" sz="2000" baseline="30000" dirty="0">
+                <a:latin typeface="Arial" panose="020B0604020202020204" pitchFamily="34" charset="0"/>
+                <a:cs typeface="Arial" panose="020B0604020202020204" pitchFamily="34" charset="0"/>
+              </a:rPr>
+              <a:t>1</a:t>
+            </a:r>
+            <a:r>
+              <a:rPr lang="en-US" sz="2000" dirty="0">
+                <a:latin typeface="Arial" panose="020B0604020202020204" pitchFamily="34" charset="0"/>
+                <a:cs typeface="Arial" panose="020B0604020202020204" pitchFamily="34" charset="0"/>
+              </a:rPr>
+              <a:t>P</a:t>
+            </a:r>
+            <a:r>
+              <a:rPr lang="en-US" sz="2000" baseline="-25000" dirty="0">
+                <a:latin typeface="Arial" panose="020B0604020202020204" pitchFamily="34" charset="0"/>
+                <a:cs typeface="Arial" panose="020B0604020202020204" pitchFamily="34" charset="0"/>
+              </a:rPr>
+              <a:t>1</a:t>
+            </a:r>
+            <a:r>
+              <a:rPr lang="en-US" sz="2000" dirty="0">
+                <a:latin typeface="Arial" panose="020B0604020202020204" pitchFamily="34" charset="0"/>
+                <a:cs typeface="Arial" panose="020B0604020202020204" pitchFamily="34" charset="0"/>
+              </a:rPr>
+              <a:t> channel.</a:t>
+            </a:r>
+            <a:endParaRPr lang="en-US" sz="2000" baseline="-25000" dirty="0">
+              <a:latin typeface="Arial" panose="020B0604020202020204" pitchFamily="34" charset="0"/>
+              <a:cs typeface="Arial" panose="020B0604020202020204" pitchFamily="34" charset="0"/>
+            </a:endParaRPr>
+          </a:p>
+        </p:txBody>
+      </p:sp>
+      <p:pic>
+        <p:nvPicPr>
+          <p:cNvPr id="11" name="Picture 10" descr="Graphical user interface&#10;&#10;Description automatically generated with low confidence">
+            <a:extLst>
+              <a:ext uri="{FF2B5EF4-FFF2-40B4-BE49-F238E27FC236}">
+                <a16:creationId xmlns:a16="http://schemas.microsoft.com/office/drawing/2014/main" id="{10BEE4DF-D326-47B8-8C8A-A16243FC5660}"/>
+              </a:ext>
+            </a:extLst>
+          </p:cNvPr>
+          <p:cNvPicPr>
+            <a:picLocks noChangeAspect="1"/>
+          </p:cNvPicPr>
+          <p:nvPr/>
+        </p:nvPicPr>
+        <p:blipFill>
+          <a:blip r:embed="rId4">
+            <a:extLst>
+              <a:ext uri="{28A0092B-C50C-407E-A947-70E740481C1C}">
+                <a14:useLocalDpi xmlns:a14="http://schemas.microsoft.com/office/drawing/2010/main" val="0"/>
+              </a:ext>
+            </a:extLst>
+          </a:blip>
+          <a:stretch>
+            <a:fillRect/>
+          </a:stretch>
+        </p:blipFill>
+        <p:spPr>
+          <a:xfrm>
+            <a:off x="5093136" y="1690688"/>
+            <a:ext cx="6984127" cy="3326984"/>
+          </a:xfrm>
+          <a:prstGeom prst="rect">
+            <a:avLst/>
+          </a:prstGeom>
+        </p:spPr>
+      </p:pic>
+    </p:spTree>
+    <p:extLst>
+      <p:ext uri="{BB962C8B-B14F-4D97-AF65-F5344CB8AC3E}">
+        <p14:creationId xmlns:p14="http://schemas.microsoft.com/office/powerpoint/2010/main" val="2634406733"/>
+      </p:ext>
+    </p:extLst>
+  </p:cSld>
+  <p:clrMapOvr>
+    <a:masterClrMapping/>
+  </p:clrMapOvr>
+</p:sld>
+</file>
+
+<file path=ppt/slides/slide7.xml><?xml version="1.0" encoding="utf-8"?>
+<p:sld xmlns:a="http://schemas.openxmlformats.org/drawingml/2006/main" xmlns:r="http://schemas.openxmlformats.org/officeDocument/2006/relationships" xmlns:p="http://schemas.openxmlformats.org/presentationml/2006/main">
+  <p:cSld>
+    <p:spTree>
+      <p:nvGrpSpPr>
+        <p:cNvPr id="1" name=""/>
+        <p:cNvGrpSpPr/>
+        <p:nvPr/>
+      </p:nvGrpSpPr>
+      <p:grpSpPr>
+        <a:xfrm>
+          <a:off x="0" y="0"/>
+          <a:ext cx="0" cy="0"/>
+          <a:chOff x="0" y="0"/>
+          <a:chExt cx="0" cy="0"/>
+        </a:xfrm>
+      </p:grpSpPr>
+      <p:sp>
+        <p:nvSpPr>
+          <p:cNvPr id="2" name="Title 1">
+            <a:extLst>
+              <a:ext uri="{FF2B5EF4-FFF2-40B4-BE49-F238E27FC236}">
+                <a16:creationId xmlns:a16="http://schemas.microsoft.com/office/drawing/2014/main" id="{9FECE9C7-FBB0-B54D-8E92-C3BC6CA96ED2}"/>
+              </a:ext>
+            </a:extLst>
+          </p:cNvPr>
+          <p:cNvSpPr>
+            <a:spLocks noGrp="1"/>
+          </p:cNvSpPr>
+          <p:nvPr>
+            <p:ph type="title"/>
+          </p:nvPr>
+        </p:nvSpPr>
+        <p:spPr/>
+        <p:txBody>
+          <a:bodyPr>
+            <a:normAutofit fontScale="90000"/>
+          </a:bodyPr>
+          <a:lstStyle/>
+          <a:p>
+            <a:pPr>
+              <a:lnSpc>
+                <a:spcPct val="100000"/>
+              </a:lnSpc>
+            </a:pPr>
+            <a:r>
+              <a:rPr lang="en-US" dirty="0">
+                <a:solidFill>
+                  <a:srgbClr val="002060"/>
+                </a:solidFill>
+              </a:rPr>
+              <a:t>Deuteron wave function at low RG resolution</a:t>
+            </a:r>
+            <a:endParaRPr lang="en-US" dirty="0">
+              <a:solidFill>
+                <a:srgbClr val="002060"/>
+              </a:solidFill>
+              <a:latin typeface="Arial" panose="020B0604020202020204" pitchFamily="34" charset="0"/>
+            </a:endParaRPr>
+          </a:p>
+        </p:txBody>
+      </p:sp>
+      <p:sp>
+        <p:nvSpPr>
+          <p:cNvPr id="3" name="Content Placeholder 2">
+            <a:extLst>
+              <a:ext uri="{FF2B5EF4-FFF2-40B4-BE49-F238E27FC236}">
+                <a16:creationId xmlns:a16="http://schemas.microsoft.com/office/drawing/2014/main" id="{1A8FA9B3-1B32-894B-93C2-F90FB63CBDAA}"/>
+              </a:ext>
+            </a:extLst>
+          </p:cNvPr>
+          <p:cNvSpPr>
+            <a:spLocks noGrp="1"/>
+          </p:cNvSpPr>
+          <p:nvPr>
+            <p:ph idx="1"/>
+          </p:nvPr>
+        </p:nvSpPr>
+        <p:spPr/>
+        <p:txBody>
+          <a:bodyPr/>
+          <a:lstStyle/>
+          <a:p>
+            <a:pPr>
+              <a:lnSpc>
+                <a:spcPct val="100000"/>
+              </a:lnSpc>
+            </a:pPr>
+            <a:r>
+              <a:rPr lang="en-US" sz="2800" dirty="0"/>
+              <a:t>AV18 wave function has significant SRC</a:t>
+            </a:r>
+          </a:p>
+          <a:p>
+            <a:pPr>
+              <a:lnSpc>
+                <a:spcPct val="100000"/>
+              </a:lnSpc>
+            </a:pPr>
+            <a:r>
+              <a:rPr lang="en-US" sz="2800" dirty="0">
+                <a:latin typeface="Arial" panose="020B0604020202020204" pitchFamily="34" charset="0"/>
+              </a:rPr>
+              <a:t>What happens to the</a:t>
+            </a:r>
+            <a:r>
+              <a:rPr lang="en-US" sz="2800" dirty="0"/>
+              <a:t> wave function at low RG resolution?</a:t>
+            </a:r>
+          </a:p>
+          <a:p>
+            <a:pPr>
+              <a:lnSpc>
+                <a:spcPct val="100000"/>
+              </a:lnSpc>
+            </a:pPr>
+            <a:r>
+              <a:rPr lang="en-US" sz="2800" dirty="0"/>
+              <a:t>SRC physics in AV18 (scheme dependent) is gone from wave function at low RG resolution </a:t>
+            </a:r>
+          </a:p>
+          <a:p>
+            <a:pPr>
+              <a:lnSpc>
+                <a:spcPct val="100000"/>
+              </a:lnSpc>
+            </a:pPr>
+            <a:r>
+              <a:rPr lang="en-US" sz="2800" dirty="0">
+                <a:solidFill>
+                  <a:srgbClr val="C00000"/>
+                </a:solidFill>
+              </a:rPr>
+              <a:t>Deuteron wave functions become soft and D-state probability goes down</a:t>
+            </a:r>
+          </a:p>
+          <a:p>
+            <a:pPr>
+              <a:lnSpc>
+                <a:spcPct val="100000"/>
+              </a:lnSpc>
+            </a:pPr>
+            <a:r>
+              <a:rPr lang="en-US" sz="2800" dirty="0">
+                <a:solidFill>
+                  <a:srgbClr val="C00000"/>
+                </a:solidFill>
+              </a:rPr>
+              <a:t>Observables such as asymptotic D-S ratio are the same</a:t>
+            </a:r>
+          </a:p>
+          <a:p>
+            <a:pPr>
+              <a:lnSpc>
+                <a:spcPct val="100000"/>
+              </a:lnSpc>
+            </a:pPr>
+            <a:endParaRPr lang="en-US" sz="2800" dirty="0">
+              <a:latin typeface="Arial" panose="020B0604020202020204" pitchFamily="34" charset="0"/>
+            </a:endParaRPr>
+          </a:p>
+          <a:p>
+            <a:pPr>
+              <a:lnSpc>
+                <a:spcPct val="100000"/>
+              </a:lnSpc>
+            </a:pPr>
+            <a:endParaRPr lang="en-US" sz="2800" dirty="0"/>
+          </a:p>
+        </p:txBody>
+      </p:sp>
+      <p:sp>
+        <p:nvSpPr>
+          <p:cNvPr id="4" name="Slide Number Placeholder 3">
+            <a:extLst>
+              <a:ext uri="{FF2B5EF4-FFF2-40B4-BE49-F238E27FC236}">
+                <a16:creationId xmlns:a16="http://schemas.microsoft.com/office/drawing/2014/main" id="{DC1A2BB9-1F00-304F-9B4C-2EBE5F4461ED}"/>
+              </a:ext>
+            </a:extLst>
+          </p:cNvPr>
+          <p:cNvSpPr>
+            <a:spLocks noGrp="1"/>
+          </p:cNvSpPr>
+          <p:nvPr>
+            <p:ph type="sldNum" sz="quarter" idx="12"/>
+          </p:nvPr>
+        </p:nvSpPr>
+        <p:spPr/>
+        <p:txBody>
+          <a:bodyPr/>
+          <a:lstStyle/>
+          <a:p>
+            <a:pPr marL="0" marR="0" lvl="0" indent="0" algn="r" defTabSz="914400" rtl="0" eaLnBrk="1" fontAlgn="auto" latinLnBrk="0" hangingPunct="1">
+              <a:lnSpc>
+                <a:spcPct val="100000"/>
+              </a:lnSpc>
+              <a:spcBef>
+                <a:spcPts val="0"/>
+              </a:spcBef>
+              <a:spcAft>
+                <a:spcPts val="0"/>
+              </a:spcAft>
+              <a:buClrTx/>
+              <a:buSzTx/>
+              <a:buFontTx/>
+              <a:buNone/>
+              <a:tabLst/>
+              <a:defRPr/>
+            </a:pPr>
+            <a:fld id="{DD20F09D-B375-B446-8D61-90653E4EE1AB}" type="slidenum">
+              <a:rPr kumimoji="0" lang="en-US" sz="1200" b="0" i="0" u="none" strike="noStrike" kern="1200" cap="none" spc="0" normalizeH="0" baseline="0" noProof="0" smtClean="0">
+                <a:ln>
+                  <a:noFill/>
+                </a:ln>
+                <a:solidFill>
+                  <a:prstClr val="black">
+                    <a:tint val="75000"/>
+                  </a:prstClr>
+                </a:solidFill>
+                <a:effectLst/>
+                <a:uLnTx/>
+                <a:uFillTx/>
+                <a:latin typeface="Arial" panose="020B0604020202020204" pitchFamily="34" charset="0"/>
+                <a:ea typeface="+mn-ea"/>
+                <a:cs typeface="+mn-cs"/>
+              </a:rPr>
+              <a:pPr marL="0" marR="0" lvl="0" indent="0" algn="r" defTabSz="914400" rtl="0" eaLnBrk="1" fontAlgn="auto" latinLnBrk="0" hangingPunct="1">
+                <a:lnSpc>
+                  <a:spcPct val="100000"/>
+                </a:lnSpc>
+                <a:spcBef>
+                  <a:spcPts val="0"/>
+                </a:spcBef>
+                <a:spcAft>
+                  <a:spcPts val="0"/>
+                </a:spcAft>
+                <a:buClrTx/>
+                <a:buSzTx/>
+                <a:buFontTx/>
+                <a:buNone/>
+                <a:tabLst/>
+                <a:defRPr/>
+              </a:pPr>
+              <a:t>7</a:t>
+            </a:fld>
+            <a:endParaRPr kumimoji="0" lang="en-US" sz="1200" b="0" i="0" u="none" strike="noStrike" kern="1200" cap="none" spc="0" normalizeH="0" baseline="0" noProof="0">
+              <a:ln>
+                <a:noFill/>
+              </a:ln>
+              <a:solidFill>
+                <a:prstClr val="black">
+                  <a:tint val="75000"/>
+                </a:prstClr>
+              </a:solidFill>
+              <a:effectLst/>
+              <a:uLnTx/>
+              <a:uFillTx/>
+              <a:latin typeface="Arial" panose="020B0604020202020204" pitchFamily="34" charset="0"/>
+              <a:ea typeface="+mn-ea"/>
+              <a:cs typeface="+mn-cs"/>
+            </a:endParaRPr>
+          </a:p>
+        </p:txBody>
+      </p:sp>
+      <p:sp>
+        <p:nvSpPr>
+          <p:cNvPr id="5" name="Footer Placeholder 4">
+            <a:extLst>
+              <a:ext uri="{FF2B5EF4-FFF2-40B4-BE49-F238E27FC236}">
+                <a16:creationId xmlns:a16="http://schemas.microsoft.com/office/drawing/2014/main" id="{FF73425D-2D21-4B89-BE68-7E7B8A95A8C7}"/>
+              </a:ext>
+            </a:extLst>
+          </p:cNvPr>
+          <p:cNvSpPr>
+            <a:spLocks noGrp="1"/>
+          </p:cNvSpPr>
+          <p:nvPr>
+            <p:ph type="ftr" sz="quarter" idx="11"/>
+          </p:nvPr>
+        </p:nvSpPr>
+        <p:spPr/>
+        <p:txBody>
+          <a:bodyPr/>
+          <a:lstStyle/>
+          <a:p>
+            <a:r>
+              <a:rPr lang="en-US"/>
+              <a:t>Anthony Tropiano, APS April 2021 Meeting</a:t>
+            </a:r>
+          </a:p>
+        </p:txBody>
+      </p:sp>
+    </p:spTree>
+    <p:extLst>
+      <p:ext uri="{BB962C8B-B14F-4D97-AF65-F5344CB8AC3E}">
+        <p14:creationId xmlns:p14="http://schemas.microsoft.com/office/powerpoint/2010/main" val="2842099992"/>
+      </p:ext>
+    </p:extLst>
+  </p:cSld>
+  <p:clrMapOvr>
+    <a:masterClrMapping/>
+  </p:clrMapOvr>
+</p:sld>
+</file>
+
+<file path=ppt/slides/slide8.xml><?xml version="1.0" encoding="utf-8"?>
+<p:sld xmlns:a="http://schemas.openxmlformats.org/drawingml/2006/main" xmlns:r="http://schemas.openxmlformats.org/officeDocument/2006/relationships" xmlns:p="http://schemas.openxmlformats.org/presentationml/2006/main">
+  <p:cSld>
+    <p:spTree>
+      <p:nvGrpSpPr>
+        <p:cNvPr id="1" name=""/>
+        <p:cNvGrpSpPr/>
+        <p:nvPr/>
+      </p:nvGrpSpPr>
+      <p:grpSpPr>
+        <a:xfrm>
+          <a:off x="0" y="0"/>
+          <a:ext cx="0" cy="0"/>
+          <a:chOff x="0" y="0"/>
+          <a:chExt cx="0" cy="0"/>
+        </a:xfrm>
+      </p:grpSpPr>
+      <p:sp>
+        <p:nvSpPr>
+          <p:cNvPr id="2" name="Title 1">
+            <a:extLst>
+              <a:ext uri="{FF2B5EF4-FFF2-40B4-BE49-F238E27FC236}">
+                <a16:creationId xmlns:a16="http://schemas.microsoft.com/office/drawing/2014/main" id="{9FECE9C7-FBB0-B54D-8E92-C3BC6CA96ED2}"/>
+              </a:ext>
+            </a:extLst>
+          </p:cNvPr>
+          <p:cNvSpPr>
+            <a:spLocks noGrp="1"/>
+          </p:cNvSpPr>
+          <p:nvPr>
+            <p:ph type="title"/>
+          </p:nvPr>
+        </p:nvSpPr>
+        <p:spPr/>
+        <p:txBody>
+          <a:bodyPr>
+            <a:normAutofit fontScale="90000"/>
+          </a:bodyPr>
+          <a:lstStyle/>
+          <a:p>
+            <a:pPr>
+              <a:lnSpc>
+                <a:spcPct val="100000"/>
+              </a:lnSpc>
+            </a:pPr>
+            <a:r>
+              <a:rPr lang="en-US" dirty="0">
+                <a:solidFill>
+                  <a:srgbClr val="002060"/>
+                </a:solidFill>
+              </a:rPr>
+              <a:t>Deuteron wave function at low RG resolution</a:t>
+            </a:r>
+            <a:endParaRPr lang="en-US" dirty="0">
+              <a:solidFill>
+                <a:srgbClr val="002060"/>
+              </a:solidFill>
+              <a:latin typeface="Arial" panose="020B0604020202020204" pitchFamily="34" charset="0"/>
+            </a:endParaRPr>
+          </a:p>
+        </p:txBody>
+      </p:sp>
+      <p:sp>
+        <p:nvSpPr>
+          <p:cNvPr id="3" name="Content Placeholder 2">
+            <a:extLst>
+              <a:ext uri="{FF2B5EF4-FFF2-40B4-BE49-F238E27FC236}">
+                <a16:creationId xmlns:a16="http://schemas.microsoft.com/office/drawing/2014/main" id="{1A8FA9B3-1B32-894B-93C2-F90FB63CBDAA}"/>
+              </a:ext>
+            </a:extLst>
+          </p:cNvPr>
+          <p:cNvSpPr>
+            <a:spLocks noGrp="1"/>
+          </p:cNvSpPr>
+          <p:nvPr>
+            <p:ph idx="1"/>
+          </p:nvPr>
+        </p:nvSpPr>
+        <p:spPr/>
+        <p:txBody>
+          <a:bodyPr/>
+          <a:lstStyle/>
+          <a:p>
+            <a:pPr>
+              <a:lnSpc>
+                <a:spcPct val="100000"/>
+              </a:lnSpc>
+            </a:pPr>
+            <a:r>
+              <a:rPr lang="en-US" sz="2800" dirty="0"/>
+              <a:t>AV18 wave function has significant SRC</a:t>
+            </a:r>
+          </a:p>
+          <a:p>
+            <a:pPr>
+              <a:lnSpc>
+                <a:spcPct val="100000"/>
+              </a:lnSpc>
+            </a:pPr>
+            <a:r>
+              <a:rPr lang="en-US" sz="2800" dirty="0">
+                <a:latin typeface="Arial" panose="020B0604020202020204" pitchFamily="34" charset="0"/>
+              </a:rPr>
+              <a:t>What happens to the</a:t>
+            </a:r>
+            <a:r>
+              <a:rPr lang="en-US" sz="2800" dirty="0"/>
+              <a:t> wave function at low RG resolution?</a:t>
+            </a:r>
+          </a:p>
+          <a:p>
+            <a:pPr>
+              <a:lnSpc>
+                <a:spcPct val="100000"/>
+              </a:lnSpc>
+            </a:pPr>
+            <a:r>
+              <a:rPr lang="en-US" sz="2800" dirty="0"/>
+              <a:t>SRC physics in AV18 (scheme dependent) is gone from wave function at low RG resolution </a:t>
+            </a:r>
+          </a:p>
+          <a:p>
+            <a:pPr>
+              <a:lnSpc>
+                <a:spcPct val="100000"/>
+              </a:lnSpc>
+            </a:pPr>
+            <a:r>
+              <a:rPr lang="en-US" sz="2800" dirty="0">
+                <a:solidFill>
+                  <a:srgbClr val="C00000"/>
+                </a:solidFill>
+              </a:rPr>
+              <a:t>Deuteron wave functions become soft and D-state probability goes down</a:t>
+            </a:r>
+          </a:p>
+          <a:p>
+            <a:pPr>
+              <a:lnSpc>
+                <a:spcPct val="100000"/>
+              </a:lnSpc>
+            </a:pPr>
+            <a:r>
+              <a:rPr lang="en-US" sz="2800" dirty="0">
+                <a:solidFill>
+                  <a:srgbClr val="C00000"/>
+                </a:solidFill>
+              </a:rPr>
+              <a:t>Observables such as asymptotic D-S ratio are the same</a:t>
+            </a:r>
+          </a:p>
+          <a:p>
+            <a:pPr>
+              <a:lnSpc>
+                <a:spcPct val="100000"/>
+              </a:lnSpc>
+            </a:pPr>
+            <a:endParaRPr lang="en-US" sz="2800" dirty="0">
+              <a:latin typeface="Arial" panose="020B0604020202020204" pitchFamily="34" charset="0"/>
+            </a:endParaRPr>
+          </a:p>
+          <a:p>
+            <a:pPr>
+              <a:lnSpc>
+                <a:spcPct val="100000"/>
+              </a:lnSpc>
+            </a:pPr>
+            <a:endParaRPr lang="en-US" sz="2800" dirty="0"/>
+          </a:p>
+        </p:txBody>
+      </p:sp>
+      <p:sp>
+        <p:nvSpPr>
+          <p:cNvPr id="4" name="Slide Number Placeholder 3">
+            <a:extLst>
+              <a:ext uri="{FF2B5EF4-FFF2-40B4-BE49-F238E27FC236}">
+                <a16:creationId xmlns:a16="http://schemas.microsoft.com/office/drawing/2014/main" id="{DC1A2BB9-1F00-304F-9B4C-2EBE5F4461ED}"/>
+              </a:ext>
+            </a:extLst>
+          </p:cNvPr>
+          <p:cNvSpPr>
+            <a:spLocks noGrp="1"/>
+          </p:cNvSpPr>
+          <p:nvPr>
+            <p:ph type="sldNum" sz="quarter" idx="12"/>
+          </p:nvPr>
+        </p:nvSpPr>
+        <p:spPr/>
+        <p:txBody>
+          <a:bodyPr/>
+          <a:lstStyle/>
+          <a:p>
+            <a:pPr marL="0" marR="0" lvl="0" indent="0" algn="r" defTabSz="914400" rtl="0" eaLnBrk="1" fontAlgn="auto" latinLnBrk="0" hangingPunct="1">
+              <a:lnSpc>
+                <a:spcPct val="100000"/>
+              </a:lnSpc>
+              <a:spcBef>
+                <a:spcPts val="0"/>
+              </a:spcBef>
+              <a:spcAft>
+                <a:spcPts val="0"/>
+              </a:spcAft>
+              <a:buClrTx/>
+              <a:buSzTx/>
+              <a:buFontTx/>
+              <a:buNone/>
+              <a:tabLst/>
+              <a:defRPr/>
+            </a:pPr>
+            <a:fld id="{DD20F09D-B375-B446-8D61-90653E4EE1AB}" type="slidenum">
+              <a:rPr kumimoji="0" lang="en-US" sz="1200" b="0" i="0" u="none" strike="noStrike" kern="1200" cap="none" spc="0" normalizeH="0" baseline="0" noProof="0" smtClean="0">
+                <a:ln>
+                  <a:noFill/>
+                </a:ln>
+                <a:solidFill>
+                  <a:prstClr val="black">
+                    <a:tint val="75000"/>
+                  </a:prstClr>
+                </a:solidFill>
+                <a:effectLst/>
+                <a:uLnTx/>
+                <a:uFillTx/>
+                <a:latin typeface="Arial" panose="020B0604020202020204" pitchFamily="34" charset="0"/>
+                <a:ea typeface="+mn-ea"/>
+                <a:cs typeface="+mn-cs"/>
+              </a:rPr>
+              <a:pPr marL="0" marR="0" lvl="0" indent="0" algn="r" defTabSz="914400" rtl="0" eaLnBrk="1" fontAlgn="auto" latinLnBrk="0" hangingPunct="1">
+                <a:lnSpc>
+                  <a:spcPct val="100000"/>
+                </a:lnSpc>
+                <a:spcBef>
+                  <a:spcPts val="0"/>
+                </a:spcBef>
+                <a:spcAft>
+                  <a:spcPts val="0"/>
+                </a:spcAft>
+                <a:buClrTx/>
+                <a:buSzTx/>
+                <a:buFontTx/>
+                <a:buNone/>
+                <a:tabLst/>
+                <a:defRPr/>
+              </a:pPr>
+              <a:t>8</a:t>
+            </a:fld>
+            <a:endParaRPr kumimoji="0" lang="en-US" sz="1200" b="0" i="0" u="none" strike="noStrike" kern="1200" cap="none" spc="0" normalizeH="0" baseline="0" noProof="0">
+              <a:ln>
+                <a:noFill/>
+              </a:ln>
+              <a:solidFill>
+                <a:prstClr val="black">
+                  <a:tint val="75000"/>
+                </a:prstClr>
+              </a:solidFill>
+              <a:effectLst/>
+              <a:uLnTx/>
+              <a:uFillTx/>
+              <a:latin typeface="Arial" panose="020B0604020202020204" pitchFamily="34" charset="0"/>
+              <a:ea typeface="+mn-ea"/>
+              <a:cs typeface="+mn-cs"/>
+            </a:endParaRPr>
+          </a:p>
+        </p:txBody>
+      </p:sp>
+      <p:sp>
+        <p:nvSpPr>
+          <p:cNvPr id="5" name="Footer Placeholder 4">
+            <a:extLst>
+              <a:ext uri="{FF2B5EF4-FFF2-40B4-BE49-F238E27FC236}">
+                <a16:creationId xmlns:a16="http://schemas.microsoft.com/office/drawing/2014/main" id="{FF73425D-2D21-4B89-BE68-7E7B8A95A8C7}"/>
+              </a:ext>
+            </a:extLst>
+          </p:cNvPr>
+          <p:cNvSpPr>
+            <a:spLocks noGrp="1"/>
+          </p:cNvSpPr>
+          <p:nvPr>
+            <p:ph type="ftr" sz="quarter" idx="11"/>
+          </p:nvPr>
+        </p:nvSpPr>
+        <p:spPr/>
+        <p:txBody>
+          <a:bodyPr/>
+          <a:lstStyle/>
+          <a:p>
+            <a:r>
+              <a:rPr lang="en-US"/>
+              <a:t>Anthony Tropiano, APS April 2021 Meeting</a:t>
+            </a:r>
+          </a:p>
+        </p:txBody>
+      </p:sp>
+      <p:pic>
+        <p:nvPicPr>
+          <p:cNvPr id="6" name="Picture 5">
+            <a:extLst>
+              <a:ext uri="{FF2B5EF4-FFF2-40B4-BE49-F238E27FC236}">
+                <a16:creationId xmlns:a16="http://schemas.microsoft.com/office/drawing/2014/main" id="{FC3A2D0B-F99F-4C72-88CC-FCB8456A6E9D}"/>
+              </a:ext>
+            </a:extLst>
+          </p:cNvPr>
+          <p:cNvPicPr>
+            <a:picLocks noChangeAspect="1"/>
+          </p:cNvPicPr>
+          <p:nvPr/>
+        </p:nvPicPr>
+        <p:blipFill>
+          <a:blip r:embed="rId3"/>
+          <a:stretch>
+            <a:fillRect/>
+          </a:stretch>
+        </p:blipFill>
+        <p:spPr>
+          <a:xfrm>
+            <a:off x="4856586" y="1839571"/>
+            <a:ext cx="7350596" cy="3840480"/>
+          </a:xfrm>
+          <a:prstGeom prst="rect">
+            <a:avLst/>
+          </a:prstGeom>
+        </p:spPr>
+      </p:pic>
+      <p:sp>
+        <p:nvSpPr>
+          <p:cNvPr id="7" name="TextBox 6">
+            <a:extLst>
+              <a:ext uri="{FF2B5EF4-FFF2-40B4-BE49-F238E27FC236}">
+                <a16:creationId xmlns:a16="http://schemas.microsoft.com/office/drawing/2014/main" id="{A622A652-F411-4E96-A701-1399EE210AB9}"/>
+              </a:ext>
+            </a:extLst>
+          </p:cNvPr>
+          <p:cNvSpPr txBox="1"/>
+          <p:nvPr/>
+        </p:nvSpPr>
+        <p:spPr>
+          <a:xfrm>
+            <a:off x="6630997" y="1437631"/>
+            <a:ext cx="1673792" cy="461665"/>
+          </a:xfrm>
+          <a:prstGeom prst="rect">
+            <a:avLst/>
+          </a:prstGeom>
+          <a:noFill/>
+        </p:spPr>
+        <p:txBody>
+          <a:bodyPr wrap="none" rtlCol="0">
+            <a:spAutoFit/>
+          </a:bodyPr>
+          <a:lstStyle/>
+          <a:p>
+            <a:r>
+              <a:rPr lang="en-US" sz="2400" dirty="0"/>
+              <a:t>SRC in AV18</a:t>
+            </a:r>
+          </a:p>
+        </p:txBody>
+      </p:sp>
+      <p:sp>
+        <p:nvSpPr>
+          <p:cNvPr id="8" name="TextBox 7">
+            <a:extLst>
+              <a:ext uri="{FF2B5EF4-FFF2-40B4-BE49-F238E27FC236}">
+                <a16:creationId xmlns:a16="http://schemas.microsoft.com/office/drawing/2014/main" id="{A7C10091-ED46-4F26-8351-F86C9113E5CB}"/>
+              </a:ext>
+            </a:extLst>
+          </p:cNvPr>
+          <p:cNvSpPr txBox="1"/>
+          <p:nvPr/>
+        </p:nvSpPr>
+        <p:spPr>
+          <a:xfrm>
+            <a:off x="9152986" y="1437631"/>
+            <a:ext cx="1352617" cy="461665"/>
+          </a:xfrm>
+          <a:prstGeom prst="rect">
+            <a:avLst/>
+          </a:prstGeom>
+          <a:noFill/>
+        </p:spPr>
+        <p:txBody>
+          <a:bodyPr wrap="square" rtlCol="0">
+            <a:spAutoFit/>
+          </a:bodyPr>
+          <a:lstStyle/>
+          <a:p>
+            <a:r>
+              <a:rPr lang="en-US" sz="2400" dirty="0"/>
+              <a:t>No SRC</a:t>
+            </a:r>
+          </a:p>
+        </p:txBody>
+      </p:sp>
+      <p:sp>
+        <p:nvSpPr>
+          <p:cNvPr id="9" name="TextBox 8">
+            <a:extLst>
+              <a:ext uri="{FF2B5EF4-FFF2-40B4-BE49-F238E27FC236}">
+                <a16:creationId xmlns:a16="http://schemas.microsoft.com/office/drawing/2014/main" id="{421026AE-F120-4AE7-B568-8203D7BD9516}"/>
+              </a:ext>
+            </a:extLst>
+          </p:cNvPr>
+          <p:cNvSpPr txBox="1"/>
+          <p:nvPr/>
+        </p:nvSpPr>
+        <p:spPr>
+          <a:xfrm>
+            <a:off x="6357052" y="5620325"/>
+            <a:ext cx="5350524" cy="646331"/>
+          </a:xfrm>
+          <a:prstGeom prst="rect">
+            <a:avLst/>
+          </a:prstGeom>
+          <a:noFill/>
+        </p:spPr>
+        <p:txBody>
+          <a:bodyPr wrap="square" rtlCol="0">
+            <a:spAutoFit/>
+          </a:bodyPr>
+          <a:lstStyle/>
+          <a:p>
+            <a:r>
+              <a:rPr lang="en-US" dirty="0">
+                <a:latin typeface="Arial" panose="020B0604020202020204" pitchFamily="34" charset="0"/>
+                <a:cs typeface="Arial" panose="020B0604020202020204" pitchFamily="34" charset="0"/>
+              </a:rPr>
+              <a:t>Fig. 2: SRG evolution of deuteron wave function in coordinate space for AV18 and </a:t>
+            </a:r>
+            <a:r>
+              <a:rPr lang="en-US" dirty="0" err="1">
+                <a:latin typeface="Arial" panose="020B0604020202020204" pitchFamily="34" charset="0"/>
+                <a:cs typeface="Arial" panose="020B0604020202020204" pitchFamily="34" charset="0"/>
+              </a:rPr>
+              <a:t>Gezerlis</a:t>
+            </a:r>
+            <a:r>
+              <a:rPr lang="en-US" dirty="0">
+                <a:latin typeface="Arial" panose="020B0604020202020204" pitchFamily="34" charset="0"/>
+                <a:cs typeface="Arial" panose="020B0604020202020204" pitchFamily="34" charset="0"/>
+              </a:rPr>
+              <a:t> N2LO</a:t>
+            </a:r>
+            <a:r>
+              <a:rPr lang="en-US" baseline="30000" dirty="0">
+                <a:latin typeface="Arial" panose="020B0604020202020204" pitchFamily="34" charset="0"/>
+                <a:cs typeface="Arial" panose="020B0604020202020204" pitchFamily="34" charset="0"/>
+              </a:rPr>
+              <a:t>1</a:t>
+            </a:r>
+            <a:r>
+              <a:rPr lang="en-US" dirty="0">
+                <a:latin typeface="Arial" panose="020B0604020202020204" pitchFamily="34" charset="0"/>
+                <a:cs typeface="Arial" panose="020B0604020202020204" pitchFamily="34" charset="0"/>
+              </a:rPr>
+              <a:t>.</a:t>
+            </a:r>
+          </a:p>
+        </p:txBody>
+      </p:sp>
+      <p:sp>
+        <p:nvSpPr>
+          <p:cNvPr id="10" name="TextBox 9">
+            <a:extLst>
+              <a:ext uri="{FF2B5EF4-FFF2-40B4-BE49-F238E27FC236}">
+                <a16:creationId xmlns:a16="http://schemas.microsoft.com/office/drawing/2014/main" id="{375275E1-56FA-4DD7-AA2B-886E7C71BB73}"/>
+              </a:ext>
+            </a:extLst>
+          </p:cNvPr>
+          <p:cNvSpPr txBox="1"/>
+          <p:nvPr/>
+        </p:nvSpPr>
+        <p:spPr>
+          <a:xfrm>
+            <a:off x="0" y="6455968"/>
+            <a:ext cx="4856586" cy="523220"/>
+          </a:xfrm>
+          <a:prstGeom prst="rect">
+            <a:avLst/>
+          </a:prstGeom>
+          <a:noFill/>
+        </p:spPr>
+        <p:txBody>
+          <a:bodyPr wrap="none" rtlCol="0">
+            <a:spAutoFit/>
+          </a:bodyPr>
+          <a:lstStyle/>
+          <a:p>
+            <a:r>
+              <a:rPr lang="en-US" sz="1600" baseline="30000" dirty="0">
+                <a:latin typeface="Arial" panose="020B0604020202020204" pitchFamily="34" charset="0"/>
+                <a:cs typeface="Arial" panose="020B0604020202020204" pitchFamily="34" charset="0"/>
+              </a:rPr>
+              <a:t>1</a:t>
+            </a:r>
+            <a:r>
+              <a:rPr lang="en-US" sz="1600" dirty="0">
+                <a:latin typeface="Arial" panose="020B0604020202020204" pitchFamily="34" charset="0"/>
+                <a:cs typeface="Arial" panose="020B0604020202020204" pitchFamily="34" charset="0"/>
+              </a:rPr>
+              <a:t>A. </a:t>
+            </a:r>
+            <a:r>
+              <a:rPr lang="en-US" sz="1600" dirty="0" err="1">
+                <a:latin typeface="Arial" panose="020B0604020202020204" pitchFamily="34" charset="0"/>
+                <a:cs typeface="Arial" panose="020B0604020202020204" pitchFamily="34" charset="0"/>
+              </a:rPr>
+              <a:t>Gezerlis</a:t>
+            </a:r>
+            <a:r>
+              <a:rPr lang="en-US" sz="1600" dirty="0">
+                <a:latin typeface="Arial" panose="020B0604020202020204" pitchFamily="34" charset="0"/>
+                <a:cs typeface="Arial" panose="020B0604020202020204" pitchFamily="34" charset="0"/>
+              </a:rPr>
+              <a:t> et al., Phys. Rev. C </a:t>
+            </a:r>
+            <a:r>
+              <a:rPr lang="en-US" sz="1600" b="1" dirty="0">
+                <a:latin typeface="Arial" panose="020B0604020202020204" pitchFamily="34" charset="0"/>
+                <a:cs typeface="Arial" panose="020B0604020202020204" pitchFamily="34" charset="0"/>
+              </a:rPr>
+              <a:t>90</a:t>
+            </a:r>
+            <a:r>
+              <a:rPr lang="en-US" sz="1600" dirty="0">
+                <a:latin typeface="Arial" panose="020B0604020202020204" pitchFamily="34" charset="0"/>
+                <a:cs typeface="Arial" panose="020B0604020202020204" pitchFamily="34" charset="0"/>
+              </a:rPr>
+              <a:t>, 054323 (2014)</a:t>
+            </a:r>
+            <a:endParaRPr lang="en-US" sz="1600" baseline="30000" dirty="0">
+              <a:latin typeface="Arial" panose="020B0604020202020204" pitchFamily="34" charset="0"/>
+              <a:cs typeface="Arial" panose="020B0604020202020204" pitchFamily="34" charset="0"/>
+            </a:endParaRPr>
+          </a:p>
+          <a:p>
+            <a:endParaRPr lang="en-US" baseline="30000" dirty="0">
+              <a:latin typeface="Arial" panose="020B0604020202020204" pitchFamily="34" charset="0"/>
+              <a:cs typeface="Arial" panose="020B0604020202020204" pitchFamily="34" charset="0"/>
+            </a:endParaRPr>
+          </a:p>
+        </p:txBody>
+      </p:sp>
+      <p:cxnSp>
+        <p:nvCxnSpPr>
+          <p:cNvPr id="11" name="Straight Arrow Connector 10">
+            <a:extLst>
+              <a:ext uri="{FF2B5EF4-FFF2-40B4-BE49-F238E27FC236}">
+                <a16:creationId xmlns:a16="http://schemas.microsoft.com/office/drawing/2014/main" id="{5CC22A37-F93F-4C71-913A-E291AC1CDAEC}"/>
+              </a:ext>
+            </a:extLst>
+          </p:cNvPr>
+          <p:cNvCxnSpPr>
+            <a:cxnSpLocks/>
+          </p:cNvCxnSpPr>
+          <p:nvPr/>
+        </p:nvCxnSpPr>
+        <p:spPr>
+          <a:xfrm flipH="1">
+            <a:off x="6127640" y="1984004"/>
+            <a:ext cx="1232338" cy="1324728"/>
+          </a:xfrm>
+          <a:prstGeom prst="straightConnector1">
+            <a:avLst/>
+          </a:prstGeom>
+          <a:ln w="38100">
+            <a:solidFill>
+              <a:srgbClr val="FF0000"/>
+            </a:solidFill>
+            <a:tailEnd type="triangle"/>
+          </a:ln>
+        </p:spPr>
+        <p:style>
+          <a:lnRef idx="1">
+            <a:schemeClr val="accent1"/>
+          </a:lnRef>
+          <a:fillRef idx="0">
+            <a:schemeClr val="accent1"/>
+          </a:fillRef>
+          <a:effectRef idx="0">
+            <a:schemeClr val="accent1"/>
+          </a:effectRef>
+          <a:fontRef idx="minor">
+            <a:schemeClr val="tx1"/>
+          </a:fontRef>
+        </p:style>
+      </p:cxnSp>
+      <p:cxnSp>
+        <p:nvCxnSpPr>
+          <p:cNvPr id="12" name="Straight Arrow Connector 11">
+            <a:extLst>
+              <a:ext uri="{FF2B5EF4-FFF2-40B4-BE49-F238E27FC236}">
+                <a16:creationId xmlns:a16="http://schemas.microsoft.com/office/drawing/2014/main" id="{B1DCC2F8-3FB9-4CFC-9118-EDF382688060}"/>
+              </a:ext>
+            </a:extLst>
+          </p:cNvPr>
+          <p:cNvCxnSpPr>
+            <a:cxnSpLocks/>
+          </p:cNvCxnSpPr>
+          <p:nvPr/>
+        </p:nvCxnSpPr>
+        <p:spPr>
+          <a:xfrm flipH="1">
+            <a:off x="9152986" y="1913242"/>
+            <a:ext cx="290351" cy="502293"/>
+          </a:xfrm>
+          <a:prstGeom prst="straightConnector1">
+            <a:avLst/>
+          </a:prstGeom>
+          <a:ln w="38100">
+            <a:solidFill>
+              <a:srgbClr val="FF0000"/>
+            </a:solidFill>
+            <a:tailEnd type="triangle"/>
+          </a:ln>
+        </p:spPr>
+        <p:style>
+          <a:lnRef idx="1">
+            <a:schemeClr val="accent1"/>
+          </a:lnRef>
+          <a:fillRef idx="0">
+            <a:schemeClr val="accent1"/>
+          </a:fillRef>
+          <a:effectRef idx="0">
+            <a:schemeClr val="accent1"/>
+          </a:effectRef>
+          <a:fontRef idx="minor">
+            <a:schemeClr val="tx1"/>
+          </a:fontRef>
+        </p:style>
+      </p:cxnSp>
+    </p:spTree>
+    <p:extLst>
+      <p:ext uri="{BB962C8B-B14F-4D97-AF65-F5344CB8AC3E}">
+        <p14:creationId xmlns:p14="http://schemas.microsoft.com/office/powerpoint/2010/main" val="962968880"/>
+      </p:ext>
+    </p:extLst>
+  </p:cSld>
+  <p:clrMapOvr>
+    <a:masterClrMapping/>
+  </p:clrMapOvr>
+</p:sld>
+</file>
+
+<file path=ppt/slides/slide9.xml><?xml version="1.0" encoding="utf-8"?>
+<p:sld xmlns:a="http://schemas.openxmlformats.org/drawingml/2006/main" xmlns:r="http://schemas.openxmlformats.org/officeDocument/2006/relationships" xmlns:p="http://schemas.openxmlformats.org/presentationml/2006/main">
+  <p:cSld>
+    <p:spTree>
+      <p:nvGrpSpPr>
+        <p:cNvPr id="1" name=""/>
+        <p:cNvGrpSpPr/>
+        <p:nvPr/>
+      </p:nvGrpSpPr>
+      <p:grpSpPr>
+        <a:xfrm>
+          <a:off x="0" y="0"/>
+          <a:ext cx="0" cy="0"/>
+          <a:chOff x="0" y="0"/>
+          <a:chExt cx="0" cy="0"/>
+        </a:xfrm>
+      </p:grpSpPr>
+      <p:sp>
+        <p:nvSpPr>
+          <p:cNvPr id="2" name="Title 1">
+            <a:extLst>
+              <a:ext uri="{FF2B5EF4-FFF2-40B4-BE49-F238E27FC236}">
+                <a16:creationId xmlns:a16="http://schemas.microsoft.com/office/drawing/2014/main" id="{9FECE9C7-FBB0-B54D-8E92-C3BC6CA96ED2}"/>
+              </a:ext>
+            </a:extLst>
+          </p:cNvPr>
+          <p:cNvSpPr>
+            <a:spLocks noGrp="1"/>
+          </p:cNvSpPr>
+          <p:nvPr>
+            <p:ph type="title"/>
+          </p:nvPr>
+        </p:nvSpPr>
+        <p:spPr/>
+        <p:txBody>
+          <a:bodyPr/>
+          <a:lstStyle/>
+          <a:p>
+            <a:pPr>
+              <a:lnSpc>
+                <a:spcPct val="100000"/>
+              </a:lnSpc>
+            </a:pPr>
+            <a:r>
+              <a:rPr lang="en-US" dirty="0">
+                <a:solidFill>
+                  <a:srgbClr val="002060"/>
+                </a:solidFill>
+              </a:rPr>
+              <a:t>Factorization</a:t>
+            </a:r>
+            <a:endParaRPr lang="en-US" dirty="0">
+              <a:solidFill>
+                <a:srgbClr val="002060"/>
+              </a:solidFill>
+              <a:latin typeface="Arial" panose="020B0604020202020204" pitchFamily="34" charset="0"/>
+            </a:endParaRPr>
+          </a:p>
+        </p:txBody>
+      </p:sp>
+      <p:sp>
+        <p:nvSpPr>
+          <p:cNvPr id="3" name="Content Placeholder 2">
+            <a:extLst>
+              <a:ext uri="{FF2B5EF4-FFF2-40B4-BE49-F238E27FC236}">
+                <a16:creationId xmlns:a16="http://schemas.microsoft.com/office/drawing/2014/main" id="{1A8FA9B3-1B32-894B-93C2-F90FB63CBDAA}"/>
+              </a:ext>
+            </a:extLst>
+          </p:cNvPr>
+          <p:cNvSpPr>
+            <a:spLocks noGrp="1"/>
+          </p:cNvSpPr>
+          <p:nvPr>
+            <p:ph idx="1"/>
+          </p:nvPr>
+        </p:nvSpPr>
+        <p:spPr/>
+        <p:txBody>
+          <a:bodyPr>
+            <a:noAutofit/>
+          </a:bodyPr>
+          <a:lstStyle/>
+          <a:p>
+            <a:pPr>
+              <a:lnSpc>
+                <a:spcPct val="100000"/>
+              </a:lnSpc>
+            </a:pPr>
+            <a:r>
+              <a:rPr lang="en-US" sz="2600" dirty="0"/>
+              <a:t>Very brief second quantized equations of U(</a:t>
+            </a:r>
+            <a:r>
+              <a:rPr lang="en-US" sz="2600" dirty="0" err="1"/>
+              <a:t>k,k</a:t>
+            </a:r>
+            <a:r>
+              <a:rPr lang="en-US" sz="2600" dirty="0"/>
+              <a:t>'), n(q), etc. (Maybe write final expression stating what is important (high-q piece).)</a:t>
+            </a:r>
+          </a:p>
+          <a:p>
+            <a:pPr>
+              <a:lnSpc>
+                <a:spcPct val="100000"/>
+              </a:lnSpc>
+            </a:pPr>
+            <a:r>
+              <a:rPr lang="en-US" sz="2600" dirty="0"/>
+              <a:t>Highlight factorization (add schematic)</a:t>
+            </a:r>
+          </a:p>
+          <a:p>
+            <a:pPr>
+              <a:lnSpc>
+                <a:spcPct val="100000"/>
+              </a:lnSpc>
+            </a:pPr>
+            <a:r>
+              <a:rPr lang="en-US" sz="2600" dirty="0">
+                <a:sym typeface="Wingdings" panose="05000000000000000000" pitchFamily="2" charset="2"/>
+              </a:rPr>
+              <a:t>Evaluate A-body matrix elements with LDA</a:t>
+            </a:r>
+            <a:endParaRPr lang="en-US" sz="2600" dirty="0"/>
+          </a:p>
+        </p:txBody>
+      </p:sp>
+      <p:sp>
+        <p:nvSpPr>
+          <p:cNvPr id="4" name="Slide Number Placeholder 3">
+            <a:extLst>
+              <a:ext uri="{FF2B5EF4-FFF2-40B4-BE49-F238E27FC236}">
+                <a16:creationId xmlns:a16="http://schemas.microsoft.com/office/drawing/2014/main" id="{DC1A2BB9-1F00-304F-9B4C-2EBE5F4461ED}"/>
+              </a:ext>
+            </a:extLst>
+          </p:cNvPr>
+          <p:cNvSpPr>
+            <a:spLocks noGrp="1"/>
+          </p:cNvSpPr>
+          <p:nvPr>
+            <p:ph type="sldNum" sz="quarter" idx="12"/>
+          </p:nvPr>
+        </p:nvSpPr>
+        <p:spPr/>
+        <p:txBody>
+          <a:bodyPr/>
+          <a:lstStyle/>
+          <a:p>
+            <a:pPr marL="0" marR="0" lvl="0" indent="0" algn="r" defTabSz="914400" rtl="0" eaLnBrk="1" fontAlgn="auto" latinLnBrk="0" hangingPunct="1">
+              <a:lnSpc>
+                <a:spcPct val="100000"/>
+              </a:lnSpc>
+              <a:spcBef>
+                <a:spcPts val="0"/>
+              </a:spcBef>
+              <a:spcAft>
+                <a:spcPts val="0"/>
+              </a:spcAft>
+              <a:buClrTx/>
+              <a:buSzTx/>
+              <a:buFontTx/>
+              <a:buNone/>
+              <a:tabLst/>
+              <a:defRPr/>
+            </a:pPr>
+            <a:fld id="{DD20F09D-B375-B446-8D61-90653E4EE1AB}" type="slidenum">
+              <a:rPr kumimoji="0" lang="en-US" sz="1200" b="0" i="0" u="none" strike="noStrike" kern="1200" cap="none" spc="0" normalizeH="0" baseline="0" noProof="0" smtClean="0">
+                <a:ln>
+                  <a:noFill/>
+                </a:ln>
+                <a:solidFill>
+                  <a:prstClr val="black">
+                    <a:tint val="75000"/>
+                  </a:prstClr>
+                </a:solidFill>
+                <a:effectLst/>
+                <a:uLnTx/>
+                <a:uFillTx/>
+                <a:latin typeface="Arial" panose="020B0604020202020204" pitchFamily="34" charset="0"/>
+                <a:ea typeface="+mn-ea"/>
+                <a:cs typeface="+mn-cs"/>
+              </a:rPr>
+              <a:pPr marL="0" marR="0" lvl="0" indent="0" algn="r" defTabSz="914400" rtl="0" eaLnBrk="1" fontAlgn="auto" latinLnBrk="0" hangingPunct="1">
+                <a:lnSpc>
+                  <a:spcPct val="100000"/>
+                </a:lnSpc>
+                <a:spcBef>
+                  <a:spcPts val="0"/>
+                </a:spcBef>
+                <a:spcAft>
+                  <a:spcPts val="0"/>
+                </a:spcAft>
+                <a:buClrTx/>
+                <a:buSzTx/>
+                <a:buFontTx/>
+                <a:buNone/>
+                <a:tabLst/>
+                <a:defRPr/>
+              </a:pPr>
+              <a:t>9</a:t>
+            </a:fld>
+            <a:endParaRPr kumimoji="0" lang="en-US" sz="1200" b="0" i="0" u="none" strike="noStrike" kern="1200" cap="none" spc="0" normalizeH="0" baseline="0" noProof="0">
+              <a:ln>
+                <a:noFill/>
+              </a:ln>
+              <a:solidFill>
+                <a:prstClr val="black">
+                  <a:tint val="75000"/>
+                </a:prstClr>
+              </a:solidFill>
+              <a:effectLst/>
+              <a:uLnTx/>
+              <a:uFillTx/>
+              <a:latin typeface="Arial" panose="020B0604020202020204" pitchFamily="34" charset="0"/>
+              <a:ea typeface="+mn-ea"/>
+              <a:cs typeface="+mn-cs"/>
+            </a:endParaRPr>
+          </a:p>
+        </p:txBody>
+      </p:sp>
+      <p:sp>
+        <p:nvSpPr>
+          <p:cNvPr id="5" name="Footer Placeholder 4">
+            <a:extLst>
+              <a:ext uri="{FF2B5EF4-FFF2-40B4-BE49-F238E27FC236}">
+                <a16:creationId xmlns:a16="http://schemas.microsoft.com/office/drawing/2014/main" id="{FF73425D-2D21-4B89-BE68-7E7B8A95A8C7}"/>
+              </a:ext>
+            </a:extLst>
+          </p:cNvPr>
+          <p:cNvSpPr>
+            <a:spLocks noGrp="1"/>
+          </p:cNvSpPr>
+          <p:nvPr>
+            <p:ph type="ftr" sz="quarter" idx="11"/>
+          </p:nvPr>
+        </p:nvSpPr>
+        <p:spPr/>
+        <p:txBody>
+          <a:bodyPr/>
+          <a:lstStyle/>
+          <a:p>
+            <a:r>
+              <a:rPr lang="en-US" dirty="0"/>
+              <a:t>Anthony Tropiano, APS April 2021 Meeting</a:t>
+            </a:r>
+          </a:p>
+        </p:txBody>
+      </p:sp>
+      <p:pic>
+        <p:nvPicPr>
+          <p:cNvPr id="7" name="Picture 6" descr="Chart&#10;&#10;Description automatically generated with low confidence">
+            <a:extLst>
+              <a:ext uri="{FF2B5EF4-FFF2-40B4-BE49-F238E27FC236}">
+                <a16:creationId xmlns:a16="http://schemas.microsoft.com/office/drawing/2014/main" id="{9BBB5479-FE3B-4C53-969D-FF59EFF8F134}"/>
+              </a:ext>
+            </a:extLst>
+          </p:cNvPr>
+          <p:cNvPicPr>
+            <a:picLocks noChangeAspect="1"/>
+          </p:cNvPicPr>
+          <p:nvPr/>
+        </p:nvPicPr>
+        <p:blipFill>
+          <a:blip r:embed="rId3">
+            <a:extLst>
+              <a:ext uri="{28A0092B-C50C-407E-A947-70E740481C1C}">
+                <a14:useLocalDpi xmlns:a14="http://schemas.microsoft.com/office/drawing/2010/main" val="0"/>
+              </a:ext>
+            </a:extLst>
+          </a:blip>
+          <a:stretch>
+            <a:fillRect/>
+          </a:stretch>
+        </p:blipFill>
+        <p:spPr>
+          <a:xfrm>
+            <a:off x="373967" y="3956235"/>
+            <a:ext cx="2697653" cy="2651760"/>
+          </a:xfrm>
+          <a:prstGeom prst="rect">
+            <a:avLst/>
+          </a:prstGeom>
+        </p:spPr>
+      </p:pic>
+      <p:pic>
+        <p:nvPicPr>
+          <p:cNvPr id="9" name="Picture 8" descr="Chart&#10;&#10;Description automatically generated">
+            <a:extLst>
+              <a:ext uri="{FF2B5EF4-FFF2-40B4-BE49-F238E27FC236}">
+                <a16:creationId xmlns:a16="http://schemas.microsoft.com/office/drawing/2014/main" id="{8D2D9EBA-87A7-4F89-9406-BB2C6BE84443}"/>
+              </a:ext>
+            </a:extLst>
+          </p:cNvPr>
+          <p:cNvPicPr>
+            <a:picLocks noChangeAspect="1"/>
+          </p:cNvPicPr>
+          <p:nvPr/>
+        </p:nvPicPr>
+        <p:blipFill>
+          <a:blip r:embed="rId4">
+            <a:extLst>
+              <a:ext uri="{28A0092B-C50C-407E-A947-70E740481C1C}">
+                <a14:useLocalDpi xmlns:a14="http://schemas.microsoft.com/office/drawing/2010/main" val="0"/>
+              </a:ext>
+            </a:extLst>
+          </a:blip>
+          <a:stretch>
+            <a:fillRect/>
+          </a:stretch>
+        </p:blipFill>
+        <p:spPr>
+          <a:xfrm>
+            <a:off x="3340105" y="3740719"/>
+            <a:ext cx="2697653" cy="2651760"/>
+          </a:xfrm>
+          <a:prstGeom prst="rect">
+            <a:avLst/>
+          </a:prstGeom>
+        </p:spPr>
+      </p:pic>
+      <p:pic>
+        <p:nvPicPr>
+          <p:cNvPr id="11" name="Picture 10" descr="Chart, histogram&#10;&#10;Description automatically generated">
+            <a:extLst>
+              <a:ext uri="{FF2B5EF4-FFF2-40B4-BE49-F238E27FC236}">
+                <a16:creationId xmlns:a16="http://schemas.microsoft.com/office/drawing/2014/main" id="{95FB8CD3-B4FC-4245-8EA6-110695F281B0}"/>
+              </a:ext>
+            </a:extLst>
+          </p:cNvPr>
+          <p:cNvPicPr>
+            <a:picLocks noChangeAspect="1"/>
+          </p:cNvPicPr>
+          <p:nvPr/>
+        </p:nvPicPr>
+        <p:blipFill>
+          <a:blip r:embed="rId5">
+            <a:extLst>
+              <a:ext uri="{28A0092B-C50C-407E-A947-70E740481C1C}">
+                <a14:useLocalDpi xmlns:a14="http://schemas.microsoft.com/office/drawing/2010/main" val="0"/>
+              </a:ext>
+            </a:extLst>
+          </a:blip>
+          <a:stretch>
+            <a:fillRect/>
+          </a:stretch>
+        </p:blipFill>
+        <p:spPr>
+          <a:xfrm>
+            <a:off x="6289132" y="3740719"/>
+            <a:ext cx="2697653" cy="2651760"/>
+          </a:xfrm>
+          <a:prstGeom prst="rect">
+            <a:avLst/>
+          </a:prstGeom>
+        </p:spPr>
+      </p:pic>
+      <p:pic>
+        <p:nvPicPr>
+          <p:cNvPr id="13" name="Picture 12" descr="Chart, line chart&#10;&#10;Description automatically generated">
+            <a:extLst>
+              <a:ext uri="{FF2B5EF4-FFF2-40B4-BE49-F238E27FC236}">
+                <a16:creationId xmlns:a16="http://schemas.microsoft.com/office/drawing/2014/main" id="{F745A9EA-E410-4EB8-921B-E73D55BDA06D}"/>
+              </a:ext>
+            </a:extLst>
+          </p:cNvPr>
+          <p:cNvPicPr>
+            <a:picLocks noChangeAspect="1"/>
+          </p:cNvPicPr>
+          <p:nvPr/>
+        </p:nvPicPr>
+        <p:blipFill>
+          <a:blip r:embed="rId6">
+            <a:extLst>
+              <a:ext uri="{28A0092B-C50C-407E-A947-70E740481C1C}">
+                <a14:useLocalDpi xmlns:a14="http://schemas.microsoft.com/office/drawing/2010/main" val="0"/>
+              </a:ext>
+            </a:extLst>
+          </a:blip>
+          <a:stretch>
+            <a:fillRect/>
+          </a:stretch>
+        </p:blipFill>
+        <p:spPr>
+          <a:xfrm>
+            <a:off x="9113347" y="3875724"/>
+            <a:ext cx="2697653" cy="2651760"/>
+          </a:xfrm>
+          <a:prstGeom prst="rect">
+            <a:avLst/>
+          </a:prstGeom>
+        </p:spPr>
+      </p:pic>
+    </p:spTree>
+    <p:extLst>
+      <p:ext uri="{BB962C8B-B14F-4D97-AF65-F5344CB8AC3E}">
+        <p14:creationId xmlns:p14="http://schemas.microsoft.com/office/powerpoint/2010/main" val="364295809"/>
       </p:ext>
     </p:extLst>
   </p:cSld>

--- a/Presentations/APS_April2021/tropiano_aps_april2021.pptx
+++ b/Presentations/APS_April2021/tropiano_aps_april2021.pptx
@@ -6,11 +6,11 @@
     <p:sldMasterId id="2147483672" r:id="rId2"/>
   </p:sldMasterIdLst>
   <p:notesMasterIdLst>
-    <p:notesMasterId r:id="rId27"/>
+    <p:notesMasterId r:id="rId30"/>
   </p:notesMasterIdLst>
   <p:sldIdLst>
     <p:sldId id="260" r:id="rId3"/>
-    <p:sldId id="275" r:id="rId4"/>
+    <p:sldId id="360" r:id="rId4"/>
     <p:sldId id="284" r:id="rId5"/>
     <p:sldId id="295" r:id="rId6"/>
     <p:sldId id="286" r:id="rId7"/>
@@ -18,21 +18,24 @@
     <p:sldId id="270" r:id="rId9"/>
     <p:sldId id="332" r:id="rId10"/>
     <p:sldId id="281" r:id="rId11"/>
-    <p:sldId id="334" r:id="rId12"/>
-    <p:sldId id="335" r:id="rId13"/>
-    <p:sldId id="338" r:id="rId14"/>
-    <p:sldId id="339" r:id="rId15"/>
-    <p:sldId id="343" r:id="rId16"/>
-    <p:sldId id="345" r:id="rId17"/>
-    <p:sldId id="346" r:id="rId18"/>
-    <p:sldId id="351" r:id="rId19"/>
-    <p:sldId id="352" r:id="rId20"/>
-    <p:sldId id="353" r:id="rId21"/>
-    <p:sldId id="283" r:id="rId22"/>
-    <p:sldId id="355" r:id="rId23"/>
-    <p:sldId id="288" r:id="rId24"/>
-    <p:sldId id="289" r:id="rId25"/>
-    <p:sldId id="290" r:id="rId26"/>
+    <p:sldId id="356" r:id="rId12"/>
+    <p:sldId id="334" r:id="rId13"/>
+    <p:sldId id="335" r:id="rId14"/>
+    <p:sldId id="338" r:id="rId15"/>
+    <p:sldId id="339" r:id="rId16"/>
+    <p:sldId id="343" r:id="rId17"/>
+    <p:sldId id="345" r:id="rId18"/>
+    <p:sldId id="346" r:id="rId19"/>
+    <p:sldId id="351" r:id="rId20"/>
+    <p:sldId id="352" r:id="rId21"/>
+    <p:sldId id="353" r:id="rId22"/>
+    <p:sldId id="358" r:id="rId23"/>
+    <p:sldId id="357" r:id="rId24"/>
+    <p:sldId id="283" r:id="rId25"/>
+    <p:sldId id="355" r:id="rId26"/>
+    <p:sldId id="288" r:id="rId27"/>
+    <p:sldId id="289" r:id="rId28"/>
+    <p:sldId id="290" r:id="rId29"/>
   </p:sldIdLst>
   <p:sldSz cx="12192000" cy="6858000"/>
   <p:notesSz cx="6858000" cy="9144000"/>
@@ -711,7 +714,7 @@
     </p:spTree>
     <p:extLst>
       <p:ext uri="{BB962C8B-B14F-4D97-AF65-F5344CB8AC3E}">
-        <p14:creationId xmlns:p14="http://schemas.microsoft.com/office/powerpoint/2010/main" val="208864931"/>
+        <p14:creationId xmlns:p14="http://schemas.microsoft.com/office/powerpoint/2010/main" val="1133518184"/>
       </p:ext>
     </p:extLst>
   </p:cSld>
@@ -795,7 +798,7 @@
     </p:spTree>
     <p:extLst>
       <p:ext uri="{BB962C8B-B14F-4D97-AF65-F5344CB8AC3E}">
-        <p14:creationId xmlns:p14="http://schemas.microsoft.com/office/powerpoint/2010/main" val="236808593"/>
+        <p14:creationId xmlns:p14="http://schemas.microsoft.com/office/powerpoint/2010/main" val="208864931"/>
       </p:ext>
     </p:extLst>
   </p:cSld>
@@ -879,7 +882,7 @@
     </p:spTree>
     <p:extLst>
       <p:ext uri="{BB962C8B-B14F-4D97-AF65-F5344CB8AC3E}">
-        <p14:creationId xmlns:p14="http://schemas.microsoft.com/office/powerpoint/2010/main" val="2519163818"/>
+        <p14:creationId xmlns:p14="http://schemas.microsoft.com/office/powerpoint/2010/main" val="236808593"/>
       </p:ext>
     </p:extLst>
   </p:cSld>
@@ -963,7 +966,7 @@
     </p:spTree>
     <p:extLst>
       <p:ext uri="{BB962C8B-B14F-4D97-AF65-F5344CB8AC3E}">
-        <p14:creationId xmlns:p14="http://schemas.microsoft.com/office/powerpoint/2010/main" val="1790579713"/>
+        <p14:creationId xmlns:p14="http://schemas.microsoft.com/office/powerpoint/2010/main" val="2519163818"/>
       </p:ext>
     </p:extLst>
   </p:cSld>
@@ -1047,7 +1050,7 @@
     </p:spTree>
     <p:extLst>
       <p:ext uri="{BB962C8B-B14F-4D97-AF65-F5344CB8AC3E}">
-        <p14:creationId xmlns:p14="http://schemas.microsoft.com/office/powerpoint/2010/main" val="3382823009"/>
+        <p14:creationId xmlns:p14="http://schemas.microsoft.com/office/powerpoint/2010/main" val="1790579713"/>
       </p:ext>
     </p:extLst>
   </p:cSld>
@@ -1131,7 +1134,7 @@
     </p:spTree>
     <p:extLst>
       <p:ext uri="{BB962C8B-B14F-4D97-AF65-F5344CB8AC3E}">
-        <p14:creationId xmlns:p14="http://schemas.microsoft.com/office/powerpoint/2010/main" val="506535004"/>
+        <p14:creationId xmlns:p14="http://schemas.microsoft.com/office/powerpoint/2010/main" val="3382823009"/>
       </p:ext>
     </p:extLst>
   </p:cSld>
@@ -1185,46 +1188,7 @@
           <a:bodyPr/>
           <a:lstStyle/>
           <a:p>
-            <a:r>
-              <a:rPr lang="en-US" dirty="0"/>
-              <a:t>Analogous to deuteron, look at high-q part of proton distribution in several nuclei.</a:t>
-            </a:r>
-          </a:p>
-          <a:p>
-            <a:r>
-              <a:rPr lang="en-US" dirty="0"/>
-              <a:t>Dividing by Z, we get roughly the same distribution. Illustrate this with factorization equation </a:t>
-            </a:r>
-            <a:r>
-              <a:rPr lang="en-US" dirty="0" err="1"/>
-              <a:t>F^hi</a:t>
-            </a:r>
-            <a:r>
-              <a:rPr lang="en-US" dirty="0"/>
-              <a:t>(q)^2 &lt; A_\lambda | </a:t>
-            </a:r>
-            <a:r>
-              <a:rPr lang="en-US" dirty="0" err="1"/>
-              <a:t>F^lo</a:t>
-            </a:r>
-            <a:r>
-              <a:rPr lang="en-US" dirty="0"/>
-              <a:t>(k)^2 | A_\lambda &gt; / Z ~ </a:t>
-            </a:r>
-            <a:r>
-              <a:rPr lang="en-US" dirty="0" err="1"/>
-              <a:t>F^hi</a:t>
-            </a:r>
-            <a:r>
-              <a:rPr lang="en-US" dirty="0"/>
-              <a:t>(q)^2 -&gt; does not depend on A!</a:t>
-            </a:r>
-          </a:p>
-          <a:p>
-            <a:r>
-              <a:rPr lang="en-US" dirty="0"/>
-              <a:t>Overlay this slide with AV18 results for 12C, 16O, 40Ca separately.</a:t>
-            </a:r>
+            <a:endParaRPr lang="en-US" dirty="0"/>
           </a:p>
         </p:txBody>
       </p:sp>
@@ -1254,7 +1218,7 @@
     </p:spTree>
     <p:extLst>
       <p:ext uri="{BB962C8B-B14F-4D97-AF65-F5344CB8AC3E}">
-        <p14:creationId xmlns:p14="http://schemas.microsoft.com/office/powerpoint/2010/main" val="1290410743"/>
+        <p14:creationId xmlns:p14="http://schemas.microsoft.com/office/powerpoint/2010/main" val="506535004"/>
       </p:ext>
     </p:extLst>
   </p:cSld>
@@ -1308,46 +1272,7 @@
           <a:bodyPr/>
           <a:lstStyle/>
           <a:p>
-            <a:r>
-              <a:rPr lang="en-US" dirty="0"/>
-              <a:t>Analogous to deuteron, look at high-q part of proton distribution in several nuclei.</a:t>
-            </a:r>
-          </a:p>
-          <a:p>
-            <a:r>
-              <a:rPr lang="en-US" dirty="0"/>
-              <a:t>Dividing by Z, we get roughly the same distribution. Illustrate this with factorization equation </a:t>
-            </a:r>
-            <a:r>
-              <a:rPr lang="en-US" dirty="0" err="1"/>
-              <a:t>F^hi</a:t>
-            </a:r>
-            <a:r>
-              <a:rPr lang="en-US" dirty="0"/>
-              <a:t>(q)^2 &lt; A_\lambda | </a:t>
-            </a:r>
-            <a:r>
-              <a:rPr lang="en-US" dirty="0" err="1"/>
-              <a:t>F^lo</a:t>
-            </a:r>
-            <a:r>
-              <a:rPr lang="en-US" dirty="0"/>
-              <a:t>(k)^2 | A_\lambda &gt; / Z ~ </a:t>
-            </a:r>
-            <a:r>
-              <a:rPr lang="en-US" dirty="0" err="1"/>
-              <a:t>F^hi</a:t>
-            </a:r>
-            <a:r>
-              <a:rPr lang="en-US" dirty="0"/>
-              <a:t>(q)^2 -&gt; does not depend on A!</a:t>
-            </a:r>
-          </a:p>
-          <a:p>
-            <a:r>
-              <a:rPr lang="en-US" dirty="0"/>
-              <a:t>Overlay this slide with AV18 results for 12C, 16O, 40Ca separately.</a:t>
-            </a:r>
+            <a:endParaRPr lang="en-US" dirty="0"/>
           </a:p>
         </p:txBody>
       </p:sp>
@@ -1377,7 +1302,7 @@
     </p:spTree>
     <p:extLst>
       <p:ext uri="{BB962C8B-B14F-4D97-AF65-F5344CB8AC3E}">
-        <p14:creationId xmlns:p14="http://schemas.microsoft.com/office/powerpoint/2010/main" val="3060741714"/>
+        <p14:creationId xmlns:p14="http://schemas.microsoft.com/office/powerpoint/2010/main" val="1290410743"/>
       </p:ext>
     </p:extLst>
   </p:cSld>
@@ -1431,41 +1356,6 @@
           <a:bodyPr/>
           <a:lstStyle/>
           <a:p>
-            <a:r>
-              <a:rPr lang="en-US" dirty="0"/>
-              <a:t>Connect to SRC phenomenology: np dominance from tensor force.</a:t>
-            </a:r>
-          </a:p>
-          <a:p>
-            <a:r>
-              <a:rPr lang="en-US" dirty="0"/>
-              <a:t>Highlight weak nuclear dependence from factorization (and LDA).</a:t>
-            </a:r>
-          </a:p>
-          <a:p>
-            <a:pPr marL="0" marR="0" lvl="0" indent="0" algn="l" defTabSz="914400" rtl="0" eaLnBrk="1" fontAlgn="auto" latinLnBrk="0" hangingPunct="1">
-              <a:lnSpc>
-                <a:spcPct val="100000"/>
-              </a:lnSpc>
-              <a:spcBef>
-                <a:spcPts val="0"/>
-              </a:spcBef>
-              <a:spcAft>
-                <a:spcPts val="0"/>
-              </a:spcAft>
-              <a:buClrTx/>
-              <a:buSzTx/>
-              <a:buFontTx/>
-              <a:buNone/>
-              <a:tabLst/>
-              <a:defRPr/>
-            </a:pPr>
-            <a:r>
-              <a:rPr lang="en-US" dirty="0"/>
-              <a:t>Add pp/p np/p pictures?</a:t>
-            </a:r>
-          </a:p>
-          <a:p>
             <a:endParaRPr lang="en-US" dirty="0"/>
           </a:p>
         </p:txBody>
@@ -1496,7 +1386,7 @@
     </p:spTree>
     <p:extLst>
       <p:ext uri="{BB962C8B-B14F-4D97-AF65-F5344CB8AC3E}">
-        <p14:creationId xmlns:p14="http://schemas.microsoft.com/office/powerpoint/2010/main" val="277731605"/>
+        <p14:creationId xmlns:p14="http://schemas.microsoft.com/office/powerpoint/2010/main" val="3060741714"/>
       </p:ext>
     </p:extLst>
   </p:cSld>
@@ -1550,16 +1440,7 @@
           <a:bodyPr/>
           <a:lstStyle/>
           <a:p>
-            <a:r>
-              <a:rPr lang="en-US" dirty="0"/>
-              <a:t>Add pp/p np/p pictures?</a:t>
-            </a:r>
-          </a:p>
-          <a:p>
-            <a:r>
-              <a:rPr lang="en-US" dirty="0"/>
-              <a:t>Node in 1S0. Tensor dominance at 400 MeV -&gt; np dominance.</a:t>
-            </a:r>
+            <a:endParaRPr lang="en-US" dirty="0"/>
           </a:p>
         </p:txBody>
       </p:sp>
@@ -1589,7 +1470,7 @@
     </p:spTree>
     <p:extLst>
       <p:ext uri="{BB962C8B-B14F-4D97-AF65-F5344CB8AC3E}">
-        <p14:creationId xmlns:p14="http://schemas.microsoft.com/office/powerpoint/2010/main" val="1735227413"/>
+        <p14:creationId xmlns:p14="http://schemas.microsoft.com/office/powerpoint/2010/main" val="277731605"/>
       </p:ext>
     </p:extLst>
   </p:cSld>
@@ -1673,7 +1554,7 @@
     </p:spTree>
     <p:extLst>
       <p:ext uri="{BB962C8B-B14F-4D97-AF65-F5344CB8AC3E}">
-        <p14:creationId xmlns:p14="http://schemas.microsoft.com/office/powerpoint/2010/main" val="1300853268"/>
+        <p14:creationId xmlns:p14="http://schemas.microsoft.com/office/powerpoint/2010/main" val="3402287129"/>
       </p:ext>
     </p:extLst>
   </p:cSld>
@@ -1727,16 +1608,7 @@
           <a:bodyPr/>
           <a:lstStyle/>
           <a:p>
-            <a:r>
-              <a:rPr lang="en-US" dirty="0"/>
-              <a:t>Add pp/p np/p pictures?</a:t>
-            </a:r>
-          </a:p>
-          <a:p>
-            <a:r>
-              <a:rPr lang="en-US" dirty="0"/>
-              <a:t>Node in 1S0. Tensor dominance at 400 MeV -&gt; np dominance.</a:t>
-            </a:r>
+            <a:endParaRPr lang="en-US" dirty="0"/>
           </a:p>
         </p:txBody>
       </p:sp>
@@ -1766,7 +1638,7 @@
     </p:spTree>
     <p:extLst>
       <p:ext uri="{BB962C8B-B14F-4D97-AF65-F5344CB8AC3E}">
-        <p14:creationId xmlns:p14="http://schemas.microsoft.com/office/powerpoint/2010/main" val="811147791"/>
+        <p14:creationId xmlns:p14="http://schemas.microsoft.com/office/powerpoint/2010/main" val="2981032889"/>
       </p:ext>
     </p:extLst>
   </p:cSld>
@@ -1822,8 +1694,40 @@
           <a:p>
             <a:r>
               <a:rPr lang="en-US" dirty="0"/>
-              <a:t>Add in experimental results.</a:t>
-            </a:r>
+              <a:t>Connect to SRC phenomenology: np dominance from tensor force.</a:t>
+            </a:r>
+          </a:p>
+          <a:p>
+            <a:r>
+              <a:rPr lang="en-US" dirty="0"/>
+              <a:t>Highlight weak nuclear dependence from factorization (and LDA).</a:t>
+            </a:r>
+          </a:p>
+          <a:p>
+            <a:pPr marL="0" marR="0" lvl="0" indent="0" algn="l" defTabSz="914400" rtl="0" eaLnBrk="1" fontAlgn="auto" latinLnBrk="0" hangingPunct="1">
+              <a:lnSpc>
+                <a:spcPct val="100000"/>
+              </a:lnSpc>
+              <a:spcBef>
+                <a:spcPts val="0"/>
+              </a:spcBef>
+              <a:spcAft>
+                <a:spcPts val="0"/>
+              </a:spcAft>
+              <a:buClrTx/>
+              <a:buSzTx/>
+              <a:buFontTx/>
+              <a:buNone/>
+              <a:tabLst/>
+              <a:defRPr/>
+            </a:pPr>
+            <a:r>
+              <a:rPr lang="en-US" dirty="0"/>
+              <a:t>Add pp/p np/p pictures?</a:t>
+            </a:r>
+          </a:p>
+          <a:p>
+            <a:endParaRPr lang="en-US" dirty="0"/>
           </a:p>
         </p:txBody>
       </p:sp>
@@ -1853,7 +1757,367 @@
     </p:spTree>
     <p:extLst>
       <p:ext uri="{BB962C8B-B14F-4D97-AF65-F5344CB8AC3E}">
+        <p14:creationId xmlns:p14="http://schemas.microsoft.com/office/powerpoint/2010/main" val="441171199"/>
+      </p:ext>
+    </p:extLst>
+  </p:cSld>
+  <p:clrMapOvr>
+    <a:masterClrMapping/>
+  </p:clrMapOvr>
+</p:notes>
+</file>
+
+<file path=ppt/notesSlides/notesSlide22.xml><?xml version="1.0" encoding="utf-8"?>
+<p:notes xmlns:a="http://schemas.openxmlformats.org/drawingml/2006/main" xmlns:r="http://schemas.openxmlformats.org/officeDocument/2006/relationships" xmlns:p="http://schemas.openxmlformats.org/presentationml/2006/main">
+  <p:cSld>
+    <p:spTree>
+      <p:nvGrpSpPr>
+        <p:cNvPr id="1" name=""/>
+        <p:cNvGrpSpPr/>
+        <p:nvPr/>
+      </p:nvGrpSpPr>
+      <p:grpSpPr>
+        <a:xfrm>
+          <a:off x="0" y="0"/>
+          <a:ext cx="0" cy="0"/>
+          <a:chOff x="0" y="0"/>
+          <a:chExt cx="0" cy="0"/>
+        </a:xfrm>
+      </p:grpSpPr>
+      <p:sp>
+        <p:nvSpPr>
+          <p:cNvPr id="2" name="Slide Image Placeholder 1"/>
+          <p:cNvSpPr>
+            <a:spLocks noGrp="1" noRot="1" noChangeAspect="1"/>
+          </p:cNvSpPr>
+          <p:nvPr>
+            <p:ph type="sldImg"/>
+          </p:nvPr>
+        </p:nvSpPr>
+        <p:spPr/>
+      </p:sp>
+      <p:sp>
+        <p:nvSpPr>
+          <p:cNvPr id="3" name="Notes Placeholder 2"/>
+          <p:cNvSpPr>
+            <a:spLocks noGrp="1"/>
+          </p:cNvSpPr>
+          <p:nvPr>
+            <p:ph type="body" idx="1"/>
+          </p:nvPr>
+        </p:nvSpPr>
+        <p:spPr/>
+        <p:txBody>
+          <a:bodyPr/>
+          <a:lstStyle/>
+          <a:p>
+            <a:r>
+              <a:rPr lang="en-US" dirty="0"/>
+              <a:t>Add pp/p np/p pictures?</a:t>
+            </a:r>
+          </a:p>
+          <a:p>
+            <a:r>
+              <a:rPr lang="en-US" dirty="0"/>
+              <a:t>Node in 1S0. Tensor dominance at 400 MeV -&gt; np dominance.</a:t>
+            </a:r>
+          </a:p>
+        </p:txBody>
+      </p:sp>
+      <p:sp>
+        <p:nvSpPr>
+          <p:cNvPr id="4" name="Slide Number Placeholder 3"/>
+          <p:cNvSpPr>
+            <a:spLocks noGrp="1"/>
+          </p:cNvSpPr>
+          <p:nvPr>
+            <p:ph type="sldNum" sz="quarter" idx="5"/>
+          </p:nvPr>
+        </p:nvSpPr>
+        <p:spPr/>
+        <p:txBody>
+          <a:bodyPr/>
+          <a:lstStyle/>
+          <a:p>
+            <a:fld id="{145D4A79-22BD-45A7-A8A3-66A4B5D7582E}" type="slidenum">
+              <a:rPr lang="en-US" smtClean="0"/>
+              <a:t>23</a:t>
+            </a:fld>
+            <a:endParaRPr lang="en-US"/>
+          </a:p>
+        </p:txBody>
+      </p:sp>
+    </p:spTree>
+    <p:extLst>
+      <p:ext uri="{BB962C8B-B14F-4D97-AF65-F5344CB8AC3E}">
+        <p14:creationId xmlns:p14="http://schemas.microsoft.com/office/powerpoint/2010/main" val="1735227413"/>
+      </p:ext>
+    </p:extLst>
+  </p:cSld>
+  <p:clrMapOvr>
+    <a:masterClrMapping/>
+  </p:clrMapOvr>
+</p:notes>
+</file>
+
+<file path=ppt/notesSlides/notesSlide23.xml><?xml version="1.0" encoding="utf-8"?>
+<p:notes xmlns:a="http://schemas.openxmlformats.org/drawingml/2006/main" xmlns:r="http://schemas.openxmlformats.org/officeDocument/2006/relationships" xmlns:p="http://schemas.openxmlformats.org/presentationml/2006/main">
+  <p:cSld>
+    <p:spTree>
+      <p:nvGrpSpPr>
+        <p:cNvPr id="1" name=""/>
+        <p:cNvGrpSpPr/>
+        <p:nvPr/>
+      </p:nvGrpSpPr>
+      <p:grpSpPr>
+        <a:xfrm>
+          <a:off x="0" y="0"/>
+          <a:ext cx="0" cy="0"/>
+          <a:chOff x="0" y="0"/>
+          <a:chExt cx="0" cy="0"/>
+        </a:xfrm>
+      </p:grpSpPr>
+      <p:sp>
+        <p:nvSpPr>
+          <p:cNvPr id="2" name="Slide Image Placeholder 1"/>
+          <p:cNvSpPr>
+            <a:spLocks noGrp="1" noRot="1" noChangeAspect="1"/>
+          </p:cNvSpPr>
+          <p:nvPr>
+            <p:ph type="sldImg"/>
+          </p:nvPr>
+        </p:nvSpPr>
+        <p:spPr/>
+      </p:sp>
+      <p:sp>
+        <p:nvSpPr>
+          <p:cNvPr id="3" name="Notes Placeholder 2"/>
+          <p:cNvSpPr>
+            <a:spLocks noGrp="1"/>
+          </p:cNvSpPr>
+          <p:nvPr>
+            <p:ph type="body" idx="1"/>
+          </p:nvPr>
+        </p:nvSpPr>
+        <p:spPr/>
+        <p:txBody>
+          <a:bodyPr/>
+          <a:lstStyle/>
+          <a:p>
+            <a:r>
+              <a:rPr lang="en-US" dirty="0"/>
+              <a:t>Add pp/p np/p pictures?</a:t>
+            </a:r>
+          </a:p>
+          <a:p>
+            <a:r>
+              <a:rPr lang="en-US" dirty="0"/>
+              <a:t>Node in 1S0. Tensor dominance at 400 MeV -&gt; np dominance.</a:t>
+            </a:r>
+          </a:p>
+        </p:txBody>
+      </p:sp>
+      <p:sp>
+        <p:nvSpPr>
+          <p:cNvPr id="4" name="Slide Number Placeholder 3"/>
+          <p:cNvSpPr>
+            <a:spLocks noGrp="1"/>
+          </p:cNvSpPr>
+          <p:nvPr>
+            <p:ph type="sldNum" sz="quarter" idx="5"/>
+          </p:nvPr>
+        </p:nvSpPr>
+        <p:spPr/>
+        <p:txBody>
+          <a:bodyPr/>
+          <a:lstStyle/>
+          <a:p>
+            <a:fld id="{145D4A79-22BD-45A7-A8A3-66A4B5D7582E}" type="slidenum">
+              <a:rPr lang="en-US" smtClean="0"/>
+              <a:t>24</a:t>
+            </a:fld>
+            <a:endParaRPr lang="en-US"/>
+          </a:p>
+        </p:txBody>
+      </p:sp>
+    </p:spTree>
+    <p:extLst>
+      <p:ext uri="{BB962C8B-B14F-4D97-AF65-F5344CB8AC3E}">
+        <p14:creationId xmlns:p14="http://schemas.microsoft.com/office/powerpoint/2010/main" val="811147791"/>
+      </p:ext>
+    </p:extLst>
+  </p:cSld>
+  <p:clrMapOvr>
+    <a:masterClrMapping/>
+  </p:clrMapOvr>
+</p:notes>
+</file>
+
+<file path=ppt/notesSlides/notesSlide24.xml><?xml version="1.0" encoding="utf-8"?>
+<p:notes xmlns:a="http://schemas.openxmlformats.org/drawingml/2006/main" xmlns:r="http://schemas.openxmlformats.org/officeDocument/2006/relationships" xmlns:p="http://schemas.openxmlformats.org/presentationml/2006/main">
+  <p:cSld>
+    <p:spTree>
+      <p:nvGrpSpPr>
+        <p:cNvPr id="1" name=""/>
+        <p:cNvGrpSpPr/>
+        <p:nvPr/>
+      </p:nvGrpSpPr>
+      <p:grpSpPr>
+        <a:xfrm>
+          <a:off x="0" y="0"/>
+          <a:ext cx="0" cy="0"/>
+          <a:chOff x="0" y="0"/>
+          <a:chExt cx="0" cy="0"/>
+        </a:xfrm>
+      </p:grpSpPr>
+      <p:sp>
+        <p:nvSpPr>
+          <p:cNvPr id="2" name="Slide Image Placeholder 1"/>
+          <p:cNvSpPr>
+            <a:spLocks noGrp="1" noRot="1" noChangeAspect="1"/>
+          </p:cNvSpPr>
+          <p:nvPr>
+            <p:ph type="sldImg"/>
+          </p:nvPr>
+        </p:nvSpPr>
+        <p:spPr/>
+      </p:sp>
+      <p:sp>
+        <p:nvSpPr>
+          <p:cNvPr id="3" name="Notes Placeholder 2"/>
+          <p:cNvSpPr>
+            <a:spLocks noGrp="1"/>
+          </p:cNvSpPr>
+          <p:nvPr>
+            <p:ph type="body" idx="1"/>
+          </p:nvPr>
+        </p:nvSpPr>
+        <p:spPr/>
+        <p:txBody>
+          <a:bodyPr/>
+          <a:lstStyle/>
+          <a:p>
+            <a:r>
+              <a:rPr lang="en-US" dirty="0"/>
+              <a:t>Add in experimental results.</a:t>
+            </a:r>
+          </a:p>
+        </p:txBody>
+      </p:sp>
+      <p:sp>
+        <p:nvSpPr>
+          <p:cNvPr id="4" name="Slide Number Placeholder 3"/>
+          <p:cNvSpPr>
+            <a:spLocks noGrp="1"/>
+          </p:cNvSpPr>
+          <p:nvPr>
+            <p:ph type="sldNum" sz="quarter" idx="5"/>
+          </p:nvPr>
+        </p:nvSpPr>
+        <p:spPr/>
+        <p:txBody>
+          <a:bodyPr/>
+          <a:lstStyle/>
+          <a:p>
+            <a:fld id="{145D4A79-22BD-45A7-A8A3-66A4B5D7582E}" type="slidenum">
+              <a:rPr lang="en-US" smtClean="0"/>
+              <a:t>25</a:t>
+            </a:fld>
+            <a:endParaRPr lang="en-US"/>
+          </a:p>
+        </p:txBody>
+      </p:sp>
+    </p:spTree>
+    <p:extLst>
+      <p:ext uri="{BB962C8B-B14F-4D97-AF65-F5344CB8AC3E}">
         <p14:creationId xmlns:p14="http://schemas.microsoft.com/office/powerpoint/2010/main" val="1253421808"/>
+      </p:ext>
+    </p:extLst>
+  </p:cSld>
+  <p:clrMapOvr>
+    <a:masterClrMapping/>
+  </p:clrMapOvr>
+</p:notes>
+</file>
+
+<file path=ppt/notesSlides/notesSlide25.xml><?xml version="1.0" encoding="utf-8"?>
+<p:notes xmlns:a="http://schemas.openxmlformats.org/drawingml/2006/main" xmlns:r="http://schemas.openxmlformats.org/officeDocument/2006/relationships" xmlns:p="http://schemas.openxmlformats.org/presentationml/2006/main">
+  <p:cSld>
+    <p:spTree>
+      <p:nvGrpSpPr>
+        <p:cNvPr id="1" name=""/>
+        <p:cNvGrpSpPr/>
+        <p:nvPr/>
+      </p:nvGrpSpPr>
+      <p:grpSpPr>
+        <a:xfrm>
+          <a:off x="0" y="0"/>
+          <a:ext cx="0" cy="0"/>
+          <a:chOff x="0" y="0"/>
+          <a:chExt cx="0" cy="0"/>
+        </a:xfrm>
+      </p:grpSpPr>
+      <p:sp>
+        <p:nvSpPr>
+          <p:cNvPr id="2" name="Slide Image Placeholder 1"/>
+          <p:cNvSpPr>
+            <a:spLocks noGrp="1" noRot="1" noChangeAspect="1"/>
+          </p:cNvSpPr>
+          <p:nvPr>
+            <p:ph type="sldImg"/>
+          </p:nvPr>
+        </p:nvSpPr>
+        <p:spPr/>
+      </p:sp>
+      <p:sp>
+        <p:nvSpPr>
+          <p:cNvPr id="3" name="Notes Placeholder 2"/>
+          <p:cNvSpPr>
+            <a:spLocks noGrp="1"/>
+          </p:cNvSpPr>
+          <p:nvPr>
+            <p:ph type="body" idx="1"/>
+          </p:nvPr>
+        </p:nvSpPr>
+        <p:spPr/>
+        <p:txBody>
+          <a:bodyPr/>
+          <a:lstStyle/>
+          <a:p>
+            <a:r>
+              <a:rPr lang="en-US" dirty="0"/>
+              <a:t>Factorization figure…</a:t>
+            </a:r>
+          </a:p>
+        </p:txBody>
+      </p:sp>
+      <p:sp>
+        <p:nvSpPr>
+          <p:cNvPr id="4" name="Slide Number Placeholder 3"/>
+          <p:cNvSpPr>
+            <a:spLocks noGrp="1"/>
+          </p:cNvSpPr>
+          <p:nvPr>
+            <p:ph type="sldNum" sz="quarter" idx="5"/>
+          </p:nvPr>
+        </p:nvSpPr>
+        <p:spPr/>
+        <p:txBody>
+          <a:bodyPr/>
+          <a:lstStyle/>
+          <a:p>
+            <a:fld id="{145D4A79-22BD-45A7-A8A3-66A4B5D7582E}" type="slidenum">
+              <a:rPr lang="en-US" smtClean="0"/>
+              <a:t>27</a:t>
+            </a:fld>
+            <a:endParaRPr lang="en-US"/>
+          </a:p>
+        </p:txBody>
+      </p:sp>
+    </p:spTree>
+    <p:extLst>
+      <p:ext uri="{BB962C8B-B14F-4D97-AF65-F5344CB8AC3E}">
+        <p14:creationId xmlns:p14="http://schemas.microsoft.com/office/powerpoint/2010/main" val="4104216665"/>
       </p:ext>
     </p:extLst>
   </p:cSld>
@@ -2518,7 +2782,7 @@
     </p:spTree>
     <p:extLst>
       <p:ext uri="{BB962C8B-B14F-4D97-AF65-F5344CB8AC3E}">
-        <p14:creationId xmlns:p14="http://schemas.microsoft.com/office/powerpoint/2010/main" val="1133518184"/>
+        <p14:creationId xmlns:p14="http://schemas.microsoft.com/office/powerpoint/2010/main" val="3646878808"/>
       </p:ext>
     </p:extLst>
   </p:cSld>
@@ -9104,7 +9368,7 @@
         </p:nvSpPr>
         <p:spPr>
           <a:xfrm>
-            <a:off x="2324100" y="1681199"/>
+            <a:off x="2324100" y="1771261"/>
             <a:ext cx="7543800" cy="3315478"/>
           </a:xfrm>
         </p:spPr>
@@ -9203,7 +9467,7 @@
                 <a:spcPct val="110000"/>
               </a:lnSpc>
             </a:pPr>
-            <a:endParaRPr lang="en-US" altLang="en-US" sz="1800" dirty="0">
+            <a:endParaRPr lang="en-US" altLang="en-US" sz="1400" dirty="0">
               <a:ea typeface="Arial Unicode MS" panose="020B0604020202020204" pitchFamily="34" charset="-128"/>
               <a:cs typeface="Arial" panose="020B0604020202020204" pitchFamily="34" charset="0"/>
             </a:endParaRPr>
@@ -9458,6 +9722,1345 @@
 </file>
 
 <file path=ppt/slides/slide10.xml><?xml version="1.0" encoding="utf-8"?>
+<p:sld xmlns:a="http://schemas.openxmlformats.org/drawingml/2006/main" xmlns:r="http://schemas.openxmlformats.org/officeDocument/2006/relationships" xmlns:p="http://schemas.openxmlformats.org/presentationml/2006/main">
+  <p:cSld>
+    <p:spTree>
+      <p:nvGrpSpPr>
+        <p:cNvPr id="1" name=""/>
+        <p:cNvGrpSpPr/>
+        <p:nvPr/>
+      </p:nvGrpSpPr>
+      <p:grpSpPr>
+        <a:xfrm>
+          <a:off x="0" y="0"/>
+          <a:ext cx="0" cy="0"/>
+          <a:chOff x="0" y="0"/>
+          <a:chExt cx="0" cy="0"/>
+        </a:xfrm>
+      </p:grpSpPr>
+      <p:sp>
+        <p:nvSpPr>
+          <p:cNvPr id="2" name="Title 1">
+            <a:extLst>
+              <a:ext uri="{FF2B5EF4-FFF2-40B4-BE49-F238E27FC236}">
+                <a16:creationId xmlns:a16="http://schemas.microsoft.com/office/drawing/2014/main" id="{9FECE9C7-FBB0-B54D-8E92-C3BC6CA96ED2}"/>
+              </a:ext>
+            </a:extLst>
+          </p:cNvPr>
+          <p:cNvSpPr>
+            <a:spLocks noGrp="1"/>
+          </p:cNvSpPr>
+          <p:nvPr>
+            <p:ph type="title"/>
+          </p:nvPr>
+        </p:nvSpPr>
+        <p:spPr/>
+        <p:txBody>
+          <a:bodyPr>
+            <a:normAutofit/>
+          </a:bodyPr>
+          <a:lstStyle/>
+          <a:p>
+            <a:pPr>
+              <a:lnSpc>
+                <a:spcPct val="100000"/>
+              </a:lnSpc>
+            </a:pPr>
+            <a:r>
+              <a:rPr lang="en-US" sz="4000" dirty="0">
+                <a:solidFill>
+                  <a:srgbClr val="002060"/>
+                </a:solidFill>
+              </a:rPr>
+              <a:t>Momentum distributions at low RG resolution</a:t>
+            </a:r>
+            <a:endParaRPr lang="en-US" sz="4000" dirty="0">
+              <a:solidFill>
+                <a:srgbClr val="002060"/>
+              </a:solidFill>
+              <a:latin typeface="Arial" panose="020B0604020202020204" pitchFamily="34" charset="0"/>
+            </a:endParaRPr>
+          </a:p>
+        </p:txBody>
+      </p:sp>
+      <mc:AlternateContent xmlns:mc="http://schemas.openxmlformats.org/markup-compatibility/2006">
+        <mc:Choice xmlns:a14="http://schemas.microsoft.com/office/drawing/2010/main" Requires="a14">
+          <p:sp>
+            <p:nvSpPr>
+              <p:cNvPr id="3" name="Content Placeholder 2">
+                <a:extLst>
+                  <a:ext uri="{FF2B5EF4-FFF2-40B4-BE49-F238E27FC236}">
+                    <a16:creationId xmlns:a16="http://schemas.microsoft.com/office/drawing/2014/main" id="{1A8FA9B3-1B32-894B-93C2-F90FB63CBDAA}"/>
+                  </a:ext>
+                </a:extLst>
+              </p:cNvPr>
+              <p:cNvSpPr>
+                <a:spLocks noGrp="1"/>
+              </p:cNvSpPr>
+              <p:nvPr>
+                <p:ph idx="1"/>
+              </p:nvPr>
+            </p:nvSpPr>
+            <p:spPr/>
+            <p:txBody>
+              <a:bodyPr>
+                <a:noAutofit/>
+              </a:bodyPr>
+              <a:lstStyle/>
+              <a:p>
+                <a:pPr>
+                  <a:lnSpc>
+                    <a:spcPct val="100000"/>
+                  </a:lnSpc>
+                </a:pPr>
+                <a:r>
+                  <a:rPr lang="en-US" sz="2600" dirty="0"/>
+                  <a:t>Soft wave functions at low RG resolution</a:t>
+                </a:r>
+              </a:p>
+              <a:p>
+                <a:pPr lvl="1">
+                  <a:lnSpc>
+                    <a:spcPct val="100000"/>
+                  </a:lnSpc>
+                </a:pPr>
+                <a:r>
+                  <a:rPr lang="en-US" sz="2200" dirty="0"/>
+                  <a:t>Where does the SRC physics go?</a:t>
+                </a:r>
+              </a:p>
+              <a:p>
+                <a:pPr>
+                  <a:lnSpc>
+                    <a:spcPct val="100000"/>
+                  </a:lnSpc>
+                </a:pPr>
+                <a:r>
+                  <a:rPr lang="en-US" sz="2600" dirty="0"/>
+                  <a:t>SRC physics shifts to the operators </a:t>
+                </a:r>
+                <a14:m>
+                  <m:oMath xmlns:m="http://schemas.openxmlformats.org/officeDocument/2006/math">
+                    <m:d>
+                      <m:dPr>
+                        <m:begChr m:val="⟨"/>
+                        <m:endChr m:val="⟩"/>
+                        <m:ctrlPr>
+                          <a:rPr lang="en-US" sz="2600" i="1" smtClean="0">
+                            <a:solidFill>
+                              <a:srgbClr val="C00000"/>
+                            </a:solidFill>
+                            <a:latin typeface="Cambria Math" panose="02040503050406030204" pitchFamily="18" charset="0"/>
+                          </a:rPr>
+                        </m:ctrlPr>
+                      </m:dPr>
+                      <m:e>
+                        <m:sSubSup>
+                          <m:sSubSupPr>
+                            <m:ctrlPr>
+                              <a:rPr lang="en-US" sz="2600" i="1" smtClean="0">
+                                <a:solidFill>
+                                  <a:srgbClr val="C00000"/>
+                                </a:solidFill>
+                                <a:latin typeface="Cambria Math" panose="02040503050406030204" pitchFamily="18" charset="0"/>
+                              </a:rPr>
+                            </m:ctrlPr>
+                          </m:sSubSupPr>
+                          <m:e>
+                            <m:r>
+                              <a:rPr lang="en-US" sz="2600" i="1" smtClean="0">
+                                <a:solidFill>
+                                  <a:srgbClr val="C00000"/>
+                                </a:solidFill>
+                                <a:latin typeface="Cambria Math" panose="02040503050406030204" pitchFamily="18" charset="0"/>
+                                <a:ea typeface="Cambria Math" panose="02040503050406030204" pitchFamily="18" charset="0"/>
+                              </a:rPr>
+                              <m:t>𝜓</m:t>
+                            </m:r>
+                          </m:e>
+                          <m:sub>
+                            <m:r>
+                              <a:rPr lang="en-US" sz="2600" b="0" i="1" smtClean="0">
+                                <a:solidFill>
+                                  <a:srgbClr val="C00000"/>
+                                </a:solidFill>
+                                <a:latin typeface="Cambria Math" panose="02040503050406030204" pitchFamily="18" charset="0"/>
+                              </a:rPr>
+                              <m:t>𝐴</m:t>
+                            </m:r>
+                          </m:sub>
+                          <m:sup>
+                            <m:r>
+                              <a:rPr lang="en-US" sz="2600" b="0" i="1" smtClean="0">
+                                <a:solidFill>
+                                  <a:srgbClr val="C00000"/>
+                                </a:solidFill>
+                                <a:latin typeface="Cambria Math" panose="02040503050406030204" pitchFamily="18" charset="0"/>
+                              </a:rPr>
+                              <m:t>h𝑖</m:t>
+                            </m:r>
+                          </m:sup>
+                        </m:sSubSup>
+                      </m:e>
+                      <m:e>
+                        <m:sSubSup>
+                          <m:sSubSupPr>
+                            <m:ctrlPr>
+                              <a:rPr lang="en-US" sz="2600" i="1" smtClean="0">
+                                <a:solidFill>
+                                  <a:srgbClr val="C00000"/>
+                                </a:solidFill>
+                                <a:latin typeface="Cambria Math" panose="02040503050406030204" pitchFamily="18" charset="0"/>
+                              </a:rPr>
+                            </m:ctrlPr>
+                          </m:sSubSupPr>
+                          <m:e>
+                            <m:r>
+                              <a:rPr lang="en-US" sz="2600" b="0" i="1" smtClean="0">
+                                <a:solidFill>
+                                  <a:srgbClr val="C00000"/>
+                                </a:solidFill>
+                                <a:latin typeface="Cambria Math" panose="02040503050406030204" pitchFamily="18" charset="0"/>
+                              </a:rPr>
+                              <m:t>𝑈</m:t>
+                            </m:r>
+                          </m:e>
+                          <m:sub>
+                            <m:r>
+                              <a:rPr lang="en-US" sz="2600" i="1" smtClean="0">
+                                <a:solidFill>
+                                  <a:srgbClr val="C00000"/>
+                                </a:solidFill>
+                                <a:latin typeface="Cambria Math" panose="02040503050406030204" pitchFamily="18" charset="0"/>
+                                <a:ea typeface="Cambria Math" panose="02040503050406030204" pitchFamily="18" charset="0"/>
+                              </a:rPr>
+                              <m:t>𝜆</m:t>
+                            </m:r>
+                          </m:sub>
+                          <m:sup>
+                            <m:r>
+                              <a:rPr lang="en-US" sz="2600" i="1" smtClean="0">
+                                <a:solidFill>
+                                  <a:srgbClr val="C00000"/>
+                                </a:solidFill>
+                                <a:latin typeface="Cambria Math" panose="02040503050406030204" pitchFamily="18" charset="0"/>
+                                <a:ea typeface="Cambria Math" panose="02040503050406030204" pitchFamily="18" charset="0"/>
+                              </a:rPr>
+                              <m:t>†</m:t>
+                            </m:r>
+                          </m:sup>
+                        </m:sSubSup>
+                        <m:sSub>
+                          <m:sSubPr>
+                            <m:ctrlPr>
+                              <a:rPr lang="en-US" sz="2600" i="1" smtClean="0">
+                                <a:solidFill>
+                                  <a:srgbClr val="002060"/>
+                                </a:solidFill>
+                                <a:latin typeface="Cambria Math" panose="02040503050406030204" pitchFamily="18" charset="0"/>
+                              </a:rPr>
+                            </m:ctrlPr>
+                          </m:sSubPr>
+                          <m:e>
+                            <m:r>
+                              <a:rPr lang="en-US" sz="2600" b="0" i="1" smtClean="0">
+                                <a:solidFill>
+                                  <a:srgbClr val="002060"/>
+                                </a:solidFill>
+                                <a:latin typeface="Cambria Math" panose="02040503050406030204" pitchFamily="18" charset="0"/>
+                              </a:rPr>
+                              <m:t>𝑈</m:t>
+                            </m:r>
+                          </m:e>
+                          <m:sub>
+                            <m:r>
+                              <a:rPr lang="en-US" sz="2600" i="1" smtClean="0">
+                                <a:solidFill>
+                                  <a:srgbClr val="002060"/>
+                                </a:solidFill>
+                                <a:latin typeface="Cambria Math" panose="02040503050406030204" pitchFamily="18" charset="0"/>
+                                <a:ea typeface="Cambria Math" panose="02040503050406030204" pitchFamily="18" charset="0"/>
+                              </a:rPr>
+                              <m:t>𝜆</m:t>
+                            </m:r>
+                          </m:sub>
+                        </m:sSub>
+                        <m:sSup>
+                          <m:sSupPr>
+                            <m:ctrlPr>
+                              <a:rPr lang="en-US" sz="2600" i="1" smtClean="0">
+                                <a:solidFill>
+                                  <a:srgbClr val="002060"/>
+                                </a:solidFill>
+                                <a:latin typeface="Cambria Math" panose="02040503050406030204" pitchFamily="18" charset="0"/>
+                              </a:rPr>
+                            </m:ctrlPr>
+                          </m:sSupPr>
+                          <m:e>
+                            <m:r>
+                              <a:rPr lang="en-US" sz="2600" b="0" i="1" smtClean="0">
+                                <a:solidFill>
+                                  <a:srgbClr val="002060"/>
+                                </a:solidFill>
+                                <a:latin typeface="Cambria Math" panose="02040503050406030204" pitchFamily="18" charset="0"/>
+                              </a:rPr>
+                              <m:t>𝑂</m:t>
+                            </m:r>
+                          </m:e>
+                          <m:sup>
+                            <m:r>
+                              <a:rPr lang="en-US" sz="2600" b="0" i="1" smtClean="0">
+                                <a:solidFill>
+                                  <a:srgbClr val="002060"/>
+                                </a:solidFill>
+                                <a:latin typeface="Cambria Math" panose="02040503050406030204" pitchFamily="18" charset="0"/>
+                              </a:rPr>
+                              <m:t>h𝑖</m:t>
+                            </m:r>
+                          </m:sup>
+                        </m:sSup>
+                        <m:sSubSup>
+                          <m:sSubSupPr>
+                            <m:ctrlPr>
+                              <a:rPr lang="en-US" sz="2600" i="1" smtClean="0">
+                                <a:solidFill>
+                                  <a:srgbClr val="002060"/>
+                                </a:solidFill>
+                                <a:latin typeface="Cambria Math" panose="02040503050406030204" pitchFamily="18" charset="0"/>
+                              </a:rPr>
+                            </m:ctrlPr>
+                          </m:sSubSupPr>
+                          <m:e>
+                            <m:r>
+                              <a:rPr lang="en-US" sz="2600" b="0" i="1" smtClean="0">
+                                <a:solidFill>
+                                  <a:srgbClr val="002060"/>
+                                </a:solidFill>
+                                <a:latin typeface="Cambria Math" panose="02040503050406030204" pitchFamily="18" charset="0"/>
+                              </a:rPr>
+                              <m:t>𝑈</m:t>
+                            </m:r>
+                          </m:e>
+                          <m:sub>
+                            <m:r>
+                              <a:rPr lang="en-US" sz="2600" i="1" smtClean="0">
+                                <a:solidFill>
+                                  <a:srgbClr val="002060"/>
+                                </a:solidFill>
+                                <a:latin typeface="Cambria Math" panose="02040503050406030204" pitchFamily="18" charset="0"/>
+                                <a:ea typeface="Cambria Math" panose="02040503050406030204" pitchFamily="18" charset="0"/>
+                              </a:rPr>
+                              <m:t>𝜆</m:t>
+                            </m:r>
+                          </m:sub>
+                          <m:sup>
+                            <m:r>
+                              <a:rPr lang="en-US" sz="2600" i="1" smtClean="0">
+                                <a:solidFill>
+                                  <a:srgbClr val="002060"/>
+                                </a:solidFill>
+                                <a:latin typeface="Cambria Math" panose="02040503050406030204" pitchFamily="18" charset="0"/>
+                                <a:ea typeface="Cambria Math" panose="02040503050406030204" pitchFamily="18" charset="0"/>
+                              </a:rPr>
+                              <m:t>†</m:t>
+                            </m:r>
+                          </m:sup>
+                        </m:sSubSup>
+                        <m:sSub>
+                          <m:sSubPr>
+                            <m:ctrlPr>
+                              <a:rPr lang="en-US" sz="2600" i="1" smtClean="0">
+                                <a:solidFill>
+                                  <a:srgbClr val="C00000"/>
+                                </a:solidFill>
+                                <a:latin typeface="Cambria Math" panose="02040503050406030204" pitchFamily="18" charset="0"/>
+                              </a:rPr>
+                            </m:ctrlPr>
+                          </m:sSubPr>
+                          <m:e>
+                            <m:r>
+                              <a:rPr lang="en-US" sz="2600" b="0" i="1" smtClean="0">
+                                <a:solidFill>
+                                  <a:srgbClr val="C00000"/>
+                                </a:solidFill>
+                                <a:latin typeface="Cambria Math" panose="02040503050406030204" pitchFamily="18" charset="0"/>
+                              </a:rPr>
+                              <m:t>𝑈</m:t>
+                            </m:r>
+                          </m:e>
+                          <m:sub>
+                            <m:r>
+                              <a:rPr lang="en-US" sz="2600" i="1" smtClean="0">
+                                <a:solidFill>
+                                  <a:srgbClr val="C00000"/>
+                                </a:solidFill>
+                                <a:latin typeface="Cambria Math" panose="02040503050406030204" pitchFamily="18" charset="0"/>
+                                <a:ea typeface="Cambria Math" panose="02040503050406030204" pitchFamily="18" charset="0"/>
+                              </a:rPr>
+                              <m:t>𝜆</m:t>
+                            </m:r>
+                          </m:sub>
+                        </m:sSub>
+                      </m:e>
+                      <m:e>
+                        <m:sSubSup>
+                          <m:sSubSupPr>
+                            <m:ctrlPr>
+                              <a:rPr lang="en-US" sz="2600" i="1" smtClean="0">
+                                <a:solidFill>
+                                  <a:srgbClr val="C00000"/>
+                                </a:solidFill>
+                                <a:latin typeface="Cambria Math" panose="02040503050406030204" pitchFamily="18" charset="0"/>
+                              </a:rPr>
+                            </m:ctrlPr>
+                          </m:sSubSupPr>
+                          <m:e>
+                            <m:r>
+                              <a:rPr lang="en-US" sz="2600" i="1" smtClean="0">
+                                <a:solidFill>
+                                  <a:srgbClr val="C00000"/>
+                                </a:solidFill>
+                                <a:latin typeface="Cambria Math" panose="02040503050406030204" pitchFamily="18" charset="0"/>
+                                <a:ea typeface="Cambria Math" panose="02040503050406030204" pitchFamily="18" charset="0"/>
+                              </a:rPr>
+                              <m:t>𝜓</m:t>
+                            </m:r>
+                          </m:e>
+                          <m:sub>
+                            <m:r>
+                              <a:rPr lang="en-US" sz="2600" b="0" i="1" smtClean="0">
+                                <a:solidFill>
+                                  <a:srgbClr val="C00000"/>
+                                </a:solidFill>
+                                <a:latin typeface="Cambria Math" panose="02040503050406030204" pitchFamily="18" charset="0"/>
+                              </a:rPr>
+                              <m:t>𝐴</m:t>
+                            </m:r>
+                          </m:sub>
+                          <m:sup>
+                            <m:r>
+                              <a:rPr lang="en-US" sz="2600" b="0" i="1" smtClean="0">
+                                <a:solidFill>
+                                  <a:srgbClr val="C00000"/>
+                                </a:solidFill>
+                                <a:latin typeface="Cambria Math" panose="02040503050406030204" pitchFamily="18" charset="0"/>
+                              </a:rPr>
+                              <m:t>h𝑖</m:t>
+                            </m:r>
+                          </m:sup>
+                        </m:sSubSup>
+                      </m:e>
+                    </m:d>
+                  </m:oMath>
+                </a14:m>
+                <a:endParaRPr lang="en-US" sz="1400" dirty="0"/>
+              </a:p>
+              <a:p>
+                <a:pPr>
+                  <a:lnSpc>
+                    <a:spcPct val="100000"/>
+                  </a:lnSpc>
+                </a:pPr>
+                <a:r>
+                  <a:rPr lang="en-US" sz="2600" dirty="0"/>
+                  <a:t>Apply SRG transformations to momentum distribution operator</a:t>
+                </a:r>
+              </a:p>
+              <a:p>
+                <a:pPr>
+                  <a:lnSpc>
+                    <a:spcPct val="100000"/>
+                  </a:lnSpc>
+                </a:pPr>
+                <a:endParaRPr lang="en-US" sz="1400" dirty="0"/>
+              </a:p>
+              <a:p>
+                <a:pPr marL="0" indent="0" algn="ctr">
+                  <a:lnSpc>
+                    <a:spcPct val="100000"/>
+                  </a:lnSpc>
+                  <a:buNone/>
+                </a:pPr>
+                <a14:m>
+                  <m:oMathPara xmlns:m="http://schemas.openxmlformats.org/officeDocument/2006/math">
+                    <m:oMathParaPr>
+                      <m:jc m:val="centerGroup"/>
+                    </m:oMathParaPr>
+                    <m:oMath xmlns:m="http://schemas.openxmlformats.org/officeDocument/2006/math">
+                      <m:sSup>
+                        <m:sSupPr>
+                          <m:ctrlPr>
+                            <a:rPr lang="en-US" sz="2600" i="1" smtClean="0">
+                              <a:solidFill>
+                                <a:schemeClr val="tx1"/>
+                              </a:solidFill>
+                              <a:latin typeface="Cambria Math" panose="02040503050406030204" pitchFamily="18" charset="0"/>
+                            </a:rPr>
+                          </m:ctrlPr>
+                        </m:sSupPr>
+                        <m:e>
+                          <m:r>
+                            <a:rPr lang="en-US" sz="2600" b="0" i="1" smtClean="0">
+                              <a:solidFill>
+                                <a:schemeClr val="tx1"/>
+                              </a:solidFill>
+                              <a:latin typeface="Cambria Math" panose="02040503050406030204" pitchFamily="18" charset="0"/>
+                            </a:rPr>
+                            <m:t>𝑛</m:t>
+                          </m:r>
+                        </m:e>
+                        <m:sup>
+                          <m:r>
+                            <a:rPr lang="en-US" sz="2600" b="0" i="1" smtClean="0">
+                              <a:solidFill>
+                                <a:schemeClr val="tx1"/>
+                              </a:solidFill>
+                              <a:latin typeface="Cambria Math" panose="02040503050406030204" pitchFamily="18" charset="0"/>
+                            </a:rPr>
+                            <m:t>h𝑖</m:t>
+                          </m:r>
+                        </m:sup>
+                      </m:sSup>
+                      <m:d>
+                        <m:dPr>
+                          <m:ctrlPr>
+                            <a:rPr lang="en-US" sz="2600" b="0" i="1" smtClean="0">
+                              <a:solidFill>
+                                <a:schemeClr val="tx1"/>
+                              </a:solidFill>
+                              <a:latin typeface="Cambria Math" panose="02040503050406030204" pitchFamily="18" charset="0"/>
+                            </a:rPr>
+                          </m:ctrlPr>
+                        </m:dPr>
+                        <m:e>
+                          <m:r>
+                            <a:rPr lang="en-US" sz="2600" b="1" i="1" smtClean="0">
+                              <a:solidFill>
+                                <a:schemeClr val="tx1"/>
+                              </a:solidFill>
+                              <a:latin typeface="Cambria Math" panose="02040503050406030204" pitchFamily="18" charset="0"/>
+                            </a:rPr>
+                            <m:t>𝒒</m:t>
+                          </m:r>
+                        </m:e>
+                      </m:d>
+                      <m:r>
+                        <a:rPr lang="en-US" sz="2600" b="0" i="1" smtClean="0">
+                          <a:solidFill>
+                            <a:schemeClr val="tx1"/>
+                          </a:solidFill>
+                          <a:latin typeface="Cambria Math" panose="02040503050406030204" pitchFamily="18" charset="0"/>
+                        </a:rPr>
+                        <m:t>=</m:t>
+                      </m:r>
+                      <m:sSubSup>
+                        <m:sSubSupPr>
+                          <m:ctrlPr>
+                            <a:rPr lang="en-US" sz="2600" b="0" i="1" smtClean="0">
+                              <a:solidFill>
+                                <a:schemeClr val="tx1"/>
+                              </a:solidFill>
+                              <a:latin typeface="Cambria Math" panose="02040503050406030204" pitchFamily="18" charset="0"/>
+                            </a:rPr>
+                          </m:ctrlPr>
+                        </m:sSubSupPr>
+                        <m:e>
+                          <m:r>
+                            <a:rPr lang="en-US" sz="2600" b="0" i="1" smtClean="0">
+                              <a:solidFill>
+                                <a:schemeClr val="tx1"/>
+                              </a:solidFill>
+                              <a:latin typeface="Cambria Math" panose="02040503050406030204" pitchFamily="18" charset="0"/>
+                            </a:rPr>
+                            <m:t>𝑎</m:t>
+                          </m:r>
+                        </m:e>
+                        <m:sub>
+                          <m:r>
+                            <a:rPr lang="en-US" sz="2600" b="1" i="1" smtClean="0">
+                              <a:solidFill>
+                                <a:schemeClr val="tx1"/>
+                              </a:solidFill>
+                              <a:latin typeface="Cambria Math" panose="02040503050406030204" pitchFamily="18" charset="0"/>
+                            </a:rPr>
+                            <m:t>𝒒</m:t>
+                          </m:r>
+                        </m:sub>
+                        <m:sup>
+                          <m:r>
+                            <a:rPr lang="en-US" sz="2600" b="0" i="1" smtClean="0">
+                              <a:solidFill>
+                                <a:schemeClr val="tx1"/>
+                              </a:solidFill>
+                              <a:latin typeface="Cambria Math" panose="02040503050406030204" pitchFamily="18" charset="0"/>
+                              <a:ea typeface="Cambria Math" panose="02040503050406030204" pitchFamily="18" charset="0"/>
+                            </a:rPr>
+                            <m:t>†</m:t>
+                          </m:r>
+                        </m:sup>
+                      </m:sSubSup>
+                      <m:sSub>
+                        <m:sSubPr>
+                          <m:ctrlPr>
+                            <a:rPr lang="en-US" sz="2600" b="0" i="1" smtClean="0">
+                              <a:solidFill>
+                                <a:schemeClr val="tx1"/>
+                              </a:solidFill>
+                              <a:latin typeface="Cambria Math" panose="02040503050406030204" pitchFamily="18" charset="0"/>
+                            </a:rPr>
+                          </m:ctrlPr>
+                        </m:sSubPr>
+                        <m:e>
+                          <m:r>
+                            <a:rPr lang="en-US" sz="2600" b="0" i="1" smtClean="0">
+                              <a:solidFill>
+                                <a:schemeClr val="tx1"/>
+                              </a:solidFill>
+                              <a:latin typeface="Cambria Math" panose="02040503050406030204" pitchFamily="18" charset="0"/>
+                            </a:rPr>
+                            <m:t>𝑎</m:t>
+                          </m:r>
+                        </m:e>
+                        <m:sub>
+                          <m:r>
+                            <a:rPr lang="en-US" sz="2600" b="1" i="1" smtClean="0">
+                              <a:solidFill>
+                                <a:schemeClr val="tx1"/>
+                              </a:solidFill>
+                              <a:latin typeface="Cambria Math" panose="02040503050406030204" pitchFamily="18" charset="0"/>
+                            </a:rPr>
+                            <m:t>𝒒</m:t>
+                          </m:r>
+                        </m:sub>
+                      </m:sSub>
+                    </m:oMath>
+                  </m:oMathPara>
+                </a14:m>
+                <a:endParaRPr lang="en-US" sz="2600" dirty="0"/>
+              </a:p>
+              <a:p>
+                <a:pPr marL="0" indent="0" algn="ctr">
+                  <a:lnSpc>
+                    <a:spcPct val="100000"/>
+                  </a:lnSpc>
+                  <a:buNone/>
+                </a:pPr>
+                <a14:m>
+                  <m:oMathPara xmlns:m="http://schemas.openxmlformats.org/officeDocument/2006/math">
+                    <m:oMathParaPr>
+                      <m:jc m:val="centerGroup"/>
+                    </m:oMathParaPr>
+                    <m:oMath xmlns:m="http://schemas.openxmlformats.org/officeDocument/2006/math">
+                      <m:sSub>
+                        <m:sSubPr>
+                          <m:ctrlPr>
+                            <a:rPr lang="en-US" sz="2600" i="1" smtClean="0">
+                              <a:latin typeface="Cambria Math" panose="02040503050406030204" pitchFamily="18" charset="0"/>
+                            </a:rPr>
+                          </m:ctrlPr>
+                        </m:sSubPr>
+                        <m:e>
+                          <m:r>
+                            <a:rPr lang="en-US" sz="2600" b="0" i="1" smtClean="0">
+                              <a:latin typeface="Cambria Math" panose="02040503050406030204" pitchFamily="18" charset="0"/>
+                            </a:rPr>
+                            <m:t>𝑈</m:t>
+                          </m:r>
+                        </m:e>
+                        <m:sub>
+                          <m:r>
+                            <a:rPr lang="en-US" sz="2600" i="1" smtClean="0">
+                              <a:latin typeface="Cambria Math" panose="02040503050406030204" pitchFamily="18" charset="0"/>
+                              <a:ea typeface="Cambria Math" panose="02040503050406030204" pitchFamily="18" charset="0"/>
+                            </a:rPr>
+                            <m:t>𝜆</m:t>
+                          </m:r>
+                        </m:sub>
+                      </m:sSub>
+                      <m:r>
+                        <a:rPr lang="en-US" sz="2600" b="0" i="1" smtClean="0">
+                          <a:latin typeface="Cambria Math" panose="02040503050406030204" pitchFamily="18" charset="0"/>
+                        </a:rPr>
+                        <m:t>=1+</m:t>
+                      </m:r>
+                      <m:f>
+                        <m:fPr>
+                          <m:ctrlPr>
+                            <a:rPr lang="en-US" sz="2600" b="0" i="1" smtClean="0">
+                              <a:latin typeface="Cambria Math" panose="02040503050406030204" pitchFamily="18" charset="0"/>
+                            </a:rPr>
+                          </m:ctrlPr>
+                        </m:fPr>
+                        <m:num>
+                          <m:r>
+                            <a:rPr lang="en-US" sz="2600" b="0" i="1" smtClean="0">
+                              <a:latin typeface="Cambria Math" panose="02040503050406030204" pitchFamily="18" charset="0"/>
+                            </a:rPr>
+                            <m:t>1</m:t>
+                          </m:r>
+                        </m:num>
+                        <m:den>
+                          <m:r>
+                            <a:rPr lang="en-US" sz="2600" b="0" i="1" smtClean="0">
+                              <a:latin typeface="Cambria Math" panose="02040503050406030204" pitchFamily="18" charset="0"/>
+                            </a:rPr>
+                            <m:t>4</m:t>
+                          </m:r>
+                        </m:den>
+                      </m:f>
+                      <m:nary>
+                        <m:naryPr>
+                          <m:chr m:val="∑"/>
+                          <m:supHide m:val="on"/>
+                          <m:ctrlPr>
+                            <a:rPr lang="en-US" sz="2600" b="0" i="1" smtClean="0">
+                              <a:latin typeface="Cambria Math" panose="02040503050406030204" pitchFamily="18" charset="0"/>
+                            </a:rPr>
+                          </m:ctrlPr>
+                        </m:naryPr>
+                        <m:sub>
+                          <m:r>
+                            <m:rPr>
+                              <m:brk m:alnAt="7"/>
+                            </m:rPr>
+                            <a:rPr lang="en-US" sz="2600" b="1" i="1" smtClean="0">
+                              <a:latin typeface="Cambria Math" panose="02040503050406030204" pitchFamily="18" charset="0"/>
+                            </a:rPr>
+                            <m:t>𝑲</m:t>
+                          </m:r>
+                          <m:r>
+                            <m:rPr>
+                              <m:brk m:alnAt="7"/>
+                            </m:rPr>
+                            <a:rPr lang="en-US" sz="2600" b="0" i="1" smtClean="0">
+                              <a:latin typeface="Cambria Math" panose="02040503050406030204" pitchFamily="18" charset="0"/>
+                            </a:rPr>
+                            <m:t>,</m:t>
+                          </m:r>
+                          <m:r>
+                            <m:rPr>
+                              <m:brk m:alnAt="7"/>
+                            </m:rPr>
+                            <a:rPr lang="en-US" sz="2600" b="1" i="1" smtClean="0">
+                              <a:latin typeface="Cambria Math" panose="02040503050406030204" pitchFamily="18" charset="0"/>
+                            </a:rPr>
+                            <m:t>𝒌</m:t>
+                          </m:r>
+                          <m:r>
+                            <m:rPr>
+                              <m:brk m:alnAt="7"/>
+                            </m:rPr>
+                            <a:rPr lang="en-US" sz="2600" b="0" i="1" smtClean="0">
+                              <a:latin typeface="Cambria Math" panose="02040503050406030204" pitchFamily="18" charset="0"/>
+                            </a:rPr>
+                            <m:t>,</m:t>
+                          </m:r>
+                          <m:r>
+                            <m:rPr>
+                              <m:brk m:alnAt="7"/>
+                            </m:rPr>
+                            <a:rPr lang="en-US" sz="2600" b="1" i="1" smtClean="0">
+                              <a:latin typeface="Cambria Math" panose="02040503050406030204" pitchFamily="18" charset="0"/>
+                            </a:rPr>
+                            <m:t>𝒌</m:t>
+                          </m:r>
+                          <m:r>
+                            <a:rPr lang="en-US" sz="2600" b="1" i="1" smtClean="0">
+                              <a:latin typeface="Cambria Math" panose="02040503050406030204" pitchFamily="18" charset="0"/>
+                            </a:rPr>
+                            <m:t>′</m:t>
+                          </m:r>
+                        </m:sub>
+                        <m:sup/>
+                        <m:e>
+                          <m:sSubSup>
+                            <m:sSubSupPr>
+                              <m:ctrlPr>
+                                <a:rPr lang="en-US" sz="2600" b="0" i="1" smtClean="0">
+                                  <a:latin typeface="Cambria Math" panose="02040503050406030204" pitchFamily="18" charset="0"/>
+                                </a:rPr>
+                              </m:ctrlPr>
+                            </m:sSubSupPr>
+                            <m:e>
+                              <m:r>
+                                <a:rPr lang="en-US" sz="2600" b="0" i="1" smtClean="0">
+                                  <a:latin typeface="Cambria Math" panose="02040503050406030204" pitchFamily="18" charset="0"/>
+                                  <a:ea typeface="Cambria Math" panose="02040503050406030204" pitchFamily="18" charset="0"/>
+                                </a:rPr>
+                                <m:t>𝛿</m:t>
+                              </m:r>
+                              <m:r>
+                                <a:rPr lang="en-US" sz="2600" b="0" i="1" smtClean="0">
+                                  <a:latin typeface="Cambria Math" panose="02040503050406030204" pitchFamily="18" charset="0"/>
+                                  <a:ea typeface="Cambria Math" panose="02040503050406030204" pitchFamily="18" charset="0"/>
+                                </a:rPr>
+                                <m:t>𝑈</m:t>
+                              </m:r>
+                            </m:e>
+                            <m:sub>
+                              <m:r>
+                                <a:rPr lang="en-US" sz="2600" b="0" i="1" smtClean="0">
+                                  <a:latin typeface="Cambria Math" panose="02040503050406030204" pitchFamily="18" charset="0"/>
+                                  <a:ea typeface="Cambria Math" panose="02040503050406030204" pitchFamily="18" charset="0"/>
+                                </a:rPr>
+                                <m:t>𝜆</m:t>
+                              </m:r>
+                            </m:sub>
+                            <m:sup>
+                              <m:d>
+                                <m:dPr>
+                                  <m:ctrlPr>
+                                    <a:rPr lang="en-US" sz="2600" b="0" i="1" smtClean="0">
+                                      <a:latin typeface="Cambria Math" panose="02040503050406030204" pitchFamily="18" charset="0"/>
+                                    </a:rPr>
+                                  </m:ctrlPr>
+                                </m:dPr>
+                                <m:e>
+                                  <m:r>
+                                    <a:rPr lang="en-US" sz="2600" b="0" i="1" smtClean="0">
+                                      <a:latin typeface="Cambria Math" panose="02040503050406030204" pitchFamily="18" charset="0"/>
+                                    </a:rPr>
+                                    <m:t>2</m:t>
+                                  </m:r>
+                                </m:e>
+                              </m:d>
+                            </m:sup>
+                          </m:sSubSup>
+                          <m:d>
+                            <m:dPr>
+                              <m:ctrlPr>
+                                <a:rPr lang="en-US" sz="2600" b="0" i="1" smtClean="0">
+                                  <a:latin typeface="Cambria Math" panose="02040503050406030204" pitchFamily="18" charset="0"/>
+                                </a:rPr>
+                              </m:ctrlPr>
+                            </m:dPr>
+                            <m:e>
+                              <m:r>
+                                <a:rPr lang="en-US" sz="2600" b="1" i="1" smtClean="0">
+                                  <a:latin typeface="Cambria Math" panose="02040503050406030204" pitchFamily="18" charset="0"/>
+                                </a:rPr>
+                                <m:t>𝒌</m:t>
+                              </m:r>
+                              <m:r>
+                                <a:rPr lang="en-US" sz="2600" b="0" i="1" smtClean="0">
+                                  <a:latin typeface="Cambria Math" panose="02040503050406030204" pitchFamily="18" charset="0"/>
+                                </a:rPr>
+                                <m:t>,</m:t>
+                              </m:r>
+                              <m:sSup>
+                                <m:sSupPr>
+                                  <m:ctrlPr>
+                                    <a:rPr lang="en-US" sz="2600" b="1" i="1" smtClean="0">
+                                      <a:latin typeface="Cambria Math" panose="02040503050406030204" pitchFamily="18" charset="0"/>
+                                    </a:rPr>
+                                  </m:ctrlPr>
+                                </m:sSupPr>
+                                <m:e>
+                                  <m:r>
+                                    <a:rPr lang="en-US" sz="2600" b="1" i="1" smtClean="0">
+                                      <a:latin typeface="Cambria Math" panose="02040503050406030204" pitchFamily="18" charset="0"/>
+                                    </a:rPr>
+                                    <m:t>𝒌</m:t>
+                                  </m:r>
+                                </m:e>
+                                <m:sup>
+                                  <m:r>
+                                    <a:rPr lang="en-US" sz="2600" b="1" i="1" smtClean="0">
+                                      <a:latin typeface="Cambria Math" panose="02040503050406030204" pitchFamily="18" charset="0"/>
+                                    </a:rPr>
+                                    <m:t>′</m:t>
+                                  </m:r>
+                                </m:sup>
+                              </m:sSup>
+                            </m:e>
+                          </m:d>
+                          <m:sSubSup>
+                            <m:sSubSupPr>
+                              <m:ctrlPr>
+                                <a:rPr lang="en-US" sz="2600" b="0" i="1" smtClean="0">
+                                  <a:latin typeface="Cambria Math" panose="02040503050406030204" pitchFamily="18" charset="0"/>
+                                </a:rPr>
+                              </m:ctrlPr>
+                            </m:sSubSupPr>
+                            <m:e>
+                              <m:r>
+                                <a:rPr lang="en-US" sz="2600" b="0" i="1" smtClean="0">
+                                  <a:latin typeface="Cambria Math" panose="02040503050406030204" pitchFamily="18" charset="0"/>
+                                </a:rPr>
+                                <m:t>𝑎</m:t>
+                              </m:r>
+                            </m:e>
+                            <m:sub>
+                              <m:f>
+                                <m:fPr>
+                                  <m:ctrlPr>
+                                    <a:rPr lang="en-US" sz="2600" b="0" i="1" smtClean="0">
+                                      <a:latin typeface="Cambria Math" panose="02040503050406030204" pitchFamily="18" charset="0"/>
+                                    </a:rPr>
+                                  </m:ctrlPr>
+                                </m:fPr>
+                                <m:num>
+                                  <m:r>
+                                    <a:rPr lang="en-US" sz="2600" b="1" i="1" smtClean="0">
+                                      <a:latin typeface="Cambria Math" panose="02040503050406030204" pitchFamily="18" charset="0"/>
+                                    </a:rPr>
+                                    <m:t>𝑲</m:t>
+                                  </m:r>
+                                </m:num>
+                                <m:den>
+                                  <m:r>
+                                    <a:rPr lang="en-US" sz="2600" b="0" i="1" smtClean="0">
+                                      <a:latin typeface="Cambria Math" panose="02040503050406030204" pitchFamily="18" charset="0"/>
+                                    </a:rPr>
+                                    <m:t>2</m:t>
+                                  </m:r>
+                                </m:den>
+                              </m:f>
+                              <m:r>
+                                <a:rPr lang="en-US" sz="2600" b="0" i="1" smtClean="0">
+                                  <a:latin typeface="Cambria Math" panose="02040503050406030204" pitchFamily="18" charset="0"/>
+                                </a:rPr>
+                                <m:t>+</m:t>
+                              </m:r>
+                              <m:r>
+                                <a:rPr lang="en-US" sz="2600" b="1" i="1" smtClean="0">
+                                  <a:latin typeface="Cambria Math" panose="02040503050406030204" pitchFamily="18" charset="0"/>
+                                </a:rPr>
+                                <m:t>𝒌</m:t>
+                              </m:r>
+                            </m:sub>
+                            <m:sup>
+                              <m:r>
+                                <a:rPr lang="en-US" sz="2600" b="0" i="1" smtClean="0">
+                                  <a:latin typeface="Cambria Math" panose="02040503050406030204" pitchFamily="18" charset="0"/>
+                                  <a:ea typeface="Cambria Math" panose="02040503050406030204" pitchFamily="18" charset="0"/>
+                                </a:rPr>
+                                <m:t>†</m:t>
+                              </m:r>
+                            </m:sup>
+                          </m:sSubSup>
+                          <m:sSubSup>
+                            <m:sSubSupPr>
+                              <m:ctrlPr>
+                                <a:rPr lang="en-US" sz="2600" b="0" i="1" smtClean="0">
+                                  <a:latin typeface="Cambria Math" panose="02040503050406030204" pitchFamily="18" charset="0"/>
+                                </a:rPr>
+                              </m:ctrlPr>
+                            </m:sSubSupPr>
+                            <m:e>
+                              <m:r>
+                                <a:rPr lang="en-US" sz="2600" b="0" i="1" smtClean="0">
+                                  <a:latin typeface="Cambria Math" panose="02040503050406030204" pitchFamily="18" charset="0"/>
+                                </a:rPr>
+                                <m:t>𝑎</m:t>
+                              </m:r>
+                            </m:e>
+                            <m:sub>
+                              <m:f>
+                                <m:fPr>
+                                  <m:ctrlPr>
+                                    <a:rPr lang="en-US" sz="2600" i="1">
+                                      <a:latin typeface="Cambria Math" panose="02040503050406030204" pitchFamily="18" charset="0"/>
+                                    </a:rPr>
+                                  </m:ctrlPr>
+                                </m:fPr>
+                                <m:num>
+                                  <m:r>
+                                    <a:rPr lang="en-US" sz="2600" b="1" i="1">
+                                      <a:latin typeface="Cambria Math" panose="02040503050406030204" pitchFamily="18" charset="0"/>
+                                    </a:rPr>
+                                    <m:t>𝑲</m:t>
+                                  </m:r>
+                                </m:num>
+                                <m:den>
+                                  <m:r>
+                                    <a:rPr lang="en-US" sz="2600" i="1">
+                                      <a:latin typeface="Cambria Math" panose="02040503050406030204" pitchFamily="18" charset="0"/>
+                                    </a:rPr>
+                                    <m:t>2</m:t>
+                                  </m:r>
+                                </m:den>
+                              </m:f>
+                              <m:r>
+                                <a:rPr lang="en-US" sz="2600" b="1" i="1" smtClean="0">
+                                  <a:latin typeface="Cambria Math" panose="02040503050406030204" pitchFamily="18" charset="0"/>
+                                </a:rPr>
+                                <m:t>−</m:t>
+                              </m:r>
+                              <m:r>
+                                <a:rPr lang="en-US" sz="2600" b="1" i="1">
+                                  <a:latin typeface="Cambria Math" panose="02040503050406030204" pitchFamily="18" charset="0"/>
+                                </a:rPr>
+                                <m:t>𝒌</m:t>
+                              </m:r>
+                            </m:sub>
+                            <m:sup>
+                              <m:r>
+                                <a:rPr lang="en-US" sz="2600" b="0" i="1" smtClean="0">
+                                  <a:latin typeface="Cambria Math" panose="02040503050406030204" pitchFamily="18" charset="0"/>
+                                  <a:ea typeface="Cambria Math" panose="02040503050406030204" pitchFamily="18" charset="0"/>
+                                </a:rPr>
+                                <m:t>†</m:t>
+                              </m:r>
+                            </m:sup>
+                          </m:sSubSup>
+                          <m:sSub>
+                            <m:sSubPr>
+                              <m:ctrlPr>
+                                <a:rPr lang="en-US" sz="2600" b="0" i="1" smtClean="0">
+                                  <a:latin typeface="Cambria Math" panose="02040503050406030204" pitchFamily="18" charset="0"/>
+                                </a:rPr>
+                              </m:ctrlPr>
+                            </m:sSubPr>
+                            <m:e>
+                              <m:r>
+                                <a:rPr lang="en-US" sz="2600" b="0" i="1" smtClean="0">
+                                  <a:latin typeface="Cambria Math" panose="02040503050406030204" pitchFamily="18" charset="0"/>
+                                </a:rPr>
+                                <m:t>𝑎</m:t>
+                              </m:r>
+                            </m:e>
+                            <m:sub>
+                              <m:f>
+                                <m:fPr>
+                                  <m:ctrlPr>
+                                    <a:rPr lang="en-US" sz="2600" i="1">
+                                      <a:latin typeface="Cambria Math" panose="02040503050406030204" pitchFamily="18" charset="0"/>
+                                    </a:rPr>
+                                  </m:ctrlPr>
+                                </m:fPr>
+                                <m:num>
+                                  <m:r>
+                                    <a:rPr lang="en-US" sz="2600" b="1" i="1">
+                                      <a:latin typeface="Cambria Math" panose="02040503050406030204" pitchFamily="18" charset="0"/>
+                                    </a:rPr>
+                                    <m:t>𝑲</m:t>
+                                  </m:r>
+                                </m:num>
+                                <m:den>
+                                  <m:r>
+                                    <a:rPr lang="en-US" sz="2600" i="1">
+                                      <a:latin typeface="Cambria Math" panose="02040503050406030204" pitchFamily="18" charset="0"/>
+                                    </a:rPr>
+                                    <m:t>2</m:t>
+                                  </m:r>
+                                </m:den>
+                              </m:f>
+                              <m:r>
+                                <a:rPr lang="en-US" sz="2600" b="1" i="1" smtClean="0">
+                                  <a:latin typeface="Cambria Math" panose="02040503050406030204" pitchFamily="18" charset="0"/>
+                                </a:rPr>
+                                <m:t>−</m:t>
+                              </m:r>
+                              <m:sSup>
+                                <m:sSupPr>
+                                  <m:ctrlPr>
+                                    <a:rPr lang="en-US" sz="2600" b="1" i="1" smtClean="0">
+                                      <a:latin typeface="Cambria Math" panose="02040503050406030204" pitchFamily="18" charset="0"/>
+                                    </a:rPr>
+                                  </m:ctrlPr>
+                                </m:sSupPr>
+                                <m:e>
+                                  <m:r>
+                                    <a:rPr lang="en-US" sz="2600" b="1" i="1">
+                                      <a:latin typeface="Cambria Math" panose="02040503050406030204" pitchFamily="18" charset="0"/>
+                                    </a:rPr>
+                                    <m:t>𝒌</m:t>
+                                  </m:r>
+                                </m:e>
+                                <m:sup>
+                                  <m:r>
+                                    <a:rPr lang="en-US" sz="2600" b="1" i="1" smtClean="0">
+                                      <a:latin typeface="Cambria Math" panose="02040503050406030204" pitchFamily="18" charset="0"/>
+                                    </a:rPr>
+                                    <m:t>′</m:t>
+                                  </m:r>
+                                </m:sup>
+                              </m:sSup>
+                            </m:sub>
+                          </m:sSub>
+                          <m:sSub>
+                            <m:sSubPr>
+                              <m:ctrlPr>
+                                <a:rPr lang="en-US" sz="2600" b="0" i="1" smtClean="0">
+                                  <a:latin typeface="Cambria Math" panose="02040503050406030204" pitchFamily="18" charset="0"/>
+                                </a:rPr>
+                              </m:ctrlPr>
+                            </m:sSubPr>
+                            <m:e>
+                              <m:r>
+                                <a:rPr lang="en-US" sz="2600" b="0" i="1" smtClean="0">
+                                  <a:latin typeface="Cambria Math" panose="02040503050406030204" pitchFamily="18" charset="0"/>
+                                </a:rPr>
+                                <m:t>𝑎</m:t>
+                              </m:r>
+                            </m:e>
+                            <m:sub>
+                              <m:f>
+                                <m:fPr>
+                                  <m:ctrlPr>
+                                    <a:rPr lang="en-US" sz="2600" i="1">
+                                      <a:latin typeface="Cambria Math" panose="02040503050406030204" pitchFamily="18" charset="0"/>
+                                    </a:rPr>
+                                  </m:ctrlPr>
+                                </m:fPr>
+                                <m:num>
+                                  <m:r>
+                                    <a:rPr lang="en-US" sz="2600" b="1" i="1">
+                                      <a:latin typeface="Cambria Math" panose="02040503050406030204" pitchFamily="18" charset="0"/>
+                                    </a:rPr>
+                                    <m:t>𝑲</m:t>
+                                  </m:r>
+                                </m:num>
+                                <m:den>
+                                  <m:r>
+                                    <a:rPr lang="en-US" sz="2600" i="1">
+                                      <a:latin typeface="Cambria Math" panose="02040503050406030204" pitchFamily="18" charset="0"/>
+                                    </a:rPr>
+                                    <m:t>2</m:t>
+                                  </m:r>
+                                </m:den>
+                              </m:f>
+                              <m:r>
+                                <a:rPr lang="en-US" sz="2600" i="1">
+                                  <a:latin typeface="Cambria Math" panose="02040503050406030204" pitchFamily="18" charset="0"/>
+                                </a:rPr>
+                                <m:t>+</m:t>
+                              </m:r>
+                              <m:sSup>
+                                <m:sSupPr>
+                                  <m:ctrlPr>
+                                    <a:rPr lang="en-US" sz="2600" b="1" i="1" smtClean="0">
+                                      <a:latin typeface="Cambria Math" panose="02040503050406030204" pitchFamily="18" charset="0"/>
+                                    </a:rPr>
+                                  </m:ctrlPr>
+                                </m:sSupPr>
+                                <m:e>
+                                  <m:r>
+                                    <a:rPr lang="en-US" sz="2600" b="1" i="1">
+                                      <a:latin typeface="Cambria Math" panose="02040503050406030204" pitchFamily="18" charset="0"/>
+                                    </a:rPr>
+                                    <m:t>𝒌</m:t>
+                                  </m:r>
+                                </m:e>
+                                <m:sup>
+                                  <m:r>
+                                    <a:rPr lang="en-US" sz="2600" b="1" i="1" smtClean="0">
+                                      <a:latin typeface="Cambria Math" panose="02040503050406030204" pitchFamily="18" charset="0"/>
+                                    </a:rPr>
+                                    <m:t>′</m:t>
+                                  </m:r>
+                                </m:sup>
+                              </m:sSup>
+                            </m:sub>
+                          </m:sSub>
+                          <m:r>
+                            <a:rPr lang="en-US" sz="2600" b="0" i="1" smtClean="0">
+                              <a:latin typeface="Cambria Math" panose="02040503050406030204" pitchFamily="18" charset="0"/>
+                            </a:rPr>
+                            <m:t>+</m:t>
+                          </m:r>
+                          <m:r>
+                            <a:rPr lang="en-US" sz="2600" b="0" i="1" smtClean="0">
+                              <a:latin typeface="Cambria Math" panose="02040503050406030204" pitchFamily="18" charset="0"/>
+                              <a:ea typeface="Cambria Math" panose="02040503050406030204" pitchFamily="18" charset="0"/>
+                            </a:rPr>
+                            <m:t>⋯</m:t>
+                          </m:r>
+                        </m:e>
+                      </m:nary>
+                    </m:oMath>
+                  </m:oMathPara>
+                </a14:m>
+                <a:endParaRPr lang="en-US" sz="2600" dirty="0"/>
+              </a:p>
+              <a:p>
+                <a:pPr marL="0" indent="0" algn="ctr">
+                  <a:lnSpc>
+                    <a:spcPct val="100000"/>
+                  </a:lnSpc>
+                  <a:buNone/>
+                </a:pPr>
+                <a:endParaRPr lang="en-US" sz="2600" dirty="0"/>
+              </a:p>
+            </p:txBody>
+          </p:sp>
+        </mc:Choice>
+        <mc:Fallback>
+          <p:sp>
+            <p:nvSpPr>
+              <p:cNvPr id="3" name="Content Placeholder 2">
+                <a:extLst>
+                  <a:ext uri="{FF2B5EF4-FFF2-40B4-BE49-F238E27FC236}">
+                    <a16:creationId xmlns:a16="http://schemas.microsoft.com/office/drawing/2014/main" id="{1A8FA9B3-1B32-894B-93C2-F90FB63CBDAA}"/>
+                  </a:ext>
+                </a:extLst>
+              </p:cNvPr>
+              <p:cNvSpPr>
+                <a:spLocks noGrp="1" noRot="1" noChangeAspect="1" noMove="1" noResize="1" noEditPoints="1" noAdjustHandles="1" noChangeArrowheads="1" noChangeShapeType="1" noTextEdit="1"/>
+              </p:cNvSpPr>
+              <p:nvPr>
+                <p:ph idx="1"/>
+              </p:nvPr>
+            </p:nvSpPr>
+            <p:spPr>
+              <a:blipFill>
+                <a:blip r:embed="rId3"/>
+                <a:stretch>
+                  <a:fillRect l="-928" t="-1261"/>
+                </a:stretch>
+              </a:blipFill>
+            </p:spPr>
+            <p:txBody>
+              <a:bodyPr/>
+              <a:lstStyle/>
+              <a:p>
+                <a:r>
+                  <a:rPr lang="en-US">
+                    <a:noFill/>
+                  </a:rPr>
+                  <a:t> </a:t>
+                </a:r>
+              </a:p>
+            </p:txBody>
+          </p:sp>
+        </mc:Fallback>
+      </mc:AlternateContent>
+      <p:sp>
+        <p:nvSpPr>
+          <p:cNvPr id="4" name="Slide Number Placeholder 3">
+            <a:extLst>
+              <a:ext uri="{FF2B5EF4-FFF2-40B4-BE49-F238E27FC236}">
+                <a16:creationId xmlns:a16="http://schemas.microsoft.com/office/drawing/2014/main" id="{DC1A2BB9-1F00-304F-9B4C-2EBE5F4461ED}"/>
+              </a:ext>
+            </a:extLst>
+          </p:cNvPr>
+          <p:cNvSpPr>
+            <a:spLocks noGrp="1"/>
+          </p:cNvSpPr>
+          <p:nvPr>
+            <p:ph type="sldNum" sz="quarter" idx="12"/>
+          </p:nvPr>
+        </p:nvSpPr>
+        <p:spPr/>
+        <p:txBody>
+          <a:bodyPr/>
+          <a:lstStyle/>
+          <a:p>
+            <a:pPr marL="0" marR="0" lvl="0" indent="0" algn="r" defTabSz="914400" rtl="0" eaLnBrk="1" fontAlgn="auto" latinLnBrk="0" hangingPunct="1">
+              <a:lnSpc>
+                <a:spcPct val="100000"/>
+              </a:lnSpc>
+              <a:spcBef>
+                <a:spcPts val="0"/>
+              </a:spcBef>
+              <a:spcAft>
+                <a:spcPts val="0"/>
+              </a:spcAft>
+              <a:buClrTx/>
+              <a:buSzTx/>
+              <a:buFontTx/>
+              <a:buNone/>
+              <a:tabLst/>
+              <a:defRPr/>
+            </a:pPr>
+            <a:fld id="{DD20F09D-B375-B446-8D61-90653E4EE1AB}" type="slidenum">
+              <a:rPr kumimoji="0" lang="en-US" sz="1200" b="0" i="0" u="none" strike="noStrike" kern="1200" cap="none" spc="0" normalizeH="0" baseline="0" noProof="0" smtClean="0">
+                <a:ln>
+                  <a:noFill/>
+                </a:ln>
+                <a:solidFill>
+                  <a:prstClr val="black">
+                    <a:tint val="75000"/>
+                  </a:prstClr>
+                </a:solidFill>
+                <a:effectLst/>
+                <a:uLnTx/>
+                <a:uFillTx/>
+                <a:latin typeface="Arial" panose="020B0604020202020204" pitchFamily="34" charset="0"/>
+                <a:ea typeface="+mn-ea"/>
+                <a:cs typeface="+mn-cs"/>
+              </a:rPr>
+              <a:pPr marL="0" marR="0" lvl="0" indent="0" algn="r" defTabSz="914400" rtl="0" eaLnBrk="1" fontAlgn="auto" latinLnBrk="0" hangingPunct="1">
+                <a:lnSpc>
+                  <a:spcPct val="100000"/>
+                </a:lnSpc>
+                <a:spcBef>
+                  <a:spcPts val="0"/>
+                </a:spcBef>
+                <a:spcAft>
+                  <a:spcPts val="0"/>
+                </a:spcAft>
+                <a:buClrTx/>
+                <a:buSzTx/>
+                <a:buFontTx/>
+                <a:buNone/>
+                <a:tabLst/>
+                <a:defRPr/>
+              </a:pPr>
+              <a:t>10</a:t>
+            </a:fld>
+            <a:endParaRPr kumimoji="0" lang="en-US" sz="1200" b="0" i="0" u="none" strike="noStrike" kern="1200" cap="none" spc="0" normalizeH="0" baseline="0" noProof="0">
+              <a:ln>
+                <a:noFill/>
+              </a:ln>
+              <a:solidFill>
+                <a:prstClr val="black">
+                  <a:tint val="75000"/>
+                </a:prstClr>
+              </a:solidFill>
+              <a:effectLst/>
+              <a:uLnTx/>
+              <a:uFillTx/>
+              <a:latin typeface="Arial" panose="020B0604020202020204" pitchFamily="34" charset="0"/>
+              <a:ea typeface="+mn-ea"/>
+              <a:cs typeface="+mn-cs"/>
+            </a:endParaRPr>
+          </a:p>
+        </p:txBody>
+      </p:sp>
+      <p:sp>
+        <p:nvSpPr>
+          <p:cNvPr id="6" name="Footer Placeholder 5">
+            <a:extLst>
+              <a:ext uri="{FF2B5EF4-FFF2-40B4-BE49-F238E27FC236}">
+                <a16:creationId xmlns:a16="http://schemas.microsoft.com/office/drawing/2014/main" id="{A12BB4B8-B39A-464B-8734-1E1A7B8FB852}"/>
+              </a:ext>
+            </a:extLst>
+          </p:cNvPr>
+          <p:cNvSpPr>
+            <a:spLocks noGrp="1"/>
+          </p:cNvSpPr>
+          <p:nvPr>
+            <p:ph type="ftr" sz="quarter" idx="11"/>
+          </p:nvPr>
+        </p:nvSpPr>
+        <p:spPr/>
+        <p:txBody>
+          <a:bodyPr/>
+          <a:lstStyle/>
+          <a:p>
+            <a:r>
+              <a:rPr lang="en-US"/>
+              <a:t>Anthony Tropiano, APS April 2021 Meeting</a:t>
+            </a:r>
+          </a:p>
+        </p:txBody>
+      </p:sp>
+    </p:spTree>
+    <p:extLst>
+      <p:ext uri="{BB962C8B-B14F-4D97-AF65-F5344CB8AC3E}">
+        <p14:creationId xmlns:p14="http://schemas.microsoft.com/office/powerpoint/2010/main" val="2198677330"/>
+      </p:ext>
+    </p:extLst>
+  </p:cSld>
+  <p:clrMapOvr>
+    <a:masterClrMapping/>
+  </p:clrMapOvr>
+</p:sld>
+</file>
+
+<file path=ppt/slides/slide11.xml><?xml version="1.0" encoding="utf-8"?>
 <p:sld xmlns:a="http://schemas.openxmlformats.org/drawingml/2006/main" xmlns:r="http://schemas.openxmlformats.org/officeDocument/2006/relationships" xmlns:p="http://schemas.openxmlformats.org/presentationml/2006/main">
   <p:cSld>
     <p:spTree>
@@ -10060,7 +11663,7 @@
                 <a:tabLst/>
                 <a:defRPr/>
               </a:pPr>
-              <a:t>10</a:t>
+              <a:t>11</a:t>
             </a:fld>
             <a:endParaRPr kumimoji="0" lang="en-US" sz="1200" b="0" i="0" u="none" strike="noStrike" kern="1200" cap="none" spc="0" normalizeH="0" baseline="0" noProof="0">
               <a:ln>
@@ -10158,7 +11761,7 @@
 </p:sld>
 </file>
 
-<file path=ppt/slides/slide11.xml><?xml version="1.0" encoding="utf-8"?>
+<file path=ppt/slides/slide12.xml><?xml version="1.0" encoding="utf-8"?>
 <p:sld xmlns:a="http://schemas.openxmlformats.org/drawingml/2006/main" xmlns:r="http://schemas.openxmlformats.org/officeDocument/2006/relationships" xmlns:p="http://schemas.openxmlformats.org/presentationml/2006/main">
   <p:cSld>
     <p:spTree>
@@ -10220,8 +11823,8 @@
           </a:p>
         </p:txBody>
       </p:sp>
-      <mc:AlternateContent xmlns:mc="http://schemas.openxmlformats.org/markup-compatibility/2006">
-        <mc:Choice xmlns:a14="http://schemas.microsoft.com/office/drawing/2010/main" Requires="a14">
+      <mc:AlternateContent xmlns:mc="http://schemas.openxmlformats.org/markup-compatibility/2006" xmlns:a14="http://schemas.microsoft.com/office/drawing/2010/main">
+        <mc:Choice Requires="a14">
           <p:sp>
             <p:nvSpPr>
               <p:cNvPr id="3" name="Content Placeholder 2">
@@ -10947,7 +12550,7 @@
             </p:txBody>
           </p:sp>
         </mc:Choice>
-        <mc:Fallback>
+        <mc:Fallback xmlns="">
           <p:sp>
             <p:nvSpPr>
               <p:cNvPr id="3" name="Content Placeholder 2">
@@ -11063,7 +12666,7 @@
                 <a:tabLst/>
                 <a:defRPr/>
               </a:pPr>
-              <a:t>11</a:t>
+              <a:t>12</a:t>
             </a:fld>
             <a:endParaRPr kumimoji="0" lang="en-US" sz="1200" b="0" i="0" u="none" strike="noStrike" kern="1200" cap="none" spc="0" normalizeH="0" baseline="0" noProof="0">
               <a:ln>
@@ -11197,7 +12800,7 @@
 </p:sld>
 </file>
 
-<file path=ppt/slides/slide12.xml><?xml version="1.0" encoding="utf-8"?>
+<file path=ppt/slides/slide13.xml><?xml version="1.0" encoding="utf-8"?>
 <p:sld xmlns:a="http://schemas.openxmlformats.org/drawingml/2006/main" xmlns:r="http://schemas.openxmlformats.org/officeDocument/2006/relationships" xmlns:p="http://schemas.openxmlformats.org/presentationml/2006/main">
   <p:cSld>
     <p:spTree>
@@ -11259,8 +12862,8 @@
           </a:p>
         </p:txBody>
       </p:sp>
-      <mc:AlternateContent xmlns:mc="http://schemas.openxmlformats.org/markup-compatibility/2006">
-        <mc:Choice xmlns:a14="http://schemas.microsoft.com/office/drawing/2010/main" Requires="a14">
+      <mc:AlternateContent xmlns:mc="http://schemas.openxmlformats.org/markup-compatibility/2006" xmlns:a14="http://schemas.microsoft.com/office/drawing/2010/main">
+        <mc:Choice Requires="a14">
           <p:sp>
             <p:nvSpPr>
               <p:cNvPr id="3" name="Content Placeholder 2">
@@ -12384,7 +13987,7 @@
             </p:txBody>
           </p:sp>
         </mc:Choice>
-        <mc:Fallback>
+        <mc:Fallback xmlns="">
           <p:sp>
             <p:nvSpPr>
               <p:cNvPr id="3" name="Content Placeholder 2">
@@ -12500,7 +14103,7 @@
                 <a:tabLst/>
                 <a:defRPr/>
               </a:pPr>
-              <a:t>12</a:t>
+              <a:t>13</a:t>
             </a:fld>
             <a:endParaRPr kumimoji="0" lang="en-US" sz="1200" b="0" i="0" u="none" strike="noStrike" kern="1200" cap="none" spc="0" normalizeH="0" baseline="0" noProof="0">
               <a:ln>
@@ -12670,7 +14273,7 @@
 </p:sld>
 </file>
 
-<file path=ppt/slides/slide13.xml><?xml version="1.0" encoding="utf-8"?>
+<file path=ppt/slides/slide14.xml><?xml version="1.0" encoding="utf-8"?>
 <p:sld xmlns:a="http://schemas.openxmlformats.org/drawingml/2006/main" xmlns:r="http://schemas.openxmlformats.org/officeDocument/2006/relationships" xmlns:p="http://schemas.openxmlformats.org/presentationml/2006/main">
   <p:cSld>
     <p:spTree>
@@ -12732,8 +14335,8 @@
           </a:p>
         </p:txBody>
       </p:sp>
-      <mc:AlternateContent xmlns:mc="http://schemas.openxmlformats.org/markup-compatibility/2006">
-        <mc:Choice xmlns:a14="http://schemas.microsoft.com/office/drawing/2010/main" Requires="a14">
+      <mc:AlternateContent xmlns:mc="http://schemas.openxmlformats.org/markup-compatibility/2006" xmlns:a14="http://schemas.microsoft.com/office/drawing/2010/main">
+        <mc:Choice Requires="a14">
           <p:sp>
             <p:nvSpPr>
               <p:cNvPr id="3" name="Content Placeholder 2">
@@ -14185,7 +15788,7 @@
             </p:txBody>
           </p:sp>
         </mc:Choice>
-        <mc:Fallback>
+        <mc:Fallback xmlns="">
           <p:sp>
             <p:nvSpPr>
               <p:cNvPr id="3" name="Content Placeholder 2">
@@ -14229,346 +15832,6 @@
           </p:sp>
         </mc:Fallback>
       </mc:AlternateContent>
-      <p:sp>
-        <p:nvSpPr>
-          <p:cNvPr id="4" name="Slide Number Placeholder 3">
-            <a:extLst>
-              <a:ext uri="{FF2B5EF4-FFF2-40B4-BE49-F238E27FC236}">
-                <a16:creationId xmlns:a16="http://schemas.microsoft.com/office/drawing/2014/main" id="{DC1A2BB9-1F00-304F-9B4C-2EBE5F4461ED}"/>
-              </a:ext>
-            </a:extLst>
-          </p:cNvPr>
-          <p:cNvSpPr>
-            <a:spLocks noGrp="1"/>
-          </p:cNvSpPr>
-          <p:nvPr>
-            <p:ph type="sldNum" sz="quarter" idx="12"/>
-          </p:nvPr>
-        </p:nvSpPr>
-        <p:spPr/>
-        <p:txBody>
-          <a:bodyPr/>
-          <a:lstStyle/>
-          <a:p>
-            <a:pPr marL="0" marR="0" lvl="0" indent="0" algn="r" defTabSz="914400" rtl="0" eaLnBrk="1" fontAlgn="auto" latinLnBrk="0" hangingPunct="1">
-              <a:lnSpc>
-                <a:spcPct val="100000"/>
-              </a:lnSpc>
-              <a:spcBef>
-                <a:spcPts val="0"/>
-              </a:spcBef>
-              <a:spcAft>
-                <a:spcPts val="0"/>
-              </a:spcAft>
-              <a:buClrTx/>
-              <a:buSzTx/>
-              <a:buFontTx/>
-              <a:buNone/>
-              <a:tabLst/>
-              <a:defRPr/>
-            </a:pPr>
-            <a:fld id="{DD20F09D-B375-B446-8D61-90653E4EE1AB}" type="slidenum">
-              <a:rPr kumimoji="0" lang="en-US" sz="1200" b="0" i="0" u="none" strike="noStrike" kern="1200" cap="none" spc="0" normalizeH="0" baseline="0" noProof="0" smtClean="0">
-                <a:ln>
-                  <a:noFill/>
-                </a:ln>
-                <a:solidFill>
-                  <a:prstClr val="black">
-                    <a:tint val="75000"/>
-                  </a:prstClr>
-                </a:solidFill>
-                <a:effectLst/>
-                <a:uLnTx/>
-                <a:uFillTx/>
-                <a:latin typeface="Arial" panose="020B0604020202020204" pitchFamily="34" charset="0"/>
-                <a:ea typeface="+mn-ea"/>
-                <a:cs typeface="+mn-cs"/>
-              </a:rPr>
-              <a:pPr marL="0" marR="0" lvl="0" indent="0" algn="r" defTabSz="914400" rtl="0" eaLnBrk="1" fontAlgn="auto" latinLnBrk="0" hangingPunct="1">
-                <a:lnSpc>
-                  <a:spcPct val="100000"/>
-                </a:lnSpc>
-                <a:spcBef>
-                  <a:spcPts val="0"/>
-                </a:spcBef>
-                <a:spcAft>
-                  <a:spcPts val="0"/>
-                </a:spcAft>
-                <a:buClrTx/>
-                <a:buSzTx/>
-                <a:buFontTx/>
-                <a:buNone/>
-                <a:tabLst/>
-                <a:defRPr/>
-              </a:pPr>
-              <a:t>13</a:t>
-            </a:fld>
-            <a:endParaRPr kumimoji="0" lang="en-US" sz="1200" b="0" i="0" u="none" strike="noStrike" kern="1200" cap="none" spc="0" normalizeH="0" baseline="0" noProof="0">
-              <a:ln>
-                <a:noFill/>
-              </a:ln>
-              <a:solidFill>
-                <a:prstClr val="black">
-                  <a:tint val="75000"/>
-                </a:prstClr>
-              </a:solidFill>
-              <a:effectLst/>
-              <a:uLnTx/>
-              <a:uFillTx/>
-              <a:latin typeface="Arial" panose="020B0604020202020204" pitchFamily="34" charset="0"/>
-              <a:ea typeface="+mn-ea"/>
-              <a:cs typeface="+mn-cs"/>
-            </a:endParaRPr>
-          </a:p>
-        </p:txBody>
-      </p:sp>
-      <p:pic>
-        <p:nvPicPr>
-          <p:cNvPr id="7" name="Picture 6" descr="Chart&#10;&#10;Description automatically generated with low confidence">
-            <a:extLst>
-              <a:ext uri="{FF2B5EF4-FFF2-40B4-BE49-F238E27FC236}">
-                <a16:creationId xmlns:a16="http://schemas.microsoft.com/office/drawing/2014/main" id="{9BBB5479-FE3B-4C53-969D-FF59EFF8F134}"/>
-              </a:ext>
-            </a:extLst>
-          </p:cNvPr>
-          <p:cNvPicPr>
-            <a:picLocks noChangeAspect="1"/>
-          </p:cNvPicPr>
-          <p:nvPr/>
-        </p:nvPicPr>
-        <p:blipFill>
-          <a:blip r:embed="rId4">
-            <a:extLst>
-              <a:ext uri="{28A0092B-C50C-407E-A947-70E740481C1C}">
-                <a14:useLocalDpi xmlns:a14="http://schemas.microsoft.com/office/drawing/2010/main" val="0"/>
-              </a:ext>
-            </a:extLst>
-          </a:blip>
-          <a:stretch>
-            <a:fillRect/>
-          </a:stretch>
-        </p:blipFill>
-        <p:spPr>
-          <a:xfrm>
-            <a:off x="162018" y="1690688"/>
-            <a:ext cx="4882718" cy="4799653"/>
-          </a:xfrm>
-          <a:prstGeom prst="rect">
-            <a:avLst/>
-          </a:prstGeom>
-        </p:spPr>
-      </p:pic>
-      <p:sp>
-        <p:nvSpPr>
-          <p:cNvPr id="6" name="Footer Placeholder 5">
-            <a:extLst>
-              <a:ext uri="{FF2B5EF4-FFF2-40B4-BE49-F238E27FC236}">
-                <a16:creationId xmlns:a16="http://schemas.microsoft.com/office/drawing/2014/main" id="{A12BB4B8-B39A-464B-8734-1E1A7B8FB852}"/>
-              </a:ext>
-            </a:extLst>
-          </p:cNvPr>
-          <p:cNvSpPr>
-            <a:spLocks noGrp="1"/>
-          </p:cNvSpPr>
-          <p:nvPr>
-            <p:ph type="ftr" sz="quarter" idx="11"/>
-          </p:nvPr>
-        </p:nvSpPr>
-        <p:spPr/>
-        <p:txBody>
-          <a:bodyPr/>
-          <a:lstStyle/>
-          <a:p>
-            <a:r>
-              <a:rPr lang="en-US"/>
-              <a:t>Anthony Tropiano, APS April 2021 Meeting</a:t>
-            </a:r>
-          </a:p>
-        </p:txBody>
-      </p:sp>
-      <p:pic>
-        <p:nvPicPr>
-          <p:cNvPr id="8" name="Picture 7" descr="Chart&#10;&#10;Description automatically generated">
-            <a:extLst>
-              <a:ext uri="{FF2B5EF4-FFF2-40B4-BE49-F238E27FC236}">
-                <a16:creationId xmlns:a16="http://schemas.microsoft.com/office/drawing/2014/main" id="{98B744CA-BF7D-4425-A11A-C89384D5A767}"/>
-              </a:ext>
-            </a:extLst>
-          </p:cNvPr>
-          <p:cNvPicPr>
-            <a:picLocks noChangeAspect="1"/>
-          </p:cNvPicPr>
-          <p:nvPr/>
-        </p:nvPicPr>
-        <p:blipFill>
-          <a:blip r:embed="rId5">
-            <a:extLst>
-              <a:ext uri="{28A0092B-C50C-407E-A947-70E740481C1C}">
-                <a14:useLocalDpi xmlns:a14="http://schemas.microsoft.com/office/drawing/2010/main" val="0"/>
-              </a:ext>
-            </a:extLst>
-          </a:blip>
-          <a:stretch>
-            <a:fillRect/>
-          </a:stretch>
-        </p:blipFill>
-        <p:spPr>
-          <a:xfrm>
-            <a:off x="161042" y="1689741"/>
-            <a:ext cx="4883694" cy="4800600"/>
-          </a:xfrm>
-          <a:prstGeom prst="rect">
-            <a:avLst/>
-          </a:prstGeom>
-        </p:spPr>
-      </p:pic>
-      <p:pic>
-        <p:nvPicPr>
-          <p:cNvPr id="9" name="Picture 8" descr="Chart, histogram&#10;&#10;Description automatically generated">
-            <a:extLst>
-              <a:ext uri="{FF2B5EF4-FFF2-40B4-BE49-F238E27FC236}">
-                <a16:creationId xmlns:a16="http://schemas.microsoft.com/office/drawing/2014/main" id="{8EF30B7C-BEE5-4ECC-BC1B-C30CFD2F8213}"/>
-              </a:ext>
-            </a:extLst>
-          </p:cNvPr>
-          <p:cNvPicPr>
-            <a:picLocks noChangeAspect="1"/>
-          </p:cNvPicPr>
-          <p:nvPr/>
-        </p:nvPicPr>
-        <p:blipFill>
-          <a:blip r:embed="rId6">
-            <a:extLst>
-              <a:ext uri="{28A0092B-C50C-407E-A947-70E740481C1C}">
-                <a14:useLocalDpi xmlns:a14="http://schemas.microsoft.com/office/drawing/2010/main" val="0"/>
-              </a:ext>
-            </a:extLst>
-          </a:blip>
-          <a:stretch>
-            <a:fillRect/>
-          </a:stretch>
-        </p:blipFill>
-        <p:spPr>
-          <a:xfrm>
-            <a:off x="161042" y="1689741"/>
-            <a:ext cx="4883693" cy="4800600"/>
-          </a:xfrm>
-          <a:prstGeom prst="rect">
-            <a:avLst/>
-          </a:prstGeom>
-        </p:spPr>
-      </p:pic>
-      <p:pic>
-        <p:nvPicPr>
-          <p:cNvPr id="10" name="Picture 9" descr="Chart, line chart&#10;&#10;Description automatically generated">
-            <a:extLst>
-              <a:ext uri="{FF2B5EF4-FFF2-40B4-BE49-F238E27FC236}">
-                <a16:creationId xmlns:a16="http://schemas.microsoft.com/office/drawing/2014/main" id="{3F9E7D0B-25CA-4B18-98A8-A0A74D960323}"/>
-              </a:ext>
-            </a:extLst>
-          </p:cNvPr>
-          <p:cNvPicPr>
-            <a:picLocks noChangeAspect="1"/>
-          </p:cNvPicPr>
-          <p:nvPr/>
-        </p:nvPicPr>
-        <p:blipFill>
-          <a:blip r:embed="rId7">
-            <a:extLst>
-              <a:ext uri="{28A0092B-C50C-407E-A947-70E740481C1C}">
-                <a14:useLocalDpi xmlns:a14="http://schemas.microsoft.com/office/drawing/2010/main" val="0"/>
-              </a:ext>
-            </a:extLst>
-          </a:blip>
-          <a:stretch>
-            <a:fillRect/>
-          </a:stretch>
-        </p:blipFill>
-        <p:spPr>
-          <a:xfrm>
-            <a:off x="161041" y="1689741"/>
-            <a:ext cx="4883682" cy="4800600"/>
-          </a:xfrm>
-          <a:prstGeom prst="rect">
-            <a:avLst/>
-          </a:prstGeom>
-        </p:spPr>
-      </p:pic>
-    </p:spTree>
-    <p:extLst>
-      <p:ext uri="{BB962C8B-B14F-4D97-AF65-F5344CB8AC3E}">
-        <p14:creationId xmlns:p14="http://schemas.microsoft.com/office/powerpoint/2010/main" val="162100182"/>
-      </p:ext>
-    </p:extLst>
-  </p:cSld>
-  <p:clrMapOvr>
-    <a:masterClrMapping/>
-  </p:clrMapOvr>
-</p:sld>
-</file>
-
-<file path=ppt/slides/slide14.xml><?xml version="1.0" encoding="utf-8"?>
-<p:sld xmlns:a="http://schemas.openxmlformats.org/drawingml/2006/main" xmlns:r="http://schemas.openxmlformats.org/officeDocument/2006/relationships" xmlns:p="http://schemas.openxmlformats.org/presentationml/2006/main">
-  <p:cSld>
-    <p:spTree>
-      <p:nvGrpSpPr>
-        <p:cNvPr id="1" name=""/>
-        <p:cNvGrpSpPr/>
-        <p:nvPr/>
-      </p:nvGrpSpPr>
-      <p:grpSpPr>
-        <a:xfrm>
-          <a:off x="0" y="0"/>
-          <a:ext cx="0" cy="0"/>
-          <a:chOff x="0" y="0"/>
-          <a:chExt cx="0" cy="0"/>
-        </a:xfrm>
-      </p:grpSpPr>
-      <p:sp>
-        <p:nvSpPr>
-          <p:cNvPr id="2" name="Title 1">
-            <a:extLst>
-              <a:ext uri="{FF2B5EF4-FFF2-40B4-BE49-F238E27FC236}">
-                <a16:creationId xmlns:a16="http://schemas.microsoft.com/office/drawing/2014/main" id="{9FECE9C7-FBB0-B54D-8E92-C3BC6CA96ED2}"/>
-              </a:ext>
-            </a:extLst>
-          </p:cNvPr>
-          <p:cNvSpPr>
-            <a:spLocks noGrp="1"/>
-          </p:cNvSpPr>
-          <p:nvPr>
-            <p:ph type="title"/>
-          </p:nvPr>
-        </p:nvSpPr>
-        <p:spPr/>
-        <p:txBody>
-          <a:bodyPr>
-            <a:normAutofit/>
-          </a:bodyPr>
-          <a:lstStyle/>
-          <a:p>
-            <a:pPr>
-              <a:lnSpc>
-                <a:spcPct val="100000"/>
-              </a:lnSpc>
-            </a:pPr>
-            <a:r>
-              <a:rPr lang="en-US" sz="4000" dirty="0">
-                <a:solidFill>
-                  <a:srgbClr val="002060"/>
-                </a:solidFill>
-              </a:rPr>
-              <a:t>Momentum distributions at low RG resolution</a:t>
-            </a:r>
-            <a:endParaRPr lang="en-US" sz="4000" dirty="0">
-              <a:solidFill>
-                <a:srgbClr val="002060"/>
-              </a:solidFill>
-              <a:latin typeface="Arial" panose="020B0604020202020204" pitchFamily="34" charset="0"/>
-            </a:endParaRPr>
-          </a:p>
-        </p:txBody>
-      </p:sp>
       <p:sp>
         <p:nvSpPr>
           <p:cNvPr id="4" name="Slide Number Placeholder 3">
@@ -14677,7 +15940,7 @@
           <p:nvPr/>
         </p:nvPicPr>
         <p:blipFill>
-          <a:blip r:embed="rId3">
+          <a:blip r:embed="rId4">
             <a:extLst>
               <a:ext uri="{28A0092B-C50C-407E-A947-70E740481C1C}">
                 <a14:useLocalDpi xmlns:a14="http://schemas.microsoft.com/office/drawing/2010/main" val="0"/>
@@ -14741,7 +16004,7 @@
           <p:nvPr/>
         </p:nvPicPr>
         <p:blipFill>
-          <a:blip r:embed="rId4">
+          <a:blip r:embed="rId5">
             <a:extLst>
               <a:ext uri="{28A0092B-C50C-407E-A947-70E740481C1C}">
                 <a14:useLocalDpi xmlns:a14="http://schemas.microsoft.com/office/drawing/2010/main" val="0"/>
@@ -14777,7 +16040,7 @@
           <p:nvPr/>
         </p:nvPicPr>
         <p:blipFill>
-          <a:blip r:embed="rId5">
+          <a:blip r:embed="rId6">
             <a:extLst>
               <a:ext uri="{28A0092B-C50C-407E-A947-70E740481C1C}">
                 <a14:useLocalDpi xmlns:a14="http://schemas.microsoft.com/office/drawing/2010/main" val="0"/>
@@ -14813,7 +16076,7 @@
           <p:nvPr/>
         </p:nvPicPr>
         <p:blipFill>
-          <a:blip r:embed="rId6">
+          <a:blip r:embed="rId7">
             <a:extLst>
               <a:ext uri="{28A0092B-C50C-407E-A947-70E740481C1C}">
                 <a14:useLocalDpi xmlns:a14="http://schemas.microsoft.com/office/drawing/2010/main" val="0"/>
@@ -14834,8 +16097,348 @@
           </a:prstGeom>
         </p:spPr>
       </p:pic>
-      <mc:AlternateContent xmlns:mc="http://schemas.openxmlformats.org/markup-compatibility/2006">
-        <mc:Choice xmlns:a14="http://schemas.microsoft.com/office/drawing/2010/main" Requires="a14">
+    </p:spTree>
+    <p:extLst>
+      <p:ext uri="{BB962C8B-B14F-4D97-AF65-F5344CB8AC3E}">
+        <p14:creationId xmlns:p14="http://schemas.microsoft.com/office/powerpoint/2010/main" val="162100182"/>
+      </p:ext>
+    </p:extLst>
+  </p:cSld>
+  <p:clrMapOvr>
+    <a:masterClrMapping/>
+  </p:clrMapOvr>
+</p:sld>
+</file>
+
+<file path=ppt/slides/slide15.xml><?xml version="1.0" encoding="utf-8"?>
+<p:sld xmlns:a="http://schemas.openxmlformats.org/drawingml/2006/main" xmlns:r="http://schemas.openxmlformats.org/officeDocument/2006/relationships" xmlns:p="http://schemas.openxmlformats.org/presentationml/2006/main">
+  <p:cSld>
+    <p:spTree>
+      <p:nvGrpSpPr>
+        <p:cNvPr id="1" name=""/>
+        <p:cNvGrpSpPr/>
+        <p:nvPr/>
+      </p:nvGrpSpPr>
+      <p:grpSpPr>
+        <a:xfrm>
+          <a:off x="0" y="0"/>
+          <a:ext cx="0" cy="0"/>
+          <a:chOff x="0" y="0"/>
+          <a:chExt cx="0" cy="0"/>
+        </a:xfrm>
+      </p:grpSpPr>
+      <p:sp>
+        <p:nvSpPr>
+          <p:cNvPr id="2" name="Title 1">
+            <a:extLst>
+              <a:ext uri="{FF2B5EF4-FFF2-40B4-BE49-F238E27FC236}">
+                <a16:creationId xmlns:a16="http://schemas.microsoft.com/office/drawing/2014/main" id="{9FECE9C7-FBB0-B54D-8E92-C3BC6CA96ED2}"/>
+              </a:ext>
+            </a:extLst>
+          </p:cNvPr>
+          <p:cNvSpPr>
+            <a:spLocks noGrp="1"/>
+          </p:cNvSpPr>
+          <p:nvPr>
+            <p:ph type="title"/>
+          </p:nvPr>
+        </p:nvSpPr>
+        <p:spPr/>
+        <p:txBody>
+          <a:bodyPr>
+            <a:normAutofit/>
+          </a:bodyPr>
+          <a:lstStyle/>
+          <a:p>
+            <a:pPr>
+              <a:lnSpc>
+                <a:spcPct val="100000"/>
+              </a:lnSpc>
+            </a:pPr>
+            <a:r>
+              <a:rPr lang="en-US" sz="4000" dirty="0">
+                <a:solidFill>
+                  <a:srgbClr val="002060"/>
+                </a:solidFill>
+              </a:rPr>
+              <a:t>Momentum distributions at low RG resolution</a:t>
+            </a:r>
+            <a:endParaRPr lang="en-US" sz="4000" dirty="0">
+              <a:solidFill>
+                <a:srgbClr val="002060"/>
+              </a:solidFill>
+              <a:latin typeface="Arial" panose="020B0604020202020204" pitchFamily="34" charset="0"/>
+            </a:endParaRPr>
+          </a:p>
+        </p:txBody>
+      </p:sp>
+      <p:sp>
+        <p:nvSpPr>
+          <p:cNvPr id="4" name="Slide Number Placeholder 3">
+            <a:extLst>
+              <a:ext uri="{FF2B5EF4-FFF2-40B4-BE49-F238E27FC236}">
+                <a16:creationId xmlns:a16="http://schemas.microsoft.com/office/drawing/2014/main" id="{DC1A2BB9-1F00-304F-9B4C-2EBE5F4461ED}"/>
+              </a:ext>
+            </a:extLst>
+          </p:cNvPr>
+          <p:cNvSpPr>
+            <a:spLocks noGrp="1"/>
+          </p:cNvSpPr>
+          <p:nvPr>
+            <p:ph type="sldNum" sz="quarter" idx="12"/>
+          </p:nvPr>
+        </p:nvSpPr>
+        <p:spPr/>
+        <p:txBody>
+          <a:bodyPr/>
+          <a:lstStyle/>
+          <a:p>
+            <a:pPr marL="0" marR="0" lvl="0" indent="0" algn="r" defTabSz="914400" rtl="0" eaLnBrk="1" fontAlgn="auto" latinLnBrk="0" hangingPunct="1">
+              <a:lnSpc>
+                <a:spcPct val="100000"/>
+              </a:lnSpc>
+              <a:spcBef>
+                <a:spcPts val="0"/>
+              </a:spcBef>
+              <a:spcAft>
+                <a:spcPts val="0"/>
+              </a:spcAft>
+              <a:buClrTx/>
+              <a:buSzTx/>
+              <a:buFontTx/>
+              <a:buNone/>
+              <a:tabLst/>
+              <a:defRPr/>
+            </a:pPr>
+            <a:fld id="{DD20F09D-B375-B446-8D61-90653E4EE1AB}" type="slidenum">
+              <a:rPr kumimoji="0" lang="en-US" sz="1200" b="0" i="0" u="none" strike="noStrike" kern="1200" cap="none" spc="0" normalizeH="0" baseline="0" noProof="0" smtClean="0">
+                <a:ln>
+                  <a:noFill/>
+                </a:ln>
+                <a:solidFill>
+                  <a:prstClr val="black">
+                    <a:tint val="75000"/>
+                  </a:prstClr>
+                </a:solidFill>
+                <a:effectLst/>
+                <a:uLnTx/>
+                <a:uFillTx/>
+                <a:latin typeface="Arial" panose="020B0604020202020204" pitchFamily="34" charset="0"/>
+                <a:ea typeface="+mn-ea"/>
+                <a:cs typeface="+mn-cs"/>
+              </a:rPr>
+              <a:pPr marL="0" marR="0" lvl="0" indent="0" algn="r" defTabSz="914400" rtl="0" eaLnBrk="1" fontAlgn="auto" latinLnBrk="0" hangingPunct="1">
+                <a:lnSpc>
+                  <a:spcPct val="100000"/>
+                </a:lnSpc>
+                <a:spcBef>
+                  <a:spcPts val="0"/>
+                </a:spcBef>
+                <a:spcAft>
+                  <a:spcPts val="0"/>
+                </a:spcAft>
+                <a:buClrTx/>
+                <a:buSzTx/>
+                <a:buFontTx/>
+                <a:buNone/>
+                <a:tabLst/>
+                <a:defRPr/>
+              </a:pPr>
+              <a:t>15</a:t>
+            </a:fld>
+            <a:endParaRPr kumimoji="0" lang="en-US" sz="1200" b="0" i="0" u="none" strike="noStrike" kern="1200" cap="none" spc="0" normalizeH="0" baseline="0" noProof="0">
+              <a:ln>
+                <a:noFill/>
+              </a:ln>
+              <a:solidFill>
+                <a:prstClr val="black">
+                  <a:tint val="75000"/>
+                </a:prstClr>
+              </a:solidFill>
+              <a:effectLst/>
+              <a:uLnTx/>
+              <a:uFillTx/>
+              <a:latin typeface="Arial" panose="020B0604020202020204" pitchFamily="34" charset="0"/>
+              <a:ea typeface="+mn-ea"/>
+              <a:cs typeface="+mn-cs"/>
+            </a:endParaRPr>
+          </a:p>
+        </p:txBody>
+      </p:sp>
+      <p:pic>
+        <p:nvPicPr>
+          <p:cNvPr id="7" name="Picture 6" descr="Chart&#10;&#10;Description automatically generated with low confidence">
+            <a:extLst>
+              <a:ext uri="{FF2B5EF4-FFF2-40B4-BE49-F238E27FC236}">
+                <a16:creationId xmlns:a16="http://schemas.microsoft.com/office/drawing/2014/main" id="{9BBB5479-FE3B-4C53-969D-FF59EFF8F134}"/>
+              </a:ext>
+            </a:extLst>
+          </p:cNvPr>
+          <p:cNvPicPr>
+            <a:picLocks noChangeAspect="1"/>
+          </p:cNvPicPr>
+          <p:nvPr/>
+        </p:nvPicPr>
+        <p:blipFill>
+          <a:blip r:embed="rId3">
+            <a:extLst>
+              <a:ext uri="{28A0092B-C50C-407E-A947-70E740481C1C}">
+                <a14:useLocalDpi xmlns:a14="http://schemas.microsoft.com/office/drawing/2010/main" val="0"/>
+              </a:ext>
+            </a:extLst>
+          </a:blip>
+          <a:stretch>
+            <a:fillRect/>
+          </a:stretch>
+        </p:blipFill>
+        <p:spPr>
+          <a:xfrm>
+            <a:off x="162018" y="1690688"/>
+            <a:ext cx="4882718" cy="4799653"/>
+          </a:xfrm>
+          <a:prstGeom prst="rect">
+            <a:avLst/>
+          </a:prstGeom>
+        </p:spPr>
+      </p:pic>
+      <p:sp>
+        <p:nvSpPr>
+          <p:cNvPr id="6" name="Footer Placeholder 5">
+            <a:extLst>
+              <a:ext uri="{FF2B5EF4-FFF2-40B4-BE49-F238E27FC236}">
+                <a16:creationId xmlns:a16="http://schemas.microsoft.com/office/drawing/2014/main" id="{A12BB4B8-B39A-464B-8734-1E1A7B8FB852}"/>
+              </a:ext>
+            </a:extLst>
+          </p:cNvPr>
+          <p:cNvSpPr>
+            <a:spLocks noGrp="1"/>
+          </p:cNvSpPr>
+          <p:nvPr>
+            <p:ph type="ftr" sz="quarter" idx="11"/>
+          </p:nvPr>
+        </p:nvSpPr>
+        <p:spPr/>
+        <p:txBody>
+          <a:bodyPr/>
+          <a:lstStyle/>
+          <a:p>
+            <a:r>
+              <a:rPr lang="en-US"/>
+              <a:t>Anthony Tropiano, APS April 2021 Meeting</a:t>
+            </a:r>
+          </a:p>
+        </p:txBody>
+      </p:sp>
+      <p:pic>
+        <p:nvPicPr>
+          <p:cNvPr id="8" name="Picture 7" descr="Chart&#10;&#10;Description automatically generated">
+            <a:extLst>
+              <a:ext uri="{FF2B5EF4-FFF2-40B4-BE49-F238E27FC236}">
+                <a16:creationId xmlns:a16="http://schemas.microsoft.com/office/drawing/2014/main" id="{98B744CA-BF7D-4425-A11A-C89384D5A767}"/>
+              </a:ext>
+            </a:extLst>
+          </p:cNvPr>
+          <p:cNvPicPr>
+            <a:picLocks noChangeAspect="1"/>
+          </p:cNvPicPr>
+          <p:nvPr/>
+        </p:nvPicPr>
+        <p:blipFill>
+          <a:blip r:embed="rId4">
+            <a:extLst>
+              <a:ext uri="{28A0092B-C50C-407E-A947-70E740481C1C}">
+                <a14:useLocalDpi xmlns:a14="http://schemas.microsoft.com/office/drawing/2010/main" val="0"/>
+              </a:ext>
+            </a:extLst>
+          </a:blip>
+          <a:stretch>
+            <a:fillRect/>
+          </a:stretch>
+        </p:blipFill>
+        <p:spPr>
+          <a:xfrm>
+            <a:off x="161042" y="1689741"/>
+            <a:ext cx="4883694" cy="4800600"/>
+          </a:xfrm>
+          <a:prstGeom prst="rect">
+            <a:avLst/>
+          </a:prstGeom>
+        </p:spPr>
+      </p:pic>
+      <p:pic>
+        <p:nvPicPr>
+          <p:cNvPr id="9" name="Picture 8" descr="Chart, histogram&#10;&#10;Description automatically generated">
+            <a:extLst>
+              <a:ext uri="{FF2B5EF4-FFF2-40B4-BE49-F238E27FC236}">
+                <a16:creationId xmlns:a16="http://schemas.microsoft.com/office/drawing/2014/main" id="{8EF30B7C-BEE5-4ECC-BC1B-C30CFD2F8213}"/>
+              </a:ext>
+            </a:extLst>
+          </p:cNvPr>
+          <p:cNvPicPr>
+            <a:picLocks noChangeAspect="1"/>
+          </p:cNvPicPr>
+          <p:nvPr/>
+        </p:nvPicPr>
+        <p:blipFill>
+          <a:blip r:embed="rId5">
+            <a:extLst>
+              <a:ext uri="{28A0092B-C50C-407E-A947-70E740481C1C}">
+                <a14:useLocalDpi xmlns:a14="http://schemas.microsoft.com/office/drawing/2010/main" val="0"/>
+              </a:ext>
+            </a:extLst>
+          </a:blip>
+          <a:stretch>
+            <a:fillRect/>
+          </a:stretch>
+        </p:blipFill>
+        <p:spPr>
+          <a:xfrm>
+            <a:off x="161042" y="1689741"/>
+            <a:ext cx="4883693" cy="4800600"/>
+          </a:xfrm>
+          <a:prstGeom prst="rect">
+            <a:avLst/>
+          </a:prstGeom>
+        </p:spPr>
+      </p:pic>
+      <p:pic>
+        <p:nvPicPr>
+          <p:cNvPr id="10" name="Picture 9" descr="Chart, line chart&#10;&#10;Description automatically generated">
+            <a:extLst>
+              <a:ext uri="{FF2B5EF4-FFF2-40B4-BE49-F238E27FC236}">
+                <a16:creationId xmlns:a16="http://schemas.microsoft.com/office/drawing/2014/main" id="{3F9E7D0B-25CA-4B18-98A8-A0A74D960323}"/>
+              </a:ext>
+            </a:extLst>
+          </p:cNvPr>
+          <p:cNvPicPr>
+            <a:picLocks noChangeAspect="1"/>
+          </p:cNvPicPr>
+          <p:nvPr/>
+        </p:nvPicPr>
+        <p:blipFill>
+          <a:blip r:embed="rId6">
+            <a:extLst>
+              <a:ext uri="{28A0092B-C50C-407E-A947-70E740481C1C}">
+                <a14:useLocalDpi xmlns:a14="http://schemas.microsoft.com/office/drawing/2010/main" val="0"/>
+              </a:ext>
+            </a:extLst>
+          </a:blip>
+          <a:stretch>
+            <a:fillRect/>
+          </a:stretch>
+        </p:blipFill>
+        <p:spPr>
+          <a:xfrm>
+            <a:off x="161041" y="1689741"/>
+            <a:ext cx="4883682" cy="4800600"/>
+          </a:xfrm>
+          <a:prstGeom prst="rect">
+            <a:avLst/>
+          </a:prstGeom>
+        </p:spPr>
+      </p:pic>
+      <mc:AlternateContent xmlns:mc="http://schemas.openxmlformats.org/markup-compatibility/2006" xmlns:a14="http://schemas.microsoft.com/office/drawing/2010/main">
+        <mc:Choice Requires="a14">
           <p:sp>
             <p:nvSpPr>
               <p:cNvPr id="14" name="Content Placeholder 2">
@@ -15373,13 +16976,7 @@
                                 <a:rPr lang="en-US" sz="2200" b="1" i="1" smtClean="0">
                                   <a:latin typeface="Cambria Math" panose="02040503050406030204" pitchFamily="18" charset="0"/>
                                 </a:rPr>
-                                <m:t>′</m:t>
-                              </m:r>
-                              <m:r>
-                                <a:rPr lang="en-US" sz="2200" b="1" i="1" smtClean="0">
-                                  <a:latin typeface="Cambria Math" panose="02040503050406030204" pitchFamily="18" charset="0"/>
-                                </a:rPr>
-                                <m:t>)</m:t>
+                                <m:t>′)</m:t>
                               </m:r>
                               <m:r>
                                 <a:rPr lang="en-US" sz="2200" b="0" i="1" smtClean="0">
@@ -15675,7 +17272,7 @@
             </p:txBody>
           </p:sp>
         </mc:Choice>
-        <mc:Fallback>
+        <mc:Fallback xmlns="">
           <p:sp>
             <p:nvSpPr>
               <p:cNvPr id="14" name="Content Placeholder 2">
@@ -15733,7 +17330,7 @@
 </p:sld>
 </file>
 
-<file path=ppt/slides/slide15.xml><?xml version="1.0" encoding="utf-8"?>
+<file path=ppt/slides/slide16.xml><?xml version="1.0" encoding="utf-8"?>
 <p:sld xmlns:a="http://schemas.openxmlformats.org/drawingml/2006/main" xmlns:r="http://schemas.openxmlformats.org/officeDocument/2006/relationships" xmlns:p="http://schemas.openxmlformats.org/presentationml/2006/main">
   <p:cSld>
     <p:spTree>
@@ -15867,7 +17464,7 @@
                 <a:tabLst/>
                 <a:defRPr/>
               </a:pPr>
-              <a:t>15</a:t>
+              <a:t>16</a:t>
             </a:fld>
             <a:endParaRPr kumimoji="0" lang="en-US" sz="1200" b="0" i="0" u="none" strike="noStrike" kern="1200" cap="none" spc="0" normalizeH="0" baseline="0" noProof="0">
               <a:ln>
@@ -16994,14 +18591,14 @@
                                 </m:sub>
                                 <m:sup>
                                   <m:r>
-                                    <a:rPr lang="en-US" sz="2200" i="1">
+                                    <a:rPr lang="en-US" sz="2200" b="0" i="1" smtClean="0">
                                       <a:solidFill>
                                         <a:srgbClr val="002060"/>
                                       </a:solidFill>
                                       <a:latin typeface="Cambria Math" panose="02040503050406030204" pitchFamily="18" charset="0"/>
                                       <a:ea typeface="Cambria Math" panose="02040503050406030204" pitchFamily="18" charset="0"/>
                                     </a:rPr>
-                                    <m:t>𝑙𝑜</m:t>
+                                    <m:t>h𝑖</m:t>
                                   </m:r>
                                 </m:sup>
                               </m:sSubSup>
@@ -17722,7 +19319,7 @@
               <a:blipFill>
                 <a:blip r:embed="rId7"/>
                 <a:stretch>
-                  <a:fillRect l="-1303" r="-3808"/>
+                  <a:fillRect l="-1303" r="-3908"/>
                 </a:stretch>
               </a:blipFill>
             </p:spPr>
@@ -17741,8 +19338,8 @@
           </p:sp>
         </mc:Fallback>
       </mc:AlternateContent>
-      <mc:AlternateContent xmlns:mc="http://schemas.openxmlformats.org/markup-compatibility/2006">
-        <mc:Choice xmlns:a14="http://schemas.microsoft.com/office/drawing/2010/main" Requires="a14">
+      <mc:AlternateContent xmlns:mc="http://schemas.openxmlformats.org/markup-compatibility/2006" xmlns:a14="http://schemas.microsoft.com/office/drawing/2010/main">
+        <mc:Choice Requires="a14">
           <p:sp>
             <p:nvSpPr>
               <p:cNvPr id="11" name="TextBox 10">
@@ -17771,7 +19368,6 @@
               </a:bodyPr>
               <a:lstStyle/>
               <a:p>
-                <a:pPr/>
                 <a:r>
                   <a:rPr lang="en-US" sz="2400" b="1" dirty="0">
                     <a:latin typeface="Arial" panose="020B0604020202020204" pitchFamily="34" charset="0"/>
@@ -18018,7 +19614,7 @@
             </p:txBody>
           </p:sp>
         </mc:Choice>
-        <mc:Fallback>
+        <mc:Fallback xmlns="">
           <p:sp>
             <p:nvSpPr>
               <p:cNvPr id="11" name="TextBox 10">
@@ -18160,7 +19756,7 @@
 </p:sld>
 </file>
 
-<file path=ppt/slides/slide16.xml><?xml version="1.0" encoding="utf-8"?>
+<file path=ppt/slides/slide17.xml><?xml version="1.0" encoding="utf-8"?>
 <p:sld xmlns:a="http://schemas.openxmlformats.org/drawingml/2006/main" xmlns:r="http://schemas.openxmlformats.org/officeDocument/2006/relationships" xmlns:p="http://schemas.openxmlformats.org/presentationml/2006/main">
   <p:cSld>
     <p:spTree>
@@ -18294,7 +19890,7 @@
                 <a:tabLst/>
                 <a:defRPr/>
               </a:pPr>
-              <a:t>16</a:t>
+              <a:t>17</a:t>
             </a:fld>
             <a:endParaRPr kumimoji="0" lang="en-US" sz="1200" b="0" i="0" u="none" strike="noStrike" kern="1200" cap="none" spc="0" normalizeH="0" baseline="0" noProof="0">
               <a:ln>
@@ -18487,8 +20083,8 @@
           </a:prstGeom>
         </p:spPr>
       </p:pic>
-      <mc:AlternateContent xmlns:mc="http://schemas.openxmlformats.org/markup-compatibility/2006">
-        <mc:Choice xmlns:a14="http://schemas.microsoft.com/office/drawing/2010/main" Requires="a14">
+      <mc:AlternateContent xmlns:mc="http://schemas.openxmlformats.org/markup-compatibility/2006" xmlns:a14="http://schemas.microsoft.com/office/drawing/2010/main">
+        <mc:Choice Requires="a14">
           <p:sp>
             <p:nvSpPr>
               <p:cNvPr id="14" name="Content Placeholder 2">
@@ -20653,7 +22249,7 @@
             </p:txBody>
           </p:sp>
         </mc:Choice>
-        <mc:Fallback>
+        <mc:Fallback xmlns="">
           <p:sp>
             <p:nvSpPr>
               <p:cNvPr id="14" name="Content Placeholder 2">
@@ -20698,8 +22294,8 @@
           </p:sp>
         </mc:Fallback>
       </mc:AlternateContent>
-      <mc:AlternateContent xmlns:mc="http://schemas.openxmlformats.org/markup-compatibility/2006">
-        <mc:Choice xmlns:a14="http://schemas.microsoft.com/office/drawing/2010/main" Requires="a14">
+      <mc:AlternateContent xmlns:mc="http://schemas.openxmlformats.org/markup-compatibility/2006" xmlns:a14="http://schemas.microsoft.com/office/drawing/2010/main">
+        <mc:Choice Requires="a14">
           <p:sp>
             <p:nvSpPr>
               <p:cNvPr id="11" name="TextBox 10">
@@ -21061,7 +22657,7 @@
             </p:txBody>
           </p:sp>
         </mc:Choice>
-        <mc:Fallback>
+        <mc:Fallback xmlns="">
           <p:sp>
             <p:nvSpPr>
               <p:cNvPr id="11" name="TextBox 10">
@@ -21251,7 +22847,7 @@
 </p:sld>
 </file>
 
-<file path=ppt/slides/slide17.xml><?xml version="1.0" encoding="utf-8"?>
+<file path=ppt/slides/slide18.xml><?xml version="1.0" encoding="utf-8"?>
 <p:sld xmlns:a="http://schemas.openxmlformats.org/drawingml/2006/main" xmlns:r="http://schemas.openxmlformats.org/officeDocument/2006/relationships" xmlns:p="http://schemas.openxmlformats.org/presentationml/2006/main">
   <p:cSld>
     <p:spTree>
@@ -21388,7 +22984,7 @@
                       <a:schemeClr val="tx1"/>
                     </a:solidFill>
                   </a:rPr>
-                  <a:t> tail only depends on the NN interaction (AV18)</a:t>
+                  <a:t> tail collapses to universal function</a:t>
                 </a:r>
                 <a:r>
                   <a:rPr lang="en-US" dirty="0">
@@ -21397,14 +22993,14 @@
                     </a:solidFill>
                     <a:ea typeface="Cambria Math" panose="02040503050406030204" pitchFamily="18" charset="0"/>
                   </a:rPr>
-                  <a:t> up to an overall factor </a:t>
+                  <a:t> </a:t>
                 </a:r>
                 <a14:m>
                   <m:oMath xmlns:m="http://schemas.openxmlformats.org/officeDocument/2006/math">
                     <m:r>
-                      <a:rPr lang="en-US" i="1">
+                      <a:rPr lang="en-US" i="1" smtClean="0">
                         <a:solidFill>
-                          <a:schemeClr val="tx1"/>
+                          <a:srgbClr val="002060"/>
                         </a:solidFill>
                         <a:latin typeface="Cambria Math" panose="02040503050406030204" pitchFamily="18" charset="0"/>
                         <a:ea typeface="Cambria Math" panose="02040503050406030204" pitchFamily="18" charset="0"/>
@@ -21416,7 +23012,7 @@
                         <m:ctrlPr>
                           <a:rPr lang="en-US" i="1">
                             <a:solidFill>
-                              <a:schemeClr val="tx1"/>
+                              <a:srgbClr val="002060"/>
                             </a:solidFill>
                             <a:latin typeface="Cambria Math" panose="02040503050406030204" pitchFamily="18" charset="0"/>
                             <a:ea typeface="Cambria Math" panose="02040503050406030204" pitchFamily="18" charset="0"/>
@@ -21431,7 +23027,7 @@
                             <m:ctrlPr>
                               <a:rPr lang="en-US" i="1">
                                 <a:solidFill>
-                                  <a:schemeClr val="tx1"/>
+                                  <a:srgbClr val="002060"/>
                                 </a:solidFill>
                                 <a:latin typeface="Cambria Math" panose="02040503050406030204" pitchFamily="18" charset="0"/>
                                 <a:ea typeface="Cambria Math" panose="02040503050406030204" pitchFamily="18" charset="0"/>
@@ -21444,7 +23040,7 @@
                                 <m:ctrlPr>
                                   <a:rPr lang="en-US" i="1">
                                     <a:solidFill>
-                                      <a:schemeClr val="tx1"/>
+                                      <a:srgbClr val="002060"/>
                                     </a:solidFill>
                                     <a:latin typeface="Cambria Math" panose="02040503050406030204" pitchFamily="18" charset="0"/>
                                   </a:rPr>
@@ -21454,7 +23050,7 @@
                                 <m:r>
                                   <a:rPr lang="en-US" i="1">
                                     <a:solidFill>
-                                      <a:schemeClr val="tx1"/>
+                                      <a:srgbClr val="002060"/>
                                     </a:solidFill>
                                     <a:latin typeface="Cambria Math" panose="02040503050406030204" pitchFamily="18" charset="0"/>
                                     <a:ea typeface="Cambria Math" panose="02040503050406030204" pitchFamily="18" charset="0"/>
@@ -21466,7 +23062,7 @@
                                 <m:r>
                                   <a:rPr lang="en-US" i="1">
                                     <a:solidFill>
-                                      <a:schemeClr val="tx1"/>
+                                      <a:srgbClr val="002060"/>
                                     </a:solidFill>
                                     <a:latin typeface="Cambria Math" panose="02040503050406030204" pitchFamily="18" charset="0"/>
                                     <a:ea typeface="Cambria Math" panose="02040503050406030204" pitchFamily="18" charset="0"/>
@@ -21478,7 +23074,7 @@
                                 <m:r>
                                   <a:rPr lang="en-US" i="1">
                                     <a:solidFill>
-                                      <a:schemeClr val="tx1"/>
+                                      <a:srgbClr val="002060"/>
                                     </a:solidFill>
                                     <a:latin typeface="Cambria Math" panose="02040503050406030204" pitchFamily="18" charset="0"/>
                                     <a:ea typeface="Cambria Math" panose="02040503050406030204" pitchFamily="18" charset="0"/>
@@ -21492,7 +23088,7 @@
                                 <m:ctrlPr>
                                   <a:rPr lang="en-US" b="1" i="1">
                                     <a:solidFill>
-                                      <a:schemeClr val="tx1"/>
+                                      <a:srgbClr val="002060"/>
                                     </a:solidFill>
                                     <a:latin typeface="Cambria Math" panose="02040503050406030204" pitchFamily="18" charset="0"/>
                                     <a:ea typeface="Cambria Math" panose="02040503050406030204" pitchFamily="18" charset="0"/>
@@ -21503,7 +23099,7 @@
                                 <m:r>
                                   <a:rPr lang="en-US" b="1" i="1">
                                     <a:solidFill>
-                                      <a:schemeClr val="tx1"/>
+                                      <a:srgbClr val="002060"/>
                                     </a:solidFill>
                                     <a:latin typeface="Cambria Math" panose="02040503050406030204" pitchFamily="18" charset="0"/>
                                     <a:ea typeface="Cambria Math" panose="02040503050406030204" pitchFamily="18" charset="0"/>
@@ -21519,7 +23115,7 @@
                         <m:r>
                           <a:rPr lang="en-US" i="1">
                             <a:solidFill>
-                              <a:schemeClr val="tx1"/>
+                              <a:srgbClr val="002060"/>
                             </a:solidFill>
                             <a:latin typeface="Cambria Math" panose="02040503050406030204" pitchFamily="18" charset="0"/>
                             <a:ea typeface="Cambria Math" panose="02040503050406030204" pitchFamily="18" charset="0"/>
@@ -21530,16 +23126,10 @@
                     </m:sSup>
                   </m:oMath>
                 </a14:m>
-                <a:endParaRPr lang="en-US" dirty="0"/>
-              </a:p>
-              <a:p>
-                <a:pPr marL="457200" lvl="1" indent="0">
-                  <a:lnSpc>
-                    <a:spcPct val="100000"/>
-                  </a:lnSpc>
-                  <a:buNone/>
-                </a:pPr>
-                <a:endParaRPr lang="en-US" dirty="0"/>
+                <a:r>
+                  <a:rPr lang="en-US" dirty="0"/>
+                  <a:t> fixed by 2-body</a:t>
+                </a:r>
               </a:p>
             </p:txBody>
           </p:sp>
@@ -21588,300 +23178,6 @@
           </p:sp>
         </mc:Fallback>
       </mc:AlternateContent>
-      <p:sp>
-        <p:nvSpPr>
-          <p:cNvPr id="4" name="Slide Number Placeholder 3">
-            <a:extLst>
-              <a:ext uri="{FF2B5EF4-FFF2-40B4-BE49-F238E27FC236}">
-                <a16:creationId xmlns:a16="http://schemas.microsoft.com/office/drawing/2014/main" id="{DC1A2BB9-1F00-304F-9B4C-2EBE5F4461ED}"/>
-              </a:ext>
-            </a:extLst>
-          </p:cNvPr>
-          <p:cNvSpPr>
-            <a:spLocks noGrp="1"/>
-          </p:cNvSpPr>
-          <p:nvPr>
-            <p:ph type="sldNum" sz="quarter" idx="12"/>
-          </p:nvPr>
-        </p:nvSpPr>
-        <p:spPr/>
-        <p:txBody>
-          <a:bodyPr/>
-          <a:lstStyle/>
-          <a:p>
-            <a:pPr marL="0" marR="0" lvl="0" indent="0" algn="r" defTabSz="914400" rtl="0" eaLnBrk="1" fontAlgn="auto" latinLnBrk="0" hangingPunct="1">
-              <a:lnSpc>
-                <a:spcPct val="100000"/>
-              </a:lnSpc>
-              <a:spcBef>
-                <a:spcPts val="0"/>
-              </a:spcBef>
-              <a:spcAft>
-                <a:spcPts val="0"/>
-              </a:spcAft>
-              <a:buClrTx/>
-              <a:buSzTx/>
-              <a:buFontTx/>
-              <a:buNone/>
-              <a:tabLst/>
-              <a:defRPr/>
-            </a:pPr>
-            <a:fld id="{DD20F09D-B375-B446-8D61-90653E4EE1AB}" type="slidenum">
-              <a:rPr kumimoji="0" lang="en-US" sz="1200" b="0" i="0" u="none" strike="noStrike" kern="1200" cap="none" spc="0" normalizeH="0" baseline="0" noProof="0" smtClean="0">
-                <a:ln>
-                  <a:noFill/>
-                </a:ln>
-                <a:solidFill>
-                  <a:prstClr val="black">
-                    <a:tint val="75000"/>
-                  </a:prstClr>
-                </a:solidFill>
-                <a:effectLst/>
-                <a:uLnTx/>
-                <a:uFillTx/>
-                <a:latin typeface="Arial" panose="020B0604020202020204" pitchFamily="34" charset="0"/>
-                <a:ea typeface="+mn-ea"/>
-                <a:cs typeface="+mn-cs"/>
-              </a:rPr>
-              <a:pPr marL="0" marR="0" lvl="0" indent="0" algn="r" defTabSz="914400" rtl="0" eaLnBrk="1" fontAlgn="auto" latinLnBrk="0" hangingPunct="1">
-                <a:lnSpc>
-                  <a:spcPct val="100000"/>
-                </a:lnSpc>
-                <a:spcBef>
-                  <a:spcPts val="0"/>
-                </a:spcBef>
-                <a:spcAft>
-                  <a:spcPts val="0"/>
-                </a:spcAft>
-                <a:buClrTx/>
-                <a:buSzTx/>
-                <a:buFontTx/>
-                <a:buNone/>
-                <a:tabLst/>
-                <a:defRPr/>
-              </a:pPr>
-              <a:t>17</a:t>
-            </a:fld>
-            <a:endParaRPr kumimoji="0" lang="en-US" sz="1200" b="0" i="0" u="none" strike="noStrike" kern="1200" cap="none" spc="0" normalizeH="0" baseline="0" noProof="0">
-              <a:ln>
-                <a:noFill/>
-              </a:ln>
-              <a:solidFill>
-                <a:prstClr val="black">
-                  <a:tint val="75000"/>
-                </a:prstClr>
-              </a:solidFill>
-              <a:effectLst/>
-              <a:uLnTx/>
-              <a:uFillTx/>
-              <a:latin typeface="Arial" panose="020B0604020202020204" pitchFamily="34" charset="0"/>
-              <a:ea typeface="+mn-ea"/>
-              <a:cs typeface="+mn-cs"/>
-            </a:endParaRPr>
-          </a:p>
-        </p:txBody>
-      </p:sp>
-      <p:sp>
-        <p:nvSpPr>
-          <p:cNvPr id="6" name="Footer Placeholder 5">
-            <a:extLst>
-              <a:ext uri="{FF2B5EF4-FFF2-40B4-BE49-F238E27FC236}">
-                <a16:creationId xmlns:a16="http://schemas.microsoft.com/office/drawing/2014/main" id="{61DFD6FD-6BEC-4F1C-8D36-B0AA13CAD901}"/>
-              </a:ext>
-            </a:extLst>
-          </p:cNvPr>
-          <p:cNvSpPr>
-            <a:spLocks noGrp="1"/>
-          </p:cNvSpPr>
-          <p:nvPr>
-            <p:ph type="ftr" sz="quarter" idx="11"/>
-          </p:nvPr>
-        </p:nvSpPr>
-        <p:spPr/>
-        <p:txBody>
-          <a:bodyPr/>
-          <a:lstStyle/>
-          <a:p>
-            <a:r>
-              <a:rPr lang="en-US"/>
-              <a:t>Anthony Tropiano, APS April 2021 Meeting</a:t>
-            </a:r>
-          </a:p>
-        </p:txBody>
-      </p:sp>
-      <p:pic>
-        <p:nvPicPr>
-          <p:cNvPr id="9" name="Picture 8" descr="Chart&#10;&#10;Description automatically generated">
-            <a:extLst>
-              <a:ext uri="{FF2B5EF4-FFF2-40B4-BE49-F238E27FC236}">
-                <a16:creationId xmlns:a16="http://schemas.microsoft.com/office/drawing/2014/main" id="{4F977F56-07E7-4BAC-AAA6-E0A8EAAA9744}"/>
-              </a:ext>
-            </a:extLst>
-          </p:cNvPr>
-          <p:cNvPicPr>
-            <a:picLocks noChangeAspect="1"/>
-          </p:cNvPicPr>
-          <p:nvPr/>
-        </p:nvPicPr>
-        <p:blipFill>
-          <a:blip r:embed="rId4">
-            <a:extLst>
-              <a:ext uri="{28A0092B-C50C-407E-A947-70E740481C1C}">
-                <a14:useLocalDpi xmlns:a14="http://schemas.microsoft.com/office/drawing/2010/main" val="0"/>
-              </a:ext>
-            </a:extLst>
-          </a:blip>
-          <a:stretch>
-            <a:fillRect/>
-          </a:stretch>
-        </p:blipFill>
-        <p:spPr>
-          <a:xfrm>
-            <a:off x="6773662" y="1114425"/>
-            <a:ext cx="5418338" cy="5378450"/>
-          </a:xfrm>
-          <a:prstGeom prst="rect">
-            <a:avLst/>
-          </a:prstGeom>
-        </p:spPr>
-      </p:pic>
-    </p:spTree>
-    <p:extLst>
-      <p:ext uri="{BB962C8B-B14F-4D97-AF65-F5344CB8AC3E}">
-        <p14:creationId xmlns:p14="http://schemas.microsoft.com/office/powerpoint/2010/main" val="2443494481"/>
-      </p:ext>
-    </p:extLst>
-  </p:cSld>
-  <p:clrMapOvr>
-    <a:masterClrMapping/>
-  </p:clrMapOvr>
-</p:sld>
-</file>
-
-<file path=ppt/slides/slide18.xml><?xml version="1.0" encoding="utf-8"?>
-<p:sld xmlns:a="http://schemas.openxmlformats.org/drawingml/2006/main" xmlns:r="http://schemas.openxmlformats.org/officeDocument/2006/relationships" xmlns:p="http://schemas.openxmlformats.org/presentationml/2006/main">
-  <p:cSld>
-    <p:spTree>
-      <p:nvGrpSpPr>
-        <p:cNvPr id="1" name=""/>
-        <p:cNvGrpSpPr/>
-        <p:nvPr/>
-      </p:nvGrpSpPr>
-      <p:grpSpPr>
-        <a:xfrm>
-          <a:off x="0" y="0"/>
-          <a:ext cx="0" cy="0"/>
-          <a:chOff x="0" y="0"/>
-          <a:chExt cx="0" cy="0"/>
-        </a:xfrm>
-      </p:grpSpPr>
-      <p:sp>
-        <p:nvSpPr>
-          <p:cNvPr id="2" name="Title 1">
-            <a:extLst>
-              <a:ext uri="{FF2B5EF4-FFF2-40B4-BE49-F238E27FC236}">
-                <a16:creationId xmlns:a16="http://schemas.microsoft.com/office/drawing/2014/main" id="{9FECE9C7-FBB0-B54D-8E92-C3BC6CA96ED2}"/>
-              </a:ext>
-            </a:extLst>
-          </p:cNvPr>
-          <p:cNvSpPr>
-            <a:spLocks noGrp="1"/>
-          </p:cNvSpPr>
-          <p:nvPr>
-            <p:ph type="title"/>
-          </p:nvPr>
-        </p:nvSpPr>
-        <p:spPr/>
-        <p:txBody>
-          <a:bodyPr/>
-          <a:lstStyle/>
-          <a:p>
-            <a:pPr>
-              <a:lnSpc>
-                <a:spcPct val="100000"/>
-              </a:lnSpc>
-            </a:pPr>
-            <a:r>
-              <a:rPr lang="en-US" dirty="0">
-                <a:solidFill>
-                  <a:srgbClr val="002060"/>
-                </a:solidFill>
-              </a:rPr>
-              <a:t>Preliminary LDA results</a:t>
-            </a:r>
-            <a:endParaRPr lang="en-US" dirty="0">
-              <a:solidFill>
-                <a:srgbClr val="002060"/>
-              </a:solidFill>
-              <a:latin typeface="Arial" panose="020B0604020202020204" pitchFamily="34" charset="0"/>
-            </a:endParaRPr>
-          </a:p>
-        </p:txBody>
-      </p:sp>
-      <p:sp>
-        <p:nvSpPr>
-          <p:cNvPr id="3" name="Content Placeholder 2">
-            <a:extLst>
-              <a:ext uri="{FF2B5EF4-FFF2-40B4-BE49-F238E27FC236}">
-                <a16:creationId xmlns:a16="http://schemas.microsoft.com/office/drawing/2014/main" id="{1A8FA9B3-1B32-894B-93C2-F90FB63CBDAA}"/>
-              </a:ext>
-            </a:extLst>
-          </p:cNvPr>
-          <p:cNvSpPr>
-            <a:spLocks noGrp="1"/>
-          </p:cNvSpPr>
-          <p:nvPr>
-            <p:ph idx="1"/>
-          </p:nvPr>
-        </p:nvSpPr>
-        <p:spPr>
-          <a:xfrm>
-            <a:off x="522302" y="1690688"/>
-            <a:ext cx="10831498" cy="4351338"/>
-          </a:xfrm>
-        </p:spPr>
-        <p:txBody>
-          <a:bodyPr>
-            <a:normAutofit/>
-          </a:bodyPr>
-          <a:lstStyle/>
-          <a:p>
-            <a:pPr>
-              <a:lnSpc>
-                <a:spcPct val="100000"/>
-              </a:lnSpc>
-            </a:pPr>
-            <a:r>
-              <a:rPr lang="en-US" dirty="0">
-                <a:solidFill>
-                  <a:srgbClr val="C00000"/>
-                </a:solidFill>
-              </a:rPr>
-              <a:t>Comparison to AV18 data gives good agreement </a:t>
-            </a:r>
-          </a:p>
-          <a:p>
-            <a:pPr lvl="1">
-              <a:lnSpc>
-                <a:spcPct val="100000"/>
-              </a:lnSpc>
-            </a:pPr>
-            <a:r>
-              <a:rPr lang="en-US" i="1" dirty="0"/>
-              <a:t>Absolute normalization still a work in progress</a:t>
-            </a:r>
-          </a:p>
-          <a:p>
-            <a:pPr marL="457200" lvl="1" indent="0">
-              <a:lnSpc>
-                <a:spcPct val="100000"/>
-              </a:lnSpc>
-              <a:buNone/>
-            </a:pPr>
-            <a:endParaRPr lang="en-US" dirty="0"/>
-          </a:p>
-        </p:txBody>
-      </p:sp>
       <p:sp>
         <p:nvSpPr>
           <p:cNvPr id="4" name="Slide Number Placeholder 3">
@@ -22005,46 +23301,10 @@
       </p:sp>
       <p:pic>
         <p:nvPicPr>
-          <p:cNvPr id="7" name="Picture 6" descr="Chart&#10;&#10;Description automatically generated">
+          <p:cNvPr id="9" name="Picture 8" descr="Chart&#10;&#10;Description automatically generated">
             <a:extLst>
               <a:ext uri="{FF2B5EF4-FFF2-40B4-BE49-F238E27FC236}">
-                <a16:creationId xmlns:a16="http://schemas.microsoft.com/office/drawing/2014/main" id="{D037C1B4-C2C3-4525-971C-59C1A2BF45C3}"/>
-              </a:ext>
-            </a:extLst>
-          </p:cNvPr>
-          <p:cNvPicPr>
-            <a:picLocks noChangeAspect="1"/>
-          </p:cNvPicPr>
-          <p:nvPr/>
-        </p:nvPicPr>
-        <p:blipFill>
-          <a:blip r:embed="rId3">
-            <a:extLst>
-              <a:ext uri="{28A0092B-C50C-407E-A947-70E740481C1C}">
-                <a14:useLocalDpi xmlns:a14="http://schemas.microsoft.com/office/drawing/2010/main" val="0"/>
-              </a:ext>
-            </a:extLst>
-          </a:blip>
-          <a:stretch>
-            <a:fillRect/>
-          </a:stretch>
-        </p:blipFill>
-        <p:spPr>
-          <a:xfrm>
-            <a:off x="597761" y="2698750"/>
-            <a:ext cx="3684727" cy="3657600"/>
-          </a:xfrm>
-          <a:prstGeom prst="rect">
-            <a:avLst/>
-          </a:prstGeom>
-        </p:spPr>
-      </p:pic>
-      <p:pic>
-        <p:nvPicPr>
-          <p:cNvPr id="10" name="Picture 9" descr="Chart, line chart&#10;&#10;Description automatically generated">
-            <a:extLst>
-              <a:ext uri="{FF2B5EF4-FFF2-40B4-BE49-F238E27FC236}">
-                <a16:creationId xmlns:a16="http://schemas.microsoft.com/office/drawing/2014/main" id="{8F20ACA1-AC5F-4A4A-B2ED-7C27B1A40FAF}"/>
+                <a16:creationId xmlns:a16="http://schemas.microsoft.com/office/drawing/2014/main" id="{4F977F56-07E7-4BAC-AAA6-E0A8EAAA9744}"/>
               </a:ext>
             </a:extLst>
           </p:cNvPr>
@@ -22067,44 +23327,8 @@
         </p:blipFill>
         <p:spPr>
           <a:xfrm>
-            <a:off x="4300244" y="2698750"/>
-            <a:ext cx="3684727" cy="3657600"/>
-          </a:xfrm>
-          <a:prstGeom prst="rect">
-            <a:avLst/>
-          </a:prstGeom>
-        </p:spPr>
-      </p:pic>
-      <p:pic>
-        <p:nvPicPr>
-          <p:cNvPr id="14" name="Picture 13" descr="Chart&#10;&#10;Description automatically generated">
-            <a:extLst>
-              <a:ext uri="{FF2B5EF4-FFF2-40B4-BE49-F238E27FC236}">
-                <a16:creationId xmlns:a16="http://schemas.microsoft.com/office/drawing/2014/main" id="{D5640953-C2AB-4F09-A4C5-FAD983D30E97}"/>
-              </a:ext>
-            </a:extLst>
-          </p:cNvPr>
-          <p:cNvPicPr>
-            <a:picLocks noChangeAspect="1"/>
-          </p:cNvPicPr>
-          <p:nvPr/>
-        </p:nvPicPr>
-        <p:blipFill>
-          <a:blip r:embed="rId5">
-            <a:extLst>
-              <a:ext uri="{28A0092B-C50C-407E-A947-70E740481C1C}">
-                <a14:useLocalDpi xmlns:a14="http://schemas.microsoft.com/office/drawing/2010/main" val="0"/>
-              </a:ext>
-            </a:extLst>
-          </a:blip>
-          <a:stretch>
-            <a:fillRect/>
-          </a:stretch>
-        </p:blipFill>
-        <p:spPr>
-          <a:xfrm>
-            <a:off x="8002727" y="2698750"/>
-            <a:ext cx="3684727" cy="3657600"/>
+            <a:off x="6773662" y="1114425"/>
+            <a:ext cx="5418338" cy="5378450"/>
           </a:xfrm>
           <a:prstGeom prst="rect">
             <a:avLst/>
@@ -22114,7 +23338,7 @@
     </p:spTree>
     <p:extLst>
       <p:ext uri="{BB962C8B-B14F-4D97-AF65-F5344CB8AC3E}">
-        <p14:creationId xmlns:p14="http://schemas.microsoft.com/office/powerpoint/2010/main" val="3065171183"/>
+        <p14:creationId xmlns:p14="http://schemas.microsoft.com/office/powerpoint/2010/main" val="2443494481"/>
       </p:ext>
     </p:extLst>
   </p:cSld>
@@ -22202,12 +23426,14 @@
         </p:nvSpPr>
         <p:spPr>
           <a:xfrm>
-            <a:off x="4860614" y="1736294"/>
-            <a:ext cx="7217547" cy="4351338"/>
+            <a:off x="883920" y="1634297"/>
+            <a:ext cx="10424160" cy="4351338"/>
           </a:xfrm>
         </p:spPr>
         <p:txBody>
-          <a:bodyPr/>
+          <a:bodyPr>
+            <a:normAutofit/>
+          </a:bodyPr>
           <a:lstStyle/>
           <a:p>
             <a:pPr>
@@ -22216,44 +23442,38 @@
               </a:lnSpc>
             </a:pPr>
             <a:r>
-              <a:rPr lang="en-US" dirty="0"/>
-              <a:t>pp pairs are spin-singlets whereas the tensor force requires spin-triplets</a:t>
-            </a:r>
-          </a:p>
-          <a:p>
-            <a:pPr>
-              <a:lnSpc>
-                <a:spcPct val="100000"/>
-              </a:lnSpc>
-            </a:pPr>
-            <a:r>
-              <a:rPr lang="en-US" dirty="0" err="1">
+              <a:rPr lang="en-US" sz="2400" dirty="0">
                 <a:solidFill>
                   <a:srgbClr val="C00000"/>
                 </a:solidFill>
               </a:rPr>
-              <a:t>pn</a:t>
-            </a:r>
-            <a:r>
-              <a:rPr lang="en-US" dirty="0">
-                <a:solidFill>
-                  <a:srgbClr val="C00000"/>
-                </a:solidFill>
-              </a:rPr>
-              <a:t> pairs dominate in region of tensor force</a:t>
-            </a:r>
-          </a:p>
-          <a:p>
-            <a:pPr>
-              <a:lnSpc>
-                <a:spcPct val="100000"/>
-              </a:lnSpc>
-            </a:pPr>
+              <a:t>Low RG resolution calculations reproduce momentum distributions of AV18 data (high RG resolution calculation)</a:t>
+            </a:r>
             <a:endParaRPr lang="en-US" dirty="0">
               <a:solidFill>
                 <a:srgbClr val="C00000"/>
               </a:solidFill>
             </a:endParaRPr>
+          </a:p>
+          <a:p>
+            <a:pPr lvl="1">
+              <a:lnSpc>
+                <a:spcPct val="100000"/>
+              </a:lnSpc>
+            </a:pPr>
+            <a:r>
+              <a:rPr lang="en-US" sz="2000" i="1" dirty="0"/>
+              <a:t>Absolute normalization still a work in progress (scaled up by one overall factor)</a:t>
+            </a:r>
+          </a:p>
+          <a:p>
+            <a:pPr marL="457200" lvl="1" indent="0">
+              <a:lnSpc>
+                <a:spcPct val="100000"/>
+              </a:lnSpc>
+              <a:buNone/>
+            </a:pPr>
+            <a:endParaRPr lang="en-US" dirty="0"/>
           </a:p>
         </p:txBody>
       </p:sp>
@@ -22331,7 +23551,7 @@
               </a:pPr>
               <a:t>19</a:t>
             </a:fld>
-            <a:endParaRPr kumimoji="0" lang="en-US" sz="1200" b="0" i="0" u="none" strike="noStrike" kern="1200" cap="none" spc="0" normalizeH="0" baseline="0" noProof="0" dirty="0">
+            <a:endParaRPr kumimoji="0" lang="en-US" sz="1200" b="0" i="0" u="none" strike="noStrike" kern="1200" cap="none" spc="0" normalizeH="0" baseline="0" noProof="0">
               <a:ln>
                 <a:noFill/>
               </a:ln>
@@ -22350,48 +23570,12 @@
           </a:p>
         </p:txBody>
       </p:sp>
-      <p:pic>
-        <p:nvPicPr>
-          <p:cNvPr id="7" name="Picture 6">
-            <a:extLst>
-              <a:ext uri="{FF2B5EF4-FFF2-40B4-BE49-F238E27FC236}">
-                <a16:creationId xmlns:a16="http://schemas.microsoft.com/office/drawing/2014/main" id="{B6B0511B-0D5A-4246-ADFB-F37A9C646DB6}"/>
-              </a:ext>
-            </a:extLst>
-          </p:cNvPr>
-          <p:cNvPicPr>
-            <a:picLocks noChangeAspect="1"/>
-          </p:cNvPicPr>
-          <p:nvPr/>
-        </p:nvPicPr>
-        <p:blipFill>
-          <a:blip r:embed="rId3">
-            <a:extLst>
-              <a:ext uri="{28A0092B-C50C-407E-A947-70E740481C1C}">
-                <a14:useLocalDpi xmlns:a14="http://schemas.microsoft.com/office/drawing/2010/main" val="0"/>
-              </a:ext>
-            </a:extLst>
-          </a:blip>
-          <a:stretch>
-            <a:fillRect/>
-          </a:stretch>
-        </p:blipFill>
-        <p:spPr>
-          <a:xfrm>
-            <a:off x="113839" y="1736294"/>
-            <a:ext cx="4842119" cy="4620056"/>
-          </a:xfrm>
-          <a:prstGeom prst="rect">
-            <a:avLst/>
-          </a:prstGeom>
-        </p:spPr>
-      </p:pic>
       <p:sp>
         <p:nvSpPr>
           <p:cNvPr id="6" name="Footer Placeholder 5">
             <a:extLst>
               <a:ext uri="{FF2B5EF4-FFF2-40B4-BE49-F238E27FC236}">
-                <a16:creationId xmlns:a16="http://schemas.microsoft.com/office/drawing/2014/main" id="{7B8840A7-42AC-432D-88BC-9CDD206CFDC3}"/>
+                <a16:creationId xmlns:a16="http://schemas.microsoft.com/office/drawing/2014/main" id="{61DFD6FD-6BEC-4F1C-8D36-B0AA13CAD901}"/>
               </a:ext>
             </a:extLst>
           </p:cNvPr>
@@ -22414,91 +23598,48 @@
           </a:p>
         </p:txBody>
       </p:sp>
-      <p:cxnSp>
-        <p:nvCxnSpPr>
-          <p:cNvPr id="10" name="Straight Arrow Connector 9">
+      <p:pic>
+        <p:nvPicPr>
+          <p:cNvPr id="7" name="Picture 6" descr="Chart&#10;&#10;Description automatically generated">
             <a:extLst>
               <a:ext uri="{FF2B5EF4-FFF2-40B4-BE49-F238E27FC236}">
-                <a16:creationId xmlns:a16="http://schemas.microsoft.com/office/drawing/2014/main" id="{792D56E1-DF6E-4273-937E-693B3FC2119F}"/>
+                <a16:creationId xmlns:a16="http://schemas.microsoft.com/office/drawing/2014/main" id="{D037C1B4-C2C3-4525-971C-59C1A2BF45C3}"/>
               </a:ext>
             </a:extLst>
           </p:cNvPr>
-          <p:cNvCxnSpPr>
-            <a:cxnSpLocks/>
-          </p:cNvCxnSpPr>
+          <p:cNvPicPr>
+            <a:picLocks noChangeAspect="1"/>
+          </p:cNvPicPr>
           <p:nvPr/>
-        </p:nvCxnSpPr>
-        <p:spPr>
-          <a:xfrm flipH="1">
-            <a:off x="1784412" y="4230988"/>
-            <a:ext cx="1257997" cy="1015715"/>
-          </a:xfrm>
-          <a:prstGeom prst="straightConnector1">
-            <a:avLst/>
-          </a:prstGeom>
-          <a:ln w="38100">
-            <a:solidFill>
-              <a:schemeClr val="tx1"/>
-            </a:solidFill>
-            <a:tailEnd type="triangle"/>
-          </a:ln>
-        </p:spPr>
-        <p:style>
-          <a:lnRef idx="1">
-            <a:schemeClr val="accent1"/>
-          </a:lnRef>
-          <a:fillRef idx="0">
-            <a:schemeClr val="accent1"/>
-          </a:fillRef>
-          <a:effectRef idx="0">
-            <a:schemeClr val="accent1"/>
-          </a:effectRef>
-          <a:fontRef idx="minor">
-            <a:schemeClr val="tx1"/>
-          </a:fontRef>
-        </p:style>
-      </p:cxnSp>
-      <p:sp>
-        <p:nvSpPr>
-          <p:cNvPr id="12" name="TextBox 11">
-            <a:extLst>
-              <a:ext uri="{FF2B5EF4-FFF2-40B4-BE49-F238E27FC236}">
-                <a16:creationId xmlns:a16="http://schemas.microsoft.com/office/drawing/2014/main" id="{59EFC8E7-2541-48A3-9FC0-B510A5FD86D1}"/>
-              </a:ext>
-            </a:extLst>
-          </p:cNvPr>
-          <p:cNvSpPr txBox="1"/>
-          <p:nvPr/>
-        </p:nvSpPr>
+        </p:nvPicPr>
+        <p:blipFill>
+          <a:blip r:embed="rId3">
+            <a:extLst>
+              <a:ext uri="{28A0092B-C50C-407E-A947-70E740481C1C}">
+                <a14:useLocalDpi xmlns:a14="http://schemas.microsoft.com/office/drawing/2010/main" val="0"/>
+              </a:ext>
+            </a:extLst>
+          </a:blip>
+          <a:stretch>
+            <a:fillRect/>
+          </a:stretch>
+        </p:blipFill>
         <p:spPr>
           <a:xfrm>
-            <a:off x="2534351" y="3861656"/>
-            <a:ext cx="1335687" cy="369332"/>
+            <a:off x="597761" y="2805286"/>
+            <a:ext cx="3684727" cy="3657600"/>
           </a:xfrm>
           <a:prstGeom prst="rect">
             <a:avLst/>
           </a:prstGeom>
-          <a:noFill/>
         </p:spPr>
-        <p:txBody>
-          <a:bodyPr wrap="none" rtlCol="0">
-            <a:spAutoFit/>
-          </a:bodyPr>
-          <a:lstStyle/>
-          <a:p>
-            <a:r>
-              <a:rPr lang="en-US" dirty="0"/>
-              <a:t>Tensor force</a:t>
-            </a:r>
-          </a:p>
-        </p:txBody>
-      </p:sp>
+      </p:pic>
       <p:pic>
         <p:nvPicPr>
-          <p:cNvPr id="9" name="Picture 8" descr="Diagram&#10;&#10;Description automatically generated">
+          <p:cNvPr id="10" name="Picture 9" descr="Chart, line chart&#10;&#10;Description automatically generated">
             <a:extLst>
               <a:ext uri="{FF2B5EF4-FFF2-40B4-BE49-F238E27FC236}">
-                <a16:creationId xmlns:a16="http://schemas.microsoft.com/office/drawing/2014/main" id="{D76642D1-4BAD-4F6F-964E-D43DAC7A4D5C}"/>
+                <a16:creationId xmlns:a16="http://schemas.microsoft.com/office/drawing/2014/main" id="{8F20ACA1-AC5F-4A4A-B2ED-7C27B1A40FAF}"/>
               </a:ext>
             </a:extLst>
           </p:cNvPr>
@@ -22521,296 +23662,54 @@
         </p:blipFill>
         <p:spPr>
           <a:xfrm>
-            <a:off x="4955958" y="3210812"/>
-            <a:ext cx="3309153" cy="3238618"/>
+            <a:off x="4300244" y="2805286"/>
+            <a:ext cx="3684727" cy="3657600"/>
           </a:xfrm>
           <a:prstGeom prst="rect">
             <a:avLst/>
           </a:prstGeom>
         </p:spPr>
       </p:pic>
-      <p:sp>
-        <p:nvSpPr>
-          <p:cNvPr id="13" name="Rectangle 12">
+      <p:pic>
+        <p:nvPicPr>
+          <p:cNvPr id="14" name="Picture 13" descr="Chart&#10;&#10;Description automatically generated">
             <a:extLst>
               <a:ext uri="{FF2B5EF4-FFF2-40B4-BE49-F238E27FC236}">
-                <a16:creationId xmlns:a16="http://schemas.microsoft.com/office/drawing/2014/main" id="{315B4248-472C-45D0-B925-68B58013EF10}"/>
+                <a16:creationId xmlns:a16="http://schemas.microsoft.com/office/drawing/2014/main" id="{D5640953-C2AB-4F09-A4C5-FAD983D30E97}"/>
               </a:ext>
             </a:extLst>
           </p:cNvPr>
-          <p:cNvSpPr/>
+          <p:cNvPicPr>
+            <a:picLocks noChangeAspect="1"/>
+          </p:cNvPicPr>
           <p:nvPr/>
-        </p:nvSpPr>
+        </p:nvPicPr>
+        <p:blipFill>
+          <a:blip r:embed="rId5">
+            <a:extLst>
+              <a:ext uri="{28A0092B-C50C-407E-A947-70E740481C1C}">
+                <a14:useLocalDpi xmlns:a14="http://schemas.microsoft.com/office/drawing/2010/main" val="0"/>
+              </a:ext>
+            </a:extLst>
+          </a:blip>
+          <a:stretch>
+            <a:fillRect/>
+          </a:stretch>
+        </p:blipFill>
         <p:spPr>
           <a:xfrm>
-            <a:off x="6687533" y="3497802"/>
-            <a:ext cx="249877" cy="2494625"/>
+            <a:off x="8002727" y="2805286"/>
+            <a:ext cx="3684727" cy="3657600"/>
           </a:xfrm>
           <a:prstGeom prst="rect">
             <a:avLst/>
           </a:prstGeom>
-          <a:solidFill>
-            <a:schemeClr val="bg1">
-              <a:lumMod val="85000"/>
-              <a:alpha val="50000"/>
-            </a:schemeClr>
-          </a:solidFill>
-          <a:ln>
-            <a:noFill/>
-          </a:ln>
-          <a:effectLst>
-            <a:outerShdw blurRad="50800" dist="50800" dir="5400000" algn="ctr" rotWithShape="0">
-              <a:srgbClr val="000000">
-                <a:alpha val="28000"/>
-              </a:srgbClr>
-            </a:outerShdw>
-          </a:effectLst>
         </p:spPr>
-        <p:style>
-          <a:lnRef idx="2">
-            <a:schemeClr val="accent1">
-              <a:shade val="50000"/>
-            </a:schemeClr>
-          </a:lnRef>
-          <a:fillRef idx="1">
-            <a:schemeClr val="accent1"/>
-          </a:fillRef>
-          <a:effectRef idx="0">
-            <a:schemeClr val="accent1"/>
-          </a:effectRef>
-          <a:fontRef idx="minor">
-            <a:schemeClr val="lt1"/>
-          </a:fontRef>
-        </p:style>
-        <p:txBody>
-          <a:bodyPr rtlCol="0" anchor="ctr"/>
-          <a:lstStyle/>
-          <a:p>
-            <a:pPr algn="ctr"/>
-            <a:endParaRPr lang="en-US" dirty="0"/>
-          </a:p>
-        </p:txBody>
-      </p:sp>
-      <p:cxnSp>
-        <p:nvCxnSpPr>
-          <p:cNvPr id="14" name="Straight Arrow Connector 13">
-            <a:extLst>
-              <a:ext uri="{FF2B5EF4-FFF2-40B4-BE49-F238E27FC236}">
-                <a16:creationId xmlns:a16="http://schemas.microsoft.com/office/drawing/2014/main" id="{9EC76581-7B67-4F1A-87BD-9F256256E0BE}"/>
-              </a:ext>
-            </a:extLst>
-          </p:cNvPr>
-          <p:cNvCxnSpPr>
-            <a:cxnSpLocks/>
-          </p:cNvCxnSpPr>
-          <p:nvPr/>
-        </p:nvCxnSpPr>
-        <p:spPr>
-          <a:xfrm flipH="1">
-            <a:off x="6834425" y="4862287"/>
-            <a:ext cx="396658" cy="31400"/>
-          </a:xfrm>
-          <a:prstGeom prst="straightConnector1">
-            <a:avLst/>
-          </a:prstGeom>
-          <a:ln w="38100">
-            <a:solidFill>
-              <a:schemeClr val="tx1"/>
-            </a:solidFill>
-            <a:tailEnd type="triangle"/>
-          </a:ln>
-        </p:spPr>
-        <p:style>
-          <a:lnRef idx="1">
-            <a:schemeClr val="accent1"/>
-          </a:lnRef>
-          <a:fillRef idx="0">
-            <a:schemeClr val="accent1"/>
-          </a:fillRef>
-          <a:effectRef idx="0">
-            <a:schemeClr val="accent1"/>
-          </a:effectRef>
-          <a:fontRef idx="minor">
-            <a:schemeClr val="tx1"/>
-          </a:fontRef>
-        </p:style>
-      </p:cxnSp>
-      <p:sp>
-        <p:nvSpPr>
-          <p:cNvPr id="15" name="TextBox 14">
-            <a:extLst>
-              <a:ext uri="{FF2B5EF4-FFF2-40B4-BE49-F238E27FC236}">
-                <a16:creationId xmlns:a16="http://schemas.microsoft.com/office/drawing/2014/main" id="{CF9A9F44-02BB-4043-9135-6DF81ABEF644}"/>
-              </a:ext>
-            </a:extLst>
-          </p:cNvPr>
-          <p:cNvSpPr txBox="1"/>
-          <p:nvPr/>
-        </p:nvSpPr>
-        <p:spPr>
-          <a:xfrm>
-            <a:off x="7209131" y="4520920"/>
-            <a:ext cx="1307928" cy="646331"/>
-          </a:xfrm>
-          <a:prstGeom prst="rect">
-            <a:avLst/>
-          </a:prstGeom>
-          <a:noFill/>
-        </p:spPr>
-        <p:txBody>
-          <a:bodyPr wrap="square" rtlCol="0">
-            <a:spAutoFit/>
-          </a:bodyPr>
-          <a:lstStyle/>
-          <a:p>
-            <a:r>
-              <a:rPr lang="en-US" dirty="0"/>
-              <a:t>Tensor force</a:t>
-            </a:r>
-          </a:p>
-        </p:txBody>
-      </p:sp>
-      <p:sp>
-        <p:nvSpPr>
-          <p:cNvPr id="19" name="Oval 18">
-            <a:extLst>
-              <a:ext uri="{FF2B5EF4-FFF2-40B4-BE49-F238E27FC236}">
-                <a16:creationId xmlns:a16="http://schemas.microsoft.com/office/drawing/2014/main" id="{EE2713C1-C2EB-48C9-8D10-34C6D732BF25}"/>
-              </a:ext>
-            </a:extLst>
-          </p:cNvPr>
-          <p:cNvSpPr/>
-          <p:nvPr/>
-        </p:nvSpPr>
-        <p:spPr>
-          <a:xfrm>
-            <a:off x="1305357" y="4927540"/>
-            <a:ext cx="819694" cy="823532"/>
-          </a:xfrm>
-          <a:prstGeom prst="ellipse">
-            <a:avLst/>
-          </a:prstGeom>
-          <a:solidFill>
-            <a:schemeClr val="bg1">
-              <a:lumMod val="75000"/>
-              <a:alpha val="50000"/>
-            </a:schemeClr>
-          </a:solidFill>
-          <a:ln>
-            <a:noFill/>
-          </a:ln>
-        </p:spPr>
-        <p:style>
-          <a:lnRef idx="2">
-            <a:schemeClr val="accent1">
-              <a:shade val="50000"/>
-            </a:schemeClr>
-          </a:lnRef>
-          <a:fillRef idx="1">
-            <a:schemeClr val="accent1"/>
-          </a:fillRef>
-          <a:effectRef idx="0">
-            <a:schemeClr val="accent1"/>
-          </a:effectRef>
-          <a:fontRef idx="minor">
-            <a:schemeClr val="lt1"/>
-          </a:fontRef>
-        </p:style>
-        <p:txBody>
-          <a:bodyPr rtlCol="0" anchor="ctr"/>
-          <a:lstStyle/>
-          <a:p>
-            <a:pPr algn="ctr"/>
-            <a:endParaRPr lang="en-US"/>
-          </a:p>
-        </p:txBody>
-      </p:sp>
-      <p:sp>
-        <p:nvSpPr>
-          <p:cNvPr id="22" name="TextBox 21">
-            <a:extLst>
-              <a:ext uri="{FF2B5EF4-FFF2-40B4-BE49-F238E27FC236}">
-                <a16:creationId xmlns:a16="http://schemas.microsoft.com/office/drawing/2014/main" id="{C27E4B58-E2C1-4B1E-A123-53AD3B1BBF55}"/>
-              </a:ext>
-            </a:extLst>
-          </p:cNvPr>
-          <p:cNvSpPr txBox="1"/>
-          <p:nvPr/>
-        </p:nvSpPr>
-        <p:spPr>
-          <a:xfrm>
-            <a:off x="8153400" y="3323047"/>
-            <a:ext cx="3831263" cy="1446550"/>
-          </a:xfrm>
-          <a:prstGeom prst="rect">
-            <a:avLst/>
-          </a:prstGeom>
-          <a:noFill/>
-        </p:spPr>
-        <p:txBody>
-          <a:bodyPr wrap="square" rtlCol="0">
-            <a:spAutoFit/>
-          </a:bodyPr>
-          <a:lstStyle/>
-          <a:p>
-            <a:pPr marL="228600" marR="0" lvl="0" indent="-228600" algn="l" defTabSz="914400" rtl="0" eaLnBrk="1" fontAlgn="auto" latinLnBrk="0" hangingPunct="1">
-              <a:lnSpc>
-                <a:spcPct val="100000"/>
-              </a:lnSpc>
-              <a:spcBef>
-                <a:spcPts val="1000"/>
-              </a:spcBef>
-              <a:spcAft>
-                <a:spcPts val="0"/>
-              </a:spcAft>
-              <a:buClrTx/>
-              <a:buSzTx/>
-              <a:buFont typeface="Arial" panose="020B0604020202020204" pitchFamily="34" charset="0"/>
-              <a:buChar char="•"/>
-              <a:tabLst/>
-              <a:defRPr/>
-            </a:pPr>
-            <a:r>
-              <a:rPr kumimoji="0" lang="en-US" sz="2200" b="0" i="0" u="none" strike="noStrike" kern="1200" cap="none" spc="0" normalizeH="0" baseline="0" noProof="0" dirty="0">
-                <a:ln>
-                  <a:noFill/>
-                </a:ln>
-                <a:solidFill>
-                  <a:prstClr val="black"/>
-                </a:solidFill>
-                <a:effectLst/>
-                <a:uLnTx/>
-                <a:uFillTx/>
-                <a:latin typeface="Arial" panose="020B0604020202020204" pitchFamily="34" charset="0"/>
-                <a:ea typeface="+mn-ea"/>
-                <a:cs typeface="+mn-cs"/>
-              </a:rPr>
-              <a:t>Reproduces characteristics of the cross section ratios with </a:t>
-            </a:r>
-            <a:r>
-              <a:rPr kumimoji="0" lang="en-US" sz="2200" b="0" i="0" u="none" strike="noStrike" kern="1200" cap="none" spc="0" normalizeH="0" baseline="0" noProof="0" dirty="0">
-                <a:ln>
-                  <a:noFill/>
-                </a:ln>
-                <a:solidFill>
-                  <a:srgbClr val="C00000"/>
-                </a:solidFill>
-                <a:effectLst/>
-                <a:uLnTx/>
-                <a:uFillTx/>
-                <a:latin typeface="Arial" panose="020B0604020202020204" pitchFamily="34" charset="0"/>
-                <a:ea typeface="+mn-ea"/>
-                <a:cs typeface="+mn-cs"/>
-              </a:rPr>
-              <a:t>low RG resolution operators</a:t>
-            </a:r>
-          </a:p>
-        </p:txBody>
-      </p:sp>
+      </p:pic>
     </p:spTree>
     <p:extLst>
       <p:ext uri="{BB962C8B-B14F-4D97-AF65-F5344CB8AC3E}">
-        <p14:creationId xmlns:p14="http://schemas.microsoft.com/office/powerpoint/2010/main" val="3552009979"/>
+        <p14:creationId xmlns:p14="http://schemas.microsoft.com/office/powerpoint/2010/main" val="3065171183"/>
       </p:ext>
     </p:extLst>
   </p:cSld>
@@ -22877,116 +23776,6 @@
               </a:solidFill>
               <a:latin typeface="Arial" panose="020B0604020202020204" pitchFamily="34" charset="0"/>
             </a:endParaRPr>
-          </a:p>
-        </p:txBody>
-      </p:sp>
-      <p:sp>
-        <p:nvSpPr>
-          <p:cNvPr id="3" name="Content Placeholder 2">
-            <a:extLst>
-              <a:ext uri="{FF2B5EF4-FFF2-40B4-BE49-F238E27FC236}">
-                <a16:creationId xmlns:a16="http://schemas.microsoft.com/office/drawing/2014/main" id="{1A8FA9B3-1B32-894B-93C2-F90FB63CBDAA}"/>
-              </a:ext>
-            </a:extLst>
-          </p:cNvPr>
-          <p:cNvSpPr>
-            <a:spLocks noGrp="1"/>
-          </p:cNvSpPr>
-          <p:nvPr>
-            <p:ph idx="1"/>
-          </p:nvPr>
-        </p:nvSpPr>
-        <p:spPr>
-          <a:xfrm>
-            <a:off x="838200" y="1825625"/>
-            <a:ext cx="7657730" cy="4351338"/>
-          </a:xfrm>
-        </p:spPr>
-        <p:txBody>
-          <a:bodyPr/>
-          <a:lstStyle/>
-          <a:p>
-            <a:pPr>
-              <a:lnSpc>
-                <a:spcPct val="100000"/>
-              </a:lnSpc>
-            </a:pPr>
-            <a:r>
-              <a:rPr lang="en-US" sz="2400" dirty="0"/>
-              <a:t>Recent experiments have been able to isolate processes where short-range correlation (SRC) physics is dominant and well accounted for by SRC phenomenology</a:t>
-            </a:r>
-          </a:p>
-          <a:p>
-            <a:pPr marL="228600" marR="0" lvl="0" indent="-228600" algn="l" defTabSz="914400" rtl="0" eaLnBrk="1" fontAlgn="auto" latinLnBrk="0" hangingPunct="1">
-              <a:lnSpc>
-                <a:spcPct val="100000"/>
-              </a:lnSpc>
-              <a:spcBef>
-                <a:spcPts val="1000"/>
-              </a:spcBef>
-              <a:spcAft>
-                <a:spcPts val="0"/>
-              </a:spcAft>
-              <a:buClrTx/>
-              <a:buSzTx/>
-              <a:buFont typeface="Arial" panose="020B0604020202020204" pitchFamily="34" charset="0"/>
-              <a:buChar char="•"/>
-              <a:tabLst/>
-              <a:defRPr/>
-            </a:pPr>
-            <a:r>
-              <a:rPr kumimoji="0" lang="en-US" sz="2400" b="0" i="0" u="none" strike="noStrike" kern="1200" cap="none" spc="0" normalizeH="0" baseline="0" noProof="0" dirty="0">
-                <a:ln>
-                  <a:noFill/>
-                </a:ln>
-                <a:solidFill>
-                  <a:srgbClr val="C00000"/>
-                </a:solidFill>
-                <a:effectLst/>
-                <a:uLnTx/>
-                <a:uFillTx/>
-                <a:latin typeface="Arial" panose="020B0604020202020204" pitchFamily="34" charset="0"/>
-                <a:ea typeface="+mn-ea"/>
-                <a:cs typeface="+mn-cs"/>
-              </a:rPr>
-              <a:t>High resolution description of SRC physics</a:t>
-            </a:r>
-          </a:p>
-          <a:p>
-            <a:pPr marL="685800" marR="0" lvl="1" indent="-228600" algn="l" defTabSz="914400" rtl="0" eaLnBrk="1" fontAlgn="auto" latinLnBrk="0" hangingPunct="1">
-              <a:lnSpc>
-                <a:spcPct val="100000"/>
-              </a:lnSpc>
-              <a:spcBef>
-                <a:spcPts val="500"/>
-              </a:spcBef>
-              <a:spcAft>
-                <a:spcPts val="0"/>
-              </a:spcAft>
-              <a:buClrTx/>
-              <a:buSzTx/>
-              <a:buFont typeface="Arial" panose="020B0604020202020204" pitchFamily="34" charset="0"/>
-              <a:buChar char="•"/>
-              <a:tabLst/>
-              <a:defRPr/>
-            </a:pPr>
-            <a:r>
-              <a:rPr kumimoji="0" lang="en-US" sz="2000" b="0" i="0" u="none" strike="noStrike" kern="1200" cap="none" spc="0" normalizeH="0" baseline="0" noProof="0" dirty="0">
-                <a:ln>
-                  <a:noFill/>
-                </a:ln>
-                <a:solidFill>
-                  <a:prstClr val="black"/>
-                </a:solidFill>
-                <a:effectLst/>
-                <a:uLnTx/>
-                <a:uFillTx/>
-                <a:latin typeface="Arial" panose="020B0604020202020204" pitchFamily="34" charset="0"/>
-                <a:ea typeface="+mn-ea"/>
-                <a:cs typeface="+mn-cs"/>
-              </a:rPr>
-              <a:t>SRC pairs are components in the nuclear wave function with relative momenta above the Fermi momentum</a:t>
-            </a:r>
           </a:p>
         </p:txBody>
       </p:sp>
@@ -23957,10 +24746,302 @@
           </a:prstGeom>
         </p:spPr>
       </p:pic>
+      <p:sp>
+        <p:nvSpPr>
+          <p:cNvPr id="29" name="Content Placeholder 2">
+            <a:extLst>
+              <a:ext uri="{FF2B5EF4-FFF2-40B4-BE49-F238E27FC236}">
+                <a16:creationId xmlns:a16="http://schemas.microsoft.com/office/drawing/2014/main" id="{2D4E3583-BB98-4E8D-8897-721859F6192B}"/>
+              </a:ext>
+            </a:extLst>
+          </p:cNvPr>
+          <p:cNvSpPr txBox="1">
+            <a:spLocks/>
+          </p:cNvSpPr>
+          <p:nvPr/>
+        </p:nvSpPr>
+        <p:spPr>
+          <a:xfrm>
+            <a:off x="292963" y="1834503"/>
+            <a:ext cx="8202967" cy="4351338"/>
+          </a:xfrm>
+          <a:prstGeom prst="rect">
+            <a:avLst/>
+          </a:prstGeom>
+        </p:spPr>
+        <p:txBody>
+          <a:bodyPr vert="horz" lIns="91440" tIns="45720" rIns="91440" bIns="45720" rtlCol="0">
+            <a:noAutofit/>
+          </a:bodyPr>
+          <a:lstStyle>
+            <a:lvl1pPr marL="228600" indent="-228600" algn="l" defTabSz="914400" rtl="0" eaLnBrk="1" latinLnBrk="0" hangingPunct="1">
+              <a:lnSpc>
+                <a:spcPct val="90000"/>
+              </a:lnSpc>
+              <a:spcBef>
+                <a:spcPts val="1000"/>
+              </a:spcBef>
+              <a:buFont typeface="Arial" panose="020B0604020202020204" pitchFamily="34" charset="0"/>
+              <a:buChar char="•"/>
+              <a:defRPr sz="2800" b="0" i="0" kern="1200">
+                <a:solidFill>
+                  <a:schemeClr val="tx1"/>
+                </a:solidFill>
+                <a:latin typeface="Arial" panose="020B0604020202020204" pitchFamily="34" charset="0"/>
+                <a:ea typeface="+mn-ea"/>
+                <a:cs typeface="+mn-cs"/>
+              </a:defRPr>
+            </a:lvl1pPr>
+            <a:lvl2pPr marL="685800" indent="-228600" algn="l" defTabSz="914400" rtl="0" eaLnBrk="1" latinLnBrk="0" hangingPunct="1">
+              <a:lnSpc>
+                <a:spcPct val="90000"/>
+              </a:lnSpc>
+              <a:spcBef>
+                <a:spcPts val="500"/>
+              </a:spcBef>
+              <a:buFont typeface="Arial" panose="020B0604020202020204" pitchFamily="34" charset="0"/>
+              <a:buChar char="•"/>
+              <a:defRPr sz="2400" b="0" i="0" kern="1200">
+                <a:solidFill>
+                  <a:schemeClr val="tx1"/>
+                </a:solidFill>
+                <a:latin typeface="Arial" panose="020B0604020202020204" pitchFamily="34" charset="0"/>
+                <a:ea typeface="+mn-ea"/>
+                <a:cs typeface="+mn-cs"/>
+              </a:defRPr>
+            </a:lvl2pPr>
+            <a:lvl3pPr marL="1143000" indent="-228600" algn="l" defTabSz="914400" rtl="0" eaLnBrk="1" latinLnBrk="0" hangingPunct="1">
+              <a:lnSpc>
+                <a:spcPct val="90000"/>
+              </a:lnSpc>
+              <a:spcBef>
+                <a:spcPts val="500"/>
+              </a:spcBef>
+              <a:buFont typeface="Arial" panose="020B0604020202020204" pitchFamily="34" charset="0"/>
+              <a:buChar char="•"/>
+              <a:defRPr sz="2000" b="0" i="0" kern="1200">
+                <a:solidFill>
+                  <a:schemeClr val="tx1"/>
+                </a:solidFill>
+                <a:latin typeface="Arial" panose="020B0604020202020204" pitchFamily="34" charset="0"/>
+                <a:ea typeface="+mn-ea"/>
+                <a:cs typeface="+mn-cs"/>
+              </a:defRPr>
+            </a:lvl3pPr>
+            <a:lvl4pPr marL="1600200" indent="-228600" algn="l" defTabSz="914400" rtl="0" eaLnBrk="1" latinLnBrk="0" hangingPunct="1">
+              <a:lnSpc>
+                <a:spcPct val="90000"/>
+              </a:lnSpc>
+              <a:spcBef>
+                <a:spcPts val="500"/>
+              </a:spcBef>
+              <a:buFont typeface="Arial" panose="020B0604020202020204" pitchFamily="34" charset="0"/>
+              <a:buChar char="•"/>
+              <a:defRPr sz="1800" b="0" i="0" kern="1200">
+                <a:solidFill>
+                  <a:schemeClr val="tx1"/>
+                </a:solidFill>
+                <a:latin typeface="Arial" panose="020B0604020202020204" pitchFamily="34" charset="0"/>
+                <a:ea typeface="+mn-ea"/>
+                <a:cs typeface="+mn-cs"/>
+              </a:defRPr>
+            </a:lvl4pPr>
+            <a:lvl5pPr marL="2057400" indent="-228600" algn="l" defTabSz="914400" rtl="0" eaLnBrk="1" latinLnBrk="0" hangingPunct="1">
+              <a:lnSpc>
+                <a:spcPct val="90000"/>
+              </a:lnSpc>
+              <a:spcBef>
+                <a:spcPts val="500"/>
+              </a:spcBef>
+              <a:buFont typeface="Arial" panose="020B0604020202020204" pitchFamily="34" charset="0"/>
+              <a:buChar char="•"/>
+              <a:defRPr sz="1800" b="0" i="0" kern="1200">
+                <a:solidFill>
+                  <a:schemeClr val="tx1"/>
+                </a:solidFill>
+                <a:latin typeface="Arial" panose="020B0604020202020204" pitchFamily="34" charset="0"/>
+                <a:ea typeface="+mn-ea"/>
+                <a:cs typeface="+mn-cs"/>
+              </a:defRPr>
+            </a:lvl5pPr>
+            <a:lvl6pPr marL="2514600" indent="-228600" algn="l" defTabSz="914400" rtl="0" eaLnBrk="1" latinLnBrk="0" hangingPunct="1">
+              <a:lnSpc>
+                <a:spcPct val="90000"/>
+              </a:lnSpc>
+              <a:spcBef>
+                <a:spcPts val="500"/>
+              </a:spcBef>
+              <a:buFont typeface="Arial" panose="020B0604020202020204" pitchFamily="34" charset="0"/>
+              <a:buChar char="•"/>
+              <a:defRPr sz="1800" kern="1200">
+                <a:solidFill>
+                  <a:schemeClr val="tx1"/>
+                </a:solidFill>
+                <a:latin typeface="+mn-lt"/>
+                <a:ea typeface="+mn-ea"/>
+                <a:cs typeface="+mn-cs"/>
+              </a:defRPr>
+            </a:lvl6pPr>
+            <a:lvl7pPr marL="2971800" indent="-228600" algn="l" defTabSz="914400" rtl="0" eaLnBrk="1" latinLnBrk="0" hangingPunct="1">
+              <a:lnSpc>
+                <a:spcPct val="90000"/>
+              </a:lnSpc>
+              <a:spcBef>
+                <a:spcPts val="500"/>
+              </a:spcBef>
+              <a:buFont typeface="Arial" panose="020B0604020202020204" pitchFamily="34" charset="0"/>
+              <a:buChar char="•"/>
+              <a:defRPr sz="1800" kern="1200">
+                <a:solidFill>
+                  <a:schemeClr val="tx1"/>
+                </a:solidFill>
+                <a:latin typeface="+mn-lt"/>
+                <a:ea typeface="+mn-ea"/>
+                <a:cs typeface="+mn-cs"/>
+              </a:defRPr>
+            </a:lvl7pPr>
+            <a:lvl8pPr marL="3429000" indent="-228600" algn="l" defTabSz="914400" rtl="0" eaLnBrk="1" latinLnBrk="0" hangingPunct="1">
+              <a:lnSpc>
+                <a:spcPct val="90000"/>
+              </a:lnSpc>
+              <a:spcBef>
+                <a:spcPts val="500"/>
+              </a:spcBef>
+              <a:buFont typeface="Arial" panose="020B0604020202020204" pitchFamily="34" charset="0"/>
+              <a:buChar char="•"/>
+              <a:defRPr sz="1800" kern="1200">
+                <a:solidFill>
+                  <a:schemeClr val="tx1"/>
+                </a:solidFill>
+                <a:latin typeface="+mn-lt"/>
+                <a:ea typeface="+mn-ea"/>
+                <a:cs typeface="+mn-cs"/>
+              </a:defRPr>
+            </a:lvl8pPr>
+            <a:lvl9pPr marL="3886200" indent="-228600" algn="l" defTabSz="914400" rtl="0" eaLnBrk="1" latinLnBrk="0" hangingPunct="1">
+              <a:lnSpc>
+                <a:spcPct val="90000"/>
+              </a:lnSpc>
+              <a:spcBef>
+                <a:spcPts val="500"/>
+              </a:spcBef>
+              <a:buFont typeface="Arial" panose="020B0604020202020204" pitchFamily="34" charset="0"/>
+              <a:buChar char="•"/>
+              <a:defRPr sz="1800" kern="1200">
+                <a:solidFill>
+                  <a:schemeClr val="tx1"/>
+                </a:solidFill>
+                <a:latin typeface="+mn-lt"/>
+                <a:ea typeface="+mn-ea"/>
+                <a:cs typeface="+mn-cs"/>
+              </a:defRPr>
+            </a:lvl9pPr>
+          </a:lstStyle>
+          <a:p>
+            <a:pPr>
+              <a:lnSpc>
+                <a:spcPct val="100000"/>
+              </a:lnSpc>
+            </a:pPr>
+            <a:r>
+              <a:rPr lang="en-US" sz="2400" dirty="0"/>
+              <a:t>Recent experiments have been able to isolate processes where short-range correlation (SRC) physics is dominant and well accounted for by SRC phenomenology</a:t>
+            </a:r>
+          </a:p>
+          <a:p>
+            <a:pPr marL="228600" marR="0" lvl="0" indent="-228600" algn="l" defTabSz="914400" rtl="0" eaLnBrk="1" fontAlgn="auto" latinLnBrk="0" hangingPunct="1">
+              <a:lnSpc>
+                <a:spcPct val="100000"/>
+              </a:lnSpc>
+              <a:spcBef>
+                <a:spcPts val="1000"/>
+              </a:spcBef>
+              <a:spcAft>
+                <a:spcPts val="0"/>
+              </a:spcAft>
+              <a:buClrTx/>
+              <a:buSzTx/>
+              <a:buFont typeface="Arial" panose="020B0604020202020204" pitchFamily="34" charset="0"/>
+              <a:buChar char="•"/>
+              <a:tabLst/>
+              <a:defRPr/>
+            </a:pPr>
+            <a:r>
+              <a:rPr kumimoji="0" lang="en-US" sz="2400" b="0" i="0" u="none" strike="noStrike" kern="1200" cap="none" spc="0" normalizeH="0" baseline="0" noProof="0" dirty="0">
+                <a:ln>
+                  <a:noFill/>
+                </a:ln>
+                <a:solidFill>
+                  <a:srgbClr val="C00000"/>
+                </a:solidFill>
+                <a:effectLst/>
+                <a:uLnTx/>
+                <a:uFillTx/>
+                <a:latin typeface="Arial" panose="020B0604020202020204" pitchFamily="34" charset="0"/>
+                <a:ea typeface="+mn-ea"/>
+                <a:cs typeface="+mn-cs"/>
+              </a:rPr>
+              <a:t>High RG resolution description of SRC physics</a:t>
+            </a:r>
+          </a:p>
+          <a:p>
+            <a:pPr marL="685800" marR="0" lvl="1" indent="-228600" algn="l" defTabSz="914400" rtl="0" eaLnBrk="1" fontAlgn="auto" latinLnBrk="0" hangingPunct="1">
+              <a:lnSpc>
+                <a:spcPct val="100000"/>
+              </a:lnSpc>
+              <a:spcBef>
+                <a:spcPts val="500"/>
+              </a:spcBef>
+              <a:spcAft>
+                <a:spcPts val="0"/>
+              </a:spcAft>
+              <a:buClrTx/>
+              <a:buSzTx/>
+              <a:buFont typeface="Arial" panose="020B0604020202020204" pitchFamily="34" charset="0"/>
+              <a:buChar char="•"/>
+              <a:tabLst/>
+              <a:defRPr/>
+            </a:pPr>
+            <a:r>
+              <a:rPr kumimoji="0" lang="en-US" sz="2000" b="0" i="0" u="none" strike="noStrike" kern="1200" cap="none" spc="0" normalizeH="0" baseline="0" noProof="0" dirty="0">
+                <a:ln>
+                  <a:noFill/>
+                </a:ln>
+                <a:solidFill>
+                  <a:prstClr val="black"/>
+                </a:solidFill>
+                <a:effectLst/>
+                <a:uLnTx/>
+                <a:uFillTx/>
+                <a:latin typeface="Arial" panose="020B0604020202020204" pitchFamily="34" charset="0"/>
+                <a:ea typeface="+mn-ea"/>
+                <a:cs typeface="+mn-cs"/>
+              </a:rPr>
+              <a:t>SRC pairs are components in the nuclear wave function with relative momenta above the Fermi momentum</a:t>
+            </a:r>
+          </a:p>
+          <a:p>
+            <a:pPr>
+              <a:lnSpc>
+                <a:spcPct val="100000"/>
+              </a:lnSpc>
+              <a:spcBef>
+                <a:spcPts val="500"/>
+              </a:spcBef>
+              <a:defRPr/>
+            </a:pPr>
+            <a:endParaRPr lang="en-US" sz="2400" dirty="0">
+              <a:solidFill>
+                <a:prstClr val="black"/>
+              </a:solidFill>
+            </a:endParaRPr>
+          </a:p>
+        </p:txBody>
+      </p:sp>
     </p:spTree>
     <p:extLst>
       <p:ext uri="{BB962C8B-B14F-4D97-AF65-F5344CB8AC3E}">
-        <p14:creationId xmlns:p14="http://schemas.microsoft.com/office/powerpoint/2010/main" val="2639834459"/>
+        <p14:creationId xmlns:p14="http://schemas.microsoft.com/office/powerpoint/2010/main" val="3975718966"/>
       </p:ext>
     </p:extLst>
   </p:cSld>
@@ -24198,8 +25279,2247 @@
           </a:p>
         </p:txBody>
       </p:sp>
-      <mc:AlternateContent xmlns:mc="http://schemas.openxmlformats.org/markup-compatibility/2006">
-        <mc:Choice xmlns:a14="http://schemas.microsoft.com/office/drawing/2010/main" Requires="a14">
+      <p:sp>
+        <p:nvSpPr>
+          <p:cNvPr id="3" name="Content Placeholder 2">
+            <a:extLst>
+              <a:ext uri="{FF2B5EF4-FFF2-40B4-BE49-F238E27FC236}">
+                <a16:creationId xmlns:a16="http://schemas.microsoft.com/office/drawing/2014/main" id="{1A8FA9B3-1B32-894B-93C2-F90FB63CBDAA}"/>
+              </a:ext>
+            </a:extLst>
+          </p:cNvPr>
+          <p:cNvSpPr>
+            <a:spLocks noGrp="1"/>
+          </p:cNvSpPr>
+          <p:nvPr>
+            <p:ph idx="1"/>
+          </p:nvPr>
+        </p:nvSpPr>
+        <p:spPr>
+          <a:xfrm>
+            <a:off x="8744505" y="2302299"/>
+            <a:ext cx="3415365" cy="3786943"/>
+          </a:xfrm>
+        </p:spPr>
+        <p:txBody>
+          <a:bodyPr/>
+          <a:lstStyle/>
+          <a:p>
+            <a:pPr>
+              <a:lnSpc>
+                <a:spcPct val="100000"/>
+              </a:lnSpc>
+            </a:pPr>
+            <a:r>
+              <a:rPr lang="en-US" sz="2400" dirty="0"/>
+              <a:t>pp pairs are spin-singlets whereas the tensor force requires spin-triplets</a:t>
+            </a:r>
+          </a:p>
+          <a:p>
+            <a:pPr>
+              <a:lnSpc>
+                <a:spcPct val="100000"/>
+              </a:lnSpc>
+            </a:pPr>
+            <a:r>
+              <a:rPr lang="en-US" sz="2400" dirty="0" err="1">
+                <a:solidFill>
+                  <a:srgbClr val="C00000"/>
+                </a:solidFill>
+              </a:rPr>
+              <a:t>pn</a:t>
+            </a:r>
+            <a:r>
+              <a:rPr lang="en-US" sz="2400" dirty="0">
+                <a:solidFill>
+                  <a:srgbClr val="C00000"/>
+                </a:solidFill>
+              </a:rPr>
+              <a:t> pairs dominate in region of tensor force</a:t>
+            </a:r>
+          </a:p>
+          <a:p>
+            <a:pPr>
+              <a:lnSpc>
+                <a:spcPct val="100000"/>
+              </a:lnSpc>
+            </a:pPr>
+            <a:endParaRPr lang="en-US" dirty="0">
+              <a:solidFill>
+                <a:srgbClr val="C00000"/>
+              </a:solidFill>
+            </a:endParaRPr>
+          </a:p>
+        </p:txBody>
+      </p:sp>
+      <p:sp>
+        <p:nvSpPr>
+          <p:cNvPr id="4" name="Slide Number Placeholder 3">
+            <a:extLst>
+              <a:ext uri="{FF2B5EF4-FFF2-40B4-BE49-F238E27FC236}">
+                <a16:creationId xmlns:a16="http://schemas.microsoft.com/office/drawing/2014/main" id="{DC1A2BB9-1F00-304F-9B4C-2EBE5F4461ED}"/>
+              </a:ext>
+            </a:extLst>
+          </p:cNvPr>
+          <p:cNvSpPr>
+            <a:spLocks noGrp="1"/>
+          </p:cNvSpPr>
+          <p:nvPr>
+            <p:ph type="sldNum" sz="quarter" idx="12"/>
+          </p:nvPr>
+        </p:nvSpPr>
+        <p:spPr/>
+        <p:txBody>
+          <a:bodyPr/>
+          <a:lstStyle/>
+          <a:p>
+            <a:pPr marL="0" marR="0" lvl="0" indent="0" algn="r" defTabSz="914400" rtl="0" eaLnBrk="1" fontAlgn="auto" latinLnBrk="0" hangingPunct="1">
+              <a:lnSpc>
+                <a:spcPct val="100000"/>
+              </a:lnSpc>
+              <a:spcBef>
+                <a:spcPts val="0"/>
+              </a:spcBef>
+              <a:spcAft>
+                <a:spcPts val="0"/>
+              </a:spcAft>
+              <a:buClrTx/>
+              <a:buSzTx/>
+              <a:buFontTx/>
+              <a:buNone/>
+              <a:tabLst/>
+              <a:defRPr/>
+            </a:pPr>
+            <a:fld id="{DD20F09D-B375-B446-8D61-90653E4EE1AB}" type="slidenum">
+              <a:rPr kumimoji="0" lang="en-US" sz="1200" b="0" i="0" u="none" strike="noStrike" kern="1200" cap="none" spc="0" normalizeH="0" baseline="0" noProof="0" smtClean="0">
+                <a:ln>
+                  <a:noFill/>
+                </a:ln>
+                <a:solidFill>
+                  <a:prstClr val="black">
+                    <a:tint val="75000"/>
+                  </a:prstClr>
+                </a:solidFill>
+                <a:effectLst/>
+                <a:uLnTx/>
+                <a:uFillTx/>
+                <a:latin typeface="Arial" panose="020B0604020202020204" pitchFamily="34" charset="0"/>
+                <a:ea typeface="+mn-ea"/>
+                <a:cs typeface="+mn-cs"/>
+              </a:rPr>
+              <a:pPr marL="0" marR="0" lvl="0" indent="0" algn="r" defTabSz="914400" rtl="0" eaLnBrk="1" fontAlgn="auto" latinLnBrk="0" hangingPunct="1">
+                <a:lnSpc>
+                  <a:spcPct val="100000"/>
+                </a:lnSpc>
+                <a:spcBef>
+                  <a:spcPts val="0"/>
+                </a:spcBef>
+                <a:spcAft>
+                  <a:spcPts val="0"/>
+                </a:spcAft>
+                <a:buClrTx/>
+                <a:buSzTx/>
+                <a:buFontTx/>
+                <a:buNone/>
+                <a:tabLst/>
+                <a:defRPr/>
+              </a:pPr>
+              <a:t>20</a:t>
+            </a:fld>
+            <a:endParaRPr kumimoji="0" lang="en-US" sz="1200" b="0" i="0" u="none" strike="noStrike" kern="1200" cap="none" spc="0" normalizeH="0" baseline="0" noProof="0" dirty="0">
+              <a:ln>
+                <a:noFill/>
+              </a:ln>
+              <a:solidFill>
+                <a:prstClr val="black">
+                  <a:tint val="75000"/>
+                </a:prstClr>
+              </a:solidFill>
+              <a:effectLst/>
+              <a:uLnTx/>
+              <a:uFillTx/>
+              <a:latin typeface="Arial" panose="020B0604020202020204" pitchFamily="34" charset="0"/>
+              <a:ea typeface="+mn-ea"/>
+              <a:cs typeface="+mn-cs"/>
+            </a:endParaRPr>
+          </a:p>
+        </p:txBody>
+      </p:sp>
+      <p:sp>
+        <p:nvSpPr>
+          <p:cNvPr id="6" name="Footer Placeholder 5">
+            <a:extLst>
+              <a:ext uri="{FF2B5EF4-FFF2-40B4-BE49-F238E27FC236}">
+                <a16:creationId xmlns:a16="http://schemas.microsoft.com/office/drawing/2014/main" id="{7B8840A7-42AC-432D-88BC-9CDD206CFDC3}"/>
+              </a:ext>
+            </a:extLst>
+          </p:cNvPr>
+          <p:cNvSpPr>
+            <a:spLocks noGrp="1"/>
+          </p:cNvSpPr>
+          <p:nvPr>
+            <p:ph type="ftr" sz="quarter" idx="11"/>
+          </p:nvPr>
+        </p:nvSpPr>
+        <p:spPr/>
+        <p:txBody>
+          <a:bodyPr/>
+          <a:lstStyle/>
+          <a:p>
+            <a:r>
+              <a:rPr lang="en-US"/>
+              <a:t>Anthony Tropiano, APS April 2021 Meeting</a:t>
+            </a:r>
+          </a:p>
+        </p:txBody>
+      </p:sp>
+      <p:pic>
+        <p:nvPicPr>
+          <p:cNvPr id="16" name="Picture 15">
+            <a:extLst>
+              <a:ext uri="{FF2B5EF4-FFF2-40B4-BE49-F238E27FC236}">
+                <a16:creationId xmlns:a16="http://schemas.microsoft.com/office/drawing/2014/main" id="{4E4260C3-D68A-4A38-9BB2-EE7E2633C48D}"/>
+              </a:ext>
+            </a:extLst>
+          </p:cNvPr>
+          <p:cNvPicPr>
+            <a:picLocks noChangeAspect="1"/>
+          </p:cNvPicPr>
+          <p:nvPr/>
+        </p:nvPicPr>
+        <p:blipFill>
+          <a:blip r:embed="rId3"/>
+          <a:stretch>
+            <a:fillRect/>
+          </a:stretch>
+        </p:blipFill>
+        <p:spPr>
+          <a:xfrm>
+            <a:off x="0" y="2070030"/>
+            <a:ext cx="8824203" cy="3291840"/>
+          </a:xfrm>
+          <a:prstGeom prst="rect">
+            <a:avLst/>
+          </a:prstGeom>
+        </p:spPr>
+      </p:pic>
+      <p:sp>
+        <p:nvSpPr>
+          <p:cNvPr id="17" name="TextBox 16">
+            <a:extLst>
+              <a:ext uri="{FF2B5EF4-FFF2-40B4-BE49-F238E27FC236}">
+                <a16:creationId xmlns:a16="http://schemas.microsoft.com/office/drawing/2014/main" id="{3B91EF03-A52C-4B39-B69A-9C91AE991A21}"/>
+              </a:ext>
+            </a:extLst>
+          </p:cNvPr>
+          <p:cNvSpPr txBox="1"/>
+          <p:nvPr/>
+        </p:nvSpPr>
+        <p:spPr>
+          <a:xfrm>
+            <a:off x="554208" y="5361870"/>
+            <a:ext cx="8350785" cy="830997"/>
+          </a:xfrm>
+          <a:prstGeom prst="rect">
+            <a:avLst/>
+          </a:prstGeom>
+          <a:noFill/>
+        </p:spPr>
+        <p:txBody>
+          <a:bodyPr wrap="square" rtlCol="0">
+            <a:spAutoFit/>
+          </a:bodyPr>
+          <a:lstStyle/>
+          <a:p>
+            <a:r>
+              <a:rPr lang="en-US" sz="1600" dirty="0">
+                <a:latin typeface="Arial" panose="020B0604020202020204" pitchFamily="34" charset="0"/>
+                <a:cs typeface="Arial" panose="020B0604020202020204" pitchFamily="34" charset="0"/>
+              </a:rPr>
+              <a:t>Fig.: (a) Ratio of two-nucleon to single-nucleon electron-scattering cross sections for carbon as a function of missing momentum. (b) Fraction of np to p and pp to p pairs versus the relative momentum. Figure from CLAS collaboration publication</a:t>
+            </a:r>
+            <a:r>
+              <a:rPr lang="en-US" sz="1600" baseline="30000" dirty="0">
+                <a:latin typeface="Arial" panose="020B0604020202020204" pitchFamily="34" charset="0"/>
+                <a:cs typeface="Arial" panose="020B0604020202020204" pitchFamily="34" charset="0"/>
+              </a:rPr>
+              <a:t>1</a:t>
+            </a:r>
+            <a:r>
+              <a:rPr lang="en-US" sz="1600" dirty="0">
+                <a:latin typeface="Arial" panose="020B0604020202020204" pitchFamily="34" charset="0"/>
+                <a:cs typeface="Arial" panose="020B0604020202020204" pitchFamily="34" charset="0"/>
+              </a:rPr>
+              <a:t>. (</a:t>
+            </a:r>
+            <a:r>
+              <a:rPr lang="en-US" sz="1600" dirty="0">
+                <a:solidFill>
+                  <a:srgbClr val="00B0F0"/>
+                </a:solidFill>
+                <a:latin typeface="Arial" panose="020B0604020202020204" pitchFamily="34" charset="0"/>
+                <a:cs typeface="Arial" panose="020B0604020202020204" pitchFamily="34" charset="0"/>
+              </a:rPr>
+              <a:t>add ref</a:t>
+            </a:r>
+            <a:r>
+              <a:rPr lang="en-US" sz="1600" dirty="0">
+                <a:latin typeface="Arial" panose="020B0604020202020204" pitchFamily="34" charset="0"/>
+                <a:cs typeface="Arial" panose="020B0604020202020204" pitchFamily="34" charset="0"/>
+              </a:rPr>
+              <a:t>)</a:t>
+            </a:r>
+          </a:p>
+        </p:txBody>
+      </p:sp>
+      <p:sp>
+        <p:nvSpPr>
+          <p:cNvPr id="18" name="TextBox 17">
+            <a:extLst>
+              <a:ext uri="{FF2B5EF4-FFF2-40B4-BE49-F238E27FC236}">
+                <a16:creationId xmlns:a16="http://schemas.microsoft.com/office/drawing/2014/main" id="{FCF5EDDE-CAFD-4643-AD41-03497B596F4B}"/>
+              </a:ext>
+            </a:extLst>
+          </p:cNvPr>
+          <p:cNvSpPr txBox="1"/>
+          <p:nvPr/>
+        </p:nvSpPr>
+        <p:spPr>
+          <a:xfrm>
+            <a:off x="7609810" y="1769485"/>
+            <a:ext cx="1213474" cy="369332"/>
+          </a:xfrm>
+          <a:prstGeom prst="rect">
+            <a:avLst/>
+          </a:prstGeom>
+          <a:noFill/>
+        </p:spPr>
+        <p:txBody>
+          <a:bodyPr wrap="none" rtlCol="0">
+            <a:spAutoFit/>
+          </a:bodyPr>
+          <a:lstStyle/>
+          <a:p>
+            <a:r>
+              <a:rPr lang="en-US" dirty="0"/>
+              <a:t>Scalar limit</a:t>
+            </a:r>
+          </a:p>
+        </p:txBody>
+      </p:sp>
+      <p:sp>
+        <p:nvSpPr>
+          <p:cNvPr id="20" name="TextBox 19">
+            <a:extLst>
+              <a:ext uri="{FF2B5EF4-FFF2-40B4-BE49-F238E27FC236}">
+                <a16:creationId xmlns:a16="http://schemas.microsoft.com/office/drawing/2014/main" id="{67B8B9CB-C95F-4CB9-85E8-965F0C3ABA08}"/>
+              </a:ext>
+            </a:extLst>
+          </p:cNvPr>
+          <p:cNvSpPr txBox="1"/>
+          <p:nvPr/>
+        </p:nvSpPr>
+        <p:spPr>
+          <a:xfrm>
+            <a:off x="4754608" y="1496130"/>
+            <a:ext cx="2664512" cy="369332"/>
+          </a:xfrm>
+          <a:prstGeom prst="rect">
+            <a:avLst/>
+          </a:prstGeom>
+          <a:noFill/>
+        </p:spPr>
+        <p:txBody>
+          <a:bodyPr wrap="none" rtlCol="0">
+            <a:spAutoFit/>
+          </a:bodyPr>
+          <a:lstStyle/>
+          <a:p>
+            <a:r>
+              <a:rPr lang="en-US" dirty="0"/>
+              <a:t>np includes </a:t>
+            </a:r>
+            <a:r>
+              <a:rPr lang="en-US" baseline="30000" dirty="0"/>
+              <a:t>1</a:t>
+            </a:r>
+            <a:r>
+              <a:rPr lang="en-US" dirty="0"/>
+              <a:t>S</a:t>
+            </a:r>
+            <a:r>
+              <a:rPr lang="en-US" baseline="-25000" dirty="0"/>
+              <a:t>0</a:t>
+            </a:r>
+            <a:r>
+              <a:rPr lang="en-US" dirty="0"/>
+              <a:t> and </a:t>
+            </a:r>
+            <a:r>
+              <a:rPr lang="en-US" baseline="30000" dirty="0"/>
+              <a:t>3</a:t>
+            </a:r>
+            <a:r>
+              <a:rPr lang="en-US" dirty="0"/>
+              <a:t>S</a:t>
+            </a:r>
+            <a:r>
+              <a:rPr lang="en-US" baseline="-25000" dirty="0"/>
+              <a:t>1</a:t>
+            </a:r>
+            <a:r>
+              <a:rPr lang="en-US" dirty="0"/>
+              <a:t>-</a:t>
+            </a:r>
+            <a:r>
+              <a:rPr lang="en-US" baseline="30000" dirty="0"/>
+              <a:t>3</a:t>
+            </a:r>
+            <a:r>
+              <a:rPr lang="en-US" dirty="0"/>
+              <a:t>D</a:t>
+            </a:r>
+            <a:r>
+              <a:rPr lang="en-US" baseline="-25000" dirty="0"/>
+              <a:t>1</a:t>
+            </a:r>
+            <a:endParaRPr lang="en-US" dirty="0"/>
+          </a:p>
+        </p:txBody>
+      </p:sp>
+      <p:cxnSp>
+        <p:nvCxnSpPr>
+          <p:cNvPr id="21" name="Straight Arrow Connector 20">
+            <a:extLst>
+              <a:ext uri="{FF2B5EF4-FFF2-40B4-BE49-F238E27FC236}">
+                <a16:creationId xmlns:a16="http://schemas.microsoft.com/office/drawing/2014/main" id="{CB16CA2A-37AA-486A-B898-935A9565D282}"/>
+              </a:ext>
+            </a:extLst>
+          </p:cNvPr>
+          <p:cNvCxnSpPr>
+            <a:cxnSpLocks/>
+          </p:cNvCxnSpPr>
+          <p:nvPr/>
+        </p:nvCxnSpPr>
+        <p:spPr>
+          <a:xfrm>
+            <a:off x="8374531" y="2108849"/>
+            <a:ext cx="114643" cy="890953"/>
+          </a:xfrm>
+          <a:prstGeom prst="straightConnector1">
+            <a:avLst/>
+          </a:prstGeom>
+          <a:ln w="38100">
+            <a:solidFill>
+              <a:srgbClr val="FF0000"/>
+            </a:solidFill>
+            <a:tailEnd type="triangle"/>
+          </a:ln>
+        </p:spPr>
+        <p:style>
+          <a:lnRef idx="1">
+            <a:schemeClr val="accent1"/>
+          </a:lnRef>
+          <a:fillRef idx="0">
+            <a:schemeClr val="accent1"/>
+          </a:fillRef>
+          <a:effectRef idx="0">
+            <a:schemeClr val="accent1"/>
+          </a:effectRef>
+          <a:fontRef idx="minor">
+            <a:schemeClr val="tx1"/>
+          </a:fontRef>
+        </p:style>
+      </p:cxnSp>
+      <p:cxnSp>
+        <p:nvCxnSpPr>
+          <p:cNvPr id="23" name="Straight Arrow Connector 22">
+            <a:extLst>
+              <a:ext uri="{FF2B5EF4-FFF2-40B4-BE49-F238E27FC236}">
+                <a16:creationId xmlns:a16="http://schemas.microsoft.com/office/drawing/2014/main" id="{1EE267E3-2BF4-4EEE-A0F3-D84CD4F89218}"/>
+              </a:ext>
+            </a:extLst>
+          </p:cNvPr>
+          <p:cNvCxnSpPr>
+            <a:cxnSpLocks/>
+          </p:cNvCxnSpPr>
+          <p:nvPr/>
+        </p:nvCxnSpPr>
+        <p:spPr>
+          <a:xfrm>
+            <a:off x="5666500" y="1862141"/>
+            <a:ext cx="77352" cy="440159"/>
+          </a:xfrm>
+          <a:prstGeom prst="straightConnector1">
+            <a:avLst/>
+          </a:prstGeom>
+          <a:ln w="38100">
+            <a:solidFill>
+              <a:srgbClr val="FF0000"/>
+            </a:solidFill>
+            <a:tailEnd type="triangle"/>
+          </a:ln>
+        </p:spPr>
+        <p:style>
+          <a:lnRef idx="1">
+            <a:schemeClr val="accent1"/>
+          </a:lnRef>
+          <a:fillRef idx="0">
+            <a:schemeClr val="accent1"/>
+          </a:fillRef>
+          <a:effectRef idx="0">
+            <a:schemeClr val="accent1"/>
+          </a:effectRef>
+          <a:fontRef idx="minor">
+            <a:schemeClr val="tx1"/>
+          </a:fontRef>
+        </p:style>
+      </p:cxnSp>
+    </p:spTree>
+    <p:extLst>
+      <p:ext uri="{BB962C8B-B14F-4D97-AF65-F5344CB8AC3E}">
+        <p14:creationId xmlns:p14="http://schemas.microsoft.com/office/powerpoint/2010/main" val="3552009979"/>
+      </p:ext>
+    </p:extLst>
+  </p:cSld>
+  <p:clrMapOvr>
+    <a:masterClrMapping/>
+  </p:clrMapOvr>
+</p:sld>
+</file>
+
+<file path=ppt/slides/slide21.xml><?xml version="1.0" encoding="utf-8"?>
+<p:sld xmlns:a="http://schemas.openxmlformats.org/drawingml/2006/main" xmlns:r="http://schemas.openxmlformats.org/officeDocument/2006/relationships" xmlns:p="http://schemas.openxmlformats.org/presentationml/2006/main">
+  <p:cSld>
+    <p:spTree>
+      <p:nvGrpSpPr>
+        <p:cNvPr id="1" name=""/>
+        <p:cNvGrpSpPr/>
+        <p:nvPr/>
+      </p:nvGrpSpPr>
+      <p:grpSpPr>
+        <a:xfrm>
+          <a:off x="0" y="0"/>
+          <a:ext cx="0" cy="0"/>
+          <a:chOff x="0" y="0"/>
+          <a:chExt cx="0" cy="0"/>
+        </a:xfrm>
+      </p:grpSpPr>
+      <p:sp>
+        <p:nvSpPr>
+          <p:cNvPr id="2" name="Title 1">
+            <a:extLst>
+              <a:ext uri="{FF2B5EF4-FFF2-40B4-BE49-F238E27FC236}">
+                <a16:creationId xmlns:a16="http://schemas.microsoft.com/office/drawing/2014/main" id="{9FECE9C7-FBB0-B54D-8E92-C3BC6CA96ED2}"/>
+              </a:ext>
+            </a:extLst>
+          </p:cNvPr>
+          <p:cNvSpPr>
+            <a:spLocks noGrp="1"/>
+          </p:cNvSpPr>
+          <p:nvPr>
+            <p:ph type="title"/>
+          </p:nvPr>
+        </p:nvSpPr>
+        <p:spPr/>
+        <p:txBody>
+          <a:bodyPr/>
+          <a:lstStyle/>
+          <a:p>
+            <a:pPr>
+              <a:lnSpc>
+                <a:spcPct val="100000"/>
+              </a:lnSpc>
+            </a:pPr>
+            <a:r>
+              <a:rPr lang="en-US" dirty="0">
+                <a:solidFill>
+                  <a:srgbClr val="002060"/>
+                </a:solidFill>
+              </a:rPr>
+              <a:t>Preliminary LDA results</a:t>
+            </a:r>
+            <a:endParaRPr lang="en-US" dirty="0">
+              <a:solidFill>
+                <a:srgbClr val="002060"/>
+              </a:solidFill>
+              <a:latin typeface="Arial" panose="020B0604020202020204" pitchFamily="34" charset="0"/>
+            </a:endParaRPr>
+          </a:p>
+        </p:txBody>
+      </p:sp>
+      <p:sp>
+        <p:nvSpPr>
+          <p:cNvPr id="4" name="Slide Number Placeholder 3">
+            <a:extLst>
+              <a:ext uri="{FF2B5EF4-FFF2-40B4-BE49-F238E27FC236}">
+                <a16:creationId xmlns:a16="http://schemas.microsoft.com/office/drawing/2014/main" id="{DC1A2BB9-1F00-304F-9B4C-2EBE5F4461ED}"/>
+              </a:ext>
+            </a:extLst>
+          </p:cNvPr>
+          <p:cNvSpPr>
+            <a:spLocks noGrp="1"/>
+          </p:cNvSpPr>
+          <p:nvPr>
+            <p:ph type="sldNum" sz="quarter" idx="12"/>
+          </p:nvPr>
+        </p:nvSpPr>
+        <p:spPr/>
+        <p:txBody>
+          <a:bodyPr/>
+          <a:lstStyle/>
+          <a:p>
+            <a:pPr marL="0" marR="0" lvl="0" indent="0" algn="r" defTabSz="914400" rtl="0" eaLnBrk="1" fontAlgn="auto" latinLnBrk="0" hangingPunct="1">
+              <a:lnSpc>
+                <a:spcPct val="100000"/>
+              </a:lnSpc>
+              <a:spcBef>
+                <a:spcPts val="0"/>
+              </a:spcBef>
+              <a:spcAft>
+                <a:spcPts val="0"/>
+              </a:spcAft>
+              <a:buClrTx/>
+              <a:buSzTx/>
+              <a:buFontTx/>
+              <a:buNone/>
+              <a:tabLst/>
+              <a:defRPr/>
+            </a:pPr>
+            <a:fld id="{DD20F09D-B375-B446-8D61-90653E4EE1AB}" type="slidenum">
+              <a:rPr kumimoji="0" lang="en-US" sz="1200" b="0" i="0" u="none" strike="noStrike" kern="1200" cap="none" spc="0" normalizeH="0" baseline="0" noProof="0" smtClean="0">
+                <a:ln>
+                  <a:noFill/>
+                </a:ln>
+                <a:solidFill>
+                  <a:prstClr val="black">
+                    <a:tint val="75000"/>
+                  </a:prstClr>
+                </a:solidFill>
+                <a:effectLst/>
+                <a:uLnTx/>
+                <a:uFillTx/>
+                <a:latin typeface="Arial" panose="020B0604020202020204" pitchFamily="34" charset="0"/>
+                <a:ea typeface="+mn-ea"/>
+                <a:cs typeface="+mn-cs"/>
+              </a:rPr>
+              <a:pPr marL="0" marR="0" lvl="0" indent="0" algn="r" defTabSz="914400" rtl="0" eaLnBrk="1" fontAlgn="auto" latinLnBrk="0" hangingPunct="1">
+                <a:lnSpc>
+                  <a:spcPct val="100000"/>
+                </a:lnSpc>
+                <a:spcBef>
+                  <a:spcPts val="0"/>
+                </a:spcBef>
+                <a:spcAft>
+                  <a:spcPts val="0"/>
+                </a:spcAft>
+                <a:buClrTx/>
+                <a:buSzTx/>
+                <a:buFontTx/>
+                <a:buNone/>
+                <a:tabLst/>
+                <a:defRPr/>
+              </a:pPr>
+              <a:t>21</a:t>
+            </a:fld>
+            <a:endParaRPr kumimoji="0" lang="en-US" sz="1200" b="0" i="0" u="none" strike="noStrike" kern="1200" cap="none" spc="0" normalizeH="0" baseline="0" noProof="0" dirty="0">
+              <a:ln>
+                <a:noFill/>
+              </a:ln>
+              <a:solidFill>
+                <a:prstClr val="black">
+                  <a:tint val="75000"/>
+                </a:prstClr>
+              </a:solidFill>
+              <a:effectLst/>
+              <a:uLnTx/>
+              <a:uFillTx/>
+              <a:latin typeface="Arial" panose="020B0604020202020204" pitchFamily="34" charset="0"/>
+              <a:ea typeface="+mn-ea"/>
+              <a:cs typeface="+mn-cs"/>
+            </a:endParaRPr>
+          </a:p>
+        </p:txBody>
+      </p:sp>
+      <p:sp>
+        <p:nvSpPr>
+          <p:cNvPr id="6" name="Footer Placeholder 5">
+            <a:extLst>
+              <a:ext uri="{FF2B5EF4-FFF2-40B4-BE49-F238E27FC236}">
+                <a16:creationId xmlns:a16="http://schemas.microsoft.com/office/drawing/2014/main" id="{7B8840A7-42AC-432D-88BC-9CDD206CFDC3}"/>
+              </a:ext>
+            </a:extLst>
+          </p:cNvPr>
+          <p:cNvSpPr>
+            <a:spLocks noGrp="1"/>
+          </p:cNvSpPr>
+          <p:nvPr>
+            <p:ph type="ftr" sz="quarter" idx="11"/>
+          </p:nvPr>
+        </p:nvSpPr>
+        <p:spPr/>
+        <p:txBody>
+          <a:bodyPr/>
+          <a:lstStyle/>
+          <a:p>
+            <a:r>
+              <a:rPr lang="en-US"/>
+              <a:t>Anthony Tropiano, APS April 2021 Meeting</a:t>
+            </a:r>
+          </a:p>
+        </p:txBody>
+      </p:sp>
+      <p:pic>
+        <p:nvPicPr>
+          <p:cNvPr id="16" name="Picture 15">
+            <a:extLst>
+              <a:ext uri="{FF2B5EF4-FFF2-40B4-BE49-F238E27FC236}">
+                <a16:creationId xmlns:a16="http://schemas.microsoft.com/office/drawing/2014/main" id="{4E4260C3-D68A-4A38-9BB2-EE7E2633C48D}"/>
+              </a:ext>
+            </a:extLst>
+          </p:cNvPr>
+          <p:cNvPicPr>
+            <a:picLocks noChangeAspect="1"/>
+          </p:cNvPicPr>
+          <p:nvPr/>
+        </p:nvPicPr>
+        <p:blipFill>
+          <a:blip r:embed="rId3"/>
+          <a:stretch>
+            <a:fillRect/>
+          </a:stretch>
+        </p:blipFill>
+        <p:spPr>
+          <a:xfrm>
+            <a:off x="0" y="2070030"/>
+            <a:ext cx="8824203" cy="3291840"/>
+          </a:xfrm>
+          <a:prstGeom prst="rect">
+            <a:avLst/>
+          </a:prstGeom>
+        </p:spPr>
+      </p:pic>
+      <p:sp>
+        <p:nvSpPr>
+          <p:cNvPr id="18" name="TextBox 17">
+            <a:extLst>
+              <a:ext uri="{FF2B5EF4-FFF2-40B4-BE49-F238E27FC236}">
+                <a16:creationId xmlns:a16="http://schemas.microsoft.com/office/drawing/2014/main" id="{FCF5EDDE-CAFD-4643-AD41-03497B596F4B}"/>
+              </a:ext>
+            </a:extLst>
+          </p:cNvPr>
+          <p:cNvSpPr txBox="1"/>
+          <p:nvPr/>
+        </p:nvSpPr>
+        <p:spPr>
+          <a:xfrm>
+            <a:off x="7609810" y="1769485"/>
+            <a:ext cx="1213474" cy="369332"/>
+          </a:xfrm>
+          <a:prstGeom prst="rect">
+            <a:avLst/>
+          </a:prstGeom>
+          <a:noFill/>
+        </p:spPr>
+        <p:txBody>
+          <a:bodyPr wrap="none" rtlCol="0">
+            <a:spAutoFit/>
+          </a:bodyPr>
+          <a:lstStyle/>
+          <a:p>
+            <a:r>
+              <a:rPr lang="en-US" dirty="0"/>
+              <a:t>Scalar limit</a:t>
+            </a:r>
+          </a:p>
+        </p:txBody>
+      </p:sp>
+      <p:sp>
+        <p:nvSpPr>
+          <p:cNvPr id="20" name="TextBox 19">
+            <a:extLst>
+              <a:ext uri="{FF2B5EF4-FFF2-40B4-BE49-F238E27FC236}">
+                <a16:creationId xmlns:a16="http://schemas.microsoft.com/office/drawing/2014/main" id="{67B8B9CB-C95F-4CB9-85E8-965F0C3ABA08}"/>
+              </a:ext>
+            </a:extLst>
+          </p:cNvPr>
+          <p:cNvSpPr txBox="1"/>
+          <p:nvPr/>
+        </p:nvSpPr>
+        <p:spPr>
+          <a:xfrm>
+            <a:off x="4754608" y="1496130"/>
+            <a:ext cx="2664512" cy="369332"/>
+          </a:xfrm>
+          <a:prstGeom prst="rect">
+            <a:avLst/>
+          </a:prstGeom>
+          <a:noFill/>
+        </p:spPr>
+        <p:txBody>
+          <a:bodyPr wrap="none" rtlCol="0">
+            <a:spAutoFit/>
+          </a:bodyPr>
+          <a:lstStyle/>
+          <a:p>
+            <a:r>
+              <a:rPr lang="en-US" dirty="0"/>
+              <a:t>np includes </a:t>
+            </a:r>
+            <a:r>
+              <a:rPr lang="en-US" baseline="30000" dirty="0"/>
+              <a:t>1</a:t>
+            </a:r>
+            <a:r>
+              <a:rPr lang="en-US" dirty="0"/>
+              <a:t>S</a:t>
+            </a:r>
+            <a:r>
+              <a:rPr lang="en-US" baseline="-25000" dirty="0"/>
+              <a:t>0</a:t>
+            </a:r>
+            <a:r>
+              <a:rPr lang="en-US" dirty="0"/>
+              <a:t> and </a:t>
+            </a:r>
+            <a:r>
+              <a:rPr lang="en-US" baseline="30000" dirty="0"/>
+              <a:t>3</a:t>
+            </a:r>
+            <a:r>
+              <a:rPr lang="en-US" dirty="0"/>
+              <a:t>S</a:t>
+            </a:r>
+            <a:r>
+              <a:rPr lang="en-US" baseline="-25000" dirty="0"/>
+              <a:t>1</a:t>
+            </a:r>
+            <a:r>
+              <a:rPr lang="en-US" dirty="0"/>
+              <a:t>-</a:t>
+            </a:r>
+            <a:r>
+              <a:rPr lang="en-US" baseline="30000" dirty="0"/>
+              <a:t>3</a:t>
+            </a:r>
+            <a:r>
+              <a:rPr lang="en-US" dirty="0"/>
+              <a:t>D</a:t>
+            </a:r>
+            <a:r>
+              <a:rPr lang="en-US" baseline="-25000" dirty="0"/>
+              <a:t>1</a:t>
+            </a:r>
+            <a:endParaRPr lang="en-US" dirty="0"/>
+          </a:p>
+        </p:txBody>
+      </p:sp>
+      <p:cxnSp>
+        <p:nvCxnSpPr>
+          <p:cNvPr id="21" name="Straight Arrow Connector 20">
+            <a:extLst>
+              <a:ext uri="{FF2B5EF4-FFF2-40B4-BE49-F238E27FC236}">
+                <a16:creationId xmlns:a16="http://schemas.microsoft.com/office/drawing/2014/main" id="{CB16CA2A-37AA-486A-B898-935A9565D282}"/>
+              </a:ext>
+            </a:extLst>
+          </p:cNvPr>
+          <p:cNvCxnSpPr>
+            <a:cxnSpLocks/>
+          </p:cNvCxnSpPr>
+          <p:nvPr/>
+        </p:nvCxnSpPr>
+        <p:spPr>
+          <a:xfrm>
+            <a:off x="8374531" y="2108849"/>
+            <a:ext cx="114643" cy="890953"/>
+          </a:xfrm>
+          <a:prstGeom prst="straightConnector1">
+            <a:avLst/>
+          </a:prstGeom>
+          <a:ln w="38100">
+            <a:solidFill>
+              <a:srgbClr val="FF0000"/>
+            </a:solidFill>
+            <a:tailEnd type="triangle"/>
+          </a:ln>
+        </p:spPr>
+        <p:style>
+          <a:lnRef idx="1">
+            <a:schemeClr val="accent1"/>
+          </a:lnRef>
+          <a:fillRef idx="0">
+            <a:schemeClr val="accent1"/>
+          </a:fillRef>
+          <a:effectRef idx="0">
+            <a:schemeClr val="accent1"/>
+          </a:effectRef>
+          <a:fontRef idx="minor">
+            <a:schemeClr val="tx1"/>
+          </a:fontRef>
+        </p:style>
+      </p:cxnSp>
+      <p:cxnSp>
+        <p:nvCxnSpPr>
+          <p:cNvPr id="23" name="Straight Arrow Connector 22">
+            <a:extLst>
+              <a:ext uri="{FF2B5EF4-FFF2-40B4-BE49-F238E27FC236}">
+                <a16:creationId xmlns:a16="http://schemas.microsoft.com/office/drawing/2014/main" id="{1EE267E3-2BF4-4EEE-A0F3-D84CD4F89218}"/>
+              </a:ext>
+            </a:extLst>
+          </p:cNvPr>
+          <p:cNvCxnSpPr>
+            <a:cxnSpLocks/>
+          </p:cNvCxnSpPr>
+          <p:nvPr/>
+        </p:nvCxnSpPr>
+        <p:spPr>
+          <a:xfrm>
+            <a:off x="5666500" y="1862141"/>
+            <a:ext cx="77352" cy="440159"/>
+          </a:xfrm>
+          <a:prstGeom prst="straightConnector1">
+            <a:avLst/>
+          </a:prstGeom>
+          <a:ln w="38100">
+            <a:solidFill>
+              <a:srgbClr val="FF0000"/>
+            </a:solidFill>
+            <a:tailEnd type="triangle"/>
+          </a:ln>
+        </p:spPr>
+        <p:style>
+          <a:lnRef idx="1">
+            <a:schemeClr val="accent1"/>
+          </a:lnRef>
+          <a:fillRef idx="0">
+            <a:schemeClr val="accent1"/>
+          </a:fillRef>
+          <a:effectRef idx="0">
+            <a:schemeClr val="accent1"/>
+          </a:effectRef>
+          <a:fontRef idx="minor">
+            <a:schemeClr val="tx1"/>
+          </a:fontRef>
+        </p:style>
+      </p:cxnSp>
+      <p:sp>
+        <p:nvSpPr>
+          <p:cNvPr id="19" name="Content Placeholder 2">
+            <a:extLst>
+              <a:ext uri="{FF2B5EF4-FFF2-40B4-BE49-F238E27FC236}">
+                <a16:creationId xmlns:a16="http://schemas.microsoft.com/office/drawing/2014/main" id="{A5458AE5-671B-4475-822B-560A4AD76C89}"/>
+              </a:ext>
+            </a:extLst>
+          </p:cNvPr>
+          <p:cNvSpPr>
+            <a:spLocks noGrp="1"/>
+          </p:cNvSpPr>
+          <p:nvPr>
+            <p:ph idx="1"/>
+          </p:nvPr>
+        </p:nvSpPr>
+        <p:spPr>
+          <a:xfrm>
+            <a:off x="8744505" y="2302299"/>
+            <a:ext cx="3415365" cy="3786943"/>
+          </a:xfrm>
+        </p:spPr>
+        <p:txBody>
+          <a:bodyPr/>
+          <a:lstStyle/>
+          <a:p>
+            <a:pPr>
+              <a:lnSpc>
+                <a:spcPct val="100000"/>
+              </a:lnSpc>
+            </a:pPr>
+            <a:r>
+              <a:rPr lang="en-US" sz="2400" dirty="0"/>
+              <a:t>pp pairs are spin-singlets whereas the tensor force requires spin-triplets</a:t>
+            </a:r>
+          </a:p>
+          <a:p>
+            <a:pPr>
+              <a:lnSpc>
+                <a:spcPct val="100000"/>
+              </a:lnSpc>
+            </a:pPr>
+            <a:r>
+              <a:rPr lang="en-US" sz="2400" dirty="0" err="1">
+                <a:solidFill>
+                  <a:srgbClr val="C00000"/>
+                </a:solidFill>
+              </a:rPr>
+              <a:t>pn</a:t>
+            </a:r>
+            <a:r>
+              <a:rPr lang="en-US" sz="2400" dirty="0">
+                <a:solidFill>
+                  <a:srgbClr val="C00000"/>
+                </a:solidFill>
+              </a:rPr>
+              <a:t> pairs dominate in region of tensor force</a:t>
+            </a:r>
+          </a:p>
+          <a:p>
+            <a:pPr>
+              <a:lnSpc>
+                <a:spcPct val="100000"/>
+              </a:lnSpc>
+            </a:pPr>
+            <a:endParaRPr lang="en-US" dirty="0">
+              <a:solidFill>
+                <a:srgbClr val="C00000"/>
+              </a:solidFill>
+            </a:endParaRPr>
+          </a:p>
+        </p:txBody>
+      </p:sp>
+      <p:pic>
+        <p:nvPicPr>
+          <p:cNvPr id="9" name="Picture 8" descr="Diagram&#10;&#10;Description automatically generated">
+            <a:extLst>
+              <a:ext uri="{FF2B5EF4-FFF2-40B4-BE49-F238E27FC236}">
+                <a16:creationId xmlns:a16="http://schemas.microsoft.com/office/drawing/2014/main" id="{D76642D1-4BAD-4F6F-964E-D43DAC7A4D5C}"/>
+              </a:ext>
+            </a:extLst>
+          </p:cNvPr>
+          <p:cNvPicPr>
+            <a:picLocks noChangeAspect="1"/>
+          </p:cNvPicPr>
+          <p:nvPr/>
+        </p:nvPicPr>
+        <p:blipFill>
+          <a:blip r:embed="rId4">
+            <a:extLst>
+              <a:ext uri="{28A0092B-C50C-407E-A947-70E740481C1C}">
+                <a14:useLocalDpi xmlns:a14="http://schemas.microsoft.com/office/drawing/2010/main" val="0"/>
+              </a:ext>
+            </a:extLst>
+          </a:blip>
+          <a:stretch>
+            <a:fillRect/>
+          </a:stretch>
+        </p:blipFill>
+        <p:spPr>
+          <a:xfrm>
+            <a:off x="154115" y="1799883"/>
+            <a:ext cx="4519703" cy="4423364"/>
+          </a:xfrm>
+          <a:prstGeom prst="rect">
+            <a:avLst/>
+          </a:prstGeom>
+        </p:spPr>
+      </p:pic>
+      <p:sp>
+        <p:nvSpPr>
+          <p:cNvPr id="13" name="Rectangle 12">
+            <a:extLst>
+              <a:ext uri="{FF2B5EF4-FFF2-40B4-BE49-F238E27FC236}">
+                <a16:creationId xmlns:a16="http://schemas.microsoft.com/office/drawing/2014/main" id="{315B4248-472C-45D0-B925-68B58013EF10}"/>
+              </a:ext>
+            </a:extLst>
+          </p:cNvPr>
+          <p:cNvSpPr/>
+          <p:nvPr/>
+        </p:nvSpPr>
+        <p:spPr>
+          <a:xfrm>
+            <a:off x="2454814" y="2201662"/>
+            <a:ext cx="451344" cy="3364776"/>
+          </a:xfrm>
+          <a:prstGeom prst="rect">
+            <a:avLst/>
+          </a:prstGeom>
+          <a:solidFill>
+            <a:schemeClr val="bg1">
+              <a:lumMod val="85000"/>
+              <a:alpha val="50000"/>
+            </a:schemeClr>
+          </a:solidFill>
+          <a:ln>
+            <a:noFill/>
+          </a:ln>
+          <a:effectLst>
+            <a:outerShdw blurRad="50800" dist="50800" dir="5400000" algn="ctr" rotWithShape="0">
+              <a:srgbClr val="000000">
+                <a:alpha val="28000"/>
+              </a:srgbClr>
+            </a:outerShdw>
+          </a:effectLst>
+        </p:spPr>
+        <p:style>
+          <a:lnRef idx="2">
+            <a:schemeClr val="accent1">
+              <a:shade val="50000"/>
+            </a:schemeClr>
+          </a:lnRef>
+          <a:fillRef idx="1">
+            <a:schemeClr val="accent1"/>
+          </a:fillRef>
+          <a:effectRef idx="0">
+            <a:schemeClr val="accent1"/>
+          </a:effectRef>
+          <a:fontRef idx="minor">
+            <a:schemeClr val="lt1"/>
+          </a:fontRef>
+        </p:style>
+        <p:txBody>
+          <a:bodyPr rtlCol="0" anchor="ctr"/>
+          <a:lstStyle/>
+          <a:p>
+            <a:pPr algn="ctr"/>
+            <a:endParaRPr lang="en-US" dirty="0"/>
+          </a:p>
+        </p:txBody>
+      </p:sp>
+      <p:cxnSp>
+        <p:nvCxnSpPr>
+          <p:cNvPr id="14" name="Straight Arrow Connector 13">
+            <a:extLst>
+              <a:ext uri="{FF2B5EF4-FFF2-40B4-BE49-F238E27FC236}">
+                <a16:creationId xmlns:a16="http://schemas.microsoft.com/office/drawing/2014/main" id="{9EC76581-7B67-4F1A-87BD-9F256256E0BE}"/>
+              </a:ext>
+            </a:extLst>
+          </p:cNvPr>
+          <p:cNvCxnSpPr>
+            <a:cxnSpLocks/>
+          </p:cNvCxnSpPr>
+          <p:nvPr/>
+        </p:nvCxnSpPr>
+        <p:spPr>
+          <a:xfrm flipH="1">
+            <a:off x="2707829" y="3924425"/>
+            <a:ext cx="396658" cy="31400"/>
+          </a:xfrm>
+          <a:prstGeom prst="straightConnector1">
+            <a:avLst/>
+          </a:prstGeom>
+          <a:ln w="38100">
+            <a:solidFill>
+              <a:schemeClr val="tx1"/>
+            </a:solidFill>
+            <a:tailEnd type="triangle"/>
+          </a:ln>
+        </p:spPr>
+        <p:style>
+          <a:lnRef idx="1">
+            <a:schemeClr val="accent1"/>
+          </a:lnRef>
+          <a:fillRef idx="0">
+            <a:schemeClr val="accent1"/>
+          </a:fillRef>
+          <a:effectRef idx="0">
+            <a:schemeClr val="accent1"/>
+          </a:effectRef>
+          <a:fontRef idx="minor">
+            <a:schemeClr val="tx1"/>
+          </a:fontRef>
+        </p:style>
+      </p:cxnSp>
+      <p:sp>
+        <p:nvSpPr>
+          <p:cNvPr id="15" name="TextBox 14">
+            <a:extLst>
+              <a:ext uri="{FF2B5EF4-FFF2-40B4-BE49-F238E27FC236}">
+                <a16:creationId xmlns:a16="http://schemas.microsoft.com/office/drawing/2014/main" id="{CF9A9F44-02BB-4043-9135-6DF81ABEF644}"/>
+              </a:ext>
+            </a:extLst>
+          </p:cNvPr>
+          <p:cNvSpPr txBox="1"/>
+          <p:nvPr/>
+        </p:nvSpPr>
+        <p:spPr>
+          <a:xfrm>
+            <a:off x="3104487" y="3699384"/>
+            <a:ext cx="1666370" cy="369332"/>
+          </a:xfrm>
+          <a:prstGeom prst="rect">
+            <a:avLst/>
+          </a:prstGeom>
+          <a:noFill/>
+        </p:spPr>
+        <p:txBody>
+          <a:bodyPr wrap="square" rtlCol="0">
+            <a:spAutoFit/>
+          </a:bodyPr>
+          <a:lstStyle/>
+          <a:p>
+            <a:r>
+              <a:rPr lang="en-US" dirty="0" err="1"/>
+              <a:t>pn</a:t>
+            </a:r>
+            <a:r>
+              <a:rPr lang="en-US" dirty="0"/>
+              <a:t> dominance</a:t>
+            </a:r>
+          </a:p>
+        </p:txBody>
+      </p:sp>
+      <p:sp>
+        <p:nvSpPr>
+          <p:cNvPr id="22" name="TextBox 21">
+            <a:extLst>
+              <a:ext uri="{FF2B5EF4-FFF2-40B4-BE49-F238E27FC236}">
+                <a16:creationId xmlns:a16="http://schemas.microsoft.com/office/drawing/2014/main" id="{F4B41857-73B8-49E8-AFDC-50C24BE32AC5}"/>
+              </a:ext>
+            </a:extLst>
+          </p:cNvPr>
+          <p:cNvSpPr txBox="1"/>
+          <p:nvPr/>
+        </p:nvSpPr>
+        <p:spPr>
+          <a:xfrm>
+            <a:off x="3891904" y="5741212"/>
+            <a:ext cx="1213474" cy="369332"/>
+          </a:xfrm>
+          <a:prstGeom prst="rect">
+            <a:avLst/>
+          </a:prstGeom>
+          <a:noFill/>
+        </p:spPr>
+        <p:txBody>
+          <a:bodyPr wrap="none" rtlCol="0">
+            <a:spAutoFit/>
+          </a:bodyPr>
+          <a:lstStyle/>
+          <a:p>
+            <a:r>
+              <a:rPr lang="en-US" dirty="0"/>
+              <a:t>Scalar limit</a:t>
+            </a:r>
+          </a:p>
+        </p:txBody>
+      </p:sp>
+      <p:cxnSp>
+        <p:nvCxnSpPr>
+          <p:cNvPr id="24" name="Straight Arrow Connector 23">
+            <a:extLst>
+              <a:ext uri="{FF2B5EF4-FFF2-40B4-BE49-F238E27FC236}">
+                <a16:creationId xmlns:a16="http://schemas.microsoft.com/office/drawing/2014/main" id="{7C47CD18-140B-4FB3-A64A-6497F0B7EDD8}"/>
+              </a:ext>
+            </a:extLst>
+          </p:cNvPr>
+          <p:cNvCxnSpPr>
+            <a:cxnSpLocks/>
+            <a:stCxn id="22" idx="0"/>
+          </p:cNvCxnSpPr>
+          <p:nvPr/>
+        </p:nvCxnSpPr>
+        <p:spPr>
+          <a:xfrm flipH="1" flipV="1">
+            <a:off x="4189933" y="5077430"/>
+            <a:ext cx="308708" cy="663782"/>
+          </a:xfrm>
+          <a:prstGeom prst="straightConnector1">
+            <a:avLst/>
+          </a:prstGeom>
+          <a:ln w="38100">
+            <a:solidFill>
+              <a:srgbClr val="FF0000"/>
+            </a:solidFill>
+            <a:tailEnd type="triangle"/>
+          </a:ln>
+        </p:spPr>
+        <p:style>
+          <a:lnRef idx="1">
+            <a:schemeClr val="accent1"/>
+          </a:lnRef>
+          <a:fillRef idx="0">
+            <a:schemeClr val="accent1"/>
+          </a:fillRef>
+          <a:effectRef idx="0">
+            <a:schemeClr val="accent1"/>
+          </a:effectRef>
+          <a:fontRef idx="minor">
+            <a:schemeClr val="tx1"/>
+          </a:fontRef>
+        </p:style>
+      </p:cxnSp>
+    </p:spTree>
+    <p:extLst>
+      <p:ext uri="{BB962C8B-B14F-4D97-AF65-F5344CB8AC3E}">
+        <p14:creationId xmlns:p14="http://schemas.microsoft.com/office/powerpoint/2010/main" val="446326257"/>
+      </p:ext>
+    </p:extLst>
+  </p:cSld>
+  <p:clrMapOvr>
+    <a:masterClrMapping/>
+  </p:clrMapOvr>
+</p:sld>
+</file>
+
+<file path=ppt/slides/slide22.xml><?xml version="1.0" encoding="utf-8"?>
+<p:sld xmlns:a="http://schemas.openxmlformats.org/drawingml/2006/main" xmlns:r="http://schemas.openxmlformats.org/officeDocument/2006/relationships" xmlns:p="http://schemas.openxmlformats.org/presentationml/2006/main">
+  <p:cSld>
+    <p:spTree>
+      <p:nvGrpSpPr>
+        <p:cNvPr id="1" name=""/>
+        <p:cNvGrpSpPr/>
+        <p:nvPr/>
+      </p:nvGrpSpPr>
+      <p:grpSpPr>
+        <a:xfrm>
+          <a:off x="0" y="0"/>
+          <a:ext cx="0" cy="0"/>
+          <a:chOff x="0" y="0"/>
+          <a:chExt cx="0" cy="0"/>
+        </a:xfrm>
+      </p:grpSpPr>
+      <p:pic>
+        <p:nvPicPr>
+          <p:cNvPr id="16" name="Picture 15">
+            <a:extLst>
+              <a:ext uri="{FF2B5EF4-FFF2-40B4-BE49-F238E27FC236}">
+                <a16:creationId xmlns:a16="http://schemas.microsoft.com/office/drawing/2014/main" id="{71A22809-2CF3-49C1-8FE5-E63D0B1B789E}"/>
+              </a:ext>
+            </a:extLst>
+          </p:cNvPr>
+          <p:cNvPicPr>
+            <a:picLocks noChangeAspect="1"/>
+          </p:cNvPicPr>
+          <p:nvPr/>
+        </p:nvPicPr>
+        <p:blipFill>
+          <a:blip r:embed="rId3"/>
+          <a:stretch>
+            <a:fillRect/>
+          </a:stretch>
+        </p:blipFill>
+        <p:spPr>
+          <a:xfrm>
+            <a:off x="0" y="2070030"/>
+            <a:ext cx="8824203" cy="3291840"/>
+          </a:xfrm>
+          <a:prstGeom prst="rect">
+            <a:avLst/>
+          </a:prstGeom>
+        </p:spPr>
+      </p:pic>
+      <p:sp>
+        <p:nvSpPr>
+          <p:cNvPr id="2" name="Title 1">
+            <a:extLst>
+              <a:ext uri="{FF2B5EF4-FFF2-40B4-BE49-F238E27FC236}">
+                <a16:creationId xmlns:a16="http://schemas.microsoft.com/office/drawing/2014/main" id="{9FECE9C7-FBB0-B54D-8E92-C3BC6CA96ED2}"/>
+              </a:ext>
+            </a:extLst>
+          </p:cNvPr>
+          <p:cNvSpPr>
+            <a:spLocks noGrp="1"/>
+          </p:cNvSpPr>
+          <p:nvPr>
+            <p:ph type="title"/>
+          </p:nvPr>
+        </p:nvSpPr>
+        <p:spPr/>
+        <p:txBody>
+          <a:bodyPr/>
+          <a:lstStyle/>
+          <a:p>
+            <a:pPr>
+              <a:lnSpc>
+                <a:spcPct val="100000"/>
+              </a:lnSpc>
+            </a:pPr>
+            <a:r>
+              <a:rPr lang="en-US" dirty="0">
+                <a:solidFill>
+                  <a:srgbClr val="002060"/>
+                </a:solidFill>
+              </a:rPr>
+              <a:t>Preliminary LDA results</a:t>
+            </a:r>
+            <a:endParaRPr lang="en-US" dirty="0">
+              <a:solidFill>
+                <a:srgbClr val="002060"/>
+              </a:solidFill>
+              <a:latin typeface="Arial" panose="020B0604020202020204" pitchFamily="34" charset="0"/>
+            </a:endParaRPr>
+          </a:p>
+        </p:txBody>
+      </p:sp>
+      <p:sp>
+        <p:nvSpPr>
+          <p:cNvPr id="4" name="Slide Number Placeholder 3">
+            <a:extLst>
+              <a:ext uri="{FF2B5EF4-FFF2-40B4-BE49-F238E27FC236}">
+                <a16:creationId xmlns:a16="http://schemas.microsoft.com/office/drawing/2014/main" id="{DC1A2BB9-1F00-304F-9B4C-2EBE5F4461ED}"/>
+              </a:ext>
+            </a:extLst>
+          </p:cNvPr>
+          <p:cNvSpPr>
+            <a:spLocks noGrp="1"/>
+          </p:cNvSpPr>
+          <p:nvPr>
+            <p:ph type="sldNum" sz="quarter" idx="12"/>
+          </p:nvPr>
+        </p:nvSpPr>
+        <p:spPr/>
+        <p:txBody>
+          <a:bodyPr/>
+          <a:lstStyle/>
+          <a:p>
+            <a:pPr marL="0" marR="0" lvl="0" indent="0" algn="r" defTabSz="914400" rtl="0" eaLnBrk="1" fontAlgn="auto" latinLnBrk="0" hangingPunct="1">
+              <a:lnSpc>
+                <a:spcPct val="100000"/>
+              </a:lnSpc>
+              <a:spcBef>
+                <a:spcPts val="0"/>
+              </a:spcBef>
+              <a:spcAft>
+                <a:spcPts val="0"/>
+              </a:spcAft>
+              <a:buClrTx/>
+              <a:buSzTx/>
+              <a:buFontTx/>
+              <a:buNone/>
+              <a:tabLst/>
+              <a:defRPr/>
+            </a:pPr>
+            <a:fld id="{DD20F09D-B375-B446-8D61-90653E4EE1AB}" type="slidenum">
+              <a:rPr kumimoji="0" lang="en-US" sz="1200" b="0" i="0" u="none" strike="noStrike" kern="1200" cap="none" spc="0" normalizeH="0" baseline="0" noProof="0" smtClean="0">
+                <a:ln>
+                  <a:noFill/>
+                </a:ln>
+                <a:solidFill>
+                  <a:prstClr val="black">
+                    <a:tint val="75000"/>
+                  </a:prstClr>
+                </a:solidFill>
+                <a:effectLst/>
+                <a:uLnTx/>
+                <a:uFillTx/>
+                <a:latin typeface="Arial" panose="020B0604020202020204" pitchFamily="34" charset="0"/>
+                <a:ea typeface="+mn-ea"/>
+                <a:cs typeface="+mn-cs"/>
+              </a:rPr>
+              <a:pPr marL="0" marR="0" lvl="0" indent="0" algn="r" defTabSz="914400" rtl="0" eaLnBrk="1" fontAlgn="auto" latinLnBrk="0" hangingPunct="1">
+                <a:lnSpc>
+                  <a:spcPct val="100000"/>
+                </a:lnSpc>
+                <a:spcBef>
+                  <a:spcPts val="0"/>
+                </a:spcBef>
+                <a:spcAft>
+                  <a:spcPts val="0"/>
+                </a:spcAft>
+                <a:buClrTx/>
+                <a:buSzTx/>
+                <a:buFontTx/>
+                <a:buNone/>
+                <a:tabLst/>
+                <a:defRPr/>
+              </a:pPr>
+              <a:t>22</a:t>
+            </a:fld>
+            <a:endParaRPr kumimoji="0" lang="en-US" sz="1200" b="0" i="0" u="none" strike="noStrike" kern="1200" cap="none" spc="0" normalizeH="0" baseline="0" noProof="0" dirty="0">
+              <a:ln>
+                <a:noFill/>
+              </a:ln>
+              <a:solidFill>
+                <a:prstClr val="black">
+                  <a:tint val="75000"/>
+                </a:prstClr>
+              </a:solidFill>
+              <a:effectLst/>
+              <a:uLnTx/>
+              <a:uFillTx/>
+              <a:latin typeface="Arial" panose="020B0604020202020204" pitchFamily="34" charset="0"/>
+              <a:ea typeface="+mn-ea"/>
+              <a:cs typeface="+mn-cs"/>
+            </a:endParaRPr>
+          </a:p>
+        </p:txBody>
+      </p:sp>
+      <p:pic>
+        <p:nvPicPr>
+          <p:cNvPr id="7" name="Picture 6">
+            <a:extLst>
+              <a:ext uri="{FF2B5EF4-FFF2-40B4-BE49-F238E27FC236}">
+                <a16:creationId xmlns:a16="http://schemas.microsoft.com/office/drawing/2014/main" id="{B6B0511B-0D5A-4246-ADFB-F37A9C646DB6}"/>
+              </a:ext>
+            </a:extLst>
+          </p:cNvPr>
+          <p:cNvPicPr>
+            <a:picLocks noChangeAspect="1"/>
+          </p:cNvPicPr>
+          <p:nvPr/>
+        </p:nvPicPr>
+        <p:blipFill>
+          <a:blip r:embed="rId4">
+            <a:extLst>
+              <a:ext uri="{28A0092B-C50C-407E-A947-70E740481C1C}">
+                <a14:useLocalDpi xmlns:a14="http://schemas.microsoft.com/office/drawing/2010/main" val="0"/>
+              </a:ext>
+            </a:extLst>
+          </a:blip>
+          <a:stretch>
+            <a:fillRect/>
+          </a:stretch>
+        </p:blipFill>
+        <p:spPr>
+          <a:xfrm>
+            <a:off x="0" y="1802166"/>
+            <a:ext cx="4493133" cy="4287075"/>
+          </a:xfrm>
+          <a:prstGeom prst="rect">
+            <a:avLst/>
+          </a:prstGeom>
+        </p:spPr>
+      </p:pic>
+      <p:sp>
+        <p:nvSpPr>
+          <p:cNvPr id="6" name="Footer Placeholder 5">
+            <a:extLst>
+              <a:ext uri="{FF2B5EF4-FFF2-40B4-BE49-F238E27FC236}">
+                <a16:creationId xmlns:a16="http://schemas.microsoft.com/office/drawing/2014/main" id="{7B8840A7-42AC-432D-88BC-9CDD206CFDC3}"/>
+              </a:ext>
+            </a:extLst>
+          </p:cNvPr>
+          <p:cNvSpPr>
+            <a:spLocks noGrp="1"/>
+          </p:cNvSpPr>
+          <p:nvPr>
+            <p:ph type="ftr" sz="quarter" idx="11"/>
+          </p:nvPr>
+        </p:nvSpPr>
+        <p:spPr/>
+        <p:txBody>
+          <a:bodyPr/>
+          <a:lstStyle/>
+          <a:p>
+            <a:r>
+              <a:rPr lang="en-US"/>
+              <a:t>Anthony Tropiano, APS April 2021 Meeting</a:t>
+            </a:r>
+          </a:p>
+        </p:txBody>
+      </p:sp>
+      <p:cxnSp>
+        <p:nvCxnSpPr>
+          <p:cNvPr id="10" name="Straight Arrow Connector 9">
+            <a:extLst>
+              <a:ext uri="{FF2B5EF4-FFF2-40B4-BE49-F238E27FC236}">
+                <a16:creationId xmlns:a16="http://schemas.microsoft.com/office/drawing/2014/main" id="{792D56E1-DF6E-4273-937E-693B3FC2119F}"/>
+              </a:ext>
+            </a:extLst>
+          </p:cNvPr>
+          <p:cNvCxnSpPr>
+            <a:cxnSpLocks/>
+          </p:cNvCxnSpPr>
+          <p:nvPr/>
+        </p:nvCxnSpPr>
+        <p:spPr>
+          <a:xfrm flipH="1">
+            <a:off x="1550525" y="4035679"/>
+            <a:ext cx="1257997" cy="1015715"/>
+          </a:xfrm>
+          <a:prstGeom prst="straightConnector1">
+            <a:avLst/>
+          </a:prstGeom>
+          <a:ln w="38100">
+            <a:solidFill>
+              <a:schemeClr val="tx1"/>
+            </a:solidFill>
+            <a:tailEnd type="triangle"/>
+          </a:ln>
+        </p:spPr>
+        <p:style>
+          <a:lnRef idx="1">
+            <a:schemeClr val="accent1"/>
+          </a:lnRef>
+          <a:fillRef idx="0">
+            <a:schemeClr val="accent1"/>
+          </a:fillRef>
+          <a:effectRef idx="0">
+            <a:schemeClr val="accent1"/>
+          </a:effectRef>
+          <a:fontRef idx="minor">
+            <a:schemeClr val="tx1"/>
+          </a:fontRef>
+        </p:style>
+      </p:cxnSp>
+      <p:sp>
+        <p:nvSpPr>
+          <p:cNvPr id="12" name="TextBox 11">
+            <a:extLst>
+              <a:ext uri="{FF2B5EF4-FFF2-40B4-BE49-F238E27FC236}">
+                <a16:creationId xmlns:a16="http://schemas.microsoft.com/office/drawing/2014/main" id="{59EFC8E7-2541-48A3-9FC0-B510A5FD86D1}"/>
+              </a:ext>
+            </a:extLst>
+          </p:cNvPr>
+          <p:cNvSpPr txBox="1"/>
+          <p:nvPr/>
+        </p:nvSpPr>
+        <p:spPr>
+          <a:xfrm>
+            <a:off x="2300464" y="3666347"/>
+            <a:ext cx="1529586" cy="369332"/>
+          </a:xfrm>
+          <a:prstGeom prst="rect">
+            <a:avLst/>
+          </a:prstGeom>
+          <a:noFill/>
+        </p:spPr>
+        <p:txBody>
+          <a:bodyPr wrap="none" rtlCol="0">
+            <a:spAutoFit/>
+          </a:bodyPr>
+          <a:lstStyle/>
+          <a:p>
+            <a:r>
+              <a:rPr lang="en-US" dirty="0" err="1"/>
+              <a:t>pn</a:t>
+            </a:r>
+            <a:r>
+              <a:rPr lang="en-US" dirty="0"/>
+              <a:t> dominance</a:t>
+            </a:r>
+          </a:p>
+        </p:txBody>
+      </p:sp>
+      <p:sp>
+        <p:nvSpPr>
+          <p:cNvPr id="19" name="Oval 18">
+            <a:extLst>
+              <a:ext uri="{FF2B5EF4-FFF2-40B4-BE49-F238E27FC236}">
+                <a16:creationId xmlns:a16="http://schemas.microsoft.com/office/drawing/2014/main" id="{EE2713C1-C2EB-48C9-8D10-34C6D732BF25}"/>
+              </a:ext>
+            </a:extLst>
+          </p:cNvPr>
+          <p:cNvSpPr/>
+          <p:nvPr/>
+        </p:nvSpPr>
+        <p:spPr>
+          <a:xfrm>
+            <a:off x="1071470" y="4732231"/>
+            <a:ext cx="819694" cy="823532"/>
+          </a:xfrm>
+          <a:prstGeom prst="ellipse">
+            <a:avLst/>
+          </a:prstGeom>
+          <a:solidFill>
+            <a:schemeClr val="bg1">
+              <a:lumMod val="75000"/>
+              <a:alpha val="50000"/>
+            </a:schemeClr>
+          </a:solidFill>
+          <a:ln>
+            <a:noFill/>
+          </a:ln>
+        </p:spPr>
+        <p:style>
+          <a:lnRef idx="2">
+            <a:schemeClr val="accent1">
+              <a:shade val="50000"/>
+            </a:schemeClr>
+          </a:lnRef>
+          <a:fillRef idx="1">
+            <a:schemeClr val="accent1"/>
+          </a:fillRef>
+          <a:effectRef idx="0">
+            <a:schemeClr val="accent1"/>
+          </a:effectRef>
+          <a:fontRef idx="minor">
+            <a:schemeClr val="lt1"/>
+          </a:fontRef>
+        </p:style>
+        <p:txBody>
+          <a:bodyPr rtlCol="0" anchor="ctr"/>
+          <a:lstStyle/>
+          <a:p>
+            <a:pPr algn="ctr"/>
+            <a:endParaRPr lang="en-US"/>
+          </a:p>
+        </p:txBody>
+      </p:sp>
+      <p:sp>
+        <p:nvSpPr>
+          <p:cNvPr id="17" name="Content Placeholder 2">
+            <a:extLst>
+              <a:ext uri="{FF2B5EF4-FFF2-40B4-BE49-F238E27FC236}">
+                <a16:creationId xmlns:a16="http://schemas.microsoft.com/office/drawing/2014/main" id="{68FCBE57-2C11-4A20-9220-00A883651C68}"/>
+              </a:ext>
+            </a:extLst>
+          </p:cNvPr>
+          <p:cNvSpPr txBox="1">
+            <a:spLocks/>
+          </p:cNvSpPr>
+          <p:nvPr/>
+        </p:nvSpPr>
+        <p:spPr>
+          <a:xfrm>
+            <a:off x="8744505" y="2302299"/>
+            <a:ext cx="3415365" cy="3786943"/>
+          </a:xfrm>
+          <a:prstGeom prst="rect">
+            <a:avLst/>
+          </a:prstGeom>
+        </p:spPr>
+        <p:txBody>
+          <a:bodyPr vert="horz" lIns="91440" tIns="45720" rIns="91440" bIns="45720" rtlCol="0">
+            <a:normAutofit/>
+          </a:bodyPr>
+          <a:lstStyle>
+            <a:lvl1pPr marL="228600" indent="-228600" algn="l" defTabSz="914400" rtl="0" eaLnBrk="1" latinLnBrk="0" hangingPunct="1">
+              <a:lnSpc>
+                <a:spcPct val="90000"/>
+              </a:lnSpc>
+              <a:spcBef>
+                <a:spcPts val="1000"/>
+              </a:spcBef>
+              <a:buFont typeface="Arial" panose="020B0604020202020204" pitchFamily="34" charset="0"/>
+              <a:buChar char="•"/>
+              <a:defRPr sz="2800" b="0" i="0" kern="1200">
+                <a:solidFill>
+                  <a:schemeClr val="tx1"/>
+                </a:solidFill>
+                <a:latin typeface="Arial" panose="020B0604020202020204" pitchFamily="34" charset="0"/>
+                <a:ea typeface="+mn-ea"/>
+                <a:cs typeface="+mn-cs"/>
+              </a:defRPr>
+            </a:lvl1pPr>
+            <a:lvl2pPr marL="685800" indent="-228600" algn="l" defTabSz="914400" rtl="0" eaLnBrk="1" latinLnBrk="0" hangingPunct="1">
+              <a:lnSpc>
+                <a:spcPct val="90000"/>
+              </a:lnSpc>
+              <a:spcBef>
+                <a:spcPts val="500"/>
+              </a:spcBef>
+              <a:buFont typeface="Arial" panose="020B0604020202020204" pitchFamily="34" charset="0"/>
+              <a:buChar char="•"/>
+              <a:defRPr sz="2400" b="0" i="0" kern="1200">
+                <a:solidFill>
+                  <a:schemeClr val="tx1"/>
+                </a:solidFill>
+                <a:latin typeface="Arial" panose="020B0604020202020204" pitchFamily="34" charset="0"/>
+                <a:ea typeface="+mn-ea"/>
+                <a:cs typeface="+mn-cs"/>
+              </a:defRPr>
+            </a:lvl2pPr>
+            <a:lvl3pPr marL="1143000" indent="-228600" algn="l" defTabSz="914400" rtl="0" eaLnBrk="1" latinLnBrk="0" hangingPunct="1">
+              <a:lnSpc>
+                <a:spcPct val="90000"/>
+              </a:lnSpc>
+              <a:spcBef>
+                <a:spcPts val="500"/>
+              </a:spcBef>
+              <a:buFont typeface="Arial" panose="020B0604020202020204" pitchFamily="34" charset="0"/>
+              <a:buChar char="•"/>
+              <a:defRPr sz="2000" b="0" i="0" kern="1200">
+                <a:solidFill>
+                  <a:schemeClr val="tx1"/>
+                </a:solidFill>
+                <a:latin typeface="Arial" panose="020B0604020202020204" pitchFamily="34" charset="0"/>
+                <a:ea typeface="+mn-ea"/>
+                <a:cs typeface="+mn-cs"/>
+              </a:defRPr>
+            </a:lvl3pPr>
+            <a:lvl4pPr marL="1600200" indent="-228600" algn="l" defTabSz="914400" rtl="0" eaLnBrk="1" latinLnBrk="0" hangingPunct="1">
+              <a:lnSpc>
+                <a:spcPct val="90000"/>
+              </a:lnSpc>
+              <a:spcBef>
+                <a:spcPts val="500"/>
+              </a:spcBef>
+              <a:buFont typeface="Arial" panose="020B0604020202020204" pitchFamily="34" charset="0"/>
+              <a:buChar char="•"/>
+              <a:defRPr sz="1800" b="0" i="0" kern="1200">
+                <a:solidFill>
+                  <a:schemeClr val="tx1"/>
+                </a:solidFill>
+                <a:latin typeface="Arial" panose="020B0604020202020204" pitchFamily="34" charset="0"/>
+                <a:ea typeface="+mn-ea"/>
+                <a:cs typeface="+mn-cs"/>
+              </a:defRPr>
+            </a:lvl4pPr>
+            <a:lvl5pPr marL="2057400" indent="-228600" algn="l" defTabSz="914400" rtl="0" eaLnBrk="1" latinLnBrk="0" hangingPunct="1">
+              <a:lnSpc>
+                <a:spcPct val="90000"/>
+              </a:lnSpc>
+              <a:spcBef>
+                <a:spcPts val="500"/>
+              </a:spcBef>
+              <a:buFont typeface="Arial" panose="020B0604020202020204" pitchFamily="34" charset="0"/>
+              <a:buChar char="•"/>
+              <a:defRPr sz="1800" b="0" i="0" kern="1200">
+                <a:solidFill>
+                  <a:schemeClr val="tx1"/>
+                </a:solidFill>
+                <a:latin typeface="Arial" panose="020B0604020202020204" pitchFamily="34" charset="0"/>
+                <a:ea typeface="+mn-ea"/>
+                <a:cs typeface="+mn-cs"/>
+              </a:defRPr>
+            </a:lvl5pPr>
+            <a:lvl6pPr marL="2514600" indent="-228600" algn="l" defTabSz="914400" rtl="0" eaLnBrk="1" latinLnBrk="0" hangingPunct="1">
+              <a:lnSpc>
+                <a:spcPct val="90000"/>
+              </a:lnSpc>
+              <a:spcBef>
+                <a:spcPts val="500"/>
+              </a:spcBef>
+              <a:buFont typeface="Arial" panose="020B0604020202020204" pitchFamily="34" charset="0"/>
+              <a:buChar char="•"/>
+              <a:defRPr sz="1800" kern="1200">
+                <a:solidFill>
+                  <a:schemeClr val="tx1"/>
+                </a:solidFill>
+                <a:latin typeface="+mn-lt"/>
+                <a:ea typeface="+mn-ea"/>
+                <a:cs typeface="+mn-cs"/>
+              </a:defRPr>
+            </a:lvl6pPr>
+            <a:lvl7pPr marL="2971800" indent="-228600" algn="l" defTabSz="914400" rtl="0" eaLnBrk="1" latinLnBrk="0" hangingPunct="1">
+              <a:lnSpc>
+                <a:spcPct val="90000"/>
+              </a:lnSpc>
+              <a:spcBef>
+                <a:spcPts val="500"/>
+              </a:spcBef>
+              <a:buFont typeface="Arial" panose="020B0604020202020204" pitchFamily="34" charset="0"/>
+              <a:buChar char="•"/>
+              <a:defRPr sz="1800" kern="1200">
+                <a:solidFill>
+                  <a:schemeClr val="tx1"/>
+                </a:solidFill>
+                <a:latin typeface="+mn-lt"/>
+                <a:ea typeface="+mn-ea"/>
+                <a:cs typeface="+mn-cs"/>
+              </a:defRPr>
+            </a:lvl7pPr>
+            <a:lvl8pPr marL="3429000" indent="-228600" algn="l" defTabSz="914400" rtl="0" eaLnBrk="1" latinLnBrk="0" hangingPunct="1">
+              <a:lnSpc>
+                <a:spcPct val="90000"/>
+              </a:lnSpc>
+              <a:spcBef>
+                <a:spcPts val="500"/>
+              </a:spcBef>
+              <a:buFont typeface="Arial" panose="020B0604020202020204" pitchFamily="34" charset="0"/>
+              <a:buChar char="•"/>
+              <a:defRPr sz="1800" kern="1200">
+                <a:solidFill>
+                  <a:schemeClr val="tx1"/>
+                </a:solidFill>
+                <a:latin typeface="+mn-lt"/>
+                <a:ea typeface="+mn-ea"/>
+                <a:cs typeface="+mn-cs"/>
+              </a:defRPr>
+            </a:lvl8pPr>
+            <a:lvl9pPr marL="3886200" indent="-228600" algn="l" defTabSz="914400" rtl="0" eaLnBrk="1" latinLnBrk="0" hangingPunct="1">
+              <a:lnSpc>
+                <a:spcPct val="90000"/>
+              </a:lnSpc>
+              <a:spcBef>
+                <a:spcPts val="500"/>
+              </a:spcBef>
+              <a:buFont typeface="Arial" panose="020B0604020202020204" pitchFamily="34" charset="0"/>
+              <a:buChar char="•"/>
+              <a:defRPr sz="1800" kern="1200">
+                <a:solidFill>
+                  <a:schemeClr val="tx1"/>
+                </a:solidFill>
+                <a:latin typeface="+mn-lt"/>
+                <a:ea typeface="+mn-ea"/>
+                <a:cs typeface="+mn-cs"/>
+              </a:defRPr>
+            </a:lvl9pPr>
+          </a:lstStyle>
+          <a:p>
+            <a:pPr>
+              <a:lnSpc>
+                <a:spcPct val="100000"/>
+              </a:lnSpc>
+            </a:pPr>
+            <a:r>
+              <a:rPr kumimoji="0" lang="en-US" sz="2400" b="0" i="0" u="none" strike="noStrike" kern="1200" cap="none" spc="0" normalizeH="0" baseline="0" noProof="0" dirty="0">
+                <a:ln>
+                  <a:noFill/>
+                </a:ln>
+                <a:solidFill>
+                  <a:srgbClr val="C00000"/>
+                </a:solidFill>
+                <a:effectLst/>
+                <a:uLnTx/>
+                <a:uFillTx/>
+                <a:latin typeface="Arial" panose="020B0604020202020204" pitchFamily="34" charset="0"/>
+                <a:ea typeface="+mn-ea"/>
+                <a:cs typeface="+mn-cs"/>
+              </a:rPr>
+              <a:t>Low RG resolution picture reproduces characteristics of SRC experiments</a:t>
+            </a:r>
+          </a:p>
+          <a:p>
+            <a:pPr>
+              <a:lnSpc>
+                <a:spcPct val="100000"/>
+              </a:lnSpc>
+            </a:pPr>
+            <a:endParaRPr lang="en-US" dirty="0">
+              <a:solidFill>
+                <a:srgbClr val="C00000"/>
+              </a:solidFill>
+            </a:endParaRPr>
+          </a:p>
+        </p:txBody>
+      </p:sp>
+      <p:sp>
+        <p:nvSpPr>
+          <p:cNvPr id="18" name="TextBox 17">
+            <a:extLst>
+              <a:ext uri="{FF2B5EF4-FFF2-40B4-BE49-F238E27FC236}">
+                <a16:creationId xmlns:a16="http://schemas.microsoft.com/office/drawing/2014/main" id="{A678C984-5C0E-4E49-B052-23C408395A20}"/>
+              </a:ext>
+            </a:extLst>
+          </p:cNvPr>
+          <p:cNvSpPr txBox="1"/>
+          <p:nvPr/>
+        </p:nvSpPr>
+        <p:spPr>
+          <a:xfrm>
+            <a:off x="4189960" y="5071070"/>
+            <a:ext cx="1213474" cy="369332"/>
+          </a:xfrm>
+          <a:prstGeom prst="rect">
+            <a:avLst/>
+          </a:prstGeom>
+          <a:noFill/>
+        </p:spPr>
+        <p:txBody>
+          <a:bodyPr wrap="square" rtlCol="0">
+            <a:spAutoFit/>
+          </a:bodyPr>
+          <a:lstStyle/>
+          <a:p>
+            <a:r>
+              <a:rPr lang="en-US" dirty="0"/>
+              <a:t>Scalar limit</a:t>
+            </a:r>
+          </a:p>
+        </p:txBody>
+      </p:sp>
+      <p:cxnSp>
+        <p:nvCxnSpPr>
+          <p:cNvPr id="20" name="Straight Arrow Connector 19">
+            <a:extLst>
+              <a:ext uri="{FF2B5EF4-FFF2-40B4-BE49-F238E27FC236}">
+                <a16:creationId xmlns:a16="http://schemas.microsoft.com/office/drawing/2014/main" id="{5625258E-3FD5-43C5-BC9A-99C8F589A589}"/>
+              </a:ext>
+            </a:extLst>
+          </p:cNvPr>
+          <p:cNvCxnSpPr>
+            <a:cxnSpLocks/>
+          </p:cNvCxnSpPr>
+          <p:nvPr/>
+        </p:nvCxnSpPr>
+        <p:spPr>
+          <a:xfrm flipH="1" flipV="1">
+            <a:off x="4093434" y="3974347"/>
+            <a:ext cx="642031" cy="1092470"/>
+          </a:xfrm>
+          <a:prstGeom prst="straightConnector1">
+            <a:avLst/>
+          </a:prstGeom>
+          <a:ln w="38100">
+            <a:solidFill>
+              <a:srgbClr val="FF0000"/>
+            </a:solidFill>
+            <a:tailEnd type="triangle"/>
+          </a:ln>
+        </p:spPr>
+        <p:style>
+          <a:lnRef idx="1">
+            <a:schemeClr val="accent1"/>
+          </a:lnRef>
+          <a:fillRef idx="0">
+            <a:schemeClr val="accent1"/>
+          </a:fillRef>
+          <a:effectRef idx="0">
+            <a:schemeClr val="accent1"/>
+          </a:effectRef>
+          <a:fontRef idx="minor">
+            <a:schemeClr val="tx1"/>
+          </a:fontRef>
+        </p:style>
+      </p:cxnSp>
+      <p:sp>
+        <p:nvSpPr>
+          <p:cNvPr id="24" name="TextBox 23">
+            <a:extLst>
+              <a:ext uri="{FF2B5EF4-FFF2-40B4-BE49-F238E27FC236}">
+                <a16:creationId xmlns:a16="http://schemas.microsoft.com/office/drawing/2014/main" id="{35BBA70E-7B80-4362-A086-F61E0CC8AB43}"/>
+              </a:ext>
+            </a:extLst>
+          </p:cNvPr>
+          <p:cNvSpPr txBox="1"/>
+          <p:nvPr/>
+        </p:nvSpPr>
+        <p:spPr>
+          <a:xfrm>
+            <a:off x="7609810" y="1769485"/>
+            <a:ext cx="1213474" cy="369332"/>
+          </a:xfrm>
+          <a:prstGeom prst="rect">
+            <a:avLst/>
+          </a:prstGeom>
+          <a:noFill/>
+        </p:spPr>
+        <p:txBody>
+          <a:bodyPr wrap="none" rtlCol="0">
+            <a:spAutoFit/>
+          </a:bodyPr>
+          <a:lstStyle/>
+          <a:p>
+            <a:r>
+              <a:rPr lang="en-US" dirty="0"/>
+              <a:t>Scalar limit</a:t>
+            </a:r>
+          </a:p>
+        </p:txBody>
+      </p:sp>
+      <p:sp>
+        <p:nvSpPr>
+          <p:cNvPr id="25" name="TextBox 24">
+            <a:extLst>
+              <a:ext uri="{FF2B5EF4-FFF2-40B4-BE49-F238E27FC236}">
+                <a16:creationId xmlns:a16="http://schemas.microsoft.com/office/drawing/2014/main" id="{0A39987C-3D76-4F32-84BF-F0C74C47E6ED}"/>
+              </a:ext>
+            </a:extLst>
+          </p:cNvPr>
+          <p:cNvSpPr txBox="1"/>
+          <p:nvPr/>
+        </p:nvSpPr>
+        <p:spPr>
+          <a:xfrm>
+            <a:off x="4754608" y="1496130"/>
+            <a:ext cx="2664512" cy="369332"/>
+          </a:xfrm>
+          <a:prstGeom prst="rect">
+            <a:avLst/>
+          </a:prstGeom>
+          <a:noFill/>
+        </p:spPr>
+        <p:txBody>
+          <a:bodyPr wrap="none" rtlCol="0">
+            <a:spAutoFit/>
+          </a:bodyPr>
+          <a:lstStyle/>
+          <a:p>
+            <a:r>
+              <a:rPr lang="en-US" dirty="0"/>
+              <a:t>np includes </a:t>
+            </a:r>
+            <a:r>
+              <a:rPr lang="en-US" baseline="30000" dirty="0"/>
+              <a:t>1</a:t>
+            </a:r>
+            <a:r>
+              <a:rPr lang="en-US" dirty="0"/>
+              <a:t>S</a:t>
+            </a:r>
+            <a:r>
+              <a:rPr lang="en-US" baseline="-25000" dirty="0"/>
+              <a:t>0</a:t>
+            </a:r>
+            <a:r>
+              <a:rPr lang="en-US" dirty="0"/>
+              <a:t> and </a:t>
+            </a:r>
+            <a:r>
+              <a:rPr lang="en-US" baseline="30000" dirty="0"/>
+              <a:t>3</a:t>
+            </a:r>
+            <a:r>
+              <a:rPr lang="en-US" dirty="0"/>
+              <a:t>S</a:t>
+            </a:r>
+            <a:r>
+              <a:rPr lang="en-US" baseline="-25000" dirty="0"/>
+              <a:t>1</a:t>
+            </a:r>
+            <a:r>
+              <a:rPr lang="en-US" dirty="0"/>
+              <a:t>-</a:t>
+            </a:r>
+            <a:r>
+              <a:rPr lang="en-US" baseline="30000" dirty="0"/>
+              <a:t>3</a:t>
+            </a:r>
+            <a:r>
+              <a:rPr lang="en-US" dirty="0"/>
+              <a:t>D</a:t>
+            </a:r>
+            <a:r>
+              <a:rPr lang="en-US" baseline="-25000" dirty="0"/>
+              <a:t>1</a:t>
+            </a:r>
+            <a:endParaRPr lang="en-US" dirty="0"/>
+          </a:p>
+        </p:txBody>
+      </p:sp>
+      <p:cxnSp>
+        <p:nvCxnSpPr>
+          <p:cNvPr id="26" name="Straight Arrow Connector 25">
+            <a:extLst>
+              <a:ext uri="{FF2B5EF4-FFF2-40B4-BE49-F238E27FC236}">
+                <a16:creationId xmlns:a16="http://schemas.microsoft.com/office/drawing/2014/main" id="{F0BE4E83-F46B-40CC-A789-EC5F010CD017}"/>
+              </a:ext>
+            </a:extLst>
+          </p:cNvPr>
+          <p:cNvCxnSpPr>
+            <a:cxnSpLocks/>
+          </p:cNvCxnSpPr>
+          <p:nvPr/>
+        </p:nvCxnSpPr>
+        <p:spPr>
+          <a:xfrm>
+            <a:off x="8374531" y="2108849"/>
+            <a:ext cx="114643" cy="890953"/>
+          </a:xfrm>
+          <a:prstGeom prst="straightConnector1">
+            <a:avLst/>
+          </a:prstGeom>
+          <a:ln w="38100">
+            <a:solidFill>
+              <a:srgbClr val="FF0000"/>
+            </a:solidFill>
+            <a:tailEnd type="triangle"/>
+          </a:ln>
+        </p:spPr>
+        <p:style>
+          <a:lnRef idx="1">
+            <a:schemeClr val="accent1"/>
+          </a:lnRef>
+          <a:fillRef idx="0">
+            <a:schemeClr val="accent1"/>
+          </a:fillRef>
+          <a:effectRef idx="0">
+            <a:schemeClr val="accent1"/>
+          </a:effectRef>
+          <a:fontRef idx="minor">
+            <a:schemeClr val="tx1"/>
+          </a:fontRef>
+        </p:style>
+      </p:cxnSp>
+      <p:cxnSp>
+        <p:nvCxnSpPr>
+          <p:cNvPr id="27" name="Straight Arrow Connector 26">
+            <a:extLst>
+              <a:ext uri="{FF2B5EF4-FFF2-40B4-BE49-F238E27FC236}">
+                <a16:creationId xmlns:a16="http://schemas.microsoft.com/office/drawing/2014/main" id="{CF7B237D-8BA3-454E-8541-5B78D34A3619}"/>
+              </a:ext>
+            </a:extLst>
+          </p:cNvPr>
+          <p:cNvCxnSpPr>
+            <a:cxnSpLocks/>
+          </p:cNvCxnSpPr>
+          <p:nvPr/>
+        </p:nvCxnSpPr>
+        <p:spPr>
+          <a:xfrm>
+            <a:off x="5666500" y="1862141"/>
+            <a:ext cx="77352" cy="440159"/>
+          </a:xfrm>
+          <a:prstGeom prst="straightConnector1">
+            <a:avLst/>
+          </a:prstGeom>
+          <a:ln w="38100">
+            <a:solidFill>
+              <a:srgbClr val="FF0000"/>
+            </a:solidFill>
+            <a:tailEnd type="triangle"/>
+          </a:ln>
+        </p:spPr>
+        <p:style>
+          <a:lnRef idx="1">
+            <a:schemeClr val="accent1"/>
+          </a:lnRef>
+          <a:fillRef idx="0">
+            <a:schemeClr val="accent1"/>
+          </a:fillRef>
+          <a:effectRef idx="0">
+            <a:schemeClr val="accent1"/>
+          </a:effectRef>
+          <a:fontRef idx="minor">
+            <a:schemeClr val="tx1"/>
+          </a:fontRef>
+        </p:style>
+      </p:cxnSp>
+    </p:spTree>
+    <p:extLst>
+      <p:ext uri="{BB962C8B-B14F-4D97-AF65-F5344CB8AC3E}">
+        <p14:creationId xmlns:p14="http://schemas.microsoft.com/office/powerpoint/2010/main" val="573026633"/>
+      </p:ext>
+    </p:extLst>
+  </p:cSld>
+  <p:clrMapOvr>
+    <a:masterClrMapping/>
+  </p:clrMapOvr>
+</p:sld>
+</file>
+
+<file path=ppt/slides/slide23.xml><?xml version="1.0" encoding="utf-8"?>
+<p:sld xmlns:a="http://schemas.openxmlformats.org/drawingml/2006/main" xmlns:r="http://schemas.openxmlformats.org/officeDocument/2006/relationships" xmlns:p="http://schemas.openxmlformats.org/presentationml/2006/main">
+  <p:cSld>
+    <p:spTree>
+      <p:nvGrpSpPr>
+        <p:cNvPr id="1" name=""/>
+        <p:cNvGrpSpPr/>
+        <p:nvPr/>
+      </p:nvGrpSpPr>
+      <p:grpSpPr>
+        <a:xfrm>
+          <a:off x="0" y="0"/>
+          <a:ext cx="0" cy="0"/>
+          <a:chOff x="0" y="0"/>
+          <a:chExt cx="0" cy="0"/>
+        </a:xfrm>
+      </p:grpSpPr>
+      <p:sp>
+        <p:nvSpPr>
+          <p:cNvPr id="2" name="Title 1">
+            <a:extLst>
+              <a:ext uri="{FF2B5EF4-FFF2-40B4-BE49-F238E27FC236}">
+                <a16:creationId xmlns:a16="http://schemas.microsoft.com/office/drawing/2014/main" id="{9FECE9C7-FBB0-B54D-8E92-C3BC6CA96ED2}"/>
+              </a:ext>
+            </a:extLst>
+          </p:cNvPr>
+          <p:cNvSpPr>
+            <a:spLocks noGrp="1"/>
+          </p:cNvSpPr>
+          <p:nvPr>
+            <p:ph type="title"/>
+          </p:nvPr>
+        </p:nvSpPr>
+        <p:spPr/>
+        <p:txBody>
+          <a:bodyPr/>
+          <a:lstStyle/>
+          <a:p>
+            <a:pPr>
+              <a:lnSpc>
+                <a:spcPct val="100000"/>
+              </a:lnSpc>
+            </a:pPr>
+            <a:r>
+              <a:rPr lang="en-US" dirty="0">
+                <a:solidFill>
+                  <a:srgbClr val="002060"/>
+                </a:solidFill>
+              </a:rPr>
+              <a:t>Preliminary LDA results</a:t>
+            </a:r>
+            <a:endParaRPr lang="en-US" dirty="0">
+              <a:solidFill>
+                <a:srgbClr val="002060"/>
+              </a:solidFill>
+              <a:latin typeface="Arial" panose="020B0604020202020204" pitchFamily="34" charset="0"/>
+            </a:endParaRPr>
+          </a:p>
+        </p:txBody>
+      </p:sp>
+      <mc:AlternateContent xmlns:mc="http://schemas.openxmlformats.org/markup-compatibility/2006" xmlns:a14="http://schemas.microsoft.com/office/drawing/2010/main">
+        <mc:Choice Requires="a14">
           <p:sp>
             <p:nvSpPr>
               <p:cNvPr id="3" name="Content Placeholder 2">
@@ -24291,7 +27611,7 @@
             </p:txBody>
           </p:sp>
         </mc:Choice>
-        <mc:Fallback>
+        <mc:Fallback xmlns="">
           <p:sp>
             <p:nvSpPr>
               <p:cNvPr id="3" name="Content Placeholder 2">
@@ -24407,7 +27727,7 @@
                 <a:tabLst/>
                 <a:defRPr/>
               </a:pPr>
-              <a:t>20</a:t>
+              <a:t>23</a:t>
             </a:fld>
             <a:endParaRPr kumimoji="0" lang="en-US" sz="1200" b="0" i="0" u="none" strike="noStrike" kern="1200" cap="none" spc="0" normalizeH="0" baseline="0" noProof="0">
               <a:ln>
@@ -24612,8 +27932,8 @@
         </p:nvSpPr>
         <p:spPr>
           <a:xfrm>
-            <a:off x="2394616" y="4692454"/>
-            <a:ext cx="1307928" cy="646331"/>
+            <a:off x="2399168" y="4830954"/>
+            <a:ext cx="1547069" cy="369332"/>
           </a:xfrm>
           <a:prstGeom prst="rect">
             <a:avLst/>
@@ -24627,8 +27947,12 @@
           <a:lstStyle/>
           <a:p>
             <a:r>
+              <a:rPr lang="en-US" dirty="0" err="1"/>
+              <a:t>pn</a:t>
+            </a:r>
+            <a:r>
               <a:rPr lang="en-US" dirty="0"/>
-              <a:t>Tensor force</a:t>
+              <a:t> dominance</a:t>
             </a:r>
           </a:p>
         </p:txBody>
@@ -24646,7 +27970,7 @@
 </p:sld>
 </file>
 
-<file path=ppt/slides/slide21.xml><?xml version="1.0" encoding="utf-8"?>
+<file path=ppt/slides/slide24.xml><?xml version="1.0" encoding="utf-8"?>
 <p:sld xmlns:a="http://schemas.openxmlformats.org/drawingml/2006/main" xmlns:r="http://schemas.openxmlformats.org/officeDocument/2006/relationships" xmlns:p="http://schemas.openxmlformats.org/presentationml/2006/main">
   <p:cSld>
     <p:spTree>
@@ -24706,8 +28030,8 @@
           </a:p>
         </p:txBody>
       </p:sp>
-      <mc:AlternateContent xmlns:mc="http://schemas.openxmlformats.org/markup-compatibility/2006">
-        <mc:Choice xmlns:a14="http://schemas.microsoft.com/office/drawing/2010/main" Requires="a14">
+      <mc:AlternateContent xmlns:mc="http://schemas.openxmlformats.org/markup-compatibility/2006" xmlns:a14="http://schemas.microsoft.com/office/drawing/2010/main">
+        <mc:Choice Requires="a14">
           <p:sp>
             <p:nvSpPr>
               <p:cNvPr id="3" name="Content Placeholder 2">
@@ -24884,7 +28208,7 @@
             </p:txBody>
           </p:sp>
         </mc:Choice>
-        <mc:Fallback>
+        <mc:Fallback xmlns="">
           <p:sp>
             <p:nvSpPr>
               <p:cNvPr id="3" name="Content Placeholder 2">
@@ -25000,7 +28324,7 @@
                 <a:tabLst/>
                 <a:defRPr/>
               </a:pPr>
-              <a:t>21</a:t>
+              <a:t>24</a:t>
             </a:fld>
             <a:endParaRPr kumimoji="0" lang="en-US" sz="1200" b="0" i="0" u="none" strike="noStrike" kern="1200" cap="none" spc="0" normalizeH="0" baseline="0" noProof="0">
               <a:ln>
@@ -25149,10 +28473,54 @@
       </p:sp>
       <p:cxnSp>
         <p:nvCxnSpPr>
-          <p:cNvPr id="11" name="Straight Arrow Connector 10">
+          <p:cNvPr id="14" name="Straight Arrow Connector 13">
             <a:extLst>
               <a:ext uri="{FF2B5EF4-FFF2-40B4-BE49-F238E27FC236}">
-                <a16:creationId xmlns:a16="http://schemas.microsoft.com/office/drawing/2014/main" id="{FE53208A-C27A-4ED4-AA7F-FD861FCB400B}"/>
+                <a16:creationId xmlns:a16="http://schemas.microsoft.com/office/drawing/2014/main" id="{E7B9D205-F2D0-401F-8D8C-928682F5E0AB}"/>
+              </a:ext>
+            </a:extLst>
+          </p:cNvPr>
+          <p:cNvCxnSpPr>
+            <a:cxnSpLocks/>
+          </p:cNvCxnSpPr>
+          <p:nvPr/>
+        </p:nvCxnSpPr>
+        <p:spPr>
+          <a:xfrm flipH="1">
+            <a:off x="3497802" y="3968789"/>
+            <a:ext cx="3545112" cy="443413"/>
+          </a:xfrm>
+          <a:prstGeom prst="straightConnector1">
+            <a:avLst/>
+          </a:prstGeom>
+          <a:ln w="38100">
+            <a:solidFill>
+              <a:srgbClr val="C00000"/>
+            </a:solidFill>
+            <a:tailEnd type="triangle"/>
+          </a:ln>
+        </p:spPr>
+        <p:style>
+          <a:lnRef idx="1">
+            <a:schemeClr val="accent1"/>
+          </a:lnRef>
+          <a:fillRef idx="0">
+            <a:schemeClr val="accent1"/>
+          </a:fillRef>
+          <a:effectRef idx="0">
+            <a:schemeClr val="accent1"/>
+          </a:effectRef>
+          <a:fontRef idx="minor">
+            <a:schemeClr val="tx1"/>
+          </a:fontRef>
+        </p:style>
+      </p:cxnSp>
+      <p:cxnSp>
+        <p:nvCxnSpPr>
+          <p:cNvPr id="13" name="Straight Arrow Connector 12">
+            <a:extLst>
+              <a:ext uri="{FF2B5EF4-FFF2-40B4-BE49-F238E27FC236}">
+                <a16:creationId xmlns:a16="http://schemas.microsoft.com/office/drawing/2014/main" id="{00054BF0-63B8-49CC-8968-8C0D0DE14F06}"/>
               </a:ext>
             </a:extLst>
           </p:cNvPr>
@@ -25193,10 +28561,10 @@
       </p:cxnSp>
       <p:sp>
         <p:nvSpPr>
-          <p:cNvPr id="12" name="TextBox 11">
+          <p:cNvPr id="15" name="TextBox 14">
             <a:extLst>
               <a:ext uri="{FF2B5EF4-FFF2-40B4-BE49-F238E27FC236}">
-                <a16:creationId xmlns:a16="http://schemas.microsoft.com/office/drawing/2014/main" id="{730C0905-9AA2-4D2D-9B39-3CEE45D137EF}"/>
+                <a16:creationId xmlns:a16="http://schemas.microsoft.com/office/drawing/2014/main" id="{C543C442-7690-4DDD-9BA1-592B121AEBFC}"/>
               </a:ext>
             </a:extLst>
           </p:cNvPr>
@@ -25205,8 +28573,8 @@
         </p:nvSpPr>
         <p:spPr>
           <a:xfrm>
-            <a:off x="2394616" y="4692454"/>
-            <a:ext cx="1307928" cy="646331"/>
+            <a:off x="2399168" y="4830954"/>
+            <a:ext cx="1547069" cy="369332"/>
           </a:xfrm>
           <a:prstGeom prst="rect">
             <a:avLst/>
@@ -25220,56 +28588,16 @@
           <a:lstStyle/>
           <a:p>
             <a:r>
+              <a:rPr lang="en-US" dirty="0" err="1"/>
+              <a:t>pn</a:t>
+            </a:r>
+            <a:r>
               <a:rPr lang="en-US" dirty="0"/>
-              <a:t>Tensor force</a:t>
+              <a:t> dominance</a:t>
             </a:r>
           </a:p>
         </p:txBody>
       </p:sp>
-      <p:cxnSp>
-        <p:nvCxnSpPr>
-          <p:cNvPr id="14" name="Straight Arrow Connector 13">
-            <a:extLst>
-              <a:ext uri="{FF2B5EF4-FFF2-40B4-BE49-F238E27FC236}">
-                <a16:creationId xmlns:a16="http://schemas.microsoft.com/office/drawing/2014/main" id="{E7B9D205-F2D0-401F-8D8C-928682F5E0AB}"/>
-              </a:ext>
-            </a:extLst>
-          </p:cNvPr>
-          <p:cNvCxnSpPr>
-            <a:cxnSpLocks/>
-          </p:cNvCxnSpPr>
-          <p:nvPr/>
-        </p:nvCxnSpPr>
-        <p:spPr>
-          <a:xfrm flipH="1">
-            <a:off x="3497802" y="3968789"/>
-            <a:ext cx="3545112" cy="443413"/>
-          </a:xfrm>
-          <a:prstGeom prst="straightConnector1">
-            <a:avLst/>
-          </a:prstGeom>
-          <a:ln w="38100">
-            <a:solidFill>
-              <a:srgbClr val="C00000"/>
-            </a:solidFill>
-            <a:tailEnd type="triangle"/>
-          </a:ln>
-        </p:spPr>
-        <p:style>
-          <a:lnRef idx="1">
-            <a:schemeClr val="accent1"/>
-          </a:lnRef>
-          <a:fillRef idx="0">
-            <a:schemeClr val="accent1"/>
-          </a:fillRef>
-          <a:effectRef idx="0">
-            <a:schemeClr val="accent1"/>
-          </a:effectRef>
-          <a:fontRef idx="minor">
-            <a:schemeClr val="tx1"/>
-          </a:fontRef>
-        </p:style>
-      </p:cxnSp>
     </p:spTree>
     <p:extLst>
       <p:ext uri="{BB962C8B-B14F-4D97-AF65-F5344CB8AC3E}">
@@ -25283,7 +28611,7 @@
 </p:sld>
 </file>
 
-<file path=ppt/slides/slide22.xml><?xml version="1.0" encoding="utf-8"?>
+<file path=ppt/slides/slide25.xml><?xml version="1.0" encoding="utf-8"?>
 <p:sld xmlns:a="http://schemas.openxmlformats.org/drawingml/2006/main" xmlns:r="http://schemas.openxmlformats.org/officeDocument/2006/relationships" xmlns:p="http://schemas.openxmlformats.org/presentationml/2006/main">
   <p:cSld>
     <p:spTree>
@@ -25343,8 +28671,8 @@
           </a:p>
         </p:txBody>
       </p:sp>
-      <mc:AlternateContent xmlns:mc="http://schemas.openxmlformats.org/markup-compatibility/2006">
-        <mc:Choice xmlns:a14="http://schemas.microsoft.com/office/drawing/2010/main" Requires="a14">
+      <mc:AlternateContent xmlns:mc="http://schemas.openxmlformats.org/markup-compatibility/2006" xmlns:a14="http://schemas.microsoft.com/office/drawing/2010/main">
+        <mc:Choice Requires="a14">
           <p:sp>
             <p:nvSpPr>
               <p:cNvPr id="3" name="Content Placeholder 2">
@@ -26010,7 +29338,7 @@
             </p:txBody>
           </p:sp>
         </mc:Choice>
-        <mc:Fallback>
+        <mc:Fallback xmlns="">
           <p:sp>
             <p:nvSpPr>
               <p:cNvPr id="3" name="Content Placeholder 2">
@@ -26126,7 +29454,7 @@
                 <a:tabLst/>
                 <a:defRPr/>
               </a:pPr>
-              <a:t>22</a:t>
+              <a:t>25</a:t>
             </a:fld>
             <a:endParaRPr kumimoji="0" lang="en-US" sz="1200" b="0" i="0" u="none" strike="noStrike" kern="1200" cap="none" spc="0" normalizeH="0" baseline="0" noProof="0">
               <a:ln>
@@ -26177,10 +29505,10 @@
       </p:sp>
       <p:pic>
         <p:nvPicPr>
-          <p:cNvPr id="9" name="Picture 8" descr="Chart, scatter chart&#10;&#10;Description automatically generated">
+          <p:cNvPr id="7" name="Picture 6" descr="Chart, scatter chart&#10;&#10;Description automatically generated">
             <a:extLst>
               <a:ext uri="{FF2B5EF4-FFF2-40B4-BE49-F238E27FC236}">
-                <a16:creationId xmlns:a16="http://schemas.microsoft.com/office/drawing/2014/main" id="{ED15B157-D2F6-4DF0-AE4D-E7889BCEDF1E}"/>
+                <a16:creationId xmlns:a16="http://schemas.microsoft.com/office/drawing/2014/main" id="{49C35D4C-7C49-4B8A-9D41-EDFD8CCDA82F}"/>
               </a:ext>
             </a:extLst>
           </p:cNvPr>
@@ -26203,8 +29531,8 @@
         </p:blipFill>
         <p:spPr>
           <a:xfrm>
-            <a:off x="0" y="1597819"/>
-            <a:ext cx="4359913" cy="4668837"/>
+            <a:off x="0" y="1594073"/>
+            <a:ext cx="4363412" cy="4672584"/>
           </a:xfrm>
           <a:prstGeom prst="rect">
             <a:avLst/>
@@ -26224,7 +29552,7 @@
 </p:sld>
 </file>
 
-<file path=ppt/slides/slide23.xml><?xml version="1.0" encoding="utf-8"?>
+<file path=ppt/slides/slide26.xml><?xml version="1.0" encoding="utf-8"?>
 <p:sld xmlns:a="http://schemas.openxmlformats.org/drawingml/2006/main" xmlns:r="http://schemas.openxmlformats.org/officeDocument/2006/relationships" xmlns:p="http://schemas.openxmlformats.org/presentationml/2006/main">
   <p:cSld>
     <p:spTree>
@@ -26503,7 +29831,7 @@
                 <a:tabLst/>
                 <a:defRPr/>
               </a:pPr>
-              <a:t>23</a:t>
+              <a:t>26</a:t>
             </a:fld>
             <a:endParaRPr kumimoji="0" lang="en-US" sz="1200" b="0" i="0" u="none" strike="noStrike" kern="1200" cap="none" spc="0" normalizeH="0" baseline="0" noProof="0">
               <a:ln>
@@ -26565,7 +29893,7 @@
 </p:sld>
 </file>
 
-<file path=ppt/slides/slide24.xml><?xml version="1.0" encoding="utf-8"?>
+<file path=ppt/slides/slide27.xml><?xml version="1.0" encoding="utf-8"?>
 <p:sld xmlns:a="http://schemas.openxmlformats.org/drawingml/2006/main" xmlns:r="http://schemas.openxmlformats.org/officeDocument/2006/relationships" xmlns:p="http://schemas.openxmlformats.org/presentationml/2006/main">
   <p:cSld>
     <p:spTree>
@@ -26699,7 +30027,7 @@
                 <a:tabLst/>
                 <a:defRPr/>
               </a:pPr>
-              <a:t>24</a:t>
+              <a:t>27</a:t>
             </a:fld>
             <a:endParaRPr kumimoji="0" lang="en-US" sz="1200" b="0" i="0" u="none" strike="noStrike" kern="1200" cap="none" spc="0" normalizeH="0" baseline="0" noProof="0" dirty="0">
               <a:ln>
@@ -26745,291 +30073,6 @@
               <a:rPr lang="en-US"/>
               <a:t>Anthony Tropiano, APS April 2021 Meeting</a:t>
             </a:r>
-          </a:p>
-        </p:txBody>
-      </p:sp>
-      <p:pic>
-        <p:nvPicPr>
-          <p:cNvPr id="19" name="Picture 18">
-            <a:extLst>
-              <a:ext uri="{FF2B5EF4-FFF2-40B4-BE49-F238E27FC236}">
-                <a16:creationId xmlns:a16="http://schemas.microsoft.com/office/drawing/2014/main" id="{51F4BE25-9464-4557-8781-85C333996F60}"/>
-              </a:ext>
-            </a:extLst>
-          </p:cNvPr>
-          <p:cNvPicPr>
-            <a:picLocks noChangeAspect="1"/>
-          </p:cNvPicPr>
-          <p:nvPr/>
-        </p:nvPicPr>
-        <p:blipFill>
-          <a:blip r:embed="rId2"/>
-          <a:stretch>
-            <a:fillRect/>
-          </a:stretch>
-        </p:blipFill>
-        <p:spPr>
-          <a:xfrm>
-            <a:off x="1818915" y="1852931"/>
-            <a:ext cx="8824203" cy="3291840"/>
-          </a:xfrm>
-          <a:prstGeom prst="rect">
-            <a:avLst/>
-          </a:prstGeom>
-        </p:spPr>
-      </p:pic>
-      <p:sp>
-        <p:nvSpPr>
-          <p:cNvPr id="20" name="TextBox 19">
-            <a:extLst>
-              <a:ext uri="{FF2B5EF4-FFF2-40B4-BE49-F238E27FC236}">
-                <a16:creationId xmlns:a16="http://schemas.microsoft.com/office/drawing/2014/main" id="{9FF8773C-A7BB-4645-91F2-FB3317B6F739}"/>
-              </a:ext>
-            </a:extLst>
-          </p:cNvPr>
-          <p:cNvSpPr txBox="1"/>
-          <p:nvPr/>
-        </p:nvSpPr>
-        <p:spPr>
-          <a:xfrm>
-            <a:off x="2373123" y="5144771"/>
-            <a:ext cx="8350785" cy="830997"/>
-          </a:xfrm>
-          <a:prstGeom prst="rect">
-            <a:avLst/>
-          </a:prstGeom>
-          <a:noFill/>
-        </p:spPr>
-        <p:txBody>
-          <a:bodyPr wrap="square" rtlCol="0">
-            <a:spAutoFit/>
-          </a:bodyPr>
-          <a:lstStyle/>
-          <a:p>
-            <a:r>
-              <a:rPr lang="en-US" sz="1600" dirty="0">
-                <a:latin typeface="Arial" panose="020B0604020202020204" pitchFamily="34" charset="0"/>
-                <a:cs typeface="Arial" panose="020B0604020202020204" pitchFamily="34" charset="0"/>
-              </a:rPr>
-              <a:t>Fig. 10: (a) Ratio of two-nucleon to single-nucleon electron-scattering cross sections for carbon as a function of missing momentum. (b) Fraction of np to p and pp to p pairs versus the relative momentum. Figure from CLAS collaboration publication</a:t>
-            </a:r>
-            <a:r>
-              <a:rPr lang="en-US" sz="1600" baseline="30000" dirty="0">
-                <a:latin typeface="Arial" panose="020B0604020202020204" pitchFamily="34" charset="0"/>
-                <a:cs typeface="Arial" panose="020B0604020202020204" pitchFamily="34" charset="0"/>
-              </a:rPr>
-              <a:t>1</a:t>
-            </a:r>
-            <a:r>
-              <a:rPr lang="en-US" sz="1600" dirty="0">
-                <a:latin typeface="Arial" panose="020B0604020202020204" pitchFamily="34" charset="0"/>
-                <a:cs typeface="Arial" panose="020B0604020202020204" pitchFamily="34" charset="0"/>
-              </a:rPr>
-              <a:t>.</a:t>
-            </a:r>
-          </a:p>
-        </p:txBody>
-      </p:sp>
-      <p:cxnSp>
-        <p:nvCxnSpPr>
-          <p:cNvPr id="21" name="Straight Arrow Connector 20">
-            <a:extLst>
-              <a:ext uri="{FF2B5EF4-FFF2-40B4-BE49-F238E27FC236}">
-                <a16:creationId xmlns:a16="http://schemas.microsoft.com/office/drawing/2014/main" id="{82FBA6A6-4B5E-4660-AAE6-A09209CE8A04}"/>
-              </a:ext>
-            </a:extLst>
-          </p:cNvPr>
-          <p:cNvCxnSpPr>
-            <a:cxnSpLocks/>
-          </p:cNvCxnSpPr>
-          <p:nvPr/>
-        </p:nvCxnSpPr>
-        <p:spPr>
-          <a:xfrm>
-            <a:off x="10221087" y="1665156"/>
-            <a:ext cx="114643" cy="890953"/>
-          </a:xfrm>
-          <a:prstGeom prst="straightConnector1">
-            <a:avLst/>
-          </a:prstGeom>
-          <a:ln w="38100">
-            <a:solidFill>
-              <a:srgbClr val="FF0000"/>
-            </a:solidFill>
-            <a:tailEnd type="triangle"/>
-          </a:ln>
-        </p:spPr>
-        <p:style>
-          <a:lnRef idx="1">
-            <a:schemeClr val="accent1"/>
-          </a:lnRef>
-          <a:fillRef idx="0">
-            <a:schemeClr val="accent1"/>
-          </a:fillRef>
-          <a:effectRef idx="0">
-            <a:schemeClr val="accent1"/>
-          </a:effectRef>
-          <a:fontRef idx="minor">
-            <a:schemeClr val="tx1"/>
-          </a:fontRef>
-        </p:style>
-      </p:cxnSp>
-      <p:sp>
-        <p:nvSpPr>
-          <p:cNvPr id="22" name="TextBox 21">
-            <a:extLst>
-              <a:ext uri="{FF2B5EF4-FFF2-40B4-BE49-F238E27FC236}">
-                <a16:creationId xmlns:a16="http://schemas.microsoft.com/office/drawing/2014/main" id="{80782540-B3B1-42F3-BF26-5B49CF0FA326}"/>
-              </a:ext>
-            </a:extLst>
-          </p:cNvPr>
-          <p:cNvSpPr txBox="1"/>
-          <p:nvPr/>
-        </p:nvSpPr>
-        <p:spPr>
-          <a:xfrm>
-            <a:off x="9428725" y="1295823"/>
-            <a:ext cx="1213474" cy="369332"/>
-          </a:xfrm>
-          <a:prstGeom prst="rect">
-            <a:avLst/>
-          </a:prstGeom>
-          <a:noFill/>
-        </p:spPr>
-        <p:txBody>
-          <a:bodyPr wrap="none" rtlCol="0">
-            <a:spAutoFit/>
-          </a:bodyPr>
-          <a:lstStyle/>
-          <a:p>
-            <a:r>
-              <a:rPr lang="en-US" dirty="0"/>
-              <a:t>Scalar limit</a:t>
-            </a:r>
-          </a:p>
-        </p:txBody>
-      </p:sp>
-      <p:cxnSp>
-        <p:nvCxnSpPr>
-          <p:cNvPr id="23" name="Straight Arrow Connector 22">
-            <a:extLst>
-              <a:ext uri="{FF2B5EF4-FFF2-40B4-BE49-F238E27FC236}">
-                <a16:creationId xmlns:a16="http://schemas.microsoft.com/office/drawing/2014/main" id="{EF058E09-F606-4BDB-93CC-BCC348022765}"/>
-              </a:ext>
-            </a:extLst>
-          </p:cNvPr>
-          <p:cNvCxnSpPr>
-            <a:cxnSpLocks/>
-          </p:cNvCxnSpPr>
-          <p:nvPr/>
-        </p:nvCxnSpPr>
-        <p:spPr>
-          <a:xfrm>
-            <a:off x="7513056" y="1418448"/>
-            <a:ext cx="193433" cy="615783"/>
-          </a:xfrm>
-          <a:prstGeom prst="straightConnector1">
-            <a:avLst/>
-          </a:prstGeom>
-          <a:ln w="38100">
-            <a:solidFill>
-              <a:srgbClr val="FF0000"/>
-            </a:solidFill>
-            <a:tailEnd type="triangle"/>
-          </a:ln>
-        </p:spPr>
-        <p:style>
-          <a:lnRef idx="1">
-            <a:schemeClr val="accent1"/>
-          </a:lnRef>
-          <a:fillRef idx="0">
-            <a:schemeClr val="accent1"/>
-          </a:fillRef>
-          <a:effectRef idx="0">
-            <a:schemeClr val="accent1"/>
-          </a:effectRef>
-          <a:fontRef idx="minor">
-            <a:schemeClr val="tx1"/>
-          </a:fontRef>
-        </p:style>
-      </p:cxnSp>
-      <p:sp>
-        <p:nvSpPr>
-          <p:cNvPr id="24" name="TextBox 23">
-            <a:extLst>
-              <a:ext uri="{FF2B5EF4-FFF2-40B4-BE49-F238E27FC236}">
-                <a16:creationId xmlns:a16="http://schemas.microsoft.com/office/drawing/2014/main" id="{B92B99EE-9AA0-4E78-A785-BE04AE859744}"/>
-              </a:ext>
-            </a:extLst>
-          </p:cNvPr>
-          <p:cNvSpPr txBox="1"/>
-          <p:nvPr/>
-        </p:nvSpPr>
-        <p:spPr>
-          <a:xfrm>
-            <a:off x="6573523" y="1022468"/>
-            <a:ext cx="2664512" cy="369332"/>
-          </a:xfrm>
-          <a:prstGeom prst="rect">
-            <a:avLst/>
-          </a:prstGeom>
-          <a:noFill/>
-        </p:spPr>
-        <p:txBody>
-          <a:bodyPr wrap="none" rtlCol="0">
-            <a:spAutoFit/>
-          </a:bodyPr>
-          <a:lstStyle/>
-          <a:p>
-            <a:r>
-              <a:rPr lang="en-US" dirty="0"/>
-              <a:t>np includes </a:t>
-            </a:r>
-            <a:r>
-              <a:rPr lang="en-US" baseline="30000" dirty="0"/>
-              <a:t>1</a:t>
-            </a:r>
-            <a:r>
-              <a:rPr lang="en-US" dirty="0"/>
-              <a:t>S</a:t>
-            </a:r>
-            <a:r>
-              <a:rPr lang="en-US" baseline="-25000" dirty="0"/>
-              <a:t>0</a:t>
-            </a:r>
-            <a:r>
-              <a:rPr lang="en-US" dirty="0"/>
-              <a:t> and </a:t>
-            </a:r>
-            <a:r>
-              <a:rPr lang="en-US" baseline="30000" dirty="0"/>
-              <a:t>3</a:t>
-            </a:r>
-            <a:r>
-              <a:rPr lang="en-US" dirty="0"/>
-              <a:t>S</a:t>
-            </a:r>
-            <a:r>
-              <a:rPr lang="en-US" baseline="-25000" dirty="0"/>
-              <a:t>1</a:t>
-            </a:r>
-            <a:r>
-              <a:rPr lang="en-US" dirty="0"/>
-              <a:t>-</a:t>
-            </a:r>
-            <a:r>
-              <a:rPr lang="en-US" baseline="30000" dirty="0"/>
-              <a:t>3</a:t>
-            </a:r>
-            <a:r>
-              <a:rPr lang="en-US" dirty="0"/>
-              <a:t>D</a:t>
-            </a:r>
-            <a:r>
-              <a:rPr lang="en-US" baseline="-25000" dirty="0"/>
-              <a:t>1</a:t>
-            </a:r>
-            <a:endParaRPr lang="en-US" dirty="0"/>
           </a:p>
         </p:txBody>
       </p:sp>
@@ -27102,278 +30145,6 @@
                 <a:srgbClr val="002060"/>
               </a:solidFill>
               <a:latin typeface="Arial" panose="020B0604020202020204" pitchFamily="34" charset="0"/>
-            </a:endParaRPr>
-          </a:p>
-        </p:txBody>
-      </p:sp>
-      <p:sp>
-        <p:nvSpPr>
-          <p:cNvPr id="3" name="Content Placeholder 2">
-            <a:extLst>
-              <a:ext uri="{FF2B5EF4-FFF2-40B4-BE49-F238E27FC236}">
-                <a16:creationId xmlns:a16="http://schemas.microsoft.com/office/drawing/2014/main" id="{1A8FA9B3-1B32-894B-93C2-F90FB63CBDAA}"/>
-              </a:ext>
-            </a:extLst>
-          </p:cNvPr>
-          <p:cNvSpPr>
-            <a:spLocks noGrp="1"/>
-          </p:cNvSpPr>
-          <p:nvPr>
-            <p:ph idx="1"/>
-          </p:nvPr>
-        </p:nvSpPr>
-        <p:spPr>
-          <a:xfrm>
-            <a:off x="838200" y="1825625"/>
-            <a:ext cx="7657730" cy="4351338"/>
-          </a:xfrm>
-        </p:spPr>
-        <p:txBody>
-          <a:bodyPr>
-            <a:noAutofit/>
-          </a:bodyPr>
-          <a:lstStyle/>
-          <a:p>
-            <a:pPr>
-              <a:lnSpc>
-                <a:spcPct val="100000"/>
-              </a:lnSpc>
-            </a:pPr>
-            <a:r>
-              <a:rPr lang="en-US" sz="2400" dirty="0"/>
-              <a:t>Recent experiments have been able to isolate processes where short-range correlation (SRC) physics is dominant and well accounted for by SRC phenomenology</a:t>
-            </a:r>
-          </a:p>
-          <a:p>
-            <a:pPr marL="228600" marR="0" lvl="0" indent="-228600" algn="l" defTabSz="914400" rtl="0" eaLnBrk="1" fontAlgn="auto" latinLnBrk="0" hangingPunct="1">
-              <a:lnSpc>
-                <a:spcPct val="110000"/>
-              </a:lnSpc>
-              <a:spcBef>
-                <a:spcPts val="1000"/>
-              </a:spcBef>
-              <a:spcAft>
-                <a:spcPts val="0"/>
-              </a:spcAft>
-              <a:buClrTx/>
-              <a:buSzTx/>
-              <a:buFont typeface="Arial" panose="020B0604020202020204" pitchFamily="34" charset="0"/>
-              <a:buChar char="•"/>
-              <a:tabLst/>
-              <a:defRPr/>
-            </a:pPr>
-            <a:r>
-              <a:rPr kumimoji="0" lang="en-US" sz="2400" b="0" i="0" u="none" strike="noStrike" kern="1200" cap="none" spc="0" normalizeH="0" baseline="0" noProof="0" dirty="0">
-                <a:ln>
-                  <a:noFill/>
-                </a:ln>
-                <a:solidFill>
-                  <a:srgbClr val="C00000"/>
-                </a:solidFill>
-                <a:effectLst/>
-                <a:uLnTx/>
-                <a:uFillTx/>
-                <a:latin typeface="Arial" panose="020B0604020202020204" pitchFamily="34" charset="0"/>
-                <a:ea typeface="+mn-ea"/>
-                <a:cs typeface="+mn-cs"/>
-              </a:rPr>
-              <a:t>Low RG resolution description of SRC physics</a:t>
-            </a:r>
-          </a:p>
-          <a:p>
-            <a:pPr marL="685800" marR="0" lvl="1" indent="-228600" algn="l" defTabSz="914400" rtl="0" eaLnBrk="1" fontAlgn="auto" latinLnBrk="0" hangingPunct="1">
-              <a:lnSpc>
-                <a:spcPct val="110000"/>
-              </a:lnSpc>
-              <a:spcBef>
-                <a:spcPts val="500"/>
-              </a:spcBef>
-              <a:spcAft>
-                <a:spcPts val="0"/>
-              </a:spcAft>
-              <a:buClrTx/>
-              <a:buSzTx/>
-              <a:buFont typeface="Arial" panose="020B0604020202020204" pitchFamily="34" charset="0"/>
-              <a:buChar char="•"/>
-              <a:tabLst/>
-              <a:defRPr/>
-            </a:pPr>
-            <a:r>
-              <a:rPr kumimoji="0" lang="en-US" sz="2000" b="0" i="0" u="none" strike="noStrike" kern="1200" cap="none" spc="0" normalizeH="0" baseline="0" noProof="0" dirty="0">
-                <a:ln>
-                  <a:noFill/>
-                </a:ln>
-                <a:solidFill>
-                  <a:prstClr val="black"/>
-                </a:solidFill>
-                <a:effectLst/>
-                <a:uLnTx/>
-                <a:uFillTx/>
-                <a:latin typeface="Arial" panose="020B0604020202020204" pitchFamily="34" charset="0"/>
-                <a:ea typeface="+mn-ea"/>
-                <a:cs typeface="+mn-cs"/>
-              </a:rPr>
-              <a:t>Using renormalization group (RG) methods we can tune the </a:t>
-            </a:r>
-            <a:r>
-              <a:rPr kumimoji="0" lang="en-US" sz="2000" b="0" i="0" u="none" strike="noStrike" kern="1200" cap="none" spc="0" normalizeH="0" baseline="0" noProof="0" dirty="0">
-                <a:ln>
-                  <a:noFill/>
-                </a:ln>
-                <a:solidFill>
-                  <a:srgbClr val="C00000"/>
-                </a:solidFill>
-                <a:effectLst/>
-                <a:uLnTx/>
-                <a:uFillTx/>
-                <a:latin typeface="Arial" panose="020B0604020202020204" pitchFamily="34" charset="0"/>
-                <a:ea typeface="+mn-ea"/>
-                <a:cs typeface="+mn-cs"/>
-              </a:rPr>
-              <a:t>scale</a:t>
-            </a:r>
-            <a:r>
-              <a:rPr kumimoji="0" lang="en-US" sz="2000" b="0" i="0" u="none" strike="noStrike" kern="1200" cap="none" spc="0" normalizeH="0" baseline="0" noProof="0" dirty="0">
-                <a:ln>
-                  <a:noFill/>
-                </a:ln>
-                <a:solidFill>
-                  <a:prstClr val="black"/>
-                </a:solidFill>
-                <a:effectLst/>
-                <a:uLnTx/>
-                <a:uFillTx/>
-                <a:latin typeface="Arial" panose="020B0604020202020204" pitchFamily="34" charset="0"/>
-                <a:ea typeface="+mn-ea"/>
-                <a:cs typeface="+mn-cs"/>
-              </a:rPr>
-              <a:t> to </a:t>
-            </a:r>
-            <a:r>
-              <a:rPr kumimoji="0" lang="en-US" sz="2000" b="0" i="0" u="none" strike="noStrike" kern="1200" cap="none" spc="0" normalizeH="0" baseline="0" noProof="0" dirty="0">
-                <a:ln>
-                  <a:noFill/>
-                </a:ln>
-                <a:solidFill>
-                  <a:srgbClr val="C00000"/>
-                </a:solidFill>
-                <a:effectLst/>
-                <a:uLnTx/>
-                <a:uFillTx/>
-                <a:latin typeface="Arial" panose="020B0604020202020204" pitchFamily="34" charset="0"/>
-                <a:ea typeface="+mn-ea"/>
-                <a:cs typeface="+mn-cs"/>
-              </a:rPr>
-              <a:t>low RG resolution</a:t>
-            </a:r>
-            <a:endParaRPr kumimoji="0" lang="en-US" sz="2000" b="0" i="0" u="none" strike="noStrike" kern="1200" cap="none" spc="0" normalizeH="0" baseline="0" noProof="0" dirty="0">
-              <a:ln>
-                <a:noFill/>
-              </a:ln>
-              <a:solidFill>
-                <a:prstClr val="black"/>
-              </a:solidFill>
-              <a:effectLst/>
-              <a:uLnTx/>
-              <a:uFillTx/>
-              <a:latin typeface="Arial" panose="020B0604020202020204" pitchFamily="34" charset="0"/>
-              <a:ea typeface="+mn-ea"/>
-              <a:cs typeface="+mn-cs"/>
-            </a:endParaRPr>
-          </a:p>
-          <a:p>
-            <a:pPr marL="685800" marR="0" lvl="1" indent="-228600" algn="l" defTabSz="914400" rtl="0" eaLnBrk="1" fontAlgn="auto" latinLnBrk="0" hangingPunct="1">
-              <a:lnSpc>
-                <a:spcPct val="110000"/>
-              </a:lnSpc>
-              <a:spcBef>
-                <a:spcPts val="500"/>
-              </a:spcBef>
-              <a:spcAft>
-                <a:spcPts val="0"/>
-              </a:spcAft>
-              <a:buClrTx/>
-              <a:buSzTx/>
-              <a:buFont typeface="Arial" panose="020B0604020202020204" pitchFamily="34" charset="0"/>
-              <a:buChar char="•"/>
-              <a:tabLst/>
-              <a:defRPr/>
-            </a:pPr>
-            <a:r>
-              <a:rPr kumimoji="0" lang="en-US" sz="2000" b="0" i="0" u="none" strike="noStrike" kern="1200" cap="none" spc="0" normalizeH="0" baseline="0" noProof="0" dirty="0">
-                <a:ln>
-                  <a:noFill/>
-                </a:ln>
-                <a:solidFill>
-                  <a:prstClr val="black"/>
-                </a:solidFill>
-                <a:effectLst/>
-                <a:uLnTx/>
-                <a:uFillTx/>
-                <a:latin typeface="Arial" panose="020B0604020202020204" pitchFamily="34" charset="0"/>
-                <a:ea typeface="+mn-ea"/>
-                <a:cs typeface="+mn-cs"/>
-              </a:rPr>
-              <a:t>The SRC </a:t>
-            </a:r>
-            <a:r>
-              <a:rPr kumimoji="0" lang="en-US" sz="2000" b="0" i="1" u="none" strike="noStrike" kern="1200" cap="none" spc="0" normalizeH="0" baseline="0" noProof="0" dirty="0">
-                <a:ln>
-                  <a:noFill/>
-                </a:ln>
-                <a:solidFill>
-                  <a:prstClr val="black"/>
-                </a:solidFill>
-                <a:effectLst/>
-                <a:uLnTx/>
-                <a:uFillTx/>
-                <a:latin typeface="Arial" panose="020B0604020202020204" pitchFamily="34" charset="0"/>
-                <a:ea typeface="+mn-ea"/>
-                <a:cs typeface="+mn-cs"/>
-              </a:rPr>
-              <a:t>physics</a:t>
-            </a:r>
-            <a:r>
-              <a:rPr kumimoji="0" lang="en-US" sz="2000" b="0" i="0" u="none" strike="noStrike" kern="1200" cap="none" spc="0" normalizeH="0" baseline="0" noProof="0" dirty="0">
-                <a:ln>
-                  <a:noFill/>
-                </a:ln>
-                <a:solidFill>
-                  <a:prstClr val="black"/>
-                </a:solidFill>
-                <a:effectLst/>
-                <a:uLnTx/>
-                <a:uFillTx/>
-                <a:latin typeface="Arial" panose="020B0604020202020204" pitchFamily="34" charset="0"/>
-                <a:ea typeface="+mn-ea"/>
-                <a:cs typeface="+mn-cs"/>
-              </a:rPr>
-              <a:t> is shifted into the reaction operators from the nuclear wave function (which becomes soft)</a:t>
-            </a:r>
-          </a:p>
-          <a:p>
-            <a:pPr>
-              <a:lnSpc>
-                <a:spcPct val="100000"/>
-              </a:lnSpc>
-              <a:spcBef>
-                <a:spcPts val="500"/>
-              </a:spcBef>
-              <a:defRPr/>
-            </a:pPr>
-            <a:endParaRPr kumimoji="0" lang="en-US" sz="2400" b="0" i="0" u="none" strike="noStrike" kern="1200" cap="none" spc="0" normalizeH="0" baseline="0" noProof="0" dirty="0">
-              <a:ln>
-                <a:noFill/>
-              </a:ln>
-              <a:solidFill>
-                <a:prstClr val="black"/>
-              </a:solidFill>
-              <a:effectLst/>
-              <a:uLnTx/>
-              <a:uFillTx/>
-              <a:latin typeface="Arial" panose="020B0604020202020204" pitchFamily="34" charset="0"/>
-              <a:ea typeface="+mn-ea"/>
-              <a:cs typeface="+mn-cs"/>
             </a:endParaRPr>
           </a:p>
         </p:txBody>
@@ -27830,6 +30601,286 @@
               <a:rPr lang="en-US" b="1" dirty="0"/>
               <a:t> expt. resolution</a:t>
             </a:r>
+          </a:p>
+        </p:txBody>
+      </p:sp>
+      <p:sp>
+        <p:nvSpPr>
+          <p:cNvPr id="15" name="Content Placeholder 2">
+            <a:extLst>
+              <a:ext uri="{FF2B5EF4-FFF2-40B4-BE49-F238E27FC236}">
+                <a16:creationId xmlns:a16="http://schemas.microsoft.com/office/drawing/2014/main" id="{FB4E408F-8BCD-4388-A087-A0509F43A354}"/>
+              </a:ext>
+            </a:extLst>
+          </p:cNvPr>
+          <p:cNvSpPr txBox="1">
+            <a:spLocks/>
+          </p:cNvSpPr>
+          <p:nvPr/>
+        </p:nvSpPr>
+        <p:spPr>
+          <a:xfrm>
+            <a:off x="292963" y="1834503"/>
+            <a:ext cx="8202967" cy="4351338"/>
+          </a:xfrm>
+          <a:prstGeom prst="rect">
+            <a:avLst/>
+          </a:prstGeom>
+        </p:spPr>
+        <p:txBody>
+          <a:bodyPr vert="horz" lIns="91440" tIns="45720" rIns="91440" bIns="45720" rtlCol="0">
+            <a:noAutofit/>
+          </a:bodyPr>
+          <a:lstStyle>
+            <a:lvl1pPr marL="228600" indent="-228600" algn="l" defTabSz="914400" rtl="0" eaLnBrk="1" latinLnBrk="0" hangingPunct="1">
+              <a:lnSpc>
+                <a:spcPct val="90000"/>
+              </a:lnSpc>
+              <a:spcBef>
+                <a:spcPts val="1000"/>
+              </a:spcBef>
+              <a:buFont typeface="Arial" panose="020B0604020202020204" pitchFamily="34" charset="0"/>
+              <a:buChar char="•"/>
+              <a:defRPr sz="2800" b="0" i="0" kern="1200">
+                <a:solidFill>
+                  <a:schemeClr val="tx1"/>
+                </a:solidFill>
+                <a:latin typeface="Arial" panose="020B0604020202020204" pitchFamily="34" charset="0"/>
+                <a:ea typeface="+mn-ea"/>
+                <a:cs typeface="+mn-cs"/>
+              </a:defRPr>
+            </a:lvl1pPr>
+            <a:lvl2pPr marL="685800" indent="-228600" algn="l" defTabSz="914400" rtl="0" eaLnBrk="1" latinLnBrk="0" hangingPunct="1">
+              <a:lnSpc>
+                <a:spcPct val="90000"/>
+              </a:lnSpc>
+              <a:spcBef>
+                <a:spcPts val="500"/>
+              </a:spcBef>
+              <a:buFont typeface="Arial" panose="020B0604020202020204" pitchFamily="34" charset="0"/>
+              <a:buChar char="•"/>
+              <a:defRPr sz="2400" b="0" i="0" kern="1200">
+                <a:solidFill>
+                  <a:schemeClr val="tx1"/>
+                </a:solidFill>
+                <a:latin typeface="Arial" panose="020B0604020202020204" pitchFamily="34" charset="0"/>
+                <a:ea typeface="+mn-ea"/>
+                <a:cs typeface="+mn-cs"/>
+              </a:defRPr>
+            </a:lvl2pPr>
+            <a:lvl3pPr marL="1143000" indent="-228600" algn="l" defTabSz="914400" rtl="0" eaLnBrk="1" latinLnBrk="0" hangingPunct="1">
+              <a:lnSpc>
+                <a:spcPct val="90000"/>
+              </a:lnSpc>
+              <a:spcBef>
+                <a:spcPts val="500"/>
+              </a:spcBef>
+              <a:buFont typeface="Arial" panose="020B0604020202020204" pitchFamily="34" charset="0"/>
+              <a:buChar char="•"/>
+              <a:defRPr sz="2000" b="0" i="0" kern="1200">
+                <a:solidFill>
+                  <a:schemeClr val="tx1"/>
+                </a:solidFill>
+                <a:latin typeface="Arial" panose="020B0604020202020204" pitchFamily="34" charset="0"/>
+                <a:ea typeface="+mn-ea"/>
+                <a:cs typeface="+mn-cs"/>
+              </a:defRPr>
+            </a:lvl3pPr>
+            <a:lvl4pPr marL="1600200" indent="-228600" algn="l" defTabSz="914400" rtl="0" eaLnBrk="1" latinLnBrk="0" hangingPunct="1">
+              <a:lnSpc>
+                <a:spcPct val="90000"/>
+              </a:lnSpc>
+              <a:spcBef>
+                <a:spcPts val="500"/>
+              </a:spcBef>
+              <a:buFont typeface="Arial" panose="020B0604020202020204" pitchFamily="34" charset="0"/>
+              <a:buChar char="•"/>
+              <a:defRPr sz="1800" b="0" i="0" kern="1200">
+                <a:solidFill>
+                  <a:schemeClr val="tx1"/>
+                </a:solidFill>
+                <a:latin typeface="Arial" panose="020B0604020202020204" pitchFamily="34" charset="0"/>
+                <a:ea typeface="+mn-ea"/>
+                <a:cs typeface="+mn-cs"/>
+              </a:defRPr>
+            </a:lvl4pPr>
+            <a:lvl5pPr marL="2057400" indent="-228600" algn="l" defTabSz="914400" rtl="0" eaLnBrk="1" latinLnBrk="0" hangingPunct="1">
+              <a:lnSpc>
+                <a:spcPct val="90000"/>
+              </a:lnSpc>
+              <a:spcBef>
+                <a:spcPts val="500"/>
+              </a:spcBef>
+              <a:buFont typeface="Arial" panose="020B0604020202020204" pitchFamily="34" charset="0"/>
+              <a:buChar char="•"/>
+              <a:defRPr sz="1800" b="0" i="0" kern="1200">
+                <a:solidFill>
+                  <a:schemeClr val="tx1"/>
+                </a:solidFill>
+                <a:latin typeface="Arial" panose="020B0604020202020204" pitchFamily="34" charset="0"/>
+                <a:ea typeface="+mn-ea"/>
+                <a:cs typeface="+mn-cs"/>
+              </a:defRPr>
+            </a:lvl5pPr>
+            <a:lvl6pPr marL="2514600" indent="-228600" algn="l" defTabSz="914400" rtl="0" eaLnBrk="1" latinLnBrk="0" hangingPunct="1">
+              <a:lnSpc>
+                <a:spcPct val="90000"/>
+              </a:lnSpc>
+              <a:spcBef>
+                <a:spcPts val="500"/>
+              </a:spcBef>
+              <a:buFont typeface="Arial" panose="020B0604020202020204" pitchFamily="34" charset="0"/>
+              <a:buChar char="•"/>
+              <a:defRPr sz="1800" kern="1200">
+                <a:solidFill>
+                  <a:schemeClr val="tx1"/>
+                </a:solidFill>
+                <a:latin typeface="+mn-lt"/>
+                <a:ea typeface="+mn-ea"/>
+                <a:cs typeface="+mn-cs"/>
+              </a:defRPr>
+            </a:lvl6pPr>
+            <a:lvl7pPr marL="2971800" indent="-228600" algn="l" defTabSz="914400" rtl="0" eaLnBrk="1" latinLnBrk="0" hangingPunct="1">
+              <a:lnSpc>
+                <a:spcPct val="90000"/>
+              </a:lnSpc>
+              <a:spcBef>
+                <a:spcPts val="500"/>
+              </a:spcBef>
+              <a:buFont typeface="Arial" panose="020B0604020202020204" pitchFamily="34" charset="0"/>
+              <a:buChar char="•"/>
+              <a:defRPr sz="1800" kern="1200">
+                <a:solidFill>
+                  <a:schemeClr val="tx1"/>
+                </a:solidFill>
+                <a:latin typeface="+mn-lt"/>
+                <a:ea typeface="+mn-ea"/>
+                <a:cs typeface="+mn-cs"/>
+              </a:defRPr>
+            </a:lvl7pPr>
+            <a:lvl8pPr marL="3429000" indent="-228600" algn="l" defTabSz="914400" rtl="0" eaLnBrk="1" latinLnBrk="0" hangingPunct="1">
+              <a:lnSpc>
+                <a:spcPct val="90000"/>
+              </a:lnSpc>
+              <a:spcBef>
+                <a:spcPts val="500"/>
+              </a:spcBef>
+              <a:buFont typeface="Arial" panose="020B0604020202020204" pitchFamily="34" charset="0"/>
+              <a:buChar char="•"/>
+              <a:defRPr sz="1800" kern="1200">
+                <a:solidFill>
+                  <a:schemeClr val="tx1"/>
+                </a:solidFill>
+                <a:latin typeface="+mn-lt"/>
+                <a:ea typeface="+mn-ea"/>
+                <a:cs typeface="+mn-cs"/>
+              </a:defRPr>
+            </a:lvl8pPr>
+            <a:lvl9pPr marL="3886200" indent="-228600" algn="l" defTabSz="914400" rtl="0" eaLnBrk="1" latinLnBrk="0" hangingPunct="1">
+              <a:lnSpc>
+                <a:spcPct val="90000"/>
+              </a:lnSpc>
+              <a:spcBef>
+                <a:spcPts val="500"/>
+              </a:spcBef>
+              <a:buFont typeface="Arial" panose="020B0604020202020204" pitchFamily="34" charset="0"/>
+              <a:buChar char="•"/>
+              <a:defRPr sz="1800" kern="1200">
+                <a:solidFill>
+                  <a:schemeClr val="tx1"/>
+                </a:solidFill>
+                <a:latin typeface="+mn-lt"/>
+                <a:ea typeface="+mn-ea"/>
+                <a:cs typeface="+mn-cs"/>
+              </a:defRPr>
+            </a:lvl9pPr>
+          </a:lstStyle>
+          <a:p>
+            <a:pPr>
+              <a:lnSpc>
+                <a:spcPct val="100000"/>
+              </a:lnSpc>
+            </a:pPr>
+            <a:r>
+              <a:rPr lang="en-US" sz="2400" dirty="0"/>
+              <a:t>Recent experiments have been able to isolate processes where short-range correlation (SRC) physics is dominant and well accounted for by SRC phenomenology</a:t>
+            </a:r>
+          </a:p>
+          <a:p>
+            <a:pPr>
+              <a:lnSpc>
+                <a:spcPct val="110000"/>
+              </a:lnSpc>
+              <a:defRPr/>
+            </a:pPr>
+            <a:r>
+              <a:rPr lang="en-US" sz="2400" dirty="0">
+                <a:solidFill>
+                  <a:srgbClr val="C00000"/>
+                </a:solidFill>
+              </a:rPr>
+              <a:t>Low RG resolution description of SRC physics</a:t>
+            </a:r>
+          </a:p>
+          <a:p>
+            <a:pPr lvl="1">
+              <a:lnSpc>
+                <a:spcPct val="110000"/>
+              </a:lnSpc>
+              <a:defRPr/>
+            </a:pPr>
+            <a:r>
+              <a:rPr lang="en-US" sz="2000" dirty="0"/>
+              <a:t>Using renormalization group (RG) methods we can tune the scale to low RG resolution</a:t>
+            </a:r>
+          </a:p>
+          <a:p>
+            <a:pPr lvl="1">
+              <a:lnSpc>
+                <a:spcPct val="110000"/>
+              </a:lnSpc>
+              <a:defRPr/>
+            </a:pPr>
+            <a:r>
+              <a:rPr lang="en-US" sz="2000" dirty="0">
+                <a:solidFill>
+                  <a:srgbClr val="C00000"/>
+                </a:solidFill>
+              </a:rPr>
+              <a:t>The SRC </a:t>
+            </a:r>
+            <a:r>
+              <a:rPr lang="en-US" sz="2000" i="1" dirty="0">
+                <a:solidFill>
+                  <a:srgbClr val="C00000"/>
+                </a:solidFill>
+              </a:rPr>
+              <a:t>physics</a:t>
+            </a:r>
+            <a:r>
+              <a:rPr lang="en-US" sz="2000" dirty="0">
+                <a:solidFill>
+                  <a:srgbClr val="C00000"/>
+                </a:solidFill>
+              </a:rPr>
+              <a:t> is shifted into the reaction operators from the nuclear wave function (which becomes soft)</a:t>
+            </a:r>
+          </a:p>
+          <a:p>
+            <a:pPr>
+              <a:lnSpc>
+                <a:spcPct val="100000"/>
+              </a:lnSpc>
+              <a:spcBef>
+                <a:spcPts val="500"/>
+              </a:spcBef>
+              <a:defRPr/>
+            </a:pPr>
+            <a:endParaRPr lang="en-US" sz="2400" dirty="0">
+              <a:solidFill>
+                <a:prstClr val="black"/>
+              </a:solidFill>
+            </a:endParaRPr>
           </a:p>
         </p:txBody>
       </p:sp>
@@ -28092,8 +31143,8 @@
         </p:nvSpPr>
         <p:spPr>
           <a:xfrm>
-            <a:off x="838200" y="1825625"/>
-            <a:ext cx="7657730" cy="4351338"/>
+            <a:off x="292963" y="1834503"/>
+            <a:ext cx="8202967" cy="4351338"/>
           </a:xfrm>
         </p:spPr>
         <p:txBody>
@@ -28238,6 +31289,39 @@
               </a:rPr>
               <a:t> is shifted into the reaction operators from the nuclear wave function (which becomes soft)</a:t>
             </a:r>
+          </a:p>
+          <a:p>
+            <a:pPr>
+              <a:lnSpc>
+                <a:spcPct val="110000"/>
+              </a:lnSpc>
+              <a:spcBef>
+                <a:spcPts val="500"/>
+              </a:spcBef>
+              <a:defRPr/>
+            </a:pPr>
+            <a:r>
+              <a:rPr lang="en-US" sz="2400" dirty="0">
+                <a:solidFill>
+                  <a:srgbClr val="C00000"/>
+                </a:solidFill>
+              </a:rPr>
+              <a:t>Experimental resolution (set by momentum of probe) is the same in both pictures</a:t>
+            </a:r>
+            <a:endParaRPr kumimoji="0" lang="en-US" sz="2400" b="0" i="0" u="none" strike="noStrike" kern="1200" cap="none" spc="0" normalizeH="0" baseline="0" noProof="0" dirty="0">
+              <a:ln>
+                <a:noFill/>
+              </a:ln>
+              <a:solidFill>
+                <a:srgbClr val="C00000"/>
+              </a:solidFill>
+              <a:effectLst/>
+              <a:uLnTx/>
+              <a:uFillTx/>
+              <a:latin typeface="Arial" panose="020B0604020202020204" pitchFamily="34" charset="0"/>
+              <a:ea typeface="+mn-ea"/>
+              <a:cs typeface="+mn-cs"/>
+            </a:endParaRPr>
           </a:p>
           <a:p>
             <a:pPr>
@@ -28414,7 +31498,7 @@
           <a:lstStyle/>
           <a:p>
             <a:r>
-              <a:rPr lang="en-US"/>
+              <a:rPr lang="en-US" dirty="0"/>
               <a:t>Anthony Tropiano, APS April 2021 Meeting</a:t>
             </a:r>
           </a:p>
@@ -28995,8 +32079,8 @@
           </a:p>
         </p:txBody>
       </p:sp>
-      <mc:AlternateContent xmlns:mc="http://schemas.openxmlformats.org/markup-compatibility/2006">
-        <mc:Choice xmlns:a14="http://schemas.microsoft.com/office/drawing/2010/main" Requires="a14">
+      <mc:AlternateContent xmlns:mc="http://schemas.openxmlformats.org/markup-compatibility/2006" xmlns:a14="http://schemas.microsoft.com/office/drawing/2010/main">
+        <mc:Choice Requires="a14">
           <p:sp>
             <p:nvSpPr>
               <p:cNvPr id="3" name="Content Placeholder 2">
@@ -29346,7 +32430,7 @@
             </p:txBody>
           </p:sp>
         </mc:Choice>
-        <mc:Fallback>
+        <mc:Fallback xmlns="">
           <p:sp>
             <p:nvSpPr>
               <p:cNvPr id="3" name="Content Placeholder 2">
@@ -29690,8 +32774,8 @@
           </a:p>
         </p:txBody>
       </p:sp>
-      <mc:AlternateContent xmlns:mc="http://schemas.openxmlformats.org/markup-compatibility/2006">
-        <mc:Choice xmlns:a14="http://schemas.microsoft.com/office/drawing/2010/main" Requires="a14">
+      <mc:AlternateContent xmlns:mc="http://schemas.openxmlformats.org/markup-compatibility/2006" xmlns:a14="http://schemas.microsoft.com/office/drawing/2010/main">
+        <mc:Choice Requires="a14">
           <p:sp>
             <p:nvSpPr>
               <p:cNvPr id="3" name="Content Placeholder 2">
@@ -30133,7 +33217,7 @@
             </p:txBody>
           </p:sp>
         </mc:Choice>
-        <mc:Fallback>
+        <mc:Fallback xmlns="">
           <p:sp>
             <p:nvSpPr>
               <p:cNvPr id="3" name="Content Placeholder 2">
@@ -32742,1156 +35826,73 @@
           </a:p>
         </p:txBody>
       </p:sp>
-      <mc:AlternateContent xmlns:mc="http://schemas.openxmlformats.org/markup-compatibility/2006">
-        <mc:Choice xmlns:a14="http://schemas.microsoft.com/office/drawing/2010/main" Requires="a14">
-          <p:sp>
-            <p:nvSpPr>
-              <p:cNvPr id="3" name="Content Placeholder 2">
-                <a:extLst>
-                  <a:ext uri="{FF2B5EF4-FFF2-40B4-BE49-F238E27FC236}">
-                    <a16:creationId xmlns:a16="http://schemas.microsoft.com/office/drawing/2014/main" id="{1A8FA9B3-1B32-894B-93C2-F90FB63CBDAA}"/>
-                  </a:ext>
-                </a:extLst>
-              </p:cNvPr>
-              <p:cNvSpPr>
-                <a:spLocks noGrp="1"/>
-              </p:cNvSpPr>
-              <p:nvPr>
-                <p:ph idx="1"/>
-              </p:nvPr>
-            </p:nvSpPr>
-            <p:spPr/>
-            <p:txBody>
-              <a:bodyPr>
-                <a:noAutofit/>
-              </a:bodyPr>
-              <a:lstStyle/>
-              <a:p>
-                <a:pPr>
-                  <a:lnSpc>
-                    <a:spcPct val="100000"/>
-                  </a:lnSpc>
-                </a:pPr>
-                <a:r>
-                  <a:rPr lang="en-US" sz="2600" dirty="0"/>
-                  <a:t>SRC physics shifts to the operators</a:t>
-                </a:r>
-              </a:p>
-              <a:p>
-                <a:pPr>
-                  <a:lnSpc>
-                    <a:spcPct val="100000"/>
-                  </a:lnSpc>
-                </a:pPr>
-                <a:endParaRPr lang="en-US" sz="1400" dirty="0"/>
-              </a:p>
-              <a:p>
-                <a:pPr marL="0" indent="0" algn="ctr">
-                  <a:lnSpc>
-                    <a:spcPct val="100000"/>
-                  </a:lnSpc>
-                  <a:buNone/>
-                </a:pPr>
-                <a14:m>
-                  <m:oMathPara xmlns:m="http://schemas.openxmlformats.org/officeDocument/2006/math">
-                    <m:oMathParaPr>
-                      <m:jc m:val="centerGroup"/>
-                    </m:oMathParaPr>
-                    <m:oMath xmlns:m="http://schemas.openxmlformats.org/officeDocument/2006/math">
-                      <m:d>
-                        <m:dPr>
-                          <m:begChr m:val="⟨"/>
-                          <m:endChr m:val="⟩"/>
-                          <m:ctrlPr>
-                            <a:rPr lang="en-US" sz="2600" i="1" smtClean="0">
-                              <a:solidFill>
-                                <a:srgbClr val="C00000"/>
-                              </a:solidFill>
-                              <a:latin typeface="Cambria Math" panose="02040503050406030204" pitchFamily="18" charset="0"/>
-                            </a:rPr>
-                          </m:ctrlPr>
-                        </m:dPr>
-                        <m:e>
-                          <m:sSubSup>
-                            <m:sSubSupPr>
-                              <m:ctrlPr>
-                                <a:rPr lang="en-US" sz="2600" i="1" smtClean="0">
-                                  <a:solidFill>
-                                    <a:srgbClr val="C00000"/>
-                                  </a:solidFill>
-                                  <a:latin typeface="Cambria Math" panose="02040503050406030204" pitchFamily="18" charset="0"/>
-                                </a:rPr>
-                              </m:ctrlPr>
-                            </m:sSubSupPr>
-                            <m:e>
-                              <m:r>
-                                <a:rPr lang="en-US" sz="2600" i="1" smtClean="0">
-                                  <a:solidFill>
-                                    <a:srgbClr val="C00000"/>
-                                  </a:solidFill>
-                                  <a:latin typeface="Cambria Math" panose="02040503050406030204" pitchFamily="18" charset="0"/>
-                                  <a:ea typeface="Cambria Math" panose="02040503050406030204" pitchFamily="18" charset="0"/>
-                                </a:rPr>
-                                <m:t>𝜓</m:t>
-                              </m:r>
-                            </m:e>
-                            <m:sub>
-                              <m:r>
-                                <a:rPr lang="en-US" sz="2600" b="0" i="1" smtClean="0">
-                                  <a:solidFill>
-                                    <a:srgbClr val="C00000"/>
-                                  </a:solidFill>
-                                  <a:latin typeface="Cambria Math" panose="02040503050406030204" pitchFamily="18" charset="0"/>
-                                </a:rPr>
-                                <m:t>𝐴</m:t>
-                              </m:r>
-                            </m:sub>
-                            <m:sup>
-                              <m:r>
-                                <a:rPr lang="en-US" sz="2600" b="0" i="1" smtClean="0">
-                                  <a:solidFill>
-                                    <a:srgbClr val="C00000"/>
-                                  </a:solidFill>
-                                  <a:latin typeface="Cambria Math" panose="02040503050406030204" pitchFamily="18" charset="0"/>
-                                </a:rPr>
-                                <m:t>h𝑖</m:t>
-                              </m:r>
-                            </m:sup>
-                          </m:sSubSup>
-                        </m:e>
-                        <m:e>
-                          <m:sSubSup>
-                            <m:sSubSupPr>
-                              <m:ctrlPr>
-                                <a:rPr lang="en-US" sz="2600" i="1" smtClean="0">
-                                  <a:solidFill>
-                                    <a:srgbClr val="C00000"/>
-                                  </a:solidFill>
-                                  <a:latin typeface="Cambria Math" panose="02040503050406030204" pitchFamily="18" charset="0"/>
-                                </a:rPr>
-                              </m:ctrlPr>
-                            </m:sSubSupPr>
-                            <m:e>
-                              <m:r>
-                                <a:rPr lang="en-US" sz="2600" b="0" i="1" smtClean="0">
-                                  <a:solidFill>
-                                    <a:srgbClr val="C00000"/>
-                                  </a:solidFill>
-                                  <a:latin typeface="Cambria Math" panose="02040503050406030204" pitchFamily="18" charset="0"/>
-                                </a:rPr>
-                                <m:t>𝑈</m:t>
-                              </m:r>
-                            </m:e>
-                            <m:sub>
-                              <m:r>
-                                <a:rPr lang="en-US" sz="2600" i="1" smtClean="0">
-                                  <a:solidFill>
-                                    <a:srgbClr val="C00000"/>
-                                  </a:solidFill>
-                                  <a:latin typeface="Cambria Math" panose="02040503050406030204" pitchFamily="18" charset="0"/>
-                                  <a:ea typeface="Cambria Math" panose="02040503050406030204" pitchFamily="18" charset="0"/>
-                                </a:rPr>
-                                <m:t>𝜆</m:t>
-                              </m:r>
-                            </m:sub>
-                            <m:sup>
-                              <m:r>
-                                <a:rPr lang="en-US" sz="2600" i="1" smtClean="0">
-                                  <a:solidFill>
-                                    <a:srgbClr val="C00000"/>
-                                  </a:solidFill>
-                                  <a:latin typeface="Cambria Math" panose="02040503050406030204" pitchFamily="18" charset="0"/>
-                                  <a:ea typeface="Cambria Math" panose="02040503050406030204" pitchFamily="18" charset="0"/>
-                                </a:rPr>
-                                <m:t>†</m:t>
-                              </m:r>
-                            </m:sup>
-                          </m:sSubSup>
-                          <m:sSub>
-                            <m:sSubPr>
-                              <m:ctrlPr>
-                                <a:rPr lang="en-US" sz="2600" i="1" smtClean="0">
-                                  <a:solidFill>
-                                    <a:srgbClr val="002060"/>
-                                  </a:solidFill>
-                                  <a:latin typeface="Cambria Math" panose="02040503050406030204" pitchFamily="18" charset="0"/>
-                                </a:rPr>
-                              </m:ctrlPr>
-                            </m:sSubPr>
-                            <m:e>
-                              <m:r>
-                                <a:rPr lang="en-US" sz="2600" b="0" i="1" smtClean="0">
-                                  <a:solidFill>
-                                    <a:srgbClr val="002060"/>
-                                  </a:solidFill>
-                                  <a:latin typeface="Cambria Math" panose="02040503050406030204" pitchFamily="18" charset="0"/>
-                                </a:rPr>
-                                <m:t>𝑈</m:t>
-                              </m:r>
-                            </m:e>
-                            <m:sub>
-                              <m:r>
-                                <a:rPr lang="en-US" sz="2600" i="1" smtClean="0">
-                                  <a:solidFill>
-                                    <a:srgbClr val="002060"/>
-                                  </a:solidFill>
-                                  <a:latin typeface="Cambria Math" panose="02040503050406030204" pitchFamily="18" charset="0"/>
-                                  <a:ea typeface="Cambria Math" panose="02040503050406030204" pitchFamily="18" charset="0"/>
-                                </a:rPr>
-                                <m:t>𝜆</m:t>
-                              </m:r>
-                            </m:sub>
-                          </m:sSub>
-                          <m:sSup>
-                            <m:sSupPr>
-                              <m:ctrlPr>
-                                <a:rPr lang="en-US" sz="2600" i="1" smtClean="0">
-                                  <a:solidFill>
-                                    <a:srgbClr val="002060"/>
-                                  </a:solidFill>
-                                  <a:latin typeface="Cambria Math" panose="02040503050406030204" pitchFamily="18" charset="0"/>
-                                </a:rPr>
-                              </m:ctrlPr>
-                            </m:sSupPr>
-                            <m:e>
-                              <m:r>
-                                <a:rPr lang="en-US" sz="2600" b="0" i="1" smtClean="0">
-                                  <a:solidFill>
-                                    <a:srgbClr val="002060"/>
-                                  </a:solidFill>
-                                  <a:latin typeface="Cambria Math" panose="02040503050406030204" pitchFamily="18" charset="0"/>
-                                </a:rPr>
-                                <m:t>𝑂</m:t>
-                              </m:r>
-                            </m:e>
-                            <m:sup>
-                              <m:r>
-                                <a:rPr lang="en-US" sz="2600" b="0" i="1" smtClean="0">
-                                  <a:solidFill>
-                                    <a:srgbClr val="002060"/>
-                                  </a:solidFill>
-                                  <a:latin typeface="Cambria Math" panose="02040503050406030204" pitchFamily="18" charset="0"/>
-                                </a:rPr>
-                                <m:t>h𝑖</m:t>
-                              </m:r>
-                            </m:sup>
-                          </m:sSup>
-                          <m:sSubSup>
-                            <m:sSubSupPr>
-                              <m:ctrlPr>
-                                <a:rPr lang="en-US" sz="2600" i="1" smtClean="0">
-                                  <a:solidFill>
-                                    <a:srgbClr val="002060"/>
-                                  </a:solidFill>
-                                  <a:latin typeface="Cambria Math" panose="02040503050406030204" pitchFamily="18" charset="0"/>
-                                </a:rPr>
-                              </m:ctrlPr>
-                            </m:sSubSupPr>
-                            <m:e>
-                              <m:r>
-                                <a:rPr lang="en-US" sz="2600" b="0" i="1" smtClean="0">
-                                  <a:solidFill>
-                                    <a:srgbClr val="002060"/>
-                                  </a:solidFill>
-                                  <a:latin typeface="Cambria Math" panose="02040503050406030204" pitchFamily="18" charset="0"/>
-                                </a:rPr>
-                                <m:t>𝑈</m:t>
-                              </m:r>
-                            </m:e>
-                            <m:sub>
-                              <m:r>
-                                <a:rPr lang="en-US" sz="2600" i="1" smtClean="0">
-                                  <a:solidFill>
-                                    <a:srgbClr val="002060"/>
-                                  </a:solidFill>
-                                  <a:latin typeface="Cambria Math" panose="02040503050406030204" pitchFamily="18" charset="0"/>
-                                  <a:ea typeface="Cambria Math" panose="02040503050406030204" pitchFamily="18" charset="0"/>
-                                </a:rPr>
-                                <m:t>𝜆</m:t>
-                              </m:r>
-                            </m:sub>
-                            <m:sup>
-                              <m:r>
-                                <a:rPr lang="en-US" sz="2600" i="1" smtClean="0">
-                                  <a:solidFill>
-                                    <a:srgbClr val="002060"/>
-                                  </a:solidFill>
-                                  <a:latin typeface="Cambria Math" panose="02040503050406030204" pitchFamily="18" charset="0"/>
-                                  <a:ea typeface="Cambria Math" panose="02040503050406030204" pitchFamily="18" charset="0"/>
-                                </a:rPr>
-                                <m:t>†</m:t>
-                              </m:r>
-                            </m:sup>
-                          </m:sSubSup>
-                          <m:sSub>
-                            <m:sSubPr>
-                              <m:ctrlPr>
-                                <a:rPr lang="en-US" sz="2600" i="1" smtClean="0">
-                                  <a:solidFill>
-                                    <a:srgbClr val="C00000"/>
-                                  </a:solidFill>
-                                  <a:latin typeface="Cambria Math" panose="02040503050406030204" pitchFamily="18" charset="0"/>
-                                </a:rPr>
-                              </m:ctrlPr>
-                            </m:sSubPr>
-                            <m:e>
-                              <m:r>
-                                <a:rPr lang="en-US" sz="2600" b="0" i="1" smtClean="0">
-                                  <a:solidFill>
-                                    <a:srgbClr val="C00000"/>
-                                  </a:solidFill>
-                                  <a:latin typeface="Cambria Math" panose="02040503050406030204" pitchFamily="18" charset="0"/>
-                                </a:rPr>
-                                <m:t>𝑈</m:t>
-                              </m:r>
-                            </m:e>
-                            <m:sub>
-                              <m:r>
-                                <a:rPr lang="en-US" sz="2600" i="1" smtClean="0">
-                                  <a:solidFill>
-                                    <a:srgbClr val="C00000"/>
-                                  </a:solidFill>
-                                  <a:latin typeface="Cambria Math" panose="02040503050406030204" pitchFamily="18" charset="0"/>
-                                  <a:ea typeface="Cambria Math" panose="02040503050406030204" pitchFamily="18" charset="0"/>
-                                </a:rPr>
-                                <m:t>𝜆</m:t>
-                              </m:r>
-                            </m:sub>
-                          </m:sSub>
-                        </m:e>
-                        <m:e>
-                          <m:sSubSup>
-                            <m:sSubSupPr>
-                              <m:ctrlPr>
-                                <a:rPr lang="en-US" sz="2600" i="1" smtClean="0">
-                                  <a:solidFill>
-                                    <a:srgbClr val="C00000"/>
-                                  </a:solidFill>
-                                  <a:latin typeface="Cambria Math" panose="02040503050406030204" pitchFamily="18" charset="0"/>
-                                </a:rPr>
-                              </m:ctrlPr>
-                            </m:sSubSupPr>
-                            <m:e>
-                              <m:r>
-                                <a:rPr lang="en-US" sz="2600" i="1" smtClean="0">
-                                  <a:solidFill>
-                                    <a:srgbClr val="C00000"/>
-                                  </a:solidFill>
-                                  <a:latin typeface="Cambria Math" panose="02040503050406030204" pitchFamily="18" charset="0"/>
-                                  <a:ea typeface="Cambria Math" panose="02040503050406030204" pitchFamily="18" charset="0"/>
-                                </a:rPr>
-                                <m:t>𝜓</m:t>
-                              </m:r>
-                            </m:e>
-                            <m:sub>
-                              <m:r>
-                                <a:rPr lang="en-US" sz="2600" b="0" i="1" smtClean="0">
-                                  <a:solidFill>
-                                    <a:srgbClr val="C00000"/>
-                                  </a:solidFill>
-                                  <a:latin typeface="Cambria Math" panose="02040503050406030204" pitchFamily="18" charset="0"/>
-                                </a:rPr>
-                                <m:t>𝐴</m:t>
-                              </m:r>
-                            </m:sub>
-                            <m:sup>
-                              <m:r>
-                                <a:rPr lang="en-US" sz="2600" b="0" i="1" smtClean="0">
-                                  <a:solidFill>
-                                    <a:srgbClr val="C00000"/>
-                                  </a:solidFill>
-                                  <a:latin typeface="Cambria Math" panose="02040503050406030204" pitchFamily="18" charset="0"/>
-                                </a:rPr>
-                                <m:t>h𝑖</m:t>
-                              </m:r>
-                            </m:sup>
-                          </m:sSubSup>
-                        </m:e>
-                      </m:d>
-                    </m:oMath>
-                  </m:oMathPara>
-                </a14:m>
-                <a:endParaRPr lang="en-US" sz="2600" dirty="0"/>
-              </a:p>
-              <a:p>
-                <a:pPr>
-                  <a:lnSpc>
-                    <a:spcPct val="100000"/>
-                  </a:lnSpc>
-                </a:pPr>
-                <a:endParaRPr lang="en-US" sz="1400" dirty="0"/>
-              </a:p>
-              <a:p>
-                <a:pPr>
-                  <a:lnSpc>
-                    <a:spcPct val="100000"/>
-                  </a:lnSpc>
-                </a:pPr>
-                <a:r>
-                  <a:rPr lang="en-US" sz="2600" dirty="0"/>
-                  <a:t>Apply SRG transformations to momentum distribution</a:t>
-                </a:r>
-              </a:p>
-              <a:p>
-                <a:pPr>
-                  <a:lnSpc>
-                    <a:spcPct val="100000"/>
-                  </a:lnSpc>
-                </a:pPr>
-                <a:endParaRPr lang="en-US" sz="1400" dirty="0"/>
-              </a:p>
-              <a:p>
-                <a:pPr marL="0" indent="0" algn="ctr">
-                  <a:lnSpc>
-                    <a:spcPct val="100000"/>
-                  </a:lnSpc>
-                  <a:buNone/>
-                </a:pPr>
-                <a14:m>
-                  <m:oMathPara xmlns:m="http://schemas.openxmlformats.org/officeDocument/2006/math">
-                    <m:oMathParaPr>
-                      <m:jc m:val="centerGroup"/>
-                    </m:oMathParaPr>
-                    <m:oMath xmlns:m="http://schemas.openxmlformats.org/officeDocument/2006/math">
-                      <m:sSup>
-                        <m:sSupPr>
-                          <m:ctrlPr>
-                            <a:rPr lang="en-US" sz="2600" i="1" smtClean="0">
-                              <a:solidFill>
-                                <a:schemeClr val="tx1"/>
-                              </a:solidFill>
-                              <a:latin typeface="Cambria Math" panose="02040503050406030204" pitchFamily="18" charset="0"/>
-                            </a:rPr>
-                          </m:ctrlPr>
-                        </m:sSupPr>
-                        <m:e>
-                          <m:r>
-                            <a:rPr lang="en-US" sz="2600" b="0" i="1" smtClean="0">
-                              <a:solidFill>
-                                <a:schemeClr val="tx1"/>
-                              </a:solidFill>
-                              <a:latin typeface="Cambria Math" panose="02040503050406030204" pitchFamily="18" charset="0"/>
-                            </a:rPr>
-                            <m:t>𝑛</m:t>
-                          </m:r>
-                        </m:e>
-                        <m:sup>
-                          <m:r>
-                            <a:rPr lang="en-US" sz="2600" b="0" i="1" smtClean="0">
-                              <a:solidFill>
-                                <a:schemeClr val="tx1"/>
-                              </a:solidFill>
-                              <a:latin typeface="Cambria Math" panose="02040503050406030204" pitchFamily="18" charset="0"/>
-                            </a:rPr>
-                            <m:t>h𝑖</m:t>
-                          </m:r>
-                        </m:sup>
-                      </m:sSup>
-                      <m:d>
-                        <m:dPr>
-                          <m:ctrlPr>
-                            <a:rPr lang="en-US" sz="2600" b="0" i="1" smtClean="0">
-                              <a:solidFill>
-                                <a:schemeClr val="tx1"/>
-                              </a:solidFill>
-                              <a:latin typeface="Cambria Math" panose="02040503050406030204" pitchFamily="18" charset="0"/>
-                            </a:rPr>
-                          </m:ctrlPr>
-                        </m:dPr>
-                        <m:e>
-                          <m:r>
-                            <a:rPr lang="en-US" sz="2600" b="1" i="1" smtClean="0">
-                              <a:solidFill>
-                                <a:schemeClr val="tx1"/>
-                              </a:solidFill>
-                              <a:latin typeface="Cambria Math" panose="02040503050406030204" pitchFamily="18" charset="0"/>
-                            </a:rPr>
-                            <m:t>𝒒</m:t>
-                          </m:r>
-                        </m:e>
-                      </m:d>
-                      <m:r>
-                        <a:rPr lang="en-US" sz="2600" b="0" i="1" smtClean="0">
-                          <a:solidFill>
-                            <a:schemeClr val="tx1"/>
-                          </a:solidFill>
-                          <a:latin typeface="Cambria Math" panose="02040503050406030204" pitchFamily="18" charset="0"/>
-                        </a:rPr>
-                        <m:t>=</m:t>
-                      </m:r>
-                      <m:sSubSup>
-                        <m:sSubSupPr>
-                          <m:ctrlPr>
-                            <a:rPr lang="en-US" sz="2600" b="0" i="1" smtClean="0">
-                              <a:solidFill>
-                                <a:schemeClr val="tx1"/>
-                              </a:solidFill>
-                              <a:latin typeface="Cambria Math" panose="02040503050406030204" pitchFamily="18" charset="0"/>
-                            </a:rPr>
-                          </m:ctrlPr>
-                        </m:sSubSupPr>
-                        <m:e>
-                          <m:r>
-                            <a:rPr lang="en-US" sz="2600" b="0" i="1" smtClean="0">
-                              <a:solidFill>
-                                <a:schemeClr val="tx1"/>
-                              </a:solidFill>
-                              <a:latin typeface="Cambria Math" panose="02040503050406030204" pitchFamily="18" charset="0"/>
-                            </a:rPr>
-                            <m:t>𝑎</m:t>
-                          </m:r>
-                        </m:e>
-                        <m:sub>
-                          <m:r>
-                            <a:rPr lang="en-US" sz="2600" b="1" i="1" smtClean="0">
-                              <a:solidFill>
-                                <a:schemeClr val="tx1"/>
-                              </a:solidFill>
-                              <a:latin typeface="Cambria Math" panose="02040503050406030204" pitchFamily="18" charset="0"/>
-                            </a:rPr>
-                            <m:t>𝒒</m:t>
-                          </m:r>
-                        </m:sub>
-                        <m:sup>
-                          <m:r>
-                            <a:rPr lang="en-US" sz="2600" b="0" i="1" smtClean="0">
-                              <a:solidFill>
-                                <a:schemeClr val="tx1"/>
-                              </a:solidFill>
-                              <a:latin typeface="Cambria Math" panose="02040503050406030204" pitchFamily="18" charset="0"/>
-                              <a:ea typeface="Cambria Math" panose="02040503050406030204" pitchFamily="18" charset="0"/>
-                            </a:rPr>
-                            <m:t>†</m:t>
-                          </m:r>
-                        </m:sup>
-                      </m:sSubSup>
-                      <m:sSub>
-                        <m:sSubPr>
-                          <m:ctrlPr>
-                            <a:rPr lang="en-US" sz="2600" b="0" i="1" smtClean="0">
-                              <a:solidFill>
-                                <a:schemeClr val="tx1"/>
-                              </a:solidFill>
-                              <a:latin typeface="Cambria Math" panose="02040503050406030204" pitchFamily="18" charset="0"/>
-                            </a:rPr>
-                          </m:ctrlPr>
-                        </m:sSubPr>
-                        <m:e>
-                          <m:r>
-                            <a:rPr lang="en-US" sz="2600" b="0" i="1" smtClean="0">
-                              <a:solidFill>
-                                <a:schemeClr val="tx1"/>
-                              </a:solidFill>
-                              <a:latin typeface="Cambria Math" panose="02040503050406030204" pitchFamily="18" charset="0"/>
-                            </a:rPr>
-                            <m:t>𝑎</m:t>
-                          </m:r>
-                        </m:e>
-                        <m:sub>
-                          <m:r>
-                            <a:rPr lang="en-US" sz="2600" b="1" i="1" smtClean="0">
-                              <a:solidFill>
-                                <a:schemeClr val="tx1"/>
-                              </a:solidFill>
-                              <a:latin typeface="Cambria Math" panose="02040503050406030204" pitchFamily="18" charset="0"/>
-                            </a:rPr>
-                            <m:t>𝒒</m:t>
-                          </m:r>
-                        </m:sub>
-                      </m:sSub>
-                    </m:oMath>
-                  </m:oMathPara>
-                </a14:m>
-                <a:endParaRPr lang="en-US" sz="2600" dirty="0"/>
-              </a:p>
-              <a:p>
-                <a:pPr marL="0" indent="0" algn="ctr">
-                  <a:lnSpc>
-                    <a:spcPct val="100000"/>
-                  </a:lnSpc>
-                  <a:buNone/>
-                </a:pPr>
-                <a14:m>
-                  <m:oMathPara xmlns:m="http://schemas.openxmlformats.org/officeDocument/2006/math">
-                    <m:oMathParaPr>
-                      <m:jc m:val="centerGroup"/>
-                    </m:oMathParaPr>
-                    <m:oMath xmlns:m="http://schemas.openxmlformats.org/officeDocument/2006/math">
-                      <m:sSub>
-                        <m:sSubPr>
-                          <m:ctrlPr>
-                            <a:rPr lang="en-US" sz="2600" i="1" smtClean="0">
-                              <a:latin typeface="Cambria Math" panose="02040503050406030204" pitchFamily="18" charset="0"/>
-                            </a:rPr>
-                          </m:ctrlPr>
-                        </m:sSubPr>
-                        <m:e>
-                          <m:r>
-                            <a:rPr lang="en-US" sz="2600" b="0" i="1" smtClean="0">
-                              <a:latin typeface="Cambria Math" panose="02040503050406030204" pitchFamily="18" charset="0"/>
-                            </a:rPr>
-                            <m:t>𝑈</m:t>
-                          </m:r>
-                        </m:e>
-                        <m:sub>
-                          <m:r>
-                            <a:rPr lang="en-US" sz="2600" i="1" smtClean="0">
-                              <a:latin typeface="Cambria Math" panose="02040503050406030204" pitchFamily="18" charset="0"/>
-                              <a:ea typeface="Cambria Math" panose="02040503050406030204" pitchFamily="18" charset="0"/>
-                            </a:rPr>
-                            <m:t>𝜆</m:t>
-                          </m:r>
-                        </m:sub>
-                      </m:sSub>
-                      <m:r>
-                        <a:rPr lang="en-US" sz="2600" b="0" i="1" smtClean="0">
-                          <a:latin typeface="Cambria Math" panose="02040503050406030204" pitchFamily="18" charset="0"/>
-                        </a:rPr>
-                        <m:t>=1+</m:t>
-                      </m:r>
-                      <m:f>
-                        <m:fPr>
-                          <m:ctrlPr>
-                            <a:rPr lang="en-US" sz="2600" b="0" i="1" smtClean="0">
-                              <a:latin typeface="Cambria Math" panose="02040503050406030204" pitchFamily="18" charset="0"/>
-                            </a:rPr>
-                          </m:ctrlPr>
-                        </m:fPr>
-                        <m:num>
-                          <m:r>
-                            <a:rPr lang="en-US" sz="2600" b="0" i="1" smtClean="0">
-                              <a:latin typeface="Cambria Math" panose="02040503050406030204" pitchFamily="18" charset="0"/>
-                            </a:rPr>
-                            <m:t>1</m:t>
-                          </m:r>
-                        </m:num>
-                        <m:den>
-                          <m:r>
-                            <a:rPr lang="en-US" sz="2600" b="0" i="1" smtClean="0">
-                              <a:latin typeface="Cambria Math" panose="02040503050406030204" pitchFamily="18" charset="0"/>
-                            </a:rPr>
-                            <m:t>4</m:t>
-                          </m:r>
-                        </m:den>
-                      </m:f>
-                      <m:nary>
-                        <m:naryPr>
-                          <m:chr m:val="∑"/>
-                          <m:supHide m:val="on"/>
-                          <m:ctrlPr>
-                            <a:rPr lang="en-US" sz="2600" b="0" i="1" smtClean="0">
-                              <a:latin typeface="Cambria Math" panose="02040503050406030204" pitchFamily="18" charset="0"/>
-                            </a:rPr>
-                          </m:ctrlPr>
-                        </m:naryPr>
-                        <m:sub>
-                          <m:r>
-                            <m:rPr>
-                              <m:brk m:alnAt="7"/>
-                            </m:rPr>
-                            <a:rPr lang="en-US" sz="2600" b="1" i="1" smtClean="0">
-                              <a:latin typeface="Cambria Math" panose="02040503050406030204" pitchFamily="18" charset="0"/>
-                            </a:rPr>
-                            <m:t>𝑲</m:t>
-                          </m:r>
-                          <m:r>
-                            <m:rPr>
-                              <m:brk m:alnAt="7"/>
-                            </m:rPr>
-                            <a:rPr lang="en-US" sz="2600" b="0" i="1" smtClean="0">
-                              <a:latin typeface="Cambria Math" panose="02040503050406030204" pitchFamily="18" charset="0"/>
-                            </a:rPr>
-                            <m:t>,</m:t>
-                          </m:r>
-                          <m:r>
-                            <m:rPr>
-                              <m:brk m:alnAt="7"/>
-                            </m:rPr>
-                            <a:rPr lang="en-US" sz="2600" b="1" i="1" smtClean="0">
-                              <a:latin typeface="Cambria Math" panose="02040503050406030204" pitchFamily="18" charset="0"/>
-                            </a:rPr>
-                            <m:t>𝒌</m:t>
-                          </m:r>
-                          <m:r>
-                            <m:rPr>
-                              <m:brk m:alnAt="7"/>
-                            </m:rPr>
-                            <a:rPr lang="en-US" sz="2600" b="0" i="1" smtClean="0">
-                              <a:latin typeface="Cambria Math" panose="02040503050406030204" pitchFamily="18" charset="0"/>
-                            </a:rPr>
-                            <m:t>,</m:t>
-                          </m:r>
-                          <m:r>
-                            <m:rPr>
-                              <m:brk m:alnAt="7"/>
-                            </m:rPr>
-                            <a:rPr lang="en-US" sz="2600" b="1" i="1" smtClean="0">
-                              <a:latin typeface="Cambria Math" panose="02040503050406030204" pitchFamily="18" charset="0"/>
-                            </a:rPr>
-                            <m:t>𝒌</m:t>
-                          </m:r>
-                          <m:r>
-                            <a:rPr lang="en-US" sz="2600" b="1" i="1" smtClean="0">
-                              <a:latin typeface="Cambria Math" panose="02040503050406030204" pitchFamily="18" charset="0"/>
-                            </a:rPr>
-                            <m:t>′</m:t>
-                          </m:r>
-                        </m:sub>
-                        <m:sup/>
-                        <m:e>
-                          <m:sSubSup>
-                            <m:sSubSupPr>
-                              <m:ctrlPr>
-                                <a:rPr lang="en-US" sz="2600" b="0" i="1" smtClean="0">
-                                  <a:latin typeface="Cambria Math" panose="02040503050406030204" pitchFamily="18" charset="0"/>
-                                </a:rPr>
-                              </m:ctrlPr>
-                            </m:sSubSupPr>
-                            <m:e>
-                              <m:r>
-                                <a:rPr lang="en-US" sz="2600" b="0" i="1" smtClean="0">
-                                  <a:latin typeface="Cambria Math" panose="02040503050406030204" pitchFamily="18" charset="0"/>
-                                  <a:ea typeface="Cambria Math" panose="02040503050406030204" pitchFamily="18" charset="0"/>
-                                </a:rPr>
-                                <m:t>𝛿</m:t>
-                              </m:r>
-                              <m:r>
-                                <a:rPr lang="en-US" sz="2600" b="0" i="1" smtClean="0">
-                                  <a:latin typeface="Cambria Math" panose="02040503050406030204" pitchFamily="18" charset="0"/>
-                                  <a:ea typeface="Cambria Math" panose="02040503050406030204" pitchFamily="18" charset="0"/>
-                                </a:rPr>
-                                <m:t>𝑈</m:t>
-                              </m:r>
-                            </m:e>
-                            <m:sub>
-                              <m:r>
-                                <a:rPr lang="en-US" sz="2600" b="0" i="1" smtClean="0">
-                                  <a:latin typeface="Cambria Math" panose="02040503050406030204" pitchFamily="18" charset="0"/>
-                                  <a:ea typeface="Cambria Math" panose="02040503050406030204" pitchFamily="18" charset="0"/>
-                                </a:rPr>
-                                <m:t>𝜆</m:t>
-                              </m:r>
-                            </m:sub>
-                            <m:sup>
-                              <m:d>
-                                <m:dPr>
-                                  <m:ctrlPr>
-                                    <a:rPr lang="en-US" sz="2600" b="0" i="1" smtClean="0">
-                                      <a:latin typeface="Cambria Math" panose="02040503050406030204" pitchFamily="18" charset="0"/>
-                                    </a:rPr>
-                                  </m:ctrlPr>
-                                </m:dPr>
-                                <m:e>
-                                  <m:r>
-                                    <a:rPr lang="en-US" sz="2600" b="0" i="1" smtClean="0">
-                                      <a:latin typeface="Cambria Math" panose="02040503050406030204" pitchFamily="18" charset="0"/>
-                                    </a:rPr>
-                                    <m:t>2</m:t>
-                                  </m:r>
-                                </m:e>
-                              </m:d>
-                            </m:sup>
-                          </m:sSubSup>
-                          <m:d>
-                            <m:dPr>
-                              <m:ctrlPr>
-                                <a:rPr lang="en-US" sz="2600" b="0" i="1" smtClean="0">
-                                  <a:latin typeface="Cambria Math" panose="02040503050406030204" pitchFamily="18" charset="0"/>
-                                </a:rPr>
-                              </m:ctrlPr>
-                            </m:dPr>
-                            <m:e>
-                              <m:r>
-                                <a:rPr lang="en-US" sz="2600" b="1" i="1" smtClean="0">
-                                  <a:latin typeface="Cambria Math" panose="02040503050406030204" pitchFamily="18" charset="0"/>
-                                </a:rPr>
-                                <m:t>𝒌</m:t>
-                              </m:r>
-                              <m:r>
-                                <a:rPr lang="en-US" sz="2600" b="0" i="1" smtClean="0">
-                                  <a:latin typeface="Cambria Math" panose="02040503050406030204" pitchFamily="18" charset="0"/>
-                                </a:rPr>
-                                <m:t>,</m:t>
-                              </m:r>
-                              <m:sSup>
-                                <m:sSupPr>
-                                  <m:ctrlPr>
-                                    <a:rPr lang="en-US" sz="2600" b="1" i="1" smtClean="0">
-                                      <a:latin typeface="Cambria Math" panose="02040503050406030204" pitchFamily="18" charset="0"/>
-                                    </a:rPr>
-                                  </m:ctrlPr>
-                                </m:sSupPr>
-                                <m:e>
-                                  <m:r>
-                                    <a:rPr lang="en-US" sz="2600" b="1" i="1" smtClean="0">
-                                      <a:latin typeface="Cambria Math" panose="02040503050406030204" pitchFamily="18" charset="0"/>
-                                    </a:rPr>
-                                    <m:t>𝒌</m:t>
-                                  </m:r>
-                                </m:e>
-                                <m:sup>
-                                  <m:r>
-                                    <a:rPr lang="en-US" sz="2600" b="1" i="1" smtClean="0">
-                                      <a:latin typeface="Cambria Math" panose="02040503050406030204" pitchFamily="18" charset="0"/>
-                                    </a:rPr>
-                                    <m:t>′</m:t>
-                                  </m:r>
-                                </m:sup>
-                              </m:sSup>
-                            </m:e>
-                          </m:d>
-                          <m:sSubSup>
-                            <m:sSubSupPr>
-                              <m:ctrlPr>
-                                <a:rPr lang="en-US" sz="2600" b="0" i="1" smtClean="0">
-                                  <a:latin typeface="Cambria Math" panose="02040503050406030204" pitchFamily="18" charset="0"/>
-                                </a:rPr>
-                              </m:ctrlPr>
-                            </m:sSubSupPr>
-                            <m:e>
-                              <m:r>
-                                <a:rPr lang="en-US" sz="2600" b="0" i="1" smtClean="0">
-                                  <a:latin typeface="Cambria Math" panose="02040503050406030204" pitchFamily="18" charset="0"/>
-                                </a:rPr>
-                                <m:t>𝑎</m:t>
-                              </m:r>
-                            </m:e>
-                            <m:sub>
-                              <m:f>
-                                <m:fPr>
-                                  <m:ctrlPr>
-                                    <a:rPr lang="en-US" sz="2600" b="0" i="1" smtClean="0">
-                                      <a:latin typeface="Cambria Math" panose="02040503050406030204" pitchFamily="18" charset="0"/>
-                                    </a:rPr>
-                                  </m:ctrlPr>
-                                </m:fPr>
-                                <m:num>
-                                  <m:r>
-                                    <a:rPr lang="en-US" sz="2600" b="1" i="1" smtClean="0">
-                                      <a:latin typeface="Cambria Math" panose="02040503050406030204" pitchFamily="18" charset="0"/>
-                                    </a:rPr>
-                                    <m:t>𝑲</m:t>
-                                  </m:r>
-                                </m:num>
-                                <m:den>
-                                  <m:r>
-                                    <a:rPr lang="en-US" sz="2600" b="0" i="1" smtClean="0">
-                                      <a:latin typeface="Cambria Math" panose="02040503050406030204" pitchFamily="18" charset="0"/>
-                                    </a:rPr>
-                                    <m:t>2</m:t>
-                                  </m:r>
-                                </m:den>
-                              </m:f>
-                              <m:r>
-                                <a:rPr lang="en-US" sz="2600" b="0" i="1" smtClean="0">
-                                  <a:latin typeface="Cambria Math" panose="02040503050406030204" pitchFamily="18" charset="0"/>
-                                </a:rPr>
-                                <m:t>+</m:t>
-                              </m:r>
-                              <m:r>
-                                <a:rPr lang="en-US" sz="2600" b="1" i="1" smtClean="0">
-                                  <a:latin typeface="Cambria Math" panose="02040503050406030204" pitchFamily="18" charset="0"/>
-                                </a:rPr>
-                                <m:t>𝒌</m:t>
-                              </m:r>
-                            </m:sub>
-                            <m:sup>
-                              <m:r>
-                                <a:rPr lang="en-US" sz="2600" b="0" i="1" smtClean="0">
-                                  <a:latin typeface="Cambria Math" panose="02040503050406030204" pitchFamily="18" charset="0"/>
-                                  <a:ea typeface="Cambria Math" panose="02040503050406030204" pitchFamily="18" charset="0"/>
-                                </a:rPr>
-                                <m:t>†</m:t>
-                              </m:r>
-                            </m:sup>
-                          </m:sSubSup>
-                          <m:sSubSup>
-                            <m:sSubSupPr>
-                              <m:ctrlPr>
-                                <a:rPr lang="en-US" sz="2600" b="0" i="1" smtClean="0">
-                                  <a:latin typeface="Cambria Math" panose="02040503050406030204" pitchFamily="18" charset="0"/>
-                                </a:rPr>
-                              </m:ctrlPr>
-                            </m:sSubSupPr>
-                            <m:e>
-                              <m:r>
-                                <a:rPr lang="en-US" sz="2600" b="0" i="1" smtClean="0">
-                                  <a:latin typeface="Cambria Math" panose="02040503050406030204" pitchFamily="18" charset="0"/>
-                                </a:rPr>
-                                <m:t>𝑎</m:t>
-                              </m:r>
-                            </m:e>
-                            <m:sub>
-                              <m:f>
-                                <m:fPr>
-                                  <m:ctrlPr>
-                                    <a:rPr lang="en-US" sz="2600" i="1">
-                                      <a:latin typeface="Cambria Math" panose="02040503050406030204" pitchFamily="18" charset="0"/>
-                                    </a:rPr>
-                                  </m:ctrlPr>
-                                </m:fPr>
-                                <m:num>
-                                  <m:r>
-                                    <a:rPr lang="en-US" sz="2600" b="1" i="1">
-                                      <a:latin typeface="Cambria Math" panose="02040503050406030204" pitchFamily="18" charset="0"/>
-                                    </a:rPr>
-                                    <m:t>𝑲</m:t>
-                                  </m:r>
-                                </m:num>
-                                <m:den>
-                                  <m:r>
-                                    <a:rPr lang="en-US" sz="2600" i="1">
-                                      <a:latin typeface="Cambria Math" panose="02040503050406030204" pitchFamily="18" charset="0"/>
-                                    </a:rPr>
-                                    <m:t>2</m:t>
-                                  </m:r>
-                                </m:den>
-                              </m:f>
-                              <m:r>
-                                <a:rPr lang="en-US" sz="2600" b="1" i="1" smtClean="0">
-                                  <a:latin typeface="Cambria Math" panose="02040503050406030204" pitchFamily="18" charset="0"/>
-                                </a:rPr>
-                                <m:t>−</m:t>
-                              </m:r>
-                              <m:r>
-                                <a:rPr lang="en-US" sz="2600" b="1" i="1">
-                                  <a:latin typeface="Cambria Math" panose="02040503050406030204" pitchFamily="18" charset="0"/>
-                                </a:rPr>
-                                <m:t>𝒌</m:t>
-                              </m:r>
-                            </m:sub>
-                            <m:sup>
-                              <m:r>
-                                <a:rPr lang="en-US" sz="2600" b="0" i="1" smtClean="0">
-                                  <a:latin typeface="Cambria Math" panose="02040503050406030204" pitchFamily="18" charset="0"/>
-                                  <a:ea typeface="Cambria Math" panose="02040503050406030204" pitchFamily="18" charset="0"/>
-                                </a:rPr>
-                                <m:t>†</m:t>
-                              </m:r>
-                            </m:sup>
-                          </m:sSubSup>
-                          <m:sSub>
-                            <m:sSubPr>
-                              <m:ctrlPr>
-                                <a:rPr lang="en-US" sz="2600" b="0" i="1" smtClean="0">
-                                  <a:latin typeface="Cambria Math" panose="02040503050406030204" pitchFamily="18" charset="0"/>
-                                </a:rPr>
-                              </m:ctrlPr>
-                            </m:sSubPr>
-                            <m:e>
-                              <m:r>
-                                <a:rPr lang="en-US" sz="2600" b="0" i="1" smtClean="0">
-                                  <a:latin typeface="Cambria Math" panose="02040503050406030204" pitchFamily="18" charset="0"/>
-                                </a:rPr>
-                                <m:t>𝑎</m:t>
-                              </m:r>
-                            </m:e>
-                            <m:sub>
-                              <m:f>
-                                <m:fPr>
-                                  <m:ctrlPr>
-                                    <a:rPr lang="en-US" sz="2600" i="1">
-                                      <a:latin typeface="Cambria Math" panose="02040503050406030204" pitchFamily="18" charset="0"/>
-                                    </a:rPr>
-                                  </m:ctrlPr>
-                                </m:fPr>
-                                <m:num>
-                                  <m:r>
-                                    <a:rPr lang="en-US" sz="2600" b="1" i="1">
-                                      <a:latin typeface="Cambria Math" panose="02040503050406030204" pitchFamily="18" charset="0"/>
-                                    </a:rPr>
-                                    <m:t>𝑲</m:t>
-                                  </m:r>
-                                </m:num>
-                                <m:den>
-                                  <m:r>
-                                    <a:rPr lang="en-US" sz="2600" i="1">
-                                      <a:latin typeface="Cambria Math" panose="02040503050406030204" pitchFamily="18" charset="0"/>
-                                    </a:rPr>
-                                    <m:t>2</m:t>
-                                  </m:r>
-                                </m:den>
-                              </m:f>
-                              <m:r>
-                                <a:rPr lang="en-US" sz="2600" b="1" i="1" smtClean="0">
-                                  <a:latin typeface="Cambria Math" panose="02040503050406030204" pitchFamily="18" charset="0"/>
-                                </a:rPr>
-                                <m:t>−</m:t>
-                              </m:r>
-                              <m:sSup>
-                                <m:sSupPr>
-                                  <m:ctrlPr>
-                                    <a:rPr lang="en-US" sz="2600" b="1" i="1" smtClean="0">
-                                      <a:latin typeface="Cambria Math" panose="02040503050406030204" pitchFamily="18" charset="0"/>
-                                    </a:rPr>
-                                  </m:ctrlPr>
-                                </m:sSupPr>
-                                <m:e>
-                                  <m:r>
-                                    <a:rPr lang="en-US" sz="2600" b="1" i="1">
-                                      <a:latin typeface="Cambria Math" panose="02040503050406030204" pitchFamily="18" charset="0"/>
-                                    </a:rPr>
-                                    <m:t>𝒌</m:t>
-                                  </m:r>
-                                </m:e>
-                                <m:sup>
-                                  <m:r>
-                                    <a:rPr lang="en-US" sz="2600" b="1" i="1" smtClean="0">
-                                      <a:latin typeface="Cambria Math" panose="02040503050406030204" pitchFamily="18" charset="0"/>
-                                    </a:rPr>
-                                    <m:t>′</m:t>
-                                  </m:r>
-                                </m:sup>
-                              </m:sSup>
-                            </m:sub>
-                          </m:sSub>
-                          <m:sSub>
-                            <m:sSubPr>
-                              <m:ctrlPr>
-                                <a:rPr lang="en-US" sz="2600" b="0" i="1" smtClean="0">
-                                  <a:latin typeface="Cambria Math" panose="02040503050406030204" pitchFamily="18" charset="0"/>
-                                </a:rPr>
-                              </m:ctrlPr>
-                            </m:sSubPr>
-                            <m:e>
-                              <m:r>
-                                <a:rPr lang="en-US" sz="2600" b="0" i="1" smtClean="0">
-                                  <a:latin typeface="Cambria Math" panose="02040503050406030204" pitchFamily="18" charset="0"/>
-                                </a:rPr>
-                                <m:t>𝑎</m:t>
-                              </m:r>
-                            </m:e>
-                            <m:sub>
-                              <m:f>
-                                <m:fPr>
-                                  <m:ctrlPr>
-                                    <a:rPr lang="en-US" sz="2600" i="1">
-                                      <a:latin typeface="Cambria Math" panose="02040503050406030204" pitchFamily="18" charset="0"/>
-                                    </a:rPr>
-                                  </m:ctrlPr>
-                                </m:fPr>
-                                <m:num>
-                                  <m:r>
-                                    <a:rPr lang="en-US" sz="2600" b="1" i="1">
-                                      <a:latin typeface="Cambria Math" panose="02040503050406030204" pitchFamily="18" charset="0"/>
-                                    </a:rPr>
-                                    <m:t>𝑲</m:t>
-                                  </m:r>
-                                </m:num>
-                                <m:den>
-                                  <m:r>
-                                    <a:rPr lang="en-US" sz="2600" i="1">
-                                      <a:latin typeface="Cambria Math" panose="02040503050406030204" pitchFamily="18" charset="0"/>
-                                    </a:rPr>
-                                    <m:t>2</m:t>
-                                  </m:r>
-                                </m:den>
-                              </m:f>
-                              <m:r>
-                                <a:rPr lang="en-US" sz="2600" i="1">
-                                  <a:latin typeface="Cambria Math" panose="02040503050406030204" pitchFamily="18" charset="0"/>
-                                </a:rPr>
-                                <m:t>+</m:t>
-                              </m:r>
-                              <m:sSup>
-                                <m:sSupPr>
-                                  <m:ctrlPr>
-                                    <a:rPr lang="en-US" sz="2600" b="1" i="1" smtClean="0">
-                                      <a:latin typeface="Cambria Math" panose="02040503050406030204" pitchFamily="18" charset="0"/>
-                                    </a:rPr>
-                                  </m:ctrlPr>
-                                </m:sSupPr>
-                                <m:e>
-                                  <m:r>
-                                    <a:rPr lang="en-US" sz="2600" b="1" i="1">
-                                      <a:latin typeface="Cambria Math" panose="02040503050406030204" pitchFamily="18" charset="0"/>
-                                    </a:rPr>
-                                    <m:t>𝒌</m:t>
-                                  </m:r>
-                                </m:e>
-                                <m:sup>
-                                  <m:r>
-                                    <a:rPr lang="en-US" sz="2600" b="1" i="1" smtClean="0">
-                                      <a:latin typeface="Cambria Math" panose="02040503050406030204" pitchFamily="18" charset="0"/>
-                                    </a:rPr>
-                                    <m:t>′</m:t>
-                                  </m:r>
-                                </m:sup>
-                              </m:sSup>
-                            </m:sub>
-                          </m:sSub>
-                          <m:r>
-                            <a:rPr lang="en-US" sz="2600" b="0" i="1" smtClean="0">
-                              <a:latin typeface="Cambria Math" panose="02040503050406030204" pitchFamily="18" charset="0"/>
-                            </a:rPr>
-                            <m:t>+</m:t>
-                          </m:r>
-                          <m:r>
-                            <a:rPr lang="en-US" sz="2600" b="0" i="1" smtClean="0">
-                              <a:latin typeface="Cambria Math" panose="02040503050406030204" pitchFamily="18" charset="0"/>
-                              <a:ea typeface="Cambria Math" panose="02040503050406030204" pitchFamily="18" charset="0"/>
-                            </a:rPr>
-                            <m:t>⋯</m:t>
-                          </m:r>
-                        </m:e>
-                      </m:nary>
-                    </m:oMath>
-                  </m:oMathPara>
-                </a14:m>
-                <a:endParaRPr lang="en-US" sz="2600" dirty="0"/>
-              </a:p>
-              <a:p>
-                <a:pPr marL="0" indent="0" algn="ctr">
-                  <a:lnSpc>
-                    <a:spcPct val="100000"/>
-                  </a:lnSpc>
-                  <a:buNone/>
-                </a:pPr>
-                <a:endParaRPr lang="en-US" sz="2600" dirty="0"/>
-              </a:p>
-            </p:txBody>
-          </p:sp>
-        </mc:Choice>
-        <mc:Fallback>
-          <p:sp>
-            <p:nvSpPr>
-              <p:cNvPr id="3" name="Content Placeholder 2">
-                <a:extLst>
-                  <a:ext uri="{FF2B5EF4-FFF2-40B4-BE49-F238E27FC236}">
-                    <a16:creationId xmlns:a16="http://schemas.microsoft.com/office/drawing/2014/main" id="{1A8FA9B3-1B32-894B-93C2-F90FB63CBDAA}"/>
-                  </a:ext>
-                </a:extLst>
-              </p:cNvPr>
-              <p:cNvSpPr>
-                <a:spLocks noGrp="1" noRot="1" noChangeAspect="1" noMove="1" noResize="1" noEditPoints="1" noAdjustHandles="1" noChangeArrowheads="1" noChangeShapeType="1" noTextEdit="1"/>
-              </p:cNvSpPr>
-              <p:nvPr>
-                <p:ph idx="1"/>
-              </p:nvPr>
-            </p:nvSpPr>
-            <p:spPr>
-              <a:blipFill>
-                <a:blip r:embed="rId3"/>
-                <a:stretch>
-                  <a:fillRect l="-928" t="-1261"/>
-                </a:stretch>
-              </a:blipFill>
-            </p:spPr>
-            <p:txBody>
-              <a:bodyPr/>
-              <a:lstStyle/>
-              <a:p>
-                <a:r>
-                  <a:rPr lang="en-US">
-                    <a:noFill/>
-                  </a:rPr>
-                  <a:t> </a:t>
-                </a:r>
-              </a:p>
-            </p:txBody>
-          </p:sp>
-        </mc:Fallback>
-      </mc:AlternateContent>
+      <p:sp>
+        <p:nvSpPr>
+          <p:cNvPr id="3" name="Content Placeholder 2">
+            <a:extLst>
+              <a:ext uri="{FF2B5EF4-FFF2-40B4-BE49-F238E27FC236}">
+                <a16:creationId xmlns:a16="http://schemas.microsoft.com/office/drawing/2014/main" id="{1A8FA9B3-1B32-894B-93C2-F90FB63CBDAA}"/>
+              </a:ext>
+            </a:extLst>
+          </p:cNvPr>
+          <p:cNvSpPr>
+            <a:spLocks noGrp="1"/>
+          </p:cNvSpPr>
+          <p:nvPr>
+            <p:ph idx="1"/>
+          </p:nvPr>
+        </p:nvSpPr>
+        <p:spPr/>
+        <p:txBody>
+          <a:bodyPr>
+            <a:noAutofit/>
+          </a:bodyPr>
+          <a:lstStyle/>
+          <a:p>
+            <a:pPr>
+              <a:lnSpc>
+                <a:spcPct val="100000"/>
+              </a:lnSpc>
+            </a:pPr>
+            <a:r>
+              <a:rPr lang="en-US" sz="2600" dirty="0"/>
+              <a:t>Soft wave functions at low RG resolution</a:t>
+            </a:r>
+          </a:p>
+          <a:p>
+            <a:pPr lvl="1">
+              <a:lnSpc>
+                <a:spcPct val="100000"/>
+              </a:lnSpc>
+            </a:pPr>
+            <a:r>
+              <a:rPr lang="en-US" sz="2200" dirty="0">
+                <a:solidFill>
+                  <a:srgbClr val="C00000"/>
+                </a:solidFill>
+              </a:rPr>
+              <a:t>Where does the SRC physics go?</a:t>
+            </a:r>
+          </a:p>
+          <a:p>
+            <a:pPr>
+              <a:lnSpc>
+                <a:spcPct val="100000"/>
+              </a:lnSpc>
+            </a:pPr>
+            <a:endParaRPr lang="en-US" sz="2600" dirty="0"/>
+          </a:p>
+          <a:p>
+            <a:pPr marL="0" indent="0" algn="ctr">
+              <a:lnSpc>
+                <a:spcPct val="100000"/>
+              </a:lnSpc>
+              <a:buNone/>
+            </a:pPr>
+            <a:endParaRPr lang="en-US" sz="2600" dirty="0"/>
+          </a:p>
+        </p:txBody>
+      </p:sp>
       <p:sp>
         <p:nvSpPr>
           <p:cNvPr id="4" name="Slide Number Placeholder 3">

--- a/Presentations/APS_April2021/tropiano_aps_april2021.pptx
+++ b/Presentations/APS_April2021/tropiano_aps_april2021.pptx
@@ -9885,8 +9885,9 @@
                                   <a:srgbClr val="C00000"/>
                                 </a:solidFill>
                                 <a:latin typeface="Cambria Math" panose="02040503050406030204" pitchFamily="18" charset="0"/>
+                                <a:ea typeface="Cambria Math" panose="02040503050406030204" pitchFamily="18" charset="0"/>
                               </a:rPr>
-                              <m:t>𝐴</m:t>
+                              <m:t>𝑓</m:t>
                             </m:r>
                           </m:sub>
                           <m:sup>
@@ -10133,8 +10134,9 @@
                                   <a:srgbClr val="C00000"/>
                                 </a:solidFill>
                                 <a:latin typeface="Cambria Math" panose="02040503050406030204" pitchFamily="18" charset="0"/>
+                                <a:ea typeface="Cambria Math" panose="02040503050406030204" pitchFamily="18" charset="0"/>
                               </a:rPr>
-                              <m:t>𝐴</m:t>
+                              <m:t>𝑖</m:t>
                             </m:r>
                           </m:sub>
                           <m:sup>
@@ -23072,14 +23074,14 @@
                               </m:sub>
                               <m:sup>
                                 <m:r>
-                                  <a:rPr lang="en-US" i="1">
+                                  <a:rPr lang="en-US" b="0" i="1" smtClean="0">
                                     <a:solidFill>
                                       <a:srgbClr val="002060"/>
                                     </a:solidFill>
                                     <a:latin typeface="Cambria Math" panose="02040503050406030204" pitchFamily="18" charset="0"/>
                                     <a:ea typeface="Cambria Math" panose="02040503050406030204" pitchFamily="18" charset="0"/>
                                   </a:rPr>
-                                  <m:t>𝑙𝑜</m:t>
+                                  <m:t>h𝑖</m:t>
                                 </m:r>
                               </m:sup>
                             </m:sSubSup>
@@ -23426,7 +23428,7 @@
         </p:nvSpPr>
         <p:spPr>
           <a:xfrm>
-            <a:off x="883920" y="1634297"/>
+            <a:off x="883920" y="1563276"/>
             <a:ext cx="10424160" cy="4351338"/>
           </a:xfrm>
         </p:spPr>
@@ -25297,13 +25299,85 @@
         </p:nvSpPr>
         <p:spPr>
           <a:xfrm>
-            <a:off x="8744505" y="2302299"/>
-            <a:ext cx="3415365" cy="3786943"/>
+            <a:off x="8700115" y="2302299"/>
+            <a:ext cx="3249229" cy="3786943"/>
           </a:xfrm>
         </p:spPr>
         <p:txBody>
-          <a:bodyPr/>
+          <a:bodyPr>
+            <a:normAutofit lnSpcReduction="10000"/>
+          </a:bodyPr>
           <a:lstStyle/>
+          <a:p>
+            <a:pPr marL="228600" marR="0" lvl="0" indent="-228600" algn="l" defTabSz="914400" rtl="0" eaLnBrk="1" fontAlgn="auto" latinLnBrk="0" hangingPunct="1">
+              <a:lnSpc>
+                <a:spcPct val="100000"/>
+              </a:lnSpc>
+              <a:spcBef>
+                <a:spcPts val="1000"/>
+              </a:spcBef>
+              <a:spcAft>
+                <a:spcPts val="0"/>
+              </a:spcAft>
+              <a:buClrTx/>
+              <a:buSzTx/>
+              <a:buFont typeface="Arial" panose="020B0604020202020204" pitchFamily="34" charset="0"/>
+              <a:buChar char="•"/>
+              <a:tabLst/>
+              <a:defRPr/>
+            </a:pPr>
+            <a:r>
+              <a:rPr kumimoji="0" lang="en-US" sz="2200" b="0" i="0" u="none" strike="noStrike" kern="1200" cap="none" spc="0" normalizeH="0" baseline="0" noProof="0" dirty="0">
+                <a:ln>
+                  <a:noFill/>
+                </a:ln>
+                <a:solidFill>
+                  <a:prstClr val="black"/>
+                </a:solidFill>
+                <a:effectLst/>
+                <a:uLnTx/>
+                <a:uFillTx/>
+                <a:latin typeface="Arial" panose="020B0604020202020204" pitchFamily="34" charset="0"/>
+                <a:ea typeface="+mn-ea"/>
+                <a:cs typeface="+mn-cs"/>
+              </a:rPr>
+              <a:t>At </a:t>
+            </a:r>
+            <a:r>
+              <a:rPr kumimoji="0" lang="en-US" sz="2200" b="0" i="0" u="none" strike="noStrike" kern="1200" cap="none" spc="0" normalizeH="0" baseline="0" noProof="0" dirty="0">
+                <a:ln>
+                  <a:noFill/>
+                </a:ln>
+                <a:solidFill>
+                  <a:srgbClr val="C00000"/>
+                </a:solidFill>
+                <a:effectLst/>
+                <a:uLnTx/>
+                <a:uFillTx/>
+                <a:latin typeface="Arial" panose="020B0604020202020204" pitchFamily="34" charset="0"/>
+                <a:ea typeface="+mn-ea"/>
+                <a:cs typeface="+mn-cs"/>
+              </a:rPr>
+              <a:t>high RG resolution</a:t>
+            </a:r>
+            <a:r>
+              <a:rPr kumimoji="0" lang="en-US" sz="2200" b="0" i="0" u="none" strike="noStrike" kern="1200" cap="none" spc="0" normalizeH="0" baseline="0" noProof="0" dirty="0">
+                <a:ln>
+                  <a:noFill/>
+                </a:ln>
+                <a:solidFill>
+                  <a:prstClr val="black"/>
+                </a:solidFill>
+                <a:effectLst/>
+                <a:uLnTx/>
+                <a:uFillTx/>
+                <a:latin typeface="Arial" panose="020B0604020202020204" pitchFamily="34" charset="0"/>
+                <a:ea typeface="+mn-ea"/>
+                <a:cs typeface="+mn-cs"/>
+              </a:rPr>
+              <a:t>, the tensor force and the repulsive core of the NN interaction kicks nucleon pairs into SRCs</a:t>
+            </a:r>
+          </a:p>
           <a:p>
             <a:pPr>
               <a:lnSpc>
@@ -25311,9 +25385,27 @@
               </a:lnSpc>
             </a:pPr>
             <a:r>
-              <a:rPr lang="en-US" sz="2400" dirty="0"/>
-              <a:t>pp pairs are spin-singlets whereas the tensor force requires spin-triplets</a:t>
-            </a:r>
+              <a:rPr kumimoji="0" lang="en-US" sz="2200" b="0" i="0" u="none" strike="noStrike" kern="1200" cap="none" spc="0" normalizeH="0" baseline="0" noProof="0" dirty="0">
+                <a:ln>
+                  <a:noFill/>
+                </a:ln>
+                <a:solidFill>
+                  <a:prstClr val="black"/>
+                </a:solidFill>
+                <a:effectLst/>
+                <a:uLnTx/>
+                <a:uFillTx/>
+                <a:latin typeface="Arial" panose="020B0604020202020204" pitchFamily="34" charset="0"/>
+                <a:ea typeface="+mn-ea"/>
+                <a:cs typeface="+mn-cs"/>
+              </a:rPr>
+              <a:t>np dominates because the tensor force requires spin triplet pairs (pp are spin singlets)</a:t>
+            </a:r>
+            <a:endParaRPr lang="en-US" sz="2400" dirty="0">
+              <a:solidFill>
+                <a:srgbClr val="C00000"/>
+              </a:solidFill>
+            </a:endParaRPr>
           </a:p>
           <a:p>
             <a:pPr>
@@ -25321,22 +25413,11 @@
                 <a:spcPct val="100000"/>
               </a:lnSpc>
             </a:pPr>
-            <a:r>
-              <a:rPr lang="en-US" sz="2400" dirty="0" err="1">
-                <a:solidFill>
-                  <a:srgbClr val="C00000"/>
-                </a:solidFill>
-              </a:rPr>
-              <a:t>pn</a:t>
-            </a:r>
-            <a:r>
-              <a:rPr lang="en-US" sz="2400" dirty="0">
-                <a:solidFill>
-                  <a:srgbClr val="C00000"/>
-                </a:solidFill>
-              </a:rPr>
-              <a:t> pairs dominate in region of tensor force</a:t>
-            </a:r>
+            <a:endParaRPr lang="en-US" sz="2400" dirty="0">
+              <a:solidFill>
+                <a:srgbClr val="C00000"/>
+              </a:solidFill>
+            </a:endParaRPr>
           </a:p>
           <a:p>
             <a:pPr>
@@ -26202,79 +26283,6 @@
           </a:fontRef>
         </p:style>
       </p:cxnSp>
-      <p:sp>
-        <p:nvSpPr>
-          <p:cNvPr id="19" name="Content Placeholder 2">
-            <a:extLst>
-              <a:ext uri="{FF2B5EF4-FFF2-40B4-BE49-F238E27FC236}">
-                <a16:creationId xmlns:a16="http://schemas.microsoft.com/office/drawing/2014/main" id="{A5458AE5-671B-4475-822B-560A4AD76C89}"/>
-              </a:ext>
-            </a:extLst>
-          </p:cNvPr>
-          <p:cNvSpPr>
-            <a:spLocks noGrp="1"/>
-          </p:cNvSpPr>
-          <p:nvPr>
-            <p:ph idx="1"/>
-          </p:nvPr>
-        </p:nvSpPr>
-        <p:spPr>
-          <a:xfrm>
-            <a:off x="8744505" y="2302299"/>
-            <a:ext cx="3415365" cy="3786943"/>
-          </a:xfrm>
-        </p:spPr>
-        <p:txBody>
-          <a:bodyPr/>
-          <a:lstStyle/>
-          <a:p>
-            <a:pPr>
-              <a:lnSpc>
-                <a:spcPct val="100000"/>
-              </a:lnSpc>
-            </a:pPr>
-            <a:r>
-              <a:rPr lang="en-US" sz="2400" dirty="0"/>
-              <a:t>pp pairs are spin-singlets whereas the tensor force requires spin-triplets</a:t>
-            </a:r>
-          </a:p>
-          <a:p>
-            <a:pPr>
-              <a:lnSpc>
-                <a:spcPct val="100000"/>
-              </a:lnSpc>
-            </a:pPr>
-            <a:r>
-              <a:rPr lang="en-US" sz="2400" dirty="0" err="1">
-                <a:solidFill>
-                  <a:srgbClr val="C00000"/>
-                </a:solidFill>
-              </a:rPr>
-              <a:t>pn</a:t>
-            </a:r>
-            <a:r>
-              <a:rPr lang="en-US" sz="2400" dirty="0">
-                <a:solidFill>
-                  <a:srgbClr val="C00000"/>
-                </a:solidFill>
-              </a:rPr>
-              <a:t> pairs dominate in region of tensor force</a:t>
-            </a:r>
-          </a:p>
-          <a:p>
-            <a:pPr>
-              <a:lnSpc>
-                <a:spcPct val="100000"/>
-              </a:lnSpc>
-            </a:pPr>
-            <a:endParaRPr lang="en-US" dirty="0">
-              <a:solidFill>
-                <a:srgbClr val="C00000"/>
-              </a:solidFill>
-            </a:endParaRPr>
-          </a:p>
-        </p:txBody>
-      </p:sp>
       <p:pic>
         <p:nvPicPr>
           <p:cNvPr id="9" name="Picture 8" descr="Diagram&#10;&#10;Description automatically generated">
@@ -26536,6 +26544,388 @@
           </a:fontRef>
         </p:style>
       </p:cxnSp>
+      <mc:AlternateContent xmlns:mc="http://schemas.openxmlformats.org/markup-compatibility/2006">
+        <mc:Choice xmlns:a14="http://schemas.microsoft.com/office/drawing/2010/main" Requires="a14">
+          <p:sp>
+            <p:nvSpPr>
+              <p:cNvPr id="28" name="Content Placeholder 2">
+                <a:extLst>
+                  <a:ext uri="{FF2B5EF4-FFF2-40B4-BE49-F238E27FC236}">
+                    <a16:creationId xmlns:a16="http://schemas.microsoft.com/office/drawing/2014/main" id="{B663AEBB-EB90-4D5D-B759-BEC015C34B9A}"/>
+                  </a:ext>
+                </a:extLst>
+              </p:cNvPr>
+              <p:cNvSpPr>
+                <a:spLocks noGrp="1"/>
+              </p:cNvSpPr>
+              <p:nvPr>
+                <p:ph idx="1"/>
+              </p:nvPr>
+            </p:nvSpPr>
+            <p:spPr>
+              <a:xfrm>
+                <a:off x="8700115" y="2302299"/>
+                <a:ext cx="3249229" cy="3786943"/>
+              </a:xfrm>
+            </p:spPr>
+            <p:txBody>
+              <a:bodyPr>
+                <a:normAutofit/>
+              </a:bodyPr>
+              <a:lstStyle/>
+              <a:p>
+                <a:pPr marL="228600" marR="0" lvl="0" indent="-228600" algn="l" defTabSz="914400" rtl="0" eaLnBrk="1" fontAlgn="auto" latinLnBrk="0" hangingPunct="1">
+                  <a:lnSpc>
+                    <a:spcPct val="100000"/>
+                  </a:lnSpc>
+                  <a:spcBef>
+                    <a:spcPts val="1000"/>
+                  </a:spcBef>
+                  <a:spcAft>
+                    <a:spcPts val="0"/>
+                  </a:spcAft>
+                  <a:buClrTx/>
+                  <a:buSzTx/>
+                  <a:buFont typeface="Arial" panose="020B0604020202020204" pitchFamily="34" charset="0"/>
+                  <a:buChar char="•"/>
+                  <a:tabLst/>
+                  <a:defRPr/>
+                </a:pPr>
+                <a:r>
+                  <a:rPr kumimoji="0" lang="en-US" sz="2200" b="0" i="0" u="none" strike="noStrike" kern="1200" cap="none" spc="0" normalizeH="0" baseline="0" noProof="0" dirty="0">
+                    <a:ln>
+                      <a:noFill/>
+                    </a:ln>
+                    <a:solidFill>
+                      <a:prstClr val="black"/>
+                    </a:solidFill>
+                    <a:effectLst/>
+                    <a:uLnTx/>
+                    <a:uFillTx/>
+                    <a:latin typeface="Arial" panose="020B0604020202020204" pitchFamily="34" charset="0"/>
+                    <a:ea typeface="+mn-ea"/>
+                    <a:cs typeface="+mn-cs"/>
+                  </a:rPr>
+                  <a:t>At </a:t>
+                </a:r>
+                <a:r>
+                  <a:rPr kumimoji="0" lang="en-US" sz="2200" b="0" i="0" u="none" strike="noStrike" kern="1200" cap="none" spc="0" normalizeH="0" baseline="0" noProof="0" dirty="0">
+                    <a:ln>
+                      <a:noFill/>
+                    </a:ln>
+                    <a:solidFill>
+                      <a:srgbClr val="C00000"/>
+                    </a:solidFill>
+                    <a:effectLst/>
+                    <a:uLnTx/>
+                    <a:uFillTx/>
+                    <a:latin typeface="Arial" panose="020B0604020202020204" pitchFamily="34" charset="0"/>
+                    <a:ea typeface="+mn-ea"/>
+                    <a:cs typeface="+mn-cs"/>
+                  </a:rPr>
+                  <a:t>low RG resolution</a:t>
+                </a:r>
+                <a:r>
+                  <a:rPr kumimoji="0" lang="en-US" sz="2200" b="0" i="0" u="none" strike="noStrike" kern="1200" cap="none" spc="0" normalizeH="0" baseline="0" noProof="0" dirty="0">
+                    <a:ln>
+                      <a:noFill/>
+                    </a:ln>
+                    <a:solidFill>
+                      <a:prstClr val="black"/>
+                    </a:solidFill>
+                    <a:effectLst/>
+                    <a:uLnTx/>
+                    <a:uFillTx/>
+                    <a:latin typeface="Arial" panose="020B0604020202020204" pitchFamily="34" charset="0"/>
+                    <a:ea typeface="+mn-ea"/>
+                    <a:cs typeface="+mn-cs"/>
+                  </a:rPr>
+                  <a:t>, SRCs are suppressed in the wave function</a:t>
+                </a:r>
+              </a:p>
+              <a:p>
+                <a:pPr>
+                  <a:lnSpc>
+                    <a:spcPct val="100000"/>
+                  </a:lnSpc>
+                </a:pPr>
+                <a:r>
+                  <a:rPr lang="en-US" sz="2200" dirty="0"/>
+                  <a:t>Consider the ratio of </a:t>
+                </a:r>
+                <a:r>
+                  <a:rPr lang="en-US" sz="2200" baseline="30000" dirty="0">
+                    <a:solidFill>
+                      <a:srgbClr val="C00000"/>
+                    </a:solidFill>
+                  </a:rPr>
+                  <a:t>3</a:t>
+                </a:r>
+                <a:r>
+                  <a:rPr lang="en-US" sz="2200" dirty="0">
+                    <a:solidFill>
+                      <a:srgbClr val="C00000"/>
+                    </a:solidFill>
+                  </a:rPr>
+                  <a:t>S</a:t>
+                </a:r>
+                <a:r>
+                  <a:rPr lang="en-US" sz="2200" baseline="-25000" dirty="0">
+                    <a:solidFill>
+                      <a:srgbClr val="C00000"/>
+                    </a:solidFill>
+                  </a:rPr>
+                  <a:t>1</a:t>
+                </a:r>
+                <a:r>
+                  <a:rPr lang="en-US" sz="2200" dirty="0">
+                    <a:solidFill>
+                      <a:srgbClr val="C00000"/>
+                    </a:solidFill>
+                  </a:rPr>
+                  <a:t>-</a:t>
+                </a:r>
+                <a:r>
+                  <a:rPr lang="en-US" sz="2200" baseline="30000" dirty="0">
+                    <a:solidFill>
+                      <a:srgbClr val="C00000"/>
+                    </a:solidFill>
+                  </a:rPr>
+                  <a:t>3</a:t>
+                </a:r>
+                <a:r>
+                  <a:rPr lang="en-US" sz="2200" dirty="0">
+                    <a:solidFill>
+                      <a:srgbClr val="C00000"/>
+                    </a:solidFill>
+                  </a:rPr>
+                  <a:t>D</a:t>
+                </a:r>
+                <a:r>
+                  <a:rPr lang="en-US" sz="2200" baseline="-25000" dirty="0">
+                    <a:solidFill>
+                      <a:srgbClr val="C00000"/>
+                    </a:solidFill>
+                  </a:rPr>
+                  <a:t>1</a:t>
+                </a:r>
+                <a:r>
+                  <a:rPr lang="en-US" sz="2200" dirty="0">
+                    <a:solidFill>
+                      <a:srgbClr val="C00000"/>
+                    </a:solidFill>
+                  </a:rPr>
+                  <a:t> </a:t>
+                </a:r>
+                <a:r>
+                  <a:rPr lang="en-US" sz="2200" dirty="0"/>
+                  <a:t>to</a:t>
+                </a:r>
+                <a:r>
+                  <a:rPr lang="en-US" sz="2200" baseline="-25000" dirty="0">
+                    <a:solidFill>
+                      <a:srgbClr val="C00000"/>
+                    </a:solidFill>
+                  </a:rPr>
+                  <a:t> </a:t>
+                </a:r>
+                <a:r>
+                  <a:rPr lang="en-US" sz="2200" baseline="30000" dirty="0">
+                    <a:solidFill>
+                      <a:srgbClr val="C00000"/>
+                    </a:solidFill>
+                  </a:rPr>
+                  <a:t>1</a:t>
+                </a:r>
+                <a:r>
+                  <a:rPr lang="en-US" sz="2200" dirty="0">
+                    <a:solidFill>
+                      <a:srgbClr val="C00000"/>
+                    </a:solidFill>
+                  </a:rPr>
+                  <a:t>S</a:t>
+                </a:r>
+                <a:r>
+                  <a:rPr lang="en-US" sz="2200" baseline="-25000" dirty="0">
+                    <a:solidFill>
+                      <a:srgbClr val="C00000"/>
+                    </a:solidFill>
+                  </a:rPr>
+                  <a:t>0</a:t>
+                </a:r>
+                <a:r>
+                  <a:rPr lang="en-US" sz="2200" dirty="0">
+                    <a:solidFill>
+                      <a:srgbClr val="C00000"/>
+                    </a:solidFill>
+                  </a:rPr>
+                  <a:t> </a:t>
+                </a:r>
+                <a:r>
+                  <a:rPr lang="en-US" sz="2200" dirty="0"/>
+                  <a:t>evolved momentum projection operator </a:t>
+                </a:r>
+                <a14:m>
+                  <m:oMath xmlns:m="http://schemas.openxmlformats.org/officeDocument/2006/math">
+                    <m:sSubSup>
+                      <m:sSubSupPr>
+                        <m:ctrlPr>
+                          <a:rPr lang="en-US" sz="2200" i="1">
+                            <a:solidFill>
+                              <a:srgbClr val="C00000"/>
+                            </a:solidFill>
+                            <a:latin typeface="Cambria Math" panose="02040503050406030204" pitchFamily="18" charset="0"/>
+                          </a:rPr>
+                        </m:ctrlPr>
+                      </m:sSubSupPr>
+                      <m:e>
+                        <m:r>
+                          <a:rPr lang="en-US" sz="2200" i="1">
+                            <a:solidFill>
+                              <a:srgbClr val="C00000"/>
+                            </a:solidFill>
+                            <a:latin typeface="Cambria Math" panose="02040503050406030204" pitchFamily="18" charset="0"/>
+                          </a:rPr>
+                          <m:t>𝑎</m:t>
+                        </m:r>
+                      </m:e>
+                      <m:sub>
+                        <m:r>
+                          <a:rPr lang="en-US" sz="2200" i="1">
+                            <a:solidFill>
+                              <a:srgbClr val="C00000"/>
+                            </a:solidFill>
+                            <a:latin typeface="Cambria Math" panose="02040503050406030204" pitchFamily="18" charset="0"/>
+                          </a:rPr>
+                          <m:t>𝑞</m:t>
+                        </m:r>
+                      </m:sub>
+                      <m:sup>
+                        <m:r>
+                          <a:rPr lang="en-US" sz="2200" i="1">
+                            <a:solidFill>
+                              <a:srgbClr val="C00000"/>
+                            </a:solidFill>
+                            <a:latin typeface="Cambria Math" panose="02040503050406030204" pitchFamily="18" charset="0"/>
+                            <a:ea typeface="Cambria Math" panose="02040503050406030204" pitchFamily="18" charset="0"/>
+                          </a:rPr>
+                          <m:t>†</m:t>
+                        </m:r>
+                      </m:sup>
+                    </m:sSubSup>
+                    <m:sSub>
+                      <m:sSubPr>
+                        <m:ctrlPr>
+                          <a:rPr lang="en-US" sz="2200" i="1">
+                            <a:solidFill>
+                              <a:srgbClr val="C00000"/>
+                            </a:solidFill>
+                            <a:latin typeface="Cambria Math" panose="02040503050406030204" pitchFamily="18" charset="0"/>
+                          </a:rPr>
+                        </m:ctrlPr>
+                      </m:sSubPr>
+                      <m:e>
+                        <m:r>
+                          <a:rPr lang="en-US" sz="2200" i="1">
+                            <a:solidFill>
+                              <a:srgbClr val="C00000"/>
+                            </a:solidFill>
+                            <a:latin typeface="Cambria Math" panose="02040503050406030204" pitchFamily="18" charset="0"/>
+                          </a:rPr>
+                          <m:t>𝑎</m:t>
+                        </m:r>
+                      </m:e>
+                      <m:sub>
+                        <m:r>
+                          <a:rPr lang="en-US" sz="2200" i="1">
+                            <a:solidFill>
+                              <a:srgbClr val="C00000"/>
+                            </a:solidFill>
+                            <a:latin typeface="Cambria Math" panose="02040503050406030204" pitchFamily="18" charset="0"/>
+                          </a:rPr>
+                          <m:t>𝑞</m:t>
+                        </m:r>
+                      </m:sub>
+                    </m:sSub>
+                  </m:oMath>
+                </a14:m>
+                <a:endParaRPr lang="en-US" sz="2200" dirty="0">
+                  <a:solidFill>
+                    <a:srgbClr val="C00000"/>
+                  </a:solidFill>
+                </a:endParaRPr>
+              </a:p>
+              <a:p>
+                <a:pPr>
+                  <a:lnSpc>
+                    <a:spcPct val="100000"/>
+                  </a:lnSpc>
+                </a:pPr>
+                <a:endParaRPr lang="en-US" sz="2400" dirty="0">
+                  <a:solidFill>
+                    <a:srgbClr val="C00000"/>
+                  </a:solidFill>
+                </a:endParaRPr>
+              </a:p>
+              <a:p>
+                <a:pPr>
+                  <a:lnSpc>
+                    <a:spcPct val="100000"/>
+                  </a:lnSpc>
+                </a:pPr>
+                <a:endParaRPr lang="en-US" dirty="0">
+                  <a:solidFill>
+                    <a:srgbClr val="C00000"/>
+                  </a:solidFill>
+                </a:endParaRPr>
+              </a:p>
+            </p:txBody>
+          </p:sp>
+        </mc:Choice>
+        <mc:Fallback>
+          <p:sp>
+            <p:nvSpPr>
+              <p:cNvPr id="28" name="Content Placeholder 2">
+                <a:extLst>
+                  <a:ext uri="{FF2B5EF4-FFF2-40B4-BE49-F238E27FC236}">
+                    <a16:creationId xmlns:a16="http://schemas.microsoft.com/office/drawing/2014/main" id="{B663AEBB-EB90-4D5D-B759-BEC015C34B9A}"/>
+                  </a:ext>
+                </a:extLst>
+              </p:cNvPr>
+              <p:cNvSpPr>
+                <a:spLocks noGrp="1" noRot="1" noChangeAspect="1" noMove="1" noResize="1" noEditPoints="1" noAdjustHandles="1" noChangeArrowheads="1" noChangeShapeType="1" noTextEdit="1"/>
+              </p:cNvSpPr>
+              <p:nvPr>
+                <p:ph idx="1"/>
+              </p:nvPr>
+            </p:nvSpPr>
+            <p:spPr>
+              <a:xfrm>
+                <a:off x="8700115" y="2302299"/>
+                <a:ext cx="3249229" cy="3786943"/>
+              </a:xfrm>
+              <a:blipFill>
+                <a:blip r:embed="rId5"/>
+                <a:stretch>
+                  <a:fillRect l="-2064" t="-966" r="-1689"/>
+                </a:stretch>
+              </a:blipFill>
+            </p:spPr>
+            <p:txBody>
+              <a:bodyPr/>
+              <a:lstStyle/>
+              <a:p>
+                <a:r>
+                  <a:rPr lang="en-US">
+                    <a:noFill/>
+                  </a:rPr>
+                  <a:t> </a:t>
+                </a:r>
+              </a:p>
+            </p:txBody>
+          </p:sp>
+        </mc:Fallback>
+      </mc:AlternateContent>
     </p:spTree>
     <p:extLst>
       <p:ext uri="{BB962C8B-B14F-4D97-AF65-F5344CB8AC3E}">
@@ -26950,8 +27340,8 @@
         </p:nvSpPr>
         <p:spPr>
           <a:xfrm>
-            <a:off x="8744505" y="2302299"/>
-            <a:ext cx="3415365" cy="3786943"/>
+            <a:off x="8691238" y="2302299"/>
+            <a:ext cx="3391272" cy="3786943"/>
           </a:xfrm>
           <a:prstGeom prst="rect">
             <a:avLst/>
@@ -27146,7 +27536,7 @@
                 <a:ea typeface="+mn-ea"/>
                 <a:cs typeface="+mn-cs"/>
               </a:rPr>
-              <a:t>Low RG resolution picture reproduces characteristics of SRC experiments</a:t>
+              <a:t>Reproduces the characteristics of cross section ratios using low RG resolution operator</a:t>
             </a:r>
           </a:p>
           <a:p>
@@ -27518,8 +27908,8 @@
           </a:p>
         </p:txBody>
       </p:sp>
-      <mc:AlternateContent xmlns:mc="http://schemas.openxmlformats.org/markup-compatibility/2006" xmlns:a14="http://schemas.microsoft.com/office/drawing/2010/main">
-        <mc:Choice Requires="a14">
+      <mc:AlternateContent xmlns:mc="http://schemas.openxmlformats.org/markup-compatibility/2006">
+        <mc:Choice xmlns:a14="http://schemas.microsoft.com/office/drawing/2010/main" Requires="a14">
           <p:sp>
             <p:nvSpPr>
               <p:cNvPr id="3" name="Content Placeholder 2">
@@ -27557,7 +27947,7 @@
                       <a:schemeClr val="tx1"/>
                     </a:solidFill>
                   </a:rPr>
-                  <a:t>Ratio should be </a:t>
+                  <a:t>Ratio </a:t>
                 </a:r>
                 <a14:m>
                   <m:oMath xmlns:m="http://schemas.openxmlformats.org/officeDocument/2006/math">
@@ -27611,7 +28001,7 @@
             </p:txBody>
           </p:sp>
         </mc:Choice>
-        <mc:Fallback xmlns="">
+        <mc:Fallback>
           <p:sp>
             <p:nvSpPr>
               <p:cNvPr id="3" name="Content Placeholder 2">
@@ -28030,8 +28420,8 @@
           </a:p>
         </p:txBody>
       </p:sp>
-      <mc:AlternateContent xmlns:mc="http://schemas.openxmlformats.org/markup-compatibility/2006" xmlns:a14="http://schemas.microsoft.com/office/drawing/2010/main">
-        <mc:Choice Requires="a14">
+      <mc:AlternateContent xmlns:mc="http://schemas.openxmlformats.org/markup-compatibility/2006">
+        <mc:Choice xmlns:a14="http://schemas.microsoft.com/office/drawing/2010/main" Requires="a14">
           <p:sp>
             <p:nvSpPr>
               <p:cNvPr id="3" name="Content Placeholder 2">
@@ -28069,7 +28459,7 @@
                       <a:schemeClr val="tx1"/>
                     </a:solidFill>
                   </a:rPr>
-                  <a:t>Ratio should be </a:t>
+                  <a:t>Ratio </a:t>
                 </a:r>
                 <a14:m>
                   <m:oMath xmlns:m="http://schemas.openxmlformats.org/officeDocument/2006/math">
@@ -28208,7 +28598,7 @@
             </p:txBody>
           </p:sp>
         </mc:Choice>
-        <mc:Fallback xmlns="">
+        <mc:Fallback>
           <p:sp>
             <p:nvSpPr>
               <p:cNvPr id="3" name="Content Placeholder 2">
@@ -29631,7 +30021,7 @@
         <p:spPr>
           <a:xfrm>
             <a:off x="201227" y="1825625"/>
-            <a:ext cx="11789546" cy="4351338"/>
+            <a:ext cx="11795760" cy="4351338"/>
           </a:xfrm>
         </p:spPr>
         <p:txBody>
@@ -29692,7 +30082,7 @@
                   <a:srgbClr val="C00000"/>
                 </a:solidFill>
               </a:rPr>
-              <a:t>Extend to cross sections and test scale and scheme dependence of extracted properties</a:t>
+              <a:t>Extend to cross sections and test scale/scheme dependence of extracted properties</a:t>
             </a:r>
           </a:p>
           <a:p>
@@ -30819,7 +31209,7 @@
                   <a:srgbClr val="C00000"/>
                 </a:solidFill>
               </a:rPr>
-              <a:t>Low RG resolution description of SRC physics</a:t>
+              <a:t>Alternative viewpoint</a:t>
             </a:r>
           </a:p>
           <a:p>
@@ -31164,36 +31554,15 @@
             </a:r>
           </a:p>
           <a:p>
-            <a:pPr marL="228600" marR="0" lvl="0" indent="-228600" algn="l" defTabSz="914400" rtl="0" eaLnBrk="1" fontAlgn="auto" latinLnBrk="0" hangingPunct="1">
+            <a:pPr>
               <a:lnSpc>
                 <a:spcPct val="110000"/>
               </a:lnSpc>
-              <a:spcBef>
-                <a:spcPts val="1000"/>
-              </a:spcBef>
-              <a:spcAft>
-                <a:spcPts val="0"/>
-              </a:spcAft>
-              <a:buClrTx/>
-              <a:buSzTx/>
-              <a:buFont typeface="Arial" panose="020B0604020202020204" pitchFamily="34" charset="0"/>
-              <a:buChar char="•"/>
-              <a:tabLst/>
               <a:defRPr/>
             </a:pPr>
             <a:r>
-              <a:rPr kumimoji="0" lang="en-US" sz="2400" b="0" i="0" u="none" strike="noStrike" kern="1200" cap="none" spc="0" normalizeH="0" baseline="0" noProof="0" dirty="0">
-                <a:ln>
-                  <a:noFill/>
-                </a:ln>
-                <a:effectLst/>
-                <a:uLnTx/>
-                <a:uFillTx/>
-                <a:latin typeface="Arial" panose="020B0604020202020204" pitchFamily="34" charset="0"/>
-                <a:ea typeface="+mn-ea"/>
-                <a:cs typeface="+mn-cs"/>
-              </a:rPr>
-              <a:t>Low RG resolution description of SRC physics</a:t>
+              <a:rPr lang="en-US" sz="2400" dirty="0"/>
+              <a:t>Alternative viewpoint</a:t>
             </a:r>
           </a:p>
           <a:p>

--- a/Presentations/APS_April2021/tropiano_aps_april2021.pptx
+++ b/Presentations/APS_April2021/tropiano_aps_april2021.pptx
@@ -6,7 +6,7 @@
     <p:sldMasterId id="2147483672" r:id="rId2"/>
   </p:sldMasterIdLst>
   <p:notesMasterIdLst>
-    <p:notesMasterId r:id="rId30"/>
+    <p:notesMasterId r:id="rId28"/>
   </p:notesMasterIdLst>
   <p:sldIdLst>
     <p:sldId id="260" r:id="rId3"/>
@@ -31,11 +31,9 @@
     <p:sldId id="353" r:id="rId22"/>
     <p:sldId id="358" r:id="rId23"/>
     <p:sldId id="357" r:id="rId24"/>
-    <p:sldId id="283" r:id="rId25"/>
-    <p:sldId id="355" r:id="rId26"/>
-    <p:sldId id="288" r:id="rId27"/>
-    <p:sldId id="289" r:id="rId28"/>
-    <p:sldId id="290" r:id="rId29"/>
+    <p:sldId id="355" r:id="rId25"/>
+    <p:sldId id="288" r:id="rId26"/>
+    <p:sldId id="289" r:id="rId27"/>
   </p:sldIdLst>
   <p:sldSz cx="12192000" cy="6858000"/>
   <p:notesSz cx="6858000" cy="9144000"/>
@@ -224,7 +222,7 @@
           <a:p>
             <a:fld id="{D6262846-A322-4A91-AADC-BD2991192A7F}" type="datetimeFigureOut">
               <a:rPr lang="en-US" smtClean="0"/>
-              <a:t>4/15/2021</a:t>
+              <a:t>4/16/2021</a:t>
             </a:fld>
             <a:endParaRPr lang="en-US"/>
           </a:p>
@@ -1440,7 +1438,16 @@
           <a:bodyPr/>
           <a:lstStyle/>
           <a:p>
-            <a:endParaRPr lang="en-US" dirty="0"/>
+            <a:r>
+              <a:rPr lang="en-US" dirty="0"/>
+              <a:t>Don't bother describing (a) - just say these are cross section ratios on the left, on the right are the pair fraction of proton-neutron and proton-proton.</a:t>
+            </a:r>
+          </a:p>
+          <a:p>
+            <a:r>
+              <a:rPr lang="en-US" dirty="0"/>
+              <a:t>The takeaway is at high RG resolution, the tensor force… (fast!)</a:t>
+            </a:r>
           </a:p>
         </p:txBody>
       </p:sp>
@@ -1608,7 +1615,10 @@
           <a:bodyPr/>
           <a:lstStyle/>
           <a:p>
-            <a:endParaRPr lang="en-US" dirty="0"/>
+            <a:r>
+              <a:rPr lang="en-US" dirty="0"/>
+              <a:t>This physics is established in the 2-body system so we can easily apply this to any nuclei!</a:t>
+            </a:r>
           </a:p>
         </p:txBody>
       </p:sp>
@@ -1692,41 +1702,6 @@
           <a:bodyPr/>
           <a:lstStyle/>
           <a:p>
-            <a:r>
-              <a:rPr lang="en-US" dirty="0"/>
-              <a:t>Connect to SRC phenomenology: np dominance from tensor force.</a:t>
-            </a:r>
-          </a:p>
-          <a:p>
-            <a:r>
-              <a:rPr lang="en-US" dirty="0"/>
-              <a:t>Highlight weak nuclear dependence from factorization (and LDA).</a:t>
-            </a:r>
-          </a:p>
-          <a:p>
-            <a:pPr marL="0" marR="0" lvl="0" indent="0" algn="l" defTabSz="914400" rtl="0" eaLnBrk="1" fontAlgn="auto" latinLnBrk="0" hangingPunct="1">
-              <a:lnSpc>
-                <a:spcPct val="100000"/>
-              </a:lnSpc>
-              <a:spcBef>
-                <a:spcPts val="0"/>
-              </a:spcBef>
-              <a:spcAft>
-                <a:spcPts val="0"/>
-              </a:spcAft>
-              <a:buClrTx/>
-              <a:buSzTx/>
-              <a:buFontTx/>
-              <a:buNone/>
-              <a:tabLst/>
-              <a:defRPr/>
-            </a:pPr>
-            <a:r>
-              <a:rPr lang="en-US" dirty="0"/>
-              <a:t>Add pp/p np/p pictures?</a:t>
-            </a:r>
-          </a:p>
-          <a:p>
             <a:endParaRPr lang="en-US" dirty="0"/>
           </a:p>
         </p:txBody>
@@ -1813,13 +1788,15 @@
           <a:p>
             <a:r>
               <a:rPr lang="en-US" dirty="0"/>
-              <a:t>Add pp/p np/p pictures?</a:t>
-            </a:r>
-          </a:p>
-          <a:p>
+              <a:t>Isospin dependence: by taking ratios we see the </a:t>
+            </a:r>
+            <a:r>
+              <a:rPr lang="en-US" dirty="0" err="1"/>
+              <a:t>pn</a:t>
+            </a:r>
             <a:r>
               <a:rPr lang="en-US" dirty="0"/>
-              <a:t>Node in 1S0. Tensor dominance at 400 MeV -&gt; np dominance.</a:t>
+              <a:t>-dominant region is independent of N/Z while the scalar limits depends on N/Z.</a:t>
             </a:r>
           </a:p>
         </p:txBody>
@@ -1850,7 +1827,7 @@
     </p:spTree>
     <p:extLst>
       <p:ext uri="{BB962C8B-B14F-4D97-AF65-F5344CB8AC3E}">
-        <p14:creationId xmlns:p14="http://schemas.microsoft.com/office/powerpoint/2010/main" val="1735227413"/>
+        <p14:creationId xmlns:p14="http://schemas.microsoft.com/office/powerpoint/2010/main" val="811147791"/>
       </p:ext>
     </p:extLst>
   </p:cSld>
@@ -1906,13 +1883,7 @@
           <a:p>
             <a:r>
               <a:rPr lang="en-US" dirty="0"/>
-              <a:t>Add pp/p np/p pictures?</a:t>
-            </a:r>
-          </a:p>
-          <a:p>
-            <a:r>
-              <a:rPr lang="en-US" dirty="0"/>
-              <a:t>Node in 1S0. Tensor dominance at 400 MeV -&gt; np dominance.</a:t>
+              <a:t>Add in experimental results.</a:t>
             </a:r>
           </a:p>
         </p:txBody>
@@ -1943,181 +1914,7 @@
     </p:spTree>
     <p:extLst>
       <p:ext uri="{BB962C8B-B14F-4D97-AF65-F5344CB8AC3E}">
-        <p14:creationId xmlns:p14="http://schemas.microsoft.com/office/powerpoint/2010/main" val="811147791"/>
-      </p:ext>
-    </p:extLst>
-  </p:cSld>
-  <p:clrMapOvr>
-    <a:masterClrMapping/>
-  </p:clrMapOvr>
-</p:notes>
-</file>
-
-<file path=ppt/notesSlides/notesSlide24.xml><?xml version="1.0" encoding="utf-8"?>
-<p:notes xmlns:a="http://schemas.openxmlformats.org/drawingml/2006/main" xmlns:r="http://schemas.openxmlformats.org/officeDocument/2006/relationships" xmlns:p="http://schemas.openxmlformats.org/presentationml/2006/main">
-  <p:cSld>
-    <p:spTree>
-      <p:nvGrpSpPr>
-        <p:cNvPr id="1" name=""/>
-        <p:cNvGrpSpPr/>
-        <p:nvPr/>
-      </p:nvGrpSpPr>
-      <p:grpSpPr>
-        <a:xfrm>
-          <a:off x="0" y="0"/>
-          <a:ext cx="0" cy="0"/>
-          <a:chOff x="0" y="0"/>
-          <a:chExt cx="0" cy="0"/>
-        </a:xfrm>
-      </p:grpSpPr>
-      <p:sp>
-        <p:nvSpPr>
-          <p:cNvPr id="2" name="Slide Image Placeholder 1"/>
-          <p:cNvSpPr>
-            <a:spLocks noGrp="1" noRot="1" noChangeAspect="1"/>
-          </p:cNvSpPr>
-          <p:nvPr>
-            <p:ph type="sldImg"/>
-          </p:nvPr>
-        </p:nvSpPr>
-        <p:spPr/>
-      </p:sp>
-      <p:sp>
-        <p:nvSpPr>
-          <p:cNvPr id="3" name="Notes Placeholder 2"/>
-          <p:cNvSpPr>
-            <a:spLocks noGrp="1"/>
-          </p:cNvSpPr>
-          <p:nvPr>
-            <p:ph type="body" idx="1"/>
-          </p:nvPr>
-        </p:nvSpPr>
-        <p:spPr/>
-        <p:txBody>
-          <a:bodyPr/>
-          <a:lstStyle/>
-          <a:p>
-            <a:r>
-              <a:rPr lang="en-US" dirty="0"/>
-              <a:t>Add in experimental results.</a:t>
-            </a:r>
-          </a:p>
-        </p:txBody>
-      </p:sp>
-      <p:sp>
-        <p:nvSpPr>
-          <p:cNvPr id="4" name="Slide Number Placeholder 3"/>
-          <p:cNvSpPr>
-            <a:spLocks noGrp="1"/>
-          </p:cNvSpPr>
-          <p:nvPr>
-            <p:ph type="sldNum" sz="quarter" idx="5"/>
-          </p:nvPr>
-        </p:nvSpPr>
-        <p:spPr/>
-        <p:txBody>
-          <a:bodyPr/>
-          <a:lstStyle/>
-          <a:p>
-            <a:fld id="{145D4A79-22BD-45A7-A8A3-66A4B5D7582E}" type="slidenum">
-              <a:rPr lang="en-US" smtClean="0"/>
-              <a:t>25</a:t>
-            </a:fld>
-            <a:endParaRPr lang="en-US"/>
-          </a:p>
-        </p:txBody>
-      </p:sp>
-    </p:spTree>
-    <p:extLst>
-      <p:ext uri="{BB962C8B-B14F-4D97-AF65-F5344CB8AC3E}">
         <p14:creationId xmlns:p14="http://schemas.microsoft.com/office/powerpoint/2010/main" val="1253421808"/>
-      </p:ext>
-    </p:extLst>
-  </p:cSld>
-  <p:clrMapOvr>
-    <a:masterClrMapping/>
-  </p:clrMapOvr>
-</p:notes>
-</file>
-
-<file path=ppt/notesSlides/notesSlide25.xml><?xml version="1.0" encoding="utf-8"?>
-<p:notes xmlns:a="http://schemas.openxmlformats.org/drawingml/2006/main" xmlns:r="http://schemas.openxmlformats.org/officeDocument/2006/relationships" xmlns:p="http://schemas.openxmlformats.org/presentationml/2006/main">
-  <p:cSld>
-    <p:spTree>
-      <p:nvGrpSpPr>
-        <p:cNvPr id="1" name=""/>
-        <p:cNvGrpSpPr/>
-        <p:nvPr/>
-      </p:nvGrpSpPr>
-      <p:grpSpPr>
-        <a:xfrm>
-          <a:off x="0" y="0"/>
-          <a:ext cx="0" cy="0"/>
-          <a:chOff x="0" y="0"/>
-          <a:chExt cx="0" cy="0"/>
-        </a:xfrm>
-      </p:grpSpPr>
-      <p:sp>
-        <p:nvSpPr>
-          <p:cNvPr id="2" name="Slide Image Placeholder 1"/>
-          <p:cNvSpPr>
-            <a:spLocks noGrp="1" noRot="1" noChangeAspect="1"/>
-          </p:cNvSpPr>
-          <p:nvPr>
-            <p:ph type="sldImg"/>
-          </p:nvPr>
-        </p:nvSpPr>
-        <p:spPr/>
-      </p:sp>
-      <p:sp>
-        <p:nvSpPr>
-          <p:cNvPr id="3" name="Notes Placeholder 2"/>
-          <p:cNvSpPr>
-            <a:spLocks noGrp="1"/>
-          </p:cNvSpPr>
-          <p:nvPr>
-            <p:ph type="body" idx="1"/>
-          </p:nvPr>
-        </p:nvSpPr>
-        <p:spPr/>
-        <p:txBody>
-          <a:bodyPr/>
-          <a:lstStyle/>
-          <a:p>
-            <a:r>
-              <a:rPr lang="en-US" dirty="0"/>
-              <a:t>Factorization figure…</a:t>
-            </a:r>
-          </a:p>
-        </p:txBody>
-      </p:sp>
-      <p:sp>
-        <p:nvSpPr>
-          <p:cNvPr id="4" name="Slide Number Placeholder 3"/>
-          <p:cNvSpPr>
-            <a:spLocks noGrp="1"/>
-          </p:cNvSpPr>
-          <p:nvPr>
-            <p:ph type="sldNum" sz="quarter" idx="5"/>
-          </p:nvPr>
-        </p:nvSpPr>
-        <p:spPr/>
-        <p:txBody>
-          <a:bodyPr/>
-          <a:lstStyle/>
-          <a:p>
-            <a:fld id="{145D4A79-22BD-45A7-A8A3-66A4B5D7582E}" type="slidenum">
-              <a:rPr lang="en-US" smtClean="0"/>
-              <a:t>27</a:t>
-            </a:fld>
-            <a:endParaRPr lang="en-US"/>
-          </a:p>
-        </p:txBody>
-      </p:sp>
-    </p:spTree>
-    <p:extLst>
-      <p:ext uri="{BB962C8B-B14F-4D97-AF65-F5344CB8AC3E}">
-        <p14:creationId xmlns:p14="http://schemas.microsoft.com/office/powerpoint/2010/main" val="4104216665"/>
       </p:ext>
     </p:extLst>
   </p:cSld>
@@ -2939,7 +2736,7 @@
           <a:p>
             <a:fld id="{83694952-25D0-48F3-B9A6-DDD173CFC10B}" type="datetime1">
               <a:rPr lang="en-US" smtClean="0"/>
-              <a:t>4/15/2021</a:t>
+              <a:t>4/16/2021</a:t>
             </a:fld>
             <a:endParaRPr lang="en-US"/>
           </a:p>
@@ -3140,7 +2937,7 @@
           <a:p>
             <a:fld id="{76740533-62D0-4628-87B8-8B05CAED2D50}" type="datetime1">
               <a:rPr lang="en-US" smtClean="0"/>
-              <a:t>4/15/2021</a:t>
+              <a:t>4/16/2021</a:t>
             </a:fld>
             <a:endParaRPr lang="en-US"/>
           </a:p>
@@ -3351,7 +3148,7 @@
           <a:p>
             <a:fld id="{8699213E-46D9-4F85-A7A1-AC80546E79AC}" type="datetime1">
               <a:rPr lang="en-US" smtClean="0"/>
-              <a:t>4/15/2021</a:t>
+              <a:t>4/16/2021</a:t>
             </a:fld>
             <a:endParaRPr lang="en-US"/>
           </a:p>
@@ -3574,7 +3371,7 @@
           <a:p>
             <a:fld id="{0EE1D429-401C-44CA-949A-BAE33D8092F6}" type="datetime1">
               <a:rPr lang="en-US" smtClean="0"/>
-              <a:t>4/15/2021</a:t>
+              <a:t>4/16/2021</a:t>
             </a:fld>
             <a:endParaRPr lang="en-US"/>
           </a:p>
@@ -3775,7 +3572,7 @@
           <a:p>
             <a:fld id="{9D252D0C-C2D9-4EF2-8A4F-175C25128BC0}" type="datetime1">
               <a:rPr lang="en-US" smtClean="0"/>
-              <a:t>4/15/2021</a:t>
+              <a:t>4/16/2021</a:t>
             </a:fld>
             <a:endParaRPr lang="en-US"/>
           </a:p>
@@ -4053,7 +3850,7 @@
           <a:p>
             <a:fld id="{5EF3860C-0BFB-4C89-9590-B1B3623EDB0D}" type="datetime1">
               <a:rPr lang="en-US" smtClean="0"/>
-              <a:t>4/15/2021</a:t>
+              <a:t>4/16/2021</a:t>
             </a:fld>
             <a:endParaRPr lang="en-US"/>
           </a:p>
@@ -4321,7 +4118,7 @@
           <a:p>
             <a:fld id="{E3EA9812-83DA-43A9-9B25-C52DC38DA199}" type="datetime1">
               <a:rPr lang="en-US" smtClean="0"/>
-              <a:t>4/15/2021</a:t>
+              <a:t>4/16/2021</a:t>
             </a:fld>
             <a:endParaRPr lang="en-US"/>
           </a:p>
@@ -4736,7 +4533,7 @@
           <a:p>
             <a:fld id="{CD2412D8-3B3C-40E7-8FE0-4BC82A5431F2}" type="datetime1">
               <a:rPr lang="en-US" smtClean="0"/>
-              <a:t>4/15/2021</a:t>
+              <a:t>4/16/2021</a:t>
             </a:fld>
             <a:endParaRPr lang="en-US"/>
           </a:p>
@@ -4880,7 +4677,7 @@
           <a:p>
             <a:fld id="{90A11436-E252-48AF-ACF1-AC7DD58761FA}" type="datetime1">
               <a:rPr lang="en-US" smtClean="0"/>
-              <a:t>4/15/2021</a:t>
+              <a:t>4/16/2021</a:t>
             </a:fld>
             <a:endParaRPr lang="en-US"/>
           </a:p>
@@ -4996,7 +4793,7 @@
           <a:p>
             <a:fld id="{EB098BCE-4D4A-4908-A9D9-BE2909934289}" type="datetime1">
               <a:rPr lang="en-US" smtClean="0"/>
-              <a:t>4/15/2021</a:t>
+              <a:t>4/16/2021</a:t>
             </a:fld>
             <a:endParaRPr lang="en-US"/>
           </a:p>
@@ -5310,7 +5107,7 @@
           <a:p>
             <a:fld id="{1E694CEE-F3C9-422B-BA59-418B095FE11F}" type="datetime1">
               <a:rPr lang="en-US" smtClean="0"/>
-              <a:t>4/15/2021</a:t>
+              <a:t>4/16/2021</a:t>
             </a:fld>
             <a:endParaRPr lang="en-US"/>
           </a:p>
@@ -5511,7 +5308,7 @@
           <a:p>
             <a:fld id="{132F27D5-9D01-4C9A-BAB7-31C96A19A7B4}" type="datetime1">
               <a:rPr lang="en-US" smtClean="0"/>
-              <a:t>4/15/2021</a:t>
+              <a:t>4/16/2021</a:t>
             </a:fld>
             <a:endParaRPr lang="en-US"/>
           </a:p>
@@ -5805,7 +5602,7 @@
           <a:p>
             <a:fld id="{63086888-0649-4903-A156-E553867CDA81}" type="datetime1">
               <a:rPr lang="en-US" smtClean="0"/>
-              <a:t>4/15/2021</a:t>
+              <a:t>4/16/2021</a:t>
             </a:fld>
             <a:endParaRPr lang="en-US"/>
           </a:p>
@@ -6006,7 +5803,7 @@
           <a:p>
             <a:fld id="{582833AB-F88C-40CB-B989-3E1E77646775}" type="datetime1">
               <a:rPr lang="en-US" smtClean="0"/>
-              <a:t>4/15/2021</a:t>
+              <a:t>4/16/2021</a:t>
             </a:fld>
             <a:endParaRPr lang="en-US"/>
           </a:p>
@@ -6217,7 +6014,7 @@
           <a:p>
             <a:fld id="{1DB0E0E5-782A-4B23-8A53-F1C789AB7E0B}" type="datetime1">
               <a:rPr lang="en-US" smtClean="0"/>
-              <a:t>4/15/2021</a:t>
+              <a:t>4/16/2021</a:t>
             </a:fld>
             <a:endParaRPr lang="en-US"/>
           </a:p>
@@ -6495,7 +6292,7 @@
           <a:p>
             <a:fld id="{C02D90CC-BB54-423D-BF89-BBB7066663F7}" type="datetime1">
               <a:rPr lang="en-US" smtClean="0"/>
-              <a:t>4/15/2021</a:t>
+              <a:t>4/16/2021</a:t>
             </a:fld>
             <a:endParaRPr lang="en-US"/>
           </a:p>
@@ -6763,7 +6560,7 @@
           <a:p>
             <a:fld id="{D51A8861-A898-447A-A3E7-FCBDC8A3AE97}" type="datetime1">
               <a:rPr lang="en-US" smtClean="0"/>
-              <a:t>4/15/2021</a:t>
+              <a:t>4/16/2021</a:t>
             </a:fld>
             <a:endParaRPr lang="en-US"/>
           </a:p>
@@ -7178,7 +6975,7 @@
           <a:p>
             <a:fld id="{60F14AFA-7BCD-4FC1-831C-FD67ABE00F70}" type="datetime1">
               <a:rPr lang="en-US" smtClean="0"/>
-              <a:t>4/15/2021</a:t>
+              <a:t>4/16/2021</a:t>
             </a:fld>
             <a:endParaRPr lang="en-US"/>
           </a:p>
@@ -7322,7 +7119,7 @@
           <a:p>
             <a:fld id="{7778E428-A6A5-4EEE-8780-F0B6EEFB83D5}" type="datetime1">
               <a:rPr lang="en-US" smtClean="0"/>
-              <a:t>4/15/2021</a:t>
+              <a:t>4/16/2021</a:t>
             </a:fld>
             <a:endParaRPr lang="en-US"/>
           </a:p>
@@ -7438,7 +7235,7 @@
           <a:p>
             <a:fld id="{EC6A4D24-3E18-47B6-8215-733C9684F273}" type="datetime1">
               <a:rPr lang="en-US" smtClean="0"/>
-              <a:t>4/15/2021</a:t>
+              <a:t>4/16/2021</a:t>
             </a:fld>
             <a:endParaRPr lang="en-US"/>
           </a:p>
@@ -7752,7 +7549,7 @@
           <a:p>
             <a:fld id="{EBD75FB1-F39C-4721-9FBE-5CF18B3498DF}" type="datetime1">
               <a:rPr lang="en-US" smtClean="0"/>
-              <a:t>4/15/2021</a:t>
+              <a:t>4/16/2021</a:t>
             </a:fld>
             <a:endParaRPr lang="en-US"/>
           </a:p>
@@ -8046,7 +7843,7 @@
           <a:p>
             <a:fld id="{B60509DC-8019-490A-A5C6-1E9B38F9A4ED}" type="datetime1">
               <a:rPr lang="en-US" smtClean="0"/>
-              <a:t>4/15/2021</a:t>
+              <a:t>4/16/2021</a:t>
             </a:fld>
             <a:endParaRPr lang="en-US"/>
           </a:p>
@@ -8293,7 +8090,7 @@
           <a:p>
             <a:fld id="{2E1A0A7A-E6E7-4480-AADD-98CCD889893F}" type="datetime1">
               <a:rPr lang="en-US" smtClean="0"/>
-              <a:t>4/15/2021</a:t>
+              <a:t>4/16/2021</a:t>
             </a:fld>
             <a:endParaRPr lang="en-US" dirty="0"/>
           </a:p>
@@ -8872,7 +8669,7 @@
           <a:p>
             <a:fld id="{0DD3B7D1-4027-4C3A-9F2D-D21C2FB6AED5}" type="datetime1">
               <a:rPr lang="en-US" smtClean="0"/>
-              <a:t>4/15/2021</a:t>
+              <a:t>4/16/2021</a:t>
             </a:fld>
             <a:endParaRPr lang="en-US" dirty="0"/>
           </a:p>
@@ -9783,8 +9580,8 @@
           </a:p>
         </p:txBody>
       </p:sp>
-      <mc:AlternateContent xmlns:mc="http://schemas.openxmlformats.org/markup-compatibility/2006">
-        <mc:Choice xmlns:a14="http://schemas.microsoft.com/office/drawing/2010/main" Requires="a14">
+      <mc:AlternateContent xmlns:mc="http://schemas.openxmlformats.org/markup-compatibility/2006" xmlns:a14="http://schemas.microsoft.com/office/drawing/2010/main">
+        <mc:Choice Requires="a14">
           <p:sp>
             <p:nvSpPr>
               <p:cNvPr id="3" name="Content Placeholder 2">
@@ -10888,7 +10685,7 @@
             </p:txBody>
           </p:sp>
         </mc:Choice>
-        <mc:Fallback>
+        <mc:Fallback xmlns="">
           <p:sp>
             <p:nvSpPr>
               <p:cNvPr id="3" name="Content Placeholder 2">
@@ -11124,8 +10921,8 @@
           </a:p>
         </p:txBody>
       </p:sp>
-      <mc:AlternateContent xmlns:mc="http://schemas.openxmlformats.org/markup-compatibility/2006">
-        <mc:Choice xmlns:a14="http://schemas.microsoft.com/office/drawing/2010/main" Requires="a14">
+      <mc:AlternateContent xmlns:mc="http://schemas.openxmlformats.org/markup-compatibility/2006" xmlns:a14="http://schemas.microsoft.com/office/drawing/2010/main">
+        <mc:Choice Requires="a14">
           <p:sp>
             <p:nvSpPr>
               <p:cNvPr id="3" name="Content Placeholder 2">
@@ -11549,7 +11346,7 @@
             </p:txBody>
           </p:sp>
         </mc:Choice>
-        <mc:Fallback>
+        <mc:Fallback xmlns="">
           <p:sp>
             <p:nvSpPr>
               <p:cNvPr id="3" name="Content Placeholder 2">
@@ -11686,12 +11483,40 @@
           </a:p>
         </p:txBody>
       </p:sp>
+      <p:sp>
+        <p:nvSpPr>
+          <p:cNvPr id="6" name="Footer Placeholder 5">
+            <a:extLst>
+              <a:ext uri="{FF2B5EF4-FFF2-40B4-BE49-F238E27FC236}">
+                <a16:creationId xmlns:a16="http://schemas.microsoft.com/office/drawing/2014/main" id="{A12BB4B8-B39A-464B-8734-1E1A7B8FB852}"/>
+              </a:ext>
+            </a:extLst>
+          </p:cNvPr>
+          <p:cNvSpPr>
+            <a:spLocks noGrp="1"/>
+          </p:cNvSpPr>
+          <p:nvPr>
+            <p:ph type="ftr" sz="quarter" idx="11"/>
+          </p:nvPr>
+        </p:nvSpPr>
+        <p:spPr/>
+        <p:txBody>
+          <a:bodyPr/>
+          <a:lstStyle/>
+          <a:p>
+            <a:r>
+              <a:rPr lang="en-US"/>
+              <a:t>Anthony Tropiano, APS April 2021 Meeting</a:t>
+            </a:r>
+          </a:p>
+        </p:txBody>
+      </p:sp>
       <p:pic>
         <p:nvPicPr>
-          <p:cNvPr id="7" name="Picture 6" descr="Chart&#10;&#10;Description automatically generated with low confidence">
+          <p:cNvPr id="8" name="Picture 7" descr="Chart&#10;&#10;Description automatically generated with medium confidence">
             <a:extLst>
               <a:ext uri="{FF2B5EF4-FFF2-40B4-BE49-F238E27FC236}">
-                <a16:creationId xmlns:a16="http://schemas.microsoft.com/office/drawing/2014/main" id="{9BBB5479-FE3B-4C53-969D-FF59EFF8F134}"/>
+                <a16:creationId xmlns:a16="http://schemas.microsoft.com/office/drawing/2014/main" id="{8558FB7A-92D8-4BB8-94BF-F7247ABF029A}"/>
               </a:ext>
             </a:extLst>
           </p:cNvPr>
@@ -11714,42 +11539,148 @@
         </p:blipFill>
         <p:spPr>
           <a:xfrm>
-            <a:off x="162018" y="1690688"/>
-            <a:ext cx="4882718" cy="4799653"/>
+            <a:off x="0" y="1330643"/>
+            <a:ext cx="5183257" cy="4846320"/>
           </a:xfrm>
           <a:prstGeom prst="rect">
             <a:avLst/>
           </a:prstGeom>
         </p:spPr>
       </p:pic>
-      <p:sp>
-        <p:nvSpPr>
-          <p:cNvPr id="6" name="Footer Placeholder 5">
-            <a:extLst>
-              <a:ext uri="{FF2B5EF4-FFF2-40B4-BE49-F238E27FC236}">
-                <a16:creationId xmlns:a16="http://schemas.microsoft.com/office/drawing/2014/main" id="{A12BB4B8-B39A-464B-8734-1E1A7B8FB852}"/>
-              </a:ext>
-            </a:extLst>
-          </p:cNvPr>
-          <p:cNvSpPr>
-            <a:spLocks noGrp="1"/>
-          </p:cNvSpPr>
-          <p:nvPr>
-            <p:ph type="ftr" sz="quarter" idx="11"/>
-          </p:nvPr>
-        </p:nvSpPr>
-        <p:spPr/>
-        <p:txBody>
-          <a:bodyPr/>
-          <a:lstStyle/>
-          <a:p>
-            <a:r>
-              <a:rPr lang="en-US"/>
-              <a:t>Anthony Tropiano, APS April 2021 Meeting</a:t>
-            </a:r>
-          </a:p>
-        </p:txBody>
-      </p:sp>
+      <mc:AlternateContent xmlns:mc="http://schemas.openxmlformats.org/markup-compatibility/2006">
+        <mc:Choice xmlns:a14="http://schemas.microsoft.com/office/drawing/2010/main" Requires="a14">
+          <p:sp>
+            <p:nvSpPr>
+              <p:cNvPr id="9" name="TextBox 8">
+                <a:extLst>
+                  <a:ext uri="{FF2B5EF4-FFF2-40B4-BE49-F238E27FC236}">
+                    <a16:creationId xmlns:a16="http://schemas.microsoft.com/office/drawing/2014/main" id="{AFE7A94F-E80E-4F3A-B6AC-2E66294C6DAD}"/>
+                  </a:ext>
+                </a:extLst>
+              </p:cNvPr>
+              <p:cNvSpPr txBox="1"/>
+              <p:nvPr/>
+            </p:nvSpPr>
+            <p:spPr>
+              <a:xfrm>
+                <a:off x="115409" y="6171558"/>
+                <a:ext cx="4580878" cy="584775"/>
+              </a:xfrm>
+              <a:prstGeom prst="rect">
+                <a:avLst/>
+              </a:prstGeom>
+              <a:noFill/>
+            </p:spPr>
+            <p:txBody>
+              <a:bodyPr wrap="square" rtlCol="0">
+                <a:spAutoFit/>
+              </a:bodyPr>
+              <a:lstStyle/>
+              <a:p>
+                <a:r>
+                  <a:rPr lang="en-US" sz="1600" b="1" dirty="0">
+                    <a:latin typeface="Arial" panose="020B0604020202020204" pitchFamily="34" charset="0"/>
+                    <a:cs typeface="Arial" panose="020B0604020202020204" pitchFamily="34" charset="0"/>
+                  </a:rPr>
+                  <a:t>Fig. 3</a:t>
+                </a:r>
+                <a:r>
+                  <a:rPr lang="en-US" sz="1600" dirty="0">
+                    <a:latin typeface="Arial" panose="020B0604020202020204" pitchFamily="34" charset="0"/>
+                    <a:cs typeface="Arial" panose="020B0604020202020204" pitchFamily="34" charset="0"/>
+                  </a:rPr>
+                  <a:t>: Contributions to deuteron momentum distribution with AV18 and </a:t>
+                </a:r>
+                <a14:m>
+                  <m:oMath xmlns:m="http://schemas.openxmlformats.org/officeDocument/2006/math">
+                    <m:r>
+                      <a:rPr lang="en-US" sz="1600" i="1" smtClean="0">
+                        <a:latin typeface="Cambria Math" panose="02040503050406030204" pitchFamily="18" charset="0"/>
+                        <a:ea typeface="Cambria Math" panose="02040503050406030204" pitchFamily="18" charset="0"/>
+                        <a:cs typeface="Arial" panose="020B0604020202020204" pitchFamily="34" charset="0"/>
+                      </a:rPr>
+                      <m:t>𝜆</m:t>
+                    </m:r>
+                    <m:r>
+                      <a:rPr lang="en-US" sz="1600" b="0" i="1" smtClean="0">
+                        <a:latin typeface="Cambria Math" panose="02040503050406030204" pitchFamily="18" charset="0"/>
+                        <a:ea typeface="Cambria Math" panose="02040503050406030204" pitchFamily="18" charset="0"/>
+                        <a:cs typeface="Arial" panose="020B0604020202020204" pitchFamily="34" charset="0"/>
+                      </a:rPr>
+                      <m:t>=1.35</m:t>
+                    </m:r>
+                  </m:oMath>
+                </a14:m>
+                <a:r>
+                  <a:rPr lang="en-US" sz="1600" dirty="0">
+                    <a:latin typeface="Arial" panose="020B0604020202020204" pitchFamily="34" charset="0"/>
+                    <a:cs typeface="Arial" panose="020B0604020202020204" pitchFamily="34" charset="0"/>
+                  </a:rPr>
+                  <a:t> fm</a:t>
+                </a:r>
+                <a:r>
+                  <a:rPr lang="en-US" sz="1600" baseline="30000" dirty="0">
+                    <a:latin typeface="Arial" panose="020B0604020202020204" pitchFamily="34" charset="0"/>
+                    <a:cs typeface="Arial" panose="020B0604020202020204" pitchFamily="34" charset="0"/>
+                  </a:rPr>
+                  <a:t>-1</a:t>
+                </a:r>
+                <a:r>
+                  <a:rPr lang="en-US" sz="1600" dirty="0">
+                    <a:latin typeface="Arial" panose="020B0604020202020204" pitchFamily="34" charset="0"/>
+                    <a:cs typeface="Arial" panose="020B0604020202020204" pitchFamily="34" charset="0"/>
+                  </a:rPr>
+                  <a:t>.</a:t>
+                </a:r>
+              </a:p>
+            </p:txBody>
+          </p:sp>
+        </mc:Choice>
+        <mc:Fallback>
+          <p:sp>
+            <p:nvSpPr>
+              <p:cNvPr id="9" name="TextBox 8">
+                <a:extLst>
+                  <a:ext uri="{FF2B5EF4-FFF2-40B4-BE49-F238E27FC236}">
+                    <a16:creationId xmlns:a16="http://schemas.microsoft.com/office/drawing/2014/main" id="{AFE7A94F-E80E-4F3A-B6AC-2E66294C6DAD}"/>
+                  </a:ext>
+                </a:extLst>
+              </p:cNvPr>
+              <p:cNvSpPr txBox="1">
+                <a:spLocks noRot="1" noChangeAspect="1" noMove="1" noResize="1" noEditPoints="1" noAdjustHandles="1" noChangeArrowheads="1" noChangeShapeType="1" noTextEdit="1"/>
+              </p:cNvSpPr>
+              <p:nvPr/>
+            </p:nvSpPr>
+            <p:spPr>
+              <a:xfrm>
+                <a:off x="115409" y="6171558"/>
+                <a:ext cx="4580878" cy="584775"/>
+              </a:xfrm>
+              <a:prstGeom prst="rect">
+                <a:avLst/>
+              </a:prstGeom>
+              <a:blipFill>
+                <a:blip r:embed="rId5"/>
+                <a:stretch>
+                  <a:fillRect l="-799" t="-3125" b="-12500"/>
+                </a:stretch>
+              </a:blipFill>
+            </p:spPr>
+            <p:txBody>
+              <a:bodyPr/>
+              <a:lstStyle/>
+              <a:p>
+                <a:r>
+                  <a:rPr lang="en-US">
+                    <a:noFill/>
+                  </a:rPr>
+                  <a:t> </a:t>
+                </a:r>
+              </a:p>
+            </p:txBody>
+          </p:sp>
+        </mc:Fallback>
+      </mc:AlternateContent>
     </p:spTree>
     <p:extLst>
       <p:ext uri="{BB962C8B-B14F-4D97-AF65-F5344CB8AC3E}">
@@ -12689,42 +12620,6 @@
           </a:p>
         </p:txBody>
       </p:sp>
-      <p:pic>
-        <p:nvPicPr>
-          <p:cNvPr id="7" name="Picture 6" descr="Chart&#10;&#10;Description automatically generated with low confidence">
-            <a:extLst>
-              <a:ext uri="{FF2B5EF4-FFF2-40B4-BE49-F238E27FC236}">
-                <a16:creationId xmlns:a16="http://schemas.microsoft.com/office/drawing/2014/main" id="{9BBB5479-FE3B-4C53-969D-FF59EFF8F134}"/>
-              </a:ext>
-            </a:extLst>
-          </p:cNvPr>
-          <p:cNvPicPr>
-            <a:picLocks noChangeAspect="1"/>
-          </p:cNvPicPr>
-          <p:nvPr/>
-        </p:nvPicPr>
-        <p:blipFill>
-          <a:blip r:embed="rId4">
-            <a:extLst>
-              <a:ext uri="{28A0092B-C50C-407E-A947-70E740481C1C}">
-                <a14:useLocalDpi xmlns:a14="http://schemas.microsoft.com/office/drawing/2010/main" val="0"/>
-              </a:ext>
-            </a:extLst>
-          </a:blip>
-          <a:stretch>
-            <a:fillRect/>
-          </a:stretch>
-        </p:blipFill>
-        <p:spPr>
-          <a:xfrm>
-            <a:off x="162018" y="1690688"/>
-            <a:ext cx="4882718" cy="4799653"/>
-          </a:xfrm>
-          <a:prstGeom prst="rect">
-            <a:avLst/>
-          </a:prstGeom>
-        </p:spPr>
-      </p:pic>
       <p:sp>
         <p:nvSpPr>
           <p:cNvPr id="6" name="Footer Placeholder 5">
@@ -12753,12 +12648,146 @@
           </a:p>
         </p:txBody>
       </p:sp>
+      <mc:AlternateContent xmlns:mc="http://schemas.openxmlformats.org/markup-compatibility/2006">
+        <mc:Choice xmlns:a14="http://schemas.microsoft.com/office/drawing/2010/main" Requires="a14">
+          <p:sp>
+            <p:nvSpPr>
+              <p:cNvPr id="9" name="TextBox 8">
+                <a:extLst>
+                  <a:ext uri="{FF2B5EF4-FFF2-40B4-BE49-F238E27FC236}">
+                    <a16:creationId xmlns:a16="http://schemas.microsoft.com/office/drawing/2014/main" id="{2688B285-D2EC-44E9-827C-2482ADF2FECA}"/>
+                  </a:ext>
+                </a:extLst>
+              </p:cNvPr>
+              <p:cNvSpPr txBox="1"/>
+              <p:nvPr/>
+            </p:nvSpPr>
+            <p:spPr>
+              <a:xfrm>
+                <a:off x="115409" y="6171558"/>
+                <a:ext cx="4580878" cy="584775"/>
+              </a:xfrm>
+              <a:prstGeom prst="rect">
+                <a:avLst/>
+              </a:prstGeom>
+              <a:noFill/>
+            </p:spPr>
+            <p:txBody>
+              <a:bodyPr wrap="square" rtlCol="0">
+                <a:spAutoFit/>
+              </a:bodyPr>
+              <a:lstStyle/>
+              <a:p>
+                <a:r>
+                  <a:rPr lang="en-US" sz="1600" b="1" dirty="0">
+                    <a:latin typeface="Arial" panose="020B0604020202020204" pitchFamily="34" charset="0"/>
+                    <a:cs typeface="Arial" panose="020B0604020202020204" pitchFamily="34" charset="0"/>
+                  </a:rPr>
+                  <a:t>Fig. 3</a:t>
+                </a:r>
+                <a:r>
+                  <a:rPr lang="en-US" sz="1600" dirty="0">
+                    <a:latin typeface="Arial" panose="020B0604020202020204" pitchFamily="34" charset="0"/>
+                    <a:cs typeface="Arial" panose="020B0604020202020204" pitchFamily="34" charset="0"/>
+                  </a:rPr>
+                  <a:t>: Contributions to deuteron momentum distribution with AV18 and </a:t>
+                </a:r>
+                <a14:m>
+                  <m:oMath xmlns:m="http://schemas.openxmlformats.org/officeDocument/2006/math">
+                    <m:r>
+                      <a:rPr lang="en-US" sz="1600" i="1" smtClean="0">
+                        <a:latin typeface="Cambria Math" panose="02040503050406030204" pitchFamily="18" charset="0"/>
+                        <a:ea typeface="Cambria Math" panose="02040503050406030204" pitchFamily="18" charset="0"/>
+                        <a:cs typeface="Arial" panose="020B0604020202020204" pitchFamily="34" charset="0"/>
+                      </a:rPr>
+                      <m:t>𝜆</m:t>
+                    </m:r>
+                    <m:r>
+                      <a:rPr lang="en-US" sz="1600" b="0" i="1" smtClean="0">
+                        <a:latin typeface="Cambria Math" panose="02040503050406030204" pitchFamily="18" charset="0"/>
+                        <a:ea typeface="Cambria Math" panose="02040503050406030204" pitchFamily="18" charset="0"/>
+                        <a:cs typeface="Arial" panose="020B0604020202020204" pitchFamily="34" charset="0"/>
+                      </a:rPr>
+                      <m:t>=1.35</m:t>
+                    </m:r>
+                  </m:oMath>
+                </a14:m>
+                <a:r>
+                  <a:rPr lang="en-US" sz="1600" dirty="0">
+                    <a:latin typeface="Arial" panose="020B0604020202020204" pitchFamily="34" charset="0"/>
+                    <a:cs typeface="Arial" panose="020B0604020202020204" pitchFamily="34" charset="0"/>
+                  </a:rPr>
+                  <a:t> fm</a:t>
+                </a:r>
+                <a:r>
+                  <a:rPr lang="en-US" sz="1600" baseline="30000" dirty="0">
+                    <a:latin typeface="Arial" panose="020B0604020202020204" pitchFamily="34" charset="0"/>
+                    <a:cs typeface="Arial" panose="020B0604020202020204" pitchFamily="34" charset="0"/>
+                  </a:rPr>
+                  <a:t>-1</a:t>
+                </a:r>
+                <a:r>
+                  <a:rPr lang="en-US" sz="1600" dirty="0">
+                    <a:latin typeface="Arial" panose="020B0604020202020204" pitchFamily="34" charset="0"/>
+                    <a:cs typeface="Arial" panose="020B0604020202020204" pitchFamily="34" charset="0"/>
+                  </a:rPr>
+                  <a:t>.</a:t>
+                </a:r>
+              </a:p>
+            </p:txBody>
+          </p:sp>
+        </mc:Choice>
+        <mc:Fallback>
+          <p:sp>
+            <p:nvSpPr>
+              <p:cNvPr id="9" name="TextBox 8">
+                <a:extLst>
+                  <a:ext uri="{FF2B5EF4-FFF2-40B4-BE49-F238E27FC236}">
+                    <a16:creationId xmlns:a16="http://schemas.microsoft.com/office/drawing/2014/main" id="{2688B285-D2EC-44E9-827C-2482ADF2FECA}"/>
+                  </a:ext>
+                </a:extLst>
+              </p:cNvPr>
+              <p:cNvSpPr txBox="1">
+                <a:spLocks noRot="1" noChangeAspect="1" noMove="1" noResize="1" noEditPoints="1" noAdjustHandles="1" noChangeArrowheads="1" noChangeShapeType="1" noTextEdit="1"/>
+              </p:cNvSpPr>
+              <p:nvPr/>
+            </p:nvSpPr>
+            <p:spPr>
+              <a:xfrm>
+                <a:off x="115409" y="6171558"/>
+                <a:ext cx="4580878" cy="584775"/>
+              </a:xfrm>
+              <a:prstGeom prst="rect">
+                <a:avLst/>
+              </a:prstGeom>
+              <a:blipFill>
+                <a:blip r:embed="rId4"/>
+                <a:stretch>
+                  <a:fillRect l="-799" t="-3125" b="-12500"/>
+                </a:stretch>
+              </a:blipFill>
+            </p:spPr>
+            <p:txBody>
+              <a:bodyPr/>
+              <a:lstStyle/>
+              <a:p>
+                <a:r>
+                  <a:rPr lang="en-US">
+                    <a:noFill/>
+                  </a:rPr>
+                  <a:t> </a:t>
+                </a:r>
+              </a:p>
+            </p:txBody>
+          </p:sp>
+        </mc:Fallback>
+      </mc:AlternateContent>
       <p:pic>
         <p:nvPicPr>
-          <p:cNvPr id="8" name="Picture 7" descr="Chart&#10;&#10;Description automatically generated">
+          <p:cNvPr id="10" name="Picture 9" descr="Chart&#10;&#10;Description automatically generated with medium confidence">
             <a:extLst>
               <a:ext uri="{FF2B5EF4-FFF2-40B4-BE49-F238E27FC236}">
-                <a16:creationId xmlns:a16="http://schemas.microsoft.com/office/drawing/2014/main" id="{98B744CA-BF7D-4425-A11A-C89384D5A767}"/>
+                <a16:creationId xmlns:a16="http://schemas.microsoft.com/office/drawing/2014/main" id="{D767E0D9-275D-449A-A040-918694D8D4CB}"/>
               </a:ext>
             </a:extLst>
           </p:cNvPr>
@@ -12781,8 +12810,44 @@
         </p:blipFill>
         <p:spPr>
           <a:xfrm>
-            <a:off x="161042" y="1689741"/>
-            <a:ext cx="4883694" cy="4800600"/>
+            <a:off x="0" y="1330643"/>
+            <a:ext cx="5183257" cy="4846320"/>
+          </a:xfrm>
+          <a:prstGeom prst="rect">
+            <a:avLst/>
+          </a:prstGeom>
+        </p:spPr>
+      </p:pic>
+      <p:pic>
+        <p:nvPicPr>
+          <p:cNvPr id="11" name="Picture 10" descr="Chart, line chart&#10;&#10;Description automatically generated">
+            <a:extLst>
+              <a:ext uri="{FF2B5EF4-FFF2-40B4-BE49-F238E27FC236}">
+                <a16:creationId xmlns:a16="http://schemas.microsoft.com/office/drawing/2014/main" id="{166A3E21-C887-47AC-B31D-397F548704C6}"/>
+              </a:ext>
+            </a:extLst>
+          </p:cNvPr>
+          <p:cNvPicPr>
+            <a:picLocks noChangeAspect="1"/>
+          </p:cNvPicPr>
+          <p:nvPr/>
+        </p:nvPicPr>
+        <p:blipFill>
+          <a:blip r:embed="rId6">
+            <a:extLst>
+              <a:ext uri="{28A0092B-C50C-407E-A947-70E740481C1C}">
+                <a14:useLocalDpi xmlns:a14="http://schemas.microsoft.com/office/drawing/2010/main" val="0"/>
+              </a:ext>
+            </a:extLst>
+          </a:blip>
+          <a:stretch>
+            <a:fillRect/>
+          </a:stretch>
+        </p:blipFill>
+        <p:spPr>
+          <a:xfrm>
+            <a:off x="-1" y="1325238"/>
+            <a:ext cx="5183257" cy="4846320"/>
           </a:xfrm>
           <a:prstGeom prst="rect">
             <a:avLst/>
@@ -14126,42 +14191,6 @@
           </a:p>
         </p:txBody>
       </p:sp>
-      <p:pic>
-        <p:nvPicPr>
-          <p:cNvPr id="7" name="Picture 6" descr="Chart&#10;&#10;Description automatically generated with low confidence">
-            <a:extLst>
-              <a:ext uri="{FF2B5EF4-FFF2-40B4-BE49-F238E27FC236}">
-                <a16:creationId xmlns:a16="http://schemas.microsoft.com/office/drawing/2014/main" id="{9BBB5479-FE3B-4C53-969D-FF59EFF8F134}"/>
-              </a:ext>
-            </a:extLst>
-          </p:cNvPr>
-          <p:cNvPicPr>
-            <a:picLocks noChangeAspect="1"/>
-          </p:cNvPicPr>
-          <p:nvPr/>
-        </p:nvPicPr>
-        <p:blipFill>
-          <a:blip r:embed="rId4">
-            <a:extLst>
-              <a:ext uri="{28A0092B-C50C-407E-A947-70E740481C1C}">
-                <a14:useLocalDpi xmlns:a14="http://schemas.microsoft.com/office/drawing/2010/main" val="0"/>
-              </a:ext>
-            </a:extLst>
-          </a:blip>
-          <a:stretch>
-            <a:fillRect/>
-          </a:stretch>
-        </p:blipFill>
-        <p:spPr>
-          <a:xfrm>
-            <a:off x="162018" y="1690688"/>
-            <a:ext cx="4882718" cy="4799653"/>
-          </a:xfrm>
-          <a:prstGeom prst="rect">
-            <a:avLst/>
-          </a:prstGeom>
-        </p:spPr>
-      </p:pic>
       <p:sp>
         <p:nvSpPr>
           <p:cNvPr id="6" name="Footer Placeholder 5">
@@ -14190,12 +14219,146 @@
           </a:p>
         </p:txBody>
       </p:sp>
+      <mc:AlternateContent xmlns:mc="http://schemas.openxmlformats.org/markup-compatibility/2006">
+        <mc:Choice xmlns:a14="http://schemas.microsoft.com/office/drawing/2010/main" Requires="a14">
+          <p:sp>
+            <p:nvSpPr>
+              <p:cNvPr id="10" name="TextBox 9">
+                <a:extLst>
+                  <a:ext uri="{FF2B5EF4-FFF2-40B4-BE49-F238E27FC236}">
+                    <a16:creationId xmlns:a16="http://schemas.microsoft.com/office/drawing/2014/main" id="{B04668F7-2418-4E48-9163-975D93BBBEE1}"/>
+                  </a:ext>
+                </a:extLst>
+              </p:cNvPr>
+              <p:cNvSpPr txBox="1"/>
+              <p:nvPr/>
+            </p:nvSpPr>
+            <p:spPr>
+              <a:xfrm>
+                <a:off x="115409" y="6171558"/>
+                <a:ext cx="4580878" cy="584775"/>
+              </a:xfrm>
+              <a:prstGeom prst="rect">
+                <a:avLst/>
+              </a:prstGeom>
+              <a:noFill/>
+            </p:spPr>
+            <p:txBody>
+              <a:bodyPr wrap="square" rtlCol="0">
+                <a:spAutoFit/>
+              </a:bodyPr>
+              <a:lstStyle/>
+              <a:p>
+                <a:r>
+                  <a:rPr lang="en-US" sz="1600" b="1" dirty="0">
+                    <a:latin typeface="Arial" panose="020B0604020202020204" pitchFamily="34" charset="0"/>
+                    <a:cs typeface="Arial" panose="020B0604020202020204" pitchFamily="34" charset="0"/>
+                  </a:rPr>
+                  <a:t>Fig. 3</a:t>
+                </a:r>
+                <a:r>
+                  <a:rPr lang="en-US" sz="1600" dirty="0">
+                    <a:latin typeface="Arial" panose="020B0604020202020204" pitchFamily="34" charset="0"/>
+                    <a:cs typeface="Arial" panose="020B0604020202020204" pitchFamily="34" charset="0"/>
+                  </a:rPr>
+                  <a:t>: Contributions to deuteron momentum distribution with AV18 and </a:t>
+                </a:r>
+                <a14:m>
+                  <m:oMath xmlns:m="http://schemas.openxmlformats.org/officeDocument/2006/math">
+                    <m:r>
+                      <a:rPr lang="en-US" sz="1600" i="1" smtClean="0">
+                        <a:latin typeface="Cambria Math" panose="02040503050406030204" pitchFamily="18" charset="0"/>
+                        <a:ea typeface="Cambria Math" panose="02040503050406030204" pitchFamily="18" charset="0"/>
+                        <a:cs typeface="Arial" panose="020B0604020202020204" pitchFamily="34" charset="0"/>
+                      </a:rPr>
+                      <m:t>𝜆</m:t>
+                    </m:r>
+                    <m:r>
+                      <a:rPr lang="en-US" sz="1600" b="0" i="1" smtClean="0">
+                        <a:latin typeface="Cambria Math" panose="02040503050406030204" pitchFamily="18" charset="0"/>
+                        <a:ea typeface="Cambria Math" panose="02040503050406030204" pitchFamily="18" charset="0"/>
+                        <a:cs typeface="Arial" panose="020B0604020202020204" pitchFamily="34" charset="0"/>
+                      </a:rPr>
+                      <m:t>=1.35</m:t>
+                    </m:r>
+                  </m:oMath>
+                </a14:m>
+                <a:r>
+                  <a:rPr lang="en-US" sz="1600" dirty="0">
+                    <a:latin typeface="Arial" panose="020B0604020202020204" pitchFamily="34" charset="0"/>
+                    <a:cs typeface="Arial" panose="020B0604020202020204" pitchFamily="34" charset="0"/>
+                  </a:rPr>
+                  <a:t> fm</a:t>
+                </a:r>
+                <a:r>
+                  <a:rPr lang="en-US" sz="1600" baseline="30000" dirty="0">
+                    <a:latin typeface="Arial" panose="020B0604020202020204" pitchFamily="34" charset="0"/>
+                    <a:cs typeface="Arial" panose="020B0604020202020204" pitchFamily="34" charset="0"/>
+                  </a:rPr>
+                  <a:t>-1</a:t>
+                </a:r>
+                <a:r>
+                  <a:rPr lang="en-US" sz="1600" dirty="0">
+                    <a:latin typeface="Arial" panose="020B0604020202020204" pitchFamily="34" charset="0"/>
+                    <a:cs typeface="Arial" panose="020B0604020202020204" pitchFamily="34" charset="0"/>
+                  </a:rPr>
+                  <a:t>.</a:t>
+                </a:r>
+              </a:p>
+            </p:txBody>
+          </p:sp>
+        </mc:Choice>
+        <mc:Fallback>
+          <p:sp>
+            <p:nvSpPr>
+              <p:cNvPr id="10" name="TextBox 9">
+                <a:extLst>
+                  <a:ext uri="{FF2B5EF4-FFF2-40B4-BE49-F238E27FC236}">
+                    <a16:creationId xmlns:a16="http://schemas.microsoft.com/office/drawing/2014/main" id="{B04668F7-2418-4E48-9163-975D93BBBEE1}"/>
+                  </a:ext>
+                </a:extLst>
+              </p:cNvPr>
+              <p:cNvSpPr txBox="1">
+                <a:spLocks noRot="1" noChangeAspect="1" noMove="1" noResize="1" noEditPoints="1" noAdjustHandles="1" noChangeArrowheads="1" noChangeShapeType="1" noTextEdit="1"/>
+              </p:cNvSpPr>
+              <p:nvPr/>
+            </p:nvSpPr>
+            <p:spPr>
+              <a:xfrm>
+                <a:off x="115409" y="6171558"/>
+                <a:ext cx="4580878" cy="584775"/>
+              </a:xfrm>
+              <a:prstGeom prst="rect">
+                <a:avLst/>
+              </a:prstGeom>
+              <a:blipFill>
+                <a:blip r:embed="rId4"/>
+                <a:stretch>
+                  <a:fillRect l="-799" t="-3125" b="-12500"/>
+                </a:stretch>
+              </a:blipFill>
+            </p:spPr>
+            <p:txBody>
+              <a:bodyPr/>
+              <a:lstStyle/>
+              <a:p>
+                <a:r>
+                  <a:rPr lang="en-US">
+                    <a:noFill/>
+                  </a:rPr>
+                  <a:t> </a:t>
+                </a:r>
+              </a:p>
+            </p:txBody>
+          </p:sp>
+        </mc:Fallback>
+      </mc:AlternateContent>
       <p:pic>
         <p:nvPicPr>
-          <p:cNvPr id="8" name="Picture 7" descr="Chart&#10;&#10;Description automatically generated">
+          <p:cNvPr id="11" name="Picture 10" descr="Chart&#10;&#10;Description automatically generated with medium confidence">
             <a:extLst>
               <a:ext uri="{FF2B5EF4-FFF2-40B4-BE49-F238E27FC236}">
-                <a16:creationId xmlns:a16="http://schemas.microsoft.com/office/drawing/2014/main" id="{98B744CA-BF7D-4425-A11A-C89384D5A767}"/>
+                <a16:creationId xmlns:a16="http://schemas.microsoft.com/office/drawing/2014/main" id="{7812D5FD-AF32-4F4C-916D-49A969207316}"/>
               </a:ext>
             </a:extLst>
           </p:cNvPr>
@@ -14218,8 +14381,8 @@
         </p:blipFill>
         <p:spPr>
           <a:xfrm>
-            <a:off x="161042" y="1689741"/>
-            <a:ext cx="4883694" cy="4800600"/>
+            <a:off x="0" y="1330643"/>
+            <a:ext cx="5183257" cy="4846320"/>
           </a:xfrm>
           <a:prstGeom prst="rect">
             <a:avLst/>
@@ -14228,10 +14391,10 @@
       </p:pic>
       <p:pic>
         <p:nvPicPr>
-          <p:cNvPr id="9" name="Picture 8" descr="Chart, histogram&#10;&#10;Description automatically generated">
+          <p:cNvPr id="12" name="Picture 11" descr="Chart, histogram&#10;&#10;Description automatically generated">
             <a:extLst>
               <a:ext uri="{FF2B5EF4-FFF2-40B4-BE49-F238E27FC236}">
-                <a16:creationId xmlns:a16="http://schemas.microsoft.com/office/drawing/2014/main" id="{8EF30B7C-BEE5-4ECC-BC1B-C30CFD2F8213}"/>
+                <a16:creationId xmlns:a16="http://schemas.microsoft.com/office/drawing/2014/main" id="{BFC64F92-B78B-48E8-B59E-B66D87D70F97}"/>
               </a:ext>
             </a:extLst>
           </p:cNvPr>
@@ -14254,8 +14417,8 @@
         </p:blipFill>
         <p:spPr>
           <a:xfrm>
-            <a:off x="161042" y="1689741"/>
-            <a:ext cx="4883693" cy="4800600"/>
+            <a:off x="-1" y="1325238"/>
+            <a:ext cx="5183257" cy="4846320"/>
           </a:xfrm>
           <a:prstGeom prst="rect">
             <a:avLst/>
@@ -15927,42 +16090,6 @@
           </a:p>
         </p:txBody>
       </p:sp>
-      <p:pic>
-        <p:nvPicPr>
-          <p:cNvPr id="7" name="Picture 6" descr="Chart&#10;&#10;Description automatically generated with low confidence">
-            <a:extLst>
-              <a:ext uri="{FF2B5EF4-FFF2-40B4-BE49-F238E27FC236}">
-                <a16:creationId xmlns:a16="http://schemas.microsoft.com/office/drawing/2014/main" id="{9BBB5479-FE3B-4C53-969D-FF59EFF8F134}"/>
-              </a:ext>
-            </a:extLst>
-          </p:cNvPr>
-          <p:cNvPicPr>
-            <a:picLocks noChangeAspect="1"/>
-          </p:cNvPicPr>
-          <p:nvPr/>
-        </p:nvPicPr>
-        <p:blipFill>
-          <a:blip r:embed="rId4">
-            <a:extLst>
-              <a:ext uri="{28A0092B-C50C-407E-A947-70E740481C1C}">
-                <a14:useLocalDpi xmlns:a14="http://schemas.microsoft.com/office/drawing/2010/main" val="0"/>
-              </a:ext>
-            </a:extLst>
-          </a:blip>
-          <a:stretch>
-            <a:fillRect/>
-          </a:stretch>
-        </p:blipFill>
-        <p:spPr>
-          <a:xfrm>
-            <a:off x="162018" y="1690688"/>
-            <a:ext cx="4882718" cy="4799653"/>
-          </a:xfrm>
-          <a:prstGeom prst="rect">
-            <a:avLst/>
-          </a:prstGeom>
-        </p:spPr>
-      </p:pic>
       <p:sp>
         <p:nvSpPr>
           <p:cNvPr id="6" name="Footer Placeholder 5">
@@ -15991,12 +16118,146 @@
           </a:p>
         </p:txBody>
       </p:sp>
+      <mc:AlternateContent xmlns:mc="http://schemas.openxmlformats.org/markup-compatibility/2006">
+        <mc:Choice xmlns:a14="http://schemas.microsoft.com/office/drawing/2010/main" Requires="a14">
+          <p:sp>
+            <p:nvSpPr>
+              <p:cNvPr id="11" name="TextBox 10">
+                <a:extLst>
+                  <a:ext uri="{FF2B5EF4-FFF2-40B4-BE49-F238E27FC236}">
+                    <a16:creationId xmlns:a16="http://schemas.microsoft.com/office/drawing/2014/main" id="{8A5663CF-6306-46D3-A88B-BD146E05A505}"/>
+                  </a:ext>
+                </a:extLst>
+              </p:cNvPr>
+              <p:cNvSpPr txBox="1"/>
+              <p:nvPr/>
+            </p:nvSpPr>
+            <p:spPr>
+              <a:xfrm>
+                <a:off x="115409" y="6171558"/>
+                <a:ext cx="4580878" cy="584775"/>
+              </a:xfrm>
+              <a:prstGeom prst="rect">
+                <a:avLst/>
+              </a:prstGeom>
+              <a:noFill/>
+            </p:spPr>
+            <p:txBody>
+              <a:bodyPr wrap="square" rtlCol="0">
+                <a:spAutoFit/>
+              </a:bodyPr>
+              <a:lstStyle/>
+              <a:p>
+                <a:r>
+                  <a:rPr lang="en-US" sz="1600" b="1" dirty="0">
+                    <a:latin typeface="Arial" panose="020B0604020202020204" pitchFamily="34" charset="0"/>
+                    <a:cs typeface="Arial" panose="020B0604020202020204" pitchFamily="34" charset="0"/>
+                  </a:rPr>
+                  <a:t>Fig. 3</a:t>
+                </a:r>
+                <a:r>
+                  <a:rPr lang="en-US" sz="1600" dirty="0">
+                    <a:latin typeface="Arial" panose="020B0604020202020204" pitchFamily="34" charset="0"/>
+                    <a:cs typeface="Arial" panose="020B0604020202020204" pitchFamily="34" charset="0"/>
+                  </a:rPr>
+                  <a:t>: Contributions to deuteron momentum distribution with AV18 and </a:t>
+                </a:r>
+                <a14:m>
+                  <m:oMath xmlns:m="http://schemas.openxmlformats.org/officeDocument/2006/math">
+                    <m:r>
+                      <a:rPr lang="en-US" sz="1600" i="1" smtClean="0">
+                        <a:latin typeface="Cambria Math" panose="02040503050406030204" pitchFamily="18" charset="0"/>
+                        <a:ea typeface="Cambria Math" panose="02040503050406030204" pitchFamily="18" charset="0"/>
+                        <a:cs typeface="Arial" panose="020B0604020202020204" pitchFamily="34" charset="0"/>
+                      </a:rPr>
+                      <m:t>𝜆</m:t>
+                    </m:r>
+                    <m:r>
+                      <a:rPr lang="en-US" sz="1600" b="0" i="1" smtClean="0">
+                        <a:latin typeface="Cambria Math" panose="02040503050406030204" pitchFamily="18" charset="0"/>
+                        <a:ea typeface="Cambria Math" panose="02040503050406030204" pitchFamily="18" charset="0"/>
+                        <a:cs typeface="Arial" panose="020B0604020202020204" pitchFamily="34" charset="0"/>
+                      </a:rPr>
+                      <m:t>=1.35</m:t>
+                    </m:r>
+                  </m:oMath>
+                </a14:m>
+                <a:r>
+                  <a:rPr lang="en-US" sz="1600" dirty="0">
+                    <a:latin typeface="Arial" panose="020B0604020202020204" pitchFamily="34" charset="0"/>
+                    <a:cs typeface="Arial" panose="020B0604020202020204" pitchFamily="34" charset="0"/>
+                  </a:rPr>
+                  <a:t> fm</a:t>
+                </a:r>
+                <a:r>
+                  <a:rPr lang="en-US" sz="1600" baseline="30000" dirty="0">
+                    <a:latin typeface="Arial" panose="020B0604020202020204" pitchFamily="34" charset="0"/>
+                    <a:cs typeface="Arial" panose="020B0604020202020204" pitchFamily="34" charset="0"/>
+                  </a:rPr>
+                  <a:t>-1</a:t>
+                </a:r>
+                <a:r>
+                  <a:rPr lang="en-US" sz="1600" dirty="0">
+                    <a:latin typeface="Arial" panose="020B0604020202020204" pitchFamily="34" charset="0"/>
+                    <a:cs typeface="Arial" panose="020B0604020202020204" pitchFamily="34" charset="0"/>
+                  </a:rPr>
+                  <a:t>.</a:t>
+                </a:r>
+              </a:p>
+            </p:txBody>
+          </p:sp>
+        </mc:Choice>
+        <mc:Fallback>
+          <p:sp>
+            <p:nvSpPr>
+              <p:cNvPr id="11" name="TextBox 10">
+                <a:extLst>
+                  <a:ext uri="{FF2B5EF4-FFF2-40B4-BE49-F238E27FC236}">
+                    <a16:creationId xmlns:a16="http://schemas.microsoft.com/office/drawing/2014/main" id="{8A5663CF-6306-46D3-A88B-BD146E05A505}"/>
+                  </a:ext>
+                </a:extLst>
+              </p:cNvPr>
+              <p:cNvSpPr txBox="1">
+                <a:spLocks noRot="1" noChangeAspect="1" noMove="1" noResize="1" noEditPoints="1" noAdjustHandles="1" noChangeArrowheads="1" noChangeShapeType="1" noTextEdit="1"/>
+              </p:cNvSpPr>
+              <p:nvPr/>
+            </p:nvSpPr>
+            <p:spPr>
+              <a:xfrm>
+                <a:off x="115409" y="6171558"/>
+                <a:ext cx="4580878" cy="584775"/>
+              </a:xfrm>
+              <a:prstGeom prst="rect">
+                <a:avLst/>
+              </a:prstGeom>
+              <a:blipFill>
+                <a:blip r:embed="rId4"/>
+                <a:stretch>
+                  <a:fillRect l="-799" t="-3125" b="-12500"/>
+                </a:stretch>
+              </a:blipFill>
+            </p:spPr>
+            <p:txBody>
+              <a:bodyPr/>
+              <a:lstStyle/>
+              <a:p>
+                <a:r>
+                  <a:rPr lang="en-US">
+                    <a:noFill/>
+                  </a:rPr>
+                  <a:t> </a:t>
+                </a:r>
+              </a:p>
+            </p:txBody>
+          </p:sp>
+        </mc:Fallback>
+      </mc:AlternateContent>
       <p:pic>
         <p:nvPicPr>
-          <p:cNvPr id="8" name="Picture 7" descr="Chart&#10;&#10;Description automatically generated">
+          <p:cNvPr id="12" name="Picture 11" descr="Chart&#10;&#10;Description automatically generated with medium confidence">
             <a:extLst>
               <a:ext uri="{FF2B5EF4-FFF2-40B4-BE49-F238E27FC236}">
-                <a16:creationId xmlns:a16="http://schemas.microsoft.com/office/drawing/2014/main" id="{98B744CA-BF7D-4425-A11A-C89384D5A767}"/>
+                <a16:creationId xmlns:a16="http://schemas.microsoft.com/office/drawing/2014/main" id="{2ED5F962-EA58-4406-8A82-E54529D1CE86}"/>
               </a:ext>
             </a:extLst>
           </p:cNvPr>
@@ -16019,8 +16280,8 @@
         </p:blipFill>
         <p:spPr>
           <a:xfrm>
-            <a:off x="161042" y="1689741"/>
-            <a:ext cx="4883694" cy="4800600"/>
+            <a:off x="0" y="1330643"/>
+            <a:ext cx="5183257" cy="4846320"/>
           </a:xfrm>
           <a:prstGeom prst="rect">
             <a:avLst/>
@@ -16029,10 +16290,10 @@
       </p:pic>
       <p:pic>
         <p:nvPicPr>
-          <p:cNvPr id="9" name="Picture 8" descr="Chart, histogram&#10;&#10;Description automatically generated">
+          <p:cNvPr id="13" name="Picture 12" descr="Chart, line chart&#10;&#10;Description automatically generated">
             <a:extLst>
               <a:ext uri="{FF2B5EF4-FFF2-40B4-BE49-F238E27FC236}">
-                <a16:creationId xmlns:a16="http://schemas.microsoft.com/office/drawing/2014/main" id="{8EF30B7C-BEE5-4ECC-BC1B-C30CFD2F8213}"/>
+                <a16:creationId xmlns:a16="http://schemas.microsoft.com/office/drawing/2014/main" id="{8F21E53A-79F4-42E2-ACBC-FBD48823E700}"/>
               </a:ext>
             </a:extLst>
           </p:cNvPr>
@@ -16055,44 +16316,8 @@
         </p:blipFill>
         <p:spPr>
           <a:xfrm>
-            <a:off x="161042" y="1689741"/>
-            <a:ext cx="4883693" cy="4800600"/>
-          </a:xfrm>
-          <a:prstGeom prst="rect">
-            <a:avLst/>
-          </a:prstGeom>
-        </p:spPr>
-      </p:pic>
-      <p:pic>
-        <p:nvPicPr>
-          <p:cNvPr id="10" name="Picture 9" descr="Chart, line chart&#10;&#10;Description automatically generated">
-            <a:extLst>
-              <a:ext uri="{FF2B5EF4-FFF2-40B4-BE49-F238E27FC236}">
-                <a16:creationId xmlns:a16="http://schemas.microsoft.com/office/drawing/2014/main" id="{3F9E7D0B-25CA-4B18-98A8-A0A74D960323}"/>
-              </a:ext>
-            </a:extLst>
-          </p:cNvPr>
-          <p:cNvPicPr>
-            <a:picLocks noChangeAspect="1"/>
-          </p:cNvPicPr>
-          <p:nvPr/>
-        </p:nvPicPr>
-        <p:blipFill>
-          <a:blip r:embed="rId7">
-            <a:extLst>
-              <a:ext uri="{28A0092B-C50C-407E-A947-70E740481C1C}">
-                <a14:useLocalDpi xmlns:a14="http://schemas.microsoft.com/office/drawing/2010/main" val="0"/>
-              </a:ext>
-            </a:extLst>
-          </a:blip>
-          <a:stretch>
-            <a:fillRect/>
-          </a:stretch>
-        </p:blipFill>
-        <p:spPr>
-          <a:xfrm>
-            <a:off x="161041" y="1689741"/>
-            <a:ext cx="4883682" cy="4800600"/>
+            <a:off x="-1" y="1325238"/>
+            <a:ext cx="5183257" cy="4846320"/>
           </a:xfrm>
           <a:prstGeom prst="rect">
             <a:avLst/>
@@ -16267,42 +16492,6 @@
           </a:p>
         </p:txBody>
       </p:sp>
-      <p:pic>
-        <p:nvPicPr>
-          <p:cNvPr id="7" name="Picture 6" descr="Chart&#10;&#10;Description automatically generated with low confidence">
-            <a:extLst>
-              <a:ext uri="{FF2B5EF4-FFF2-40B4-BE49-F238E27FC236}">
-                <a16:creationId xmlns:a16="http://schemas.microsoft.com/office/drawing/2014/main" id="{9BBB5479-FE3B-4C53-969D-FF59EFF8F134}"/>
-              </a:ext>
-            </a:extLst>
-          </p:cNvPr>
-          <p:cNvPicPr>
-            <a:picLocks noChangeAspect="1"/>
-          </p:cNvPicPr>
-          <p:nvPr/>
-        </p:nvPicPr>
-        <p:blipFill>
-          <a:blip r:embed="rId3">
-            <a:extLst>
-              <a:ext uri="{28A0092B-C50C-407E-A947-70E740481C1C}">
-                <a14:useLocalDpi xmlns:a14="http://schemas.microsoft.com/office/drawing/2010/main" val="0"/>
-              </a:ext>
-            </a:extLst>
-          </a:blip>
-          <a:stretch>
-            <a:fillRect/>
-          </a:stretch>
-        </p:blipFill>
-        <p:spPr>
-          <a:xfrm>
-            <a:off x="162018" y="1690688"/>
-            <a:ext cx="4882718" cy="4799653"/>
-          </a:xfrm>
-          <a:prstGeom prst="rect">
-            <a:avLst/>
-          </a:prstGeom>
-        </p:spPr>
-      </p:pic>
       <p:sp>
         <p:nvSpPr>
           <p:cNvPr id="6" name="Footer Placeholder 5">
@@ -16331,116 +16520,8 @@
           </a:p>
         </p:txBody>
       </p:sp>
-      <p:pic>
-        <p:nvPicPr>
-          <p:cNvPr id="8" name="Picture 7" descr="Chart&#10;&#10;Description automatically generated">
-            <a:extLst>
-              <a:ext uri="{FF2B5EF4-FFF2-40B4-BE49-F238E27FC236}">
-                <a16:creationId xmlns:a16="http://schemas.microsoft.com/office/drawing/2014/main" id="{98B744CA-BF7D-4425-A11A-C89384D5A767}"/>
-              </a:ext>
-            </a:extLst>
-          </p:cNvPr>
-          <p:cNvPicPr>
-            <a:picLocks noChangeAspect="1"/>
-          </p:cNvPicPr>
-          <p:nvPr/>
-        </p:nvPicPr>
-        <p:blipFill>
-          <a:blip r:embed="rId4">
-            <a:extLst>
-              <a:ext uri="{28A0092B-C50C-407E-A947-70E740481C1C}">
-                <a14:useLocalDpi xmlns:a14="http://schemas.microsoft.com/office/drawing/2010/main" val="0"/>
-              </a:ext>
-            </a:extLst>
-          </a:blip>
-          <a:stretch>
-            <a:fillRect/>
-          </a:stretch>
-        </p:blipFill>
-        <p:spPr>
-          <a:xfrm>
-            <a:off x="161042" y="1689741"/>
-            <a:ext cx="4883694" cy="4800600"/>
-          </a:xfrm>
-          <a:prstGeom prst="rect">
-            <a:avLst/>
-          </a:prstGeom>
-        </p:spPr>
-      </p:pic>
-      <p:pic>
-        <p:nvPicPr>
-          <p:cNvPr id="9" name="Picture 8" descr="Chart, histogram&#10;&#10;Description automatically generated">
-            <a:extLst>
-              <a:ext uri="{FF2B5EF4-FFF2-40B4-BE49-F238E27FC236}">
-                <a16:creationId xmlns:a16="http://schemas.microsoft.com/office/drawing/2014/main" id="{8EF30B7C-BEE5-4ECC-BC1B-C30CFD2F8213}"/>
-              </a:ext>
-            </a:extLst>
-          </p:cNvPr>
-          <p:cNvPicPr>
-            <a:picLocks noChangeAspect="1"/>
-          </p:cNvPicPr>
-          <p:nvPr/>
-        </p:nvPicPr>
-        <p:blipFill>
-          <a:blip r:embed="rId5">
-            <a:extLst>
-              <a:ext uri="{28A0092B-C50C-407E-A947-70E740481C1C}">
-                <a14:useLocalDpi xmlns:a14="http://schemas.microsoft.com/office/drawing/2010/main" val="0"/>
-              </a:ext>
-            </a:extLst>
-          </a:blip>
-          <a:stretch>
-            <a:fillRect/>
-          </a:stretch>
-        </p:blipFill>
-        <p:spPr>
-          <a:xfrm>
-            <a:off x="161042" y="1689741"/>
-            <a:ext cx="4883693" cy="4800600"/>
-          </a:xfrm>
-          <a:prstGeom prst="rect">
-            <a:avLst/>
-          </a:prstGeom>
-        </p:spPr>
-      </p:pic>
-      <p:pic>
-        <p:nvPicPr>
-          <p:cNvPr id="10" name="Picture 9" descr="Chart, line chart&#10;&#10;Description automatically generated">
-            <a:extLst>
-              <a:ext uri="{FF2B5EF4-FFF2-40B4-BE49-F238E27FC236}">
-                <a16:creationId xmlns:a16="http://schemas.microsoft.com/office/drawing/2014/main" id="{3F9E7D0B-25CA-4B18-98A8-A0A74D960323}"/>
-              </a:ext>
-            </a:extLst>
-          </p:cNvPr>
-          <p:cNvPicPr>
-            <a:picLocks noChangeAspect="1"/>
-          </p:cNvPicPr>
-          <p:nvPr/>
-        </p:nvPicPr>
-        <p:blipFill>
-          <a:blip r:embed="rId6">
-            <a:extLst>
-              <a:ext uri="{28A0092B-C50C-407E-A947-70E740481C1C}">
-                <a14:useLocalDpi xmlns:a14="http://schemas.microsoft.com/office/drawing/2010/main" val="0"/>
-              </a:ext>
-            </a:extLst>
-          </a:blip>
-          <a:stretch>
-            <a:fillRect/>
-          </a:stretch>
-        </p:blipFill>
-        <p:spPr>
-          <a:xfrm>
-            <a:off x="161041" y="1689741"/>
-            <a:ext cx="4883682" cy="4800600"/>
-          </a:xfrm>
-          <a:prstGeom prst="rect">
-            <a:avLst/>
-          </a:prstGeom>
-        </p:spPr>
-      </p:pic>
-      <mc:AlternateContent xmlns:mc="http://schemas.openxmlformats.org/markup-compatibility/2006" xmlns:a14="http://schemas.microsoft.com/office/drawing/2010/main">
-        <mc:Choice Requires="a14">
+      <mc:AlternateContent xmlns:mc="http://schemas.openxmlformats.org/markup-compatibility/2006">
+        <mc:Choice xmlns:a14="http://schemas.microsoft.com/office/drawing/2010/main" Requires="a14">
           <p:sp>
             <p:nvSpPr>
               <p:cNvPr id="14" name="Content Placeholder 2">
@@ -16458,7 +16539,7 @@
             <p:spPr>
               <a:xfrm>
                 <a:off x="5273336" y="1825625"/>
-                <a:ext cx="6080464" cy="4351338"/>
+                <a:ext cx="6711518" cy="4351338"/>
               </a:xfrm>
               <a:prstGeom prst="rect">
                 <a:avLst/>
@@ -16739,7 +16820,7 @@
                 </a14:m>
                 <a:r>
                   <a:rPr lang="en-US" sz="2400" dirty="0"/>
-                  <a:t> term dominates</a:t>
+                  <a:t> 2-body term dominates</a:t>
                 </a:r>
               </a:p>
               <a:p>
@@ -17274,7 +17355,7 @@
             </p:txBody>
           </p:sp>
         </mc:Choice>
-        <mc:Fallback xmlns="">
+        <mc:Fallback>
           <p:sp>
             <p:nvSpPr>
               <p:cNvPr id="14" name="Content Placeholder 2">
@@ -17292,15 +17373,15 @@
             <p:spPr>
               <a:xfrm>
                 <a:off x="5273336" y="1825625"/>
-                <a:ext cx="6080464" cy="4351338"/>
+                <a:ext cx="6711518" cy="4351338"/>
               </a:xfrm>
               <a:prstGeom prst="rect">
                 <a:avLst/>
               </a:prstGeom>
               <a:blipFill>
-                <a:blip r:embed="rId7"/>
+                <a:blip r:embed="rId3"/>
                 <a:stretch>
-                  <a:fillRect l="-1303"/>
+                  <a:fillRect l="-1181" r="-1362"/>
                 </a:stretch>
               </a:blipFill>
             </p:spPr>
@@ -17319,6 +17400,176 @@
           </p:sp>
         </mc:Fallback>
       </mc:AlternateContent>
+      <mc:AlternateContent xmlns:mc="http://schemas.openxmlformats.org/markup-compatibility/2006">
+        <mc:Choice xmlns:a14="http://schemas.microsoft.com/office/drawing/2010/main" Requires="a14">
+          <p:sp>
+            <p:nvSpPr>
+              <p:cNvPr id="11" name="TextBox 10">
+                <a:extLst>
+                  <a:ext uri="{FF2B5EF4-FFF2-40B4-BE49-F238E27FC236}">
+                    <a16:creationId xmlns:a16="http://schemas.microsoft.com/office/drawing/2014/main" id="{29741BAC-6D96-4E46-B742-1844B134960C}"/>
+                  </a:ext>
+                </a:extLst>
+              </p:cNvPr>
+              <p:cNvSpPr txBox="1"/>
+              <p:nvPr/>
+            </p:nvSpPr>
+            <p:spPr>
+              <a:xfrm>
+                <a:off x="115409" y="6171558"/>
+                <a:ext cx="4580878" cy="584775"/>
+              </a:xfrm>
+              <a:prstGeom prst="rect">
+                <a:avLst/>
+              </a:prstGeom>
+              <a:noFill/>
+            </p:spPr>
+            <p:txBody>
+              <a:bodyPr wrap="square" rtlCol="0">
+                <a:spAutoFit/>
+              </a:bodyPr>
+              <a:lstStyle/>
+              <a:p>
+                <a:r>
+                  <a:rPr lang="en-US" sz="1600" b="1" dirty="0">
+                    <a:latin typeface="Arial" panose="020B0604020202020204" pitchFamily="34" charset="0"/>
+                    <a:cs typeface="Arial" panose="020B0604020202020204" pitchFamily="34" charset="0"/>
+                  </a:rPr>
+                  <a:t>Fig. 3</a:t>
+                </a:r>
+                <a:r>
+                  <a:rPr lang="en-US" sz="1600" dirty="0">
+                    <a:latin typeface="Arial" panose="020B0604020202020204" pitchFamily="34" charset="0"/>
+                    <a:cs typeface="Arial" panose="020B0604020202020204" pitchFamily="34" charset="0"/>
+                  </a:rPr>
+                  <a:t>: Contributions to deuteron momentum distribution with AV18 and </a:t>
+                </a:r>
+                <a14:m>
+                  <m:oMath xmlns:m="http://schemas.openxmlformats.org/officeDocument/2006/math">
+                    <m:r>
+                      <a:rPr lang="en-US" sz="1600" i="1" smtClean="0">
+                        <a:latin typeface="Cambria Math" panose="02040503050406030204" pitchFamily="18" charset="0"/>
+                        <a:ea typeface="Cambria Math" panose="02040503050406030204" pitchFamily="18" charset="0"/>
+                        <a:cs typeface="Arial" panose="020B0604020202020204" pitchFamily="34" charset="0"/>
+                      </a:rPr>
+                      <m:t>𝜆</m:t>
+                    </m:r>
+                    <m:r>
+                      <a:rPr lang="en-US" sz="1600" b="0" i="1" smtClean="0">
+                        <a:latin typeface="Cambria Math" panose="02040503050406030204" pitchFamily="18" charset="0"/>
+                        <a:ea typeface="Cambria Math" panose="02040503050406030204" pitchFamily="18" charset="0"/>
+                        <a:cs typeface="Arial" panose="020B0604020202020204" pitchFamily="34" charset="0"/>
+                      </a:rPr>
+                      <m:t>=1.35</m:t>
+                    </m:r>
+                  </m:oMath>
+                </a14:m>
+                <a:r>
+                  <a:rPr lang="en-US" sz="1600" dirty="0">
+                    <a:latin typeface="Arial" panose="020B0604020202020204" pitchFamily="34" charset="0"/>
+                    <a:cs typeface="Arial" panose="020B0604020202020204" pitchFamily="34" charset="0"/>
+                  </a:rPr>
+                  <a:t> fm</a:t>
+                </a:r>
+                <a:r>
+                  <a:rPr lang="en-US" sz="1600" baseline="30000" dirty="0">
+                    <a:latin typeface="Arial" panose="020B0604020202020204" pitchFamily="34" charset="0"/>
+                    <a:cs typeface="Arial" panose="020B0604020202020204" pitchFamily="34" charset="0"/>
+                  </a:rPr>
+                  <a:t>-1</a:t>
+                </a:r>
+                <a:r>
+                  <a:rPr lang="en-US" sz="1600" dirty="0">
+                    <a:latin typeface="Arial" panose="020B0604020202020204" pitchFamily="34" charset="0"/>
+                    <a:cs typeface="Arial" panose="020B0604020202020204" pitchFamily="34" charset="0"/>
+                  </a:rPr>
+                  <a:t>.</a:t>
+                </a:r>
+              </a:p>
+            </p:txBody>
+          </p:sp>
+        </mc:Choice>
+        <mc:Fallback>
+          <p:sp>
+            <p:nvSpPr>
+              <p:cNvPr id="11" name="TextBox 10">
+                <a:extLst>
+                  <a:ext uri="{FF2B5EF4-FFF2-40B4-BE49-F238E27FC236}">
+                    <a16:creationId xmlns:a16="http://schemas.microsoft.com/office/drawing/2014/main" id="{29741BAC-6D96-4E46-B742-1844B134960C}"/>
+                  </a:ext>
+                </a:extLst>
+              </p:cNvPr>
+              <p:cNvSpPr txBox="1">
+                <a:spLocks noRot="1" noChangeAspect="1" noMove="1" noResize="1" noEditPoints="1" noAdjustHandles="1" noChangeArrowheads="1" noChangeShapeType="1" noTextEdit="1"/>
+              </p:cNvSpPr>
+              <p:nvPr/>
+            </p:nvSpPr>
+            <p:spPr>
+              <a:xfrm>
+                <a:off x="115409" y="6171558"/>
+                <a:ext cx="4580878" cy="584775"/>
+              </a:xfrm>
+              <a:prstGeom prst="rect">
+                <a:avLst/>
+              </a:prstGeom>
+              <a:blipFill>
+                <a:blip r:embed="rId4"/>
+                <a:stretch>
+                  <a:fillRect l="-799" t="-3125" b="-12500"/>
+                </a:stretch>
+              </a:blipFill>
+            </p:spPr>
+            <p:txBody>
+              <a:bodyPr/>
+              <a:lstStyle/>
+              <a:p>
+                <a:r>
+                  <a:rPr lang="en-US">
+                    <a:noFill/>
+                  </a:rPr>
+                  <a:t> </a:t>
+                </a:r>
+              </a:p>
+            </p:txBody>
+          </p:sp>
+        </mc:Fallback>
+      </mc:AlternateContent>
+      <p:pic>
+        <p:nvPicPr>
+          <p:cNvPr id="12" name="Picture 11" descr="Chart, line chart&#10;&#10;Description automatically generated">
+            <a:extLst>
+              <a:ext uri="{FF2B5EF4-FFF2-40B4-BE49-F238E27FC236}">
+                <a16:creationId xmlns:a16="http://schemas.microsoft.com/office/drawing/2014/main" id="{1BDF93BD-03DF-4845-8EB9-67CFC7060331}"/>
+              </a:ext>
+            </a:extLst>
+          </p:cNvPr>
+          <p:cNvPicPr>
+            <a:picLocks noChangeAspect="1"/>
+          </p:cNvPicPr>
+          <p:nvPr/>
+        </p:nvPicPr>
+        <p:blipFill>
+          <a:blip r:embed="rId5">
+            <a:extLst>
+              <a:ext uri="{28A0092B-C50C-407E-A947-70E740481C1C}">
+                <a14:useLocalDpi xmlns:a14="http://schemas.microsoft.com/office/drawing/2010/main" val="0"/>
+              </a:ext>
+            </a:extLst>
+          </a:blip>
+          <a:stretch>
+            <a:fillRect/>
+          </a:stretch>
+        </p:blipFill>
+        <p:spPr>
+          <a:xfrm>
+            <a:off x="-1" y="1325238"/>
+            <a:ext cx="5183257" cy="4846320"/>
+          </a:xfrm>
+          <a:prstGeom prst="rect">
+            <a:avLst/>
+          </a:prstGeom>
+        </p:spPr>
+      </p:pic>
     </p:spTree>
     <p:extLst>
       <p:ext uri="{BB962C8B-B14F-4D97-AF65-F5344CB8AC3E}">
@@ -17487,42 +17738,6 @@
           </a:p>
         </p:txBody>
       </p:sp>
-      <p:pic>
-        <p:nvPicPr>
-          <p:cNvPr id="7" name="Picture 6" descr="Chart&#10;&#10;Description automatically generated with low confidence">
-            <a:extLst>
-              <a:ext uri="{FF2B5EF4-FFF2-40B4-BE49-F238E27FC236}">
-                <a16:creationId xmlns:a16="http://schemas.microsoft.com/office/drawing/2014/main" id="{9BBB5479-FE3B-4C53-969D-FF59EFF8F134}"/>
-              </a:ext>
-            </a:extLst>
-          </p:cNvPr>
-          <p:cNvPicPr>
-            <a:picLocks noChangeAspect="1"/>
-          </p:cNvPicPr>
-          <p:nvPr/>
-        </p:nvPicPr>
-        <p:blipFill>
-          <a:blip r:embed="rId3">
-            <a:extLst>
-              <a:ext uri="{28A0092B-C50C-407E-A947-70E740481C1C}">
-                <a14:useLocalDpi xmlns:a14="http://schemas.microsoft.com/office/drawing/2010/main" val="0"/>
-              </a:ext>
-            </a:extLst>
-          </a:blip>
-          <a:stretch>
-            <a:fillRect/>
-          </a:stretch>
-        </p:blipFill>
-        <p:spPr>
-          <a:xfrm>
-            <a:off x="162018" y="1690688"/>
-            <a:ext cx="4882718" cy="4799653"/>
-          </a:xfrm>
-          <a:prstGeom prst="rect">
-            <a:avLst/>
-          </a:prstGeom>
-        </p:spPr>
-      </p:pic>
       <p:sp>
         <p:nvSpPr>
           <p:cNvPr id="6" name="Footer Placeholder 5">
@@ -17551,114 +17766,6 @@
           </a:p>
         </p:txBody>
       </p:sp>
-      <p:pic>
-        <p:nvPicPr>
-          <p:cNvPr id="8" name="Picture 7" descr="Chart&#10;&#10;Description automatically generated">
-            <a:extLst>
-              <a:ext uri="{FF2B5EF4-FFF2-40B4-BE49-F238E27FC236}">
-                <a16:creationId xmlns:a16="http://schemas.microsoft.com/office/drawing/2014/main" id="{98B744CA-BF7D-4425-A11A-C89384D5A767}"/>
-              </a:ext>
-            </a:extLst>
-          </p:cNvPr>
-          <p:cNvPicPr>
-            <a:picLocks noChangeAspect="1"/>
-          </p:cNvPicPr>
-          <p:nvPr/>
-        </p:nvPicPr>
-        <p:blipFill>
-          <a:blip r:embed="rId4">
-            <a:extLst>
-              <a:ext uri="{28A0092B-C50C-407E-A947-70E740481C1C}">
-                <a14:useLocalDpi xmlns:a14="http://schemas.microsoft.com/office/drawing/2010/main" val="0"/>
-              </a:ext>
-            </a:extLst>
-          </a:blip>
-          <a:stretch>
-            <a:fillRect/>
-          </a:stretch>
-        </p:blipFill>
-        <p:spPr>
-          <a:xfrm>
-            <a:off x="161042" y="1689741"/>
-            <a:ext cx="4883694" cy="4800600"/>
-          </a:xfrm>
-          <a:prstGeom prst="rect">
-            <a:avLst/>
-          </a:prstGeom>
-        </p:spPr>
-      </p:pic>
-      <p:pic>
-        <p:nvPicPr>
-          <p:cNvPr id="9" name="Picture 8" descr="Chart, histogram&#10;&#10;Description automatically generated">
-            <a:extLst>
-              <a:ext uri="{FF2B5EF4-FFF2-40B4-BE49-F238E27FC236}">
-                <a16:creationId xmlns:a16="http://schemas.microsoft.com/office/drawing/2014/main" id="{8EF30B7C-BEE5-4ECC-BC1B-C30CFD2F8213}"/>
-              </a:ext>
-            </a:extLst>
-          </p:cNvPr>
-          <p:cNvPicPr>
-            <a:picLocks noChangeAspect="1"/>
-          </p:cNvPicPr>
-          <p:nvPr/>
-        </p:nvPicPr>
-        <p:blipFill>
-          <a:blip r:embed="rId5">
-            <a:extLst>
-              <a:ext uri="{28A0092B-C50C-407E-A947-70E740481C1C}">
-                <a14:useLocalDpi xmlns:a14="http://schemas.microsoft.com/office/drawing/2010/main" val="0"/>
-              </a:ext>
-            </a:extLst>
-          </a:blip>
-          <a:stretch>
-            <a:fillRect/>
-          </a:stretch>
-        </p:blipFill>
-        <p:spPr>
-          <a:xfrm>
-            <a:off x="161042" y="1689741"/>
-            <a:ext cx="4883693" cy="4800600"/>
-          </a:xfrm>
-          <a:prstGeom prst="rect">
-            <a:avLst/>
-          </a:prstGeom>
-        </p:spPr>
-      </p:pic>
-      <p:pic>
-        <p:nvPicPr>
-          <p:cNvPr id="10" name="Picture 9" descr="Chart, line chart&#10;&#10;Description automatically generated">
-            <a:extLst>
-              <a:ext uri="{FF2B5EF4-FFF2-40B4-BE49-F238E27FC236}">
-                <a16:creationId xmlns:a16="http://schemas.microsoft.com/office/drawing/2014/main" id="{3F9E7D0B-25CA-4B18-98A8-A0A74D960323}"/>
-              </a:ext>
-            </a:extLst>
-          </p:cNvPr>
-          <p:cNvPicPr>
-            <a:picLocks noChangeAspect="1"/>
-          </p:cNvPicPr>
-          <p:nvPr/>
-        </p:nvPicPr>
-        <p:blipFill>
-          <a:blip r:embed="rId6">
-            <a:extLst>
-              <a:ext uri="{28A0092B-C50C-407E-A947-70E740481C1C}">
-                <a14:useLocalDpi xmlns:a14="http://schemas.microsoft.com/office/drawing/2010/main" val="0"/>
-              </a:ext>
-            </a:extLst>
-          </a:blip>
-          <a:stretch>
-            <a:fillRect/>
-          </a:stretch>
-        </p:blipFill>
-        <p:spPr>
-          <a:xfrm>
-            <a:off x="161041" y="1689741"/>
-            <a:ext cx="4883682" cy="4800600"/>
-          </a:xfrm>
-          <a:prstGeom prst="rect">
-            <a:avLst/>
-          </a:prstGeom>
-        </p:spPr>
-      </p:pic>
       <mc:AlternateContent xmlns:mc="http://schemas.openxmlformats.org/markup-compatibility/2006">
         <mc:Choice xmlns:a14="http://schemas.microsoft.com/office/drawing/2010/main" Requires="a14">
           <p:sp>
@@ -17678,7 +17785,7 @@
             <p:spPr>
               <a:xfrm>
                 <a:off x="5273336" y="1825625"/>
-                <a:ext cx="6080464" cy="4351338"/>
+                <a:ext cx="6711696" cy="4351338"/>
               </a:xfrm>
               <a:prstGeom prst="rect">
                 <a:avLst/>
@@ -17959,7 +18066,7 @@
                 </a14:m>
                 <a:r>
                   <a:rPr lang="en-US" sz="2400" dirty="0"/>
-                  <a:t> term dominates</a:t>
+                  <a:t> 2-body term dominates</a:t>
                 </a:r>
               </a:p>
               <a:p>
@@ -19313,15 +19420,15 @@
             <p:spPr>
               <a:xfrm>
                 <a:off x="5273336" y="1825625"/>
-                <a:ext cx="6080464" cy="4351338"/>
+                <a:ext cx="6711696" cy="4351338"/>
               </a:xfrm>
               <a:prstGeom prst="rect">
                 <a:avLst/>
               </a:prstGeom>
               <a:blipFill>
-                <a:blip r:embed="rId7"/>
+                <a:blip r:embed="rId3"/>
                 <a:stretch>
-                  <a:fillRect l="-1303" r="-3908"/>
+                  <a:fillRect l="-1181" r="-1362"/>
                 </a:stretch>
               </a:blipFill>
             </p:spPr>
@@ -19745,6 +19852,176 @@
           </a:fontRef>
         </p:style>
       </p:cxnSp>
+      <mc:AlternateContent xmlns:mc="http://schemas.openxmlformats.org/markup-compatibility/2006">
+        <mc:Choice xmlns:a14="http://schemas.microsoft.com/office/drawing/2010/main" Requires="a14">
+          <p:sp>
+            <p:nvSpPr>
+              <p:cNvPr id="15" name="TextBox 14">
+                <a:extLst>
+                  <a:ext uri="{FF2B5EF4-FFF2-40B4-BE49-F238E27FC236}">
+                    <a16:creationId xmlns:a16="http://schemas.microsoft.com/office/drawing/2014/main" id="{E04B014D-5F96-44F8-A134-A451BD5020F1}"/>
+                  </a:ext>
+                </a:extLst>
+              </p:cNvPr>
+              <p:cNvSpPr txBox="1"/>
+              <p:nvPr/>
+            </p:nvSpPr>
+            <p:spPr>
+              <a:xfrm>
+                <a:off x="115409" y="6171558"/>
+                <a:ext cx="4580878" cy="584775"/>
+              </a:xfrm>
+              <a:prstGeom prst="rect">
+                <a:avLst/>
+              </a:prstGeom>
+              <a:noFill/>
+            </p:spPr>
+            <p:txBody>
+              <a:bodyPr wrap="square" rtlCol="0">
+                <a:spAutoFit/>
+              </a:bodyPr>
+              <a:lstStyle/>
+              <a:p>
+                <a:r>
+                  <a:rPr lang="en-US" sz="1600" b="1" dirty="0">
+                    <a:latin typeface="Arial" panose="020B0604020202020204" pitchFamily="34" charset="0"/>
+                    <a:cs typeface="Arial" panose="020B0604020202020204" pitchFamily="34" charset="0"/>
+                  </a:rPr>
+                  <a:t>Fig. 3</a:t>
+                </a:r>
+                <a:r>
+                  <a:rPr lang="en-US" sz="1600" dirty="0">
+                    <a:latin typeface="Arial" panose="020B0604020202020204" pitchFamily="34" charset="0"/>
+                    <a:cs typeface="Arial" panose="020B0604020202020204" pitchFamily="34" charset="0"/>
+                  </a:rPr>
+                  <a:t>: Contributions to deuteron momentum distribution with AV18 and </a:t>
+                </a:r>
+                <a14:m>
+                  <m:oMath xmlns:m="http://schemas.openxmlformats.org/officeDocument/2006/math">
+                    <m:r>
+                      <a:rPr lang="en-US" sz="1600" i="1" smtClean="0">
+                        <a:latin typeface="Cambria Math" panose="02040503050406030204" pitchFamily="18" charset="0"/>
+                        <a:ea typeface="Cambria Math" panose="02040503050406030204" pitchFamily="18" charset="0"/>
+                        <a:cs typeface="Arial" panose="020B0604020202020204" pitchFamily="34" charset="0"/>
+                      </a:rPr>
+                      <m:t>𝜆</m:t>
+                    </m:r>
+                    <m:r>
+                      <a:rPr lang="en-US" sz="1600" b="0" i="1" smtClean="0">
+                        <a:latin typeface="Cambria Math" panose="02040503050406030204" pitchFamily="18" charset="0"/>
+                        <a:ea typeface="Cambria Math" panose="02040503050406030204" pitchFamily="18" charset="0"/>
+                        <a:cs typeface="Arial" panose="020B0604020202020204" pitchFamily="34" charset="0"/>
+                      </a:rPr>
+                      <m:t>=1.35</m:t>
+                    </m:r>
+                  </m:oMath>
+                </a14:m>
+                <a:r>
+                  <a:rPr lang="en-US" sz="1600" dirty="0">
+                    <a:latin typeface="Arial" panose="020B0604020202020204" pitchFamily="34" charset="0"/>
+                    <a:cs typeface="Arial" panose="020B0604020202020204" pitchFamily="34" charset="0"/>
+                  </a:rPr>
+                  <a:t> fm</a:t>
+                </a:r>
+                <a:r>
+                  <a:rPr lang="en-US" sz="1600" baseline="30000" dirty="0">
+                    <a:latin typeface="Arial" panose="020B0604020202020204" pitchFamily="34" charset="0"/>
+                    <a:cs typeface="Arial" panose="020B0604020202020204" pitchFamily="34" charset="0"/>
+                  </a:rPr>
+                  <a:t>-1</a:t>
+                </a:r>
+                <a:r>
+                  <a:rPr lang="en-US" sz="1600" dirty="0">
+                    <a:latin typeface="Arial" panose="020B0604020202020204" pitchFamily="34" charset="0"/>
+                    <a:cs typeface="Arial" panose="020B0604020202020204" pitchFamily="34" charset="0"/>
+                  </a:rPr>
+                  <a:t>.</a:t>
+                </a:r>
+              </a:p>
+            </p:txBody>
+          </p:sp>
+        </mc:Choice>
+        <mc:Fallback>
+          <p:sp>
+            <p:nvSpPr>
+              <p:cNvPr id="15" name="TextBox 14">
+                <a:extLst>
+                  <a:ext uri="{FF2B5EF4-FFF2-40B4-BE49-F238E27FC236}">
+                    <a16:creationId xmlns:a16="http://schemas.microsoft.com/office/drawing/2014/main" id="{E04B014D-5F96-44F8-A134-A451BD5020F1}"/>
+                  </a:ext>
+                </a:extLst>
+              </p:cNvPr>
+              <p:cNvSpPr txBox="1">
+                <a:spLocks noRot="1" noChangeAspect="1" noMove="1" noResize="1" noEditPoints="1" noAdjustHandles="1" noChangeArrowheads="1" noChangeShapeType="1" noTextEdit="1"/>
+              </p:cNvSpPr>
+              <p:nvPr/>
+            </p:nvSpPr>
+            <p:spPr>
+              <a:xfrm>
+                <a:off x="115409" y="6171558"/>
+                <a:ext cx="4580878" cy="584775"/>
+              </a:xfrm>
+              <a:prstGeom prst="rect">
+                <a:avLst/>
+              </a:prstGeom>
+              <a:blipFill>
+                <a:blip r:embed="rId9"/>
+                <a:stretch>
+                  <a:fillRect l="-799" t="-3125" b="-12500"/>
+                </a:stretch>
+              </a:blipFill>
+            </p:spPr>
+            <p:txBody>
+              <a:bodyPr/>
+              <a:lstStyle/>
+              <a:p>
+                <a:r>
+                  <a:rPr lang="en-US">
+                    <a:noFill/>
+                  </a:rPr>
+                  <a:t> </a:t>
+                </a:r>
+              </a:p>
+            </p:txBody>
+          </p:sp>
+        </mc:Fallback>
+      </mc:AlternateContent>
+      <p:pic>
+        <p:nvPicPr>
+          <p:cNvPr id="16" name="Picture 15" descr="Chart, line chart&#10;&#10;Description automatically generated">
+            <a:extLst>
+              <a:ext uri="{FF2B5EF4-FFF2-40B4-BE49-F238E27FC236}">
+                <a16:creationId xmlns:a16="http://schemas.microsoft.com/office/drawing/2014/main" id="{A1BA9114-26E3-46F7-A818-0BD17E039ABF}"/>
+              </a:ext>
+            </a:extLst>
+          </p:cNvPr>
+          <p:cNvPicPr>
+            <a:picLocks noChangeAspect="1"/>
+          </p:cNvPicPr>
+          <p:nvPr/>
+        </p:nvPicPr>
+        <p:blipFill>
+          <a:blip r:embed="rId10">
+            <a:extLst>
+              <a:ext uri="{28A0092B-C50C-407E-A947-70E740481C1C}">
+                <a14:useLocalDpi xmlns:a14="http://schemas.microsoft.com/office/drawing/2010/main" val="0"/>
+              </a:ext>
+            </a:extLst>
+          </a:blip>
+          <a:stretch>
+            <a:fillRect/>
+          </a:stretch>
+        </p:blipFill>
+        <p:spPr>
+          <a:xfrm>
+            <a:off x="-1" y="1325238"/>
+            <a:ext cx="5183257" cy="4846320"/>
+          </a:xfrm>
+          <a:prstGeom prst="rect">
+            <a:avLst/>
+          </a:prstGeom>
+        </p:spPr>
+      </p:pic>
     </p:spTree>
     <p:extLst>
       <p:ext uri="{BB962C8B-B14F-4D97-AF65-F5344CB8AC3E}">
@@ -19913,42 +20190,6 @@
           </a:p>
         </p:txBody>
       </p:sp>
-      <p:pic>
-        <p:nvPicPr>
-          <p:cNvPr id="7" name="Picture 6" descr="Chart&#10;&#10;Description automatically generated with low confidence">
-            <a:extLst>
-              <a:ext uri="{FF2B5EF4-FFF2-40B4-BE49-F238E27FC236}">
-                <a16:creationId xmlns:a16="http://schemas.microsoft.com/office/drawing/2014/main" id="{9BBB5479-FE3B-4C53-969D-FF59EFF8F134}"/>
-              </a:ext>
-            </a:extLst>
-          </p:cNvPr>
-          <p:cNvPicPr>
-            <a:picLocks noChangeAspect="1"/>
-          </p:cNvPicPr>
-          <p:nvPr/>
-        </p:nvPicPr>
-        <p:blipFill>
-          <a:blip r:embed="rId3">
-            <a:extLst>
-              <a:ext uri="{28A0092B-C50C-407E-A947-70E740481C1C}">
-                <a14:useLocalDpi xmlns:a14="http://schemas.microsoft.com/office/drawing/2010/main" val="0"/>
-              </a:ext>
-            </a:extLst>
-          </a:blip>
-          <a:stretch>
-            <a:fillRect/>
-          </a:stretch>
-        </p:blipFill>
-        <p:spPr>
-          <a:xfrm>
-            <a:off x="162018" y="1690688"/>
-            <a:ext cx="4882718" cy="4799653"/>
-          </a:xfrm>
-          <a:prstGeom prst="rect">
-            <a:avLst/>
-          </a:prstGeom>
-        </p:spPr>
-      </p:pic>
       <p:sp>
         <p:nvSpPr>
           <p:cNvPr id="6" name="Footer Placeholder 5">
@@ -19977,116 +20218,8 @@
           </a:p>
         </p:txBody>
       </p:sp>
-      <p:pic>
-        <p:nvPicPr>
-          <p:cNvPr id="8" name="Picture 7" descr="Chart&#10;&#10;Description automatically generated">
-            <a:extLst>
-              <a:ext uri="{FF2B5EF4-FFF2-40B4-BE49-F238E27FC236}">
-                <a16:creationId xmlns:a16="http://schemas.microsoft.com/office/drawing/2014/main" id="{98B744CA-BF7D-4425-A11A-C89384D5A767}"/>
-              </a:ext>
-            </a:extLst>
-          </p:cNvPr>
-          <p:cNvPicPr>
-            <a:picLocks noChangeAspect="1"/>
-          </p:cNvPicPr>
-          <p:nvPr/>
-        </p:nvPicPr>
-        <p:blipFill>
-          <a:blip r:embed="rId4">
-            <a:extLst>
-              <a:ext uri="{28A0092B-C50C-407E-A947-70E740481C1C}">
-                <a14:useLocalDpi xmlns:a14="http://schemas.microsoft.com/office/drawing/2010/main" val="0"/>
-              </a:ext>
-            </a:extLst>
-          </a:blip>
-          <a:stretch>
-            <a:fillRect/>
-          </a:stretch>
-        </p:blipFill>
-        <p:spPr>
-          <a:xfrm>
-            <a:off x="161042" y="1689741"/>
-            <a:ext cx="4883694" cy="4800600"/>
-          </a:xfrm>
-          <a:prstGeom prst="rect">
-            <a:avLst/>
-          </a:prstGeom>
-        </p:spPr>
-      </p:pic>
-      <p:pic>
-        <p:nvPicPr>
-          <p:cNvPr id="9" name="Picture 8" descr="Chart, histogram&#10;&#10;Description automatically generated">
-            <a:extLst>
-              <a:ext uri="{FF2B5EF4-FFF2-40B4-BE49-F238E27FC236}">
-                <a16:creationId xmlns:a16="http://schemas.microsoft.com/office/drawing/2014/main" id="{8EF30B7C-BEE5-4ECC-BC1B-C30CFD2F8213}"/>
-              </a:ext>
-            </a:extLst>
-          </p:cNvPr>
-          <p:cNvPicPr>
-            <a:picLocks noChangeAspect="1"/>
-          </p:cNvPicPr>
-          <p:nvPr/>
-        </p:nvPicPr>
-        <p:blipFill>
-          <a:blip r:embed="rId5">
-            <a:extLst>
-              <a:ext uri="{28A0092B-C50C-407E-A947-70E740481C1C}">
-                <a14:useLocalDpi xmlns:a14="http://schemas.microsoft.com/office/drawing/2010/main" val="0"/>
-              </a:ext>
-            </a:extLst>
-          </a:blip>
-          <a:stretch>
-            <a:fillRect/>
-          </a:stretch>
-        </p:blipFill>
-        <p:spPr>
-          <a:xfrm>
-            <a:off x="161042" y="1689741"/>
-            <a:ext cx="4883693" cy="4800600"/>
-          </a:xfrm>
-          <a:prstGeom prst="rect">
-            <a:avLst/>
-          </a:prstGeom>
-        </p:spPr>
-      </p:pic>
-      <p:pic>
-        <p:nvPicPr>
-          <p:cNvPr id="10" name="Picture 9" descr="Chart, line chart&#10;&#10;Description automatically generated">
-            <a:extLst>
-              <a:ext uri="{FF2B5EF4-FFF2-40B4-BE49-F238E27FC236}">
-                <a16:creationId xmlns:a16="http://schemas.microsoft.com/office/drawing/2014/main" id="{3F9E7D0B-25CA-4B18-98A8-A0A74D960323}"/>
-              </a:ext>
-            </a:extLst>
-          </p:cNvPr>
-          <p:cNvPicPr>
-            <a:picLocks noChangeAspect="1"/>
-          </p:cNvPicPr>
-          <p:nvPr/>
-        </p:nvPicPr>
-        <p:blipFill>
-          <a:blip r:embed="rId6">
-            <a:extLst>
-              <a:ext uri="{28A0092B-C50C-407E-A947-70E740481C1C}">
-                <a14:useLocalDpi xmlns:a14="http://schemas.microsoft.com/office/drawing/2010/main" val="0"/>
-              </a:ext>
-            </a:extLst>
-          </a:blip>
-          <a:stretch>
-            <a:fillRect/>
-          </a:stretch>
-        </p:blipFill>
-        <p:spPr>
-          <a:xfrm>
-            <a:off x="161041" y="1689741"/>
-            <a:ext cx="4883682" cy="4800600"/>
-          </a:xfrm>
-          <a:prstGeom prst="rect">
-            <a:avLst/>
-          </a:prstGeom>
-        </p:spPr>
-      </p:pic>
-      <mc:AlternateContent xmlns:mc="http://schemas.openxmlformats.org/markup-compatibility/2006" xmlns:a14="http://schemas.microsoft.com/office/drawing/2010/main">
-        <mc:Choice Requires="a14">
+      <mc:AlternateContent xmlns:mc="http://schemas.openxmlformats.org/markup-compatibility/2006">
+        <mc:Choice xmlns:a14="http://schemas.microsoft.com/office/drawing/2010/main" Requires="a14">
           <p:sp>
             <p:nvSpPr>
               <p:cNvPr id="14" name="Content Placeholder 2">
@@ -20104,7 +20237,7 @@
             <p:spPr>
               <a:xfrm>
                 <a:off x="5273336" y="1825625"/>
-                <a:ext cx="6080464" cy="4351338"/>
+                <a:ext cx="6711696" cy="4351338"/>
               </a:xfrm>
               <a:prstGeom prst="rect">
                 <a:avLst/>
@@ -20453,7 +20586,7 @@
                       </a:schemeClr>
                     </a:solidFill>
                   </a:rPr>
-                  <a:t> term dominates</a:t>
+                  <a:t> 2-body term dominates</a:t>
                 </a:r>
               </a:p>
               <a:p>
@@ -22251,7 +22384,7 @@
             </p:txBody>
           </p:sp>
         </mc:Choice>
-        <mc:Fallback xmlns="">
+        <mc:Fallback>
           <p:sp>
             <p:nvSpPr>
               <p:cNvPr id="14" name="Content Placeholder 2">
@@ -22269,15 +22402,15 @@
             <p:spPr>
               <a:xfrm>
                 <a:off x="5273336" y="1825625"/>
-                <a:ext cx="6080464" cy="4351338"/>
+                <a:ext cx="6711696" cy="4351338"/>
               </a:xfrm>
               <a:prstGeom prst="rect">
                 <a:avLst/>
               </a:prstGeom>
               <a:blipFill>
-                <a:blip r:embed="rId7"/>
+                <a:blip r:embed="rId3"/>
                 <a:stretch>
-                  <a:fillRect l="-1303" r="-3808"/>
+                  <a:fillRect l="-1181" r="-1362"/>
                 </a:stretch>
               </a:blipFill>
             </p:spPr>
@@ -22802,8 +22935,8 @@
         </p:nvSpPr>
         <p:spPr>
           <a:xfrm>
-            <a:off x="6298310" y="3579475"/>
-            <a:ext cx="4452536" cy="1692771"/>
+            <a:off x="5517430" y="3479296"/>
+            <a:ext cx="5271939" cy="1723549"/>
           </a:xfrm>
           <a:prstGeom prst="rect">
             <a:avLst/>
@@ -22823,6 +22956,15 @@
           </a:bodyPr>
           <a:lstStyle/>
           <a:p>
+            <a:endParaRPr lang="en-US" sz="1400" dirty="0">
+              <a:solidFill>
+                <a:srgbClr val="C00000"/>
+              </a:solidFill>
+              <a:latin typeface="Arial" panose="020B0604020202020204" pitchFamily="34" charset="0"/>
+              <a:cs typeface="Arial" panose="020B0604020202020204" pitchFamily="34" charset="0"/>
+            </a:endParaRPr>
+          </a:p>
+          <a:p>
             <a:r>
               <a:rPr lang="en-US" sz="2600" dirty="0">
                 <a:solidFill>
@@ -22834,8 +22976,187 @@
               <a:t>Apply this strategy to nuclear momentum distributions using local density approximation (LDA)!</a:t>
             </a:r>
           </a:p>
+          <a:p>
+            <a:endParaRPr lang="en-US" sz="1400" dirty="0">
+              <a:solidFill>
+                <a:srgbClr val="C00000"/>
+              </a:solidFill>
+              <a:latin typeface="Arial" panose="020B0604020202020204" pitchFamily="34" charset="0"/>
+              <a:cs typeface="Arial" panose="020B0604020202020204" pitchFamily="34" charset="0"/>
+            </a:endParaRPr>
+          </a:p>
         </p:txBody>
       </p:sp>
+      <mc:AlternateContent xmlns:mc="http://schemas.openxmlformats.org/markup-compatibility/2006">
+        <mc:Choice xmlns:a14="http://schemas.microsoft.com/office/drawing/2010/main" Requires="a14">
+          <p:sp>
+            <p:nvSpPr>
+              <p:cNvPr id="15" name="TextBox 14">
+                <a:extLst>
+                  <a:ext uri="{FF2B5EF4-FFF2-40B4-BE49-F238E27FC236}">
+                    <a16:creationId xmlns:a16="http://schemas.microsoft.com/office/drawing/2014/main" id="{D91BBB86-EB30-4202-8C01-E379596D0D77}"/>
+                  </a:ext>
+                </a:extLst>
+              </p:cNvPr>
+              <p:cNvSpPr txBox="1"/>
+              <p:nvPr/>
+            </p:nvSpPr>
+            <p:spPr>
+              <a:xfrm>
+                <a:off x="115409" y="6171558"/>
+                <a:ext cx="4580878" cy="584775"/>
+              </a:xfrm>
+              <a:prstGeom prst="rect">
+                <a:avLst/>
+              </a:prstGeom>
+              <a:noFill/>
+            </p:spPr>
+            <p:txBody>
+              <a:bodyPr wrap="square" rtlCol="0">
+                <a:spAutoFit/>
+              </a:bodyPr>
+              <a:lstStyle/>
+              <a:p>
+                <a:r>
+                  <a:rPr lang="en-US" sz="1600" b="1" dirty="0">
+                    <a:latin typeface="Arial" panose="020B0604020202020204" pitchFamily="34" charset="0"/>
+                    <a:cs typeface="Arial" panose="020B0604020202020204" pitchFamily="34" charset="0"/>
+                  </a:rPr>
+                  <a:t>Fig. 3</a:t>
+                </a:r>
+                <a:r>
+                  <a:rPr lang="en-US" sz="1600" dirty="0">
+                    <a:latin typeface="Arial" panose="020B0604020202020204" pitchFamily="34" charset="0"/>
+                    <a:cs typeface="Arial" panose="020B0604020202020204" pitchFamily="34" charset="0"/>
+                  </a:rPr>
+                  <a:t>: Contributions to deuteron momentum distribution with AV18 and </a:t>
+                </a:r>
+                <a14:m>
+                  <m:oMath xmlns:m="http://schemas.openxmlformats.org/officeDocument/2006/math">
+                    <m:r>
+                      <a:rPr lang="en-US" sz="1600" i="1" smtClean="0">
+                        <a:latin typeface="Cambria Math" panose="02040503050406030204" pitchFamily="18" charset="0"/>
+                        <a:ea typeface="Cambria Math" panose="02040503050406030204" pitchFamily="18" charset="0"/>
+                        <a:cs typeface="Arial" panose="020B0604020202020204" pitchFamily="34" charset="0"/>
+                      </a:rPr>
+                      <m:t>𝜆</m:t>
+                    </m:r>
+                    <m:r>
+                      <a:rPr lang="en-US" sz="1600" b="0" i="1" smtClean="0">
+                        <a:latin typeface="Cambria Math" panose="02040503050406030204" pitchFamily="18" charset="0"/>
+                        <a:ea typeface="Cambria Math" panose="02040503050406030204" pitchFamily="18" charset="0"/>
+                        <a:cs typeface="Arial" panose="020B0604020202020204" pitchFamily="34" charset="0"/>
+                      </a:rPr>
+                      <m:t>=1.35</m:t>
+                    </m:r>
+                  </m:oMath>
+                </a14:m>
+                <a:r>
+                  <a:rPr lang="en-US" sz="1600" dirty="0">
+                    <a:latin typeface="Arial" panose="020B0604020202020204" pitchFamily="34" charset="0"/>
+                    <a:cs typeface="Arial" panose="020B0604020202020204" pitchFamily="34" charset="0"/>
+                  </a:rPr>
+                  <a:t> fm</a:t>
+                </a:r>
+                <a:r>
+                  <a:rPr lang="en-US" sz="1600" baseline="30000" dirty="0">
+                    <a:latin typeface="Arial" panose="020B0604020202020204" pitchFamily="34" charset="0"/>
+                    <a:cs typeface="Arial" panose="020B0604020202020204" pitchFamily="34" charset="0"/>
+                  </a:rPr>
+                  <a:t>-1</a:t>
+                </a:r>
+                <a:r>
+                  <a:rPr lang="en-US" sz="1600" dirty="0">
+                    <a:latin typeface="Arial" panose="020B0604020202020204" pitchFamily="34" charset="0"/>
+                    <a:cs typeface="Arial" panose="020B0604020202020204" pitchFamily="34" charset="0"/>
+                  </a:rPr>
+                  <a:t>.</a:t>
+                </a:r>
+              </a:p>
+            </p:txBody>
+          </p:sp>
+        </mc:Choice>
+        <mc:Fallback>
+          <p:sp>
+            <p:nvSpPr>
+              <p:cNvPr id="15" name="TextBox 14">
+                <a:extLst>
+                  <a:ext uri="{FF2B5EF4-FFF2-40B4-BE49-F238E27FC236}">
+                    <a16:creationId xmlns:a16="http://schemas.microsoft.com/office/drawing/2014/main" id="{D91BBB86-EB30-4202-8C01-E379596D0D77}"/>
+                  </a:ext>
+                </a:extLst>
+              </p:cNvPr>
+              <p:cNvSpPr txBox="1">
+                <a:spLocks noRot="1" noChangeAspect="1" noMove="1" noResize="1" noEditPoints="1" noAdjustHandles="1" noChangeArrowheads="1" noChangeShapeType="1" noTextEdit="1"/>
+              </p:cNvSpPr>
+              <p:nvPr/>
+            </p:nvSpPr>
+            <p:spPr>
+              <a:xfrm>
+                <a:off x="115409" y="6171558"/>
+                <a:ext cx="4580878" cy="584775"/>
+              </a:xfrm>
+              <a:prstGeom prst="rect">
+                <a:avLst/>
+              </a:prstGeom>
+              <a:blipFill>
+                <a:blip r:embed="rId9"/>
+                <a:stretch>
+                  <a:fillRect l="-799" t="-3125" b="-12500"/>
+                </a:stretch>
+              </a:blipFill>
+            </p:spPr>
+            <p:txBody>
+              <a:bodyPr/>
+              <a:lstStyle/>
+              <a:p>
+                <a:r>
+                  <a:rPr lang="en-US">
+                    <a:noFill/>
+                  </a:rPr>
+                  <a:t> </a:t>
+                </a:r>
+              </a:p>
+            </p:txBody>
+          </p:sp>
+        </mc:Fallback>
+      </mc:AlternateContent>
+      <p:pic>
+        <p:nvPicPr>
+          <p:cNvPr id="16" name="Picture 15" descr="Chart, line chart&#10;&#10;Description automatically generated">
+            <a:extLst>
+              <a:ext uri="{FF2B5EF4-FFF2-40B4-BE49-F238E27FC236}">
+                <a16:creationId xmlns:a16="http://schemas.microsoft.com/office/drawing/2014/main" id="{3336FE8D-4F2B-4FE8-A73F-DED9E8E90FD9}"/>
+              </a:ext>
+            </a:extLst>
+          </p:cNvPr>
+          <p:cNvPicPr>
+            <a:picLocks noChangeAspect="1"/>
+          </p:cNvPicPr>
+          <p:nvPr/>
+        </p:nvPicPr>
+        <p:blipFill>
+          <a:blip r:embed="rId10">
+            <a:extLst>
+              <a:ext uri="{28A0092B-C50C-407E-A947-70E740481C1C}">
+                <a14:useLocalDpi xmlns:a14="http://schemas.microsoft.com/office/drawing/2010/main" val="0"/>
+              </a:ext>
+            </a:extLst>
+          </a:blip>
+          <a:stretch>
+            <a:fillRect/>
+          </a:stretch>
+        </p:blipFill>
+        <p:spPr>
+          <a:xfrm>
+            <a:off x="-1" y="1325238"/>
+            <a:ext cx="5183257" cy="4846320"/>
+          </a:xfrm>
+          <a:prstGeom prst="rect">
+            <a:avLst/>
+          </a:prstGeom>
+        </p:spPr>
+      </p:pic>
     </p:spTree>
     <p:extLst>
       <p:ext uri="{BB962C8B-B14F-4D97-AF65-F5344CB8AC3E}">
@@ -22866,6 +23187,42 @@
           <a:chExt cx="0" cy="0"/>
         </a:xfrm>
       </p:grpSpPr>
+      <p:pic>
+        <p:nvPicPr>
+          <p:cNvPr id="7" name="Picture 6" descr="Chart&#10;&#10;Description automatically generated">
+            <a:extLst>
+              <a:ext uri="{FF2B5EF4-FFF2-40B4-BE49-F238E27FC236}">
+                <a16:creationId xmlns:a16="http://schemas.microsoft.com/office/drawing/2014/main" id="{7636F6F1-EE52-45DE-8A2A-21876B15C091}"/>
+              </a:ext>
+            </a:extLst>
+          </p:cNvPr>
+          <p:cNvPicPr>
+            <a:picLocks noChangeAspect="1"/>
+          </p:cNvPicPr>
+          <p:nvPr/>
+        </p:nvPicPr>
+        <p:blipFill>
+          <a:blip r:embed="rId3">
+            <a:extLst>
+              <a:ext uri="{28A0092B-C50C-407E-A947-70E740481C1C}">
+                <a14:useLocalDpi xmlns:a14="http://schemas.microsoft.com/office/drawing/2010/main" val="0"/>
+              </a:ext>
+            </a:extLst>
+          </a:blip>
+          <a:stretch>
+            <a:fillRect/>
+          </a:stretch>
+        </p:blipFill>
+        <p:spPr>
+          <a:xfrm>
+            <a:off x="6574883" y="1554480"/>
+            <a:ext cx="5617117" cy="5303520"/>
+          </a:xfrm>
+          <a:prstGeom prst="rect">
+            <a:avLst/>
+          </a:prstGeom>
+        </p:spPr>
+      </p:pic>
       <p:sp>
         <p:nvSpPr>
           <p:cNvPr id="2" name="Title 1">
@@ -22909,8 +23266,8 @@
           </a:p>
         </p:txBody>
       </p:sp>
-      <mc:AlternateContent xmlns:mc="http://schemas.openxmlformats.org/markup-compatibility/2006">
-        <mc:Choice xmlns:a14="http://schemas.microsoft.com/office/drawing/2010/main" Requires="a14">
+      <mc:AlternateContent xmlns:mc="http://schemas.openxmlformats.org/markup-compatibility/2006" xmlns:a14="http://schemas.microsoft.com/office/drawing/2010/main">
+        <mc:Choice Requires="a14">
           <p:sp>
             <p:nvSpPr>
               <p:cNvPr id="3" name="Content Placeholder 2">
@@ -23136,7 +23493,7 @@
             </p:txBody>
           </p:sp>
         </mc:Choice>
-        <mc:Fallback>
+        <mc:Fallback xmlns="">
           <p:sp>
             <p:nvSpPr>
               <p:cNvPr id="3" name="Content Placeholder 2">
@@ -23159,7 +23516,7 @@
                 <a:ext cx="6251360" cy="4351338"/>
               </a:xfrm>
               <a:blipFill>
-                <a:blip r:embed="rId3"/>
+                <a:blip r:embed="rId4"/>
                 <a:stretch>
                   <a:fillRect l="-1756" t="-1401"/>
                 </a:stretch>
@@ -23301,42 +23658,165 @@
           </a:p>
         </p:txBody>
       </p:sp>
-      <p:pic>
-        <p:nvPicPr>
-          <p:cNvPr id="9" name="Picture 8" descr="Chart&#10;&#10;Description automatically generated">
-            <a:extLst>
-              <a:ext uri="{FF2B5EF4-FFF2-40B4-BE49-F238E27FC236}">
-                <a16:creationId xmlns:a16="http://schemas.microsoft.com/office/drawing/2014/main" id="{4F977F56-07E7-4BAC-AAA6-E0A8EAAA9744}"/>
-              </a:ext>
-            </a:extLst>
-          </p:cNvPr>
-          <p:cNvPicPr>
-            <a:picLocks noChangeAspect="1"/>
-          </p:cNvPicPr>
-          <p:nvPr/>
-        </p:nvPicPr>
-        <p:blipFill>
-          <a:blip r:embed="rId4">
-            <a:extLst>
-              <a:ext uri="{28A0092B-C50C-407E-A947-70E740481C1C}">
-                <a14:useLocalDpi xmlns:a14="http://schemas.microsoft.com/office/drawing/2010/main" val="0"/>
-              </a:ext>
-            </a:extLst>
-          </a:blip>
-          <a:stretch>
-            <a:fillRect/>
-          </a:stretch>
-        </p:blipFill>
-        <p:spPr>
-          <a:xfrm>
-            <a:off x="6773662" y="1114425"/>
-            <a:ext cx="5418338" cy="5378450"/>
-          </a:xfrm>
-          <a:prstGeom prst="rect">
-            <a:avLst/>
-          </a:prstGeom>
-        </p:spPr>
-      </p:pic>
+      <mc:AlternateContent xmlns:mc="http://schemas.openxmlformats.org/markup-compatibility/2006">
+        <mc:Choice xmlns:a14="http://schemas.microsoft.com/office/drawing/2010/main" Requires="a14">
+          <p:sp>
+            <p:nvSpPr>
+              <p:cNvPr id="8" name="TextBox 7">
+                <a:extLst>
+                  <a:ext uri="{FF2B5EF4-FFF2-40B4-BE49-F238E27FC236}">
+                    <a16:creationId xmlns:a16="http://schemas.microsoft.com/office/drawing/2014/main" id="{838A8BEE-76AC-4568-B8F5-833F57751303}"/>
+                  </a:ext>
+                </a:extLst>
+              </p:cNvPr>
+              <p:cNvSpPr txBox="1"/>
+              <p:nvPr/>
+            </p:nvSpPr>
+            <p:spPr>
+              <a:xfrm>
+                <a:off x="7715082" y="1027906"/>
+                <a:ext cx="4534236" cy="646331"/>
+              </a:xfrm>
+              <a:prstGeom prst="rect">
+                <a:avLst/>
+              </a:prstGeom>
+              <a:noFill/>
+            </p:spPr>
+            <p:txBody>
+              <a:bodyPr wrap="square" rtlCol="0">
+                <a:spAutoFit/>
+              </a:bodyPr>
+              <a:lstStyle/>
+              <a:p>
+                <a:r>
+                  <a:rPr lang="en-US" b="1" dirty="0">
+                    <a:latin typeface="Arial" panose="020B0604020202020204" pitchFamily="34" charset="0"/>
+                    <a:cs typeface="Arial" panose="020B0604020202020204" pitchFamily="34" charset="0"/>
+                  </a:rPr>
+                  <a:t>Fig. 4</a:t>
+                </a:r>
+                <a:r>
+                  <a:rPr lang="en-US" dirty="0">
+                    <a:latin typeface="Arial" panose="020B0604020202020204" pitchFamily="34" charset="0"/>
+                    <a:cs typeface="Arial" panose="020B0604020202020204" pitchFamily="34" charset="0"/>
+                  </a:rPr>
+                  <a:t>: Proton momentum distribution under LDA</a:t>
+                </a:r>
+                <a:r>
+                  <a:rPr lang="en-US" b="1" dirty="0">
+                    <a:latin typeface="Arial" panose="020B0604020202020204" pitchFamily="34" charset="0"/>
+                    <a:cs typeface="Arial" panose="020B0604020202020204" pitchFamily="34" charset="0"/>
+                  </a:rPr>
+                  <a:t> </a:t>
+                </a:r>
+                <a:r>
+                  <a:rPr lang="en-US" dirty="0">
+                    <a:latin typeface="Arial" panose="020B0604020202020204" pitchFamily="34" charset="0"/>
+                    <a:cs typeface="Arial" panose="020B0604020202020204" pitchFamily="34" charset="0"/>
+                  </a:rPr>
+                  <a:t>with </a:t>
+                </a:r>
+                <a:r>
+                  <a:rPr lang="en-US" sz="1800" dirty="0">
+                    <a:latin typeface="Arial" panose="020B0604020202020204" pitchFamily="34" charset="0"/>
+                    <a:cs typeface="Arial" panose="020B0604020202020204" pitchFamily="34" charset="0"/>
+                  </a:rPr>
+                  <a:t>AV18 and </a:t>
+                </a:r>
+                <a14:m>
+                  <m:oMath xmlns:m="http://schemas.openxmlformats.org/officeDocument/2006/math">
+                    <m:r>
+                      <a:rPr lang="en-US" sz="1800" i="1" smtClean="0">
+                        <a:latin typeface="Cambria Math" panose="02040503050406030204" pitchFamily="18" charset="0"/>
+                        <a:ea typeface="Cambria Math" panose="02040503050406030204" pitchFamily="18" charset="0"/>
+                        <a:cs typeface="Arial" panose="020B0604020202020204" pitchFamily="34" charset="0"/>
+                      </a:rPr>
+                      <m:t>𝜆</m:t>
+                    </m:r>
+                    <m:r>
+                      <a:rPr lang="en-US" sz="1800" b="0" i="1" smtClean="0">
+                        <a:latin typeface="Cambria Math" panose="02040503050406030204" pitchFamily="18" charset="0"/>
+                        <a:ea typeface="Cambria Math" panose="02040503050406030204" pitchFamily="18" charset="0"/>
+                        <a:cs typeface="Arial" panose="020B0604020202020204" pitchFamily="34" charset="0"/>
+                      </a:rPr>
+                      <m:t>=1.35</m:t>
+                    </m:r>
+                  </m:oMath>
+                </a14:m>
+                <a:r>
+                  <a:rPr lang="en-US" sz="1800" dirty="0">
+                    <a:latin typeface="Arial" panose="020B0604020202020204" pitchFamily="34" charset="0"/>
+                    <a:cs typeface="Arial" panose="020B0604020202020204" pitchFamily="34" charset="0"/>
+                  </a:rPr>
+                  <a:t> fm</a:t>
+                </a:r>
+                <a:r>
+                  <a:rPr lang="en-US" sz="1800" baseline="30000" dirty="0">
+                    <a:latin typeface="Arial" panose="020B0604020202020204" pitchFamily="34" charset="0"/>
+                    <a:cs typeface="Arial" panose="020B0604020202020204" pitchFamily="34" charset="0"/>
+                  </a:rPr>
+                  <a:t>-1</a:t>
+                </a:r>
+                <a:r>
+                  <a:rPr lang="en-US" sz="1800" dirty="0">
+                    <a:latin typeface="Arial" panose="020B0604020202020204" pitchFamily="34" charset="0"/>
+                    <a:cs typeface="Arial" panose="020B0604020202020204" pitchFamily="34" charset="0"/>
+                  </a:rPr>
+                  <a:t>.</a:t>
+                </a:r>
+                <a:endParaRPr lang="en-US" dirty="0">
+                  <a:latin typeface="Arial" panose="020B0604020202020204" pitchFamily="34" charset="0"/>
+                  <a:cs typeface="Arial" panose="020B0604020202020204" pitchFamily="34" charset="0"/>
+                </a:endParaRPr>
+              </a:p>
+            </p:txBody>
+          </p:sp>
+        </mc:Choice>
+        <mc:Fallback>
+          <p:sp>
+            <p:nvSpPr>
+              <p:cNvPr id="8" name="TextBox 7">
+                <a:extLst>
+                  <a:ext uri="{FF2B5EF4-FFF2-40B4-BE49-F238E27FC236}">
+                    <a16:creationId xmlns:a16="http://schemas.microsoft.com/office/drawing/2014/main" id="{838A8BEE-76AC-4568-B8F5-833F57751303}"/>
+                  </a:ext>
+                </a:extLst>
+              </p:cNvPr>
+              <p:cNvSpPr txBox="1">
+                <a:spLocks noRot="1" noChangeAspect="1" noMove="1" noResize="1" noEditPoints="1" noAdjustHandles="1" noChangeArrowheads="1" noChangeShapeType="1" noTextEdit="1"/>
+              </p:cNvSpPr>
+              <p:nvPr/>
+            </p:nvSpPr>
+            <p:spPr>
+              <a:xfrm>
+                <a:off x="7715082" y="1027906"/>
+                <a:ext cx="4534236" cy="646331"/>
+              </a:xfrm>
+              <a:prstGeom prst="rect">
+                <a:avLst/>
+              </a:prstGeom>
+              <a:blipFill>
+                <a:blip r:embed="rId5"/>
+                <a:stretch>
+                  <a:fillRect l="-1211" t="-5660" b="-14151"/>
+                </a:stretch>
+              </a:blipFill>
+            </p:spPr>
+            <p:txBody>
+              <a:bodyPr/>
+              <a:lstStyle/>
+              <a:p>
+                <a:r>
+                  <a:rPr lang="en-US">
+                    <a:noFill/>
+                  </a:rPr>
+                  <a:t> </a:t>
+                </a:r>
+              </a:p>
+            </p:txBody>
+          </p:sp>
+        </mc:Fallback>
+      </mc:AlternateContent>
     </p:spTree>
     <p:extLst>
       <p:ext uri="{BB962C8B-B14F-4D97-AF65-F5344CB8AC3E}">
@@ -23367,6 +23847,114 @@
           <a:chExt cx="0" cy="0"/>
         </a:xfrm>
       </p:grpSpPr>
+      <p:pic>
+        <p:nvPicPr>
+          <p:cNvPr id="8" name="Picture 7" descr="Chart, histogram&#10;&#10;Description automatically generated">
+            <a:extLst>
+              <a:ext uri="{FF2B5EF4-FFF2-40B4-BE49-F238E27FC236}">
+                <a16:creationId xmlns:a16="http://schemas.microsoft.com/office/drawing/2014/main" id="{DB856DB1-6162-4C7A-B090-B1D6781545ED}"/>
+              </a:ext>
+            </a:extLst>
+          </p:cNvPr>
+          <p:cNvPicPr>
+            <a:picLocks noChangeAspect="1"/>
+          </p:cNvPicPr>
+          <p:nvPr/>
+        </p:nvPicPr>
+        <p:blipFill>
+          <a:blip r:embed="rId3">
+            <a:extLst>
+              <a:ext uri="{28A0092B-C50C-407E-A947-70E740481C1C}">
+                <a14:useLocalDpi xmlns:a14="http://schemas.microsoft.com/office/drawing/2010/main" val="0"/>
+              </a:ext>
+            </a:extLst>
+          </a:blip>
+          <a:stretch>
+            <a:fillRect/>
+          </a:stretch>
+        </p:blipFill>
+        <p:spPr>
+          <a:xfrm>
+            <a:off x="129519" y="2974714"/>
+            <a:ext cx="3726187" cy="3518161"/>
+          </a:xfrm>
+          <a:prstGeom prst="rect">
+            <a:avLst/>
+          </a:prstGeom>
+        </p:spPr>
+      </p:pic>
+      <p:pic>
+        <p:nvPicPr>
+          <p:cNvPr id="11" name="Picture 10" descr="Chart&#10;&#10;Description automatically generated">
+            <a:extLst>
+              <a:ext uri="{FF2B5EF4-FFF2-40B4-BE49-F238E27FC236}">
+                <a16:creationId xmlns:a16="http://schemas.microsoft.com/office/drawing/2014/main" id="{BD7E94C9-E81A-4385-9047-DB3206344E80}"/>
+              </a:ext>
+            </a:extLst>
+          </p:cNvPr>
+          <p:cNvPicPr>
+            <a:picLocks noChangeAspect="1"/>
+          </p:cNvPicPr>
+          <p:nvPr/>
+        </p:nvPicPr>
+        <p:blipFill>
+          <a:blip r:embed="rId4">
+            <a:extLst>
+              <a:ext uri="{28A0092B-C50C-407E-A947-70E740481C1C}">
+                <a14:useLocalDpi xmlns:a14="http://schemas.microsoft.com/office/drawing/2010/main" val="0"/>
+              </a:ext>
+            </a:extLst>
+          </a:blip>
+          <a:stretch>
+            <a:fillRect/>
+          </a:stretch>
+        </p:blipFill>
+        <p:spPr>
+          <a:xfrm>
+            <a:off x="7627613" y="2996114"/>
+            <a:ext cx="3726187" cy="3518161"/>
+          </a:xfrm>
+          <a:prstGeom prst="rect">
+            <a:avLst/>
+          </a:prstGeom>
+        </p:spPr>
+      </p:pic>
+      <p:pic>
+        <p:nvPicPr>
+          <p:cNvPr id="13" name="Picture 12" descr="Chart, histogram&#10;&#10;Description automatically generated">
+            <a:extLst>
+              <a:ext uri="{FF2B5EF4-FFF2-40B4-BE49-F238E27FC236}">
+                <a16:creationId xmlns:a16="http://schemas.microsoft.com/office/drawing/2014/main" id="{7BEE01CE-3F7D-4185-801D-FF1236B3F973}"/>
+              </a:ext>
+            </a:extLst>
+          </p:cNvPr>
+          <p:cNvPicPr>
+            <a:picLocks noChangeAspect="1"/>
+          </p:cNvPicPr>
+          <p:nvPr/>
+        </p:nvPicPr>
+        <p:blipFill>
+          <a:blip r:embed="rId5">
+            <a:extLst>
+              <a:ext uri="{28A0092B-C50C-407E-A947-70E740481C1C}">
+                <a14:useLocalDpi xmlns:a14="http://schemas.microsoft.com/office/drawing/2010/main" val="0"/>
+              </a:ext>
+            </a:extLst>
+          </a:blip>
+          <a:stretch>
+            <a:fillRect/>
+          </a:stretch>
+        </p:blipFill>
+        <p:spPr>
+          <a:xfrm>
+            <a:off x="3901426" y="2974714"/>
+            <a:ext cx="3726187" cy="3518161"/>
+          </a:xfrm>
+          <a:prstGeom prst="rect">
+            <a:avLst/>
+          </a:prstGeom>
+        </p:spPr>
+      </p:pic>
       <p:sp>
         <p:nvSpPr>
           <p:cNvPr id="2" name="Title 1">
@@ -23428,8 +24016,8 @@
         </p:nvSpPr>
         <p:spPr>
           <a:xfrm>
-            <a:off x="883920" y="1563276"/>
-            <a:ext cx="10424160" cy="4351338"/>
+            <a:off x="714209" y="1536642"/>
+            <a:ext cx="10763583" cy="4351338"/>
           </a:xfrm>
         </p:spPr>
         <p:txBody>
@@ -23444,18 +24032,52 @@
               </a:lnSpc>
             </a:pPr>
             <a:r>
-              <a:rPr lang="en-US" sz="2400" dirty="0">
+              <a:rPr lang="en-US" sz="2200" dirty="0">
                 <a:solidFill>
                   <a:srgbClr val="C00000"/>
                 </a:solidFill>
               </a:rPr>
-              <a:t>Low RG resolution calculations reproduce momentum distributions of AV18 data (high RG resolution calculation)</a:t>
-            </a:r>
-            <a:endParaRPr lang="en-US" dirty="0">
-              <a:solidFill>
-                <a:srgbClr val="C00000"/>
-              </a:solidFill>
-            </a:endParaRPr>
+              <a:t>Low RG resolution</a:t>
+            </a:r>
+            <a:r>
+              <a:rPr lang="en-US" sz="2200" dirty="0"/>
+              <a:t> calculations reproduce momentum distributions of AV18 data</a:t>
+            </a:r>
+            <a:r>
+              <a:rPr lang="en-US" sz="2200" baseline="30000" dirty="0"/>
+              <a:t>1</a:t>
+            </a:r>
+            <a:r>
+              <a:rPr lang="en-US" sz="2200" dirty="0"/>
+              <a:t> (</a:t>
+            </a:r>
+            <a:r>
+              <a:rPr lang="en-US" sz="2200" dirty="0">
+                <a:solidFill>
+                  <a:srgbClr val="002060"/>
+                </a:solidFill>
+              </a:rPr>
+              <a:t>high RG resolution</a:t>
+            </a:r>
+            <a:r>
+              <a:rPr lang="en-US" sz="2200" dirty="0"/>
+              <a:t> calculation)</a:t>
+            </a:r>
+          </a:p>
+          <a:p>
+            <a:pPr lvl="1">
+              <a:lnSpc>
+                <a:spcPct val="100000"/>
+              </a:lnSpc>
+            </a:pPr>
+            <a:r>
+              <a:rPr lang="en-US" sz="2000" dirty="0">
+                <a:solidFill>
+                  <a:srgbClr val="C00000"/>
+                </a:solidFill>
+              </a:rPr>
+              <a:t>Low RG works well with simple approximations and is systematically improvable</a:t>
+            </a:r>
           </a:p>
           <a:p>
             <a:pPr lvl="1">
@@ -23600,114 +24222,425 @@
           </a:p>
         </p:txBody>
       </p:sp>
-      <p:pic>
-        <p:nvPicPr>
-          <p:cNvPr id="7" name="Picture 6" descr="Chart&#10;&#10;Description automatically generated">
+      <mc:AlternateContent xmlns:mc="http://schemas.openxmlformats.org/markup-compatibility/2006">
+        <mc:Choice xmlns:a14="http://schemas.microsoft.com/office/drawing/2010/main" Requires="a14">
+          <p:sp>
+            <p:nvSpPr>
+              <p:cNvPr id="16" name="TextBox 15">
+                <a:extLst>
+                  <a:ext uri="{FF2B5EF4-FFF2-40B4-BE49-F238E27FC236}">
+                    <a16:creationId xmlns:a16="http://schemas.microsoft.com/office/drawing/2014/main" id="{1D9EB699-67B2-496C-97EA-04B5033A53CF}"/>
+                  </a:ext>
+                </a:extLst>
+              </p:cNvPr>
+              <p:cNvSpPr txBox="1"/>
+              <p:nvPr/>
+            </p:nvSpPr>
+            <p:spPr>
+              <a:xfrm>
+                <a:off x="0" y="6356350"/>
+                <a:ext cx="4447713" cy="523220"/>
+              </a:xfrm>
+              <a:prstGeom prst="rect">
+                <a:avLst/>
+              </a:prstGeom>
+              <a:noFill/>
+            </p:spPr>
+            <p:txBody>
+              <a:bodyPr wrap="square">
+                <a:spAutoFit/>
+              </a:bodyPr>
+              <a:lstStyle/>
+              <a:p>
+                <a:r>
+                  <a:rPr lang="en-US" sz="1400" b="1" dirty="0">
+                    <a:latin typeface="Arial" panose="020B0604020202020204" pitchFamily="34" charset="0"/>
+                    <a:cs typeface="Arial" panose="020B0604020202020204" pitchFamily="34" charset="0"/>
+                  </a:rPr>
+                  <a:t>Fig. 5</a:t>
+                </a:r>
+                <a:r>
+                  <a:rPr lang="en-US" sz="1400" dirty="0">
+                    <a:latin typeface="Arial" panose="020B0604020202020204" pitchFamily="34" charset="0"/>
+                    <a:cs typeface="Arial" panose="020B0604020202020204" pitchFamily="34" charset="0"/>
+                  </a:rPr>
+                  <a:t>: Proton momentum distributions for </a:t>
+                </a:r>
+                <a:r>
+                  <a:rPr lang="en-US" sz="1400" baseline="30000" dirty="0">
+                    <a:latin typeface="Arial" panose="020B0604020202020204" pitchFamily="34" charset="0"/>
+                    <a:cs typeface="Arial" panose="020B0604020202020204" pitchFamily="34" charset="0"/>
+                  </a:rPr>
+                  <a:t>12</a:t>
+                </a:r>
+                <a:r>
+                  <a:rPr lang="en-US" sz="1400" dirty="0">
+                    <a:latin typeface="Arial" panose="020B0604020202020204" pitchFamily="34" charset="0"/>
+                    <a:cs typeface="Arial" panose="020B0604020202020204" pitchFamily="34" charset="0"/>
+                  </a:rPr>
+                  <a:t>C, </a:t>
+                </a:r>
+                <a:r>
+                  <a:rPr lang="en-US" sz="1400" baseline="30000" dirty="0">
+                    <a:latin typeface="Arial" panose="020B0604020202020204" pitchFamily="34" charset="0"/>
+                    <a:cs typeface="Arial" panose="020B0604020202020204" pitchFamily="34" charset="0"/>
+                  </a:rPr>
+                  <a:t>16</a:t>
+                </a:r>
+                <a:r>
+                  <a:rPr lang="en-US" sz="1400" dirty="0">
+                    <a:latin typeface="Arial" panose="020B0604020202020204" pitchFamily="34" charset="0"/>
+                    <a:cs typeface="Arial" panose="020B0604020202020204" pitchFamily="34" charset="0"/>
+                  </a:rPr>
+                  <a:t>O, and </a:t>
+                </a:r>
+                <a:r>
+                  <a:rPr lang="en-US" sz="1400" baseline="30000" dirty="0">
+                    <a:latin typeface="Arial" panose="020B0604020202020204" pitchFamily="34" charset="0"/>
+                    <a:cs typeface="Arial" panose="020B0604020202020204" pitchFamily="34" charset="0"/>
+                  </a:rPr>
+                  <a:t>40</a:t>
+                </a:r>
+                <a:r>
+                  <a:rPr lang="en-US" sz="1400" dirty="0">
+                    <a:latin typeface="Arial" panose="020B0604020202020204" pitchFamily="34" charset="0"/>
+                    <a:cs typeface="Arial" panose="020B0604020202020204" pitchFamily="34" charset="0"/>
+                  </a:rPr>
+                  <a:t>Ca under LDA</a:t>
+                </a:r>
+                <a:r>
+                  <a:rPr lang="en-US" sz="1400" b="1" dirty="0">
+                    <a:latin typeface="Arial" panose="020B0604020202020204" pitchFamily="34" charset="0"/>
+                    <a:cs typeface="Arial" panose="020B0604020202020204" pitchFamily="34" charset="0"/>
+                  </a:rPr>
+                  <a:t> </a:t>
+                </a:r>
+                <a:r>
+                  <a:rPr lang="en-US" sz="1400" dirty="0">
+                    <a:latin typeface="Arial" panose="020B0604020202020204" pitchFamily="34" charset="0"/>
+                    <a:cs typeface="Arial" panose="020B0604020202020204" pitchFamily="34" charset="0"/>
+                  </a:rPr>
+                  <a:t>with AV18 and </a:t>
+                </a:r>
+                <a14:m>
+                  <m:oMath xmlns:m="http://schemas.openxmlformats.org/officeDocument/2006/math">
+                    <m:r>
+                      <a:rPr lang="en-US" sz="1400" i="1" smtClean="0">
+                        <a:latin typeface="Cambria Math" panose="02040503050406030204" pitchFamily="18" charset="0"/>
+                        <a:ea typeface="Cambria Math" panose="02040503050406030204" pitchFamily="18" charset="0"/>
+                        <a:cs typeface="Arial" panose="020B0604020202020204" pitchFamily="34" charset="0"/>
+                      </a:rPr>
+                      <m:t>𝜆</m:t>
+                    </m:r>
+                    <m:r>
+                      <a:rPr lang="en-US" sz="1400" b="0" i="1" smtClean="0">
+                        <a:latin typeface="Cambria Math" panose="02040503050406030204" pitchFamily="18" charset="0"/>
+                        <a:ea typeface="Cambria Math" panose="02040503050406030204" pitchFamily="18" charset="0"/>
+                        <a:cs typeface="Arial" panose="020B0604020202020204" pitchFamily="34" charset="0"/>
+                      </a:rPr>
+                      <m:t>=1.35</m:t>
+                    </m:r>
+                  </m:oMath>
+                </a14:m>
+                <a:r>
+                  <a:rPr lang="en-US" sz="1400" dirty="0">
+                    <a:latin typeface="Arial" panose="020B0604020202020204" pitchFamily="34" charset="0"/>
+                    <a:cs typeface="Arial" panose="020B0604020202020204" pitchFamily="34" charset="0"/>
+                  </a:rPr>
+                  <a:t> fm</a:t>
+                </a:r>
+                <a:r>
+                  <a:rPr lang="en-US" sz="1400" baseline="30000" dirty="0">
+                    <a:latin typeface="Arial" panose="020B0604020202020204" pitchFamily="34" charset="0"/>
+                    <a:cs typeface="Arial" panose="020B0604020202020204" pitchFamily="34" charset="0"/>
+                  </a:rPr>
+                  <a:t>-1</a:t>
+                </a:r>
+                <a:r>
+                  <a:rPr lang="en-US" sz="1400" dirty="0">
+                    <a:latin typeface="Arial" panose="020B0604020202020204" pitchFamily="34" charset="0"/>
+                    <a:cs typeface="Arial" panose="020B0604020202020204" pitchFamily="34" charset="0"/>
+                  </a:rPr>
+                  <a:t>.</a:t>
+                </a:r>
+              </a:p>
+            </p:txBody>
+          </p:sp>
+        </mc:Choice>
+        <mc:Fallback>
+          <p:sp>
+            <p:nvSpPr>
+              <p:cNvPr id="16" name="TextBox 15">
+                <a:extLst>
+                  <a:ext uri="{FF2B5EF4-FFF2-40B4-BE49-F238E27FC236}">
+                    <a16:creationId xmlns:a16="http://schemas.microsoft.com/office/drawing/2014/main" id="{1D9EB699-67B2-496C-97EA-04B5033A53CF}"/>
+                  </a:ext>
+                </a:extLst>
+              </p:cNvPr>
+              <p:cNvSpPr txBox="1">
+                <a:spLocks noRot="1" noChangeAspect="1" noMove="1" noResize="1" noEditPoints="1" noAdjustHandles="1" noChangeArrowheads="1" noChangeShapeType="1" noTextEdit="1"/>
+              </p:cNvSpPr>
+              <p:nvPr/>
+            </p:nvSpPr>
+            <p:spPr>
+              <a:xfrm>
+                <a:off x="0" y="6356350"/>
+                <a:ext cx="4447713" cy="523220"/>
+              </a:xfrm>
+              <a:prstGeom prst="rect">
+                <a:avLst/>
+              </a:prstGeom>
+              <a:blipFill>
+                <a:blip r:embed="rId6"/>
+                <a:stretch>
+                  <a:fillRect l="-411" t="-2326" b="-10465"/>
+                </a:stretch>
+              </a:blipFill>
+            </p:spPr>
+            <p:txBody>
+              <a:bodyPr/>
+              <a:lstStyle/>
+              <a:p>
+                <a:r>
+                  <a:rPr lang="en-US">
+                    <a:noFill/>
+                  </a:rPr>
+                  <a:t> </a:t>
+                </a:r>
+              </a:p>
+            </p:txBody>
+          </p:sp>
+        </mc:Fallback>
+      </mc:AlternateContent>
+      <p:sp>
+        <p:nvSpPr>
+          <p:cNvPr id="17" name="TextBox 16">
             <a:extLst>
               <a:ext uri="{FF2B5EF4-FFF2-40B4-BE49-F238E27FC236}">
-                <a16:creationId xmlns:a16="http://schemas.microsoft.com/office/drawing/2014/main" id="{D037C1B4-C2C3-4525-971C-59C1A2BF45C3}"/>
+                <a16:creationId xmlns:a16="http://schemas.microsoft.com/office/drawing/2014/main" id="{C419643E-8C72-4798-AB23-3C7A55844BEA}"/>
               </a:ext>
             </a:extLst>
           </p:cNvPr>
-          <p:cNvPicPr>
-            <a:picLocks noChangeAspect="1"/>
-          </p:cNvPicPr>
+          <p:cNvSpPr txBox="1"/>
           <p:nvPr/>
-        </p:nvPicPr>
-        <p:blipFill>
-          <a:blip r:embed="rId3">
-            <a:extLst>
-              <a:ext uri="{28A0092B-C50C-407E-A947-70E740481C1C}">
-                <a14:useLocalDpi xmlns:a14="http://schemas.microsoft.com/office/drawing/2010/main" val="0"/>
-              </a:ext>
-            </a:extLst>
-          </a:blip>
-          <a:stretch>
-            <a:fillRect/>
-          </a:stretch>
-        </p:blipFill>
+        </p:nvSpPr>
         <p:spPr>
           <a:xfrm>
-            <a:off x="597761" y="2805286"/>
-            <a:ext cx="3684727" cy="3657600"/>
+            <a:off x="7335414" y="0"/>
+            <a:ext cx="4946354" cy="769441"/>
           </a:xfrm>
           <a:prstGeom prst="rect">
             <a:avLst/>
           </a:prstGeom>
+          <a:noFill/>
         </p:spPr>
-      </p:pic>
-      <p:pic>
-        <p:nvPicPr>
-          <p:cNvPr id="10" name="Picture 9" descr="Chart, line chart&#10;&#10;Description automatically generated">
-            <a:extLst>
-              <a:ext uri="{FF2B5EF4-FFF2-40B4-BE49-F238E27FC236}">
-                <a16:creationId xmlns:a16="http://schemas.microsoft.com/office/drawing/2014/main" id="{8F20ACA1-AC5F-4A4A-B2ED-7C27B1A40FAF}"/>
-              </a:ext>
-            </a:extLst>
-          </p:cNvPr>
-          <p:cNvPicPr>
-            <a:picLocks noChangeAspect="1"/>
-          </p:cNvPicPr>
-          <p:nvPr/>
-        </p:nvPicPr>
-        <p:blipFill>
-          <a:blip r:embed="rId4">
-            <a:extLst>
-              <a:ext uri="{28A0092B-C50C-407E-A947-70E740481C1C}">
-                <a14:useLocalDpi xmlns:a14="http://schemas.microsoft.com/office/drawing/2010/main" val="0"/>
-              </a:ext>
-            </a:extLst>
-          </a:blip>
-          <a:stretch>
-            <a:fillRect/>
-          </a:stretch>
-        </p:blipFill>
-        <p:spPr>
-          <a:xfrm>
-            <a:off x="4300244" y="2805286"/>
-            <a:ext cx="3684727" cy="3657600"/>
-          </a:xfrm>
-          <a:prstGeom prst="rect">
-            <a:avLst/>
-          </a:prstGeom>
-        </p:spPr>
-      </p:pic>
-      <p:pic>
-        <p:nvPicPr>
-          <p:cNvPr id="14" name="Picture 13" descr="Chart&#10;&#10;Description automatically generated">
-            <a:extLst>
-              <a:ext uri="{FF2B5EF4-FFF2-40B4-BE49-F238E27FC236}">
-                <a16:creationId xmlns:a16="http://schemas.microsoft.com/office/drawing/2014/main" id="{D5640953-C2AB-4F09-A4C5-FAD983D30E97}"/>
-              </a:ext>
-            </a:extLst>
-          </p:cNvPr>
-          <p:cNvPicPr>
-            <a:picLocks noChangeAspect="1"/>
-          </p:cNvPicPr>
-          <p:nvPr/>
-        </p:nvPicPr>
-        <p:blipFill>
-          <a:blip r:embed="rId5">
-            <a:extLst>
-              <a:ext uri="{28A0092B-C50C-407E-A947-70E740481C1C}">
-                <a14:useLocalDpi xmlns:a14="http://schemas.microsoft.com/office/drawing/2010/main" val="0"/>
-              </a:ext>
-            </a:extLst>
-          </a:blip>
-          <a:stretch>
-            <a:fillRect/>
-          </a:stretch>
-        </p:blipFill>
-        <p:spPr>
-          <a:xfrm>
-            <a:off x="8002727" y="2805286"/>
-            <a:ext cx="3684727" cy="3657600"/>
-          </a:xfrm>
-          <a:prstGeom prst="rect">
-            <a:avLst/>
-          </a:prstGeom>
-        </p:spPr>
-      </p:pic>
+        <p:txBody>
+          <a:bodyPr wrap="none" rtlCol="0">
+            <a:spAutoFit/>
+          </a:bodyPr>
+          <a:lstStyle/>
+          <a:p>
+            <a:pPr marL="0" marR="0" lvl="0" indent="0" algn="l" defTabSz="914400" rtl="0" eaLnBrk="1" fontAlgn="auto" latinLnBrk="0" hangingPunct="1">
+              <a:lnSpc>
+                <a:spcPct val="100000"/>
+              </a:lnSpc>
+              <a:spcBef>
+                <a:spcPts val="0"/>
+              </a:spcBef>
+              <a:spcAft>
+                <a:spcPts val="0"/>
+              </a:spcAft>
+              <a:buClrTx/>
+              <a:buSzTx/>
+              <a:buFontTx/>
+              <a:buNone/>
+              <a:tabLst/>
+              <a:defRPr/>
+            </a:pPr>
+            <a:r>
+              <a:rPr kumimoji="0" lang="en-US" sz="1600" b="0" i="0" u="none" strike="noStrike" kern="1200" cap="none" spc="0" normalizeH="0" baseline="30000" noProof="0" dirty="0">
+                <a:ln>
+                  <a:noFill/>
+                </a:ln>
+                <a:solidFill>
+                  <a:prstClr val="black"/>
+                </a:solidFill>
+                <a:effectLst/>
+                <a:uLnTx/>
+                <a:uFillTx/>
+                <a:latin typeface="Arial" panose="020B0604020202020204" pitchFamily="34" charset="0"/>
+                <a:ea typeface="+mn-ea"/>
+                <a:cs typeface="Arial" panose="020B0604020202020204" pitchFamily="34" charset="0"/>
+              </a:rPr>
+              <a:t>1</a:t>
+            </a:r>
+            <a:r>
+              <a:rPr lang="en-US" sz="1600" dirty="0">
+                <a:solidFill>
+                  <a:prstClr val="black"/>
+                </a:solidFill>
+                <a:latin typeface="Arial" panose="020B0604020202020204" pitchFamily="34" charset="0"/>
+                <a:cs typeface="Arial" panose="020B0604020202020204" pitchFamily="34" charset="0"/>
+              </a:rPr>
+              <a:t>R</a:t>
+            </a:r>
+            <a:r>
+              <a:rPr kumimoji="0" lang="en-US" sz="1600" b="0" i="0" u="none" strike="noStrike" kern="1200" cap="none" spc="0" normalizeH="0" baseline="0" noProof="0" dirty="0">
+                <a:ln>
+                  <a:noFill/>
+                </a:ln>
+                <a:solidFill>
+                  <a:prstClr val="black"/>
+                </a:solidFill>
+                <a:effectLst/>
+                <a:uLnTx/>
+                <a:uFillTx/>
+                <a:latin typeface="Arial" panose="020B0604020202020204" pitchFamily="34" charset="0"/>
+                <a:ea typeface="+mn-ea"/>
+                <a:cs typeface="Arial" panose="020B0604020202020204" pitchFamily="34" charset="0"/>
+              </a:rPr>
+              <a:t>.B. </a:t>
+            </a:r>
+            <a:r>
+              <a:rPr kumimoji="0" lang="en-US" sz="1600" b="0" i="0" u="none" strike="noStrike" kern="1200" cap="none" spc="0" normalizeH="0" baseline="0" noProof="0" dirty="0" err="1">
+                <a:ln>
+                  <a:noFill/>
+                </a:ln>
+                <a:solidFill>
+                  <a:prstClr val="black"/>
+                </a:solidFill>
+                <a:effectLst/>
+                <a:uLnTx/>
+                <a:uFillTx/>
+                <a:latin typeface="Arial" panose="020B0604020202020204" pitchFamily="34" charset="0"/>
+                <a:ea typeface="+mn-ea"/>
+                <a:cs typeface="Arial" panose="020B0604020202020204" pitchFamily="34" charset="0"/>
+              </a:rPr>
+              <a:t>Wiringa</a:t>
+            </a:r>
+            <a:r>
+              <a:rPr kumimoji="0" lang="en-US" sz="1600" b="0" i="0" u="none" strike="noStrike" kern="1200" cap="none" spc="0" normalizeH="0" baseline="0" noProof="0" dirty="0">
+                <a:ln>
+                  <a:noFill/>
+                </a:ln>
+                <a:solidFill>
+                  <a:prstClr val="black"/>
+                </a:solidFill>
+                <a:effectLst/>
+                <a:uLnTx/>
+                <a:uFillTx/>
+                <a:latin typeface="Arial" panose="020B0604020202020204" pitchFamily="34" charset="0"/>
+                <a:ea typeface="+mn-ea"/>
+                <a:cs typeface="Arial" panose="020B0604020202020204" pitchFamily="34" charset="0"/>
+              </a:rPr>
+              <a:t> et al., Phys. Rev. C </a:t>
+            </a:r>
+            <a:r>
+              <a:rPr kumimoji="0" lang="en-US" sz="1600" b="1" i="0" u="none" strike="noStrike" kern="1200" cap="none" spc="0" normalizeH="0" baseline="0" noProof="0" dirty="0">
+                <a:ln>
+                  <a:noFill/>
+                </a:ln>
+                <a:solidFill>
+                  <a:prstClr val="black"/>
+                </a:solidFill>
+                <a:effectLst/>
+                <a:uLnTx/>
+                <a:uFillTx/>
+                <a:latin typeface="Arial" panose="020B0604020202020204" pitchFamily="34" charset="0"/>
+                <a:ea typeface="+mn-ea"/>
+                <a:cs typeface="Arial" panose="020B0604020202020204" pitchFamily="34" charset="0"/>
+              </a:rPr>
+              <a:t>89</a:t>
+            </a:r>
+            <a:r>
+              <a:rPr kumimoji="0" lang="en-US" sz="1600" b="0" i="0" u="none" strike="noStrike" kern="1200" cap="none" spc="0" normalizeH="0" baseline="0" noProof="0" dirty="0">
+                <a:ln>
+                  <a:noFill/>
+                </a:ln>
+                <a:solidFill>
+                  <a:prstClr val="black"/>
+                </a:solidFill>
+                <a:effectLst/>
+                <a:uLnTx/>
+                <a:uFillTx/>
+                <a:latin typeface="Arial" panose="020B0604020202020204" pitchFamily="34" charset="0"/>
+                <a:ea typeface="+mn-ea"/>
+                <a:cs typeface="Arial" panose="020B0604020202020204" pitchFamily="34" charset="0"/>
+              </a:rPr>
+              <a:t>, 024305 (2014)</a:t>
+            </a:r>
+          </a:p>
+          <a:p>
+            <a:pPr marL="0" marR="0" lvl="0" indent="0" algn="l" defTabSz="914400" rtl="0" eaLnBrk="1" fontAlgn="auto" latinLnBrk="0" hangingPunct="1">
+              <a:lnSpc>
+                <a:spcPct val="100000"/>
+              </a:lnSpc>
+              <a:spcBef>
+                <a:spcPts val="0"/>
+              </a:spcBef>
+              <a:spcAft>
+                <a:spcPts val="0"/>
+              </a:spcAft>
+              <a:buClrTx/>
+              <a:buSzTx/>
+              <a:buFontTx/>
+              <a:buNone/>
+              <a:tabLst/>
+              <a:defRPr/>
+            </a:pPr>
+            <a:r>
+              <a:rPr kumimoji="0" lang="en-US" sz="1600" b="0" i="0" u="none" strike="noStrike" kern="1200" cap="none" spc="0" normalizeH="0" noProof="0" dirty="0">
+                <a:ln>
+                  <a:noFill/>
+                </a:ln>
+                <a:solidFill>
+                  <a:prstClr val="black"/>
+                </a:solidFill>
+                <a:effectLst/>
+                <a:uLnTx/>
+                <a:uFillTx/>
+                <a:latin typeface="Arial" panose="020B0604020202020204" pitchFamily="34" charset="0"/>
+                <a:ea typeface="+mn-ea"/>
+                <a:cs typeface="Arial" panose="020B0604020202020204" pitchFamily="34" charset="0"/>
+              </a:rPr>
+              <a:t>https://www.phy.anl.gov/theory/research/momenta/</a:t>
+            </a:r>
+          </a:p>
+          <a:p>
+            <a:pPr marL="0" marR="0" lvl="0" indent="0" algn="l" defTabSz="914400" rtl="0" eaLnBrk="1" fontAlgn="auto" latinLnBrk="0" hangingPunct="1">
+              <a:lnSpc>
+                <a:spcPct val="100000"/>
+              </a:lnSpc>
+              <a:spcBef>
+                <a:spcPts val="0"/>
+              </a:spcBef>
+              <a:spcAft>
+                <a:spcPts val="0"/>
+              </a:spcAft>
+              <a:buClrTx/>
+              <a:buSzTx/>
+              <a:buFontTx/>
+              <a:buNone/>
+              <a:tabLst/>
+              <a:defRPr/>
+            </a:pPr>
+            <a:endParaRPr kumimoji="0" lang="en-US" sz="1800" b="0" i="0" u="none" strike="noStrike" kern="1200" cap="none" spc="0" normalizeH="0" baseline="30000" noProof="0" dirty="0">
+              <a:ln>
+                <a:noFill/>
+              </a:ln>
+              <a:solidFill>
+                <a:prstClr val="black"/>
+              </a:solidFill>
+              <a:effectLst/>
+              <a:uLnTx/>
+              <a:uFillTx/>
+              <a:latin typeface="Arial" panose="020B0604020202020204" pitchFamily="34" charset="0"/>
+              <a:ea typeface="+mn-ea"/>
+              <a:cs typeface="Arial" panose="020B0604020202020204" pitchFamily="34" charset="0"/>
+            </a:endParaRPr>
+          </a:p>
+        </p:txBody>
+      </p:sp>
     </p:spTree>
     <p:extLst>
       <p:ext uri="{BB962C8B-B14F-4D97-AF65-F5344CB8AC3E}">
@@ -24973,8 +25906,22 @@
                 <a:ln>
                   <a:noFill/>
                 </a:ln>
+                <a:effectLst/>
+                <a:uLnTx/>
+                <a:uFillTx/>
+                <a:latin typeface="Arial" panose="020B0604020202020204" pitchFamily="34" charset="0"/>
+                <a:ea typeface="+mn-ea"/>
+                <a:cs typeface="+mn-cs"/>
+              </a:rPr>
+              <a:t>SRC physics at </a:t>
+            </a:r>
+            <a:r>
+              <a:rPr kumimoji="0" lang="en-US" sz="2400" b="0" i="0" u="none" strike="noStrike" kern="1200" cap="none" spc="0" normalizeH="0" baseline="0" noProof="0" dirty="0">
+                <a:ln>
+                  <a:noFill/>
+                </a:ln>
                 <a:solidFill>
-                  <a:srgbClr val="C00000"/>
+                  <a:srgbClr val="002060"/>
                 </a:solidFill>
                 <a:effectLst/>
                 <a:uLnTx/>
@@ -24983,7 +25930,7 @@
                 <a:ea typeface="+mn-ea"/>
                 <a:cs typeface="+mn-cs"/>
               </a:rPr>
-              <a:t>High RG resolution description of SRC physics</a:t>
+              <a:t>high RG resolution</a:t>
             </a:r>
           </a:p>
           <a:p>
@@ -25305,7 +26252,7 @@
         </p:spPr>
         <p:txBody>
           <a:bodyPr>
-            <a:normAutofit lnSpcReduction="10000"/>
+            <a:normAutofit fontScale="92500" lnSpcReduction="10000"/>
           </a:bodyPr>
           <a:lstStyle/>
           <a:p>
@@ -25401,7 +26348,7 @@
               </a:rPr>
               <a:t>np dominates because the tensor force requires spin triplet pairs (pp are spin singlets)</a:t>
             </a:r>
-            <a:endParaRPr lang="en-US" sz="2400" dirty="0">
+            <a:endParaRPr lang="en-US" sz="2200" dirty="0">
               <a:solidFill>
                 <a:srgbClr val="C00000"/>
               </a:solidFill>
@@ -25413,11 +26360,14 @@
                 <a:spcPct val="100000"/>
               </a:lnSpc>
             </a:pPr>
-            <a:endParaRPr lang="en-US" sz="2400" dirty="0">
-              <a:solidFill>
-                <a:srgbClr val="C00000"/>
-              </a:solidFill>
-            </a:endParaRPr>
+            <a:r>
+              <a:rPr lang="en-US" sz="2200" dirty="0">
+                <a:solidFill>
+                  <a:srgbClr val="C00000"/>
+                </a:solidFill>
+              </a:rPr>
+              <a:t>Do we describe this physics at low RG resolution?</a:t>
+            </a:r>
           </a:p>
           <a:p>
             <a:pPr>
@@ -25613,11 +26563,18 @@
           <a:lstStyle/>
           <a:p>
             <a:r>
+              <a:rPr lang="en-US" sz="1600" b="1" dirty="0">
+                <a:latin typeface="Arial" panose="020B0604020202020204" pitchFamily="34" charset="0"/>
+                <a:cs typeface="Arial" panose="020B0604020202020204" pitchFamily="34" charset="0"/>
+              </a:rPr>
+              <a:t>Fig. 6</a:t>
+            </a:r>
+            <a:r>
               <a:rPr lang="en-US" sz="1600" dirty="0">
                 <a:latin typeface="Arial" panose="020B0604020202020204" pitchFamily="34" charset="0"/>
                 <a:cs typeface="Arial" panose="020B0604020202020204" pitchFamily="34" charset="0"/>
               </a:rPr>
-              <a:t>Fig.: (a) Ratio of two-nucleon to single-nucleon electron-scattering cross sections for carbon as a function of missing momentum. (b) Fraction of np to p and pp to p pairs versus the relative momentum. Figure from CLAS collaboration publication</a:t>
+              <a:t>: (a) Ratio of two-nucleon to single-nucleon electron-scattering cross sections for carbon as a function of missing momentum. (b) Fraction of np to p and pp to p pairs versus the relative momentum. Figure from CLAS collaboration publication</a:t>
             </a:r>
             <a:r>
               <a:rPr lang="en-US" sz="1600" baseline="30000" dirty="0">
@@ -25631,24 +26588,7 @@
                 <a:latin typeface="Arial" panose="020B0604020202020204" pitchFamily="34" charset="0"/>
                 <a:cs typeface="Arial" panose="020B0604020202020204" pitchFamily="34" charset="0"/>
               </a:rPr>
-              <a:t>. (</a:t>
-            </a:r>
-            <a:r>
-              <a:rPr lang="en-US" sz="1600" dirty="0">
-                <a:solidFill>
-                  <a:srgbClr val="00B0F0"/>
-                </a:solidFill>
-                <a:latin typeface="Arial" panose="020B0604020202020204" pitchFamily="34" charset="0"/>
-                <a:cs typeface="Arial" panose="020B0604020202020204" pitchFamily="34" charset="0"/>
-              </a:rPr>
-              <a:t>add ref</a:t>
-            </a:r>
-            <a:r>
-              <a:rPr lang="en-US" sz="1600" dirty="0">
-                <a:latin typeface="Arial" panose="020B0604020202020204" pitchFamily="34" charset="0"/>
-                <a:cs typeface="Arial" panose="020B0604020202020204" pitchFamily="34" charset="0"/>
-              </a:rPr>
-              <a:t>)</a:t>
+              <a:t>.</a:t>
             </a:r>
           </a:p>
         </p:txBody>
@@ -25856,6 +26796,75 @@
           </a:fontRef>
         </p:style>
       </p:cxnSp>
+      <p:sp>
+        <p:nvSpPr>
+          <p:cNvPr id="12" name="TextBox 11">
+            <a:extLst>
+              <a:ext uri="{FF2B5EF4-FFF2-40B4-BE49-F238E27FC236}">
+                <a16:creationId xmlns:a16="http://schemas.microsoft.com/office/drawing/2014/main" id="{C4FA6CA5-3C24-4B33-BE54-6324173D0B42}"/>
+              </a:ext>
+            </a:extLst>
+          </p:cNvPr>
+          <p:cNvSpPr txBox="1"/>
+          <p:nvPr/>
+        </p:nvSpPr>
+        <p:spPr>
+          <a:xfrm>
+            <a:off x="0" y="6538912"/>
+            <a:ext cx="4171335" cy="492443"/>
+          </a:xfrm>
+          <a:prstGeom prst="rect">
+            <a:avLst/>
+          </a:prstGeom>
+          <a:noFill/>
+        </p:spPr>
+        <p:txBody>
+          <a:bodyPr wrap="none" rtlCol="0">
+            <a:spAutoFit/>
+          </a:bodyPr>
+          <a:lstStyle/>
+          <a:p>
+            <a:r>
+              <a:rPr lang="en-US" sz="1400" baseline="30000" dirty="0">
+                <a:latin typeface="Arial" panose="020B0604020202020204" pitchFamily="34" charset="0"/>
+                <a:cs typeface="Arial" panose="020B0604020202020204" pitchFamily="34" charset="0"/>
+              </a:rPr>
+              <a:t>1</a:t>
+            </a:r>
+            <a:r>
+              <a:rPr lang="en-US" sz="1400" dirty="0">
+                <a:latin typeface="Arial" panose="020B0604020202020204" pitchFamily="34" charset="0"/>
+                <a:cs typeface="Arial" panose="020B0604020202020204" pitchFamily="34" charset="0"/>
+              </a:rPr>
+              <a:t>I. </a:t>
+            </a:r>
+            <a:r>
+              <a:rPr lang="en-US" sz="1400" dirty="0" err="1">
+                <a:latin typeface="Arial" panose="020B0604020202020204" pitchFamily="34" charset="0"/>
+                <a:cs typeface="Arial" panose="020B0604020202020204" pitchFamily="34" charset="0"/>
+              </a:rPr>
+              <a:t>Korover</a:t>
+            </a:r>
+            <a:r>
+              <a:rPr lang="en-US" sz="1400" dirty="0">
+                <a:latin typeface="Arial" panose="020B0604020202020204" pitchFamily="34" charset="0"/>
+                <a:cs typeface="Arial" panose="020B0604020202020204" pitchFamily="34" charset="0"/>
+              </a:rPr>
+              <a:t> et al. (CLAS), arXiv:2004.07304 (2014)</a:t>
+            </a:r>
+            <a:endParaRPr lang="en-US" sz="1400" baseline="30000" dirty="0">
+              <a:latin typeface="Arial" panose="020B0604020202020204" pitchFamily="34" charset="0"/>
+              <a:cs typeface="Arial" panose="020B0604020202020204" pitchFamily="34" charset="0"/>
+            </a:endParaRPr>
+          </a:p>
+          <a:p>
+            <a:endParaRPr lang="en-US" baseline="30000" dirty="0">
+              <a:latin typeface="Arial" panose="020B0604020202020204" pitchFamily="34" charset="0"/>
+              <a:cs typeface="Arial" panose="020B0604020202020204" pitchFamily="34" charset="0"/>
+            </a:endParaRPr>
+          </a:p>
+        </p:txBody>
+      </p:sp>
     </p:spTree>
     <p:extLst>
       <p:ext uri="{BB962C8B-B14F-4D97-AF65-F5344CB8AC3E}">
@@ -26405,7 +27414,7 @@
           </a:prstGeom>
           <a:ln w="38100">
             <a:solidFill>
-              <a:schemeClr val="tx1"/>
+              <a:srgbClr val="C00000"/>
             </a:solidFill>
             <a:tailEnd type="triangle"/>
           </a:ln>
@@ -26565,12 +27574,12 @@
             <p:spPr>
               <a:xfrm>
                 <a:off x="8700115" y="2302299"/>
-                <a:ext cx="3249229" cy="3786943"/>
+                <a:ext cx="3009532" cy="3786943"/>
               </a:xfrm>
             </p:spPr>
             <p:txBody>
               <a:bodyPr>
-                <a:normAutofit/>
+                <a:normAutofit fontScale="92500" lnSpcReduction="20000"/>
               </a:bodyPr>
               <a:lstStyle/>
               <a:p>
@@ -26602,9 +27611,7 @@
                     <a:effectLst/>
                     <a:uLnTx/>
                     <a:uFillTx/>
-                    <a:latin typeface="Arial" panose="020B0604020202020204" pitchFamily="34" charset="0"/>
-                    <a:ea typeface="+mn-ea"/>
-                    <a:cs typeface="+mn-cs"/>
+                    <a:cs typeface="Arial" panose="020B0604020202020204" pitchFamily="34" charset="0"/>
                   </a:rPr>
                   <a:t>At </a:t>
                 </a:r>
@@ -26619,9 +27626,7 @@
                     <a:effectLst/>
                     <a:uLnTx/>
                     <a:uFillTx/>
-                    <a:latin typeface="Arial" panose="020B0604020202020204" pitchFamily="34" charset="0"/>
-                    <a:ea typeface="+mn-ea"/>
-                    <a:cs typeface="+mn-cs"/>
+                    <a:cs typeface="Arial" panose="020B0604020202020204" pitchFamily="34" charset="0"/>
                   </a:rPr>
                   <a:t>low RG resolution</a:t>
                 </a:r>
@@ -26636,9 +27641,7 @@
                     <a:effectLst/>
                     <a:uLnTx/>
                     <a:uFillTx/>
-                    <a:latin typeface="Arial" panose="020B0604020202020204" pitchFamily="34" charset="0"/>
-                    <a:ea typeface="+mn-ea"/>
-                    <a:cs typeface="+mn-cs"/>
+                    <a:cs typeface="Arial" panose="020B0604020202020204" pitchFamily="34" charset="0"/>
                   </a:rPr>
                   <a:t>, SRCs are suppressed in the wave function</a:t>
                 </a:r>
@@ -26650,120 +27653,130 @@
                   </a:lnSpc>
                 </a:pPr>
                 <a:r>
-                  <a:rPr lang="en-US" sz="2200" dirty="0"/>
+                  <a:rPr lang="en-US" sz="2200" dirty="0">
+                    <a:solidFill>
+                      <a:schemeClr val="tx1"/>
+                    </a:solidFill>
+                    <a:cs typeface="Arial" panose="020B0604020202020204" pitchFamily="34" charset="0"/>
+                  </a:rPr>
                   <a:t>Consider the ratio of </a:t>
                 </a:r>
                 <a:r>
                   <a:rPr lang="en-US" sz="2200" baseline="30000" dirty="0">
                     <a:solidFill>
-                      <a:srgbClr val="C00000"/>
+                      <a:schemeClr val="tx1"/>
                     </a:solidFill>
+                    <a:cs typeface="Arial" panose="020B0604020202020204" pitchFamily="34" charset="0"/>
                   </a:rPr>
                   <a:t>3</a:t>
                 </a:r>
                 <a:r>
                   <a:rPr lang="en-US" sz="2200" dirty="0">
                     <a:solidFill>
-                      <a:srgbClr val="C00000"/>
+                      <a:schemeClr val="tx1"/>
                     </a:solidFill>
+                    <a:cs typeface="Arial" panose="020B0604020202020204" pitchFamily="34" charset="0"/>
                   </a:rPr>
                   <a:t>S</a:t>
                 </a:r>
                 <a:r>
                   <a:rPr lang="en-US" sz="2200" baseline="-25000" dirty="0">
                     <a:solidFill>
-                      <a:srgbClr val="C00000"/>
+                      <a:schemeClr val="tx1"/>
                     </a:solidFill>
+                    <a:cs typeface="Arial" panose="020B0604020202020204" pitchFamily="34" charset="0"/>
                   </a:rPr>
                   <a:t>1</a:t>
                 </a:r>
                 <a:r>
                   <a:rPr lang="en-US" sz="2200" dirty="0">
                     <a:solidFill>
-                      <a:srgbClr val="C00000"/>
+                      <a:schemeClr val="tx1"/>
                     </a:solidFill>
+                    <a:cs typeface="Arial" panose="020B0604020202020204" pitchFamily="34" charset="0"/>
                   </a:rPr>
                   <a:t>-</a:t>
                 </a:r>
                 <a:r>
                   <a:rPr lang="en-US" sz="2200" baseline="30000" dirty="0">
                     <a:solidFill>
-                      <a:srgbClr val="C00000"/>
+                      <a:schemeClr val="tx1"/>
                     </a:solidFill>
+                    <a:cs typeface="Arial" panose="020B0604020202020204" pitchFamily="34" charset="0"/>
                   </a:rPr>
                   <a:t>3</a:t>
                 </a:r>
                 <a:r>
                   <a:rPr lang="en-US" sz="2200" dirty="0">
                     <a:solidFill>
-                      <a:srgbClr val="C00000"/>
+                      <a:schemeClr val="tx1"/>
                     </a:solidFill>
+                    <a:cs typeface="Arial" panose="020B0604020202020204" pitchFamily="34" charset="0"/>
                   </a:rPr>
                   <a:t>D</a:t>
                 </a:r>
                 <a:r>
                   <a:rPr lang="en-US" sz="2200" baseline="-25000" dirty="0">
                     <a:solidFill>
-                      <a:srgbClr val="C00000"/>
+                      <a:schemeClr val="tx1"/>
                     </a:solidFill>
+                    <a:cs typeface="Arial" panose="020B0604020202020204" pitchFamily="34" charset="0"/>
                   </a:rPr>
                   <a:t>1</a:t>
                 </a:r>
                 <a:r>
                   <a:rPr lang="en-US" sz="2200" dirty="0">
                     <a:solidFill>
-                      <a:srgbClr val="C00000"/>
+                      <a:schemeClr val="tx1"/>
                     </a:solidFill>
+                    <a:cs typeface="Arial" panose="020B0604020202020204" pitchFamily="34" charset="0"/>
                   </a:rPr>
-                  <a:t> </a:t>
-                </a:r>
-                <a:r>
-                  <a:rPr lang="en-US" sz="2200" dirty="0"/>
-                  <a:t>to</a:t>
+                  <a:t> to</a:t>
                 </a:r>
                 <a:r>
                   <a:rPr lang="en-US" sz="2200" baseline="-25000" dirty="0">
                     <a:solidFill>
-                      <a:srgbClr val="C00000"/>
+                      <a:schemeClr val="tx1"/>
                     </a:solidFill>
+                    <a:cs typeface="Arial" panose="020B0604020202020204" pitchFamily="34" charset="0"/>
                   </a:rPr>
                   <a:t> </a:t>
                 </a:r>
                 <a:r>
                   <a:rPr lang="en-US" sz="2200" baseline="30000" dirty="0">
                     <a:solidFill>
-                      <a:srgbClr val="C00000"/>
+                      <a:schemeClr val="tx1"/>
                     </a:solidFill>
+                    <a:cs typeface="Arial" panose="020B0604020202020204" pitchFamily="34" charset="0"/>
                   </a:rPr>
                   <a:t>1</a:t>
                 </a:r>
                 <a:r>
                   <a:rPr lang="en-US" sz="2200" dirty="0">
                     <a:solidFill>
-                      <a:srgbClr val="C00000"/>
+                      <a:schemeClr val="tx1"/>
                     </a:solidFill>
+                    <a:cs typeface="Arial" panose="020B0604020202020204" pitchFamily="34" charset="0"/>
                   </a:rPr>
                   <a:t>S</a:t>
                 </a:r>
                 <a:r>
                   <a:rPr lang="en-US" sz="2200" baseline="-25000" dirty="0">
                     <a:solidFill>
-                      <a:srgbClr val="C00000"/>
+                      <a:schemeClr val="tx1"/>
                     </a:solidFill>
+                    <a:cs typeface="Arial" panose="020B0604020202020204" pitchFamily="34" charset="0"/>
                   </a:rPr>
                   <a:t>0</a:t>
                 </a:r>
                 <a:r>
                   <a:rPr lang="en-US" sz="2200" dirty="0">
                     <a:solidFill>
-                      <a:srgbClr val="C00000"/>
+                      <a:schemeClr val="tx1"/>
                     </a:solidFill>
+                    <a:cs typeface="Arial" panose="020B0604020202020204" pitchFamily="34" charset="0"/>
                   </a:rPr>
-                  <a:t> </a:t>
-                </a:r>
-                <a:r>
-                  <a:rPr lang="en-US" sz="2200" dirty="0"/>
-                  <a:t>evolved momentum projection operator </a:t>
+                  <a:t> evolved momentum projection operator </a:t>
                 </a:r>
                 <a14:m>
                   <m:oMath xmlns:m="http://schemas.openxmlformats.org/officeDocument/2006/math">
@@ -26772,7 +27785,7 @@
                         <m:ctrlPr>
                           <a:rPr lang="en-US" sz="2200" i="1">
                             <a:solidFill>
-                              <a:srgbClr val="C00000"/>
+                              <a:schemeClr val="tx1"/>
                             </a:solidFill>
                             <a:latin typeface="Cambria Math" panose="02040503050406030204" pitchFamily="18" charset="0"/>
                           </a:rPr>
@@ -26782,7 +27795,7 @@
                         <m:r>
                           <a:rPr lang="en-US" sz="2200" i="1">
                             <a:solidFill>
-                              <a:srgbClr val="C00000"/>
+                              <a:schemeClr val="tx1"/>
                             </a:solidFill>
                             <a:latin typeface="Cambria Math" panose="02040503050406030204" pitchFamily="18" charset="0"/>
                           </a:rPr>
@@ -26793,7 +27806,7 @@
                         <m:r>
                           <a:rPr lang="en-US" sz="2200" i="1">
                             <a:solidFill>
-                              <a:srgbClr val="C00000"/>
+                              <a:schemeClr val="tx1"/>
                             </a:solidFill>
                             <a:latin typeface="Cambria Math" panose="02040503050406030204" pitchFamily="18" charset="0"/>
                           </a:rPr>
@@ -26804,7 +27817,7 @@
                         <m:r>
                           <a:rPr lang="en-US" sz="2200" i="1">
                             <a:solidFill>
-                              <a:srgbClr val="C00000"/>
+                              <a:schemeClr val="tx1"/>
                             </a:solidFill>
                             <a:latin typeface="Cambria Math" panose="02040503050406030204" pitchFamily="18" charset="0"/>
                             <a:ea typeface="Cambria Math" panose="02040503050406030204" pitchFamily="18" charset="0"/>
@@ -26818,7 +27831,7 @@
                         <m:ctrlPr>
                           <a:rPr lang="en-US" sz="2200" i="1">
                             <a:solidFill>
-                              <a:srgbClr val="C00000"/>
+                              <a:schemeClr val="tx1"/>
                             </a:solidFill>
                             <a:latin typeface="Cambria Math" panose="02040503050406030204" pitchFamily="18" charset="0"/>
                           </a:rPr>
@@ -26828,7 +27841,7 @@
                         <m:r>
                           <a:rPr lang="en-US" sz="2200" i="1">
                             <a:solidFill>
-                              <a:srgbClr val="C00000"/>
+                              <a:schemeClr val="tx1"/>
                             </a:solidFill>
                             <a:latin typeface="Cambria Math" panose="02040503050406030204" pitchFamily="18" charset="0"/>
                           </a:rPr>
@@ -26839,7 +27852,7 @@
                         <m:r>
                           <a:rPr lang="en-US" sz="2200" i="1">
                             <a:solidFill>
-                              <a:srgbClr val="C00000"/>
+                              <a:schemeClr val="tx1"/>
                             </a:solidFill>
                             <a:latin typeface="Cambria Math" panose="02040503050406030204" pitchFamily="18" charset="0"/>
                           </a:rPr>
@@ -26853,6 +27866,7 @@
                   <a:solidFill>
                     <a:srgbClr val="C00000"/>
                   </a:solidFill>
+                  <a:cs typeface="Arial" panose="020B0604020202020204" pitchFamily="34" charset="0"/>
                 </a:endParaRPr>
               </a:p>
               <a:p>
@@ -26861,10 +27875,37 @@
                     <a:spcPct val="100000"/>
                   </a:lnSpc>
                 </a:pPr>
-                <a:endParaRPr lang="en-US" sz="2400" dirty="0">
+                <a:r>
+                  <a:rPr lang="en-US" sz="2200" dirty="0">
+                    <a:solidFill>
+                      <a:srgbClr val="C00000"/>
+                    </a:solidFill>
+                    <a:cs typeface="Arial" panose="020B0604020202020204" pitchFamily="34" charset="0"/>
+                  </a:rPr>
+                  <a:t>This physics is established in the 2-body system!</a:t>
+                </a:r>
+              </a:p>
+              <a:p>
+                <a:pPr>
+                  <a:lnSpc>
+                    <a:spcPct val="100000"/>
+                  </a:lnSpc>
+                </a:pPr>
+                <a:r>
+                  <a:rPr lang="en-US" sz="2200" dirty="0">
+                    <a:solidFill>
+                      <a:srgbClr val="C00000"/>
+                    </a:solidFill>
+                    <a:cs typeface="Arial" panose="020B0604020202020204" pitchFamily="34" charset="0"/>
+                    <a:sym typeface="Wingdings" panose="05000000000000000000" pitchFamily="2" charset="2"/>
+                  </a:rPr>
+                  <a:t>Can apply to any nucleus!</a:t>
+                </a:r>
+                <a:endParaRPr lang="en-US" sz="2200" dirty="0">
                   <a:solidFill>
                     <a:srgbClr val="C00000"/>
                   </a:solidFill>
+                  <a:cs typeface="Arial" panose="020B0604020202020204" pitchFamily="34" charset="0"/>
                 </a:endParaRPr>
               </a:p>
               <a:p>
@@ -26902,12 +27943,400 @@
             <p:spPr>
               <a:xfrm>
                 <a:off x="8700115" y="2302299"/>
-                <a:ext cx="3249229" cy="3786943"/>
+                <a:ext cx="3009532" cy="3786943"/>
               </a:xfrm>
               <a:blipFill>
                 <a:blip r:embed="rId5"/>
                 <a:stretch>
-                  <a:fillRect l="-2064" t="-966" r="-1689"/>
+                  <a:fillRect l="-1822" t="-2415" r="-810"/>
+                </a:stretch>
+              </a:blipFill>
+            </p:spPr>
+            <p:txBody>
+              <a:bodyPr/>
+              <a:lstStyle/>
+              <a:p>
+                <a:r>
+                  <a:rPr lang="en-US">
+                    <a:noFill/>
+                  </a:rPr>
+                  <a:t> </a:t>
+                </a:r>
+              </a:p>
+            </p:txBody>
+          </p:sp>
+        </mc:Fallback>
+      </mc:AlternateContent>
+      <mc:AlternateContent xmlns:mc="http://schemas.openxmlformats.org/markup-compatibility/2006">
+        <mc:Choice xmlns:a14="http://schemas.microsoft.com/office/drawing/2010/main" Requires="a14">
+          <p:sp>
+            <p:nvSpPr>
+              <p:cNvPr id="3" name="TextBox 2">
+                <a:extLst>
+                  <a:ext uri="{FF2B5EF4-FFF2-40B4-BE49-F238E27FC236}">
+                    <a16:creationId xmlns:a16="http://schemas.microsoft.com/office/drawing/2014/main" id="{2899578B-5CEC-4282-8D3D-7B2B5D2C2E20}"/>
+                  </a:ext>
+                </a:extLst>
+              </p:cNvPr>
+              <p:cNvSpPr txBox="1"/>
+              <p:nvPr/>
+            </p:nvSpPr>
+            <p:spPr>
+              <a:xfrm>
+                <a:off x="889786" y="6282650"/>
+                <a:ext cx="3581400" cy="575350"/>
+              </a:xfrm>
+              <a:prstGeom prst="rect">
+                <a:avLst/>
+              </a:prstGeom>
+              <a:noFill/>
+            </p:spPr>
+            <p:txBody>
+              <a:bodyPr wrap="square" rtlCol="0">
+                <a:spAutoFit/>
+              </a:bodyPr>
+              <a:lstStyle/>
+              <a:p>
+                <a:r>
+                  <a:rPr lang="en-US" sz="1400" b="1" dirty="0">
+                    <a:latin typeface="Arial" panose="020B0604020202020204" pitchFamily="34" charset="0"/>
+                    <a:cs typeface="Arial" panose="020B0604020202020204" pitchFamily="34" charset="0"/>
+                  </a:rPr>
+                  <a:t>Fig. 7</a:t>
+                </a:r>
+                <a:r>
+                  <a:rPr lang="en-US" sz="1400" dirty="0">
+                    <a:latin typeface="Arial" panose="020B0604020202020204" pitchFamily="34" charset="0"/>
+                    <a:cs typeface="Arial" panose="020B0604020202020204" pitchFamily="34" charset="0"/>
+                  </a:rPr>
+                  <a:t>: </a:t>
+                </a:r>
+                <a:r>
+                  <a:rPr kumimoji="0" lang="en-US" sz="1400" b="0" i="0" u="none" strike="noStrike" kern="1200" cap="none" spc="0" normalizeH="0" baseline="30000" noProof="0" dirty="0">
+                    <a:ln>
+                      <a:noFill/>
+                    </a:ln>
+                    <a:solidFill>
+                      <a:prstClr val="black"/>
+                    </a:solidFill>
+                    <a:effectLst/>
+                    <a:uLnTx/>
+                    <a:uFillTx/>
+                    <a:latin typeface="Arial" panose="020B0604020202020204" pitchFamily="34" charset="0"/>
+                    <a:ea typeface="+mn-ea"/>
+                    <a:cs typeface="Arial" panose="020B0604020202020204" pitchFamily="34" charset="0"/>
+                  </a:rPr>
+                  <a:t>3</a:t>
+                </a:r>
+                <a:r>
+                  <a:rPr kumimoji="0" lang="en-US" sz="1400" b="0" i="0" u="none" strike="noStrike" kern="1200" cap="none" spc="0" normalizeH="0" baseline="0" noProof="0" dirty="0">
+                    <a:ln>
+                      <a:noFill/>
+                    </a:ln>
+                    <a:solidFill>
+                      <a:prstClr val="black"/>
+                    </a:solidFill>
+                    <a:effectLst/>
+                    <a:uLnTx/>
+                    <a:uFillTx/>
+                    <a:latin typeface="Arial" panose="020B0604020202020204" pitchFamily="34" charset="0"/>
+                    <a:ea typeface="+mn-ea"/>
+                    <a:cs typeface="Arial" panose="020B0604020202020204" pitchFamily="34" charset="0"/>
+                  </a:rPr>
+                  <a:t>S</a:t>
+                </a:r>
+                <a:r>
+                  <a:rPr kumimoji="0" lang="en-US" sz="1400" b="0" i="0" u="none" strike="noStrike" kern="1200" cap="none" spc="0" normalizeH="0" baseline="-25000" noProof="0" dirty="0">
+                    <a:ln>
+                      <a:noFill/>
+                    </a:ln>
+                    <a:solidFill>
+                      <a:prstClr val="black"/>
+                    </a:solidFill>
+                    <a:effectLst/>
+                    <a:uLnTx/>
+                    <a:uFillTx/>
+                    <a:latin typeface="Arial" panose="020B0604020202020204" pitchFamily="34" charset="0"/>
+                    <a:ea typeface="+mn-ea"/>
+                    <a:cs typeface="Arial" panose="020B0604020202020204" pitchFamily="34" charset="0"/>
+                  </a:rPr>
+                  <a:t>1</a:t>
+                </a:r>
+                <a:r>
+                  <a:rPr kumimoji="0" lang="en-US" sz="1400" b="0" i="0" u="none" strike="noStrike" kern="1200" cap="none" spc="0" normalizeH="0" baseline="0" noProof="0" dirty="0">
+                    <a:ln>
+                      <a:noFill/>
+                    </a:ln>
+                    <a:solidFill>
+                      <a:prstClr val="black"/>
+                    </a:solidFill>
+                    <a:effectLst/>
+                    <a:uLnTx/>
+                    <a:uFillTx/>
+                    <a:latin typeface="Arial" panose="020B0604020202020204" pitchFamily="34" charset="0"/>
+                    <a:ea typeface="+mn-ea"/>
+                    <a:cs typeface="Arial" panose="020B0604020202020204" pitchFamily="34" charset="0"/>
+                  </a:rPr>
+                  <a:t>-</a:t>
+                </a:r>
+                <a:r>
+                  <a:rPr kumimoji="0" lang="en-US" sz="1400" b="0" i="0" u="none" strike="noStrike" kern="1200" cap="none" spc="0" normalizeH="0" baseline="30000" noProof="0" dirty="0">
+                    <a:ln>
+                      <a:noFill/>
+                    </a:ln>
+                    <a:solidFill>
+                      <a:prstClr val="black"/>
+                    </a:solidFill>
+                    <a:effectLst/>
+                    <a:uLnTx/>
+                    <a:uFillTx/>
+                    <a:latin typeface="Arial" panose="020B0604020202020204" pitchFamily="34" charset="0"/>
+                    <a:ea typeface="+mn-ea"/>
+                    <a:cs typeface="Arial" panose="020B0604020202020204" pitchFamily="34" charset="0"/>
+                  </a:rPr>
+                  <a:t>3</a:t>
+                </a:r>
+                <a:r>
+                  <a:rPr kumimoji="0" lang="en-US" sz="1400" b="0" i="0" u="none" strike="noStrike" kern="1200" cap="none" spc="0" normalizeH="0" baseline="0" noProof="0" dirty="0">
+                    <a:ln>
+                      <a:noFill/>
+                    </a:ln>
+                    <a:solidFill>
+                      <a:prstClr val="black"/>
+                    </a:solidFill>
+                    <a:effectLst/>
+                    <a:uLnTx/>
+                    <a:uFillTx/>
+                    <a:latin typeface="Arial" panose="020B0604020202020204" pitchFamily="34" charset="0"/>
+                    <a:ea typeface="+mn-ea"/>
+                    <a:cs typeface="Arial" panose="020B0604020202020204" pitchFamily="34" charset="0"/>
+                  </a:rPr>
+                  <a:t>D</a:t>
+                </a:r>
+                <a:r>
+                  <a:rPr kumimoji="0" lang="en-US" sz="1400" b="0" i="0" u="none" strike="noStrike" kern="1200" cap="none" spc="0" normalizeH="0" baseline="-25000" noProof="0" dirty="0">
+                    <a:ln>
+                      <a:noFill/>
+                    </a:ln>
+                    <a:solidFill>
+                      <a:prstClr val="black"/>
+                    </a:solidFill>
+                    <a:effectLst/>
+                    <a:uLnTx/>
+                    <a:uFillTx/>
+                    <a:latin typeface="Arial" panose="020B0604020202020204" pitchFamily="34" charset="0"/>
+                    <a:ea typeface="+mn-ea"/>
+                    <a:cs typeface="Arial" panose="020B0604020202020204" pitchFamily="34" charset="0"/>
+                  </a:rPr>
+                  <a:t>1</a:t>
+                </a:r>
+                <a:r>
+                  <a:rPr kumimoji="0" lang="en-US" sz="1400" b="0" i="0" u="none" strike="noStrike" kern="1200" cap="none" spc="0" normalizeH="0" baseline="0" noProof="0" dirty="0">
+                    <a:ln>
+                      <a:noFill/>
+                    </a:ln>
+                    <a:solidFill>
+                      <a:prstClr val="black"/>
+                    </a:solidFill>
+                    <a:effectLst/>
+                    <a:uLnTx/>
+                    <a:uFillTx/>
+                    <a:latin typeface="Arial" panose="020B0604020202020204" pitchFamily="34" charset="0"/>
+                    <a:ea typeface="+mn-ea"/>
+                    <a:cs typeface="Arial" panose="020B0604020202020204" pitchFamily="34" charset="0"/>
+                  </a:rPr>
+                  <a:t> to</a:t>
+                </a:r>
+                <a:r>
+                  <a:rPr kumimoji="0" lang="en-US" sz="1400" b="0" i="0" u="none" strike="noStrike" kern="1200" cap="none" spc="0" normalizeH="0" baseline="-25000" noProof="0" dirty="0">
+                    <a:ln>
+                      <a:noFill/>
+                    </a:ln>
+                    <a:solidFill>
+                      <a:prstClr val="black"/>
+                    </a:solidFill>
+                    <a:effectLst/>
+                    <a:uLnTx/>
+                    <a:uFillTx/>
+                    <a:latin typeface="Arial" panose="020B0604020202020204" pitchFamily="34" charset="0"/>
+                    <a:ea typeface="+mn-ea"/>
+                    <a:cs typeface="Arial" panose="020B0604020202020204" pitchFamily="34" charset="0"/>
+                  </a:rPr>
+                  <a:t> </a:t>
+                </a:r>
+                <a:r>
+                  <a:rPr kumimoji="0" lang="en-US" sz="1400" b="0" i="0" u="none" strike="noStrike" kern="1200" cap="none" spc="0" normalizeH="0" baseline="30000" noProof="0" dirty="0">
+                    <a:ln>
+                      <a:noFill/>
+                    </a:ln>
+                    <a:solidFill>
+                      <a:prstClr val="black"/>
+                    </a:solidFill>
+                    <a:effectLst/>
+                    <a:uLnTx/>
+                    <a:uFillTx/>
+                    <a:latin typeface="Arial" panose="020B0604020202020204" pitchFamily="34" charset="0"/>
+                    <a:ea typeface="+mn-ea"/>
+                    <a:cs typeface="Arial" panose="020B0604020202020204" pitchFamily="34" charset="0"/>
+                  </a:rPr>
+                  <a:t>1</a:t>
+                </a:r>
+                <a:r>
+                  <a:rPr kumimoji="0" lang="en-US" sz="1400" b="0" i="0" u="none" strike="noStrike" kern="1200" cap="none" spc="0" normalizeH="0" baseline="0" noProof="0" dirty="0">
+                    <a:ln>
+                      <a:noFill/>
+                    </a:ln>
+                    <a:solidFill>
+                      <a:prstClr val="black"/>
+                    </a:solidFill>
+                    <a:effectLst/>
+                    <a:uLnTx/>
+                    <a:uFillTx/>
+                    <a:latin typeface="Arial" panose="020B0604020202020204" pitchFamily="34" charset="0"/>
+                    <a:ea typeface="+mn-ea"/>
+                    <a:cs typeface="Arial" panose="020B0604020202020204" pitchFamily="34" charset="0"/>
+                  </a:rPr>
+                  <a:t>S</a:t>
+                </a:r>
+                <a:r>
+                  <a:rPr kumimoji="0" lang="en-US" sz="1400" b="0" i="0" u="none" strike="noStrike" kern="1200" cap="none" spc="0" normalizeH="0" baseline="-25000" noProof="0" dirty="0">
+                    <a:ln>
+                      <a:noFill/>
+                    </a:ln>
+                    <a:solidFill>
+                      <a:prstClr val="black"/>
+                    </a:solidFill>
+                    <a:effectLst/>
+                    <a:uLnTx/>
+                    <a:uFillTx/>
+                    <a:latin typeface="Arial" panose="020B0604020202020204" pitchFamily="34" charset="0"/>
+                    <a:ea typeface="+mn-ea"/>
+                    <a:cs typeface="Arial" panose="020B0604020202020204" pitchFamily="34" charset="0"/>
+                  </a:rPr>
+                  <a:t>0</a:t>
+                </a:r>
+                <a:r>
+                  <a:rPr lang="en-US" sz="1400" dirty="0">
+                    <a:solidFill>
+                      <a:prstClr val="black"/>
+                    </a:solidFill>
+                    <a:latin typeface="Arial" panose="020B0604020202020204" pitchFamily="34" charset="0"/>
+                    <a:cs typeface="Arial" panose="020B0604020202020204" pitchFamily="34" charset="0"/>
+                  </a:rPr>
+                  <a:t> r</a:t>
+                </a:r>
+                <a:r>
+                  <a:rPr lang="en-US" sz="1400" dirty="0">
+                    <a:latin typeface="Arial" panose="020B0604020202020204" pitchFamily="34" charset="0"/>
+                    <a:cs typeface="Arial" panose="020B0604020202020204" pitchFamily="34" charset="0"/>
+                  </a:rPr>
+                  <a:t>atio of SRG-evolved momentum projection operators </a:t>
+                </a:r>
+                <a14:m>
+                  <m:oMath xmlns:m="http://schemas.openxmlformats.org/officeDocument/2006/math">
+                    <m:sSubSup>
+                      <m:sSubSupPr>
+                        <m:ctrlPr>
+                          <a:rPr lang="en-US" sz="1400" i="1">
+                            <a:latin typeface="Cambria Math" panose="02040503050406030204" pitchFamily="18" charset="0"/>
+                          </a:rPr>
+                        </m:ctrlPr>
+                      </m:sSubSupPr>
+                      <m:e>
+                        <m:r>
+                          <a:rPr lang="en-US" sz="1400" i="1">
+                            <a:latin typeface="Cambria Math" panose="02040503050406030204" pitchFamily="18" charset="0"/>
+                          </a:rPr>
+                          <m:t>𝑎</m:t>
+                        </m:r>
+                      </m:e>
+                      <m:sub>
+                        <m:r>
+                          <a:rPr lang="en-US" sz="1400" i="1">
+                            <a:latin typeface="Cambria Math" panose="02040503050406030204" pitchFamily="18" charset="0"/>
+                          </a:rPr>
+                          <m:t>𝑞</m:t>
+                        </m:r>
+                      </m:sub>
+                      <m:sup>
+                        <m:r>
+                          <a:rPr lang="en-US" sz="1400" i="1">
+                            <a:latin typeface="Cambria Math" panose="02040503050406030204" pitchFamily="18" charset="0"/>
+                            <a:ea typeface="Cambria Math" panose="02040503050406030204" pitchFamily="18" charset="0"/>
+                          </a:rPr>
+                          <m:t>†</m:t>
+                        </m:r>
+                      </m:sup>
+                    </m:sSubSup>
+                    <m:sSub>
+                      <m:sSubPr>
+                        <m:ctrlPr>
+                          <a:rPr lang="en-US" sz="1400" i="1">
+                            <a:latin typeface="Cambria Math" panose="02040503050406030204" pitchFamily="18" charset="0"/>
+                          </a:rPr>
+                        </m:ctrlPr>
+                      </m:sSubPr>
+                      <m:e>
+                        <m:r>
+                          <a:rPr lang="en-US" sz="1400" i="1">
+                            <a:latin typeface="Cambria Math" panose="02040503050406030204" pitchFamily="18" charset="0"/>
+                          </a:rPr>
+                          <m:t>𝑎</m:t>
+                        </m:r>
+                      </m:e>
+                      <m:sub>
+                        <m:r>
+                          <a:rPr lang="en-US" sz="1400" i="1">
+                            <a:latin typeface="Cambria Math" panose="02040503050406030204" pitchFamily="18" charset="0"/>
+                          </a:rPr>
+                          <m:t>𝑞</m:t>
+                        </m:r>
+                      </m:sub>
+                    </m:sSub>
+                  </m:oMath>
+                </a14:m>
+                <a:r>
+                  <a:rPr lang="en-US" sz="1400" dirty="0">
+                    <a:latin typeface="Arial" panose="020B0604020202020204" pitchFamily="34" charset="0"/>
+                    <a:cs typeface="Arial" panose="020B0604020202020204" pitchFamily="34" charset="0"/>
+                  </a:rPr>
+                  <a:t>.</a:t>
+                </a:r>
+                <a:endParaRPr lang="en-US" sz="1400" b="1" dirty="0">
+                  <a:latin typeface="Arial" panose="020B0604020202020204" pitchFamily="34" charset="0"/>
+                  <a:cs typeface="Arial" panose="020B0604020202020204" pitchFamily="34" charset="0"/>
+                </a:endParaRPr>
+              </a:p>
+            </p:txBody>
+          </p:sp>
+        </mc:Choice>
+        <mc:Fallback>
+          <p:sp>
+            <p:nvSpPr>
+              <p:cNvPr id="3" name="TextBox 2">
+                <a:extLst>
+                  <a:ext uri="{FF2B5EF4-FFF2-40B4-BE49-F238E27FC236}">
+                    <a16:creationId xmlns:a16="http://schemas.microsoft.com/office/drawing/2014/main" id="{2899578B-5CEC-4282-8D3D-7B2B5D2C2E20}"/>
+                  </a:ext>
+                </a:extLst>
+              </p:cNvPr>
+              <p:cNvSpPr txBox="1">
+                <a:spLocks noRot="1" noChangeAspect="1" noMove="1" noResize="1" noEditPoints="1" noAdjustHandles="1" noChangeArrowheads="1" noChangeShapeType="1" noTextEdit="1"/>
+              </p:cNvSpPr>
+              <p:nvPr/>
+            </p:nvSpPr>
+            <p:spPr>
+              <a:xfrm>
+                <a:off x="889786" y="6282650"/>
+                <a:ext cx="3581400" cy="575350"/>
+              </a:xfrm>
+              <a:prstGeom prst="rect">
+                <a:avLst/>
+              </a:prstGeom>
+              <a:blipFill>
+                <a:blip r:embed="rId6"/>
+                <a:stretch>
+                  <a:fillRect l="-511" t="-2128" b="-6383"/>
                 </a:stretch>
               </a:blipFill>
             </p:spPr>
@@ -26986,6 +28415,42 @@
           </a:prstGeom>
         </p:spPr>
       </p:pic>
+      <p:pic>
+        <p:nvPicPr>
+          <p:cNvPr id="5" name="Picture 4" descr="Chart&#10;&#10;Description automatically generated">
+            <a:extLst>
+              <a:ext uri="{FF2B5EF4-FFF2-40B4-BE49-F238E27FC236}">
+                <a16:creationId xmlns:a16="http://schemas.microsoft.com/office/drawing/2014/main" id="{3C2275A4-9919-4852-8DA2-71AD6C764C61}"/>
+              </a:ext>
+            </a:extLst>
+          </p:cNvPr>
+          <p:cNvPicPr>
+            <a:picLocks noChangeAspect="1"/>
+          </p:cNvPicPr>
+          <p:nvPr/>
+        </p:nvPicPr>
+        <p:blipFill>
+          <a:blip r:embed="rId4">
+            <a:extLst>
+              <a:ext uri="{28A0092B-C50C-407E-A947-70E740481C1C}">
+                <a14:useLocalDpi xmlns:a14="http://schemas.microsoft.com/office/drawing/2010/main" val="0"/>
+              </a:ext>
+            </a:extLst>
+          </a:blip>
+          <a:stretch>
+            <a:fillRect/>
+          </a:stretch>
+        </p:blipFill>
+        <p:spPr>
+          <a:xfrm>
+            <a:off x="685" y="1802166"/>
+            <a:ext cx="4734780" cy="4297680"/>
+          </a:xfrm>
+          <a:prstGeom prst="rect">
+            <a:avLst/>
+          </a:prstGeom>
+        </p:spPr>
+      </p:pic>
       <p:sp>
         <p:nvSpPr>
           <p:cNvPr id="2" name="Title 1">
@@ -27122,42 +28587,6 @@
           </a:p>
         </p:txBody>
       </p:sp>
-      <p:pic>
-        <p:nvPicPr>
-          <p:cNvPr id="7" name="Picture 6">
-            <a:extLst>
-              <a:ext uri="{FF2B5EF4-FFF2-40B4-BE49-F238E27FC236}">
-                <a16:creationId xmlns:a16="http://schemas.microsoft.com/office/drawing/2014/main" id="{B6B0511B-0D5A-4246-ADFB-F37A9C646DB6}"/>
-              </a:ext>
-            </a:extLst>
-          </p:cNvPr>
-          <p:cNvPicPr>
-            <a:picLocks noChangeAspect="1"/>
-          </p:cNvPicPr>
-          <p:nvPr/>
-        </p:nvPicPr>
-        <p:blipFill>
-          <a:blip r:embed="rId4">
-            <a:extLst>
-              <a:ext uri="{28A0092B-C50C-407E-A947-70E740481C1C}">
-                <a14:useLocalDpi xmlns:a14="http://schemas.microsoft.com/office/drawing/2010/main" val="0"/>
-              </a:ext>
-            </a:extLst>
-          </a:blip>
-          <a:stretch>
-            <a:fillRect/>
-          </a:stretch>
-        </p:blipFill>
-        <p:spPr>
-          <a:xfrm>
-            <a:off x="0" y="1802166"/>
-            <a:ext cx="4493133" cy="4287075"/>
-          </a:xfrm>
-          <a:prstGeom prst="rect">
-            <a:avLst/>
-          </a:prstGeom>
-        </p:spPr>
-      </p:pic>
       <p:sp>
         <p:nvSpPr>
           <p:cNvPr id="6" name="Footer Placeholder 5">
@@ -27202,15 +28631,15 @@
         </p:nvCxnSpPr>
         <p:spPr>
           <a:xfrm flipH="1">
-            <a:off x="1550525" y="4035679"/>
-            <a:ext cx="1257997" cy="1015715"/>
+            <a:off x="1671521" y="4520582"/>
+            <a:ext cx="592285" cy="468984"/>
           </a:xfrm>
           <a:prstGeom prst="straightConnector1">
             <a:avLst/>
           </a:prstGeom>
           <a:ln w="38100">
             <a:solidFill>
-              <a:schemeClr val="tx1"/>
+              <a:srgbClr val="C00000"/>
             </a:solidFill>
             <a:tailEnd type="triangle"/>
           </a:ln>
@@ -27244,7 +28673,7 @@
         </p:nvSpPr>
         <p:spPr>
           <a:xfrm>
-            <a:off x="2300464" y="3666347"/>
+            <a:off x="1563745" y="4132711"/>
             <a:ext cx="1529586" cy="369332"/>
           </a:xfrm>
           <a:prstGeom prst="rect">
@@ -27283,7 +28712,7 @@
         </p:nvSpPr>
         <p:spPr>
           <a:xfrm>
-            <a:off x="1071470" y="4732231"/>
+            <a:off x="1140337" y="4696719"/>
             <a:ext cx="819694" cy="823532"/>
           </a:xfrm>
           <a:prstGeom prst="ellipse">
@@ -27341,7 +28770,7 @@
         <p:spPr>
           <a:xfrm>
             <a:off x="8691238" y="2302299"/>
-            <a:ext cx="3391272" cy="3786943"/>
+            <a:ext cx="3320249" cy="3786943"/>
           </a:xfrm>
           <a:prstGeom prst="rect">
             <a:avLst/>
@@ -27522,7 +28951,21 @@
               </a:lnSpc>
             </a:pPr>
             <a:r>
-              <a:rPr kumimoji="0" lang="en-US" sz="2400" b="0" i="0" u="none" strike="noStrike" kern="1200" cap="none" spc="0" normalizeH="0" baseline="0" noProof="0" dirty="0">
+              <a:rPr kumimoji="0" lang="en-US" sz="2200" b="0" i="0" u="none" strike="noStrike" kern="1200" cap="none" spc="0" normalizeH="0" baseline="0" noProof="0" dirty="0">
+                <a:ln>
+                  <a:noFill/>
+                </a:ln>
+                <a:effectLst/>
+                <a:uLnTx/>
+                <a:uFillTx/>
+                <a:latin typeface="Arial" panose="020B0604020202020204" pitchFamily="34" charset="0"/>
+                <a:ea typeface="+mn-ea"/>
+                <a:cs typeface="+mn-cs"/>
+              </a:rPr>
+              <a:t>Reproduces the characteristics of cross section ratios using </a:t>
+            </a:r>
+            <a:r>
+              <a:rPr kumimoji="0" lang="en-US" sz="2200" b="0" i="0" u="none" strike="noStrike" kern="1200" cap="none" spc="0" normalizeH="0" baseline="0" noProof="0" dirty="0">
                 <a:ln>
                   <a:noFill/>
                 </a:ln>
@@ -27536,7 +28979,21 @@
                 <a:ea typeface="+mn-ea"/>
                 <a:cs typeface="+mn-cs"/>
               </a:rPr>
-              <a:t>Reproduces the characteristics of cross section ratios using low RG resolution operator</a:t>
+              <a:t>low RG resolution</a:t>
+            </a:r>
+            <a:r>
+              <a:rPr kumimoji="0" lang="en-US" sz="2200" b="0" i="0" u="none" strike="noStrike" kern="1200" cap="none" spc="0" normalizeH="0" baseline="0" noProof="0" dirty="0">
+                <a:ln>
+                  <a:noFill/>
+                </a:ln>
+                <a:effectLst/>
+                <a:uLnTx/>
+                <a:uFillTx/>
+                <a:latin typeface="Arial" panose="020B0604020202020204" pitchFamily="34" charset="0"/>
+                <a:ea typeface="+mn-ea"/>
+                <a:cs typeface="+mn-cs"/>
+              </a:rPr>
+              <a:t> operator with simple approximations</a:t>
             </a:r>
           </a:p>
           <a:p>
@@ -27835,6 +29292,189 @@
           </a:fontRef>
         </p:style>
       </p:cxnSp>
+      <mc:AlternateContent xmlns:mc="http://schemas.openxmlformats.org/markup-compatibility/2006">
+        <mc:Choice xmlns:a14="http://schemas.microsoft.com/office/drawing/2010/main" Requires="a14">
+          <p:sp>
+            <p:nvSpPr>
+              <p:cNvPr id="21" name="TextBox 20">
+                <a:extLst>
+                  <a:ext uri="{FF2B5EF4-FFF2-40B4-BE49-F238E27FC236}">
+                    <a16:creationId xmlns:a16="http://schemas.microsoft.com/office/drawing/2014/main" id="{7073FA58-520B-486A-823C-23ECAE55070A}"/>
+                  </a:ext>
+                </a:extLst>
+              </p:cNvPr>
+              <p:cNvSpPr txBox="1"/>
+              <p:nvPr/>
+            </p:nvSpPr>
+            <p:spPr>
+              <a:xfrm>
+                <a:off x="-18458" y="6089242"/>
+                <a:ext cx="4734780" cy="584775"/>
+              </a:xfrm>
+              <a:prstGeom prst="rect">
+                <a:avLst/>
+              </a:prstGeom>
+              <a:noFill/>
+            </p:spPr>
+            <p:txBody>
+              <a:bodyPr wrap="square" rtlCol="0">
+                <a:spAutoFit/>
+              </a:bodyPr>
+              <a:lstStyle/>
+              <a:p>
+                <a:r>
+                  <a:rPr lang="en-US" sz="1600" b="1" dirty="0">
+                    <a:latin typeface="Arial" panose="020B0604020202020204" pitchFamily="34" charset="0"/>
+                    <a:cs typeface="Arial" panose="020B0604020202020204" pitchFamily="34" charset="0"/>
+                  </a:rPr>
+                  <a:t>Fig. 8</a:t>
+                </a:r>
+                <a:r>
+                  <a:rPr lang="en-US" sz="1600" dirty="0">
+                    <a:latin typeface="Arial" panose="020B0604020202020204" pitchFamily="34" charset="0"/>
+                    <a:cs typeface="Arial" panose="020B0604020202020204" pitchFamily="34" charset="0"/>
+                  </a:rPr>
+                  <a:t>: pp/</a:t>
+                </a:r>
+                <a:r>
+                  <a:rPr lang="en-US" sz="1600" dirty="0" err="1">
+                    <a:latin typeface="Arial" panose="020B0604020202020204" pitchFamily="34" charset="0"/>
+                    <a:cs typeface="Arial" panose="020B0604020202020204" pitchFamily="34" charset="0"/>
+                  </a:rPr>
+                  <a:t>pn</a:t>
+                </a:r>
+                <a:r>
+                  <a:rPr lang="en-US" sz="1600" dirty="0">
+                    <a:latin typeface="Arial" panose="020B0604020202020204" pitchFamily="34" charset="0"/>
+                    <a:cs typeface="Arial" panose="020B0604020202020204" pitchFamily="34" charset="0"/>
+                  </a:rPr>
+                  <a:t> </a:t>
+                </a:r>
+                <a:r>
+                  <a:rPr lang="en-US" sz="1600" dirty="0">
+                    <a:solidFill>
+                      <a:prstClr val="black"/>
+                    </a:solidFill>
+                    <a:latin typeface="Arial" panose="020B0604020202020204" pitchFamily="34" charset="0"/>
+                    <a:cs typeface="Arial" panose="020B0604020202020204" pitchFamily="34" charset="0"/>
+                  </a:rPr>
+                  <a:t>r</a:t>
+                </a:r>
+                <a:r>
+                  <a:rPr lang="en-US" sz="1600" dirty="0">
+                    <a:latin typeface="Arial" panose="020B0604020202020204" pitchFamily="34" charset="0"/>
+                    <a:cs typeface="Arial" panose="020B0604020202020204" pitchFamily="34" charset="0"/>
+                  </a:rPr>
+                  <a:t>atio of pair momentum distributions under LDA</a:t>
+                </a:r>
+                <a:r>
+                  <a:rPr lang="en-US" sz="1600" b="1" dirty="0">
+                    <a:latin typeface="Arial" panose="020B0604020202020204" pitchFamily="34" charset="0"/>
+                    <a:cs typeface="Arial" panose="020B0604020202020204" pitchFamily="34" charset="0"/>
+                  </a:rPr>
+                  <a:t> </a:t>
+                </a:r>
+                <a:r>
+                  <a:rPr lang="en-US" sz="1600" dirty="0">
+                    <a:latin typeface="Arial" panose="020B0604020202020204" pitchFamily="34" charset="0"/>
+                    <a:cs typeface="Arial" panose="020B0604020202020204" pitchFamily="34" charset="0"/>
+                  </a:rPr>
+                  <a:t>with AV18 and </a:t>
+                </a:r>
+                <a14:m>
+                  <m:oMath xmlns:m="http://schemas.openxmlformats.org/officeDocument/2006/math">
+                    <m:r>
+                      <a:rPr lang="en-US" sz="1600" i="1" smtClean="0">
+                        <a:latin typeface="Cambria Math" panose="02040503050406030204" pitchFamily="18" charset="0"/>
+                        <a:ea typeface="Cambria Math" panose="02040503050406030204" pitchFamily="18" charset="0"/>
+                        <a:cs typeface="Arial" panose="020B0604020202020204" pitchFamily="34" charset="0"/>
+                      </a:rPr>
+                      <m:t>𝜆</m:t>
+                    </m:r>
+                    <m:r>
+                      <a:rPr lang="en-US" sz="1600" b="0" i="1" smtClean="0">
+                        <a:latin typeface="Cambria Math" panose="02040503050406030204" pitchFamily="18" charset="0"/>
+                        <a:ea typeface="Cambria Math" panose="02040503050406030204" pitchFamily="18" charset="0"/>
+                        <a:cs typeface="Arial" panose="020B0604020202020204" pitchFamily="34" charset="0"/>
+                      </a:rPr>
+                      <m:t>=1.35</m:t>
+                    </m:r>
+                  </m:oMath>
+                </a14:m>
+                <a:r>
+                  <a:rPr lang="en-US" sz="1600" dirty="0">
+                    <a:latin typeface="Arial" panose="020B0604020202020204" pitchFamily="34" charset="0"/>
+                    <a:cs typeface="Arial" panose="020B0604020202020204" pitchFamily="34" charset="0"/>
+                  </a:rPr>
+                  <a:t> fm</a:t>
+                </a:r>
+                <a:r>
+                  <a:rPr lang="en-US" sz="1600" baseline="30000" dirty="0">
+                    <a:latin typeface="Arial" panose="020B0604020202020204" pitchFamily="34" charset="0"/>
+                    <a:cs typeface="Arial" panose="020B0604020202020204" pitchFamily="34" charset="0"/>
+                  </a:rPr>
+                  <a:t>-1</a:t>
+                </a:r>
+                <a:r>
+                  <a:rPr lang="en-US" sz="1600" dirty="0">
+                    <a:latin typeface="Arial" panose="020B0604020202020204" pitchFamily="34" charset="0"/>
+                    <a:cs typeface="Arial" panose="020B0604020202020204" pitchFamily="34" charset="0"/>
+                  </a:rPr>
+                  <a:t>.</a:t>
+                </a:r>
+                <a:endParaRPr lang="en-US" sz="1600" b="1" dirty="0">
+                  <a:latin typeface="Arial" panose="020B0604020202020204" pitchFamily="34" charset="0"/>
+                  <a:cs typeface="Arial" panose="020B0604020202020204" pitchFamily="34" charset="0"/>
+                </a:endParaRPr>
+              </a:p>
+            </p:txBody>
+          </p:sp>
+        </mc:Choice>
+        <mc:Fallback>
+          <p:sp>
+            <p:nvSpPr>
+              <p:cNvPr id="21" name="TextBox 20">
+                <a:extLst>
+                  <a:ext uri="{FF2B5EF4-FFF2-40B4-BE49-F238E27FC236}">
+                    <a16:creationId xmlns:a16="http://schemas.microsoft.com/office/drawing/2014/main" id="{7073FA58-520B-486A-823C-23ECAE55070A}"/>
+                  </a:ext>
+                </a:extLst>
+              </p:cNvPr>
+              <p:cNvSpPr txBox="1">
+                <a:spLocks noRot="1" noChangeAspect="1" noMove="1" noResize="1" noEditPoints="1" noAdjustHandles="1" noChangeArrowheads="1" noChangeShapeType="1" noTextEdit="1"/>
+              </p:cNvSpPr>
+              <p:nvPr/>
+            </p:nvSpPr>
+            <p:spPr>
+              <a:xfrm>
+                <a:off x="-18458" y="6089242"/>
+                <a:ext cx="4734780" cy="584775"/>
+              </a:xfrm>
+              <a:prstGeom prst="rect">
+                <a:avLst/>
+              </a:prstGeom>
+              <a:blipFill>
+                <a:blip r:embed="rId5"/>
+                <a:stretch>
+                  <a:fillRect l="-772" t="-3125" b="-12500"/>
+                </a:stretch>
+              </a:blipFill>
+            </p:spPr>
+            <p:txBody>
+              <a:bodyPr/>
+              <a:lstStyle/>
+              <a:p>
+                <a:r>
+                  <a:rPr lang="en-US">
+                    <a:noFill/>
+                  </a:rPr>
+                  <a:t> </a:t>
+                </a:r>
+              </a:p>
+            </p:txBody>
+          </p:sp>
+        </mc:Fallback>
+      </mc:AlternateContent>
     </p:spTree>
     <p:extLst>
       <p:ext uri="{BB962C8B-B14F-4D97-AF65-F5344CB8AC3E}">
@@ -27865,285 +29505,12 @@
           <a:chExt cx="0" cy="0"/>
         </a:xfrm>
       </p:grpSpPr>
-      <p:sp>
-        <p:nvSpPr>
-          <p:cNvPr id="2" name="Title 1">
+      <p:pic>
+        <p:nvPicPr>
+          <p:cNvPr id="9" name="Picture 8" descr="Chart, line chart&#10;&#10;Description automatically generated">
             <a:extLst>
               <a:ext uri="{FF2B5EF4-FFF2-40B4-BE49-F238E27FC236}">
-                <a16:creationId xmlns:a16="http://schemas.microsoft.com/office/drawing/2014/main" id="{9FECE9C7-FBB0-B54D-8E92-C3BC6CA96ED2}"/>
-              </a:ext>
-            </a:extLst>
-          </p:cNvPr>
-          <p:cNvSpPr>
-            <a:spLocks noGrp="1"/>
-          </p:cNvSpPr>
-          <p:nvPr>
-            <p:ph type="title"/>
-          </p:nvPr>
-        </p:nvSpPr>
-        <p:spPr/>
-        <p:txBody>
-          <a:bodyPr/>
-          <a:lstStyle/>
-          <a:p>
-            <a:pPr>
-              <a:lnSpc>
-                <a:spcPct val="100000"/>
-              </a:lnSpc>
-            </a:pPr>
-            <a:r>
-              <a:rPr lang="en-US" dirty="0">
-                <a:solidFill>
-                  <a:srgbClr val="002060"/>
-                </a:solidFill>
-              </a:rPr>
-              <a:t>Preliminary LDA results</a:t>
-            </a:r>
-            <a:endParaRPr lang="en-US" dirty="0">
-              <a:solidFill>
-                <a:srgbClr val="002060"/>
-              </a:solidFill>
-              <a:latin typeface="Arial" panose="020B0604020202020204" pitchFamily="34" charset="0"/>
-            </a:endParaRPr>
-          </a:p>
-        </p:txBody>
-      </p:sp>
-      <mc:AlternateContent xmlns:mc="http://schemas.openxmlformats.org/markup-compatibility/2006">
-        <mc:Choice xmlns:a14="http://schemas.microsoft.com/office/drawing/2010/main" Requires="a14">
-          <p:sp>
-            <p:nvSpPr>
-              <p:cNvPr id="3" name="Content Placeholder 2">
-                <a:extLst>
-                  <a:ext uri="{FF2B5EF4-FFF2-40B4-BE49-F238E27FC236}">
-                    <a16:creationId xmlns:a16="http://schemas.microsoft.com/office/drawing/2014/main" id="{1A8FA9B3-1B32-894B-93C2-F90FB63CBDAA}"/>
-                  </a:ext>
-                </a:extLst>
-              </p:cNvPr>
-              <p:cNvSpPr>
-                <a:spLocks noGrp="1"/>
-              </p:cNvSpPr>
-              <p:nvPr>
-                <p:ph idx="1"/>
-              </p:nvPr>
-            </p:nvSpPr>
-            <p:spPr>
-              <a:xfrm>
-                <a:off x="6937410" y="1825625"/>
-                <a:ext cx="4216459" cy="4351338"/>
-              </a:xfrm>
-            </p:spPr>
-            <p:txBody>
-              <a:bodyPr/>
-              <a:lstStyle/>
-              <a:p>
-                <a:pPr>
-                  <a:lnSpc>
-                    <a:spcPct val="100000"/>
-                  </a:lnSpc>
-                </a:pPr>
-                <a:r>
-                  <a:rPr lang="en-US" dirty="0">
-                    <a:solidFill>
-                      <a:schemeClr val="tx1"/>
-                    </a:solidFill>
-                  </a:rPr>
-                  <a:t>Ratio </a:t>
-                </a:r>
-                <a14:m>
-                  <m:oMath xmlns:m="http://schemas.openxmlformats.org/officeDocument/2006/math">
-                    <m:r>
-                      <a:rPr lang="en-US" i="1" smtClean="0">
-                        <a:solidFill>
-                          <a:schemeClr val="tx1"/>
-                        </a:solidFill>
-                        <a:latin typeface="Cambria Math" panose="02040503050406030204" pitchFamily="18" charset="0"/>
-                        <a:ea typeface="Cambria Math" panose="02040503050406030204" pitchFamily="18" charset="0"/>
-                      </a:rPr>
-                      <m:t>~</m:t>
-                    </m:r>
-                    <m:r>
-                      <a:rPr lang="en-US" b="0" i="1" smtClean="0">
-                        <a:solidFill>
-                          <a:schemeClr val="tx1"/>
-                        </a:solidFill>
-                        <a:latin typeface="Cambria Math" panose="02040503050406030204" pitchFamily="18" charset="0"/>
-                        <a:ea typeface="Cambria Math" panose="02040503050406030204" pitchFamily="18" charset="0"/>
-                      </a:rPr>
-                      <m:t>1</m:t>
-                    </m:r>
-                  </m:oMath>
-                </a14:m>
-                <a:r>
-                  <a:rPr lang="en-US" dirty="0">
-                    <a:solidFill>
-                      <a:schemeClr val="tx1"/>
-                    </a:solidFill>
-                  </a:rPr>
-                  <a:t> independent of N/Z in </a:t>
-                </a:r>
-                <a:r>
-                  <a:rPr lang="en-US" dirty="0" err="1">
-                    <a:solidFill>
-                      <a:schemeClr val="tx1"/>
-                    </a:solidFill>
-                  </a:rPr>
-                  <a:t>pn</a:t>
-                </a:r>
-                <a:r>
-                  <a:rPr lang="en-US" dirty="0">
-                    <a:solidFill>
-                      <a:schemeClr val="tx1"/>
-                    </a:solidFill>
-                  </a:rPr>
-                  <a:t> dominant region</a:t>
-                </a:r>
-              </a:p>
-            </p:txBody>
-          </p:sp>
-        </mc:Choice>
-        <mc:Fallback>
-          <p:sp>
-            <p:nvSpPr>
-              <p:cNvPr id="3" name="Content Placeholder 2">
-                <a:extLst>
-                  <a:ext uri="{FF2B5EF4-FFF2-40B4-BE49-F238E27FC236}">
-                    <a16:creationId xmlns:a16="http://schemas.microsoft.com/office/drawing/2014/main" id="{1A8FA9B3-1B32-894B-93C2-F90FB63CBDAA}"/>
-                  </a:ext>
-                </a:extLst>
-              </p:cNvPr>
-              <p:cNvSpPr>
-                <a:spLocks noGrp="1" noRot="1" noChangeAspect="1" noMove="1" noResize="1" noEditPoints="1" noAdjustHandles="1" noChangeArrowheads="1" noChangeShapeType="1" noTextEdit="1"/>
-              </p:cNvSpPr>
-              <p:nvPr>
-                <p:ph idx="1"/>
-              </p:nvPr>
-            </p:nvSpPr>
-            <p:spPr>
-              <a:xfrm>
-                <a:off x="6937410" y="1825625"/>
-                <a:ext cx="4216459" cy="4351338"/>
-              </a:xfrm>
-              <a:blipFill>
-                <a:blip r:embed="rId3"/>
-                <a:stretch>
-                  <a:fillRect l="-2601" t="-1401"/>
-                </a:stretch>
-              </a:blipFill>
-            </p:spPr>
-            <p:txBody>
-              <a:bodyPr/>
-              <a:lstStyle/>
-              <a:p>
-                <a:r>
-                  <a:rPr lang="en-US">
-                    <a:noFill/>
-                  </a:rPr>
-                  <a:t> </a:t>
-                </a:r>
-              </a:p>
-            </p:txBody>
-          </p:sp>
-        </mc:Fallback>
-      </mc:AlternateContent>
-      <p:sp>
-        <p:nvSpPr>
-          <p:cNvPr id="4" name="Slide Number Placeholder 3">
-            <a:extLst>
-              <a:ext uri="{FF2B5EF4-FFF2-40B4-BE49-F238E27FC236}">
-                <a16:creationId xmlns:a16="http://schemas.microsoft.com/office/drawing/2014/main" id="{DC1A2BB9-1F00-304F-9B4C-2EBE5F4461ED}"/>
-              </a:ext>
-            </a:extLst>
-          </p:cNvPr>
-          <p:cNvSpPr>
-            <a:spLocks noGrp="1"/>
-          </p:cNvSpPr>
-          <p:nvPr>
-            <p:ph type="sldNum" sz="quarter" idx="12"/>
-          </p:nvPr>
-        </p:nvSpPr>
-        <p:spPr/>
-        <p:txBody>
-          <a:bodyPr/>
-          <a:lstStyle/>
-          <a:p>
-            <a:pPr marL="0" marR="0" lvl="0" indent="0" algn="r" defTabSz="914400" rtl="0" eaLnBrk="1" fontAlgn="auto" latinLnBrk="0" hangingPunct="1">
-              <a:lnSpc>
-                <a:spcPct val="100000"/>
-              </a:lnSpc>
-              <a:spcBef>
-                <a:spcPts val="0"/>
-              </a:spcBef>
-              <a:spcAft>
-                <a:spcPts val="0"/>
-              </a:spcAft>
-              <a:buClrTx/>
-              <a:buSzTx/>
-              <a:buFontTx/>
-              <a:buNone/>
-              <a:tabLst/>
-              <a:defRPr/>
-            </a:pPr>
-            <a:fld id="{DD20F09D-B375-B446-8D61-90653E4EE1AB}" type="slidenum">
-              <a:rPr kumimoji="0" lang="en-US" sz="1200" b="0" i="0" u="none" strike="noStrike" kern="1200" cap="none" spc="0" normalizeH="0" baseline="0" noProof="0" smtClean="0">
-                <a:ln>
-                  <a:noFill/>
-                </a:ln>
-                <a:solidFill>
-                  <a:prstClr val="black">
-                    <a:tint val="75000"/>
-                  </a:prstClr>
-                </a:solidFill>
-                <a:effectLst/>
-                <a:uLnTx/>
-                <a:uFillTx/>
-                <a:latin typeface="Arial" panose="020B0604020202020204" pitchFamily="34" charset="0"/>
-                <a:ea typeface="+mn-ea"/>
-                <a:cs typeface="+mn-cs"/>
-              </a:rPr>
-              <a:pPr marL="0" marR="0" lvl="0" indent="0" algn="r" defTabSz="914400" rtl="0" eaLnBrk="1" fontAlgn="auto" latinLnBrk="0" hangingPunct="1">
-                <a:lnSpc>
-                  <a:spcPct val="100000"/>
-                </a:lnSpc>
-                <a:spcBef>
-                  <a:spcPts val="0"/>
-                </a:spcBef>
-                <a:spcAft>
-                  <a:spcPts val="0"/>
-                </a:spcAft>
-                <a:buClrTx/>
-                <a:buSzTx/>
-                <a:buFontTx/>
-                <a:buNone/>
-                <a:tabLst/>
-                <a:defRPr/>
-              </a:pPr>
-              <a:t>23</a:t>
-            </a:fld>
-            <a:endParaRPr kumimoji="0" lang="en-US" sz="1200" b="0" i="0" u="none" strike="noStrike" kern="1200" cap="none" spc="0" normalizeH="0" baseline="0" noProof="0">
-              <a:ln>
-                <a:noFill/>
-              </a:ln>
-              <a:solidFill>
-                <a:prstClr val="black">
-                  <a:tint val="75000"/>
-                </a:prstClr>
-              </a:solidFill>
-              <a:effectLst/>
-              <a:uLnTx/>
-              <a:uFillTx/>
-              <a:latin typeface="Arial" panose="020B0604020202020204" pitchFamily="34" charset="0"/>
-              <a:ea typeface="+mn-ea"/>
-              <a:cs typeface="+mn-cs"/>
-            </a:endParaRPr>
-          </a:p>
-        </p:txBody>
-      </p:sp>
-      <p:pic>
-        <p:nvPicPr>
-          <p:cNvPr id="7" name="Picture 6">
-            <a:extLst>
-              <a:ext uri="{FF2B5EF4-FFF2-40B4-BE49-F238E27FC236}">
-                <a16:creationId xmlns:a16="http://schemas.microsoft.com/office/drawing/2014/main" id="{48012FE1-3E12-471B-ACFB-2D426BCBD8EE}"/>
+                <a16:creationId xmlns:a16="http://schemas.microsoft.com/office/drawing/2014/main" id="{82C679BE-F081-4A06-B400-A76144A347FD}"/>
               </a:ext>
             </a:extLst>
           </p:cNvPr>
@@ -28153,7 +29520,7 @@
           <p:nvPr/>
         </p:nvPicPr>
         <p:blipFill>
-          <a:blip r:embed="rId4">
+          <a:blip r:embed="rId3">
             <a:extLst>
               <a:ext uri="{28A0092B-C50C-407E-A947-70E740481C1C}">
                 <a14:useLocalDpi xmlns:a14="http://schemas.microsoft.com/office/drawing/2010/main" val="0"/>
@@ -28167,216 +29534,13 @@
         <p:spPr>
           <a:xfrm>
             <a:off x="0" y="1690688"/>
-            <a:ext cx="6171636" cy="4556203"/>
+            <a:ext cx="6510000" cy="4572000"/>
           </a:xfrm>
           <a:prstGeom prst="rect">
             <a:avLst/>
           </a:prstGeom>
         </p:spPr>
       </p:pic>
-      <p:sp>
-        <p:nvSpPr>
-          <p:cNvPr id="6" name="Footer Placeholder 5">
-            <a:extLst>
-              <a:ext uri="{FF2B5EF4-FFF2-40B4-BE49-F238E27FC236}">
-                <a16:creationId xmlns:a16="http://schemas.microsoft.com/office/drawing/2014/main" id="{7062F63D-E4B1-4414-B59E-2ABB48D3CBA6}"/>
-              </a:ext>
-            </a:extLst>
-          </p:cNvPr>
-          <p:cNvSpPr>
-            <a:spLocks noGrp="1"/>
-          </p:cNvSpPr>
-          <p:nvPr>
-            <p:ph type="ftr" sz="quarter" idx="11"/>
-          </p:nvPr>
-        </p:nvSpPr>
-        <p:spPr/>
-        <p:txBody>
-          <a:bodyPr/>
-          <a:lstStyle/>
-          <a:p>
-            <a:r>
-              <a:rPr lang="en-US"/>
-              <a:t>Anthony Tropiano, APS April 2021 Meeting</a:t>
-            </a:r>
-          </a:p>
-        </p:txBody>
-      </p:sp>
-      <p:sp>
-        <p:nvSpPr>
-          <p:cNvPr id="10" name="Rectangle 9">
-            <a:extLst>
-              <a:ext uri="{FF2B5EF4-FFF2-40B4-BE49-F238E27FC236}">
-                <a16:creationId xmlns:a16="http://schemas.microsoft.com/office/drawing/2014/main" id="{0C7C6CB6-0B43-46B2-83D3-DFF3C3BE29F4}"/>
-              </a:ext>
-            </a:extLst>
-          </p:cNvPr>
-          <p:cNvSpPr/>
-          <p:nvPr/>
-        </p:nvSpPr>
-        <p:spPr>
-          <a:xfrm>
-            <a:off x="1219240" y="2100404"/>
-            <a:ext cx="546186" cy="3484617"/>
-          </a:xfrm>
-          <a:prstGeom prst="rect">
-            <a:avLst/>
-          </a:prstGeom>
-          <a:solidFill>
-            <a:schemeClr val="bg1">
-              <a:lumMod val="85000"/>
-              <a:alpha val="50000"/>
-            </a:schemeClr>
-          </a:solidFill>
-          <a:ln>
-            <a:noFill/>
-          </a:ln>
-          <a:effectLst>
-            <a:outerShdw blurRad="50800" dist="50800" dir="5400000" algn="ctr" rotWithShape="0">
-              <a:srgbClr val="000000">
-                <a:alpha val="28000"/>
-              </a:srgbClr>
-            </a:outerShdw>
-          </a:effectLst>
-        </p:spPr>
-        <p:style>
-          <a:lnRef idx="2">
-            <a:schemeClr val="accent1">
-              <a:shade val="50000"/>
-            </a:schemeClr>
-          </a:lnRef>
-          <a:fillRef idx="1">
-            <a:schemeClr val="accent1"/>
-          </a:fillRef>
-          <a:effectRef idx="0">
-            <a:schemeClr val="accent1"/>
-          </a:effectRef>
-          <a:fontRef idx="minor">
-            <a:schemeClr val="lt1"/>
-          </a:fontRef>
-        </p:style>
-        <p:txBody>
-          <a:bodyPr rtlCol="0" anchor="ctr"/>
-          <a:lstStyle/>
-          <a:p>
-            <a:pPr algn="ctr"/>
-            <a:endParaRPr lang="en-US" dirty="0"/>
-          </a:p>
-        </p:txBody>
-      </p:sp>
-      <p:cxnSp>
-        <p:nvCxnSpPr>
-          <p:cNvPr id="11" name="Straight Arrow Connector 10">
-            <a:extLst>
-              <a:ext uri="{FF2B5EF4-FFF2-40B4-BE49-F238E27FC236}">
-                <a16:creationId xmlns:a16="http://schemas.microsoft.com/office/drawing/2014/main" id="{FE53208A-C27A-4ED4-AA7F-FD861FCB400B}"/>
-              </a:ext>
-            </a:extLst>
-          </p:cNvPr>
-          <p:cNvCxnSpPr>
-            <a:cxnSpLocks/>
-          </p:cNvCxnSpPr>
-          <p:nvPr/>
-        </p:nvCxnSpPr>
-        <p:spPr>
-          <a:xfrm flipH="1" flipV="1">
-            <a:off x="1567097" y="4894168"/>
-            <a:ext cx="832071" cy="121452"/>
-          </a:xfrm>
-          <a:prstGeom prst="straightConnector1">
-            <a:avLst/>
-          </a:prstGeom>
-          <a:ln w="38100">
-            <a:solidFill>
-              <a:schemeClr val="tx1"/>
-            </a:solidFill>
-            <a:tailEnd type="triangle"/>
-          </a:ln>
-        </p:spPr>
-        <p:style>
-          <a:lnRef idx="1">
-            <a:schemeClr val="accent1"/>
-          </a:lnRef>
-          <a:fillRef idx="0">
-            <a:schemeClr val="accent1"/>
-          </a:fillRef>
-          <a:effectRef idx="0">
-            <a:schemeClr val="accent1"/>
-          </a:effectRef>
-          <a:fontRef idx="minor">
-            <a:schemeClr val="tx1"/>
-          </a:fontRef>
-        </p:style>
-      </p:cxnSp>
-      <p:sp>
-        <p:nvSpPr>
-          <p:cNvPr id="12" name="TextBox 11">
-            <a:extLst>
-              <a:ext uri="{FF2B5EF4-FFF2-40B4-BE49-F238E27FC236}">
-                <a16:creationId xmlns:a16="http://schemas.microsoft.com/office/drawing/2014/main" id="{730C0905-9AA2-4D2D-9B39-3CEE45D137EF}"/>
-              </a:ext>
-            </a:extLst>
-          </p:cNvPr>
-          <p:cNvSpPr txBox="1"/>
-          <p:nvPr/>
-        </p:nvSpPr>
-        <p:spPr>
-          <a:xfrm>
-            <a:off x="2399168" y="4830954"/>
-            <a:ext cx="1547069" cy="369332"/>
-          </a:xfrm>
-          <a:prstGeom prst="rect">
-            <a:avLst/>
-          </a:prstGeom>
-          <a:noFill/>
-        </p:spPr>
-        <p:txBody>
-          <a:bodyPr wrap="square" rtlCol="0">
-            <a:spAutoFit/>
-          </a:bodyPr>
-          <a:lstStyle/>
-          <a:p>
-            <a:r>
-              <a:rPr lang="en-US" dirty="0" err="1"/>
-              <a:t>pn</a:t>
-            </a:r>
-            <a:r>
-              <a:rPr lang="en-US" dirty="0"/>
-              <a:t> dominance</a:t>
-            </a:r>
-          </a:p>
-        </p:txBody>
-      </p:sp>
-    </p:spTree>
-    <p:extLst>
-      <p:ext uri="{BB962C8B-B14F-4D97-AF65-F5344CB8AC3E}">
-        <p14:creationId xmlns:p14="http://schemas.microsoft.com/office/powerpoint/2010/main" val="1610183578"/>
-      </p:ext>
-    </p:extLst>
-  </p:cSld>
-  <p:clrMapOvr>
-    <a:masterClrMapping/>
-  </p:clrMapOvr>
-</p:sld>
-</file>
-
-<file path=ppt/slides/slide24.xml><?xml version="1.0" encoding="utf-8"?>
-<p:sld xmlns:a="http://schemas.openxmlformats.org/drawingml/2006/main" xmlns:r="http://schemas.openxmlformats.org/officeDocument/2006/relationships" xmlns:p="http://schemas.openxmlformats.org/presentationml/2006/main">
-  <p:cSld>
-    <p:spTree>
-      <p:nvGrpSpPr>
-        <p:cNvPr id="1" name=""/>
-        <p:cNvGrpSpPr/>
-        <p:nvPr/>
-      </p:nvGrpSpPr>
-      <p:grpSpPr>
-        <a:xfrm>
-          <a:off x="0" y="0"/>
-          <a:ext cx="0" cy="0"/>
-          <a:chOff x="0" y="0"/>
-          <a:chExt cx="0" cy="0"/>
-        </a:xfrm>
-      </p:grpSpPr>
       <p:sp>
         <p:nvSpPr>
           <p:cNvPr id="2" name="Title 1">
@@ -28519,33 +29683,17 @@
                 <a:r>
                   <a:rPr lang="en-US" dirty="0">
                     <a:solidFill>
-                      <a:srgbClr val="C00000"/>
+                      <a:schemeClr val="tx1"/>
                     </a:solidFill>
                   </a:rPr>
-                  <a:t>Outside </a:t>
-                </a:r>
-                <a:r>
-                  <a:rPr lang="en-US" dirty="0" err="1">
-                    <a:solidFill>
-                      <a:srgbClr val="C00000"/>
-                    </a:solidFill>
-                  </a:rPr>
-                  <a:t>pn</a:t>
-                </a:r>
-                <a:r>
-                  <a:rPr lang="en-US" dirty="0">
-                    <a:solidFill>
-                      <a:srgbClr val="C00000"/>
-                    </a:solidFill>
-                  </a:rPr>
-                  <a:t> dominant region ratio </a:t>
+                  <a:t>Ratio </a:t>
                 </a:r>
                 <a14:m>
                   <m:oMath xmlns:m="http://schemas.openxmlformats.org/officeDocument/2006/math">
                     <m:r>
                       <a:rPr lang="en-US" i="1" smtClean="0">
                         <a:solidFill>
-                          <a:srgbClr val="C00000"/>
+                          <a:schemeClr val="tx1"/>
                         </a:solidFill>
                         <a:latin typeface="Cambria Math" panose="02040503050406030204" pitchFamily="18" charset="0"/>
                         <a:ea typeface="Cambria Math" panose="02040503050406030204" pitchFamily="18" charset="0"/>
@@ -28555,7 +29703,7 @@
                     <m:r>
                       <a:rPr lang="en-US" b="0" i="1" smtClean="0">
                         <a:solidFill>
-                          <a:srgbClr val="C00000"/>
+                          <a:schemeClr val="tx1"/>
                         </a:solidFill>
                         <a:latin typeface="Cambria Math" panose="02040503050406030204" pitchFamily="18" charset="0"/>
                         <a:ea typeface="Cambria Math" panose="02040503050406030204" pitchFamily="18" charset="0"/>
@@ -28567,7 +29715,7 @@
                 <a:r>
                   <a:rPr lang="en-US" dirty="0">
                     <a:solidFill>
-                      <a:srgbClr val="C00000"/>
+                      <a:schemeClr val="tx1"/>
                     </a:solidFill>
                   </a:rPr>
                   <a:t> for nuclei where N </a:t>
@@ -28577,7 +29725,7 @@
                     <m:r>
                       <a:rPr lang="en-US" i="1" smtClean="0">
                         <a:solidFill>
-                          <a:srgbClr val="C00000"/>
+                          <a:schemeClr val="tx1"/>
                         </a:solidFill>
                         <a:latin typeface="Cambria Math" panose="02040503050406030204" pitchFamily="18" charset="0"/>
                         <a:ea typeface="Cambria Math" panose="02040503050406030204" pitchFamily="18" charset="0"/>
@@ -28589,11 +29737,28 @@
                 <a:r>
                   <a:rPr lang="en-US" dirty="0">
                     <a:solidFill>
-                      <a:srgbClr val="C00000"/>
+                      <a:schemeClr val="tx1"/>
                     </a:solidFill>
                   </a:rPr>
-                  <a:t> Z</a:t>
+                  <a:t> </a:t>
                 </a:r>
+                <a:r>
+                  <a:rPr lang="en-US" dirty="0"/>
+                  <a:t>Z and outside </a:t>
+                </a:r>
+                <a:r>
+                  <a:rPr lang="en-US" dirty="0" err="1"/>
+                  <a:t>pn</a:t>
+                </a:r>
+                <a:r>
+                  <a:rPr lang="en-US" dirty="0"/>
+                  <a:t> dominant region </a:t>
+                </a:r>
+                <a:endParaRPr lang="en-US" dirty="0">
+                  <a:solidFill>
+                    <a:schemeClr val="tx1"/>
+                  </a:solidFill>
+                </a:endParaRPr>
               </a:p>
             </p:txBody>
           </p:sp>
@@ -28621,7 +29786,7 @@
                 <a:ext cx="4216459" cy="4351338"/>
               </a:xfrm>
               <a:blipFill>
-                <a:blip r:embed="rId3"/>
+                <a:blip r:embed="rId4"/>
                 <a:stretch>
                   <a:fillRect l="-2601" t="-1401"/>
                 </a:stretch>
@@ -28714,7 +29879,7 @@
                 <a:tabLst/>
                 <a:defRPr/>
               </a:pPr>
-              <a:t>24</a:t>
+              <a:t>23</a:t>
             </a:fld>
             <a:endParaRPr kumimoji="0" lang="en-US" sz="1200" b="0" i="0" u="none" strike="noStrike" kern="1200" cap="none" spc="0" normalizeH="0" baseline="0" noProof="0">
               <a:ln>
@@ -28735,42 +29900,6 @@
           </a:p>
         </p:txBody>
       </p:sp>
-      <p:pic>
-        <p:nvPicPr>
-          <p:cNvPr id="7" name="Picture 6">
-            <a:extLst>
-              <a:ext uri="{FF2B5EF4-FFF2-40B4-BE49-F238E27FC236}">
-                <a16:creationId xmlns:a16="http://schemas.microsoft.com/office/drawing/2014/main" id="{48012FE1-3E12-471B-ACFB-2D426BCBD8EE}"/>
-              </a:ext>
-            </a:extLst>
-          </p:cNvPr>
-          <p:cNvPicPr>
-            <a:picLocks noChangeAspect="1"/>
-          </p:cNvPicPr>
-          <p:nvPr/>
-        </p:nvPicPr>
-        <p:blipFill>
-          <a:blip r:embed="rId4">
-            <a:extLst>
-              <a:ext uri="{28A0092B-C50C-407E-A947-70E740481C1C}">
-                <a14:useLocalDpi xmlns:a14="http://schemas.microsoft.com/office/drawing/2010/main" val="0"/>
-              </a:ext>
-            </a:extLst>
-          </a:blip>
-          <a:stretch>
-            <a:fillRect/>
-          </a:stretch>
-        </p:blipFill>
-        <p:spPr>
-          <a:xfrm>
-            <a:off x="0" y="1690688"/>
-            <a:ext cx="6171636" cy="4556203"/>
-          </a:xfrm>
-          <a:prstGeom prst="rect">
-            <a:avLst/>
-          </a:prstGeom>
-        </p:spPr>
-      </p:pic>
       <p:sp>
         <p:nvSpPr>
           <p:cNvPr id="6" name="Footer Placeholder 5">
@@ -28813,8 +29942,8 @@
         </p:nvSpPr>
         <p:spPr>
           <a:xfrm>
-            <a:off x="1219240" y="2100404"/>
-            <a:ext cx="546186" cy="3484617"/>
+            <a:off x="1294004" y="1899821"/>
+            <a:ext cx="677754" cy="3639845"/>
           </a:xfrm>
           <a:prstGeom prst="rect">
             <a:avLst/>
@@ -28863,50 +29992,6 @@
       </p:sp>
       <p:cxnSp>
         <p:nvCxnSpPr>
-          <p:cNvPr id="14" name="Straight Arrow Connector 13">
-            <a:extLst>
-              <a:ext uri="{FF2B5EF4-FFF2-40B4-BE49-F238E27FC236}">
-                <a16:creationId xmlns:a16="http://schemas.microsoft.com/office/drawing/2014/main" id="{E7B9D205-F2D0-401F-8D8C-928682F5E0AB}"/>
-              </a:ext>
-            </a:extLst>
-          </p:cNvPr>
-          <p:cNvCxnSpPr>
-            <a:cxnSpLocks/>
-          </p:cNvCxnSpPr>
-          <p:nvPr/>
-        </p:nvCxnSpPr>
-        <p:spPr>
-          <a:xfrm flipH="1">
-            <a:off x="3497802" y="3968789"/>
-            <a:ext cx="3545112" cy="443413"/>
-          </a:xfrm>
-          <a:prstGeom prst="straightConnector1">
-            <a:avLst/>
-          </a:prstGeom>
-          <a:ln w="38100">
-            <a:solidFill>
-              <a:srgbClr val="C00000"/>
-            </a:solidFill>
-            <a:tailEnd type="triangle"/>
-          </a:ln>
-        </p:spPr>
-        <p:style>
-          <a:lnRef idx="1">
-            <a:schemeClr val="accent1"/>
-          </a:lnRef>
-          <a:fillRef idx="0">
-            <a:schemeClr val="accent1"/>
-          </a:fillRef>
-          <a:effectRef idx="0">
-            <a:schemeClr val="accent1"/>
-          </a:effectRef>
-          <a:fontRef idx="minor">
-            <a:schemeClr val="tx1"/>
-          </a:fontRef>
-        </p:style>
-      </p:cxnSp>
-      <p:cxnSp>
-        <p:nvCxnSpPr>
           <p:cNvPr id="13" name="Straight Arrow Connector 12">
             <a:extLst>
               <a:ext uri="{FF2B5EF4-FFF2-40B4-BE49-F238E27FC236}">
@@ -28929,7 +30014,7 @@
           </a:prstGeom>
           <a:ln w="38100">
             <a:solidFill>
-              <a:schemeClr val="tx1"/>
+              <a:srgbClr val="C00000"/>
             </a:solidFill>
             <a:tailEnd type="triangle"/>
           </a:ln>
@@ -28988,6 +30073,203 @@
           </a:p>
         </p:txBody>
       </p:sp>
+      <mc:AlternateContent xmlns:mc="http://schemas.openxmlformats.org/markup-compatibility/2006">
+        <mc:Choice xmlns:a14="http://schemas.microsoft.com/office/drawing/2010/main" Requires="a14">
+          <p:sp>
+            <p:nvSpPr>
+              <p:cNvPr id="16" name="TextBox 15">
+                <a:extLst>
+                  <a:ext uri="{FF2B5EF4-FFF2-40B4-BE49-F238E27FC236}">
+                    <a16:creationId xmlns:a16="http://schemas.microsoft.com/office/drawing/2014/main" id="{7E6D7C7D-B976-449E-95BA-FE7330C12AC4}"/>
+                  </a:ext>
+                </a:extLst>
+              </p:cNvPr>
+              <p:cNvSpPr txBox="1"/>
+              <p:nvPr/>
+            </p:nvSpPr>
+            <p:spPr>
+              <a:xfrm>
+                <a:off x="0" y="6176963"/>
+                <a:ext cx="4954442" cy="553998"/>
+              </a:xfrm>
+              <a:prstGeom prst="rect">
+                <a:avLst/>
+              </a:prstGeom>
+              <a:noFill/>
+            </p:spPr>
+            <p:txBody>
+              <a:bodyPr wrap="square" rtlCol="0">
+                <a:spAutoFit/>
+              </a:bodyPr>
+              <a:lstStyle/>
+              <a:p>
+                <a:r>
+                  <a:rPr lang="en-US" sz="1500" b="1" dirty="0">
+                    <a:latin typeface="Arial" panose="020B0604020202020204" pitchFamily="34" charset="0"/>
+                    <a:cs typeface="Arial" panose="020B0604020202020204" pitchFamily="34" charset="0"/>
+                  </a:rPr>
+                  <a:t>Fig. 9</a:t>
+                </a:r>
+                <a:r>
+                  <a:rPr lang="en-US" sz="1500" dirty="0">
+                    <a:latin typeface="Arial" panose="020B0604020202020204" pitchFamily="34" charset="0"/>
+                    <a:cs typeface="Arial" panose="020B0604020202020204" pitchFamily="34" charset="0"/>
+                  </a:rPr>
+                  <a:t>: (</a:t>
+                </a:r>
+                <a:r>
+                  <a:rPr lang="en-US" sz="1500" dirty="0" err="1">
+                    <a:latin typeface="Arial" panose="020B0604020202020204" pitchFamily="34" charset="0"/>
+                    <a:cs typeface="Arial" panose="020B0604020202020204" pitchFamily="34" charset="0"/>
+                  </a:rPr>
+                  <a:t>pp+pn</a:t>
+                </a:r>
+                <a:r>
+                  <a:rPr lang="en-US" sz="1500" dirty="0">
+                    <a:latin typeface="Arial" panose="020B0604020202020204" pitchFamily="34" charset="0"/>
+                    <a:cs typeface="Arial" panose="020B0604020202020204" pitchFamily="34" charset="0"/>
+                  </a:rPr>
+                  <a:t>)/(</a:t>
+                </a:r>
+                <a:r>
+                  <a:rPr lang="en-US" sz="1500" dirty="0" err="1">
+                    <a:latin typeface="Arial" panose="020B0604020202020204" pitchFamily="34" charset="0"/>
+                    <a:cs typeface="Arial" panose="020B0604020202020204" pitchFamily="34" charset="0"/>
+                  </a:rPr>
+                  <a:t>nn+np</a:t>
+                </a:r>
+                <a:r>
+                  <a:rPr lang="en-US" sz="1500" dirty="0">
+                    <a:latin typeface="Arial" panose="020B0604020202020204" pitchFamily="34" charset="0"/>
+                    <a:cs typeface="Arial" panose="020B0604020202020204" pitchFamily="34" charset="0"/>
+                  </a:rPr>
+                  <a:t>) </a:t>
+                </a:r>
+                <a:r>
+                  <a:rPr lang="en-US" sz="1500" dirty="0">
+                    <a:solidFill>
+                      <a:prstClr val="black"/>
+                    </a:solidFill>
+                    <a:latin typeface="Arial" panose="020B0604020202020204" pitchFamily="34" charset="0"/>
+                    <a:cs typeface="Arial" panose="020B0604020202020204" pitchFamily="34" charset="0"/>
+                  </a:rPr>
+                  <a:t>r</a:t>
+                </a:r>
+                <a:r>
+                  <a:rPr lang="en-US" sz="1500" dirty="0">
+                    <a:latin typeface="Arial" panose="020B0604020202020204" pitchFamily="34" charset="0"/>
+                    <a:cs typeface="Arial" panose="020B0604020202020204" pitchFamily="34" charset="0"/>
+                  </a:rPr>
+                  <a:t>atio of pair momentum distributions under LDA</a:t>
+                </a:r>
+                <a:r>
+                  <a:rPr lang="en-US" sz="1500" b="1" dirty="0">
+                    <a:latin typeface="Arial" panose="020B0604020202020204" pitchFamily="34" charset="0"/>
+                    <a:cs typeface="Arial" panose="020B0604020202020204" pitchFamily="34" charset="0"/>
+                  </a:rPr>
+                  <a:t> </a:t>
+                </a:r>
+                <a:r>
+                  <a:rPr lang="en-US" sz="1500" dirty="0">
+                    <a:latin typeface="Arial" panose="020B0604020202020204" pitchFamily="34" charset="0"/>
+                    <a:cs typeface="Arial" panose="020B0604020202020204" pitchFamily="34" charset="0"/>
+                  </a:rPr>
+                  <a:t>with AV18 and </a:t>
+                </a:r>
+                <a14:m>
+                  <m:oMath xmlns:m="http://schemas.openxmlformats.org/officeDocument/2006/math">
+                    <m:r>
+                      <a:rPr lang="en-US" sz="1500" i="1" smtClean="0">
+                        <a:latin typeface="Cambria Math" panose="02040503050406030204" pitchFamily="18" charset="0"/>
+                        <a:ea typeface="Cambria Math" panose="02040503050406030204" pitchFamily="18" charset="0"/>
+                        <a:cs typeface="Arial" panose="020B0604020202020204" pitchFamily="34" charset="0"/>
+                      </a:rPr>
+                      <m:t>𝜆</m:t>
+                    </m:r>
+                    <m:r>
+                      <a:rPr lang="en-US" sz="1500" b="0" i="1" smtClean="0">
+                        <a:latin typeface="Cambria Math" panose="02040503050406030204" pitchFamily="18" charset="0"/>
+                        <a:ea typeface="Cambria Math" panose="02040503050406030204" pitchFamily="18" charset="0"/>
+                        <a:cs typeface="Arial" panose="020B0604020202020204" pitchFamily="34" charset="0"/>
+                      </a:rPr>
+                      <m:t>=1.35</m:t>
+                    </m:r>
+                  </m:oMath>
+                </a14:m>
+                <a:r>
+                  <a:rPr lang="en-US" sz="1500" dirty="0">
+                    <a:latin typeface="Arial" panose="020B0604020202020204" pitchFamily="34" charset="0"/>
+                    <a:cs typeface="Arial" panose="020B0604020202020204" pitchFamily="34" charset="0"/>
+                  </a:rPr>
+                  <a:t> fm</a:t>
+                </a:r>
+                <a:r>
+                  <a:rPr lang="en-US" sz="1500" baseline="30000" dirty="0">
+                    <a:latin typeface="Arial" panose="020B0604020202020204" pitchFamily="34" charset="0"/>
+                    <a:cs typeface="Arial" panose="020B0604020202020204" pitchFamily="34" charset="0"/>
+                  </a:rPr>
+                  <a:t>-1</a:t>
+                </a:r>
+                <a:r>
+                  <a:rPr lang="en-US" sz="1500" dirty="0">
+                    <a:latin typeface="Arial" panose="020B0604020202020204" pitchFamily="34" charset="0"/>
+                    <a:cs typeface="Arial" panose="020B0604020202020204" pitchFamily="34" charset="0"/>
+                  </a:rPr>
+                  <a:t>.</a:t>
+                </a:r>
+                <a:endParaRPr lang="en-US" sz="1500" b="1" dirty="0">
+                  <a:latin typeface="Arial" panose="020B0604020202020204" pitchFamily="34" charset="0"/>
+                  <a:cs typeface="Arial" panose="020B0604020202020204" pitchFamily="34" charset="0"/>
+                </a:endParaRPr>
+              </a:p>
+            </p:txBody>
+          </p:sp>
+        </mc:Choice>
+        <mc:Fallback>
+          <p:sp>
+            <p:nvSpPr>
+              <p:cNvPr id="16" name="TextBox 15">
+                <a:extLst>
+                  <a:ext uri="{FF2B5EF4-FFF2-40B4-BE49-F238E27FC236}">
+                    <a16:creationId xmlns:a16="http://schemas.microsoft.com/office/drawing/2014/main" id="{7E6D7C7D-B976-449E-95BA-FE7330C12AC4}"/>
+                  </a:ext>
+                </a:extLst>
+              </p:cNvPr>
+              <p:cNvSpPr txBox="1">
+                <a:spLocks noRot="1" noChangeAspect="1" noMove="1" noResize="1" noEditPoints="1" noAdjustHandles="1" noChangeArrowheads="1" noChangeShapeType="1" noTextEdit="1"/>
+              </p:cNvSpPr>
+              <p:nvPr/>
+            </p:nvSpPr>
+            <p:spPr>
+              <a:xfrm>
+                <a:off x="0" y="6176963"/>
+                <a:ext cx="4954442" cy="553998"/>
+              </a:xfrm>
+              <a:prstGeom prst="rect">
+                <a:avLst/>
+              </a:prstGeom>
+              <a:blipFill>
+                <a:blip r:embed="rId5"/>
+                <a:stretch>
+                  <a:fillRect l="-492" t="-2198" b="-12088"/>
+                </a:stretch>
+              </a:blipFill>
+            </p:spPr>
+            <p:txBody>
+              <a:bodyPr/>
+              <a:lstStyle/>
+              <a:p>
+                <a:r>
+                  <a:rPr lang="en-US">
+                    <a:noFill/>
+                  </a:rPr>
+                  <a:t> </a:t>
+                </a:r>
+              </a:p>
+            </p:txBody>
+          </p:sp>
+        </mc:Fallback>
+      </mc:AlternateContent>
     </p:spTree>
     <p:extLst>
       <p:ext uri="{BB962C8B-B14F-4D97-AF65-F5344CB8AC3E}">
@@ -29001,7 +30283,7 @@
 </p:sld>
 </file>
 
-<file path=ppt/slides/slide25.xml><?xml version="1.0" encoding="utf-8"?>
+<file path=ppt/slides/slide24.xml><?xml version="1.0" encoding="utf-8"?>
 <p:sld xmlns:a="http://schemas.openxmlformats.org/drawingml/2006/main" xmlns:r="http://schemas.openxmlformats.org/officeDocument/2006/relationships" xmlns:p="http://schemas.openxmlformats.org/presentationml/2006/main">
   <p:cSld>
     <p:spTree>
@@ -29061,8 +30343,8 @@
           </a:p>
         </p:txBody>
       </p:sp>
-      <mc:AlternateContent xmlns:mc="http://schemas.openxmlformats.org/markup-compatibility/2006" xmlns:a14="http://schemas.microsoft.com/office/drawing/2010/main">
-        <mc:Choice Requires="a14">
+      <mc:AlternateContent xmlns:mc="http://schemas.openxmlformats.org/markup-compatibility/2006">
+        <mc:Choice xmlns:a14="http://schemas.microsoft.com/office/drawing/2010/main" Requires="a14">
           <p:sp>
             <p:nvSpPr>
               <p:cNvPr id="3" name="Content Placeholder 2">
@@ -29081,7 +30363,7 @@
             </p:nvSpPr>
             <p:spPr>
               <a:xfrm>
-                <a:off x="5255580" y="1825625"/>
+                <a:off x="5255581" y="1510846"/>
                 <a:ext cx="6098219" cy="4351338"/>
               </a:xfrm>
             </p:spPr>
@@ -29107,7 +30389,7 @@
                     <a:spcPct val="100000"/>
                   </a:lnSpc>
                 </a:pPr>
-                <a:endParaRPr lang="en-US" sz="1400" dirty="0"/>
+                <a:endParaRPr lang="en-US" sz="1000" dirty="0"/>
               </a:p>
               <a:p>
                 <a:pPr marL="0" indent="0">
@@ -29391,6 +30673,7 @@
                           <m:nary>
                             <m:naryPr>
                               <m:limLoc m:val="undOvr"/>
+                              <m:supHide m:val="on"/>
                               <m:ctrlPr>
                                 <a:rPr lang="en-US" sz="2400" b="0" i="1" smtClean="0">
                                   <a:solidFill>
@@ -29403,29 +30686,56 @@
                             <m:sub>
                               <m:r>
                                 <m:rPr>
-                                  <m:brk m:alnAt="24"/>
+                                  <m:sty m:val="p"/>
                                 </m:rPr>
-                                <a:rPr lang="en-US" sz="2400" b="0" i="1" smtClean="0">
-                                  <a:solidFill>
-                                    <a:srgbClr val="C00000"/>
-                                  </a:solidFill>
-                                  <a:latin typeface="Cambria Math" panose="02040503050406030204" pitchFamily="18" charset="0"/>
-                                </a:rPr>
-                                <m:t>2</m:t>
-                              </m:r>
-                            </m:sub>
-                            <m:sup>
-                              <m:r>
-                                <a:rPr lang="en-US" sz="2400" b="0" i="1" smtClean="0">
+                                <a:rPr lang="el-GR" sz="2400" b="0" i="1" smtClean="0">
                                   <a:solidFill>
                                     <a:srgbClr val="C00000"/>
                                   </a:solidFill>
                                   <a:latin typeface="Cambria Math" panose="02040503050406030204" pitchFamily="18" charset="0"/>
                                   <a:ea typeface="Cambria Math" panose="02040503050406030204" pitchFamily="18" charset="0"/>
                                 </a:rPr>
-                                <m:t>∞</m:t>
+                                <m:t>Δ</m:t>
                               </m:r>
-                            </m:sup>
+                              <m:sSup>
+                                <m:sSupPr>
+                                  <m:ctrlPr>
+                                    <a:rPr lang="el-GR" sz="2400" b="0" i="1" smtClean="0">
+                                      <a:solidFill>
+                                        <a:srgbClr val="C00000"/>
+                                      </a:solidFill>
+                                      <a:latin typeface="Cambria Math" panose="02040503050406030204" pitchFamily="18" charset="0"/>
+                                      <a:ea typeface="Cambria Math" panose="02040503050406030204" pitchFamily="18" charset="0"/>
+                                    </a:rPr>
+                                  </m:ctrlPr>
+                                </m:sSupPr>
+                                <m:e>
+                                  <m:r>
+                                    <a:rPr lang="en-US" sz="2400" b="0" i="1" smtClean="0">
+                                      <a:solidFill>
+                                        <a:srgbClr val="C00000"/>
+                                      </a:solidFill>
+                                      <a:latin typeface="Cambria Math" panose="02040503050406030204" pitchFamily="18" charset="0"/>
+                                      <a:ea typeface="Cambria Math" panose="02040503050406030204" pitchFamily="18" charset="0"/>
+                                    </a:rPr>
+                                    <m:t>𝑝</m:t>
+                                  </m:r>
+                                </m:e>
+                                <m:sup>
+                                  <m:r>
+                                    <a:rPr lang="en-US" sz="2400" b="0" i="1" smtClean="0">
+                                      <a:solidFill>
+                                        <a:srgbClr val="C00000"/>
+                                      </a:solidFill>
+                                      <a:latin typeface="Cambria Math" panose="02040503050406030204" pitchFamily="18" charset="0"/>
+                                      <a:ea typeface="Cambria Math" panose="02040503050406030204" pitchFamily="18" charset="0"/>
+                                    </a:rPr>
+                                    <m:t>h𝑖𝑔h</m:t>
+                                  </m:r>
+                                </m:sup>
+                              </m:sSup>
+                            </m:sub>
+                            <m:sup/>
                             <m:e>
                               <m:r>
                                 <a:rPr lang="en-US" sz="2400" b="0" i="1" smtClean="0">
@@ -29504,6 +30814,7 @@
                           <m:nary>
                             <m:naryPr>
                               <m:limLoc m:val="undOvr"/>
+                              <m:supHide m:val="on"/>
                               <m:ctrlPr>
                                 <a:rPr lang="en-US" sz="2400" i="1">
                                   <a:solidFill>
@@ -29516,29 +30827,56 @@
                             <m:sub>
                               <m:r>
                                 <m:rPr>
-                                  <m:brk m:alnAt="24"/>
+                                  <m:sty m:val="p"/>
                                 </m:rPr>
-                                <a:rPr lang="en-US" sz="2400" i="1">
-                                  <a:solidFill>
-                                    <a:srgbClr val="C00000"/>
-                                  </a:solidFill>
-                                  <a:latin typeface="Cambria Math" panose="02040503050406030204" pitchFamily="18" charset="0"/>
-                                </a:rPr>
-                                <m:t>2</m:t>
-                              </m:r>
-                            </m:sub>
-                            <m:sup>
-                              <m:r>
-                                <a:rPr lang="en-US" sz="2400" i="1">
+                                <a:rPr lang="el-GR" sz="2400" i="1">
                                   <a:solidFill>
                                     <a:srgbClr val="C00000"/>
                                   </a:solidFill>
                                   <a:latin typeface="Cambria Math" panose="02040503050406030204" pitchFamily="18" charset="0"/>
                                   <a:ea typeface="Cambria Math" panose="02040503050406030204" pitchFamily="18" charset="0"/>
                                 </a:rPr>
-                                <m:t>∞</m:t>
+                                <m:t>Δ</m:t>
                               </m:r>
-                            </m:sup>
+                              <m:sSup>
+                                <m:sSupPr>
+                                  <m:ctrlPr>
+                                    <a:rPr lang="el-GR" sz="2400" i="1">
+                                      <a:solidFill>
+                                        <a:srgbClr val="C00000"/>
+                                      </a:solidFill>
+                                      <a:latin typeface="Cambria Math" panose="02040503050406030204" pitchFamily="18" charset="0"/>
+                                      <a:ea typeface="Cambria Math" panose="02040503050406030204" pitchFamily="18" charset="0"/>
+                                    </a:rPr>
+                                  </m:ctrlPr>
+                                </m:sSupPr>
+                                <m:e>
+                                  <m:r>
+                                    <a:rPr lang="en-US" sz="2400" i="1">
+                                      <a:solidFill>
+                                        <a:srgbClr val="C00000"/>
+                                      </a:solidFill>
+                                      <a:latin typeface="Cambria Math" panose="02040503050406030204" pitchFamily="18" charset="0"/>
+                                      <a:ea typeface="Cambria Math" panose="02040503050406030204" pitchFamily="18" charset="0"/>
+                                    </a:rPr>
+                                    <m:t>𝑝</m:t>
+                                  </m:r>
+                                </m:e>
+                                <m:sup>
+                                  <m:r>
+                                    <a:rPr lang="en-US" sz="2400" i="1">
+                                      <a:solidFill>
+                                        <a:srgbClr val="C00000"/>
+                                      </a:solidFill>
+                                      <a:latin typeface="Cambria Math" panose="02040503050406030204" pitchFamily="18" charset="0"/>
+                                      <a:ea typeface="Cambria Math" panose="02040503050406030204" pitchFamily="18" charset="0"/>
+                                    </a:rPr>
+                                    <m:t>h𝑖𝑔h</m:t>
+                                  </m:r>
+                                </m:sup>
+                              </m:sSup>
+                            </m:sub>
+                            <m:sup/>
                             <m:e>
                               <m:r>
                                 <a:rPr lang="en-US" sz="2400" i="1">
@@ -29630,7 +30968,7 @@
                   </a:lnSpc>
                   <a:buNone/>
                 </a:pPr>
-                <a:endParaRPr lang="en-US" sz="1400" dirty="0"/>
+                <a:endParaRPr lang="en-US" sz="1000" dirty="0"/>
               </a:p>
               <a:p>
                 <a:pPr indent="0">
@@ -29701,34 +31039,30 @@
                   </a:lnSpc>
                 </a:pPr>
                 <a:r>
-                  <a:rPr lang="en-US" sz="2400" dirty="0">
-                    <a:solidFill>
-                      <a:srgbClr val="C00000"/>
-                    </a:solidFill>
-                  </a:rPr>
-                  <a:t>Decent agreement with experiment and LCA calculations </a:t>
+                  <a:rPr lang="en-US" sz="2400" dirty="0"/>
+                  <a:t>Decent agreement with experiment</a:t>
                 </a:r>
                 <a:r>
-                  <a:rPr lang="en-US" sz="2400" dirty="0">
-                    <a:solidFill>
-                      <a:srgbClr val="00B0F0"/>
-                    </a:solidFill>
-                  </a:rPr>
-                  <a:t>(add ref.) </a:t>
+                  <a:rPr lang="en-US" sz="2400" baseline="30000" dirty="0"/>
+                  <a:t>1</a:t>
                 </a:r>
                 <a:r>
-                  <a:rPr lang="en-US" sz="2400" dirty="0">
-                    <a:solidFill>
-                      <a:srgbClr val="C00000"/>
-                    </a:solidFill>
-                  </a:rPr>
-                  <a:t>but need to further test systematics</a:t>
+                  <a:rPr lang="en-US" sz="2400" dirty="0"/>
+                  <a:t> and LCA calculations</a:t>
+                </a:r>
+                <a:r>
+                  <a:rPr lang="en-US" sz="2400" baseline="30000" dirty="0"/>
+                  <a:t>2</a:t>
+                </a:r>
+                <a:r>
+                  <a:rPr lang="en-US" sz="2400" dirty="0"/>
+                  <a:t> but need to further test systematics</a:t>
                 </a:r>
               </a:p>
             </p:txBody>
           </p:sp>
         </mc:Choice>
-        <mc:Fallback xmlns="">
+        <mc:Fallback>
           <p:sp>
             <p:nvSpPr>
               <p:cNvPr id="3" name="Content Placeholder 2">
@@ -29747,13 +31081,13 @@
             </p:nvSpPr>
             <p:spPr>
               <a:xfrm>
-                <a:off x="5255580" y="1825625"/>
+                <a:off x="5255581" y="1510846"/>
                 <a:ext cx="6098219" cy="4351338"/>
               </a:xfrm>
               <a:blipFill>
                 <a:blip r:embed="rId3"/>
                 <a:stretch>
-                  <a:fillRect l="-1300" t="-980"/>
+                  <a:fillRect l="-1299" t="-980" r="-200"/>
                 </a:stretch>
               </a:blipFill>
             </p:spPr>
@@ -29772,6 +31106,720 @@
           </p:sp>
         </mc:Fallback>
       </mc:AlternateContent>
+      <p:sp>
+        <p:nvSpPr>
+          <p:cNvPr id="4" name="Slide Number Placeholder 3">
+            <a:extLst>
+              <a:ext uri="{FF2B5EF4-FFF2-40B4-BE49-F238E27FC236}">
+                <a16:creationId xmlns:a16="http://schemas.microsoft.com/office/drawing/2014/main" id="{DC1A2BB9-1F00-304F-9B4C-2EBE5F4461ED}"/>
+              </a:ext>
+            </a:extLst>
+          </p:cNvPr>
+          <p:cNvSpPr>
+            <a:spLocks noGrp="1"/>
+          </p:cNvSpPr>
+          <p:nvPr>
+            <p:ph type="sldNum" sz="quarter" idx="12"/>
+          </p:nvPr>
+        </p:nvSpPr>
+        <p:spPr/>
+        <p:txBody>
+          <a:bodyPr/>
+          <a:lstStyle/>
+          <a:p>
+            <a:pPr marL="0" marR="0" lvl="0" indent="0" algn="r" defTabSz="914400" rtl="0" eaLnBrk="1" fontAlgn="auto" latinLnBrk="0" hangingPunct="1">
+              <a:lnSpc>
+                <a:spcPct val="100000"/>
+              </a:lnSpc>
+              <a:spcBef>
+                <a:spcPts val="0"/>
+              </a:spcBef>
+              <a:spcAft>
+                <a:spcPts val="0"/>
+              </a:spcAft>
+              <a:buClrTx/>
+              <a:buSzTx/>
+              <a:buFontTx/>
+              <a:buNone/>
+              <a:tabLst/>
+              <a:defRPr/>
+            </a:pPr>
+            <a:fld id="{DD20F09D-B375-B446-8D61-90653E4EE1AB}" type="slidenum">
+              <a:rPr kumimoji="0" lang="en-US" sz="1200" b="0" i="0" u="none" strike="noStrike" kern="1200" cap="none" spc="0" normalizeH="0" baseline="0" noProof="0" smtClean="0">
+                <a:ln>
+                  <a:noFill/>
+                </a:ln>
+                <a:solidFill>
+                  <a:prstClr val="black">
+                    <a:tint val="75000"/>
+                  </a:prstClr>
+                </a:solidFill>
+                <a:effectLst/>
+                <a:uLnTx/>
+                <a:uFillTx/>
+                <a:latin typeface="Arial" panose="020B0604020202020204" pitchFamily="34" charset="0"/>
+                <a:ea typeface="+mn-ea"/>
+                <a:cs typeface="+mn-cs"/>
+              </a:rPr>
+              <a:pPr marL="0" marR="0" lvl="0" indent="0" algn="r" defTabSz="914400" rtl="0" eaLnBrk="1" fontAlgn="auto" latinLnBrk="0" hangingPunct="1">
+                <a:lnSpc>
+                  <a:spcPct val="100000"/>
+                </a:lnSpc>
+                <a:spcBef>
+                  <a:spcPts val="0"/>
+                </a:spcBef>
+                <a:spcAft>
+                  <a:spcPts val="0"/>
+                </a:spcAft>
+                <a:buClrTx/>
+                <a:buSzTx/>
+                <a:buFontTx/>
+                <a:buNone/>
+                <a:tabLst/>
+                <a:defRPr/>
+              </a:pPr>
+              <a:t>24</a:t>
+            </a:fld>
+            <a:endParaRPr kumimoji="0" lang="en-US" sz="1200" b="0" i="0" u="none" strike="noStrike" kern="1200" cap="none" spc="0" normalizeH="0" baseline="0" noProof="0">
+              <a:ln>
+                <a:noFill/>
+              </a:ln>
+              <a:solidFill>
+                <a:prstClr val="black">
+                  <a:tint val="75000"/>
+                </a:prstClr>
+              </a:solidFill>
+              <a:effectLst/>
+              <a:uLnTx/>
+              <a:uFillTx/>
+              <a:latin typeface="Arial" panose="020B0604020202020204" pitchFamily="34" charset="0"/>
+              <a:ea typeface="+mn-ea"/>
+              <a:cs typeface="+mn-cs"/>
+            </a:endParaRPr>
+          </a:p>
+        </p:txBody>
+      </p:sp>
+      <p:sp>
+        <p:nvSpPr>
+          <p:cNvPr id="6" name="Footer Placeholder 5">
+            <a:extLst>
+              <a:ext uri="{FF2B5EF4-FFF2-40B4-BE49-F238E27FC236}">
+                <a16:creationId xmlns:a16="http://schemas.microsoft.com/office/drawing/2014/main" id="{96A3B1C2-5FED-4346-BBDF-4C67C293DC07}"/>
+              </a:ext>
+            </a:extLst>
+          </p:cNvPr>
+          <p:cNvSpPr>
+            <a:spLocks noGrp="1"/>
+          </p:cNvSpPr>
+          <p:nvPr>
+            <p:ph type="ftr" sz="quarter" idx="11"/>
+          </p:nvPr>
+        </p:nvSpPr>
+        <p:spPr/>
+        <p:txBody>
+          <a:bodyPr/>
+          <a:lstStyle/>
+          <a:p>
+            <a:r>
+              <a:rPr lang="en-US"/>
+              <a:t>Anthony Tropiano, APS April 2021 Meeting</a:t>
+            </a:r>
+          </a:p>
+        </p:txBody>
+      </p:sp>
+      <mc:AlternateContent xmlns:mc="http://schemas.openxmlformats.org/markup-compatibility/2006">
+        <mc:Choice xmlns:a14="http://schemas.microsoft.com/office/drawing/2010/main" Requires="a14">
+          <p:sp>
+            <p:nvSpPr>
+              <p:cNvPr id="8" name="TextBox 7">
+                <a:extLst>
+                  <a:ext uri="{FF2B5EF4-FFF2-40B4-BE49-F238E27FC236}">
+                    <a16:creationId xmlns:a16="http://schemas.microsoft.com/office/drawing/2014/main" id="{608CDEA4-F1AE-4B94-9D25-25DCE9686CD6}"/>
+                  </a:ext>
+                </a:extLst>
+              </p:cNvPr>
+              <p:cNvSpPr txBox="1"/>
+              <p:nvPr/>
+            </p:nvSpPr>
+            <p:spPr>
+              <a:xfrm>
+                <a:off x="119511" y="5936645"/>
+                <a:ext cx="4643021" cy="784830"/>
+              </a:xfrm>
+              <a:prstGeom prst="rect">
+                <a:avLst/>
+              </a:prstGeom>
+              <a:noFill/>
+            </p:spPr>
+            <p:txBody>
+              <a:bodyPr wrap="square" rtlCol="0">
+                <a:spAutoFit/>
+              </a:bodyPr>
+              <a:lstStyle/>
+              <a:p>
+                <a:r>
+                  <a:rPr lang="en-US" sz="1500" b="1" dirty="0">
+                    <a:latin typeface="Arial" panose="020B0604020202020204" pitchFamily="34" charset="0"/>
+                    <a:cs typeface="Arial" panose="020B0604020202020204" pitchFamily="34" charset="0"/>
+                  </a:rPr>
+                  <a:t>Fig. 10</a:t>
+                </a:r>
+                <a:r>
+                  <a:rPr lang="en-US" sz="1500" dirty="0">
+                    <a:latin typeface="Arial" panose="020B0604020202020204" pitchFamily="34" charset="0"/>
+                    <a:cs typeface="Arial" panose="020B0604020202020204" pitchFamily="34" charset="0"/>
+                  </a:rPr>
+                  <a:t>: </a:t>
+                </a:r>
+                <a14:m>
+                  <m:oMath xmlns:m="http://schemas.openxmlformats.org/officeDocument/2006/math">
+                    <m:sSub>
+                      <m:sSubPr>
+                        <m:ctrlPr>
+                          <a:rPr lang="en-US" sz="1500" i="1" smtClean="0">
+                            <a:latin typeface="Cambria Math" panose="02040503050406030204" pitchFamily="18" charset="0"/>
+                            <a:cs typeface="Arial" panose="020B0604020202020204" pitchFamily="34" charset="0"/>
+                          </a:rPr>
+                        </m:ctrlPr>
+                      </m:sSubPr>
+                      <m:e>
+                        <m:r>
+                          <a:rPr lang="en-US" sz="1500" b="0" i="1" smtClean="0">
+                            <a:latin typeface="Cambria Math" panose="02040503050406030204" pitchFamily="18" charset="0"/>
+                            <a:cs typeface="Arial" panose="020B0604020202020204" pitchFamily="34" charset="0"/>
+                          </a:rPr>
+                          <m:t>𝑎</m:t>
+                        </m:r>
+                      </m:e>
+                      <m:sub>
+                        <m:r>
+                          <a:rPr lang="en-US" sz="1500" b="0" i="1" smtClean="0">
+                            <a:latin typeface="Cambria Math" panose="02040503050406030204" pitchFamily="18" charset="0"/>
+                            <a:cs typeface="Arial" panose="020B0604020202020204" pitchFamily="34" charset="0"/>
+                          </a:rPr>
+                          <m:t>2</m:t>
+                        </m:r>
+                      </m:sub>
+                    </m:sSub>
+                  </m:oMath>
+                </a14:m>
+                <a:r>
+                  <a:rPr lang="en-US" sz="1500" dirty="0">
+                    <a:latin typeface="Arial" panose="020B0604020202020204" pitchFamily="34" charset="0"/>
+                    <a:cs typeface="Arial" panose="020B0604020202020204" pitchFamily="34" charset="0"/>
+                  </a:rPr>
+                  <a:t> scale factors using single-nucleon momentum distributions under LDA</a:t>
+                </a:r>
+                <a:r>
+                  <a:rPr lang="en-US" sz="1500" b="1" dirty="0">
+                    <a:latin typeface="Arial" panose="020B0604020202020204" pitchFamily="34" charset="0"/>
+                    <a:cs typeface="Arial" panose="020B0604020202020204" pitchFamily="34" charset="0"/>
+                  </a:rPr>
+                  <a:t> </a:t>
+                </a:r>
+                <a:r>
+                  <a:rPr lang="en-US" sz="1500" dirty="0">
+                    <a:latin typeface="Arial" panose="020B0604020202020204" pitchFamily="34" charset="0"/>
+                    <a:cs typeface="Arial" panose="020B0604020202020204" pitchFamily="34" charset="0"/>
+                  </a:rPr>
+                  <a:t>with AV18 and </a:t>
+                </a:r>
+                <a14:m>
+                  <m:oMath xmlns:m="http://schemas.openxmlformats.org/officeDocument/2006/math">
+                    <m:r>
+                      <a:rPr lang="en-US" sz="1500" i="1" smtClean="0">
+                        <a:latin typeface="Cambria Math" panose="02040503050406030204" pitchFamily="18" charset="0"/>
+                        <a:ea typeface="Cambria Math" panose="02040503050406030204" pitchFamily="18" charset="0"/>
+                        <a:cs typeface="Arial" panose="020B0604020202020204" pitchFamily="34" charset="0"/>
+                      </a:rPr>
+                      <m:t>𝜆</m:t>
+                    </m:r>
+                    <m:r>
+                      <a:rPr lang="en-US" sz="1500" b="0" i="1" smtClean="0">
+                        <a:latin typeface="Cambria Math" panose="02040503050406030204" pitchFamily="18" charset="0"/>
+                        <a:ea typeface="Cambria Math" panose="02040503050406030204" pitchFamily="18" charset="0"/>
+                        <a:cs typeface="Arial" panose="020B0604020202020204" pitchFamily="34" charset="0"/>
+                      </a:rPr>
+                      <m:t>=1.35</m:t>
+                    </m:r>
+                  </m:oMath>
+                </a14:m>
+                <a:r>
+                  <a:rPr lang="en-US" sz="1500" dirty="0">
+                    <a:latin typeface="Arial" panose="020B0604020202020204" pitchFamily="34" charset="0"/>
+                    <a:cs typeface="Arial" panose="020B0604020202020204" pitchFamily="34" charset="0"/>
+                  </a:rPr>
+                  <a:t> fm</a:t>
+                </a:r>
+                <a:r>
+                  <a:rPr lang="en-US" sz="1500" baseline="30000" dirty="0">
+                    <a:latin typeface="Arial" panose="020B0604020202020204" pitchFamily="34" charset="0"/>
+                    <a:cs typeface="Arial" panose="020B0604020202020204" pitchFamily="34" charset="0"/>
+                  </a:rPr>
+                  <a:t>-1</a:t>
+                </a:r>
+                <a:r>
+                  <a:rPr lang="en-US" sz="1500" dirty="0">
+                    <a:latin typeface="Arial" panose="020B0604020202020204" pitchFamily="34" charset="0"/>
+                    <a:cs typeface="Arial" panose="020B0604020202020204" pitchFamily="34" charset="0"/>
+                  </a:rPr>
+                  <a:t> compared to experimental values</a:t>
+                </a:r>
+                <a:r>
+                  <a:rPr lang="en-US" sz="1500" baseline="30000" dirty="0">
+                    <a:latin typeface="Arial" panose="020B0604020202020204" pitchFamily="34" charset="0"/>
+                    <a:cs typeface="Arial" panose="020B0604020202020204" pitchFamily="34" charset="0"/>
+                  </a:rPr>
+                  <a:t>1</a:t>
+                </a:r>
+                <a:r>
+                  <a:rPr lang="en-US" sz="1500" dirty="0">
+                    <a:latin typeface="Arial" panose="020B0604020202020204" pitchFamily="34" charset="0"/>
+                    <a:cs typeface="Arial" panose="020B0604020202020204" pitchFamily="34" charset="0"/>
+                  </a:rPr>
+                  <a:t>.</a:t>
+                </a:r>
+                <a:endParaRPr lang="en-US" sz="1500" b="1" dirty="0">
+                  <a:latin typeface="Arial" panose="020B0604020202020204" pitchFamily="34" charset="0"/>
+                  <a:cs typeface="Arial" panose="020B0604020202020204" pitchFamily="34" charset="0"/>
+                </a:endParaRPr>
+              </a:p>
+            </p:txBody>
+          </p:sp>
+        </mc:Choice>
+        <mc:Fallback>
+          <p:sp>
+            <p:nvSpPr>
+              <p:cNvPr id="8" name="TextBox 7">
+                <a:extLst>
+                  <a:ext uri="{FF2B5EF4-FFF2-40B4-BE49-F238E27FC236}">
+                    <a16:creationId xmlns:a16="http://schemas.microsoft.com/office/drawing/2014/main" id="{608CDEA4-F1AE-4B94-9D25-25DCE9686CD6}"/>
+                  </a:ext>
+                </a:extLst>
+              </p:cNvPr>
+              <p:cNvSpPr txBox="1">
+                <a:spLocks noRot="1" noChangeAspect="1" noMove="1" noResize="1" noEditPoints="1" noAdjustHandles="1" noChangeArrowheads="1" noChangeShapeType="1" noTextEdit="1"/>
+              </p:cNvSpPr>
+              <p:nvPr/>
+            </p:nvSpPr>
+            <p:spPr>
+              <a:xfrm>
+                <a:off x="119511" y="5936645"/>
+                <a:ext cx="4643021" cy="784830"/>
+              </a:xfrm>
+              <a:prstGeom prst="rect">
+                <a:avLst/>
+              </a:prstGeom>
+              <a:blipFill>
+                <a:blip r:embed="rId4"/>
+                <a:stretch>
+                  <a:fillRect l="-526" t="-1550" b="-6977"/>
+                </a:stretch>
+              </a:blipFill>
+            </p:spPr>
+            <p:txBody>
+              <a:bodyPr/>
+              <a:lstStyle/>
+              <a:p>
+                <a:r>
+                  <a:rPr lang="en-US">
+                    <a:noFill/>
+                  </a:rPr>
+                  <a:t> </a:t>
+                </a:r>
+              </a:p>
+            </p:txBody>
+          </p:sp>
+        </mc:Fallback>
+      </mc:AlternateContent>
+      <p:sp>
+        <p:nvSpPr>
+          <p:cNvPr id="9" name="TextBox 8">
+            <a:extLst>
+              <a:ext uri="{FF2B5EF4-FFF2-40B4-BE49-F238E27FC236}">
+                <a16:creationId xmlns:a16="http://schemas.microsoft.com/office/drawing/2014/main" id="{BA13B90A-6D7E-4D17-9725-B3C28AABD6C8}"/>
+              </a:ext>
+            </a:extLst>
+          </p:cNvPr>
+          <p:cNvSpPr txBox="1"/>
+          <p:nvPr/>
+        </p:nvSpPr>
+        <p:spPr>
+          <a:xfrm>
+            <a:off x="7484412" y="5757699"/>
+            <a:ext cx="4597221" cy="707886"/>
+          </a:xfrm>
+          <a:prstGeom prst="rect">
+            <a:avLst/>
+          </a:prstGeom>
+          <a:noFill/>
+        </p:spPr>
+        <p:txBody>
+          <a:bodyPr wrap="none" rtlCol="0">
+            <a:spAutoFit/>
+          </a:bodyPr>
+          <a:lstStyle/>
+          <a:p>
+            <a:r>
+              <a:rPr lang="en-US" sz="1400" baseline="30000" dirty="0">
+                <a:latin typeface="Arial" panose="020B0604020202020204" pitchFamily="34" charset="0"/>
+                <a:cs typeface="Arial" panose="020B0604020202020204" pitchFamily="34" charset="0"/>
+              </a:rPr>
+              <a:t>1</a:t>
+            </a:r>
+            <a:r>
+              <a:rPr lang="en-US" sz="1400" dirty="0">
+                <a:latin typeface="Arial" panose="020B0604020202020204" pitchFamily="34" charset="0"/>
+                <a:cs typeface="Arial" panose="020B0604020202020204" pitchFamily="34" charset="0"/>
+              </a:rPr>
+              <a:t>B. </a:t>
+            </a:r>
+            <a:r>
+              <a:rPr lang="en-US" sz="1400" dirty="0" err="1">
+                <a:latin typeface="Arial" panose="020B0604020202020204" pitchFamily="34" charset="0"/>
+                <a:cs typeface="Arial" panose="020B0604020202020204" pitchFamily="34" charset="0"/>
+              </a:rPr>
+              <a:t>Schmookler</a:t>
+            </a:r>
+            <a:r>
+              <a:rPr lang="en-US" sz="1400" dirty="0">
+                <a:latin typeface="Arial" panose="020B0604020202020204" pitchFamily="34" charset="0"/>
+                <a:cs typeface="Arial" panose="020B0604020202020204" pitchFamily="34" charset="0"/>
+              </a:rPr>
+              <a:t> et al. (CLAS), Nature </a:t>
+            </a:r>
+            <a:r>
+              <a:rPr lang="en-US" sz="1400" b="1" dirty="0">
+                <a:latin typeface="Arial" panose="020B0604020202020204" pitchFamily="34" charset="0"/>
+                <a:cs typeface="Arial" panose="020B0604020202020204" pitchFamily="34" charset="0"/>
+              </a:rPr>
+              <a:t>566</a:t>
+            </a:r>
+            <a:r>
+              <a:rPr lang="en-US" sz="1400" dirty="0">
+                <a:latin typeface="Arial" panose="020B0604020202020204" pitchFamily="34" charset="0"/>
+                <a:cs typeface="Arial" panose="020B0604020202020204" pitchFamily="34" charset="0"/>
+              </a:rPr>
+              <a:t>, 354 (2019)</a:t>
+            </a:r>
+          </a:p>
+          <a:p>
+            <a:r>
+              <a:rPr lang="en-US" sz="1400" baseline="30000" dirty="0">
+                <a:latin typeface="Arial" panose="020B0604020202020204" pitchFamily="34" charset="0"/>
+                <a:cs typeface="Arial" panose="020B0604020202020204" pitchFamily="34" charset="0"/>
+              </a:rPr>
+              <a:t>2</a:t>
+            </a:r>
+            <a:r>
+              <a:rPr lang="en-US" sz="1400" dirty="0">
+                <a:latin typeface="Arial" panose="020B0604020202020204" pitchFamily="34" charset="0"/>
+                <a:cs typeface="Arial" panose="020B0604020202020204" pitchFamily="34" charset="0"/>
+              </a:rPr>
+              <a:t>J. </a:t>
+            </a:r>
+            <a:r>
+              <a:rPr lang="en-US" sz="1400" dirty="0" err="1">
+                <a:latin typeface="Arial" panose="020B0604020202020204" pitchFamily="34" charset="0"/>
+                <a:cs typeface="Arial" panose="020B0604020202020204" pitchFamily="34" charset="0"/>
+              </a:rPr>
+              <a:t>Ryckebusch</a:t>
+            </a:r>
+            <a:r>
+              <a:rPr lang="en-US" sz="1400" dirty="0">
+                <a:latin typeface="Arial" panose="020B0604020202020204" pitchFamily="34" charset="0"/>
+                <a:cs typeface="Arial" panose="020B0604020202020204" pitchFamily="34" charset="0"/>
+              </a:rPr>
+              <a:t> et al., Phys. Rev. C </a:t>
+            </a:r>
+            <a:r>
+              <a:rPr lang="en-US" sz="1400" b="1" dirty="0">
+                <a:latin typeface="Arial" panose="020B0604020202020204" pitchFamily="34" charset="0"/>
+                <a:cs typeface="Arial" panose="020B0604020202020204" pitchFamily="34" charset="0"/>
+              </a:rPr>
+              <a:t>100</a:t>
+            </a:r>
+            <a:r>
+              <a:rPr lang="en-US" sz="1400" dirty="0">
+                <a:latin typeface="Arial" panose="020B0604020202020204" pitchFamily="34" charset="0"/>
+                <a:cs typeface="Arial" panose="020B0604020202020204" pitchFamily="34" charset="0"/>
+              </a:rPr>
+              <a:t>, 054620</a:t>
+            </a:r>
+            <a:r>
+              <a:rPr lang="en-US" sz="1400" b="1" dirty="0">
+                <a:latin typeface="Arial" panose="020B0604020202020204" pitchFamily="34" charset="0"/>
+                <a:cs typeface="Arial" panose="020B0604020202020204" pitchFamily="34" charset="0"/>
+              </a:rPr>
+              <a:t> </a:t>
+            </a:r>
+            <a:r>
+              <a:rPr lang="en-US" sz="1400" dirty="0">
+                <a:latin typeface="Arial" panose="020B0604020202020204" pitchFamily="34" charset="0"/>
+                <a:cs typeface="Arial" panose="020B0604020202020204" pitchFamily="34" charset="0"/>
+              </a:rPr>
+              <a:t>(2019)</a:t>
+            </a:r>
+            <a:endParaRPr lang="en-US" sz="1400" baseline="30000" dirty="0">
+              <a:latin typeface="Arial" panose="020B0604020202020204" pitchFamily="34" charset="0"/>
+              <a:cs typeface="Arial" panose="020B0604020202020204" pitchFamily="34" charset="0"/>
+            </a:endParaRPr>
+          </a:p>
+          <a:p>
+            <a:endParaRPr lang="en-US" baseline="30000" dirty="0">
+              <a:latin typeface="Arial" panose="020B0604020202020204" pitchFamily="34" charset="0"/>
+              <a:cs typeface="Arial" panose="020B0604020202020204" pitchFamily="34" charset="0"/>
+            </a:endParaRPr>
+          </a:p>
+        </p:txBody>
+      </p:sp>
+      <p:pic>
+        <p:nvPicPr>
+          <p:cNvPr id="10" name="Picture 9" descr="Chart&#10;&#10;Description automatically generated">
+            <a:extLst>
+              <a:ext uri="{FF2B5EF4-FFF2-40B4-BE49-F238E27FC236}">
+                <a16:creationId xmlns:a16="http://schemas.microsoft.com/office/drawing/2014/main" id="{436BAE43-4413-404C-82F9-1E66F248AD90}"/>
+              </a:ext>
+            </a:extLst>
+          </p:cNvPr>
+          <p:cNvPicPr>
+            <a:picLocks noChangeAspect="1"/>
+          </p:cNvPicPr>
+          <p:nvPr/>
+        </p:nvPicPr>
+        <p:blipFill>
+          <a:blip r:embed="rId5">
+            <a:extLst>
+              <a:ext uri="{28A0092B-C50C-407E-A947-70E740481C1C}">
+                <a14:useLocalDpi xmlns:a14="http://schemas.microsoft.com/office/drawing/2010/main" val="0"/>
+              </a:ext>
+            </a:extLst>
+          </a:blip>
+          <a:stretch>
+            <a:fillRect/>
+          </a:stretch>
+        </p:blipFill>
+        <p:spPr>
+          <a:xfrm>
+            <a:off x="0" y="1400515"/>
+            <a:ext cx="4488000" cy="4572000"/>
+          </a:xfrm>
+          <a:prstGeom prst="rect">
+            <a:avLst/>
+          </a:prstGeom>
+        </p:spPr>
+      </p:pic>
+    </p:spTree>
+    <p:extLst>
+      <p:ext uri="{BB962C8B-B14F-4D97-AF65-F5344CB8AC3E}">
+        <p14:creationId xmlns:p14="http://schemas.microsoft.com/office/powerpoint/2010/main" val="2696127934"/>
+      </p:ext>
+    </p:extLst>
+  </p:cSld>
+  <p:clrMapOvr>
+    <a:masterClrMapping/>
+  </p:clrMapOvr>
+</p:sld>
+</file>
+
+<file path=ppt/slides/slide25.xml><?xml version="1.0" encoding="utf-8"?>
+<p:sld xmlns:a="http://schemas.openxmlformats.org/drawingml/2006/main" xmlns:r="http://schemas.openxmlformats.org/officeDocument/2006/relationships" xmlns:p="http://schemas.openxmlformats.org/presentationml/2006/main">
+  <p:cSld>
+    <p:spTree>
+      <p:nvGrpSpPr>
+        <p:cNvPr id="1" name=""/>
+        <p:cNvGrpSpPr/>
+        <p:nvPr/>
+      </p:nvGrpSpPr>
+      <p:grpSpPr>
+        <a:xfrm>
+          <a:off x="0" y="0"/>
+          <a:ext cx="0" cy="0"/>
+          <a:chOff x="0" y="0"/>
+          <a:chExt cx="0" cy="0"/>
+        </a:xfrm>
+      </p:grpSpPr>
+      <p:sp>
+        <p:nvSpPr>
+          <p:cNvPr id="2" name="Title 1">
+            <a:extLst>
+              <a:ext uri="{FF2B5EF4-FFF2-40B4-BE49-F238E27FC236}">
+                <a16:creationId xmlns:a16="http://schemas.microsoft.com/office/drawing/2014/main" id="{9FECE9C7-FBB0-B54D-8E92-C3BC6CA96ED2}"/>
+              </a:ext>
+            </a:extLst>
+          </p:cNvPr>
+          <p:cNvSpPr>
+            <a:spLocks noGrp="1"/>
+          </p:cNvSpPr>
+          <p:nvPr>
+            <p:ph type="title"/>
+          </p:nvPr>
+        </p:nvSpPr>
+        <p:spPr/>
+        <p:txBody>
+          <a:bodyPr/>
+          <a:lstStyle/>
+          <a:p>
+            <a:pPr>
+              <a:lnSpc>
+                <a:spcPct val="100000"/>
+              </a:lnSpc>
+            </a:pPr>
+            <a:r>
+              <a:rPr lang="en-US" dirty="0">
+                <a:solidFill>
+                  <a:srgbClr val="002060"/>
+                </a:solidFill>
+              </a:rPr>
+              <a:t>Summary and outlook</a:t>
+            </a:r>
+            <a:endParaRPr lang="en-US" dirty="0">
+              <a:solidFill>
+                <a:srgbClr val="002060"/>
+              </a:solidFill>
+              <a:latin typeface="Arial" panose="020B0604020202020204" pitchFamily="34" charset="0"/>
+            </a:endParaRPr>
+          </a:p>
+        </p:txBody>
+      </p:sp>
+      <p:sp>
+        <p:nvSpPr>
+          <p:cNvPr id="3" name="Content Placeholder 2">
+            <a:extLst>
+              <a:ext uri="{FF2B5EF4-FFF2-40B4-BE49-F238E27FC236}">
+                <a16:creationId xmlns:a16="http://schemas.microsoft.com/office/drawing/2014/main" id="{1A8FA9B3-1B32-894B-93C2-F90FB63CBDAA}"/>
+              </a:ext>
+            </a:extLst>
+          </p:cNvPr>
+          <p:cNvSpPr>
+            <a:spLocks noGrp="1"/>
+          </p:cNvSpPr>
+          <p:nvPr>
+            <p:ph idx="1"/>
+          </p:nvPr>
+        </p:nvSpPr>
+        <p:spPr>
+          <a:xfrm>
+            <a:off x="201227" y="1825625"/>
+            <a:ext cx="11795760" cy="4351338"/>
+          </a:xfrm>
+        </p:spPr>
+        <p:txBody>
+          <a:bodyPr>
+            <a:normAutofit lnSpcReduction="10000"/>
+          </a:bodyPr>
+          <a:lstStyle/>
+          <a:p>
+            <a:pPr>
+              <a:lnSpc>
+                <a:spcPct val="100000"/>
+              </a:lnSpc>
+            </a:pPr>
+            <a:r>
+              <a:rPr lang="en-US" sz="2600" dirty="0">
+                <a:solidFill>
+                  <a:srgbClr val="C00000"/>
+                </a:solidFill>
+              </a:rPr>
+              <a:t>Simple approximations work and are systematically improvable at low RG resolution</a:t>
+            </a:r>
+          </a:p>
+          <a:p>
+            <a:pPr>
+              <a:lnSpc>
+                <a:spcPct val="100000"/>
+              </a:lnSpc>
+            </a:pPr>
+            <a:r>
+              <a:rPr lang="en-US" sz="2600" dirty="0"/>
+              <a:t>Results suggest that we can analyze high-energy nuclear reactions using low RG resolution structure (e.g., shell model) and consistently evolved operators</a:t>
+            </a:r>
+          </a:p>
+          <a:p>
+            <a:pPr lvl="1">
+              <a:lnSpc>
+                <a:spcPct val="100000"/>
+              </a:lnSpc>
+            </a:pPr>
+            <a:r>
+              <a:rPr lang="en-US" sz="2200" dirty="0"/>
+              <a:t>Matching resolution scale between structure and reactions is crucial!</a:t>
+            </a:r>
+          </a:p>
+          <a:p>
+            <a:pPr>
+              <a:lnSpc>
+                <a:spcPct val="100000"/>
+              </a:lnSpc>
+            </a:pPr>
+            <a:r>
+              <a:rPr lang="en-US" sz="2600" dirty="0">
+                <a:solidFill>
+                  <a:srgbClr val="C00000"/>
+                </a:solidFill>
+              </a:rPr>
+              <a:t>Ongoing work:</a:t>
+            </a:r>
+          </a:p>
+          <a:p>
+            <a:pPr lvl="1">
+              <a:lnSpc>
+                <a:spcPct val="100000"/>
+              </a:lnSpc>
+            </a:pPr>
+            <a:r>
+              <a:rPr lang="en-US" sz="2200" dirty="0"/>
+              <a:t>Extend to cross sections and test scale/scheme dependence of extracted properties</a:t>
+            </a:r>
+          </a:p>
+          <a:p>
+            <a:pPr lvl="1">
+              <a:lnSpc>
+                <a:spcPct val="100000"/>
+              </a:lnSpc>
+            </a:pPr>
+            <a:r>
+              <a:rPr lang="en-US" sz="2200" dirty="0"/>
+              <a:t>Further investigate how final state interactions and physical interpretations depend on the RG scale</a:t>
+            </a:r>
+          </a:p>
+          <a:p>
+            <a:pPr lvl="1">
+              <a:lnSpc>
+                <a:spcPct val="100000"/>
+              </a:lnSpc>
+            </a:pPr>
+            <a:r>
+              <a:rPr lang="en-US" sz="2200" dirty="0"/>
+              <a:t>Apply to more complicated knock-out reactions (SRG with optical potentials) – </a:t>
+            </a:r>
+            <a:r>
+              <a:rPr lang="en-US" sz="2200" dirty="0">
+                <a:solidFill>
+                  <a:srgbClr val="C00000"/>
+                </a:solidFill>
+              </a:rPr>
+              <a:t>see </a:t>
+            </a:r>
+            <a:r>
+              <a:rPr lang="en-US" sz="2200" dirty="0" err="1">
+                <a:solidFill>
+                  <a:srgbClr val="C00000"/>
+                </a:solidFill>
+              </a:rPr>
+              <a:t>Mostofa</a:t>
+            </a:r>
+            <a:r>
+              <a:rPr lang="en-US" sz="2200" dirty="0">
+                <a:solidFill>
+                  <a:srgbClr val="C00000"/>
+                </a:solidFill>
+              </a:rPr>
+              <a:t> Hisham’s talk (X13.00004)</a:t>
+            </a:r>
+          </a:p>
+        </p:txBody>
+      </p:sp>
       <p:sp>
         <p:nvSpPr>
           <p:cNvPr id="4" name="Slide Number Placeholder 3">
@@ -29870,383 +31918,6 @@
           <p:cNvPr id="6" name="Footer Placeholder 5">
             <a:extLst>
               <a:ext uri="{FF2B5EF4-FFF2-40B4-BE49-F238E27FC236}">
-                <a16:creationId xmlns:a16="http://schemas.microsoft.com/office/drawing/2014/main" id="{96A3B1C2-5FED-4346-BBDF-4C67C293DC07}"/>
-              </a:ext>
-            </a:extLst>
-          </p:cNvPr>
-          <p:cNvSpPr>
-            <a:spLocks noGrp="1"/>
-          </p:cNvSpPr>
-          <p:nvPr>
-            <p:ph type="ftr" sz="quarter" idx="11"/>
-          </p:nvPr>
-        </p:nvSpPr>
-        <p:spPr/>
-        <p:txBody>
-          <a:bodyPr/>
-          <a:lstStyle/>
-          <a:p>
-            <a:r>
-              <a:rPr lang="en-US"/>
-              <a:t>Anthony Tropiano, APS April 2021 Meeting</a:t>
-            </a:r>
-          </a:p>
-        </p:txBody>
-      </p:sp>
-      <p:pic>
-        <p:nvPicPr>
-          <p:cNvPr id="7" name="Picture 6" descr="Chart, scatter chart&#10;&#10;Description automatically generated">
-            <a:extLst>
-              <a:ext uri="{FF2B5EF4-FFF2-40B4-BE49-F238E27FC236}">
-                <a16:creationId xmlns:a16="http://schemas.microsoft.com/office/drawing/2014/main" id="{49C35D4C-7C49-4B8A-9D41-EDFD8CCDA82F}"/>
-              </a:ext>
-            </a:extLst>
-          </p:cNvPr>
-          <p:cNvPicPr>
-            <a:picLocks noChangeAspect="1"/>
-          </p:cNvPicPr>
-          <p:nvPr/>
-        </p:nvPicPr>
-        <p:blipFill>
-          <a:blip r:embed="rId4">
-            <a:extLst>
-              <a:ext uri="{28A0092B-C50C-407E-A947-70E740481C1C}">
-                <a14:useLocalDpi xmlns:a14="http://schemas.microsoft.com/office/drawing/2010/main" val="0"/>
-              </a:ext>
-            </a:extLst>
-          </a:blip>
-          <a:stretch>
-            <a:fillRect/>
-          </a:stretch>
-        </p:blipFill>
-        <p:spPr>
-          <a:xfrm>
-            <a:off x="0" y="1594073"/>
-            <a:ext cx="4363412" cy="4672584"/>
-          </a:xfrm>
-          <a:prstGeom prst="rect">
-            <a:avLst/>
-          </a:prstGeom>
-        </p:spPr>
-      </p:pic>
-    </p:spTree>
-    <p:extLst>
-      <p:ext uri="{BB962C8B-B14F-4D97-AF65-F5344CB8AC3E}">
-        <p14:creationId xmlns:p14="http://schemas.microsoft.com/office/powerpoint/2010/main" val="2696127934"/>
-      </p:ext>
-    </p:extLst>
-  </p:cSld>
-  <p:clrMapOvr>
-    <a:masterClrMapping/>
-  </p:clrMapOvr>
-</p:sld>
-</file>
-
-<file path=ppt/slides/slide26.xml><?xml version="1.0" encoding="utf-8"?>
-<p:sld xmlns:a="http://schemas.openxmlformats.org/drawingml/2006/main" xmlns:r="http://schemas.openxmlformats.org/officeDocument/2006/relationships" xmlns:p="http://schemas.openxmlformats.org/presentationml/2006/main">
-  <p:cSld>
-    <p:spTree>
-      <p:nvGrpSpPr>
-        <p:cNvPr id="1" name=""/>
-        <p:cNvGrpSpPr/>
-        <p:nvPr/>
-      </p:nvGrpSpPr>
-      <p:grpSpPr>
-        <a:xfrm>
-          <a:off x="0" y="0"/>
-          <a:ext cx="0" cy="0"/>
-          <a:chOff x="0" y="0"/>
-          <a:chExt cx="0" cy="0"/>
-        </a:xfrm>
-      </p:grpSpPr>
-      <p:sp>
-        <p:nvSpPr>
-          <p:cNvPr id="2" name="Title 1">
-            <a:extLst>
-              <a:ext uri="{FF2B5EF4-FFF2-40B4-BE49-F238E27FC236}">
-                <a16:creationId xmlns:a16="http://schemas.microsoft.com/office/drawing/2014/main" id="{9FECE9C7-FBB0-B54D-8E92-C3BC6CA96ED2}"/>
-              </a:ext>
-            </a:extLst>
-          </p:cNvPr>
-          <p:cNvSpPr>
-            <a:spLocks noGrp="1"/>
-          </p:cNvSpPr>
-          <p:nvPr>
-            <p:ph type="title"/>
-          </p:nvPr>
-        </p:nvSpPr>
-        <p:spPr/>
-        <p:txBody>
-          <a:bodyPr/>
-          <a:lstStyle/>
-          <a:p>
-            <a:pPr>
-              <a:lnSpc>
-                <a:spcPct val="100000"/>
-              </a:lnSpc>
-            </a:pPr>
-            <a:r>
-              <a:rPr lang="en-US" dirty="0">
-                <a:solidFill>
-                  <a:srgbClr val="002060"/>
-                </a:solidFill>
-              </a:rPr>
-              <a:t>Summary and outlook</a:t>
-            </a:r>
-            <a:endParaRPr lang="en-US" dirty="0">
-              <a:solidFill>
-                <a:srgbClr val="002060"/>
-              </a:solidFill>
-              <a:latin typeface="Arial" panose="020B0604020202020204" pitchFamily="34" charset="0"/>
-            </a:endParaRPr>
-          </a:p>
-        </p:txBody>
-      </p:sp>
-      <p:sp>
-        <p:nvSpPr>
-          <p:cNvPr id="3" name="Content Placeholder 2">
-            <a:extLst>
-              <a:ext uri="{FF2B5EF4-FFF2-40B4-BE49-F238E27FC236}">
-                <a16:creationId xmlns:a16="http://schemas.microsoft.com/office/drawing/2014/main" id="{1A8FA9B3-1B32-894B-93C2-F90FB63CBDAA}"/>
-              </a:ext>
-            </a:extLst>
-          </p:cNvPr>
-          <p:cNvSpPr>
-            <a:spLocks noGrp="1"/>
-          </p:cNvSpPr>
-          <p:nvPr>
-            <p:ph idx="1"/>
-          </p:nvPr>
-        </p:nvSpPr>
-        <p:spPr>
-          <a:xfrm>
-            <a:off x="201227" y="1825625"/>
-            <a:ext cx="11795760" cy="4351338"/>
-          </a:xfrm>
-        </p:spPr>
-        <p:txBody>
-          <a:bodyPr>
-            <a:normAutofit/>
-          </a:bodyPr>
-          <a:lstStyle/>
-          <a:p>
-            <a:pPr>
-              <a:lnSpc>
-                <a:spcPct val="100000"/>
-              </a:lnSpc>
-            </a:pPr>
-            <a:r>
-              <a:rPr lang="en-US" sz="2400" dirty="0"/>
-              <a:t>Results suggest that we can analyze high-energy </a:t>
-            </a:r>
-            <a:r>
-              <a:rPr lang="en-US" sz="2600" dirty="0"/>
-              <a:t>nuclear reactions using low RG resolution structure (e.g., shell model) and consistently evolved operators</a:t>
-            </a:r>
-          </a:p>
-          <a:p>
-            <a:pPr lvl="1">
-              <a:lnSpc>
-                <a:spcPct val="100000"/>
-              </a:lnSpc>
-            </a:pPr>
-            <a:r>
-              <a:rPr lang="en-US" sz="2200" dirty="0"/>
-              <a:t>Matching resolution scale between structure and reactions is crucial!</a:t>
-            </a:r>
-          </a:p>
-          <a:p>
-            <a:pPr>
-              <a:lnSpc>
-                <a:spcPct val="100000"/>
-              </a:lnSpc>
-            </a:pPr>
-            <a:r>
-              <a:rPr lang="en-US" sz="2600" dirty="0">
-                <a:solidFill>
-                  <a:srgbClr val="C00000"/>
-                </a:solidFill>
-              </a:rPr>
-              <a:t>Ongoing work:</a:t>
-            </a:r>
-          </a:p>
-          <a:p>
-            <a:pPr lvl="1">
-              <a:lnSpc>
-                <a:spcPct val="100000"/>
-              </a:lnSpc>
-            </a:pPr>
-            <a:r>
-              <a:rPr lang="en-US" sz="2200" dirty="0">
-                <a:solidFill>
-                  <a:srgbClr val="C00000"/>
-                </a:solidFill>
-              </a:rPr>
-              <a:t>Extend to cross sections and test scale/scheme dependence of extracted properties</a:t>
-            </a:r>
-          </a:p>
-          <a:p>
-            <a:pPr lvl="1">
-              <a:lnSpc>
-                <a:spcPct val="100000"/>
-              </a:lnSpc>
-            </a:pPr>
-            <a:r>
-              <a:rPr lang="en-US" sz="2200" dirty="0">
-                <a:solidFill>
-                  <a:srgbClr val="C00000"/>
-                </a:solidFill>
-              </a:rPr>
-              <a:t>Further investigate how final state interactions (FSI’s) and physical interpretations depend on the RG scale</a:t>
-            </a:r>
-          </a:p>
-          <a:p>
-            <a:pPr lvl="1">
-              <a:lnSpc>
-                <a:spcPct val="100000"/>
-              </a:lnSpc>
-            </a:pPr>
-            <a:r>
-              <a:rPr lang="en-US" sz="2200" dirty="0">
-                <a:solidFill>
-                  <a:srgbClr val="C00000"/>
-                </a:solidFill>
-              </a:rPr>
-              <a:t>Apply to knock-out reactions (optical potentials) – see </a:t>
-            </a:r>
-            <a:r>
-              <a:rPr lang="en-US" sz="2200" dirty="0" err="1">
-                <a:solidFill>
-                  <a:srgbClr val="C00000"/>
-                </a:solidFill>
-              </a:rPr>
-              <a:t>Mostofa</a:t>
-            </a:r>
-            <a:r>
-              <a:rPr lang="en-US" sz="2200" dirty="0">
-                <a:solidFill>
-                  <a:srgbClr val="C00000"/>
-                </a:solidFill>
-              </a:rPr>
-              <a:t> Hisham’s talk (</a:t>
-            </a:r>
-            <a:r>
-              <a:rPr lang="en-US" sz="2200" dirty="0">
-                <a:solidFill>
-                  <a:srgbClr val="00B0F0"/>
-                </a:solidFill>
-              </a:rPr>
-              <a:t>add time/session</a:t>
-            </a:r>
-            <a:r>
-              <a:rPr lang="en-US" sz="2200" dirty="0">
-                <a:solidFill>
-                  <a:srgbClr val="C00000"/>
-                </a:solidFill>
-              </a:rPr>
-              <a:t>)</a:t>
-            </a:r>
-          </a:p>
-        </p:txBody>
-      </p:sp>
-      <p:sp>
-        <p:nvSpPr>
-          <p:cNvPr id="4" name="Slide Number Placeholder 3">
-            <a:extLst>
-              <a:ext uri="{FF2B5EF4-FFF2-40B4-BE49-F238E27FC236}">
-                <a16:creationId xmlns:a16="http://schemas.microsoft.com/office/drawing/2014/main" id="{DC1A2BB9-1F00-304F-9B4C-2EBE5F4461ED}"/>
-              </a:ext>
-            </a:extLst>
-          </p:cNvPr>
-          <p:cNvSpPr>
-            <a:spLocks noGrp="1"/>
-          </p:cNvSpPr>
-          <p:nvPr>
-            <p:ph type="sldNum" sz="quarter" idx="12"/>
-          </p:nvPr>
-        </p:nvSpPr>
-        <p:spPr/>
-        <p:txBody>
-          <a:bodyPr/>
-          <a:lstStyle/>
-          <a:p>
-            <a:pPr marL="0" marR="0" lvl="0" indent="0" algn="r" defTabSz="914400" rtl="0" eaLnBrk="1" fontAlgn="auto" latinLnBrk="0" hangingPunct="1">
-              <a:lnSpc>
-                <a:spcPct val="100000"/>
-              </a:lnSpc>
-              <a:spcBef>
-                <a:spcPts val="0"/>
-              </a:spcBef>
-              <a:spcAft>
-                <a:spcPts val="0"/>
-              </a:spcAft>
-              <a:buClrTx/>
-              <a:buSzTx/>
-              <a:buFontTx/>
-              <a:buNone/>
-              <a:tabLst/>
-              <a:defRPr/>
-            </a:pPr>
-            <a:fld id="{DD20F09D-B375-B446-8D61-90653E4EE1AB}" type="slidenum">
-              <a:rPr kumimoji="0" lang="en-US" sz="1200" b="0" i="0" u="none" strike="noStrike" kern="1200" cap="none" spc="0" normalizeH="0" baseline="0" noProof="0" smtClean="0">
-                <a:ln>
-                  <a:noFill/>
-                </a:ln>
-                <a:solidFill>
-                  <a:prstClr val="black">
-                    <a:tint val="75000"/>
-                  </a:prstClr>
-                </a:solidFill>
-                <a:effectLst/>
-                <a:uLnTx/>
-                <a:uFillTx/>
-                <a:latin typeface="Arial" panose="020B0604020202020204" pitchFamily="34" charset="0"/>
-                <a:ea typeface="+mn-ea"/>
-                <a:cs typeface="+mn-cs"/>
-              </a:rPr>
-              <a:pPr marL="0" marR="0" lvl="0" indent="0" algn="r" defTabSz="914400" rtl="0" eaLnBrk="1" fontAlgn="auto" latinLnBrk="0" hangingPunct="1">
-                <a:lnSpc>
-                  <a:spcPct val="100000"/>
-                </a:lnSpc>
-                <a:spcBef>
-                  <a:spcPts val="0"/>
-                </a:spcBef>
-                <a:spcAft>
-                  <a:spcPts val="0"/>
-                </a:spcAft>
-                <a:buClrTx/>
-                <a:buSzTx/>
-                <a:buFontTx/>
-                <a:buNone/>
-                <a:tabLst/>
-                <a:defRPr/>
-              </a:pPr>
-              <a:t>26</a:t>
-            </a:fld>
-            <a:endParaRPr kumimoji="0" lang="en-US" sz="1200" b="0" i="0" u="none" strike="noStrike" kern="1200" cap="none" spc="0" normalizeH="0" baseline="0" noProof="0">
-              <a:ln>
-                <a:noFill/>
-              </a:ln>
-              <a:solidFill>
-                <a:prstClr val="black">
-                  <a:tint val="75000"/>
-                </a:prstClr>
-              </a:solidFill>
-              <a:effectLst/>
-              <a:uLnTx/>
-              <a:uFillTx/>
-              <a:latin typeface="Arial" panose="020B0604020202020204" pitchFamily="34" charset="0"/>
-              <a:ea typeface="+mn-ea"/>
-              <a:cs typeface="+mn-cs"/>
-            </a:endParaRPr>
-          </a:p>
-        </p:txBody>
-      </p:sp>
-      <p:sp>
-        <p:nvSpPr>
-          <p:cNvPr id="6" name="Footer Placeholder 5">
-            <a:extLst>
-              <a:ext uri="{FF2B5EF4-FFF2-40B4-BE49-F238E27FC236}">
                 <a16:creationId xmlns:a16="http://schemas.microsoft.com/office/drawing/2014/main" id="{94BE489D-C774-493D-9776-6F8830981FB6}"/>
               </a:ext>
             </a:extLst>
@@ -30274,202 +31945,6 @@
     <p:extLst>
       <p:ext uri="{BB962C8B-B14F-4D97-AF65-F5344CB8AC3E}">
         <p14:creationId xmlns:p14="http://schemas.microsoft.com/office/powerpoint/2010/main" val="2458220907"/>
-      </p:ext>
-    </p:extLst>
-  </p:cSld>
-  <p:clrMapOvr>
-    <a:masterClrMapping/>
-  </p:clrMapOvr>
-</p:sld>
-</file>
-
-<file path=ppt/slides/slide27.xml><?xml version="1.0" encoding="utf-8"?>
-<p:sld xmlns:a="http://schemas.openxmlformats.org/drawingml/2006/main" xmlns:r="http://schemas.openxmlformats.org/officeDocument/2006/relationships" xmlns:p="http://schemas.openxmlformats.org/presentationml/2006/main">
-  <p:cSld>
-    <p:spTree>
-      <p:nvGrpSpPr>
-        <p:cNvPr id="1" name=""/>
-        <p:cNvGrpSpPr/>
-        <p:nvPr/>
-      </p:nvGrpSpPr>
-      <p:grpSpPr>
-        <a:xfrm>
-          <a:off x="0" y="0"/>
-          <a:ext cx="0" cy="0"/>
-          <a:chOff x="0" y="0"/>
-          <a:chExt cx="0" cy="0"/>
-        </a:xfrm>
-      </p:grpSpPr>
-      <p:sp>
-        <p:nvSpPr>
-          <p:cNvPr id="2" name="Title 1">
-            <a:extLst>
-              <a:ext uri="{FF2B5EF4-FFF2-40B4-BE49-F238E27FC236}">
-                <a16:creationId xmlns:a16="http://schemas.microsoft.com/office/drawing/2014/main" id="{9FECE9C7-FBB0-B54D-8E92-C3BC6CA96ED2}"/>
-              </a:ext>
-            </a:extLst>
-          </p:cNvPr>
-          <p:cNvSpPr>
-            <a:spLocks noGrp="1"/>
-          </p:cNvSpPr>
-          <p:nvPr>
-            <p:ph type="title"/>
-          </p:nvPr>
-        </p:nvSpPr>
-        <p:spPr/>
-        <p:txBody>
-          <a:bodyPr>
-            <a:normAutofit/>
-          </a:bodyPr>
-          <a:lstStyle/>
-          <a:p>
-            <a:pPr>
-              <a:lnSpc>
-                <a:spcPct val="100000"/>
-              </a:lnSpc>
-            </a:pPr>
-            <a:r>
-              <a:rPr lang="en-US" dirty="0">
-                <a:solidFill>
-                  <a:srgbClr val="002060"/>
-                </a:solidFill>
-              </a:rPr>
-              <a:t>Extras</a:t>
-            </a:r>
-            <a:endParaRPr lang="en-US" dirty="0">
-              <a:solidFill>
-                <a:srgbClr val="002060"/>
-              </a:solidFill>
-              <a:latin typeface="Arial" panose="020B0604020202020204" pitchFamily="34" charset="0"/>
-            </a:endParaRPr>
-          </a:p>
-        </p:txBody>
-      </p:sp>
-      <p:sp>
-        <p:nvSpPr>
-          <p:cNvPr id="4" name="Slide Number Placeholder 3">
-            <a:extLst>
-              <a:ext uri="{FF2B5EF4-FFF2-40B4-BE49-F238E27FC236}">
-                <a16:creationId xmlns:a16="http://schemas.microsoft.com/office/drawing/2014/main" id="{DC1A2BB9-1F00-304F-9B4C-2EBE5F4461ED}"/>
-              </a:ext>
-            </a:extLst>
-          </p:cNvPr>
-          <p:cNvSpPr>
-            <a:spLocks noGrp="1"/>
-          </p:cNvSpPr>
-          <p:nvPr>
-            <p:ph type="sldNum" sz="quarter" idx="12"/>
-          </p:nvPr>
-        </p:nvSpPr>
-        <p:spPr/>
-        <p:txBody>
-          <a:bodyPr/>
-          <a:lstStyle/>
-          <a:p>
-            <a:pPr marL="0" marR="0" lvl="0" indent="0" algn="r" defTabSz="914400" rtl="0" eaLnBrk="1" fontAlgn="auto" latinLnBrk="0" hangingPunct="1">
-              <a:lnSpc>
-                <a:spcPct val="100000"/>
-              </a:lnSpc>
-              <a:spcBef>
-                <a:spcPts val="0"/>
-              </a:spcBef>
-              <a:spcAft>
-                <a:spcPts val="0"/>
-              </a:spcAft>
-              <a:buClrTx/>
-              <a:buSzTx/>
-              <a:buFontTx/>
-              <a:buNone/>
-              <a:tabLst/>
-              <a:defRPr/>
-            </a:pPr>
-            <a:fld id="{DD20F09D-B375-B446-8D61-90653E4EE1AB}" type="slidenum">
-              <a:rPr kumimoji="0" lang="en-US" sz="1200" b="0" i="0" u="none" strike="noStrike" kern="1200" cap="none" spc="0" normalizeH="0" baseline="0" noProof="0" smtClean="0">
-                <a:ln>
-                  <a:noFill/>
-                </a:ln>
-                <a:solidFill>
-                  <a:prstClr val="black">
-                    <a:tint val="75000"/>
-                  </a:prstClr>
-                </a:solidFill>
-                <a:effectLst/>
-                <a:uLnTx/>
-                <a:uFillTx/>
-                <a:latin typeface="Arial" panose="020B0604020202020204" pitchFamily="34" charset="0"/>
-                <a:ea typeface="+mn-ea"/>
-                <a:cs typeface="+mn-cs"/>
-              </a:rPr>
-              <a:pPr marL="0" marR="0" lvl="0" indent="0" algn="r" defTabSz="914400" rtl="0" eaLnBrk="1" fontAlgn="auto" latinLnBrk="0" hangingPunct="1">
-                <a:lnSpc>
-                  <a:spcPct val="100000"/>
-                </a:lnSpc>
-                <a:spcBef>
-                  <a:spcPts val="0"/>
-                </a:spcBef>
-                <a:spcAft>
-                  <a:spcPts val="0"/>
-                </a:spcAft>
-                <a:buClrTx/>
-                <a:buSzTx/>
-                <a:buFontTx/>
-                <a:buNone/>
-                <a:tabLst/>
-                <a:defRPr/>
-              </a:pPr>
-              <a:t>27</a:t>
-            </a:fld>
-            <a:endParaRPr kumimoji="0" lang="en-US" sz="1200" b="0" i="0" u="none" strike="noStrike" kern="1200" cap="none" spc="0" normalizeH="0" baseline="0" noProof="0" dirty="0">
-              <a:ln>
-                <a:noFill/>
-              </a:ln>
-              <a:solidFill>
-                <a:prstClr val="black">
-                  <a:tint val="75000"/>
-                </a:prstClr>
-              </a:solidFill>
-              <a:effectLst/>
-              <a:uLnTx/>
-              <a:uFillTx/>
-              <a:latin typeface="Arial" panose="020B0604020202020204" pitchFamily="34" charset="0"/>
-              <a:ea typeface="+mn-ea"/>
-              <a:cs typeface="+mn-cs"/>
-            </a:endParaRPr>
-          </a:p>
-        </p:txBody>
-      </p:sp>
-      <p:sp>
-        <p:nvSpPr>
-          <p:cNvPr id="6" name="Footer Placeholder 5">
-            <a:extLst>
-              <a:ext uri="{FF2B5EF4-FFF2-40B4-BE49-F238E27FC236}">
-                <a16:creationId xmlns:a16="http://schemas.microsoft.com/office/drawing/2014/main" id="{3255A7D4-CB5D-46D3-902C-E5A0DA031D73}"/>
-              </a:ext>
-            </a:extLst>
-          </p:cNvPr>
-          <p:cNvSpPr>
-            <a:spLocks noGrp="1"/>
-          </p:cNvSpPr>
-          <p:nvPr>
-            <p:ph type="ftr" sz="quarter" idx="11"/>
-          </p:nvPr>
-        </p:nvSpPr>
-        <p:spPr/>
-        <p:txBody>
-          <a:bodyPr/>
-          <a:lstStyle/>
-          <a:p>
-            <a:r>
-              <a:rPr lang="en-US"/>
-              <a:t>Anthony Tropiano, APS April 2021 Meeting</a:t>
-            </a:r>
-          </a:p>
-        </p:txBody>
-      </p:sp>
-    </p:spTree>
-    <p:extLst>
-      <p:ext uri="{BB962C8B-B14F-4D97-AF65-F5344CB8AC3E}">
-        <p14:creationId xmlns:p14="http://schemas.microsoft.com/office/powerpoint/2010/main" val="4099501160"/>
       </p:ext>
     </p:extLst>
   </p:cSld>
@@ -31204,12 +32679,16 @@
               <a:defRPr/>
             </a:pPr>
             <a:r>
+              <a:rPr lang="en-US" sz="2400" dirty="0"/>
+              <a:t>SRC physics at </a:t>
+            </a:r>
+            <a:r>
               <a:rPr lang="en-US" sz="2400" dirty="0">
                 <a:solidFill>
                   <a:srgbClr val="C00000"/>
                 </a:solidFill>
               </a:rPr>
-              <a:t>Alternative viewpoint</a:t>
+              <a:t>low RG resolution</a:t>
             </a:r>
           </a:p>
           <a:p>
@@ -31220,8 +32699,28 @@
               <a:defRPr/>
             </a:pPr>
             <a:r>
-              <a:rPr lang="en-US" sz="2000" dirty="0"/>
-              <a:t>Using renormalization group (RG) methods we can tune the scale to low RG resolution</a:t>
+              <a:rPr lang="en-US" sz="2000" dirty="0">
+                <a:solidFill>
+                  <a:srgbClr val="C00000"/>
+                </a:solidFill>
+              </a:rPr>
+              <a:t>The SRC </a:t>
+            </a:r>
+            <a:r>
+              <a:rPr lang="en-US" sz="2000" i="1" dirty="0">
+                <a:solidFill>
+                  <a:srgbClr val="C00000"/>
+                </a:solidFill>
+              </a:rPr>
+              <a:t>physics</a:t>
+            </a:r>
+            <a:r>
+              <a:rPr lang="en-US" sz="2000" dirty="0">
+                <a:solidFill>
+                  <a:srgbClr val="C00000"/>
+                </a:solidFill>
+              </a:rPr>
+              <a:t> is shifted into the reaction operators from the nuclear wave function (which becomes soft)</a:t>
             </a:r>
           </a:p>
           <a:p>
@@ -31237,23 +32736,7 @@
                   <a:srgbClr val="C00000"/>
                 </a:solidFill>
               </a:rPr>
-              <a:t>The SRC </a:t>
-            </a:r>
-            <a:r>
-              <a:rPr lang="en-US" sz="2000" i="1" dirty="0">
-                <a:solidFill>
-                  <a:srgbClr val="C00000"/>
-                </a:solidFill>
-              </a:rPr>
-              <a:t>physics</a:t>
-            </a:r>
-            <a:r>
-              <a:rPr lang="en-US" sz="2000" dirty="0">
-                <a:solidFill>
-                  <a:srgbClr val="C00000"/>
-                </a:solidFill>
-              </a:rPr>
-              <a:t> is shifted into the reaction operators from the nuclear wave function (which becomes soft)</a:t>
+              <a:t>Operators do not become hard which simplifies calculations</a:t>
             </a:r>
           </a:p>
           <a:p>
@@ -31562,101 +33045,47 @@
             </a:pPr>
             <a:r>
               <a:rPr lang="en-US" sz="2400" dirty="0"/>
-              <a:t>Alternative viewpoint</a:t>
-            </a:r>
-          </a:p>
-          <a:p>
-            <a:pPr marL="685800" marR="0" lvl="1" indent="-228600" algn="l" defTabSz="914400" rtl="0" eaLnBrk="1" fontAlgn="auto" latinLnBrk="0" hangingPunct="1">
+              <a:t>SRC physics at </a:t>
+            </a:r>
+            <a:r>
+              <a:rPr lang="en-US" sz="2400" dirty="0">
+                <a:solidFill>
+                  <a:srgbClr val="C00000"/>
+                </a:solidFill>
+              </a:rPr>
+              <a:t>low RG resolution</a:t>
+            </a:r>
+          </a:p>
+          <a:p>
+            <a:pPr lvl="1">
               <a:lnSpc>
                 <a:spcPct val="110000"/>
               </a:lnSpc>
-              <a:spcBef>
-                <a:spcPts val="500"/>
-              </a:spcBef>
-              <a:spcAft>
-                <a:spcPts val="0"/>
-              </a:spcAft>
-              <a:buClrTx/>
-              <a:buSzTx/>
-              <a:buFont typeface="Arial" panose="020B0604020202020204" pitchFamily="34" charset="0"/>
-              <a:buChar char="•"/>
-              <a:tabLst/>
               <a:defRPr/>
             </a:pPr>
             <a:r>
-              <a:rPr kumimoji="0" lang="en-US" sz="2000" b="0" i="0" u="none" strike="noStrike" kern="1200" cap="none" spc="0" normalizeH="0" baseline="0" noProof="0" dirty="0">
-                <a:ln>
-                  <a:noFill/>
-                </a:ln>
-                <a:effectLst/>
-                <a:uLnTx/>
-                <a:uFillTx/>
-                <a:latin typeface="Arial" panose="020B0604020202020204" pitchFamily="34" charset="0"/>
-                <a:ea typeface="+mn-ea"/>
-                <a:cs typeface="+mn-cs"/>
-              </a:rPr>
-              <a:t>Using renormalization group (RG) methods we can tune the scale to low RG resolution</a:t>
-            </a:r>
-          </a:p>
-          <a:p>
-            <a:pPr marL="685800" marR="0" lvl="1" indent="-228600" algn="l" defTabSz="914400" rtl="0" eaLnBrk="1" fontAlgn="auto" latinLnBrk="0" hangingPunct="1">
+              <a:rPr lang="en-US" sz="2000" dirty="0"/>
+              <a:t>The SRC </a:t>
+            </a:r>
+            <a:r>
+              <a:rPr lang="en-US" sz="2000" i="1" dirty="0"/>
+              <a:t>physics</a:t>
+            </a:r>
+            <a:r>
+              <a:rPr lang="en-US" sz="2000" dirty="0"/>
+              <a:t> is shifted into the reaction operators from the nuclear wave function (which becomes soft)</a:t>
+            </a:r>
+          </a:p>
+          <a:p>
+            <a:pPr lvl="1">
               <a:lnSpc>
                 <a:spcPct val="110000"/>
               </a:lnSpc>
-              <a:spcBef>
-                <a:spcPts val="500"/>
-              </a:spcBef>
-              <a:spcAft>
-                <a:spcPts val="0"/>
-              </a:spcAft>
-              <a:buClrTx/>
-              <a:buSzTx/>
-              <a:buFont typeface="Arial" panose="020B0604020202020204" pitchFamily="34" charset="0"/>
-              <a:buChar char="•"/>
-              <a:tabLst/>
               <a:defRPr/>
             </a:pPr>
             <a:r>
-              <a:rPr kumimoji="0" lang="en-US" sz="2000" b="0" i="0" u="none" strike="noStrike" kern="1200" cap="none" spc="0" normalizeH="0" baseline="0" noProof="0" dirty="0">
-                <a:ln>
-                  <a:noFill/>
-                </a:ln>
-                <a:effectLst/>
-                <a:uLnTx/>
-                <a:uFillTx/>
-                <a:latin typeface="Arial" panose="020B0604020202020204" pitchFamily="34" charset="0"/>
-                <a:ea typeface="+mn-ea"/>
-                <a:cs typeface="+mn-cs"/>
-              </a:rPr>
-              <a:t>The SRC </a:t>
-            </a:r>
-            <a:r>
-              <a:rPr kumimoji="0" lang="en-US" sz="2000" b="0" i="1" u="none" strike="noStrike" kern="1200" cap="none" spc="0" normalizeH="0" baseline="0" noProof="0" dirty="0">
-                <a:ln>
-                  <a:noFill/>
-                </a:ln>
-                <a:effectLst/>
-                <a:uLnTx/>
-                <a:uFillTx/>
-                <a:latin typeface="Arial" panose="020B0604020202020204" pitchFamily="34" charset="0"/>
-                <a:ea typeface="+mn-ea"/>
-                <a:cs typeface="+mn-cs"/>
-              </a:rPr>
-              <a:t>physics</a:t>
-            </a:r>
-            <a:r>
-              <a:rPr kumimoji="0" lang="en-US" sz="2000" b="0" i="0" u="none" strike="noStrike" kern="1200" cap="none" spc="0" normalizeH="0" baseline="0" noProof="0" dirty="0">
-                <a:ln>
-                  <a:noFill/>
-                </a:ln>
-                <a:effectLst/>
-                <a:uLnTx/>
-                <a:uFillTx/>
-                <a:latin typeface="Arial" panose="020B0604020202020204" pitchFamily="34" charset="0"/>
-                <a:ea typeface="+mn-ea"/>
-                <a:cs typeface="+mn-cs"/>
-              </a:rPr>
-              <a:t> is shifted into the reaction operators from the nuclear wave function (which becomes soft)</a:t>
+              <a:rPr lang="en-US" sz="2000" dirty="0"/>
+              <a:t>Operators do not become hard which simplifies calculations</a:t>
             </a:r>
           </a:p>
           <a:p>
@@ -33029,11 +34458,18 @@
           <a:lstStyle/>
           <a:p>
             <a:r>
+              <a:rPr lang="en-US" sz="2000" b="1" dirty="0">
+                <a:latin typeface="Arial" panose="020B0604020202020204" pitchFamily="34" charset="0"/>
+                <a:cs typeface="Arial" panose="020B0604020202020204" pitchFamily="34" charset="0"/>
+              </a:rPr>
+              <a:t>Fig. 1</a:t>
+            </a:r>
+            <a:r>
               <a:rPr lang="en-US" sz="2000" dirty="0">
                 <a:latin typeface="Arial" panose="020B0604020202020204" pitchFamily="34" charset="0"/>
                 <a:cs typeface="Arial" panose="020B0604020202020204" pitchFamily="34" charset="0"/>
               </a:rPr>
-              <a:t>Fig. 1: Momentum space matrix elements of Argonne v18 (AV18) under SRG evolution in </a:t>
+              <a:t>: Momentum space matrix elements of Argonne v18 (AV18) under SRG evolution in </a:t>
             </a:r>
             <a:r>
               <a:rPr lang="en-US" sz="2000" baseline="30000" dirty="0">
@@ -33752,11 +35188,18 @@
           <a:lstStyle/>
           <a:p>
             <a:r>
+              <a:rPr lang="en-US" sz="2000" b="1" dirty="0">
+                <a:latin typeface="Arial" panose="020B0604020202020204" pitchFamily="34" charset="0"/>
+                <a:cs typeface="Arial" panose="020B0604020202020204" pitchFamily="34" charset="0"/>
+              </a:rPr>
+              <a:t>Fig. 1</a:t>
+            </a:r>
+            <a:r>
               <a:rPr lang="en-US" sz="2000" dirty="0">
                 <a:latin typeface="Arial" panose="020B0604020202020204" pitchFamily="34" charset="0"/>
                 <a:cs typeface="Arial" panose="020B0604020202020204" pitchFamily="34" charset="0"/>
               </a:rPr>
-              <a:t>Fig. 1: Momentum space matrix elements of Argonne v18 (AV18) under SRG evolution in </a:t>
+              <a:t>: Momentum space matrix elements of Argonne v18 (AV18) under SRG evolution in </a:t>
             </a:r>
             <a:r>
               <a:rPr lang="en-US" sz="2000" baseline="30000" dirty="0">
@@ -34097,7 +35540,7 @@
         </p:blipFill>
         <p:spPr>
           <a:xfrm>
-            <a:off x="4841404" y="2081054"/>
+            <a:off x="4841404" y="1974518"/>
             <a:ext cx="7350596" cy="3840480"/>
           </a:xfrm>
           <a:prstGeom prst="rect">
@@ -34119,7 +35562,7 @@
         </p:nvSpPr>
         <p:spPr>
           <a:xfrm>
-            <a:off x="8967729" y="2167245"/>
+            <a:off x="8967729" y="2060709"/>
             <a:ext cx="3107040" cy="3642391"/>
           </a:xfrm>
           <a:prstGeom prst="rect">
@@ -34202,7 +35645,7 @@
         </p:nvSpPr>
         <p:spPr>
           <a:xfrm>
-            <a:off x="6580474" y="1705581"/>
+            <a:off x="6580474" y="1599045"/>
             <a:ext cx="1673792" cy="461665"/>
           </a:xfrm>
           <a:prstGeom prst="rect">
@@ -34269,7 +35712,7 @@
         </p:nvCxnSpPr>
         <p:spPr>
           <a:xfrm flipH="1">
-            <a:off x="6096000" y="2152353"/>
+            <a:off x="6096000" y="2045817"/>
             <a:ext cx="1232338" cy="1324728"/>
           </a:xfrm>
           <a:prstGeom prst="straightConnector1">
@@ -34311,7 +35754,7 @@
         </p:nvSpPr>
         <p:spPr>
           <a:xfrm>
-            <a:off x="6292467" y="5809637"/>
+            <a:off x="6292467" y="5703101"/>
             <a:ext cx="5350524" cy="646331"/>
           </a:xfrm>
           <a:prstGeom prst="rect">
@@ -34343,6 +35786,23 @@
               <a:defRPr/>
             </a:pPr>
             <a:r>
+              <a:rPr kumimoji="0" lang="en-US" sz="1800" b="1" i="0" u="none" strike="noStrike" kern="1200" cap="none" spc="0" normalizeH="0" baseline="0" noProof="0" dirty="0">
+                <a:ln>
+                  <a:noFill/>
+                </a:ln>
+                <a:solidFill>
+                  <a:prstClr val="black"/>
+                </a:solidFill>
+                <a:effectLst/>
+                <a:uLnTx/>
+                <a:uFillTx/>
+                <a:latin typeface="Arial" panose="020B0604020202020204" pitchFamily="34" charset="0"/>
+                <a:ea typeface="+mn-ea"/>
+                <a:cs typeface="Arial" panose="020B0604020202020204" pitchFamily="34" charset="0"/>
+              </a:rPr>
+              <a:t>Fig. 2</a:t>
+            </a:r>
+            <a:r>
               <a:rPr kumimoji="0" lang="en-US" sz="1800" b="0" i="0" u="none" strike="noStrike" kern="1200" cap="none" spc="0" normalizeH="0" baseline="0" noProof="0" dirty="0">
                 <a:ln>
                   <a:noFill/>
@@ -34357,7 +35817,7 @@
                 <a:ea typeface="+mn-ea"/>
                 <a:cs typeface="Arial" panose="020B0604020202020204" pitchFamily="34" charset="0"/>
               </a:rPr>
-              <a:t>Fig. 2: SRG evolution of deuteron wave function in coordinate space for AV18 and </a:t>
+              <a:t>: SRG evolution of deuteron wave function in coordinate space for AV18 and </a:t>
             </a:r>
             <a:r>
               <a:rPr kumimoji="0" lang="en-US" sz="1800" b="0" i="0" u="none" strike="noStrike" kern="1200" cap="none" spc="0" normalizeH="0" baseline="0" noProof="0" dirty="0" err="1">
@@ -34453,7 +35913,7 @@
           <a:noFill/>
         </p:spPr>
         <p:txBody>
-          <a:bodyPr wrap="none" rtlCol="0">
+          <a:bodyPr wrap="square" rtlCol="0">
             <a:spAutoFit/>
           </a:bodyPr>
           <a:lstStyle/>
@@ -34641,7 +36101,7 @@
         </p:nvSpPr>
         <p:spPr>
           <a:xfrm>
-            <a:off x="7662040" y="3453986"/>
+            <a:off x="7662040" y="3347450"/>
             <a:ext cx="1040525" cy="369332"/>
           </a:xfrm>
           <a:prstGeom prst="rect">
@@ -34706,7 +36166,7 @@
         </p:nvSpPr>
         <p:spPr>
           <a:xfrm>
-            <a:off x="6111764" y="4415682"/>
+            <a:off x="6111764" y="4309146"/>
             <a:ext cx="1040525" cy="369332"/>
           </a:xfrm>
           <a:prstGeom prst="rect">
@@ -35129,7 +36589,7 @@
         </p:blipFill>
         <p:spPr>
           <a:xfrm>
-            <a:off x="4841404" y="2081054"/>
+            <a:off x="4841404" y="1974518"/>
             <a:ext cx="7350596" cy="3840480"/>
           </a:xfrm>
           <a:prstGeom prst="rect">
@@ -35151,7 +36611,7 @@
         </p:nvSpPr>
         <p:spPr>
           <a:xfrm>
-            <a:off x="6580474" y="1705581"/>
+            <a:off x="6580474" y="1599045"/>
             <a:ext cx="1673792" cy="461665"/>
           </a:xfrm>
           <a:prstGeom prst="rect">
@@ -35218,7 +36678,7 @@
         </p:nvCxnSpPr>
         <p:spPr>
           <a:xfrm flipH="1">
-            <a:off x="6096000" y="2152353"/>
+            <a:off x="6096000" y="2045817"/>
             <a:ext cx="1232338" cy="1324728"/>
           </a:xfrm>
           <a:prstGeom prst="straightConnector1">
@@ -35262,7 +36722,7 @@
         </p:nvCxnSpPr>
         <p:spPr>
           <a:xfrm flipH="1">
-            <a:off x="9121346" y="2081591"/>
+            <a:off x="9121346" y="1975055"/>
             <a:ext cx="290351" cy="502293"/>
           </a:xfrm>
           <a:prstGeom prst="straightConnector1">
@@ -35304,7 +36764,7 @@
         </p:nvSpPr>
         <p:spPr>
           <a:xfrm>
-            <a:off x="9032314" y="1690688"/>
+            <a:off x="9032314" y="1584152"/>
             <a:ext cx="1352617" cy="461665"/>
           </a:xfrm>
           <a:prstGeom prst="rect">
@@ -35369,7 +36829,7 @@
         </p:nvSpPr>
         <p:spPr>
           <a:xfrm>
-            <a:off x="6292467" y="5809637"/>
+            <a:off x="6292467" y="5703101"/>
             <a:ext cx="5350524" cy="646331"/>
           </a:xfrm>
           <a:prstGeom prst="rect">
@@ -35401,6 +36861,23 @@
               <a:defRPr/>
             </a:pPr>
             <a:r>
+              <a:rPr kumimoji="0" lang="en-US" sz="1800" b="1" i="0" u="none" strike="noStrike" kern="1200" cap="none" spc="0" normalizeH="0" baseline="0" noProof="0" dirty="0">
+                <a:ln>
+                  <a:noFill/>
+                </a:ln>
+                <a:solidFill>
+                  <a:prstClr val="black"/>
+                </a:solidFill>
+                <a:effectLst/>
+                <a:uLnTx/>
+                <a:uFillTx/>
+                <a:latin typeface="Arial" panose="020B0604020202020204" pitchFamily="34" charset="0"/>
+                <a:ea typeface="+mn-ea"/>
+                <a:cs typeface="Arial" panose="020B0604020202020204" pitchFamily="34" charset="0"/>
+              </a:rPr>
+              <a:t>Fig. 2</a:t>
+            </a:r>
+            <a:r>
               <a:rPr kumimoji="0" lang="en-US" sz="1800" b="0" i="0" u="none" strike="noStrike" kern="1200" cap="none" spc="0" normalizeH="0" baseline="0" noProof="0" dirty="0">
                 <a:ln>
                   <a:noFill/>
@@ -35415,7 +36892,7 @@
                 <a:ea typeface="+mn-ea"/>
                 <a:cs typeface="Arial" panose="020B0604020202020204" pitchFamily="34" charset="0"/>
               </a:rPr>
-              <a:t>Fig. 2: SRG evolution of deuteron wave function in coordinate space for AV18 and </a:t>
+              <a:t>: SRG evolution of deuteron wave function in coordinate space for AV18 and </a:t>
             </a:r>
             <a:r>
               <a:rPr kumimoji="0" lang="en-US" sz="1800" b="0" i="0" u="none" strike="noStrike" kern="1200" cap="none" spc="0" normalizeH="0" baseline="0" noProof="0" dirty="0" err="1">
@@ -35502,7 +36979,7 @@
         </p:nvSpPr>
         <p:spPr>
           <a:xfrm>
-            <a:off x="7662040" y="3453986"/>
+            <a:off x="7662040" y="3347450"/>
             <a:ext cx="1040525" cy="369332"/>
           </a:xfrm>
           <a:prstGeom prst="rect">
@@ -35567,7 +37044,7 @@
         </p:nvSpPr>
         <p:spPr>
           <a:xfrm>
-            <a:off x="6111764" y="4415682"/>
+            <a:off x="6111764" y="4309146"/>
             <a:ext cx="1040525" cy="369332"/>
           </a:xfrm>
           <a:prstGeom prst="rect">
@@ -35632,7 +37109,7 @@
         </p:nvSpPr>
         <p:spPr>
           <a:xfrm>
-            <a:off x="11063451" y="3429000"/>
+            <a:off x="11063451" y="3322464"/>
             <a:ext cx="1040525" cy="369332"/>
           </a:xfrm>
           <a:prstGeom prst="rect">
@@ -35697,7 +37174,7 @@
         </p:nvSpPr>
         <p:spPr>
           <a:xfrm>
-            <a:off x="9513175" y="4390696"/>
+            <a:off x="9513175" y="4284160"/>
             <a:ext cx="1040525" cy="369332"/>
           </a:xfrm>
           <a:prstGeom prst="rect">

--- a/Presentations/APS_April2021/tropiano_aps_april2021.pptx
+++ b/Presentations/APS_April2021/tropiano_aps_april2021.pptx
@@ -222,7 +222,7 @@
           <a:p>
             <a:fld id="{D6262846-A322-4A91-AADC-BD2991192A7F}" type="datetimeFigureOut">
               <a:rPr lang="en-US" smtClean="0"/>
-              <a:t>4/16/2021</a:t>
+              <a:t>4/17/21</a:t>
             </a:fld>
             <a:endParaRPr lang="en-US"/>
           </a:p>
@@ -2736,7 +2736,7 @@
           <a:p>
             <a:fld id="{83694952-25D0-48F3-B9A6-DDD173CFC10B}" type="datetime1">
               <a:rPr lang="en-US" smtClean="0"/>
-              <a:t>4/16/2021</a:t>
+              <a:t>4/17/21</a:t>
             </a:fld>
             <a:endParaRPr lang="en-US"/>
           </a:p>
@@ -2937,7 +2937,7 @@
           <a:p>
             <a:fld id="{76740533-62D0-4628-87B8-8B05CAED2D50}" type="datetime1">
               <a:rPr lang="en-US" smtClean="0"/>
-              <a:t>4/16/2021</a:t>
+              <a:t>4/17/21</a:t>
             </a:fld>
             <a:endParaRPr lang="en-US"/>
           </a:p>
@@ -3148,7 +3148,7 @@
           <a:p>
             <a:fld id="{8699213E-46D9-4F85-A7A1-AC80546E79AC}" type="datetime1">
               <a:rPr lang="en-US" smtClean="0"/>
-              <a:t>4/16/2021</a:t>
+              <a:t>4/17/21</a:t>
             </a:fld>
             <a:endParaRPr lang="en-US"/>
           </a:p>
@@ -3371,7 +3371,7 @@
           <a:p>
             <a:fld id="{0EE1D429-401C-44CA-949A-BAE33D8092F6}" type="datetime1">
               <a:rPr lang="en-US" smtClean="0"/>
-              <a:t>4/16/2021</a:t>
+              <a:t>4/17/21</a:t>
             </a:fld>
             <a:endParaRPr lang="en-US"/>
           </a:p>
@@ -3572,7 +3572,7 @@
           <a:p>
             <a:fld id="{9D252D0C-C2D9-4EF2-8A4F-175C25128BC0}" type="datetime1">
               <a:rPr lang="en-US" smtClean="0"/>
-              <a:t>4/16/2021</a:t>
+              <a:t>4/17/21</a:t>
             </a:fld>
             <a:endParaRPr lang="en-US"/>
           </a:p>
@@ -3850,7 +3850,7 @@
           <a:p>
             <a:fld id="{5EF3860C-0BFB-4C89-9590-B1B3623EDB0D}" type="datetime1">
               <a:rPr lang="en-US" smtClean="0"/>
-              <a:t>4/16/2021</a:t>
+              <a:t>4/17/21</a:t>
             </a:fld>
             <a:endParaRPr lang="en-US"/>
           </a:p>
@@ -4118,7 +4118,7 @@
           <a:p>
             <a:fld id="{E3EA9812-83DA-43A9-9B25-C52DC38DA199}" type="datetime1">
               <a:rPr lang="en-US" smtClean="0"/>
-              <a:t>4/16/2021</a:t>
+              <a:t>4/17/21</a:t>
             </a:fld>
             <a:endParaRPr lang="en-US"/>
           </a:p>
@@ -4533,7 +4533,7 @@
           <a:p>
             <a:fld id="{CD2412D8-3B3C-40E7-8FE0-4BC82A5431F2}" type="datetime1">
               <a:rPr lang="en-US" smtClean="0"/>
-              <a:t>4/16/2021</a:t>
+              <a:t>4/17/21</a:t>
             </a:fld>
             <a:endParaRPr lang="en-US"/>
           </a:p>
@@ -4677,7 +4677,7 @@
           <a:p>
             <a:fld id="{90A11436-E252-48AF-ACF1-AC7DD58761FA}" type="datetime1">
               <a:rPr lang="en-US" smtClean="0"/>
-              <a:t>4/16/2021</a:t>
+              <a:t>4/17/21</a:t>
             </a:fld>
             <a:endParaRPr lang="en-US"/>
           </a:p>
@@ -4793,7 +4793,7 @@
           <a:p>
             <a:fld id="{EB098BCE-4D4A-4908-A9D9-BE2909934289}" type="datetime1">
               <a:rPr lang="en-US" smtClean="0"/>
-              <a:t>4/16/2021</a:t>
+              <a:t>4/17/21</a:t>
             </a:fld>
             <a:endParaRPr lang="en-US"/>
           </a:p>
@@ -5107,7 +5107,7 @@
           <a:p>
             <a:fld id="{1E694CEE-F3C9-422B-BA59-418B095FE11F}" type="datetime1">
               <a:rPr lang="en-US" smtClean="0"/>
-              <a:t>4/16/2021</a:t>
+              <a:t>4/17/21</a:t>
             </a:fld>
             <a:endParaRPr lang="en-US"/>
           </a:p>
@@ -5308,7 +5308,7 @@
           <a:p>
             <a:fld id="{132F27D5-9D01-4C9A-BAB7-31C96A19A7B4}" type="datetime1">
               <a:rPr lang="en-US" smtClean="0"/>
-              <a:t>4/16/2021</a:t>
+              <a:t>4/17/21</a:t>
             </a:fld>
             <a:endParaRPr lang="en-US"/>
           </a:p>
@@ -5602,7 +5602,7 @@
           <a:p>
             <a:fld id="{63086888-0649-4903-A156-E553867CDA81}" type="datetime1">
               <a:rPr lang="en-US" smtClean="0"/>
-              <a:t>4/16/2021</a:t>
+              <a:t>4/17/21</a:t>
             </a:fld>
             <a:endParaRPr lang="en-US"/>
           </a:p>
@@ -5803,7 +5803,7 @@
           <a:p>
             <a:fld id="{582833AB-F88C-40CB-B989-3E1E77646775}" type="datetime1">
               <a:rPr lang="en-US" smtClean="0"/>
-              <a:t>4/16/2021</a:t>
+              <a:t>4/17/21</a:t>
             </a:fld>
             <a:endParaRPr lang="en-US"/>
           </a:p>
@@ -6014,7 +6014,7 @@
           <a:p>
             <a:fld id="{1DB0E0E5-782A-4B23-8A53-F1C789AB7E0B}" type="datetime1">
               <a:rPr lang="en-US" smtClean="0"/>
-              <a:t>4/16/2021</a:t>
+              <a:t>4/17/21</a:t>
             </a:fld>
             <a:endParaRPr lang="en-US"/>
           </a:p>
@@ -6292,7 +6292,7 @@
           <a:p>
             <a:fld id="{C02D90CC-BB54-423D-BF89-BBB7066663F7}" type="datetime1">
               <a:rPr lang="en-US" smtClean="0"/>
-              <a:t>4/16/2021</a:t>
+              <a:t>4/17/21</a:t>
             </a:fld>
             <a:endParaRPr lang="en-US"/>
           </a:p>
@@ -6560,7 +6560,7 @@
           <a:p>
             <a:fld id="{D51A8861-A898-447A-A3E7-FCBDC8A3AE97}" type="datetime1">
               <a:rPr lang="en-US" smtClean="0"/>
-              <a:t>4/16/2021</a:t>
+              <a:t>4/17/21</a:t>
             </a:fld>
             <a:endParaRPr lang="en-US"/>
           </a:p>
@@ -6975,7 +6975,7 @@
           <a:p>
             <a:fld id="{60F14AFA-7BCD-4FC1-831C-FD67ABE00F70}" type="datetime1">
               <a:rPr lang="en-US" smtClean="0"/>
-              <a:t>4/16/2021</a:t>
+              <a:t>4/17/21</a:t>
             </a:fld>
             <a:endParaRPr lang="en-US"/>
           </a:p>
@@ -7119,7 +7119,7 @@
           <a:p>
             <a:fld id="{7778E428-A6A5-4EEE-8780-F0B6EEFB83D5}" type="datetime1">
               <a:rPr lang="en-US" smtClean="0"/>
-              <a:t>4/16/2021</a:t>
+              <a:t>4/17/21</a:t>
             </a:fld>
             <a:endParaRPr lang="en-US"/>
           </a:p>
@@ -7235,7 +7235,7 @@
           <a:p>
             <a:fld id="{EC6A4D24-3E18-47B6-8215-733C9684F273}" type="datetime1">
               <a:rPr lang="en-US" smtClean="0"/>
-              <a:t>4/16/2021</a:t>
+              <a:t>4/17/21</a:t>
             </a:fld>
             <a:endParaRPr lang="en-US"/>
           </a:p>
@@ -7549,7 +7549,7 @@
           <a:p>
             <a:fld id="{EBD75FB1-F39C-4721-9FBE-5CF18B3498DF}" type="datetime1">
               <a:rPr lang="en-US" smtClean="0"/>
-              <a:t>4/16/2021</a:t>
+              <a:t>4/17/21</a:t>
             </a:fld>
             <a:endParaRPr lang="en-US"/>
           </a:p>
@@ -7843,7 +7843,7 @@
           <a:p>
             <a:fld id="{B60509DC-8019-490A-A5C6-1E9B38F9A4ED}" type="datetime1">
               <a:rPr lang="en-US" smtClean="0"/>
-              <a:t>4/16/2021</a:t>
+              <a:t>4/17/21</a:t>
             </a:fld>
             <a:endParaRPr lang="en-US"/>
           </a:p>
@@ -8090,7 +8090,7 @@
           <a:p>
             <a:fld id="{2E1A0A7A-E6E7-4480-AADD-98CCD889893F}" type="datetime1">
               <a:rPr lang="en-US" smtClean="0"/>
-              <a:t>4/16/2021</a:t>
+              <a:t>4/17/21</a:t>
             </a:fld>
             <a:endParaRPr lang="en-US" dirty="0"/>
           </a:p>
@@ -8669,7 +8669,7 @@
           <a:p>
             <a:fld id="{0DD3B7D1-4027-4C3A-9F2D-D21C2FB6AED5}" type="datetime1">
               <a:rPr lang="en-US" smtClean="0"/>
-              <a:t>4/16/2021</a:t>
+              <a:t>4/17/21</a:t>
             </a:fld>
             <a:endParaRPr lang="en-US" dirty="0"/>
           </a:p>
@@ -11547,8 +11547,8 @@
           </a:prstGeom>
         </p:spPr>
       </p:pic>
-      <mc:AlternateContent xmlns:mc="http://schemas.openxmlformats.org/markup-compatibility/2006">
-        <mc:Choice xmlns:a14="http://schemas.microsoft.com/office/drawing/2010/main" Requires="a14">
+      <mc:AlternateContent xmlns:mc="http://schemas.openxmlformats.org/markup-compatibility/2006" xmlns:a14="http://schemas.microsoft.com/office/drawing/2010/main">
+        <mc:Choice Requires="a14">
           <p:sp>
             <p:nvSpPr>
               <p:cNvPr id="9" name="TextBox 8">
@@ -11636,7 +11636,7 @@
             </p:txBody>
           </p:sp>
         </mc:Choice>
-        <mc:Fallback>
+        <mc:Fallback xmlns="">
           <p:sp>
             <p:nvSpPr>
               <p:cNvPr id="9" name="TextBox 8">
@@ -12648,8 +12648,8 @@
           </a:p>
         </p:txBody>
       </p:sp>
-      <mc:AlternateContent xmlns:mc="http://schemas.openxmlformats.org/markup-compatibility/2006">
-        <mc:Choice xmlns:a14="http://schemas.microsoft.com/office/drawing/2010/main" Requires="a14">
+      <mc:AlternateContent xmlns:mc="http://schemas.openxmlformats.org/markup-compatibility/2006" xmlns:a14="http://schemas.microsoft.com/office/drawing/2010/main">
+        <mc:Choice Requires="a14">
           <p:sp>
             <p:nvSpPr>
               <p:cNvPr id="9" name="TextBox 8">
@@ -12737,7 +12737,7 @@
             </p:txBody>
           </p:sp>
         </mc:Choice>
-        <mc:Fallback>
+        <mc:Fallback xmlns="">
           <p:sp>
             <p:nvSpPr>
               <p:cNvPr id="9" name="TextBox 8">
@@ -14219,8 +14219,8 @@
           </a:p>
         </p:txBody>
       </p:sp>
-      <mc:AlternateContent xmlns:mc="http://schemas.openxmlformats.org/markup-compatibility/2006">
-        <mc:Choice xmlns:a14="http://schemas.microsoft.com/office/drawing/2010/main" Requires="a14">
+      <mc:AlternateContent xmlns:mc="http://schemas.openxmlformats.org/markup-compatibility/2006" xmlns:a14="http://schemas.microsoft.com/office/drawing/2010/main">
+        <mc:Choice Requires="a14">
           <p:sp>
             <p:nvSpPr>
               <p:cNvPr id="10" name="TextBox 9">
@@ -14308,7 +14308,7 @@
             </p:txBody>
           </p:sp>
         </mc:Choice>
-        <mc:Fallback>
+        <mc:Fallback xmlns="">
           <p:sp>
             <p:nvSpPr>
               <p:cNvPr id="10" name="TextBox 9">
@@ -16118,8 +16118,8 @@
           </a:p>
         </p:txBody>
       </p:sp>
-      <mc:AlternateContent xmlns:mc="http://schemas.openxmlformats.org/markup-compatibility/2006">
-        <mc:Choice xmlns:a14="http://schemas.microsoft.com/office/drawing/2010/main" Requires="a14">
+      <mc:AlternateContent xmlns:mc="http://schemas.openxmlformats.org/markup-compatibility/2006" xmlns:a14="http://schemas.microsoft.com/office/drawing/2010/main">
+        <mc:Choice Requires="a14">
           <p:sp>
             <p:nvSpPr>
               <p:cNvPr id="11" name="TextBox 10">
@@ -16207,7 +16207,7 @@
             </p:txBody>
           </p:sp>
         </mc:Choice>
-        <mc:Fallback>
+        <mc:Fallback xmlns="">
           <p:sp>
             <p:nvSpPr>
               <p:cNvPr id="11" name="TextBox 10">
@@ -16520,8 +16520,8 @@
           </a:p>
         </p:txBody>
       </p:sp>
-      <mc:AlternateContent xmlns:mc="http://schemas.openxmlformats.org/markup-compatibility/2006">
-        <mc:Choice xmlns:a14="http://schemas.microsoft.com/office/drawing/2010/main" Requires="a14">
+      <mc:AlternateContent xmlns:mc="http://schemas.openxmlformats.org/markup-compatibility/2006" xmlns:a14="http://schemas.microsoft.com/office/drawing/2010/main">
+        <mc:Choice Requires="a14">
           <p:sp>
             <p:nvSpPr>
               <p:cNvPr id="14" name="Content Placeholder 2">
@@ -17355,7 +17355,7 @@
             </p:txBody>
           </p:sp>
         </mc:Choice>
-        <mc:Fallback>
+        <mc:Fallback xmlns="">
           <p:sp>
             <p:nvSpPr>
               <p:cNvPr id="14" name="Content Placeholder 2">
@@ -17400,8 +17400,8 @@
           </p:sp>
         </mc:Fallback>
       </mc:AlternateContent>
-      <mc:AlternateContent xmlns:mc="http://schemas.openxmlformats.org/markup-compatibility/2006">
-        <mc:Choice xmlns:a14="http://schemas.microsoft.com/office/drawing/2010/main" Requires="a14">
+      <mc:AlternateContent xmlns:mc="http://schemas.openxmlformats.org/markup-compatibility/2006" xmlns:a14="http://schemas.microsoft.com/office/drawing/2010/main">
+        <mc:Choice Requires="a14">
           <p:sp>
             <p:nvSpPr>
               <p:cNvPr id="11" name="TextBox 10">
@@ -17489,7 +17489,7 @@
             </p:txBody>
           </p:sp>
         </mc:Choice>
-        <mc:Fallback>
+        <mc:Fallback xmlns="">
           <p:sp>
             <p:nvSpPr>
               <p:cNvPr id="11" name="TextBox 10">
@@ -17766,8 +17766,8 @@
           </a:p>
         </p:txBody>
       </p:sp>
-      <mc:AlternateContent xmlns:mc="http://schemas.openxmlformats.org/markup-compatibility/2006">
-        <mc:Choice xmlns:a14="http://schemas.microsoft.com/office/drawing/2010/main" Requires="a14">
+      <mc:AlternateContent xmlns:mc="http://schemas.openxmlformats.org/markup-compatibility/2006" xmlns:a14="http://schemas.microsoft.com/office/drawing/2010/main">
+        <mc:Choice Requires="a14">
           <p:sp>
             <p:nvSpPr>
               <p:cNvPr id="14" name="Content Placeholder 2">
@@ -19402,7 +19402,7 @@
             </p:txBody>
           </p:sp>
         </mc:Choice>
-        <mc:Fallback>
+        <mc:Fallback xmlns="">
           <p:sp>
             <p:nvSpPr>
               <p:cNvPr id="14" name="Content Placeholder 2">
@@ -19852,8 +19852,8 @@
           </a:fontRef>
         </p:style>
       </p:cxnSp>
-      <mc:AlternateContent xmlns:mc="http://schemas.openxmlformats.org/markup-compatibility/2006">
-        <mc:Choice xmlns:a14="http://schemas.microsoft.com/office/drawing/2010/main" Requires="a14">
+      <mc:AlternateContent xmlns:mc="http://schemas.openxmlformats.org/markup-compatibility/2006" xmlns:a14="http://schemas.microsoft.com/office/drawing/2010/main">
+        <mc:Choice Requires="a14">
           <p:sp>
             <p:nvSpPr>
               <p:cNvPr id="15" name="TextBox 14">
@@ -19941,7 +19941,7 @@
             </p:txBody>
           </p:sp>
         </mc:Choice>
-        <mc:Fallback>
+        <mc:Fallback xmlns="">
           <p:sp>
             <p:nvSpPr>
               <p:cNvPr id="15" name="TextBox 14">
@@ -20218,8 +20218,8 @@
           </a:p>
         </p:txBody>
       </p:sp>
-      <mc:AlternateContent xmlns:mc="http://schemas.openxmlformats.org/markup-compatibility/2006">
-        <mc:Choice xmlns:a14="http://schemas.microsoft.com/office/drawing/2010/main" Requires="a14">
+      <mc:AlternateContent xmlns:mc="http://schemas.openxmlformats.org/markup-compatibility/2006" xmlns:a14="http://schemas.microsoft.com/office/drawing/2010/main">
+        <mc:Choice Requires="a14">
           <p:sp>
             <p:nvSpPr>
               <p:cNvPr id="14" name="Content Placeholder 2">
@@ -22384,7 +22384,7 @@
             </p:txBody>
           </p:sp>
         </mc:Choice>
-        <mc:Fallback>
+        <mc:Fallback xmlns="">
           <p:sp>
             <p:nvSpPr>
               <p:cNvPr id="14" name="Content Placeholder 2">
@@ -22987,8 +22987,8 @@
           </a:p>
         </p:txBody>
       </p:sp>
-      <mc:AlternateContent xmlns:mc="http://schemas.openxmlformats.org/markup-compatibility/2006">
-        <mc:Choice xmlns:a14="http://schemas.microsoft.com/office/drawing/2010/main" Requires="a14">
+      <mc:AlternateContent xmlns:mc="http://schemas.openxmlformats.org/markup-compatibility/2006" xmlns:a14="http://schemas.microsoft.com/office/drawing/2010/main">
+        <mc:Choice Requires="a14">
           <p:sp>
             <p:nvSpPr>
               <p:cNvPr id="15" name="TextBox 14">
@@ -23076,7 +23076,7 @@
             </p:txBody>
           </p:sp>
         </mc:Choice>
-        <mc:Fallback>
+        <mc:Fallback xmlns="">
           <p:sp>
             <p:nvSpPr>
               <p:cNvPr id="15" name="TextBox 14">
@@ -23266,8 +23266,8 @@
           </a:p>
         </p:txBody>
       </p:sp>
-      <mc:AlternateContent xmlns:mc="http://schemas.openxmlformats.org/markup-compatibility/2006" xmlns:a14="http://schemas.microsoft.com/office/drawing/2010/main">
-        <mc:Choice Requires="a14">
+      <mc:AlternateContent xmlns:mc="http://schemas.openxmlformats.org/markup-compatibility/2006">
+        <mc:Choice xmlns:a14="http://schemas.microsoft.com/office/drawing/2010/main" Requires="a14">
           <p:sp>
             <p:nvSpPr>
               <p:cNvPr id="3" name="Content Placeholder 2">
@@ -23493,7 +23493,7 @@
             </p:txBody>
           </p:sp>
         </mc:Choice>
-        <mc:Fallback xmlns="">
+        <mc:Fallback>
           <p:sp>
             <p:nvSpPr>
               <p:cNvPr id="3" name="Content Placeholder 2">
@@ -23518,7 +23518,7 @@
               <a:blipFill>
                 <a:blip r:embed="rId4"/>
                 <a:stretch>
-                  <a:fillRect l="-1756" t="-1401"/>
+                  <a:fillRect l="-1826" t="-1163"/>
                 </a:stretch>
               </a:blipFill>
             </p:spPr>
@@ -23674,8 +23674,8 @@
             </p:nvSpPr>
             <p:spPr>
               <a:xfrm>
-                <a:off x="7715082" y="1027906"/>
-                <a:ext cx="4534236" cy="646331"/>
+                <a:off x="7523389" y="723483"/>
+                <a:ext cx="4700491" cy="830997"/>
               </a:xfrm>
               <a:prstGeom prst="rect">
                 <a:avLst/>
@@ -23689,44 +23689,37 @@
               <a:lstStyle/>
               <a:p>
                 <a:r>
-                  <a:rPr lang="en-US" b="1" dirty="0">
+                  <a:rPr lang="en-US" sz="1600" b="1" dirty="0">
                     <a:latin typeface="Arial" panose="020B0604020202020204" pitchFamily="34" charset="0"/>
                     <a:cs typeface="Arial" panose="020B0604020202020204" pitchFamily="34" charset="0"/>
                   </a:rPr>
                   <a:t>Fig. 4</a:t>
                 </a:r>
                 <a:r>
-                  <a:rPr lang="en-US" dirty="0">
+                  <a:rPr lang="en-US" sz="1600" dirty="0">
                     <a:latin typeface="Arial" panose="020B0604020202020204" pitchFamily="34" charset="0"/>
                     <a:cs typeface="Arial" panose="020B0604020202020204" pitchFamily="34" charset="0"/>
                   </a:rPr>
                   <a:t>: Proton momentum distribution under LDA</a:t>
                 </a:r>
                 <a:r>
-                  <a:rPr lang="en-US" b="1" dirty="0">
+                  <a:rPr lang="en-US" sz="1600" b="1" dirty="0">
                     <a:latin typeface="Arial" panose="020B0604020202020204" pitchFamily="34" charset="0"/>
                     <a:cs typeface="Arial" panose="020B0604020202020204" pitchFamily="34" charset="0"/>
                   </a:rPr>
                   <a:t> </a:t>
                 </a:r>
                 <a:r>
-                  <a:rPr lang="en-US" dirty="0">
+                  <a:rPr lang="en-US" sz="1600" dirty="0">
                     <a:latin typeface="Arial" panose="020B0604020202020204" pitchFamily="34" charset="0"/>
                     <a:cs typeface="Arial" panose="020B0604020202020204" pitchFamily="34" charset="0"/>
                   </a:rPr>
-                  <a:t>with </a:t>
-                </a:r>
-                <a:r>
-                  <a:rPr lang="en-US" sz="1800" dirty="0">
-                    <a:latin typeface="Arial" panose="020B0604020202020204" pitchFamily="34" charset="0"/>
-                    <a:cs typeface="Arial" panose="020B0604020202020204" pitchFamily="34" charset="0"/>
-                  </a:rPr>
-                  <a:t>AV18 and </a:t>
+                  <a:t>with AV18, </a:t>
                 </a:r>
                 <a14:m>
                   <m:oMath xmlns:m="http://schemas.openxmlformats.org/officeDocument/2006/math">
                     <m:r>
-                      <a:rPr lang="en-US" sz="1800" i="1" smtClean="0">
+                      <a:rPr lang="en-US" sz="1600" i="1" smtClean="0">
                         <a:latin typeface="Cambria Math" panose="02040503050406030204" pitchFamily="18" charset="0"/>
                         <a:ea typeface="Cambria Math" panose="02040503050406030204" pitchFamily="18" charset="0"/>
                         <a:cs typeface="Arial" panose="020B0604020202020204" pitchFamily="34" charset="0"/>
@@ -23734,7 +23727,7 @@
                       <m:t>𝜆</m:t>
                     </m:r>
                     <m:r>
-                      <a:rPr lang="en-US" sz="1800" b="0" i="1" smtClean="0">
+                      <a:rPr lang="en-US" sz="1600" b="0" i="1" smtClean="0">
                         <a:latin typeface="Cambria Math" panose="02040503050406030204" pitchFamily="18" charset="0"/>
                         <a:ea typeface="Cambria Math" panose="02040503050406030204" pitchFamily="18" charset="0"/>
                         <a:cs typeface="Arial" panose="020B0604020202020204" pitchFamily="34" charset="0"/>
@@ -23744,30 +23737,54 @@
                   </m:oMath>
                 </a14:m>
                 <a:r>
-                  <a:rPr lang="en-US" sz="1800" dirty="0">
+                  <a:rPr lang="en-US" sz="1600" dirty="0">
                     <a:latin typeface="Arial" panose="020B0604020202020204" pitchFamily="34" charset="0"/>
                     <a:cs typeface="Arial" panose="020B0604020202020204" pitchFamily="34" charset="0"/>
                   </a:rPr>
                   <a:t> fm</a:t>
                 </a:r>
                 <a:r>
-                  <a:rPr lang="en-US" sz="1800" baseline="30000" dirty="0">
+                  <a:rPr lang="en-US" sz="1600" baseline="30000" dirty="0">
                     <a:latin typeface="Arial" panose="020B0604020202020204" pitchFamily="34" charset="0"/>
                     <a:cs typeface="Arial" panose="020B0604020202020204" pitchFamily="34" charset="0"/>
                   </a:rPr>
                   <a:t>-1</a:t>
                 </a:r>
                 <a:r>
-                  <a:rPr lang="en-US" sz="1800" dirty="0">
+                  <a:rPr lang="en-US" sz="1600" dirty="0">
+                    <a:latin typeface="Arial" panose="020B0604020202020204" pitchFamily="34" charset="0"/>
+                    <a:cs typeface="Arial" panose="020B0604020202020204" pitchFamily="34" charset="0"/>
+                  </a:rPr>
+                  <a:t>, and densities from </a:t>
+                </a:r>
+                <a:r>
+                  <a:rPr lang="en-US" sz="1600" dirty="0" err="1">
+                    <a:latin typeface="Arial" panose="020B0604020202020204" pitchFamily="34" charset="0"/>
+                    <a:cs typeface="Arial" panose="020B0604020202020204" pitchFamily="34" charset="0"/>
+                  </a:rPr>
+                  <a:t>Skyrme</a:t>
+                </a:r>
+                <a:r>
+                  <a:rPr lang="en-US" sz="1600" dirty="0">
+                    <a:latin typeface="Arial" panose="020B0604020202020204" pitchFamily="34" charset="0"/>
+                    <a:cs typeface="Arial" panose="020B0604020202020204" pitchFamily="34" charset="0"/>
+                  </a:rPr>
+                  <a:t> potential SLy4 using the HFBRAD code</a:t>
+                </a:r>
+                <a:r>
+                  <a:rPr lang="en-US" sz="1600" baseline="30000" dirty="0">
+                    <a:latin typeface="Arial" panose="020B0604020202020204" pitchFamily="34" charset="0"/>
+                    <a:cs typeface="Arial" panose="020B0604020202020204" pitchFamily="34" charset="0"/>
+                  </a:rPr>
+                  <a:t>1</a:t>
+                </a:r>
+                <a:r>
+                  <a:rPr lang="en-US" sz="1600" dirty="0">
                     <a:latin typeface="Arial" panose="020B0604020202020204" pitchFamily="34" charset="0"/>
                     <a:cs typeface="Arial" panose="020B0604020202020204" pitchFamily="34" charset="0"/>
                   </a:rPr>
                   <a:t>.</a:t>
                 </a:r>
-                <a:endParaRPr lang="en-US" dirty="0">
-                  <a:latin typeface="Arial" panose="020B0604020202020204" pitchFamily="34" charset="0"/>
-                  <a:cs typeface="Arial" panose="020B0604020202020204" pitchFamily="34" charset="0"/>
-                </a:endParaRPr>
               </a:p>
             </p:txBody>
           </p:sp>
@@ -23789,8 +23806,8 @@
             </p:nvSpPr>
             <p:spPr>
               <a:xfrm>
-                <a:off x="7715082" y="1027906"/>
-                <a:ext cx="4534236" cy="646331"/>
+                <a:off x="7523389" y="723483"/>
+                <a:ext cx="4700491" cy="830997"/>
               </a:xfrm>
               <a:prstGeom prst="rect">
                 <a:avLst/>
@@ -23798,7 +23815,7 @@
               <a:blipFill>
                 <a:blip r:embed="rId5"/>
                 <a:stretch>
-                  <a:fillRect l="-1211" t="-5660" b="-14151"/>
+                  <a:fillRect l="-809" t="-3030" b="-9091"/>
                 </a:stretch>
               </a:blipFill>
             </p:spPr>
@@ -23817,6 +23834,121 @@
           </p:sp>
         </mc:Fallback>
       </mc:AlternateContent>
+      <p:sp>
+        <p:nvSpPr>
+          <p:cNvPr id="9" name="TextBox 8">
+            <a:extLst>
+              <a:ext uri="{FF2B5EF4-FFF2-40B4-BE49-F238E27FC236}">
+                <a16:creationId xmlns:a16="http://schemas.microsoft.com/office/drawing/2014/main" id="{E761EE2A-2240-0F4E-9D38-4D911DE0EA51}"/>
+              </a:ext>
+            </a:extLst>
+          </p:cNvPr>
+          <p:cNvSpPr txBox="1"/>
+          <p:nvPr/>
+        </p:nvSpPr>
+        <p:spPr>
+          <a:xfrm>
+            <a:off x="-532982" y="6552198"/>
+            <a:ext cx="5548314" cy="307777"/>
+          </a:xfrm>
+          <a:prstGeom prst="rect">
+            <a:avLst/>
+          </a:prstGeom>
+          <a:noFill/>
+        </p:spPr>
+        <p:txBody>
+          <a:bodyPr wrap="none" rtlCol="0">
+            <a:spAutoFit/>
+          </a:bodyPr>
+          <a:lstStyle/>
+          <a:p>
+            <a:pPr lvl="1">
+              <a:lnSpc>
+                <a:spcPct val="100000"/>
+              </a:lnSpc>
+            </a:pPr>
+            <a:r>
+              <a:rPr kumimoji="0" lang="en-US" sz="1400" b="0" i="0" u="none" strike="noStrike" kern="1200" cap="none" spc="0" normalizeH="0" baseline="30000" noProof="0" dirty="0">
+                <a:ln>
+                  <a:noFill/>
+                </a:ln>
+                <a:solidFill>
+                  <a:prstClr val="black"/>
+                </a:solidFill>
+                <a:effectLst/>
+                <a:uLnTx/>
+                <a:uFillTx/>
+                <a:latin typeface="Arial" panose="020B0604020202020204" pitchFamily="34" charset="0"/>
+                <a:cs typeface="Arial" panose="020B0604020202020204" pitchFamily="34" charset="0"/>
+              </a:rPr>
+              <a:t>1</a:t>
+            </a:r>
+            <a:r>
+              <a:rPr lang="en-US" sz="1400" dirty="0">
+                <a:latin typeface="Arial" panose="020B0604020202020204" pitchFamily="34" charset="0"/>
+                <a:cs typeface="Arial" panose="020B0604020202020204" pitchFamily="34" charset="0"/>
+              </a:rPr>
+              <a:t>K. </a:t>
+            </a:r>
+            <a:r>
+              <a:rPr lang="en-US" sz="1400" dirty="0" err="1">
+                <a:latin typeface="Arial" panose="020B0604020202020204" pitchFamily="34" charset="0"/>
+                <a:cs typeface="Arial" panose="020B0604020202020204" pitchFamily="34" charset="0"/>
+              </a:rPr>
+              <a:t>Bennaceur</a:t>
+            </a:r>
+            <a:r>
+              <a:rPr lang="en-US" sz="1400" dirty="0">
+                <a:latin typeface="Arial" panose="020B0604020202020204" pitchFamily="34" charset="0"/>
+                <a:cs typeface="Arial" panose="020B0604020202020204" pitchFamily="34" charset="0"/>
+              </a:rPr>
+              <a:t> et al., </a:t>
+            </a:r>
+            <a:r>
+              <a:rPr lang="en-US" sz="1400" dirty="0" err="1">
+                <a:latin typeface="Arial" panose="020B0604020202020204" pitchFamily="34" charset="0"/>
+                <a:cs typeface="Arial" panose="020B0604020202020204" pitchFamily="34" charset="0"/>
+              </a:rPr>
+              <a:t>Comput</a:t>
+            </a:r>
+            <a:r>
+              <a:rPr lang="en-US" sz="1400" dirty="0">
+                <a:latin typeface="Arial" panose="020B0604020202020204" pitchFamily="34" charset="0"/>
+                <a:cs typeface="Arial" panose="020B0604020202020204" pitchFamily="34" charset="0"/>
+              </a:rPr>
+              <a:t>. Phys. </a:t>
+            </a:r>
+            <a:r>
+              <a:rPr lang="en-US" sz="1400" dirty="0" err="1">
+                <a:latin typeface="Arial" panose="020B0604020202020204" pitchFamily="34" charset="0"/>
+                <a:cs typeface="Arial" panose="020B0604020202020204" pitchFamily="34" charset="0"/>
+              </a:rPr>
+              <a:t>Commun</a:t>
+            </a:r>
+            <a:r>
+              <a:rPr lang="en-US" sz="1400" dirty="0">
+                <a:latin typeface="Arial" panose="020B0604020202020204" pitchFamily="34" charset="0"/>
+                <a:cs typeface="Arial" panose="020B0604020202020204" pitchFamily="34" charset="0"/>
+              </a:rPr>
+              <a:t>. </a:t>
+            </a:r>
+            <a:r>
+              <a:rPr lang="en-US" sz="1400" b="1" dirty="0">
+                <a:latin typeface="Arial" panose="020B0604020202020204" pitchFamily="34" charset="0"/>
+                <a:cs typeface="Arial" panose="020B0604020202020204" pitchFamily="34" charset="0"/>
+              </a:rPr>
+              <a:t>168</a:t>
+            </a:r>
+            <a:r>
+              <a:rPr lang="en-US" sz="1400" dirty="0">
+                <a:latin typeface="Arial" panose="020B0604020202020204" pitchFamily="34" charset="0"/>
+                <a:cs typeface="Arial" panose="020B0604020202020204" pitchFamily="34" charset="0"/>
+              </a:rPr>
+              <a:t>, 96 (2005)</a:t>
+            </a:r>
+          </a:p>
+        </p:txBody>
+      </p:sp>
     </p:spTree>
     <p:extLst>
       <p:ext uri="{BB962C8B-B14F-4D97-AF65-F5344CB8AC3E}">
@@ -24222,8 +24354,8 @@
           </a:p>
         </p:txBody>
       </p:sp>
-      <mc:AlternateContent xmlns:mc="http://schemas.openxmlformats.org/markup-compatibility/2006">
-        <mc:Choice xmlns:a14="http://schemas.microsoft.com/office/drawing/2010/main" Requires="a14">
+      <mc:AlternateContent xmlns:mc="http://schemas.openxmlformats.org/markup-compatibility/2006" xmlns:a14="http://schemas.microsoft.com/office/drawing/2010/main">
+        <mc:Choice Requires="a14">
           <p:sp>
             <p:nvSpPr>
               <p:cNvPr id="16" name="TextBox 15">
@@ -24367,7 +24499,7 @@
             </p:txBody>
           </p:sp>
         </mc:Choice>
-        <mc:Fallback>
+        <mc:Fallback xmlns="">
           <p:sp>
             <p:nvSpPr>
               <p:cNvPr id="16" name="TextBox 15">
@@ -27553,8 +27685,8 @@
           </a:fontRef>
         </p:style>
       </p:cxnSp>
-      <mc:AlternateContent xmlns:mc="http://schemas.openxmlformats.org/markup-compatibility/2006">
-        <mc:Choice xmlns:a14="http://schemas.microsoft.com/office/drawing/2010/main" Requires="a14">
+      <mc:AlternateContent xmlns:mc="http://schemas.openxmlformats.org/markup-compatibility/2006" xmlns:a14="http://schemas.microsoft.com/office/drawing/2010/main">
+        <mc:Choice Requires="a14">
           <p:sp>
             <p:nvSpPr>
               <p:cNvPr id="28" name="Content Placeholder 2">
@@ -27923,7 +28055,7 @@
             </p:txBody>
           </p:sp>
         </mc:Choice>
-        <mc:Fallback>
+        <mc:Fallback xmlns="">
           <p:sp>
             <p:nvSpPr>
               <p:cNvPr id="28" name="Content Placeholder 2">
@@ -27967,8 +28099,8 @@
           </p:sp>
         </mc:Fallback>
       </mc:AlternateContent>
-      <mc:AlternateContent xmlns:mc="http://schemas.openxmlformats.org/markup-compatibility/2006">
-        <mc:Choice xmlns:a14="http://schemas.microsoft.com/office/drawing/2010/main" Requires="a14">
+      <mc:AlternateContent xmlns:mc="http://schemas.openxmlformats.org/markup-compatibility/2006" xmlns:a14="http://schemas.microsoft.com/office/drawing/2010/main">
+        <mc:Choice Requires="a14">
           <p:sp>
             <p:nvSpPr>
               <p:cNvPr id="3" name="TextBox 2">
@@ -28310,7 +28442,7 @@
             </p:txBody>
           </p:sp>
         </mc:Choice>
-        <mc:Fallback>
+        <mc:Fallback xmlns="">
           <p:sp>
             <p:nvSpPr>
               <p:cNvPr id="3" name="TextBox 2">
@@ -29292,8 +29424,8 @@
           </a:fontRef>
         </p:style>
       </p:cxnSp>
-      <mc:AlternateContent xmlns:mc="http://schemas.openxmlformats.org/markup-compatibility/2006">
-        <mc:Choice xmlns:a14="http://schemas.microsoft.com/office/drawing/2010/main" Requires="a14">
+      <mc:AlternateContent xmlns:mc="http://schemas.openxmlformats.org/markup-compatibility/2006" xmlns:a14="http://schemas.microsoft.com/office/drawing/2010/main">
+        <mc:Choice Requires="a14">
           <p:sp>
             <p:nvSpPr>
               <p:cNvPr id="21" name="TextBox 20">
@@ -29430,7 +29562,7 @@
             </p:txBody>
           </p:sp>
         </mc:Choice>
-        <mc:Fallback>
+        <mc:Fallback xmlns="">
           <p:sp>
             <p:nvSpPr>
               <p:cNvPr id="21" name="TextBox 20">
@@ -29584,8 +29716,8 @@
           </a:p>
         </p:txBody>
       </p:sp>
-      <mc:AlternateContent xmlns:mc="http://schemas.openxmlformats.org/markup-compatibility/2006">
-        <mc:Choice xmlns:a14="http://schemas.microsoft.com/office/drawing/2010/main" Requires="a14">
+      <mc:AlternateContent xmlns:mc="http://schemas.openxmlformats.org/markup-compatibility/2006" xmlns:a14="http://schemas.microsoft.com/office/drawing/2010/main">
+        <mc:Choice Requires="a14">
           <p:sp>
             <p:nvSpPr>
               <p:cNvPr id="3" name="Content Placeholder 2">
@@ -29763,7 +29895,7 @@
             </p:txBody>
           </p:sp>
         </mc:Choice>
-        <mc:Fallback>
+        <mc:Fallback xmlns="">
           <p:sp>
             <p:nvSpPr>
               <p:cNvPr id="3" name="Content Placeholder 2">
@@ -30073,8 +30205,8 @@
           </a:p>
         </p:txBody>
       </p:sp>
-      <mc:AlternateContent xmlns:mc="http://schemas.openxmlformats.org/markup-compatibility/2006">
-        <mc:Choice xmlns:a14="http://schemas.microsoft.com/office/drawing/2010/main" Requires="a14">
+      <mc:AlternateContent xmlns:mc="http://schemas.openxmlformats.org/markup-compatibility/2006" xmlns:a14="http://schemas.microsoft.com/office/drawing/2010/main">
+        <mc:Choice Requires="a14">
           <p:sp>
             <p:nvSpPr>
               <p:cNvPr id="16" name="TextBox 15">
@@ -30225,7 +30357,7 @@
             </p:txBody>
           </p:sp>
         </mc:Choice>
-        <mc:Fallback>
+        <mc:Fallback xmlns="">
           <p:sp>
             <p:nvSpPr>
               <p:cNvPr id="16" name="TextBox 15">
@@ -31029,8 +31161,63 @@
                 </a14:m>
                 <a:r>
                   <a:rPr lang="en-US" sz="2400" dirty="0"/>
-                  <a:t> is the single-nucleon probability distribution in nucleus A</a:t>
+                  <a:t> is the single-nucleon probability distribution in nucleus A with error bars from varying </a:t>
                 </a:r>
+                <a14:m>
+                  <m:oMath xmlns:m="http://schemas.openxmlformats.org/officeDocument/2006/math">
+                    <m:r>
+                      <m:rPr>
+                        <m:sty m:val="p"/>
+                      </m:rPr>
+                      <a:rPr lang="el-GR" sz="2400" i="1" smtClean="0">
+                        <a:solidFill>
+                          <a:schemeClr val="tx1"/>
+                        </a:solidFill>
+                        <a:latin typeface="Cambria Math" panose="02040503050406030204" pitchFamily="18" charset="0"/>
+                        <a:ea typeface="Cambria Math" panose="02040503050406030204" pitchFamily="18" charset="0"/>
+                      </a:rPr>
+                      <m:t>Δ</m:t>
+                    </m:r>
+                    <m:sSup>
+                      <m:sSupPr>
+                        <m:ctrlPr>
+                          <a:rPr lang="el-GR" sz="2400" i="1">
+                            <a:solidFill>
+                              <a:schemeClr val="tx1"/>
+                            </a:solidFill>
+                            <a:latin typeface="Cambria Math" panose="02040503050406030204" pitchFamily="18" charset="0"/>
+                            <a:ea typeface="Cambria Math" panose="02040503050406030204" pitchFamily="18" charset="0"/>
+                          </a:rPr>
+                        </m:ctrlPr>
+                      </m:sSupPr>
+                      <m:e>
+                        <m:r>
+                          <a:rPr lang="en-US" sz="2400" i="1">
+                            <a:solidFill>
+                              <a:schemeClr val="tx1"/>
+                            </a:solidFill>
+                            <a:latin typeface="Cambria Math" panose="02040503050406030204" pitchFamily="18" charset="0"/>
+                            <a:ea typeface="Cambria Math" panose="02040503050406030204" pitchFamily="18" charset="0"/>
+                          </a:rPr>
+                          <m:t>𝑝</m:t>
+                        </m:r>
+                      </m:e>
+                      <m:sup>
+                        <m:r>
+                          <a:rPr lang="en-US" sz="2400" i="1">
+                            <a:solidFill>
+                              <a:schemeClr val="tx1"/>
+                            </a:solidFill>
+                            <a:latin typeface="Cambria Math" panose="02040503050406030204" pitchFamily="18" charset="0"/>
+                            <a:ea typeface="Cambria Math" panose="02040503050406030204" pitchFamily="18" charset="0"/>
+                          </a:rPr>
+                          <m:t>h𝑖𝑔h</m:t>
+                        </m:r>
+                      </m:sup>
+                    </m:sSup>
+                  </m:oMath>
+                </a14:m>
+                <a:endParaRPr lang="en-US" sz="2400" dirty="0"/>
               </a:p>
               <a:p>
                 <a:pPr>
@@ -31087,7 +31274,7 @@
               <a:blipFill>
                 <a:blip r:embed="rId3"/>
                 <a:stretch>
-                  <a:fillRect l="-1299" t="-980" r="-200"/>
+                  <a:fillRect l="-1245" t="-2332" b="-5831"/>
                 </a:stretch>
               </a:blipFill>
             </p:spPr>
@@ -31227,8 +31414,8 @@
           </a:p>
         </p:txBody>
       </p:sp>
-      <mc:AlternateContent xmlns:mc="http://schemas.openxmlformats.org/markup-compatibility/2006">
-        <mc:Choice xmlns:a14="http://schemas.microsoft.com/office/drawing/2010/main" Requires="a14">
+      <mc:AlternateContent xmlns:mc="http://schemas.openxmlformats.org/markup-compatibility/2006" xmlns:a14="http://schemas.microsoft.com/office/drawing/2010/main">
+        <mc:Choice Requires="a14">
           <p:sp>
             <p:nvSpPr>
               <p:cNvPr id="8" name="TextBox 7">
@@ -31387,7 +31574,7 @@
             </p:txBody>
           </p:sp>
         </mc:Choice>
-        <mc:Fallback>
+        <mc:Fallback xmlns="">
           <p:sp>
             <p:nvSpPr>
               <p:cNvPr id="8" name="TextBox 7">
@@ -31446,7 +31633,7 @@
         </p:nvSpPr>
         <p:spPr>
           <a:xfrm>
-            <a:off x="7484412" y="5757699"/>
+            <a:off x="7524160" y="5862184"/>
             <a:ext cx="4597221" cy="707886"/>
           </a:xfrm>
           <a:prstGeom prst="rect">

--- a/Presentations/APS_April2021/tropiano_aps_april2021.pptx
+++ b/Presentations/APS_April2021/tropiano_aps_april2021.pptx
@@ -222,7 +222,7 @@
           <a:p>
             <a:fld id="{D6262846-A322-4A91-AADC-BD2991192A7F}" type="datetimeFigureOut">
               <a:rPr lang="en-US" smtClean="0"/>
-              <a:t>4/17/21</a:t>
+              <a:t>4/18/21</a:t>
             </a:fld>
             <a:endParaRPr lang="en-US"/>
           </a:p>
@@ -2136,10 +2136,7 @@
           <a:bodyPr/>
           <a:lstStyle/>
           <a:p>
-            <a:r>
-              <a:rPr lang="en-US" dirty="0"/>
-              <a:t>\lambda bullet point and add arrows to plot.</a:t>
-            </a:r>
+            <a:endParaRPr lang="en-US" dirty="0"/>
           </a:p>
         </p:txBody>
       </p:sp>
@@ -2223,10 +2220,7 @@
           <a:bodyPr/>
           <a:lstStyle/>
           <a:p>
-            <a:r>
-              <a:rPr lang="en-US" dirty="0"/>
-              <a:t>\lambda bullet point and add arrows to plot.</a:t>
-            </a:r>
+            <a:endParaRPr lang="en-US" dirty="0"/>
           </a:p>
         </p:txBody>
       </p:sp>
@@ -2310,18 +2304,7 @@
           <a:bodyPr/>
           <a:lstStyle/>
           <a:p>
-            <a:r>
-              <a:rPr lang="en-US" dirty="0"/>
-              <a:t>Also make sure you say AV18 lies on top of </a:t>
-            </a:r>
-            <a:r>
-              <a:rPr lang="en-US" dirty="0" err="1"/>
-              <a:t>Gezerlis</a:t>
-            </a:r>
-            <a:r>
-              <a:rPr lang="en-US" dirty="0"/>
-              <a:t>. Where does the SRC physics go? Use this as transition into next slide.</a:t>
-            </a:r>
+            <a:endParaRPr lang="en-US" dirty="0"/>
           </a:p>
         </p:txBody>
       </p:sp>
@@ -2736,7 +2719,7 @@
           <a:p>
             <a:fld id="{83694952-25D0-48F3-B9A6-DDD173CFC10B}" type="datetime1">
               <a:rPr lang="en-US" smtClean="0"/>
-              <a:t>4/17/21</a:t>
+              <a:t>4/18/21</a:t>
             </a:fld>
             <a:endParaRPr lang="en-US"/>
           </a:p>
@@ -2937,7 +2920,7 @@
           <a:p>
             <a:fld id="{76740533-62D0-4628-87B8-8B05CAED2D50}" type="datetime1">
               <a:rPr lang="en-US" smtClean="0"/>
-              <a:t>4/17/21</a:t>
+              <a:t>4/18/21</a:t>
             </a:fld>
             <a:endParaRPr lang="en-US"/>
           </a:p>
@@ -3148,7 +3131,7 @@
           <a:p>
             <a:fld id="{8699213E-46D9-4F85-A7A1-AC80546E79AC}" type="datetime1">
               <a:rPr lang="en-US" smtClean="0"/>
-              <a:t>4/17/21</a:t>
+              <a:t>4/18/21</a:t>
             </a:fld>
             <a:endParaRPr lang="en-US"/>
           </a:p>
@@ -3371,7 +3354,7 @@
           <a:p>
             <a:fld id="{0EE1D429-401C-44CA-949A-BAE33D8092F6}" type="datetime1">
               <a:rPr lang="en-US" smtClean="0"/>
-              <a:t>4/17/21</a:t>
+              <a:t>4/18/21</a:t>
             </a:fld>
             <a:endParaRPr lang="en-US"/>
           </a:p>
@@ -3572,7 +3555,7 @@
           <a:p>
             <a:fld id="{9D252D0C-C2D9-4EF2-8A4F-175C25128BC0}" type="datetime1">
               <a:rPr lang="en-US" smtClean="0"/>
-              <a:t>4/17/21</a:t>
+              <a:t>4/18/21</a:t>
             </a:fld>
             <a:endParaRPr lang="en-US"/>
           </a:p>
@@ -3850,7 +3833,7 @@
           <a:p>
             <a:fld id="{5EF3860C-0BFB-4C89-9590-B1B3623EDB0D}" type="datetime1">
               <a:rPr lang="en-US" smtClean="0"/>
-              <a:t>4/17/21</a:t>
+              <a:t>4/18/21</a:t>
             </a:fld>
             <a:endParaRPr lang="en-US"/>
           </a:p>
@@ -4118,7 +4101,7 @@
           <a:p>
             <a:fld id="{E3EA9812-83DA-43A9-9B25-C52DC38DA199}" type="datetime1">
               <a:rPr lang="en-US" smtClean="0"/>
-              <a:t>4/17/21</a:t>
+              <a:t>4/18/21</a:t>
             </a:fld>
             <a:endParaRPr lang="en-US"/>
           </a:p>
@@ -4533,7 +4516,7 @@
           <a:p>
             <a:fld id="{CD2412D8-3B3C-40E7-8FE0-4BC82A5431F2}" type="datetime1">
               <a:rPr lang="en-US" smtClean="0"/>
-              <a:t>4/17/21</a:t>
+              <a:t>4/18/21</a:t>
             </a:fld>
             <a:endParaRPr lang="en-US"/>
           </a:p>
@@ -4677,7 +4660,7 @@
           <a:p>
             <a:fld id="{90A11436-E252-48AF-ACF1-AC7DD58761FA}" type="datetime1">
               <a:rPr lang="en-US" smtClean="0"/>
-              <a:t>4/17/21</a:t>
+              <a:t>4/18/21</a:t>
             </a:fld>
             <a:endParaRPr lang="en-US"/>
           </a:p>
@@ -4793,7 +4776,7 @@
           <a:p>
             <a:fld id="{EB098BCE-4D4A-4908-A9D9-BE2909934289}" type="datetime1">
               <a:rPr lang="en-US" smtClean="0"/>
-              <a:t>4/17/21</a:t>
+              <a:t>4/18/21</a:t>
             </a:fld>
             <a:endParaRPr lang="en-US"/>
           </a:p>
@@ -5107,7 +5090,7 @@
           <a:p>
             <a:fld id="{1E694CEE-F3C9-422B-BA59-418B095FE11F}" type="datetime1">
               <a:rPr lang="en-US" smtClean="0"/>
-              <a:t>4/17/21</a:t>
+              <a:t>4/18/21</a:t>
             </a:fld>
             <a:endParaRPr lang="en-US"/>
           </a:p>
@@ -5308,7 +5291,7 @@
           <a:p>
             <a:fld id="{132F27D5-9D01-4C9A-BAB7-31C96A19A7B4}" type="datetime1">
               <a:rPr lang="en-US" smtClean="0"/>
-              <a:t>4/17/21</a:t>
+              <a:t>4/18/21</a:t>
             </a:fld>
             <a:endParaRPr lang="en-US"/>
           </a:p>
@@ -5602,7 +5585,7 @@
           <a:p>
             <a:fld id="{63086888-0649-4903-A156-E553867CDA81}" type="datetime1">
               <a:rPr lang="en-US" smtClean="0"/>
-              <a:t>4/17/21</a:t>
+              <a:t>4/18/21</a:t>
             </a:fld>
             <a:endParaRPr lang="en-US"/>
           </a:p>
@@ -5803,7 +5786,7 @@
           <a:p>
             <a:fld id="{582833AB-F88C-40CB-B989-3E1E77646775}" type="datetime1">
               <a:rPr lang="en-US" smtClean="0"/>
-              <a:t>4/17/21</a:t>
+              <a:t>4/18/21</a:t>
             </a:fld>
             <a:endParaRPr lang="en-US"/>
           </a:p>
@@ -6014,7 +5997,7 @@
           <a:p>
             <a:fld id="{1DB0E0E5-782A-4B23-8A53-F1C789AB7E0B}" type="datetime1">
               <a:rPr lang="en-US" smtClean="0"/>
-              <a:t>4/17/21</a:t>
+              <a:t>4/18/21</a:t>
             </a:fld>
             <a:endParaRPr lang="en-US"/>
           </a:p>
@@ -6292,7 +6275,7 @@
           <a:p>
             <a:fld id="{C02D90CC-BB54-423D-BF89-BBB7066663F7}" type="datetime1">
               <a:rPr lang="en-US" smtClean="0"/>
-              <a:t>4/17/21</a:t>
+              <a:t>4/18/21</a:t>
             </a:fld>
             <a:endParaRPr lang="en-US"/>
           </a:p>
@@ -6560,7 +6543,7 @@
           <a:p>
             <a:fld id="{D51A8861-A898-447A-A3E7-FCBDC8A3AE97}" type="datetime1">
               <a:rPr lang="en-US" smtClean="0"/>
-              <a:t>4/17/21</a:t>
+              <a:t>4/18/21</a:t>
             </a:fld>
             <a:endParaRPr lang="en-US"/>
           </a:p>
@@ -6975,7 +6958,7 @@
           <a:p>
             <a:fld id="{60F14AFA-7BCD-4FC1-831C-FD67ABE00F70}" type="datetime1">
               <a:rPr lang="en-US" smtClean="0"/>
-              <a:t>4/17/21</a:t>
+              <a:t>4/18/21</a:t>
             </a:fld>
             <a:endParaRPr lang="en-US"/>
           </a:p>
@@ -7119,7 +7102,7 @@
           <a:p>
             <a:fld id="{7778E428-A6A5-4EEE-8780-F0B6EEFB83D5}" type="datetime1">
               <a:rPr lang="en-US" smtClean="0"/>
-              <a:t>4/17/21</a:t>
+              <a:t>4/18/21</a:t>
             </a:fld>
             <a:endParaRPr lang="en-US"/>
           </a:p>
@@ -7235,7 +7218,7 @@
           <a:p>
             <a:fld id="{EC6A4D24-3E18-47B6-8215-733C9684F273}" type="datetime1">
               <a:rPr lang="en-US" smtClean="0"/>
-              <a:t>4/17/21</a:t>
+              <a:t>4/18/21</a:t>
             </a:fld>
             <a:endParaRPr lang="en-US"/>
           </a:p>
@@ -7549,7 +7532,7 @@
           <a:p>
             <a:fld id="{EBD75FB1-F39C-4721-9FBE-5CF18B3498DF}" type="datetime1">
               <a:rPr lang="en-US" smtClean="0"/>
-              <a:t>4/17/21</a:t>
+              <a:t>4/18/21</a:t>
             </a:fld>
             <a:endParaRPr lang="en-US"/>
           </a:p>
@@ -7843,7 +7826,7 @@
           <a:p>
             <a:fld id="{B60509DC-8019-490A-A5C6-1E9B38F9A4ED}" type="datetime1">
               <a:rPr lang="en-US" smtClean="0"/>
-              <a:t>4/17/21</a:t>
+              <a:t>4/18/21</a:t>
             </a:fld>
             <a:endParaRPr lang="en-US"/>
           </a:p>
@@ -8090,7 +8073,7 @@
           <a:p>
             <a:fld id="{2E1A0A7A-E6E7-4480-AADD-98CCD889893F}" type="datetime1">
               <a:rPr lang="en-US" smtClean="0"/>
-              <a:t>4/17/21</a:t>
+              <a:t>4/18/21</a:t>
             </a:fld>
             <a:endParaRPr lang="en-US" dirty="0"/>
           </a:p>
@@ -8669,7 +8652,7 @@
           <a:p>
             <a:fld id="{0DD3B7D1-4027-4C3A-9F2D-D21C2FB6AED5}" type="datetime1">
               <a:rPr lang="en-US" smtClean="0"/>
-              <a:t>4/17/21</a:t>
+              <a:t>4/18/21</a:t>
             </a:fld>
             <a:endParaRPr lang="en-US" dirty="0"/>
           </a:p>
@@ -23266,8 +23249,8 @@
           </a:p>
         </p:txBody>
       </p:sp>
-      <mc:AlternateContent xmlns:mc="http://schemas.openxmlformats.org/markup-compatibility/2006">
-        <mc:Choice xmlns:a14="http://schemas.microsoft.com/office/drawing/2010/main" Requires="a14">
+      <mc:AlternateContent xmlns:mc="http://schemas.openxmlformats.org/markup-compatibility/2006" xmlns:a14="http://schemas.microsoft.com/office/drawing/2010/main">
+        <mc:Choice Requires="a14">
           <p:sp>
             <p:nvSpPr>
               <p:cNvPr id="3" name="Content Placeholder 2">
@@ -23493,7 +23476,7 @@
             </p:txBody>
           </p:sp>
         </mc:Choice>
-        <mc:Fallback>
+        <mc:Fallback xmlns="">
           <p:sp>
             <p:nvSpPr>
               <p:cNvPr id="3" name="Content Placeholder 2">
@@ -23658,8 +23641,8 @@
           </a:p>
         </p:txBody>
       </p:sp>
-      <mc:AlternateContent xmlns:mc="http://schemas.openxmlformats.org/markup-compatibility/2006">
-        <mc:Choice xmlns:a14="http://schemas.microsoft.com/office/drawing/2010/main" Requires="a14">
+      <mc:AlternateContent xmlns:mc="http://schemas.openxmlformats.org/markup-compatibility/2006" xmlns:a14="http://schemas.microsoft.com/office/drawing/2010/main">
+        <mc:Choice Requires="a14">
           <p:sp>
             <p:nvSpPr>
               <p:cNvPr id="8" name="TextBox 7">
@@ -23789,7 +23772,7 @@
             </p:txBody>
           </p:sp>
         </mc:Choice>
-        <mc:Fallback>
+        <mc:Fallback xmlns="">
           <p:sp>
             <p:nvSpPr>
               <p:cNvPr id="8" name="TextBox 7">
@@ -27462,112 +27445,6 @@
       </p:pic>
       <p:sp>
         <p:nvSpPr>
-          <p:cNvPr id="13" name="Rectangle 12">
-            <a:extLst>
-              <a:ext uri="{FF2B5EF4-FFF2-40B4-BE49-F238E27FC236}">
-                <a16:creationId xmlns:a16="http://schemas.microsoft.com/office/drawing/2014/main" id="{315B4248-472C-45D0-B925-68B58013EF10}"/>
-              </a:ext>
-            </a:extLst>
-          </p:cNvPr>
-          <p:cNvSpPr/>
-          <p:nvPr/>
-        </p:nvSpPr>
-        <p:spPr>
-          <a:xfrm>
-            <a:off x="2454814" y="2201662"/>
-            <a:ext cx="451344" cy="3364776"/>
-          </a:xfrm>
-          <a:prstGeom prst="rect">
-            <a:avLst/>
-          </a:prstGeom>
-          <a:solidFill>
-            <a:schemeClr val="bg1">
-              <a:lumMod val="85000"/>
-              <a:alpha val="50000"/>
-            </a:schemeClr>
-          </a:solidFill>
-          <a:ln>
-            <a:noFill/>
-          </a:ln>
-          <a:effectLst>
-            <a:outerShdw blurRad="50800" dist="50800" dir="5400000" algn="ctr" rotWithShape="0">
-              <a:srgbClr val="000000">
-                <a:alpha val="28000"/>
-              </a:srgbClr>
-            </a:outerShdw>
-          </a:effectLst>
-        </p:spPr>
-        <p:style>
-          <a:lnRef idx="2">
-            <a:schemeClr val="accent1">
-              <a:shade val="50000"/>
-            </a:schemeClr>
-          </a:lnRef>
-          <a:fillRef idx="1">
-            <a:schemeClr val="accent1"/>
-          </a:fillRef>
-          <a:effectRef idx="0">
-            <a:schemeClr val="accent1"/>
-          </a:effectRef>
-          <a:fontRef idx="minor">
-            <a:schemeClr val="lt1"/>
-          </a:fontRef>
-        </p:style>
-        <p:txBody>
-          <a:bodyPr rtlCol="0" anchor="ctr"/>
-          <a:lstStyle/>
-          <a:p>
-            <a:pPr algn="ctr"/>
-            <a:endParaRPr lang="en-US" dirty="0"/>
-          </a:p>
-        </p:txBody>
-      </p:sp>
-      <p:cxnSp>
-        <p:nvCxnSpPr>
-          <p:cNvPr id="14" name="Straight Arrow Connector 13">
-            <a:extLst>
-              <a:ext uri="{FF2B5EF4-FFF2-40B4-BE49-F238E27FC236}">
-                <a16:creationId xmlns:a16="http://schemas.microsoft.com/office/drawing/2014/main" id="{9EC76581-7B67-4F1A-87BD-9F256256E0BE}"/>
-              </a:ext>
-            </a:extLst>
-          </p:cNvPr>
-          <p:cNvCxnSpPr>
-            <a:cxnSpLocks/>
-          </p:cNvCxnSpPr>
-          <p:nvPr/>
-        </p:nvCxnSpPr>
-        <p:spPr>
-          <a:xfrm flipH="1">
-            <a:off x="2707829" y="3924425"/>
-            <a:ext cx="396658" cy="31400"/>
-          </a:xfrm>
-          <a:prstGeom prst="straightConnector1">
-            <a:avLst/>
-          </a:prstGeom>
-          <a:ln w="38100">
-            <a:solidFill>
-              <a:srgbClr val="C00000"/>
-            </a:solidFill>
-            <a:tailEnd type="triangle"/>
-          </a:ln>
-        </p:spPr>
-        <p:style>
-          <a:lnRef idx="1">
-            <a:schemeClr val="accent1"/>
-          </a:lnRef>
-          <a:fillRef idx="0">
-            <a:schemeClr val="accent1"/>
-          </a:fillRef>
-          <a:effectRef idx="0">
-            <a:schemeClr val="accent1"/>
-          </a:effectRef>
-          <a:fontRef idx="minor">
-            <a:schemeClr val="tx1"/>
-          </a:fontRef>
-        </p:style>
-      </p:cxnSp>
-      <p:sp>
-        <p:nvSpPr>
           <p:cNvPr id="15" name="TextBox 14">
             <a:extLst>
               <a:ext uri="{FF2B5EF4-FFF2-40B4-BE49-F238E27FC236}">
@@ -27580,7 +27457,7 @@
         </p:nvSpPr>
         <p:spPr>
           <a:xfrm>
-            <a:off x="3104487" y="3699384"/>
+            <a:off x="3310922" y="3429000"/>
             <a:ext cx="1666370" cy="369332"/>
           </a:xfrm>
           <a:prstGeom prst="rect">
@@ -28487,6 +28364,106 @@
           </p:sp>
         </mc:Fallback>
       </mc:AlternateContent>
+      <p:sp>
+        <p:nvSpPr>
+          <p:cNvPr id="5" name="Oval 4">
+            <a:extLst>
+              <a:ext uri="{FF2B5EF4-FFF2-40B4-BE49-F238E27FC236}">
+                <a16:creationId xmlns:a16="http://schemas.microsoft.com/office/drawing/2014/main" id="{772D440B-8140-0344-84AE-1B5F7859EC6A}"/>
+              </a:ext>
+            </a:extLst>
+          </p:cNvPr>
+          <p:cNvSpPr/>
+          <p:nvPr/>
+        </p:nvSpPr>
+        <p:spPr>
+          <a:xfrm>
+            <a:off x="2404861" y="2112892"/>
+            <a:ext cx="498764" cy="2278804"/>
+          </a:xfrm>
+          <a:prstGeom prst="ellipse">
+            <a:avLst/>
+          </a:prstGeom>
+          <a:solidFill>
+            <a:schemeClr val="bg1">
+              <a:lumMod val="75000"/>
+              <a:alpha val="50000"/>
+            </a:schemeClr>
+          </a:solidFill>
+          <a:ln>
+            <a:noFill/>
+          </a:ln>
+        </p:spPr>
+        <p:style>
+          <a:lnRef idx="2">
+            <a:schemeClr val="accent1">
+              <a:shade val="50000"/>
+            </a:schemeClr>
+          </a:lnRef>
+          <a:fillRef idx="1">
+            <a:schemeClr val="accent1"/>
+          </a:fillRef>
+          <a:effectRef idx="0">
+            <a:schemeClr val="accent1"/>
+          </a:effectRef>
+          <a:fontRef idx="minor">
+            <a:schemeClr val="lt1"/>
+          </a:fontRef>
+        </p:style>
+        <p:txBody>
+          <a:bodyPr rtlCol="0" anchor="ctr"/>
+          <a:lstStyle/>
+          <a:p>
+            <a:pPr algn="ctr"/>
+            <a:endParaRPr lang="en-US"/>
+          </a:p>
+        </p:txBody>
+      </p:sp>
+      <p:cxnSp>
+        <p:nvCxnSpPr>
+          <p:cNvPr id="14" name="Straight Arrow Connector 13">
+            <a:extLst>
+              <a:ext uri="{FF2B5EF4-FFF2-40B4-BE49-F238E27FC236}">
+                <a16:creationId xmlns:a16="http://schemas.microsoft.com/office/drawing/2014/main" id="{9EC76581-7B67-4F1A-87BD-9F256256E0BE}"/>
+              </a:ext>
+            </a:extLst>
+          </p:cNvPr>
+          <p:cNvCxnSpPr>
+            <a:cxnSpLocks/>
+            <a:stCxn id="15" idx="1"/>
+          </p:cNvCxnSpPr>
+          <p:nvPr/>
+        </p:nvCxnSpPr>
+        <p:spPr>
+          <a:xfrm flipH="1" flipV="1">
+            <a:off x="2680488" y="3429002"/>
+            <a:ext cx="630434" cy="184664"/>
+          </a:xfrm>
+          <a:prstGeom prst="straightConnector1">
+            <a:avLst/>
+          </a:prstGeom>
+          <a:ln w="38100">
+            <a:solidFill>
+              <a:srgbClr val="FF0000"/>
+            </a:solidFill>
+            <a:tailEnd type="triangle"/>
+          </a:ln>
+        </p:spPr>
+        <p:style>
+          <a:lnRef idx="1">
+            <a:schemeClr val="accent1"/>
+          </a:lnRef>
+          <a:fillRef idx="0">
+            <a:schemeClr val="accent1"/>
+          </a:fillRef>
+          <a:effectRef idx="0">
+            <a:schemeClr val="accent1"/>
+          </a:effectRef>
+          <a:fontRef idx="minor">
+            <a:schemeClr val="tx1"/>
+          </a:fontRef>
+        </p:style>
+      </p:cxnSp>
     </p:spTree>
     <p:extLst>
       <p:ext uri="{BB962C8B-B14F-4D97-AF65-F5344CB8AC3E}">
@@ -28747,50 +28724,6 @@
           </a:p>
         </p:txBody>
       </p:sp>
-      <p:cxnSp>
-        <p:nvCxnSpPr>
-          <p:cNvPr id="10" name="Straight Arrow Connector 9">
-            <a:extLst>
-              <a:ext uri="{FF2B5EF4-FFF2-40B4-BE49-F238E27FC236}">
-                <a16:creationId xmlns:a16="http://schemas.microsoft.com/office/drawing/2014/main" id="{792D56E1-DF6E-4273-937E-693B3FC2119F}"/>
-              </a:ext>
-            </a:extLst>
-          </p:cNvPr>
-          <p:cNvCxnSpPr>
-            <a:cxnSpLocks/>
-          </p:cNvCxnSpPr>
-          <p:nvPr/>
-        </p:nvCxnSpPr>
-        <p:spPr>
-          <a:xfrm flipH="1">
-            <a:off x="1671521" y="4520582"/>
-            <a:ext cx="592285" cy="468984"/>
-          </a:xfrm>
-          <a:prstGeom prst="straightConnector1">
-            <a:avLst/>
-          </a:prstGeom>
-          <a:ln w="38100">
-            <a:solidFill>
-              <a:srgbClr val="C00000"/>
-            </a:solidFill>
-            <a:tailEnd type="triangle"/>
-          </a:ln>
-        </p:spPr>
-        <p:style>
-          <a:lnRef idx="1">
-            <a:schemeClr val="accent1"/>
-          </a:lnRef>
-          <a:fillRef idx="0">
-            <a:schemeClr val="accent1"/>
-          </a:fillRef>
-          <a:effectRef idx="0">
-            <a:schemeClr val="accent1"/>
-          </a:effectRef>
-          <a:fontRef idx="minor">
-            <a:schemeClr val="tx1"/>
-          </a:fontRef>
-        </p:style>
-      </p:cxnSp>
       <p:sp>
         <p:nvSpPr>
           <p:cNvPr id="12" name="TextBox 11">
@@ -28885,6 +28818,50 @@
           </a:p>
         </p:txBody>
       </p:sp>
+      <p:cxnSp>
+        <p:nvCxnSpPr>
+          <p:cNvPr id="10" name="Straight Arrow Connector 9">
+            <a:extLst>
+              <a:ext uri="{FF2B5EF4-FFF2-40B4-BE49-F238E27FC236}">
+                <a16:creationId xmlns:a16="http://schemas.microsoft.com/office/drawing/2014/main" id="{792D56E1-DF6E-4273-937E-693B3FC2119F}"/>
+              </a:ext>
+            </a:extLst>
+          </p:cNvPr>
+          <p:cNvCxnSpPr>
+            <a:cxnSpLocks/>
+          </p:cNvCxnSpPr>
+          <p:nvPr/>
+        </p:nvCxnSpPr>
+        <p:spPr>
+          <a:xfrm flipH="1">
+            <a:off x="1671521" y="4520582"/>
+            <a:ext cx="592285" cy="468984"/>
+          </a:xfrm>
+          <a:prstGeom prst="straightConnector1">
+            <a:avLst/>
+          </a:prstGeom>
+          <a:ln w="38100">
+            <a:solidFill>
+              <a:srgbClr val="FF0000"/>
+            </a:solidFill>
+            <a:tailEnd type="triangle"/>
+          </a:ln>
+        </p:spPr>
+        <p:style>
+          <a:lnRef idx="1">
+            <a:schemeClr val="accent1"/>
+          </a:lnRef>
+          <a:fillRef idx="0">
+            <a:schemeClr val="accent1"/>
+          </a:fillRef>
+          <a:effectRef idx="0">
+            <a:schemeClr val="accent1"/>
+          </a:effectRef>
+          <a:fontRef idx="minor">
+            <a:schemeClr val="tx1"/>
+          </a:fontRef>
+        </p:style>
+      </p:cxnSp>
       <p:sp>
         <p:nvSpPr>
           <p:cNvPr id="17" name="Content Placeholder 2">
@@ -30146,7 +30123,7 @@
           </a:prstGeom>
           <a:ln w="38100">
             <a:solidFill>
-              <a:srgbClr val="C00000"/>
+              <a:srgbClr val="FF0000"/>
             </a:solidFill>
             <a:tailEnd type="triangle"/>
           </a:ln>
@@ -30475,8 +30452,8 @@
           </a:p>
         </p:txBody>
       </p:sp>
-      <mc:AlternateContent xmlns:mc="http://schemas.openxmlformats.org/markup-compatibility/2006">
-        <mc:Choice xmlns:a14="http://schemas.microsoft.com/office/drawing/2010/main" Requires="a14">
+      <mc:AlternateContent xmlns:mc="http://schemas.openxmlformats.org/markup-compatibility/2006" xmlns:a14="http://schemas.microsoft.com/office/drawing/2010/main">
+        <mc:Choice Requires="a14">
           <p:sp>
             <p:nvSpPr>
               <p:cNvPr id="3" name="Content Placeholder 2">
@@ -31249,7 +31226,7 @@
             </p:txBody>
           </p:sp>
         </mc:Choice>
-        <mc:Fallback>
+        <mc:Fallback xmlns="">
           <p:sp>
             <p:nvSpPr>
               <p:cNvPr id="3" name="Content Placeholder 2">
@@ -35511,7 +35488,7 @@
           </a:prstGeom>
           <a:ln w="57150">
             <a:solidFill>
-              <a:srgbClr val="C00000"/>
+              <a:srgbClr val="FF0000"/>
             </a:solidFill>
             <a:tailEnd type="triangle"/>
           </a:ln>
@@ -35555,7 +35532,7 @@
           </a:prstGeom>
           <a:ln w="57150">
             <a:solidFill>
-              <a:srgbClr val="C00000"/>
+              <a:srgbClr val="FF0000"/>
             </a:solidFill>
             <a:tailEnd type="triangle"/>
           </a:ln>
